--- a/Presentation.pptx
+++ b/Presentation.pptx
@@ -4,6 +4,9 @@
   <p:sldMasterIdLst>
     <p:sldMasterId id="2147483648" r:id="rId1"/>
   </p:sldMasterIdLst>
+  <p:notesMasterIdLst>
+    <p:notesMasterId r:id="rId17"/>
+  </p:notesMasterIdLst>
   <p:sldIdLst>
     <p:sldId id="256" r:id="rId2"/>
     <p:sldId id="257" r:id="rId3"/>
@@ -13,10 +16,13 @@
     <p:sldId id="261" r:id="rId7"/>
     <p:sldId id="262" r:id="rId8"/>
     <p:sldId id="263" r:id="rId9"/>
-    <p:sldId id="267" r:id="rId10"/>
-    <p:sldId id="269" r:id="rId11"/>
-    <p:sldId id="268" r:id="rId12"/>
-    <p:sldId id="266" r:id="rId13"/>
+    <p:sldId id="272" r:id="rId10"/>
+    <p:sldId id="267" r:id="rId11"/>
+    <p:sldId id="269" r:id="rId12"/>
+    <p:sldId id="268" r:id="rId13"/>
+    <p:sldId id="270" r:id="rId14"/>
+    <p:sldId id="266" r:id="rId15"/>
+    <p:sldId id="273" r:id="rId16"/>
   </p:sldIdLst>
   <p:sldSz cx="12192000" cy="6858000"/>
   <p:notesSz cx="6858000" cy="9144000"/>
@@ -115,7 +121,2224 @@
       </a:defRPr>
     </a:lvl9pPr>
   </p:defaultTextStyle>
+  <p:extLst>
+    <p:ext uri="{EFAFB233-063F-42B5-8137-9DF3F51BA10A}">
+      <p15:sldGuideLst xmlns:p15="http://schemas.microsoft.com/office/powerpoint/2012/main"/>
+    </p:ext>
+  </p:extLst>
 </p:presentation>
+</file>
+
+<file path=ppt/charts/chart1.xml><?xml version="1.0" encoding="utf-8"?>
+<c:chartSpace xmlns:c="http://schemas.openxmlformats.org/drawingml/2006/chart" xmlns:a="http://schemas.openxmlformats.org/drawingml/2006/main" xmlns:r="http://schemas.openxmlformats.org/officeDocument/2006/relationships" xmlns:c16r2="http://schemas.microsoft.com/office/drawing/2015/06/chart">
+  <c:date1904 val="0"/>
+  <c:lang val="en-US"/>
+  <c:roundedCorners val="0"/>
+  <mc:AlternateContent xmlns:mc="http://schemas.openxmlformats.org/markup-compatibility/2006">
+    <mc:Choice xmlns:c14="http://schemas.microsoft.com/office/drawing/2007/8/2/chart" Requires="c14">
+      <c14:style val="102"/>
+    </mc:Choice>
+    <mc:Fallback>
+      <c:style val="2"/>
+    </mc:Fallback>
+  </mc:AlternateContent>
+  <c:chart>
+    <c:title>
+      <c:tx>
+        <c:rich>
+          <a:bodyPr rot="0" spcFirstLastPara="1" vertOverflow="ellipsis" vert="horz" wrap="square" anchor="ctr" anchorCtr="1"/>
+          <a:lstStyle/>
+          <a:p>
+            <a:pPr>
+              <a:defRPr sz="1400" b="0" i="0" u="none" strike="noStrike" kern="1200" spc="0" baseline="0">
+                <a:solidFill>
+                  <a:schemeClr val="tx1">
+                    <a:lumMod val="65000"/>
+                    <a:lumOff val="35000"/>
+                  </a:schemeClr>
+                </a:solidFill>
+                <a:latin typeface="+mn-lt"/>
+                <a:ea typeface="+mn-ea"/>
+                <a:cs typeface="+mn-cs"/>
+              </a:defRPr>
+            </a:pPr>
+            <a:r>
+              <a:rPr lang="en-US"/>
+              <a:t>Model Accuracy on</a:t>
+            </a:r>
+            <a:r>
+              <a:rPr lang="en-US" baseline="0"/>
+              <a:t> Test Data</a:t>
+            </a:r>
+            <a:endParaRPr lang="en-US"/>
+          </a:p>
+        </c:rich>
+      </c:tx>
+      <c:overlay val="0"/>
+      <c:spPr>
+        <a:noFill/>
+        <a:ln>
+          <a:noFill/>
+        </a:ln>
+        <a:effectLst/>
+      </c:spPr>
+      <c:txPr>
+        <a:bodyPr rot="0" spcFirstLastPara="1" vertOverflow="ellipsis" vert="horz" wrap="square" anchor="ctr" anchorCtr="1"/>
+        <a:lstStyle/>
+        <a:p>
+          <a:pPr>
+            <a:defRPr sz="1400" b="0" i="0" u="none" strike="noStrike" kern="1200" spc="0" baseline="0">
+              <a:solidFill>
+                <a:schemeClr val="tx1">
+                  <a:lumMod val="65000"/>
+                  <a:lumOff val="35000"/>
+                </a:schemeClr>
+              </a:solidFill>
+              <a:latin typeface="+mn-lt"/>
+              <a:ea typeface="+mn-ea"/>
+              <a:cs typeface="+mn-cs"/>
+            </a:defRPr>
+          </a:pPr>
+          <a:endParaRPr lang="en-US"/>
+        </a:p>
+      </c:txPr>
+    </c:title>
+    <c:autoTitleDeleted val="0"/>
+    <c:plotArea>
+      <c:layout/>
+      <c:barChart>
+        <c:barDir val="col"/>
+        <c:grouping val="clustered"/>
+        <c:varyColors val="0"/>
+        <c:ser>
+          <c:idx val="0"/>
+          <c:order val="0"/>
+          <c:spPr>
+            <a:solidFill>
+              <a:schemeClr val="accent1"/>
+            </a:solidFill>
+            <a:ln>
+              <a:noFill/>
+            </a:ln>
+            <a:effectLst/>
+          </c:spPr>
+          <c:invertIfNegative val="0"/>
+          <c:cat>
+            <c:strRef>
+              <c:f>Sheet2!$A$2:$A$8</c:f>
+              <c:strCache>
+                <c:ptCount val="7"/>
+                <c:pt idx="0">
+                  <c:v>Logistic Regression</c:v>
+                </c:pt>
+                <c:pt idx="1">
+                  <c:v>Decision Tree Classifier</c:v>
+                </c:pt>
+                <c:pt idx="2">
+                  <c:v>K Nearest Neighbors</c:v>
+                </c:pt>
+                <c:pt idx="3">
+                  <c:v>Support Vector Classification</c:v>
+                </c:pt>
+                <c:pt idx="4">
+                  <c:v>Support Vector Regression</c:v>
+                </c:pt>
+                <c:pt idx="5">
+                  <c:v>Naïve Bayes GaussianNB</c:v>
+                </c:pt>
+                <c:pt idx="6">
+                  <c:v>Neural Network MLP Classification</c:v>
+                </c:pt>
+              </c:strCache>
+            </c:strRef>
+          </c:cat>
+          <c:val>
+            <c:numRef>
+              <c:f>Sheet2!$B$2:$B$8</c:f>
+              <c:numCache>
+                <c:formatCode>0.00%</c:formatCode>
+                <c:ptCount val="7"/>
+                <c:pt idx="0">
+                  <c:v>0.77329999999999999</c:v>
+                </c:pt>
+                <c:pt idx="1">
+                  <c:v>0.70660000000000001</c:v>
+                </c:pt>
+                <c:pt idx="2">
+                  <c:v>0.69330000000000003</c:v>
+                </c:pt>
+                <c:pt idx="3" formatCode="0%">
+                  <c:v>0.68</c:v>
+                </c:pt>
+                <c:pt idx="4" formatCode="0%">
+                  <c:v>0.68</c:v>
+                </c:pt>
+                <c:pt idx="5" formatCode="0%">
+                  <c:v>0.64</c:v>
+                </c:pt>
+                <c:pt idx="6" formatCode="0%">
+                  <c:v>0.6</c:v>
+                </c:pt>
+              </c:numCache>
+            </c:numRef>
+          </c:val>
+          <c:extLst>
+            <c:ext xmlns:c16="http://schemas.microsoft.com/office/drawing/2014/chart" uri="{C3380CC4-5D6E-409C-BE32-E72D297353CC}">
+              <c16:uniqueId val="{00000000-F311-4B84-A089-FBDE358CF8DB}"/>
+            </c:ext>
+          </c:extLst>
+        </c:ser>
+        <c:dLbls>
+          <c:showLegendKey val="0"/>
+          <c:showVal val="0"/>
+          <c:showCatName val="0"/>
+          <c:showSerName val="0"/>
+          <c:showPercent val="0"/>
+          <c:showBubbleSize val="0"/>
+        </c:dLbls>
+        <c:gapWidth val="219"/>
+        <c:overlap val="-27"/>
+        <c:axId val="330403471"/>
+        <c:axId val="176546191"/>
+      </c:barChart>
+      <c:catAx>
+        <c:axId val="330403471"/>
+        <c:scaling>
+          <c:orientation val="minMax"/>
+        </c:scaling>
+        <c:delete val="0"/>
+        <c:axPos val="b"/>
+        <c:numFmt formatCode="General" sourceLinked="1"/>
+        <c:majorTickMark val="none"/>
+        <c:minorTickMark val="none"/>
+        <c:tickLblPos val="nextTo"/>
+        <c:spPr>
+          <a:noFill/>
+          <a:ln w="9525" cap="flat" cmpd="sng" algn="ctr">
+            <a:solidFill>
+              <a:schemeClr val="tx1">
+                <a:lumMod val="15000"/>
+                <a:lumOff val="85000"/>
+              </a:schemeClr>
+            </a:solidFill>
+            <a:round/>
+          </a:ln>
+          <a:effectLst/>
+        </c:spPr>
+        <c:txPr>
+          <a:bodyPr rot="-60000000" spcFirstLastPara="1" vertOverflow="ellipsis" vert="horz" wrap="square" anchor="ctr" anchorCtr="1"/>
+          <a:lstStyle/>
+          <a:p>
+            <a:pPr>
+              <a:defRPr sz="900" b="0" i="0" u="none" strike="noStrike" kern="1200" baseline="0">
+                <a:solidFill>
+                  <a:schemeClr val="tx1">
+                    <a:lumMod val="65000"/>
+                    <a:lumOff val="35000"/>
+                  </a:schemeClr>
+                </a:solidFill>
+                <a:latin typeface="+mn-lt"/>
+                <a:ea typeface="+mn-ea"/>
+                <a:cs typeface="+mn-cs"/>
+              </a:defRPr>
+            </a:pPr>
+            <a:endParaRPr lang="en-US"/>
+          </a:p>
+        </c:txPr>
+        <c:crossAx val="176546191"/>
+        <c:crosses val="autoZero"/>
+        <c:auto val="1"/>
+        <c:lblAlgn val="ctr"/>
+        <c:lblOffset val="100"/>
+        <c:noMultiLvlLbl val="0"/>
+      </c:catAx>
+      <c:valAx>
+        <c:axId val="176546191"/>
+        <c:scaling>
+          <c:orientation val="minMax"/>
+        </c:scaling>
+        <c:delete val="0"/>
+        <c:axPos val="l"/>
+        <c:majorGridlines>
+          <c:spPr>
+            <a:ln w="9525" cap="flat" cmpd="sng" algn="ctr">
+              <a:solidFill>
+                <a:schemeClr val="tx1">
+                  <a:lumMod val="15000"/>
+                  <a:lumOff val="85000"/>
+                </a:schemeClr>
+              </a:solidFill>
+              <a:round/>
+            </a:ln>
+            <a:effectLst/>
+          </c:spPr>
+        </c:majorGridlines>
+        <c:numFmt formatCode="0.00%" sourceLinked="1"/>
+        <c:majorTickMark val="none"/>
+        <c:minorTickMark val="none"/>
+        <c:tickLblPos val="nextTo"/>
+        <c:spPr>
+          <a:noFill/>
+          <a:ln>
+            <a:noFill/>
+          </a:ln>
+          <a:effectLst/>
+        </c:spPr>
+        <c:txPr>
+          <a:bodyPr rot="-60000000" spcFirstLastPara="1" vertOverflow="ellipsis" vert="horz" wrap="square" anchor="ctr" anchorCtr="1"/>
+          <a:lstStyle/>
+          <a:p>
+            <a:pPr>
+              <a:defRPr sz="900" b="0" i="0" u="none" strike="noStrike" kern="1200" baseline="0">
+                <a:solidFill>
+                  <a:schemeClr val="tx1">
+                    <a:lumMod val="65000"/>
+                    <a:lumOff val="35000"/>
+                  </a:schemeClr>
+                </a:solidFill>
+                <a:latin typeface="+mn-lt"/>
+                <a:ea typeface="+mn-ea"/>
+                <a:cs typeface="+mn-cs"/>
+              </a:defRPr>
+            </a:pPr>
+            <a:endParaRPr lang="en-US"/>
+          </a:p>
+        </c:txPr>
+        <c:crossAx val="330403471"/>
+        <c:crosses val="autoZero"/>
+        <c:crossBetween val="between"/>
+      </c:valAx>
+      <c:spPr>
+        <a:noFill/>
+        <a:ln>
+          <a:noFill/>
+        </a:ln>
+        <a:effectLst/>
+      </c:spPr>
+    </c:plotArea>
+    <c:plotVisOnly val="1"/>
+    <c:dispBlanksAs val="gap"/>
+    <c:extLst>
+      <c:ext xmlns:c16r3="http://schemas.microsoft.com/office/drawing/2017/03/chart" uri="{56B9EC1D-385E-4148-901F-78D8002777C0}">
+        <c16r3:dataDisplayOptions16>
+          <c16r3:dispNaAsBlank val="1"/>
+        </c16r3:dataDisplayOptions16>
+      </c:ext>
+    </c:extLst>
+    <c:showDLblsOverMax val="0"/>
+  </c:chart>
+  <c:spPr>
+    <a:noFill/>
+    <a:ln>
+      <a:noFill/>
+    </a:ln>
+    <a:effectLst/>
+  </c:spPr>
+  <c:txPr>
+    <a:bodyPr/>
+    <a:lstStyle/>
+    <a:p>
+      <a:pPr>
+        <a:defRPr/>
+      </a:pPr>
+      <a:endParaRPr lang="en-US"/>
+    </a:p>
+  </c:txPr>
+  <c:externalData r:id="rId3">
+    <c:autoUpdate val="0"/>
+  </c:externalData>
+</c:chartSpace>
+</file>
+
+<file path=ppt/charts/chart2.xml><?xml version="1.0" encoding="utf-8"?>
+<c:chartSpace xmlns:c="http://schemas.openxmlformats.org/drawingml/2006/chart" xmlns:a="http://schemas.openxmlformats.org/drawingml/2006/main" xmlns:r="http://schemas.openxmlformats.org/officeDocument/2006/relationships" xmlns:c16r2="http://schemas.microsoft.com/office/drawing/2015/06/chart">
+  <c:date1904 val="0"/>
+  <c:lang val="en-US"/>
+  <c:roundedCorners val="0"/>
+  <mc:AlternateContent xmlns:mc="http://schemas.openxmlformats.org/markup-compatibility/2006">
+    <mc:Choice xmlns:c14="http://schemas.microsoft.com/office/drawing/2007/8/2/chart" Requires="c14">
+      <c14:style val="102"/>
+    </mc:Choice>
+    <mc:Fallback>
+      <c:style val="2"/>
+    </mc:Fallback>
+  </mc:AlternateContent>
+  <c:chart>
+    <c:title>
+      <c:tx>
+        <c:rich>
+          <a:bodyPr rot="0" spcFirstLastPara="1" vertOverflow="ellipsis" vert="horz" wrap="square" anchor="ctr" anchorCtr="1"/>
+          <a:lstStyle/>
+          <a:p>
+            <a:pPr>
+              <a:defRPr sz="1400" b="0" i="0" u="none" strike="noStrike" kern="1200" spc="0" baseline="0">
+                <a:solidFill>
+                  <a:schemeClr val="tx1">
+                    <a:lumMod val="65000"/>
+                    <a:lumOff val="35000"/>
+                  </a:schemeClr>
+                </a:solidFill>
+                <a:latin typeface="+mn-lt"/>
+                <a:ea typeface="+mn-ea"/>
+                <a:cs typeface="+mn-cs"/>
+              </a:defRPr>
+            </a:pPr>
+            <a:r>
+              <a:rPr lang="en-US"/>
+              <a:t>Model</a:t>
+            </a:r>
+            <a:r>
+              <a:rPr lang="en-US" baseline="0"/>
+              <a:t> Accuracy on Test Data </a:t>
+            </a:r>
+            <a:endParaRPr lang="en-US"/>
+          </a:p>
+        </c:rich>
+      </c:tx>
+      <c:overlay val="0"/>
+      <c:spPr>
+        <a:noFill/>
+        <a:ln>
+          <a:noFill/>
+        </a:ln>
+        <a:effectLst/>
+      </c:spPr>
+      <c:txPr>
+        <a:bodyPr rot="0" spcFirstLastPara="1" vertOverflow="ellipsis" vert="horz" wrap="square" anchor="ctr" anchorCtr="1"/>
+        <a:lstStyle/>
+        <a:p>
+          <a:pPr>
+            <a:defRPr sz="1400" b="0" i="0" u="none" strike="noStrike" kern="1200" spc="0" baseline="0">
+              <a:solidFill>
+                <a:schemeClr val="tx1">
+                  <a:lumMod val="65000"/>
+                  <a:lumOff val="35000"/>
+                </a:schemeClr>
+              </a:solidFill>
+              <a:latin typeface="+mn-lt"/>
+              <a:ea typeface="+mn-ea"/>
+              <a:cs typeface="+mn-cs"/>
+            </a:defRPr>
+          </a:pPr>
+          <a:endParaRPr lang="en-US"/>
+        </a:p>
+      </c:txPr>
+    </c:title>
+    <c:autoTitleDeleted val="0"/>
+    <c:plotArea>
+      <c:layout/>
+      <c:barChart>
+        <c:barDir val="col"/>
+        <c:grouping val="clustered"/>
+        <c:varyColors val="0"/>
+        <c:ser>
+          <c:idx val="0"/>
+          <c:order val="0"/>
+          <c:spPr>
+            <a:solidFill>
+              <a:schemeClr val="accent1"/>
+            </a:solidFill>
+            <a:ln>
+              <a:noFill/>
+            </a:ln>
+            <a:effectLst/>
+          </c:spPr>
+          <c:invertIfNegative val="0"/>
+          <c:cat>
+            <c:strRef>
+              <c:f>[RankingResults.xlsx]Sheet1!$A$2:$A$13</c:f>
+              <c:strCache>
+                <c:ptCount val="12"/>
+                <c:pt idx="0">
+                  <c:v>Logistic Regression</c:v>
+                </c:pt>
+                <c:pt idx="1">
+                  <c:v>Random Forest</c:v>
+                </c:pt>
+                <c:pt idx="2">
+                  <c:v>Decision Tree Classifier</c:v>
+                </c:pt>
+                <c:pt idx="3">
+                  <c:v>K Nearest Neighbors</c:v>
+                </c:pt>
+                <c:pt idx="4">
+                  <c:v>Support Vector Classification</c:v>
+                </c:pt>
+                <c:pt idx="5">
+                  <c:v>Support Vector Regression</c:v>
+                </c:pt>
+                <c:pt idx="6">
+                  <c:v>Naïve Bayes GaussianNB</c:v>
+                </c:pt>
+                <c:pt idx="7">
+                  <c:v>Linear Discrimination Analysis</c:v>
+                </c:pt>
+                <c:pt idx="8">
+                  <c:v>Neural Network MLP Classification</c:v>
+                </c:pt>
+                <c:pt idx="9">
+                  <c:v>Linear Regression</c:v>
+                </c:pt>
+                <c:pt idx="10">
+                  <c:v>Quadratic Discrimination Analysis</c:v>
+                </c:pt>
+                <c:pt idx="11">
+                  <c:v>Gaussian Process Classifier</c:v>
+                </c:pt>
+              </c:strCache>
+            </c:strRef>
+          </c:cat>
+          <c:val>
+            <c:numRef>
+              <c:f>[RankingResults.xlsx]Sheet1!$B$2:$B$13</c:f>
+              <c:numCache>
+                <c:formatCode>0%</c:formatCode>
+                <c:ptCount val="12"/>
+                <c:pt idx="0" formatCode="0.00%">
+                  <c:v>0.77329999999999999</c:v>
+                </c:pt>
+                <c:pt idx="1">
+                  <c:v>0.72</c:v>
+                </c:pt>
+                <c:pt idx="2" formatCode="0.00%">
+                  <c:v>0.70660000000000001</c:v>
+                </c:pt>
+                <c:pt idx="3" formatCode="0.00%">
+                  <c:v>0.69330000000000003</c:v>
+                </c:pt>
+                <c:pt idx="4">
+                  <c:v>0.68</c:v>
+                </c:pt>
+                <c:pt idx="5">
+                  <c:v>0.68</c:v>
+                </c:pt>
+                <c:pt idx="6">
+                  <c:v>0.64</c:v>
+                </c:pt>
+                <c:pt idx="7" formatCode="0.00%">
+                  <c:v>0.61329999999999996</c:v>
+                </c:pt>
+                <c:pt idx="8">
+                  <c:v>0.6</c:v>
+                </c:pt>
+                <c:pt idx="9">
+                  <c:v>0.58599999999999997</c:v>
+                </c:pt>
+                <c:pt idx="10" formatCode="0.00%">
+                  <c:v>0.53</c:v>
+                </c:pt>
+                <c:pt idx="11" formatCode="0.00%">
+                  <c:v>0.46666000000000002</c:v>
+                </c:pt>
+              </c:numCache>
+            </c:numRef>
+          </c:val>
+          <c:extLst>
+            <c:ext xmlns:c16="http://schemas.microsoft.com/office/drawing/2014/chart" uri="{C3380CC4-5D6E-409C-BE32-E72D297353CC}">
+              <c16:uniqueId val="{00000000-A1E4-410B-94DA-20F2CEA2F116}"/>
+            </c:ext>
+          </c:extLst>
+        </c:ser>
+        <c:dLbls>
+          <c:showLegendKey val="0"/>
+          <c:showVal val="0"/>
+          <c:showCatName val="0"/>
+          <c:showSerName val="0"/>
+          <c:showPercent val="0"/>
+          <c:showBubbleSize val="0"/>
+        </c:dLbls>
+        <c:gapWidth val="219"/>
+        <c:overlap val="-27"/>
+        <c:axId val="197024175"/>
+        <c:axId val="176536207"/>
+      </c:barChart>
+      <c:catAx>
+        <c:axId val="197024175"/>
+        <c:scaling>
+          <c:orientation val="minMax"/>
+        </c:scaling>
+        <c:delete val="0"/>
+        <c:axPos val="b"/>
+        <c:numFmt formatCode="General" sourceLinked="1"/>
+        <c:majorTickMark val="none"/>
+        <c:minorTickMark val="none"/>
+        <c:tickLblPos val="nextTo"/>
+        <c:spPr>
+          <a:noFill/>
+          <a:ln w="9525" cap="flat" cmpd="sng" algn="ctr">
+            <a:solidFill>
+              <a:schemeClr val="tx1">
+                <a:lumMod val="15000"/>
+                <a:lumOff val="85000"/>
+              </a:schemeClr>
+            </a:solidFill>
+            <a:round/>
+          </a:ln>
+          <a:effectLst/>
+        </c:spPr>
+        <c:txPr>
+          <a:bodyPr rot="-60000000" spcFirstLastPara="1" vertOverflow="ellipsis" vert="horz" wrap="square" anchor="ctr" anchorCtr="1"/>
+          <a:lstStyle/>
+          <a:p>
+            <a:pPr>
+              <a:defRPr sz="900" b="0" i="0" u="none" strike="noStrike" kern="1200" baseline="0">
+                <a:solidFill>
+                  <a:schemeClr val="tx1">
+                    <a:lumMod val="65000"/>
+                    <a:lumOff val="35000"/>
+                  </a:schemeClr>
+                </a:solidFill>
+                <a:latin typeface="+mn-lt"/>
+                <a:ea typeface="+mn-ea"/>
+                <a:cs typeface="+mn-cs"/>
+              </a:defRPr>
+            </a:pPr>
+            <a:endParaRPr lang="en-US"/>
+          </a:p>
+        </c:txPr>
+        <c:crossAx val="176536207"/>
+        <c:crosses val="autoZero"/>
+        <c:auto val="1"/>
+        <c:lblAlgn val="ctr"/>
+        <c:lblOffset val="100"/>
+        <c:noMultiLvlLbl val="0"/>
+      </c:catAx>
+      <c:valAx>
+        <c:axId val="176536207"/>
+        <c:scaling>
+          <c:orientation val="minMax"/>
+        </c:scaling>
+        <c:delete val="0"/>
+        <c:axPos val="l"/>
+        <c:majorGridlines>
+          <c:spPr>
+            <a:ln w="9525" cap="flat" cmpd="sng" algn="ctr">
+              <a:solidFill>
+                <a:schemeClr val="tx1">
+                  <a:lumMod val="15000"/>
+                  <a:lumOff val="85000"/>
+                </a:schemeClr>
+              </a:solidFill>
+              <a:round/>
+            </a:ln>
+            <a:effectLst/>
+          </c:spPr>
+        </c:majorGridlines>
+        <c:numFmt formatCode="0.00%" sourceLinked="1"/>
+        <c:majorTickMark val="none"/>
+        <c:minorTickMark val="none"/>
+        <c:tickLblPos val="nextTo"/>
+        <c:spPr>
+          <a:noFill/>
+          <a:ln>
+            <a:noFill/>
+          </a:ln>
+          <a:effectLst/>
+        </c:spPr>
+        <c:txPr>
+          <a:bodyPr rot="-60000000" spcFirstLastPara="1" vertOverflow="ellipsis" vert="horz" wrap="square" anchor="ctr" anchorCtr="1"/>
+          <a:lstStyle/>
+          <a:p>
+            <a:pPr>
+              <a:defRPr sz="900" b="0" i="0" u="none" strike="noStrike" kern="1200" baseline="0">
+                <a:solidFill>
+                  <a:schemeClr val="tx1">
+                    <a:lumMod val="65000"/>
+                    <a:lumOff val="35000"/>
+                  </a:schemeClr>
+                </a:solidFill>
+                <a:latin typeface="+mn-lt"/>
+                <a:ea typeface="+mn-ea"/>
+                <a:cs typeface="+mn-cs"/>
+              </a:defRPr>
+            </a:pPr>
+            <a:endParaRPr lang="en-US"/>
+          </a:p>
+        </c:txPr>
+        <c:crossAx val="197024175"/>
+        <c:crosses val="autoZero"/>
+        <c:crossBetween val="between"/>
+      </c:valAx>
+      <c:spPr>
+        <a:noFill/>
+        <a:ln>
+          <a:noFill/>
+        </a:ln>
+        <a:effectLst/>
+      </c:spPr>
+    </c:plotArea>
+    <c:plotVisOnly val="1"/>
+    <c:dispBlanksAs val="gap"/>
+    <c:extLst>
+      <c:ext xmlns:c16r3="http://schemas.microsoft.com/office/drawing/2017/03/chart" uri="{56B9EC1D-385E-4148-901F-78D8002777C0}">
+        <c16r3:dataDisplayOptions16>
+          <c16r3:dispNaAsBlank val="1"/>
+        </c16r3:dataDisplayOptions16>
+      </c:ext>
+    </c:extLst>
+    <c:showDLblsOverMax val="0"/>
+  </c:chart>
+  <c:spPr>
+    <a:noFill/>
+    <a:ln>
+      <a:noFill/>
+    </a:ln>
+    <a:effectLst/>
+  </c:spPr>
+  <c:txPr>
+    <a:bodyPr/>
+    <a:lstStyle/>
+    <a:p>
+      <a:pPr>
+        <a:defRPr/>
+      </a:pPr>
+      <a:endParaRPr lang="en-US"/>
+    </a:p>
+  </c:txPr>
+  <c:externalData r:id="rId3">
+    <c:autoUpdate val="0"/>
+  </c:externalData>
+</c:chartSpace>
+</file>
+
+<file path=ppt/charts/colors1.xml><?xml version="1.0" encoding="utf-8"?>
+<cs:colorStyle xmlns:cs="http://schemas.microsoft.com/office/drawing/2012/chartStyle" xmlns:a="http://schemas.openxmlformats.org/drawingml/2006/main" meth="cycle" id="10">
+  <a:schemeClr val="accent1"/>
+  <a:schemeClr val="accent2"/>
+  <a:schemeClr val="accent3"/>
+  <a:schemeClr val="accent4"/>
+  <a:schemeClr val="accent5"/>
+  <a:schemeClr val="accent6"/>
+  <cs:variation/>
+  <cs:variation>
+    <a:lumMod val="60000"/>
+  </cs:variation>
+  <cs:variation>
+    <a:lumMod val="80000"/>
+    <a:lumOff val="20000"/>
+  </cs:variation>
+  <cs:variation>
+    <a:lumMod val="80000"/>
+  </cs:variation>
+  <cs:variation>
+    <a:lumMod val="60000"/>
+    <a:lumOff val="40000"/>
+  </cs:variation>
+  <cs:variation>
+    <a:lumMod val="50000"/>
+  </cs:variation>
+  <cs:variation>
+    <a:lumMod val="70000"/>
+    <a:lumOff val="30000"/>
+  </cs:variation>
+  <cs:variation>
+    <a:lumMod val="70000"/>
+  </cs:variation>
+  <cs:variation>
+    <a:lumMod val="50000"/>
+    <a:lumOff val="50000"/>
+  </cs:variation>
+</cs:colorStyle>
+</file>
+
+<file path=ppt/charts/colors2.xml><?xml version="1.0" encoding="utf-8"?>
+<cs:colorStyle xmlns:cs="http://schemas.microsoft.com/office/drawing/2012/chartStyle" xmlns:a="http://schemas.openxmlformats.org/drawingml/2006/main" meth="cycle" id="10">
+  <a:schemeClr val="accent1"/>
+  <a:schemeClr val="accent2"/>
+  <a:schemeClr val="accent3"/>
+  <a:schemeClr val="accent4"/>
+  <a:schemeClr val="accent5"/>
+  <a:schemeClr val="accent6"/>
+  <cs:variation/>
+  <cs:variation>
+    <a:lumMod val="60000"/>
+  </cs:variation>
+  <cs:variation>
+    <a:lumMod val="80000"/>
+    <a:lumOff val="20000"/>
+  </cs:variation>
+  <cs:variation>
+    <a:lumMod val="80000"/>
+  </cs:variation>
+  <cs:variation>
+    <a:lumMod val="60000"/>
+    <a:lumOff val="40000"/>
+  </cs:variation>
+  <cs:variation>
+    <a:lumMod val="50000"/>
+  </cs:variation>
+  <cs:variation>
+    <a:lumMod val="70000"/>
+    <a:lumOff val="30000"/>
+  </cs:variation>
+  <cs:variation>
+    <a:lumMod val="70000"/>
+  </cs:variation>
+  <cs:variation>
+    <a:lumMod val="50000"/>
+    <a:lumOff val="50000"/>
+  </cs:variation>
+</cs:colorStyle>
+</file>
+
+<file path=ppt/charts/style1.xml><?xml version="1.0" encoding="utf-8"?>
+<cs:chartStyle xmlns:cs="http://schemas.microsoft.com/office/drawing/2012/chartStyle" xmlns:a="http://schemas.openxmlformats.org/drawingml/2006/main" id="201">
+  <cs:axisTitle>
+    <cs:lnRef idx="0"/>
+    <cs:fillRef idx="0"/>
+    <cs:effectRef idx="0"/>
+    <cs:fontRef idx="minor">
+      <a:schemeClr val="tx1">
+        <a:lumMod val="65000"/>
+        <a:lumOff val="35000"/>
+      </a:schemeClr>
+    </cs:fontRef>
+    <cs:defRPr sz="1000" kern="1200"/>
+  </cs:axisTitle>
+  <cs:categoryAxis>
+    <cs:lnRef idx="0"/>
+    <cs:fillRef idx="0"/>
+    <cs:effectRef idx="0"/>
+    <cs:fontRef idx="minor">
+      <a:schemeClr val="tx1">
+        <a:lumMod val="65000"/>
+        <a:lumOff val="35000"/>
+      </a:schemeClr>
+    </cs:fontRef>
+    <cs:spPr>
+      <a:ln w="9525" cap="flat" cmpd="sng" algn="ctr">
+        <a:solidFill>
+          <a:schemeClr val="tx1">
+            <a:lumMod val="15000"/>
+            <a:lumOff val="85000"/>
+          </a:schemeClr>
+        </a:solidFill>
+        <a:round/>
+      </a:ln>
+    </cs:spPr>
+    <cs:defRPr sz="900" kern="1200"/>
+  </cs:categoryAxis>
+  <cs:chartArea mods="allowNoFillOverride allowNoLineOverride">
+    <cs:lnRef idx="0"/>
+    <cs:fillRef idx="0"/>
+    <cs:effectRef idx="0"/>
+    <cs:fontRef idx="minor">
+      <a:schemeClr val="tx1"/>
+    </cs:fontRef>
+    <cs:spPr>
+      <a:solidFill>
+        <a:schemeClr val="bg1"/>
+      </a:solidFill>
+      <a:ln w="9525" cap="flat" cmpd="sng" algn="ctr">
+        <a:solidFill>
+          <a:schemeClr val="tx1">
+            <a:lumMod val="15000"/>
+            <a:lumOff val="85000"/>
+          </a:schemeClr>
+        </a:solidFill>
+        <a:round/>
+      </a:ln>
+    </cs:spPr>
+    <cs:defRPr sz="1000" kern="1200"/>
+  </cs:chartArea>
+  <cs:dataLabel>
+    <cs:lnRef idx="0"/>
+    <cs:fillRef idx="0"/>
+    <cs:effectRef idx="0"/>
+    <cs:fontRef idx="minor">
+      <a:schemeClr val="tx1">
+        <a:lumMod val="75000"/>
+        <a:lumOff val="25000"/>
+      </a:schemeClr>
+    </cs:fontRef>
+    <cs:defRPr sz="900" kern="1200"/>
+  </cs:dataLabel>
+  <cs:dataLabelCallout>
+    <cs:lnRef idx="0"/>
+    <cs:fillRef idx="0"/>
+    <cs:effectRef idx="0"/>
+    <cs:fontRef idx="minor">
+      <a:schemeClr val="dk1">
+        <a:lumMod val="65000"/>
+        <a:lumOff val="35000"/>
+      </a:schemeClr>
+    </cs:fontRef>
+    <cs:spPr>
+      <a:solidFill>
+        <a:schemeClr val="lt1"/>
+      </a:solidFill>
+      <a:ln>
+        <a:solidFill>
+          <a:schemeClr val="dk1">
+            <a:lumMod val="25000"/>
+            <a:lumOff val="75000"/>
+          </a:schemeClr>
+        </a:solidFill>
+      </a:ln>
+    </cs:spPr>
+    <cs:defRPr sz="900" kern="1200"/>
+    <cs:bodyPr rot="0" spcFirstLastPara="1" vertOverflow="clip" horzOverflow="clip" vert="horz" wrap="square" lIns="36576" tIns="18288" rIns="36576" bIns="18288" anchor="ctr" anchorCtr="1">
+      <a:spAutoFit/>
+    </cs:bodyPr>
+  </cs:dataLabelCallout>
+  <cs:dataPoint>
+    <cs:lnRef idx="0"/>
+    <cs:fillRef idx="1">
+      <cs:styleClr val="auto"/>
+    </cs:fillRef>
+    <cs:effectRef idx="0"/>
+    <cs:fontRef idx="minor">
+      <a:schemeClr val="tx1"/>
+    </cs:fontRef>
+  </cs:dataPoint>
+  <cs:dataPoint3D>
+    <cs:lnRef idx="0"/>
+    <cs:fillRef idx="1">
+      <cs:styleClr val="auto"/>
+    </cs:fillRef>
+    <cs:effectRef idx="0"/>
+    <cs:fontRef idx="minor">
+      <a:schemeClr val="tx1"/>
+    </cs:fontRef>
+  </cs:dataPoint3D>
+  <cs:dataPointLine>
+    <cs:lnRef idx="0">
+      <cs:styleClr val="auto"/>
+    </cs:lnRef>
+    <cs:fillRef idx="1"/>
+    <cs:effectRef idx="0"/>
+    <cs:fontRef idx="minor">
+      <a:schemeClr val="tx1"/>
+    </cs:fontRef>
+    <cs:spPr>
+      <a:ln w="28575" cap="rnd">
+        <a:solidFill>
+          <a:schemeClr val="phClr"/>
+        </a:solidFill>
+        <a:round/>
+      </a:ln>
+    </cs:spPr>
+  </cs:dataPointLine>
+  <cs:dataPointMarker>
+    <cs:lnRef idx="0">
+      <cs:styleClr val="auto"/>
+    </cs:lnRef>
+    <cs:fillRef idx="1">
+      <cs:styleClr val="auto"/>
+    </cs:fillRef>
+    <cs:effectRef idx="0"/>
+    <cs:fontRef idx="minor">
+      <a:schemeClr val="tx1"/>
+    </cs:fontRef>
+    <cs:spPr>
+      <a:ln w="9525">
+        <a:solidFill>
+          <a:schemeClr val="phClr"/>
+        </a:solidFill>
+      </a:ln>
+    </cs:spPr>
+  </cs:dataPointMarker>
+  <cs:dataPointMarkerLayout symbol="circle" size="5"/>
+  <cs:dataPointWireframe>
+    <cs:lnRef idx="0">
+      <cs:styleClr val="auto"/>
+    </cs:lnRef>
+    <cs:fillRef idx="1"/>
+    <cs:effectRef idx="0"/>
+    <cs:fontRef idx="minor">
+      <a:schemeClr val="tx1"/>
+    </cs:fontRef>
+    <cs:spPr>
+      <a:ln w="9525" cap="rnd">
+        <a:solidFill>
+          <a:schemeClr val="phClr"/>
+        </a:solidFill>
+        <a:round/>
+      </a:ln>
+    </cs:spPr>
+  </cs:dataPointWireframe>
+  <cs:dataTable>
+    <cs:lnRef idx="0"/>
+    <cs:fillRef idx="0"/>
+    <cs:effectRef idx="0"/>
+    <cs:fontRef idx="minor">
+      <a:schemeClr val="tx1">
+        <a:lumMod val="65000"/>
+        <a:lumOff val="35000"/>
+      </a:schemeClr>
+    </cs:fontRef>
+    <cs:spPr>
+      <a:noFill/>
+      <a:ln w="9525" cap="flat" cmpd="sng" algn="ctr">
+        <a:solidFill>
+          <a:schemeClr val="tx1">
+            <a:lumMod val="15000"/>
+            <a:lumOff val="85000"/>
+          </a:schemeClr>
+        </a:solidFill>
+        <a:round/>
+      </a:ln>
+    </cs:spPr>
+    <cs:defRPr sz="900" kern="1200"/>
+  </cs:dataTable>
+  <cs:downBar>
+    <cs:lnRef idx="0"/>
+    <cs:fillRef idx="0"/>
+    <cs:effectRef idx="0"/>
+    <cs:fontRef idx="minor">
+      <a:schemeClr val="dk1"/>
+    </cs:fontRef>
+    <cs:spPr>
+      <a:solidFill>
+        <a:schemeClr val="dk1">
+          <a:lumMod val="65000"/>
+          <a:lumOff val="35000"/>
+        </a:schemeClr>
+      </a:solidFill>
+      <a:ln w="9525">
+        <a:solidFill>
+          <a:schemeClr val="tx1">
+            <a:lumMod val="65000"/>
+            <a:lumOff val="35000"/>
+          </a:schemeClr>
+        </a:solidFill>
+      </a:ln>
+    </cs:spPr>
+  </cs:downBar>
+  <cs:dropLine>
+    <cs:lnRef idx="0"/>
+    <cs:fillRef idx="0"/>
+    <cs:effectRef idx="0"/>
+    <cs:fontRef idx="minor">
+      <a:schemeClr val="tx1"/>
+    </cs:fontRef>
+    <cs:spPr>
+      <a:ln w="9525" cap="flat" cmpd="sng" algn="ctr">
+        <a:solidFill>
+          <a:schemeClr val="tx1">
+            <a:lumMod val="35000"/>
+            <a:lumOff val="65000"/>
+          </a:schemeClr>
+        </a:solidFill>
+        <a:round/>
+      </a:ln>
+    </cs:spPr>
+  </cs:dropLine>
+  <cs:errorBar>
+    <cs:lnRef idx="0"/>
+    <cs:fillRef idx="0"/>
+    <cs:effectRef idx="0"/>
+    <cs:fontRef idx="minor">
+      <a:schemeClr val="tx1"/>
+    </cs:fontRef>
+    <cs:spPr>
+      <a:ln w="9525" cap="flat" cmpd="sng" algn="ctr">
+        <a:solidFill>
+          <a:schemeClr val="tx1">
+            <a:lumMod val="65000"/>
+            <a:lumOff val="35000"/>
+          </a:schemeClr>
+        </a:solidFill>
+        <a:round/>
+      </a:ln>
+    </cs:spPr>
+  </cs:errorBar>
+  <cs:floor>
+    <cs:lnRef idx="0"/>
+    <cs:fillRef idx="0"/>
+    <cs:effectRef idx="0"/>
+    <cs:fontRef idx="minor">
+      <a:schemeClr val="tx1"/>
+    </cs:fontRef>
+    <cs:spPr>
+      <a:noFill/>
+      <a:ln>
+        <a:noFill/>
+      </a:ln>
+    </cs:spPr>
+  </cs:floor>
+  <cs:gridlineMajor>
+    <cs:lnRef idx="0"/>
+    <cs:fillRef idx="0"/>
+    <cs:effectRef idx="0"/>
+    <cs:fontRef idx="minor">
+      <a:schemeClr val="tx1"/>
+    </cs:fontRef>
+    <cs:spPr>
+      <a:ln w="9525" cap="flat" cmpd="sng" algn="ctr">
+        <a:solidFill>
+          <a:schemeClr val="tx1">
+            <a:lumMod val="15000"/>
+            <a:lumOff val="85000"/>
+          </a:schemeClr>
+        </a:solidFill>
+        <a:round/>
+      </a:ln>
+    </cs:spPr>
+  </cs:gridlineMajor>
+  <cs:gridlineMinor>
+    <cs:lnRef idx="0"/>
+    <cs:fillRef idx="0"/>
+    <cs:effectRef idx="0"/>
+    <cs:fontRef idx="minor">
+      <a:schemeClr val="tx1"/>
+    </cs:fontRef>
+    <cs:spPr>
+      <a:ln w="9525" cap="flat" cmpd="sng" algn="ctr">
+        <a:solidFill>
+          <a:schemeClr val="tx1">
+            <a:lumMod val="5000"/>
+            <a:lumOff val="95000"/>
+          </a:schemeClr>
+        </a:solidFill>
+        <a:round/>
+      </a:ln>
+    </cs:spPr>
+  </cs:gridlineMinor>
+  <cs:hiLoLine>
+    <cs:lnRef idx="0"/>
+    <cs:fillRef idx="0"/>
+    <cs:effectRef idx="0"/>
+    <cs:fontRef idx="minor">
+      <a:schemeClr val="tx1"/>
+    </cs:fontRef>
+    <cs:spPr>
+      <a:ln w="9525" cap="flat" cmpd="sng" algn="ctr">
+        <a:solidFill>
+          <a:schemeClr val="tx1">
+            <a:lumMod val="75000"/>
+            <a:lumOff val="25000"/>
+          </a:schemeClr>
+        </a:solidFill>
+        <a:round/>
+      </a:ln>
+    </cs:spPr>
+  </cs:hiLoLine>
+  <cs:leaderLine>
+    <cs:lnRef idx="0"/>
+    <cs:fillRef idx="0"/>
+    <cs:effectRef idx="0"/>
+    <cs:fontRef idx="minor">
+      <a:schemeClr val="tx1"/>
+    </cs:fontRef>
+    <cs:spPr>
+      <a:ln w="9525" cap="flat" cmpd="sng" algn="ctr">
+        <a:solidFill>
+          <a:schemeClr val="tx1">
+            <a:lumMod val="35000"/>
+            <a:lumOff val="65000"/>
+          </a:schemeClr>
+        </a:solidFill>
+        <a:round/>
+      </a:ln>
+    </cs:spPr>
+  </cs:leaderLine>
+  <cs:legend>
+    <cs:lnRef idx="0"/>
+    <cs:fillRef idx="0"/>
+    <cs:effectRef idx="0"/>
+    <cs:fontRef idx="minor">
+      <a:schemeClr val="tx1">
+        <a:lumMod val="65000"/>
+        <a:lumOff val="35000"/>
+      </a:schemeClr>
+    </cs:fontRef>
+    <cs:defRPr sz="900" kern="1200"/>
+  </cs:legend>
+  <cs:plotArea mods="allowNoFillOverride allowNoLineOverride">
+    <cs:lnRef idx="0"/>
+    <cs:fillRef idx="0"/>
+    <cs:effectRef idx="0"/>
+    <cs:fontRef idx="minor">
+      <a:schemeClr val="tx1"/>
+    </cs:fontRef>
+  </cs:plotArea>
+  <cs:plotArea3D mods="allowNoFillOverride allowNoLineOverride">
+    <cs:lnRef idx="0"/>
+    <cs:fillRef idx="0"/>
+    <cs:effectRef idx="0"/>
+    <cs:fontRef idx="minor">
+      <a:schemeClr val="tx1"/>
+    </cs:fontRef>
+  </cs:plotArea3D>
+  <cs:seriesAxis>
+    <cs:lnRef idx="0"/>
+    <cs:fillRef idx="0"/>
+    <cs:effectRef idx="0"/>
+    <cs:fontRef idx="minor">
+      <a:schemeClr val="tx1">
+        <a:lumMod val="65000"/>
+        <a:lumOff val="35000"/>
+      </a:schemeClr>
+    </cs:fontRef>
+    <cs:defRPr sz="900" kern="1200"/>
+  </cs:seriesAxis>
+  <cs:seriesLine>
+    <cs:lnRef idx="0"/>
+    <cs:fillRef idx="0"/>
+    <cs:effectRef idx="0"/>
+    <cs:fontRef idx="minor">
+      <a:schemeClr val="tx1"/>
+    </cs:fontRef>
+    <cs:spPr>
+      <a:ln w="9525" cap="flat" cmpd="sng" algn="ctr">
+        <a:solidFill>
+          <a:schemeClr val="tx1">
+            <a:lumMod val="35000"/>
+            <a:lumOff val="65000"/>
+          </a:schemeClr>
+        </a:solidFill>
+        <a:round/>
+      </a:ln>
+    </cs:spPr>
+  </cs:seriesLine>
+  <cs:title>
+    <cs:lnRef idx="0"/>
+    <cs:fillRef idx="0"/>
+    <cs:effectRef idx="0"/>
+    <cs:fontRef idx="minor">
+      <a:schemeClr val="tx1">
+        <a:lumMod val="65000"/>
+        <a:lumOff val="35000"/>
+      </a:schemeClr>
+    </cs:fontRef>
+    <cs:defRPr sz="1400" b="0" kern="1200" spc="0" baseline="0"/>
+  </cs:title>
+  <cs:trendline>
+    <cs:lnRef idx="0">
+      <cs:styleClr val="auto"/>
+    </cs:lnRef>
+    <cs:fillRef idx="0"/>
+    <cs:effectRef idx="0"/>
+    <cs:fontRef idx="minor">
+      <a:schemeClr val="tx1"/>
+    </cs:fontRef>
+    <cs:spPr>
+      <a:ln w="19050" cap="rnd">
+        <a:solidFill>
+          <a:schemeClr val="phClr"/>
+        </a:solidFill>
+        <a:prstDash val="sysDot"/>
+      </a:ln>
+    </cs:spPr>
+  </cs:trendline>
+  <cs:trendlineLabel>
+    <cs:lnRef idx="0"/>
+    <cs:fillRef idx="0"/>
+    <cs:effectRef idx="0"/>
+    <cs:fontRef idx="minor">
+      <a:schemeClr val="tx1">
+        <a:lumMod val="65000"/>
+        <a:lumOff val="35000"/>
+      </a:schemeClr>
+    </cs:fontRef>
+    <cs:defRPr sz="900" kern="1200"/>
+  </cs:trendlineLabel>
+  <cs:upBar>
+    <cs:lnRef idx="0"/>
+    <cs:fillRef idx="0"/>
+    <cs:effectRef idx="0"/>
+    <cs:fontRef idx="minor">
+      <a:schemeClr val="dk1"/>
+    </cs:fontRef>
+    <cs:spPr>
+      <a:solidFill>
+        <a:schemeClr val="lt1"/>
+      </a:solidFill>
+      <a:ln w="9525">
+        <a:solidFill>
+          <a:schemeClr val="tx1">
+            <a:lumMod val="15000"/>
+            <a:lumOff val="85000"/>
+          </a:schemeClr>
+        </a:solidFill>
+      </a:ln>
+    </cs:spPr>
+  </cs:upBar>
+  <cs:valueAxis>
+    <cs:lnRef idx="0"/>
+    <cs:fillRef idx="0"/>
+    <cs:effectRef idx="0"/>
+    <cs:fontRef idx="minor">
+      <a:schemeClr val="tx1">
+        <a:lumMod val="65000"/>
+        <a:lumOff val="35000"/>
+      </a:schemeClr>
+    </cs:fontRef>
+    <cs:defRPr sz="900" kern="1200"/>
+  </cs:valueAxis>
+  <cs:wall>
+    <cs:lnRef idx="0"/>
+    <cs:fillRef idx="0"/>
+    <cs:effectRef idx="0"/>
+    <cs:fontRef idx="minor">
+      <a:schemeClr val="tx1"/>
+    </cs:fontRef>
+    <cs:spPr>
+      <a:noFill/>
+      <a:ln>
+        <a:noFill/>
+      </a:ln>
+    </cs:spPr>
+  </cs:wall>
+</cs:chartStyle>
+</file>
+
+<file path=ppt/charts/style2.xml><?xml version="1.0" encoding="utf-8"?>
+<cs:chartStyle xmlns:cs="http://schemas.microsoft.com/office/drawing/2012/chartStyle" xmlns:a="http://schemas.openxmlformats.org/drawingml/2006/main" id="201">
+  <cs:axisTitle>
+    <cs:lnRef idx="0"/>
+    <cs:fillRef idx="0"/>
+    <cs:effectRef idx="0"/>
+    <cs:fontRef idx="minor">
+      <a:schemeClr val="tx1">
+        <a:lumMod val="65000"/>
+        <a:lumOff val="35000"/>
+      </a:schemeClr>
+    </cs:fontRef>
+    <cs:defRPr sz="1000" kern="1200"/>
+  </cs:axisTitle>
+  <cs:categoryAxis>
+    <cs:lnRef idx="0"/>
+    <cs:fillRef idx="0"/>
+    <cs:effectRef idx="0"/>
+    <cs:fontRef idx="minor">
+      <a:schemeClr val="tx1">
+        <a:lumMod val="65000"/>
+        <a:lumOff val="35000"/>
+      </a:schemeClr>
+    </cs:fontRef>
+    <cs:spPr>
+      <a:ln w="9525" cap="flat" cmpd="sng" algn="ctr">
+        <a:solidFill>
+          <a:schemeClr val="tx1">
+            <a:lumMod val="15000"/>
+            <a:lumOff val="85000"/>
+          </a:schemeClr>
+        </a:solidFill>
+        <a:round/>
+      </a:ln>
+    </cs:spPr>
+    <cs:defRPr sz="900" kern="1200"/>
+  </cs:categoryAxis>
+  <cs:chartArea mods="allowNoFillOverride allowNoLineOverride">
+    <cs:lnRef idx="0"/>
+    <cs:fillRef idx="0"/>
+    <cs:effectRef idx="0"/>
+    <cs:fontRef idx="minor">
+      <a:schemeClr val="tx1"/>
+    </cs:fontRef>
+    <cs:spPr>
+      <a:solidFill>
+        <a:schemeClr val="bg1"/>
+      </a:solidFill>
+      <a:ln w="9525" cap="flat" cmpd="sng" algn="ctr">
+        <a:solidFill>
+          <a:schemeClr val="tx1">
+            <a:lumMod val="15000"/>
+            <a:lumOff val="85000"/>
+          </a:schemeClr>
+        </a:solidFill>
+        <a:round/>
+      </a:ln>
+    </cs:spPr>
+    <cs:defRPr sz="1000" kern="1200"/>
+  </cs:chartArea>
+  <cs:dataLabel>
+    <cs:lnRef idx="0"/>
+    <cs:fillRef idx="0"/>
+    <cs:effectRef idx="0"/>
+    <cs:fontRef idx="minor">
+      <a:schemeClr val="tx1">
+        <a:lumMod val="75000"/>
+        <a:lumOff val="25000"/>
+      </a:schemeClr>
+    </cs:fontRef>
+    <cs:defRPr sz="900" kern="1200"/>
+  </cs:dataLabel>
+  <cs:dataLabelCallout>
+    <cs:lnRef idx="0"/>
+    <cs:fillRef idx="0"/>
+    <cs:effectRef idx="0"/>
+    <cs:fontRef idx="minor">
+      <a:schemeClr val="dk1">
+        <a:lumMod val="65000"/>
+        <a:lumOff val="35000"/>
+      </a:schemeClr>
+    </cs:fontRef>
+    <cs:spPr>
+      <a:solidFill>
+        <a:schemeClr val="lt1"/>
+      </a:solidFill>
+      <a:ln>
+        <a:solidFill>
+          <a:schemeClr val="dk1">
+            <a:lumMod val="25000"/>
+            <a:lumOff val="75000"/>
+          </a:schemeClr>
+        </a:solidFill>
+      </a:ln>
+    </cs:spPr>
+    <cs:defRPr sz="900" kern="1200"/>
+    <cs:bodyPr rot="0" spcFirstLastPara="1" vertOverflow="clip" horzOverflow="clip" vert="horz" wrap="square" lIns="36576" tIns="18288" rIns="36576" bIns="18288" anchor="ctr" anchorCtr="1">
+      <a:spAutoFit/>
+    </cs:bodyPr>
+  </cs:dataLabelCallout>
+  <cs:dataPoint>
+    <cs:lnRef idx="0"/>
+    <cs:fillRef idx="1">
+      <cs:styleClr val="auto"/>
+    </cs:fillRef>
+    <cs:effectRef idx="0"/>
+    <cs:fontRef idx="minor">
+      <a:schemeClr val="tx1"/>
+    </cs:fontRef>
+  </cs:dataPoint>
+  <cs:dataPoint3D>
+    <cs:lnRef idx="0"/>
+    <cs:fillRef idx="1">
+      <cs:styleClr val="auto"/>
+    </cs:fillRef>
+    <cs:effectRef idx="0"/>
+    <cs:fontRef idx="minor">
+      <a:schemeClr val="tx1"/>
+    </cs:fontRef>
+  </cs:dataPoint3D>
+  <cs:dataPointLine>
+    <cs:lnRef idx="0">
+      <cs:styleClr val="auto"/>
+    </cs:lnRef>
+    <cs:fillRef idx="1"/>
+    <cs:effectRef idx="0"/>
+    <cs:fontRef idx="minor">
+      <a:schemeClr val="tx1"/>
+    </cs:fontRef>
+    <cs:spPr>
+      <a:ln w="28575" cap="rnd">
+        <a:solidFill>
+          <a:schemeClr val="phClr"/>
+        </a:solidFill>
+        <a:round/>
+      </a:ln>
+    </cs:spPr>
+  </cs:dataPointLine>
+  <cs:dataPointMarker>
+    <cs:lnRef idx="0">
+      <cs:styleClr val="auto"/>
+    </cs:lnRef>
+    <cs:fillRef idx="1">
+      <cs:styleClr val="auto"/>
+    </cs:fillRef>
+    <cs:effectRef idx="0"/>
+    <cs:fontRef idx="minor">
+      <a:schemeClr val="tx1"/>
+    </cs:fontRef>
+    <cs:spPr>
+      <a:ln w="9525">
+        <a:solidFill>
+          <a:schemeClr val="phClr"/>
+        </a:solidFill>
+      </a:ln>
+    </cs:spPr>
+  </cs:dataPointMarker>
+  <cs:dataPointMarkerLayout symbol="circle" size="5"/>
+  <cs:dataPointWireframe>
+    <cs:lnRef idx="0">
+      <cs:styleClr val="auto"/>
+    </cs:lnRef>
+    <cs:fillRef idx="1"/>
+    <cs:effectRef idx="0"/>
+    <cs:fontRef idx="minor">
+      <a:schemeClr val="tx1"/>
+    </cs:fontRef>
+    <cs:spPr>
+      <a:ln w="9525" cap="rnd">
+        <a:solidFill>
+          <a:schemeClr val="phClr"/>
+        </a:solidFill>
+        <a:round/>
+      </a:ln>
+    </cs:spPr>
+  </cs:dataPointWireframe>
+  <cs:dataTable>
+    <cs:lnRef idx="0"/>
+    <cs:fillRef idx="0"/>
+    <cs:effectRef idx="0"/>
+    <cs:fontRef idx="minor">
+      <a:schemeClr val="tx1">
+        <a:lumMod val="65000"/>
+        <a:lumOff val="35000"/>
+      </a:schemeClr>
+    </cs:fontRef>
+    <cs:spPr>
+      <a:noFill/>
+      <a:ln w="9525" cap="flat" cmpd="sng" algn="ctr">
+        <a:solidFill>
+          <a:schemeClr val="tx1">
+            <a:lumMod val="15000"/>
+            <a:lumOff val="85000"/>
+          </a:schemeClr>
+        </a:solidFill>
+        <a:round/>
+      </a:ln>
+    </cs:spPr>
+    <cs:defRPr sz="900" kern="1200"/>
+  </cs:dataTable>
+  <cs:downBar>
+    <cs:lnRef idx="0"/>
+    <cs:fillRef idx="0"/>
+    <cs:effectRef idx="0"/>
+    <cs:fontRef idx="minor">
+      <a:schemeClr val="dk1"/>
+    </cs:fontRef>
+    <cs:spPr>
+      <a:solidFill>
+        <a:schemeClr val="dk1">
+          <a:lumMod val="65000"/>
+          <a:lumOff val="35000"/>
+        </a:schemeClr>
+      </a:solidFill>
+      <a:ln w="9525">
+        <a:solidFill>
+          <a:schemeClr val="tx1">
+            <a:lumMod val="65000"/>
+            <a:lumOff val="35000"/>
+          </a:schemeClr>
+        </a:solidFill>
+      </a:ln>
+    </cs:spPr>
+  </cs:downBar>
+  <cs:dropLine>
+    <cs:lnRef idx="0"/>
+    <cs:fillRef idx="0"/>
+    <cs:effectRef idx="0"/>
+    <cs:fontRef idx="minor">
+      <a:schemeClr val="tx1"/>
+    </cs:fontRef>
+    <cs:spPr>
+      <a:ln w="9525" cap="flat" cmpd="sng" algn="ctr">
+        <a:solidFill>
+          <a:schemeClr val="tx1">
+            <a:lumMod val="35000"/>
+            <a:lumOff val="65000"/>
+          </a:schemeClr>
+        </a:solidFill>
+        <a:round/>
+      </a:ln>
+    </cs:spPr>
+  </cs:dropLine>
+  <cs:errorBar>
+    <cs:lnRef idx="0"/>
+    <cs:fillRef idx="0"/>
+    <cs:effectRef idx="0"/>
+    <cs:fontRef idx="minor">
+      <a:schemeClr val="tx1"/>
+    </cs:fontRef>
+    <cs:spPr>
+      <a:ln w="9525" cap="flat" cmpd="sng" algn="ctr">
+        <a:solidFill>
+          <a:schemeClr val="tx1">
+            <a:lumMod val="65000"/>
+            <a:lumOff val="35000"/>
+          </a:schemeClr>
+        </a:solidFill>
+        <a:round/>
+      </a:ln>
+    </cs:spPr>
+  </cs:errorBar>
+  <cs:floor>
+    <cs:lnRef idx="0"/>
+    <cs:fillRef idx="0"/>
+    <cs:effectRef idx="0"/>
+    <cs:fontRef idx="minor">
+      <a:schemeClr val="tx1"/>
+    </cs:fontRef>
+    <cs:spPr>
+      <a:noFill/>
+      <a:ln>
+        <a:noFill/>
+      </a:ln>
+    </cs:spPr>
+  </cs:floor>
+  <cs:gridlineMajor>
+    <cs:lnRef idx="0"/>
+    <cs:fillRef idx="0"/>
+    <cs:effectRef idx="0"/>
+    <cs:fontRef idx="minor">
+      <a:schemeClr val="tx1"/>
+    </cs:fontRef>
+    <cs:spPr>
+      <a:ln w="9525" cap="flat" cmpd="sng" algn="ctr">
+        <a:solidFill>
+          <a:schemeClr val="tx1">
+            <a:lumMod val="15000"/>
+            <a:lumOff val="85000"/>
+          </a:schemeClr>
+        </a:solidFill>
+        <a:round/>
+      </a:ln>
+    </cs:spPr>
+  </cs:gridlineMajor>
+  <cs:gridlineMinor>
+    <cs:lnRef idx="0"/>
+    <cs:fillRef idx="0"/>
+    <cs:effectRef idx="0"/>
+    <cs:fontRef idx="minor">
+      <a:schemeClr val="tx1"/>
+    </cs:fontRef>
+    <cs:spPr>
+      <a:ln w="9525" cap="flat" cmpd="sng" algn="ctr">
+        <a:solidFill>
+          <a:schemeClr val="tx1">
+            <a:lumMod val="5000"/>
+            <a:lumOff val="95000"/>
+          </a:schemeClr>
+        </a:solidFill>
+        <a:round/>
+      </a:ln>
+    </cs:spPr>
+  </cs:gridlineMinor>
+  <cs:hiLoLine>
+    <cs:lnRef idx="0"/>
+    <cs:fillRef idx="0"/>
+    <cs:effectRef idx="0"/>
+    <cs:fontRef idx="minor">
+      <a:schemeClr val="tx1"/>
+    </cs:fontRef>
+    <cs:spPr>
+      <a:ln w="9525" cap="flat" cmpd="sng" algn="ctr">
+        <a:solidFill>
+          <a:schemeClr val="tx1">
+            <a:lumMod val="75000"/>
+            <a:lumOff val="25000"/>
+          </a:schemeClr>
+        </a:solidFill>
+        <a:round/>
+      </a:ln>
+    </cs:spPr>
+  </cs:hiLoLine>
+  <cs:leaderLine>
+    <cs:lnRef idx="0"/>
+    <cs:fillRef idx="0"/>
+    <cs:effectRef idx="0"/>
+    <cs:fontRef idx="minor">
+      <a:schemeClr val="tx1"/>
+    </cs:fontRef>
+    <cs:spPr>
+      <a:ln w="9525" cap="flat" cmpd="sng" algn="ctr">
+        <a:solidFill>
+          <a:schemeClr val="tx1">
+            <a:lumMod val="35000"/>
+            <a:lumOff val="65000"/>
+          </a:schemeClr>
+        </a:solidFill>
+        <a:round/>
+      </a:ln>
+    </cs:spPr>
+  </cs:leaderLine>
+  <cs:legend>
+    <cs:lnRef idx="0"/>
+    <cs:fillRef idx="0"/>
+    <cs:effectRef idx="0"/>
+    <cs:fontRef idx="minor">
+      <a:schemeClr val="tx1">
+        <a:lumMod val="65000"/>
+        <a:lumOff val="35000"/>
+      </a:schemeClr>
+    </cs:fontRef>
+    <cs:defRPr sz="900" kern="1200"/>
+  </cs:legend>
+  <cs:plotArea mods="allowNoFillOverride allowNoLineOverride">
+    <cs:lnRef idx="0"/>
+    <cs:fillRef idx="0"/>
+    <cs:effectRef idx="0"/>
+    <cs:fontRef idx="minor">
+      <a:schemeClr val="tx1"/>
+    </cs:fontRef>
+  </cs:plotArea>
+  <cs:plotArea3D mods="allowNoFillOverride allowNoLineOverride">
+    <cs:lnRef idx="0"/>
+    <cs:fillRef idx="0"/>
+    <cs:effectRef idx="0"/>
+    <cs:fontRef idx="minor">
+      <a:schemeClr val="tx1"/>
+    </cs:fontRef>
+  </cs:plotArea3D>
+  <cs:seriesAxis>
+    <cs:lnRef idx="0"/>
+    <cs:fillRef idx="0"/>
+    <cs:effectRef idx="0"/>
+    <cs:fontRef idx="minor">
+      <a:schemeClr val="tx1">
+        <a:lumMod val="65000"/>
+        <a:lumOff val="35000"/>
+      </a:schemeClr>
+    </cs:fontRef>
+    <cs:defRPr sz="900" kern="1200"/>
+  </cs:seriesAxis>
+  <cs:seriesLine>
+    <cs:lnRef idx="0"/>
+    <cs:fillRef idx="0"/>
+    <cs:effectRef idx="0"/>
+    <cs:fontRef idx="minor">
+      <a:schemeClr val="tx1"/>
+    </cs:fontRef>
+    <cs:spPr>
+      <a:ln w="9525" cap="flat" cmpd="sng" algn="ctr">
+        <a:solidFill>
+          <a:schemeClr val="tx1">
+            <a:lumMod val="35000"/>
+            <a:lumOff val="65000"/>
+          </a:schemeClr>
+        </a:solidFill>
+        <a:round/>
+      </a:ln>
+    </cs:spPr>
+  </cs:seriesLine>
+  <cs:title>
+    <cs:lnRef idx="0"/>
+    <cs:fillRef idx="0"/>
+    <cs:effectRef idx="0"/>
+    <cs:fontRef idx="minor">
+      <a:schemeClr val="tx1">
+        <a:lumMod val="65000"/>
+        <a:lumOff val="35000"/>
+      </a:schemeClr>
+    </cs:fontRef>
+    <cs:defRPr sz="1400" b="0" kern="1200" spc="0" baseline="0"/>
+  </cs:title>
+  <cs:trendline>
+    <cs:lnRef idx="0">
+      <cs:styleClr val="auto"/>
+    </cs:lnRef>
+    <cs:fillRef idx="0"/>
+    <cs:effectRef idx="0"/>
+    <cs:fontRef idx="minor">
+      <a:schemeClr val="tx1"/>
+    </cs:fontRef>
+    <cs:spPr>
+      <a:ln w="19050" cap="rnd">
+        <a:solidFill>
+          <a:schemeClr val="phClr"/>
+        </a:solidFill>
+        <a:prstDash val="sysDot"/>
+      </a:ln>
+    </cs:spPr>
+  </cs:trendline>
+  <cs:trendlineLabel>
+    <cs:lnRef idx="0"/>
+    <cs:fillRef idx="0"/>
+    <cs:effectRef idx="0"/>
+    <cs:fontRef idx="minor">
+      <a:schemeClr val="tx1">
+        <a:lumMod val="65000"/>
+        <a:lumOff val="35000"/>
+      </a:schemeClr>
+    </cs:fontRef>
+    <cs:defRPr sz="900" kern="1200"/>
+  </cs:trendlineLabel>
+  <cs:upBar>
+    <cs:lnRef idx="0"/>
+    <cs:fillRef idx="0"/>
+    <cs:effectRef idx="0"/>
+    <cs:fontRef idx="minor">
+      <a:schemeClr val="dk1"/>
+    </cs:fontRef>
+    <cs:spPr>
+      <a:solidFill>
+        <a:schemeClr val="lt1"/>
+      </a:solidFill>
+      <a:ln w="9525">
+        <a:solidFill>
+          <a:schemeClr val="tx1">
+            <a:lumMod val="15000"/>
+            <a:lumOff val="85000"/>
+          </a:schemeClr>
+        </a:solidFill>
+      </a:ln>
+    </cs:spPr>
+  </cs:upBar>
+  <cs:valueAxis>
+    <cs:lnRef idx="0"/>
+    <cs:fillRef idx="0"/>
+    <cs:effectRef idx="0"/>
+    <cs:fontRef idx="minor">
+      <a:schemeClr val="tx1">
+        <a:lumMod val="65000"/>
+        <a:lumOff val="35000"/>
+      </a:schemeClr>
+    </cs:fontRef>
+    <cs:defRPr sz="900" kern="1200"/>
+  </cs:valueAxis>
+  <cs:wall>
+    <cs:lnRef idx="0"/>
+    <cs:fillRef idx="0"/>
+    <cs:effectRef idx="0"/>
+    <cs:fontRef idx="minor">
+      <a:schemeClr val="tx1"/>
+    </cs:fontRef>
+    <cs:spPr>
+      <a:noFill/>
+      <a:ln>
+        <a:noFill/>
+      </a:ln>
+    </cs:spPr>
+  </cs:wall>
+</cs:chartStyle>
+</file>
+
+<file path=ppt/notesMasters/notesMaster1.xml><?xml version="1.0" encoding="utf-8"?>
+<p:notesMaster xmlns:a="http://schemas.openxmlformats.org/drawingml/2006/main" xmlns:r="http://schemas.openxmlformats.org/officeDocument/2006/relationships" xmlns:p="http://schemas.openxmlformats.org/presentationml/2006/main">
+  <p:cSld>
+    <p:bg>
+      <p:bgRef idx="1001">
+        <a:schemeClr val="bg1"/>
+      </p:bgRef>
+    </p:bg>
+    <p:spTree>
+      <p:nvGrpSpPr>
+        <p:cNvPr id="1" name=""/>
+        <p:cNvGrpSpPr/>
+        <p:nvPr/>
+      </p:nvGrpSpPr>
+      <p:grpSpPr>
+        <a:xfrm>
+          <a:off x="0" y="0"/>
+          <a:ext cx="0" cy="0"/>
+          <a:chOff x="0" y="0"/>
+          <a:chExt cx="0" cy="0"/>
+        </a:xfrm>
+      </p:grpSpPr>
+      <p:sp>
+        <p:nvSpPr>
+          <p:cNvPr id="2" name="Header Placeholder 1"/>
+          <p:cNvSpPr>
+            <a:spLocks noGrp="1"/>
+          </p:cNvSpPr>
+          <p:nvPr>
+            <p:ph type="hdr" sz="quarter"/>
+          </p:nvPr>
+        </p:nvSpPr>
+        <p:spPr>
+          <a:xfrm>
+            <a:off x="0" y="0"/>
+            <a:ext cx="2971800" cy="458788"/>
+          </a:xfrm>
+          <a:prstGeom prst="rect">
+            <a:avLst/>
+          </a:prstGeom>
+        </p:spPr>
+        <p:txBody>
+          <a:bodyPr vert="horz" lIns="91440" tIns="45720" rIns="91440" bIns="45720" rtlCol="0"/>
+          <a:lstStyle>
+            <a:lvl1pPr algn="l">
+              <a:defRPr sz="1200"/>
+            </a:lvl1pPr>
+          </a:lstStyle>
+          <a:p>
+            <a:endParaRPr lang="en-US"/>
+          </a:p>
+        </p:txBody>
+      </p:sp>
+      <p:sp>
+        <p:nvSpPr>
+          <p:cNvPr id="3" name="Date Placeholder 2"/>
+          <p:cNvSpPr>
+            <a:spLocks noGrp="1"/>
+          </p:cNvSpPr>
+          <p:nvPr>
+            <p:ph type="dt" idx="1"/>
+          </p:nvPr>
+        </p:nvSpPr>
+        <p:spPr>
+          <a:xfrm>
+            <a:off x="3884613" y="0"/>
+            <a:ext cx="2971800" cy="458788"/>
+          </a:xfrm>
+          <a:prstGeom prst="rect">
+            <a:avLst/>
+          </a:prstGeom>
+        </p:spPr>
+        <p:txBody>
+          <a:bodyPr vert="horz" lIns="91440" tIns="45720" rIns="91440" bIns="45720" rtlCol="0"/>
+          <a:lstStyle>
+            <a:lvl1pPr algn="r">
+              <a:defRPr sz="1200"/>
+            </a:lvl1pPr>
+          </a:lstStyle>
+          <a:p>
+            <a:fld id="{73725B04-4458-4150-9CFF-8486B58F8074}" type="datetimeFigureOut">
+              <a:rPr lang="en-US" smtClean="0"/>
+              <a:t>11/2/2019</a:t>
+            </a:fld>
+            <a:endParaRPr lang="en-US"/>
+          </a:p>
+        </p:txBody>
+      </p:sp>
+      <p:sp>
+        <p:nvSpPr>
+          <p:cNvPr id="4" name="Slide Image Placeholder 3"/>
+          <p:cNvSpPr>
+            <a:spLocks noGrp="1" noRot="1" noChangeAspect="1"/>
+          </p:cNvSpPr>
+          <p:nvPr>
+            <p:ph type="sldImg" idx="2"/>
+          </p:nvPr>
+        </p:nvSpPr>
+        <p:spPr>
+          <a:xfrm>
+            <a:off x="685800" y="1143000"/>
+            <a:ext cx="5486400" cy="3086100"/>
+          </a:xfrm>
+          <a:prstGeom prst="rect">
+            <a:avLst/>
+          </a:prstGeom>
+          <a:noFill/>
+          <a:ln w="12700">
+            <a:solidFill>
+              <a:prstClr val="black"/>
+            </a:solidFill>
+          </a:ln>
+        </p:spPr>
+        <p:txBody>
+          <a:bodyPr vert="horz" lIns="91440" tIns="45720" rIns="91440" bIns="45720" rtlCol="0" anchor="ctr"/>
+          <a:lstStyle/>
+          <a:p>
+            <a:endParaRPr lang="en-US"/>
+          </a:p>
+        </p:txBody>
+      </p:sp>
+      <p:sp>
+        <p:nvSpPr>
+          <p:cNvPr id="5" name="Notes Placeholder 4"/>
+          <p:cNvSpPr>
+            <a:spLocks noGrp="1"/>
+          </p:cNvSpPr>
+          <p:nvPr>
+            <p:ph type="body" sz="quarter" idx="3"/>
+          </p:nvPr>
+        </p:nvSpPr>
+        <p:spPr>
+          <a:xfrm>
+            <a:off x="685800" y="4400550"/>
+            <a:ext cx="5486400" cy="3600450"/>
+          </a:xfrm>
+          <a:prstGeom prst="rect">
+            <a:avLst/>
+          </a:prstGeom>
+        </p:spPr>
+        <p:txBody>
+          <a:bodyPr vert="horz" lIns="91440" tIns="45720" rIns="91440" bIns="45720" rtlCol="0"/>
+          <a:lstStyle/>
+          <a:p>
+            <a:pPr lvl="0"/>
+            <a:r>
+              <a:rPr lang="en-US"/>
+              <a:t>Click to edit Master text styles</a:t>
+            </a:r>
+          </a:p>
+          <a:p>
+            <a:pPr lvl="1"/>
+            <a:r>
+              <a:rPr lang="en-US"/>
+              <a:t>Second level</a:t>
+            </a:r>
+          </a:p>
+          <a:p>
+            <a:pPr lvl="2"/>
+            <a:r>
+              <a:rPr lang="en-US"/>
+              <a:t>Third level</a:t>
+            </a:r>
+          </a:p>
+          <a:p>
+            <a:pPr lvl="3"/>
+            <a:r>
+              <a:rPr lang="en-US"/>
+              <a:t>Fourth level</a:t>
+            </a:r>
+          </a:p>
+          <a:p>
+            <a:pPr lvl="4"/>
+            <a:r>
+              <a:rPr lang="en-US"/>
+              <a:t>Fifth level</a:t>
+            </a:r>
+          </a:p>
+        </p:txBody>
+      </p:sp>
+      <p:sp>
+        <p:nvSpPr>
+          <p:cNvPr id="6" name="Footer Placeholder 5"/>
+          <p:cNvSpPr>
+            <a:spLocks noGrp="1"/>
+          </p:cNvSpPr>
+          <p:nvPr>
+            <p:ph type="ftr" sz="quarter" idx="4"/>
+          </p:nvPr>
+        </p:nvSpPr>
+        <p:spPr>
+          <a:xfrm>
+            <a:off x="0" y="8685213"/>
+            <a:ext cx="2971800" cy="458787"/>
+          </a:xfrm>
+          <a:prstGeom prst="rect">
+            <a:avLst/>
+          </a:prstGeom>
+        </p:spPr>
+        <p:txBody>
+          <a:bodyPr vert="horz" lIns="91440" tIns="45720" rIns="91440" bIns="45720" rtlCol="0" anchor="b"/>
+          <a:lstStyle>
+            <a:lvl1pPr algn="l">
+              <a:defRPr sz="1200"/>
+            </a:lvl1pPr>
+          </a:lstStyle>
+          <a:p>
+            <a:endParaRPr lang="en-US"/>
+          </a:p>
+        </p:txBody>
+      </p:sp>
+      <p:sp>
+        <p:nvSpPr>
+          <p:cNvPr id="7" name="Slide Number Placeholder 6"/>
+          <p:cNvSpPr>
+            <a:spLocks noGrp="1"/>
+          </p:cNvSpPr>
+          <p:nvPr>
+            <p:ph type="sldNum" sz="quarter" idx="5"/>
+          </p:nvPr>
+        </p:nvSpPr>
+        <p:spPr>
+          <a:xfrm>
+            <a:off x="3884613" y="8685213"/>
+            <a:ext cx="2971800" cy="458787"/>
+          </a:xfrm>
+          <a:prstGeom prst="rect">
+            <a:avLst/>
+          </a:prstGeom>
+        </p:spPr>
+        <p:txBody>
+          <a:bodyPr vert="horz" lIns="91440" tIns="45720" rIns="91440" bIns="45720" rtlCol="0" anchor="b"/>
+          <a:lstStyle>
+            <a:lvl1pPr algn="r">
+              <a:defRPr sz="1200"/>
+            </a:lvl1pPr>
+          </a:lstStyle>
+          <a:p>
+            <a:fld id="{297A166E-ACF1-4C2F-AD43-1E0B732BAB04}" type="slidenum">
+              <a:rPr lang="en-US" smtClean="0"/>
+              <a:t>‹#›</a:t>
+            </a:fld>
+            <a:endParaRPr lang="en-US"/>
+          </a:p>
+        </p:txBody>
+      </p:sp>
+    </p:spTree>
+    <p:extLst>
+      <p:ext uri="{BB962C8B-B14F-4D97-AF65-F5344CB8AC3E}">
+        <p14:creationId xmlns:p14="http://schemas.microsoft.com/office/powerpoint/2010/main" val="1977229460"/>
+      </p:ext>
+    </p:extLst>
+  </p:cSld>
+  <p:clrMap bg1="lt1" tx1="dk1" bg2="lt2" tx2="dk2" accent1="accent1" accent2="accent2" accent3="accent3" accent4="accent4" accent5="accent5" accent6="accent6" hlink="hlink" folHlink="folHlink"/>
+  <p:notesStyle>
+    <a:lvl1pPr marL="0" algn="l" defTabSz="914400" rtl="0" eaLnBrk="1" latinLnBrk="0" hangingPunct="1">
+      <a:defRPr sz="1200" kern="1200">
+        <a:solidFill>
+          <a:schemeClr val="tx1"/>
+        </a:solidFill>
+        <a:latin typeface="+mn-lt"/>
+        <a:ea typeface="+mn-ea"/>
+        <a:cs typeface="+mn-cs"/>
+      </a:defRPr>
+    </a:lvl1pPr>
+    <a:lvl2pPr marL="457200" algn="l" defTabSz="914400" rtl="0" eaLnBrk="1" latinLnBrk="0" hangingPunct="1">
+      <a:defRPr sz="1200" kern="1200">
+        <a:solidFill>
+          <a:schemeClr val="tx1"/>
+        </a:solidFill>
+        <a:latin typeface="+mn-lt"/>
+        <a:ea typeface="+mn-ea"/>
+        <a:cs typeface="+mn-cs"/>
+      </a:defRPr>
+    </a:lvl2pPr>
+    <a:lvl3pPr marL="914400" algn="l" defTabSz="914400" rtl="0" eaLnBrk="1" latinLnBrk="0" hangingPunct="1">
+      <a:defRPr sz="1200" kern="1200">
+        <a:solidFill>
+          <a:schemeClr val="tx1"/>
+        </a:solidFill>
+        <a:latin typeface="+mn-lt"/>
+        <a:ea typeface="+mn-ea"/>
+        <a:cs typeface="+mn-cs"/>
+      </a:defRPr>
+    </a:lvl3pPr>
+    <a:lvl4pPr marL="1371600" algn="l" defTabSz="914400" rtl="0" eaLnBrk="1" latinLnBrk="0" hangingPunct="1">
+      <a:defRPr sz="1200" kern="1200">
+        <a:solidFill>
+          <a:schemeClr val="tx1"/>
+        </a:solidFill>
+        <a:latin typeface="+mn-lt"/>
+        <a:ea typeface="+mn-ea"/>
+        <a:cs typeface="+mn-cs"/>
+      </a:defRPr>
+    </a:lvl4pPr>
+    <a:lvl5pPr marL="1828800" algn="l" defTabSz="914400" rtl="0" eaLnBrk="1" latinLnBrk="0" hangingPunct="1">
+      <a:defRPr sz="1200" kern="1200">
+        <a:solidFill>
+          <a:schemeClr val="tx1"/>
+        </a:solidFill>
+        <a:latin typeface="+mn-lt"/>
+        <a:ea typeface="+mn-ea"/>
+        <a:cs typeface="+mn-cs"/>
+      </a:defRPr>
+    </a:lvl5pPr>
+    <a:lvl6pPr marL="2286000" algn="l" defTabSz="914400" rtl="0" eaLnBrk="1" latinLnBrk="0" hangingPunct="1">
+      <a:defRPr sz="1200" kern="1200">
+        <a:solidFill>
+          <a:schemeClr val="tx1"/>
+        </a:solidFill>
+        <a:latin typeface="+mn-lt"/>
+        <a:ea typeface="+mn-ea"/>
+        <a:cs typeface="+mn-cs"/>
+      </a:defRPr>
+    </a:lvl6pPr>
+    <a:lvl7pPr marL="2743200" algn="l" defTabSz="914400" rtl="0" eaLnBrk="1" latinLnBrk="0" hangingPunct="1">
+      <a:defRPr sz="1200" kern="1200">
+        <a:solidFill>
+          <a:schemeClr val="tx1"/>
+        </a:solidFill>
+        <a:latin typeface="+mn-lt"/>
+        <a:ea typeface="+mn-ea"/>
+        <a:cs typeface="+mn-cs"/>
+      </a:defRPr>
+    </a:lvl7pPr>
+    <a:lvl8pPr marL="3200400" algn="l" defTabSz="914400" rtl="0" eaLnBrk="1" latinLnBrk="0" hangingPunct="1">
+      <a:defRPr sz="1200" kern="1200">
+        <a:solidFill>
+          <a:schemeClr val="tx1"/>
+        </a:solidFill>
+        <a:latin typeface="+mn-lt"/>
+        <a:ea typeface="+mn-ea"/>
+        <a:cs typeface="+mn-cs"/>
+      </a:defRPr>
+    </a:lvl8pPr>
+    <a:lvl9pPr marL="3657600" algn="l" defTabSz="914400" rtl="0" eaLnBrk="1" latinLnBrk="0" hangingPunct="1">
+      <a:defRPr sz="1200" kern="1200">
+        <a:solidFill>
+          <a:schemeClr val="tx1"/>
+        </a:solidFill>
+        <a:latin typeface="+mn-lt"/>
+        <a:ea typeface="+mn-ea"/>
+        <a:cs typeface="+mn-cs"/>
+      </a:defRPr>
+    </a:lvl9pPr>
+  </p:notesStyle>
+</p:notesMaster>
+</file>
+
+<file path=ppt/notesSlides/notesSlide1.xml><?xml version="1.0" encoding="utf-8"?>
+<p:notes xmlns:a="http://schemas.openxmlformats.org/drawingml/2006/main" xmlns:r="http://schemas.openxmlformats.org/officeDocument/2006/relationships" xmlns:p="http://schemas.openxmlformats.org/presentationml/2006/main">
+  <p:cSld>
+    <p:spTree>
+      <p:nvGrpSpPr>
+        <p:cNvPr id="1" name=""/>
+        <p:cNvGrpSpPr/>
+        <p:nvPr/>
+      </p:nvGrpSpPr>
+      <p:grpSpPr>
+        <a:xfrm>
+          <a:off x="0" y="0"/>
+          <a:ext cx="0" cy="0"/>
+          <a:chOff x="0" y="0"/>
+          <a:chExt cx="0" cy="0"/>
+        </a:xfrm>
+      </p:grpSpPr>
+      <p:sp>
+        <p:nvSpPr>
+          <p:cNvPr id="2" name="Slide Image Placeholder 1"/>
+          <p:cNvSpPr>
+            <a:spLocks noGrp="1" noRot="1" noChangeAspect="1"/>
+          </p:cNvSpPr>
+          <p:nvPr>
+            <p:ph type="sldImg"/>
+          </p:nvPr>
+        </p:nvSpPr>
+        <p:spPr/>
+      </p:sp>
+      <p:sp>
+        <p:nvSpPr>
+          <p:cNvPr id="3" name="Notes Placeholder 2"/>
+          <p:cNvSpPr>
+            <a:spLocks noGrp="1"/>
+          </p:cNvSpPr>
+          <p:nvPr>
+            <p:ph type="body" idx="1"/>
+          </p:nvPr>
+        </p:nvSpPr>
+        <p:spPr/>
+        <p:txBody>
+          <a:bodyPr/>
+          <a:lstStyle/>
+          <a:p>
+            <a:r>
+              <a:rPr lang="en-US" dirty="0"/>
+              <a:t>https://scikit-learn.org/stable/modules/generated/sklearn.linear_model.LogisticRegression.html </a:t>
+            </a:r>
+          </a:p>
+          <a:p>
+            <a:endParaRPr lang="en-US" dirty="0"/>
+          </a:p>
+          <a:p>
+            <a:r>
+              <a:rPr lang="en-US" dirty="0"/>
+              <a:t>https://scikit-learn.org/stable/modules/generated/sklearn.linear_model.LogisticRegression.html</a:t>
+            </a:r>
+          </a:p>
+          <a:p>
+            <a:endParaRPr lang="en-US" dirty="0"/>
+          </a:p>
+          <a:p>
+            <a:r>
+              <a:rPr lang="en-US" dirty="0"/>
+              <a:t>https://scikit-learn.org/stable/auto_examples/linear_model/plot_logistic_l1_l2_sparsity.html#sphx-glr-auto-examples-linear-model-plot-logistic-l1-l2-sparsity-py</a:t>
+            </a:r>
+          </a:p>
+        </p:txBody>
+      </p:sp>
+      <p:sp>
+        <p:nvSpPr>
+          <p:cNvPr id="4" name="Slide Number Placeholder 3"/>
+          <p:cNvSpPr>
+            <a:spLocks noGrp="1"/>
+          </p:cNvSpPr>
+          <p:nvPr>
+            <p:ph type="sldNum" sz="quarter" idx="5"/>
+          </p:nvPr>
+        </p:nvSpPr>
+        <p:spPr/>
+        <p:txBody>
+          <a:bodyPr/>
+          <a:lstStyle/>
+          <a:p>
+            <a:fld id="{297A166E-ACF1-4C2F-AD43-1E0B732BAB04}" type="slidenum">
+              <a:rPr lang="en-US" smtClean="0"/>
+              <a:t>11</a:t>
+            </a:fld>
+            <a:endParaRPr lang="en-US"/>
+          </a:p>
+        </p:txBody>
+      </p:sp>
+    </p:spTree>
+    <p:extLst>
+      <p:ext uri="{BB962C8B-B14F-4D97-AF65-F5344CB8AC3E}">
+        <p14:creationId xmlns:p14="http://schemas.microsoft.com/office/powerpoint/2010/main" val="3142998882"/>
+      </p:ext>
+    </p:extLst>
+  </p:cSld>
+  <p:clrMapOvr>
+    <a:masterClrMapping/>
+  </p:clrMapOvr>
+</p:notes>
 </file>
 
 <file path=ppt/slideLayouts/slideLayout1.xml><?xml version="1.0" encoding="utf-8"?>
@@ -267,7 +2490,7 @@
           <a:p>
             <a:fld id="{FBA2DA08-F561-4012-B600-F674700837C3}" type="datetimeFigureOut">
               <a:rPr lang="en-US" smtClean="0"/>
-              <a:t>10/26/2019</a:t>
+              <a:t>11/2/2019</a:t>
             </a:fld>
             <a:endParaRPr lang="en-US"/>
           </a:p>
@@ -321,7 +2544,7 @@
           <a:p>
             <a:fld id="{07F4A872-BB05-448F-BC49-4E19CC5041AD}" type="slidenum">
               <a:rPr lang="en-US" smtClean="0"/>
-              <a:t>‹Nr.›</a:t>
+              <a:t>‹#›</a:t>
             </a:fld>
             <a:endParaRPr lang="en-US"/>
           </a:p>
@@ -467,7 +2690,7 @@
           <a:p>
             <a:fld id="{FBA2DA08-F561-4012-B600-F674700837C3}" type="datetimeFigureOut">
               <a:rPr lang="en-US" smtClean="0"/>
-              <a:t>10/26/2019</a:t>
+              <a:t>11/2/2019</a:t>
             </a:fld>
             <a:endParaRPr lang="en-US"/>
           </a:p>
@@ -521,7 +2744,7 @@
           <a:p>
             <a:fld id="{07F4A872-BB05-448F-BC49-4E19CC5041AD}" type="slidenum">
               <a:rPr lang="en-US" smtClean="0"/>
-              <a:t>‹Nr.›</a:t>
+              <a:t>‹#›</a:t>
             </a:fld>
             <a:endParaRPr lang="en-US"/>
           </a:p>
@@ -677,7 +2900,7 @@
           <a:p>
             <a:fld id="{FBA2DA08-F561-4012-B600-F674700837C3}" type="datetimeFigureOut">
               <a:rPr lang="en-US" smtClean="0"/>
-              <a:t>10/26/2019</a:t>
+              <a:t>11/2/2019</a:t>
             </a:fld>
             <a:endParaRPr lang="en-US"/>
           </a:p>
@@ -731,7 +2954,7 @@
           <a:p>
             <a:fld id="{07F4A872-BB05-448F-BC49-4E19CC5041AD}" type="slidenum">
               <a:rPr lang="en-US" smtClean="0"/>
-              <a:t>‹Nr.›</a:t>
+              <a:t>‹#›</a:t>
             </a:fld>
             <a:endParaRPr lang="en-US"/>
           </a:p>
@@ -877,7 +3100,7 @@
           <a:p>
             <a:fld id="{FBA2DA08-F561-4012-B600-F674700837C3}" type="datetimeFigureOut">
               <a:rPr lang="en-US" smtClean="0"/>
-              <a:t>10/26/2019</a:t>
+              <a:t>11/2/2019</a:t>
             </a:fld>
             <a:endParaRPr lang="en-US"/>
           </a:p>
@@ -931,7 +3154,7 @@
           <a:p>
             <a:fld id="{07F4A872-BB05-448F-BC49-4E19CC5041AD}" type="slidenum">
               <a:rPr lang="en-US" smtClean="0"/>
-              <a:t>‹Nr.›</a:t>
+              <a:t>‹#›</a:t>
             </a:fld>
             <a:endParaRPr lang="en-US"/>
           </a:p>
@@ -1153,7 +3376,7 @@
           <a:p>
             <a:fld id="{FBA2DA08-F561-4012-B600-F674700837C3}" type="datetimeFigureOut">
               <a:rPr lang="en-US" smtClean="0"/>
-              <a:t>10/26/2019</a:t>
+              <a:t>11/2/2019</a:t>
             </a:fld>
             <a:endParaRPr lang="en-US"/>
           </a:p>
@@ -1207,7 +3430,7 @@
           <a:p>
             <a:fld id="{07F4A872-BB05-448F-BC49-4E19CC5041AD}" type="slidenum">
               <a:rPr lang="en-US" smtClean="0"/>
-              <a:t>‹Nr.›</a:t>
+              <a:t>‹#›</a:t>
             </a:fld>
             <a:endParaRPr lang="en-US"/>
           </a:p>
@@ -1421,7 +3644,7 @@
           <a:p>
             <a:fld id="{FBA2DA08-F561-4012-B600-F674700837C3}" type="datetimeFigureOut">
               <a:rPr lang="en-US" smtClean="0"/>
-              <a:t>10/26/2019</a:t>
+              <a:t>11/2/2019</a:t>
             </a:fld>
             <a:endParaRPr lang="en-US"/>
           </a:p>
@@ -1475,7 +3698,7 @@
           <a:p>
             <a:fld id="{07F4A872-BB05-448F-BC49-4E19CC5041AD}" type="slidenum">
               <a:rPr lang="en-US" smtClean="0"/>
-              <a:t>‹Nr.›</a:t>
+              <a:t>‹#›</a:t>
             </a:fld>
             <a:endParaRPr lang="en-US"/>
           </a:p>
@@ -1836,7 +4059,7 @@
           <a:p>
             <a:fld id="{FBA2DA08-F561-4012-B600-F674700837C3}" type="datetimeFigureOut">
               <a:rPr lang="en-US" smtClean="0"/>
-              <a:t>10/26/2019</a:t>
+              <a:t>11/2/2019</a:t>
             </a:fld>
             <a:endParaRPr lang="en-US"/>
           </a:p>
@@ -1890,7 +4113,7 @@
           <a:p>
             <a:fld id="{07F4A872-BB05-448F-BC49-4E19CC5041AD}" type="slidenum">
               <a:rPr lang="en-US" smtClean="0"/>
-              <a:t>‹Nr.›</a:t>
+              <a:t>‹#›</a:t>
             </a:fld>
             <a:endParaRPr lang="en-US"/>
           </a:p>
@@ -1978,7 +4201,7 @@
           <a:p>
             <a:fld id="{FBA2DA08-F561-4012-B600-F674700837C3}" type="datetimeFigureOut">
               <a:rPr lang="en-US" smtClean="0"/>
-              <a:t>10/26/2019</a:t>
+              <a:t>11/2/2019</a:t>
             </a:fld>
             <a:endParaRPr lang="en-US"/>
           </a:p>
@@ -2032,7 +4255,7 @@
           <a:p>
             <a:fld id="{07F4A872-BB05-448F-BC49-4E19CC5041AD}" type="slidenum">
               <a:rPr lang="en-US" smtClean="0"/>
-              <a:t>‹Nr.›</a:t>
+              <a:t>‹#›</a:t>
             </a:fld>
             <a:endParaRPr lang="en-US"/>
           </a:p>
@@ -2091,7 +4314,7 @@
           <a:p>
             <a:fld id="{FBA2DA08-F561-4012-B600-F674700837C3}" type="datetimeFigureOut">
               <a:rPr lang="en-US" smtClean="0"/>
-              <a:t>10/26/2019</a:t>
+              <a:t>11/2/2019</a:t>
             </a:fld>
             <a:endParaRPr lang="en-US"/>
           </a:p>
@@ -2145,7 +4368,7 @@
           <a:p>
             <a:fld id="{07F4A872-BB05-448F-BC49-4E19CC5041AD}" type="slidenum">
               <a:rPr lang="en-US" smtClean="0"/>
-              <a:t>‹Nr.›</a:t>
+              <a:t>‹#›</a:t>
             </a:fld>
             <a:endParaRPr lang="en-US"/>
           </a:p>
@@ -2404,7 +4627,7 @@
           <a:p>
             <a:fld id="{FBA2DA08-F561-4012-B600-F674700837C3}" type="datetimeFigureOut">
               <a:rPr lang="en-US" smtClean="0"/>
-              <a:t>10/26/2019</a:t>
+              <a:t>11/2/2019</a:t>
             </a:fld>
             <a:endParaRPr lang="en-US"/>
           </a:p>
@@ -2458,7 +4681,7 @@
           <a:p>
             <a:fld id="{07F4A872-BB05-448F-BC49-4E19CC5041AD}" type="slidenum">
               <a:rPr lang="en-US" smtClean="0"/>
-              <a:t>‹Nr.›</a:t>
+              <a:t>‹#›</a:t>
             </a:fld>
             <a:endParaRPr lang="en-US"/>
           </a:p>
@@ -2693,7 +4916,7 @@
           <a:p>
             <a:fld id="{FBA2DA08-F561-4012-B600-F674700837C3}" type="datetimeFigureOut">
               <a:rPr lang="en-US" smtClean="0"/>
-              <a:t>10/26/2019</a:t>
+              <a:t>11/2/2019</a:t>
             </a:fld>
             <a:endParaRPr lang="en-US"/>
           </a:p>
@@ -2747,7 +4970,7 @@
           <a:p>
             <a:fld id="{07F4A872-BB05-448F-BC49-4E19CC5041AD}" type="slidenum">
               <a:rPr lang="en-US" smtClean="0"/>
-              <a:t>‹Nr.›</a:t>
+              <a:t>‹#›</a:t>
             </a:fld>
             <a:endParaRPr lang="en-US"/>
           </a:p>
@@ -2936,7 +5159,7 @@
           <a:p>
             <a:fld id="{FBA2DA08-F561-4012-B600-F674700837C3}" type="datetimeFigureOut">
               <a:rPr lang="en-US" smtClean="0"/>
-              <a:t>10/26/2019</a:t>
+              <a:t>11/2/2019</a:t>
             </a:fld>
             <a:endParaRPr lang="en-US"/>
           </a:p>
@@ -3026,7 +5249,7 @@
           <a:p>
             <a:fld id="{07F4A872-BB05-448F-BC49-4E19CC5041AD}" type="slidenum">
               <a:rPr lang="en-US" smtClean="0"/>
-              <a:t>‹Nr.›</a:t>
+              <a:t>‹#›</a:t>
             </a:fld>
             <a:endParaRPr lang="en-US"/>
           </a:p>
@@ -3452,7 +5675,7 @@
           <p:cNvPr id="2" name="Titel 1">
             <a:extLst>
               <a:ext uri="{FF2B5EF4-FFF2-40B4-BE49-F238E27FC236}">
-                <a16:creationId xmlns:a16="http://schemas.microsoft.com/office/drawing/2014/main" id="{0425B7AA-8A86-45B1-8E9D-D0F0F867BC1F}"/>
+                <a16:creationId xmlns:a16="http://schemas.microsoft.com/office/drawing/2014/main" id="{917D301D-A777-4792-9C10-94B66B0517B4}"/>
               </a:ext>
             </a:extLst>
           </p:cNvPr>
@@ -3470,7 +5693,7 @@
           <a:p>
             <a:r>
               <a:rPr lang="en-US" dirty="0"/>
-              <a:t>Parameter Tuning</a:t>
+              <a:t>Logistic Regression</a:t>
             </a:r>
           </a:p>
         </p:txBody>
@@ -3480,7 +5703,7 @@
           <p:cNvPr id="3" name="Inhaltsplatzhalter 2">
             <a:extLst>
               <a:ext uri="{FF2B5EF4-FFF2-40B4-BE49-F238E27FC236}">
-                <a16:creationId xmlns:a16="http://schemas.microsoft.com/office/drawing/2014/main" id="{6D8484E7-9B2A-44CF-92D2-CEE26AF56F84}"/>
+                <a16:creationId xmlns:a16="http://schemas.microsoft.com/office/drawing/2014/main" id="{580C7053-EB5A-4FFC-AD28-2B8D55307073}"/>
               </a:ext>
             </a:extLst>
           </p:cNvPr>
@@ -3496,14 +5719,54 @@
           <a:bodyPr/>
           <a:lstStyle/>
           <a:p>
-            <a:endParaRPr lang="en-US"/>
+            <a:r>
+              <a:rPr lang="en-US" dirty="0"/>
+              <a:t>Advantages regarding our problem:</a:t>
+            </a:r>
+          </a:p>
+          <a:p>
+            <a:pPr marL="0" indent="0">
+              <a:buNone/>
+            </a:pPr>
+            <a:r>
+              <a:rPr lang="en-US" sz="2000" dirty="0"/>
+              <a:t>- Can be regularized to avoid overfitting!</a:t>
+            </a:r>
+          </a:p>
+          <a:p>
+            <a:r>
+              <a:rPr lang="en-US" dirty="0"/>
+              <a:t>Weaknesses regarding our Problem: </a:t>
+            </a:r>
+          </a:p>
+          <a:p>
+            <a:pPr marL="0" indent="0">
+              <a:buNone/>
+            </a:pPr>
+            <a:r>
+              <a:rPr lang="en-US" dirty="0"/>
+              <a:t> </a:t>
+            </a:r>
+            <a:r>
+              <a:rPr lang="en-US" sz="2000" dirty="0"/>
+              <a:t>- Weak on multiple non-linear boundaries</a:t>
+            </a:r>
+          </a:p>
+          <a:p>
+            <a:r>
+              <a:rPr lang="en-US" dirty="0"/>
+              <a:t>Our best result:</a:t>
+            </a:r>
+          </a:p>
+          <a:p>
+            <a:endParaRPr lang="en-US" dirty="0"/>
           </a:p>
         </p:txBody>
       </p:sp>
     </p:spTree>
     <p:extLst>
       <p:ext uri="{BB962C8B-B14F-4D97-AF65-F5344CB8AC3E}">
-        <p14:creationId xmlns:p14="http://schemas.microsoft.com/office/powerpoint/2010/main" val="2465237120"/>
+        <p14:creationId xmlns:p14="http://schemas.microsoft.com/office/powerpoint/2010/main" val="3613122792"/>
       </p:ext>
     </p:extLst>
   </p:cSld>
@@ -3535,7 +5798,7 @@
           <p:cNvPr id="2" name="Titel 1">
             <a:extLst>
               <a:ext uri="{FF2B5EF4-FFF2-40B4-BE49-F238E27FC236}">
-                <a16:creationId xmlns:a16="http://schemas.microsoft.com/office/drawing/2014/main" id="{A0336D94-A73C-4F4C-92A9-9365AA6BBED7}"/>
+                <a16:creationId xmlns:a16="http://schemas.microsoft.com/office/drawing/2014/main" id="{0425B7AA-8A86-45B1-8E9D-D0F0F867BC1F}"/>
               </a:ext>
             </a:extLst>
           </p:cNvPr>
@@ -3553,7 +5816,7 @@
           <a:p>
             <a:r>
               <a:rPr lang="en-US" dirty="0"/>
-              <a:t>Ranking Result</a:t>
+              <a:t>Parameter Tuning</a:t>
             </a:r>
           </a:p>
         </p:txBody>
@@ -3563,7 +5826,7 @@
           <p:cNvPr id="3" name="Inhaltsplatzhalter 2">
             <a:extLst>
               <a:ext uri="{FF2B5EF4-FFF2-40B4-BE49-F238E27FC236}">
-                <a16:creationId xmlns:a16="http://schemas.microsoft.com/office/drawing/2014/main" id="{1B242D0B-305B-4559-BF13-23D69D8D648C}"/>
+                <a16:creationId xmlns:a16="http://schemas.microsoft.com/office/drawing/2014/main" id="{6D8484E7-9B2A-44CF-92D2-CEE26AF56F84}"/>
               </a:ext>
             </a:extLst>
           </p:cNvPr>
@@ -3579,14 +5842,80 @@
           <a:bodyPr/>
           <a:lstStyle/>
           <a:p>
-            <a:endParaRPr lang="en-US"/>
+            <a:r>
+              <a:rPr lang="en-US" dirty="0"/>
+              <a:t>Penalty = “L1”, C =.1</a:t>
+            </a:r>
+          </a:p>
+          <a:p>
+            <a:pPr lvl="1"/>
+            <a:r>
+              <a:rPr lang="en-US" dirty="0"/>
+              <a:t>Lower values of C lead to sparser solutions</a:t>
+            </a:r>
+          </a:p>
+          <a:p>
+            <a:pPr lvl="1"/>
+            <a:r>
+              <a:rPr lang="en-US" dirty="0"/>
+              <a:t>L1 penalty sparser than L2</a:t>
+            </a:r>
+          </a:p>
+          <a:p>
+            <a:r>
+              <a:rPr lang="en-US" dirty="0"/>
+              <a:t>Solver = “</a:t>
+            </a:r>
+            <a:r>
+              <a:rPr lang="en-US" dirty="0" err="1"/>
+              <a:t>liblinear</a:t>
+            </a:r>
+            <a:r>
+              <a:rPr lang="en-US" dirty="0"/>
+              <a:t>”</a:t>
+            </a:r>
+          </a:p>
+          <a:p>
+            <a:pPr lvl="1"/>
+            <a:r>
+              <a:rPr lang="en-US" dirty="0"/>
+              <a:t>Uses a Coordinate Descent Algo</a:t>
+            </a:r>
+            <a:r>
+              <a:rPr lang="en-US" baseline="30000" dirty="0"/>
+              <a:t>2</a:t>
+            </a:r>
+            <a:endParaRPr lang="en-US" dirty="0"/>
+          </a:p>
+          <a:p>
+            <a:pPr lvl="1"/>
+            <a:r>
+              <a:rPr lang="en-US" dirty="0"/>
+              <a:t>Behaves as a multiclass classifier (separate binary classifiers are trained for all classes)</a:t>
+            </a:r>
+            <a:r>
+              <a:rPr lang="en-US" baseline="30000" dirty="0"/>
+              <a:t> 2</a:t>
+            </a:r>
+          </a:p>
+          <a:p>
+            <a:r>
+              <a:rPr lang="en-US" dirty="0"/>
+              <a:t>Selecting Data Columns</a:t>
+            </a:r>
+          </a:p>
+          <a:p>
+            <a:pPr marL="0" indent="0">
+              <a:buNone/>
+            </a:pPr>
+            <a:endParaRPr lang="en-US" baseline="30000" dirty="0"/>
           </a:p>
         </p:txBody>
       </p:sp>
     </p:spTree>
     <p:extLst>
       <p:ext uri="{BB962C8B-B14F-4D97-AF65-F5344CB8AC3E}">
-        <p14:creationId xmlns:p14="http://schemas.microsoft.com/office/powerpoint/2010/main" val="19867597"/>
+        <p14:creationId xmlns:p14="http://schemas.microsoft.com/office/powerpoint/2010/main" val="2465237120"/>
       </p:ext>
     </p:extLst>
   </p:cSld>
@@ -3618,6 +5947,202 @@
           <p:cNvPr id="2" name="Titel 1">
             <a:extLst>
               <a:ext uri="{FF2B5EF4-FFF2-40B4-BE49-F238E27FC236}">
+                <a16:creationId xmlns:a16="http://schemas.microsoft.com/office/drawing/2014/main" id="{A0336D94-A73C-4F4C-92A9-9365AA6BBED7}"/>
+              </a:ext>
+            </a:extLst>
+          </p:cNvPr>
+          <p:cNvSpPr>
+            <a:spLocks noGrp="1"/>
+          </p:cNvSpPr>
+          <p:nvPr>
+            <p:ph type="title"/>
+          </p:nvPr>
+        </p:nvSpPr>
+        <p:spPr/>
+        <p:txBody>
+          <a:bodyPr/>
+          <a:lstStyle/>
+          <a:p>
+            <a:r>
+              <a:rPr lang="en-US" dirty="0"/>
+              <a:t>Ranking Result (Test Data)</a:t>
+            </a:r>
+          </a:p>
+        </p:txBody>
+      </p:sp>
+      <p:graphicFrame>
+        <p:nvGraphicFramePr>
+          <p:cNvPr id="7" name="Content Placeholder 6">
+            <a:extLst>
+              <a:ext uri="{FF2B5EF4-FFF2-40B4-BE49-F238E27FC236}">
+                <a16:creationId xmlns:a16="http://schemas.microsoft.com/office/drawing/2014/main" id="{B7E1DA0E-C993-498E-AA69-5469A34DBB5E}"/>
+              </a:ext>
+            </a:extLst>
+          </p:cNvPr>
+          <p:cNvGraphicFramePr>
+            <a:graphicFrameLocks noGrp="1"/>
+          </p:cNvGraphicFramePr>
+          <p:nvPr>
+            <p:ph idx="1"/>
+          </p:nvPr>
+        </p:nvGraphicFramePr>
+        <p:xfrm>
+          <a:off x="838200" y="1825625"/>
+          <a:ext cx="10515600" cy="4351338"/>
+        </p:xfrm>
+        <a:graphic>
+          <a:graphicData uri="http://schemas.openxmlformats.org/drawingml/2006/chart">
+            <c:chart xmlns:c="http://schemas.openxmlformats.org/drawingml/2006/chart" xmlns:r="http://schemas.openxmlformats.org/officeDocument/2006/relationships" r:id="rId2"/>
+          </a:graphicData>
+        </a:graphic>
+      </p:graphicFrame>
+    </p:spTree>
+    <p:extLst>
+      <p:ext uri="{BB962C8B-B14F-4D97-AF65-F5344CB8AC3E}">
+        <p14:creationId xmlns:p14="http://schemas.microsoft.com/office/powerpoint/2010/main" val="19867597"/>
+      </p:ext>
+    </p:extLst>
+  </p:cSld>
+  <p:clrMapOvr>
+    <a:masterClrMapping/>
+  </p:clrMapOvr>
+</p:sld>
+</file>
+
+<file path=ppt/slides/slide13.xml><?xml version="1.0" encoding="utf-8"?>
+<p:sld xmlns:a="http://schemas.openxmlformats.org/drawingml/2006/main" xmlns:r="http://schemas.openxmlformats.org/officeDocument/2006/relationships" xmlns:p="http://schemas.openxmlformats.org/presentationml/2006/main">
+  <p:cSld>
+    <p:spTree>
+      <p:nvGrpSpPr>
+        <p:cNvPr id="1" name=""/>
+        <p:cNvGrpSpPr/>
+        <p:nvPr/>
+      </p:nvGrpSpPr>
+      <p:grpSpPr>
+        <a:xfrm>
+          <a:off x="0" y="0"/>
+          <a:ext cx="0" cy="0"/>
+          <a:chOff x="0" y="0"/>
+          <a:chExt cx="0" cy="0"/>
+        </a:xfrm>
+      </p:grpSpPr>
+      <p:sp>
+        <p:nvSpPr>
+          <p:cNvPr id="2" name="Title 1">
+            <a:extLst>
+              <a:ext uri="{FF2B5EF4-FFF2-40B4-BE49-F238E27FC236}">
+                <a16:creationId xmlns:a16="http://schemas.microsoft.com/office/drawing/2014/main" id="{9C35B7DC-2A12-4643-B7AD-ECD5013888CC}"/>
+              </a:ext>
+            </a:extLst>
+          </p:cNvPr>
+          <p:cNvSpPr>
+            <a:spLocks noGrp="1"/>
+          </p:cNvSpPr>
+          <p:nvPr>
+            <p:ph type="title"/>
+          </p:nvPr>
+        </p:nvSpPr>
+        <p:spPr/>
+        <p:txBody>
+          <a:bodyPr/>
+          <a:lstStyle/>
+          <a:p>
+            <a:r>
+              <a:rPr lang="en-US" dirty="0"/>
+              <a:t>Ranking Result Explained</a:t>
+            </a:r>
+          </a:p>
+        </p:txBody>
+      </p:sp>
+      <p:sp>
+        <p:nvSpPr>
+          <p:cNvPr id="3" name="Content Placeholder 2">
+            <a:extLst>
+              <a:ext uri="{FF2B5EF4-FFF2-40B4-BE49-F238E27FC236}">
+                <a16:creationId xmlns:a16="http://schemas.microsoft.com/office/drawing/2014/main" id="{6D44159F-1847-4B25-8583-5B80C4B7C501}"/>
+              </a:ext>
+            </a:extLst>
+          </p:cNvPr>
+          <p:cNvSpPr>
+            <a:spLocks noGrp="1"/>
+          </p:cNvSpPr>
+          <p:nvPr>
+            <p:ph idx="1"/>
+          </p:nvPr>
+        </p:nvSpPr>
+        <p:spPr/>
+        <p:txBody>
+          <a:bodyPr/>
+          <a:lstStyle/>
+          <a:p>
+            <a:r>
+              <a:rPr lang="en-US" dirty="0"/>
+              <a:t>Training Data: 175 Rows (70%)</a:t>
+            </a:r>
+          </a:p>
+          <a:p>
+            <a:r>
+              <a:rPr lang="en-US" dirty="0"/>
+              <a:t>Validation Data: 75 Rows (30%)</a:t>
+            </a:r>
+          </a:p>
+          <a:p>
+            <a:r>
+              <a:rPr lang="en-US" dirty="0"/>
+              <a:t>Best Performer: Logistic Regression</a:t>
+            </a:r>
+          </a:p>
+          <a:p>
+            <a:pPr lvl="1"/>
+            <a:r>
+              <a:rPr lang="en-US" dirty="0"/>
+              <a:t>Validation Accuracy: 77.33%</a:t>
+            </a:r>
+          </a:p>
+          <a:p>
+            <a:pPr lvl="1"/>
+            <a:r>
+              <a:rPr lang="en-US" dirty="0"/>
+              <a:t>Testing Accuracy: 73.35%</a:t>
+            </a:r>
+          </a:p>
+        </p:txBody>
+      </p:sp>
+    </p:spTree>
+    <p:extLst>
+      <p:ext uri="{BB962C8B-B14F-4D97-AF65-F5344CB8AC3E}">
+        <p14:creationId xmlns:p14="http://schemas.microsoft.com/office/powerpoint/2010/main" val="1885164894"/>
+      </p:ext>
+    </p:extLst>
+  </p:cSld>
+  <p:clrMapOvr>
+    <a:masterClrMapping/>
+  </p:clrMapOvr>
+</p:sld>
+</file>
+
+<file path=ppt/slides/slide14.xml><?xml version="1.0" encoding="utf-8"?>
+<p:sld xmlns:a="http://schemas.openxmlformats.org/drawingml/2006/main" xmlns:r="http://schemas.openxmlformats.org/officeDocument/2006/relationships" xmlns:p="http://schemas.openxmlformats.org/presentationml/2006/main">
+  <p:cSld>
+    <p:spTree>
+      <p:nvGrpSpPr>
+        <p:cNvPr id="1" name=""/>
+        <p:cNvGrpSpPr/>
+        <p:nvPr/>
+      </p:nvGrpSpPr>
+      <p:grpSpPr>
+        <a:xfrm>
+          <a:off x="0" y="0"/>
+          <a:ext cx="0" cy="0"/>
+          <a:chOff x="0" y="0"/>
+          <a:chExt cx="0" cy="0"/>
+        </a:xfrm>
+      </p:grpSpPr>
+      <p:sp>
+        <p:nvSpPr>
+          <p:cNvPr id="2" name="Titel 1">
+            <a:extLst>
+              <a:ext uri="{FF2B5EF4-FFF2-40B4-BE49-F238E27FC236}">
                 <a16:creationId xmlns:a16="http://schemas.microsoft.com/office/drawing/2014/main" id="{1762BE5A-FA6C-4B1D-BB06-E300012F84BC}"/>
               </a:ext>
             </a:extLst>
@@ -3669,6 +6194,16 @@
             <a:r>
               <a:rPr lang="en-US" dirty="0"/>
               <a:t>https://elitedatascience.com/machine-learning-algorithms</a:t>
+            </a:r>
+          </a:p>
+          <a:p>
+            <a:r>
+              <a:rPr lang="en-US" baseline="30000" dirty="0"/>
+              <a:t>2</a:t>
+            </a:r>
+            <a:r>
+              <a:rPr lang="en-US" dirty="0"/>
+              <a:t>https://scikit-learn.org</a:t>
             </a:r>
           </a:p>
         </p:txBody>
@@ -3677,6 +6212,95 @@
     <p:extLst>
       <p:ext uri="{BB962C8B-B14F-4D97-AF65-F5344CB8AC3E}">
         <p14:creationId xmlns:p14="http://schemas.microsoft.com/office/powerpoint/2010/main" val="3409720953"/>
+      </p:ext>
+    </p:extLst>
+  </p:cSld>
+  <p:clrMapOvr>
+    <a:masterClrMapping/>
+  </p:clrMapOvr>
+</p:sld>
+</file>
+
+<file path=ppt/slides/slide15.xml><?xml version="1.0" encoding="utf-8"?>
+<p:sld xmlns:a="http://schemas.openxmlformats.org/drawingml/2006/main" xmlns:r="http://schemas.openxmlformats.org/officeDocument/2006/relationships" xmlns:p="http://schemas.openxmlformats.org/presentationml/2006/main">
+  <p:cSld>
+    <p:spTree>
+      <p:nvGrpSpPr>
+        <p:cNvPr id="1" name=""/>
+        <p:cNvGrpSpPr/>
+        <p:nvPr/>
+      </p:nvGrpSpPr>
+      <p:grpSpPr>
+        <a:xfrm>
+          <a:off x="0" y="0"/>
+          <a:ext cx="0" cy="0"/>
+          <a:chOff x="0" y="0"/>
+          <a:chExt cx="0" cy="0"/>
+        </a:xfrm>
+      </p:grpSpPr>
+      <p:sp>
+        <p:nvSpPr>
+          <p:cNvPr id="2" name="Title 1">
+            <a:extLst>
+              <a:ext uri="{FF2B5EF4-FFF2-40B4-BE49-F238E27FC236}">
+                <a16:creationId xmlns:a16="http://schemas.microsoft.com/office/drawing/2014/main" id="{4E6E5B9B-77C7-4A17-A3E6-80132BC376A3}"/>
+              </a:ext>
+            </a:extLst>
+          </p:cNvPr>
+          <p:cNvSpPr>
+            <a:spLocks noGrp="1"/>
+          </p:cNvSpPr>
+          <p:nvPr>
+            <p:ph type="title"/>
+          </p:nvPr>
+        </p:nvSpPr>
+        <p:spPr/>
+        <p:txBody>
+          <a:bodyPr/>
+          <a:lstStyle/>
+          <a:p>
+            <a:r>
+              <a:rPr lang="en-US" dirty="0"/>
+              <a:t>Appendix</a:t>
+            </a:r>
+          </a:p>
+        </p:txBody>
+      </p:sp>
+      <p:graphicFrame>
+        <p:nvGraphicFramePr>
+          <p:cNvPr id="4" name="Content Placeholder 3">
+            <a:extLst>
+              <a:ext uri="{FF2B5EF4-FFF2-40B4-BE49-F238E27FC236}">
+                <a16:creationId xmlns:a16="http://schemas.microsoft.com/office/drawing/2014/main" id="{8DEB8FC9-F0CB-4B36-BAFB-640CE986CF7F}"/>
+              </a:ext>
+            </a:extLst>
+          </p:cNvPr>
+          <p:cNvGraphicFramePr>
+            <a:graphicFrameLocks noGrp="1"/>
+          </p:cNvGraphicFramePr>
+          <p:nvPr>
+            <p:ph idx="1"/>
+            <p:extLst>
+              <p:ext uri="{D42A27DB-BD31-4B8C-83A1-F6EECF244321}">
+                <p14:modId xmlns:p14="http://schemas.microsoft.com/office/powerpoint/2010/main" val="157355301"/>
+              </p:ext>
+            </p:extLst>
+          </p:nvPr>
+        </p:nvGraphicFramePr>
+        <p:xfrm>
+          <a:off x="838200" y="1825625"/>
+          <a:ext cx="10515600" cy="4351338"/>
+        </p:xfrm>
+        <a:graphic>
+          <a:graphicData uri="http://schemas.openxmlformats.org/drawingml/2006/chart">
+            <c:chart xmlns:c="http://schemas.openxmlformats.org/drawingml/2006/chart" xmlns:r="http://schemas.openxmlformats.org/officeDocument/2006/relationships" r:id="rId2"/>
+          </a:graphicData>
+        </a:graphic>
+      </p:graphicFrame>
+    </p:spTree>
+    <p:extLst>
+      <p:ext uri="{BB962C8B-B14F-4D97-AF65-F5344CB8AC3E}">
+        <p14:creationId xmlns:p14="http://schemas.microsoft.com/office/powerpoint/2010/main" val="3163325239"/>
       </p:ext>
     </p:extLst>
   </p:cSld>
@@ -3988,6 +6612,12 @@
           <a:p>
             <a:r>
               <a:rPr lang="en-US" dirty="0"/>
+              <a:t>K Nearest Neighbors</a:t>
+            </a:r>
+          </a:p>
+          <a:p>
+            <a:r>
+              <a:rPr lang="en-US" dirty="0"/>
               <a:t>Logistic Regression (Our choice)</a:t>
             </a:r>
           </a:p>
@@ -4549,7 +7179,7 @@
           <p:cNvPr id="2" name="Titel 1">
             <a:extLst>
               <a:ext uri="{FF2B5EF4-FFF2-40B4-BE49-F238E27FC236}">
-                <a16:creationId xmlns:a16="http://schemas.microsoft.com/office/drawing/2014/main" id="{917D301D-A777-4792-9C10-94B66B0517B4}"/>
+                <a16:creationId xmlns:a16="http://schemas.microsoft.com/office/drawing/2014/main" id="{AF19A5F8-3988-4261-9F84-B40F23A038E3}"/>
               </a:ext>
             </a:extLst>
           </p:cNvPr>
@@ -4567,7 +7197,7 @@
           <a:p>
             <a:r>
               <a:rPr lang="en-US" dirty="0"/>
-              <a:t>Logistic Regression</a:t>
+              <a:t>K-Nearest Neighbors</a:t>
             </a:r>
           </a:p>
         </p:txBody>
@@ -4577,7 +7207,7 @@
           <p:cNvPr id="3" name="Inhaltsplatzhalter 2">
             <a:extLst>
               <a:ext uri="{FF2B5EF4-FFF2-40B4-BE49-F238E27FC236}">
-                <a16:creationId xmlns:a16="http://schemas.microsoft.com/office/drawing/2014/main" id="{580C7053-EB5A-4FFC-AD28-2B8D55307073}"/>
+                <a16:creationId xmlns:a16="http://schemas.microsoft.com/office/drawing/2014/main" id="{5D8033C1-9455-4140-9F3A-B07400A33377}"/>
               </a:ext>
             </a:extLst>
           </p:cNvPr>
@@ -4603,8 +7233,12 @@
               <a:buNone/>
             </a:pPr>
             <a:r>
+              <a:rPr lang="en-US" dirty="0"/>
+              <a:t> </a:t>
+            </a:r>
+            <a:r>
               <a:rPr lang="en-US" sz="2000" dirty="0"/>
-              <a:t>- Can be regularized to avoid overfitting!</a:t>
+              <a:t>- Usually provides good performance, especially regarding the complexity </a:t>
             </a:r>
           </a:p>
           <a:p>
@@ -4623,7 +7257,7 @@
             </a:r>
             <a:r>
               <a:rPr lang="en-US" sz="2000" dirty="0"/>
-              <a:t>- Weak on multiple non-linear boundaries</a:t>
+              <a:t>- Curse of Dimensionality: Poor results if too many variables/features</a:t>
             </a:r>
           </a:p>
           <a:p>
@@ -4640,7 +7274,7 @@
     </p:spTree>
     <p:extLst>
       <p:ext uri="{BB962C8B-B14F-4D97-AF65-F5344CB8AC3E}">
-        <p14:creationId xmlns:p14="http://schemas.microsoft.com/office/powerpoint/2010/main" val="3613122792"/>
+        <p14:creationId xmlns:p14="http://schemas.microsoft.com/office/powerpoint/2010/main" val="427170449"/>
       </p:ext>
     </p:extLst>
   </p:cSld>
@@ -4943,4 +7577,299 @@
     </a:ext>
   </a:extLst>
 </a:theme>
+</file>
+
+<file path=ppt/theme/theme2.xml><?xml version="1.0" encoding="utf-8"?>
+<a:theme xmlns:a="http://schemas.openxmlformats.org/drawingml/2006/main" name="Office Theme">
+  <a:themeElements>
+    <a:clrScheme name="Office">
+      <a:dk1>
+        <a:sysClr val="windowText" lastClr="000000"/>
+      </a:dk1>
+      <a:lt1>
+        <a:sysClr val="window" lastClr="FFFFFF"/>
+      </a:lt1>
+      <a:dk2>
+        <a:srgbClr val="44546A"/>
+      </a:dk2>
+      <a:lt2>
+        <a:srgbClr val="E7E6E6"/>
+      </a:lt2>
+      <a:accent1>
+        <a:srgbClr val="4472C4"/>
+      </a:accent1>
+      <a:accent2>
+        <a:srgbClr val="ED7D31"/>
+      </a:accent2>
+      <a:accent3>
+        <a:srgbClr val="A5A5A5"/>
+      </a:accent3>
+      <a:accent4>
+        <a:srgbClr val="FFC000"/>
+      </a:accent4>
+      <a:accent5>
+        <a:srgbClr val="5B9BD5"/>
+      </a:accent5>
+      <a:accent6>
+        <a:srgbClr val="70AD47"/>
+      </a:accent6>
+      <a:hlink>
+        <a:srgbClr val="0563C1"/>
+      </a:hlink>
+      <a:folHlink>
+        <a:srgbClr val="954F72"/>
+      </a:folHlink>
+    </a:clrScheme>
+    <a:fontScheme name="Office">
+      <a:majorFont>
+        <a:latin typeface="Calibri Light" panose="020F0302020204030204"/>
+        <a:ea typeface=""/>
+        <a:cs typeface=""/>
+        <a:font script="Jpan" typeface="游ゴシック Light"/>
+        <a:font script="Hang" typeface="맑은 고딕"/>
+        <a:font script="Hans" typeface="等线 Light"/>
+        <a:font script="Hant" typeface="新細明體"/>
+        <a:font script="Arab" typeface="Times New Roman"/>
+        <a:font script="Hebr" typeface="Times New Roman"/>
+        <a:font script="Thai" typeface="Angsana New"/>
+        <a:font script="Ethi" typeface="Nyala"/>
+        <a:font script="Beng" typeface="Vrinda"/>
+        <a:font script="Gujr" typeface="Shruti"/>
+        <a:font script="Khmr" typeface="MoolBoran"/>
+        <a:font script="Knda" typeface="Tunga"/>
+        <a:font script="Guru" typeface="Raavi"/>
+        <a:font script="Cans" typeface="Euphemia"/>
+        <a:font script="Cher" typeface="Plantagenet Cherokee"/>
+        <a:font script="Yiii" typeface="Microsoft Yi Baiti"/>
+        <a:font script="Tibt" typeface="Microsoft Himalaya"/>
+        <a:font script="Thaa" typeface="MV Boli"/>
+        <a:font script="Deva" typeface="Mangal"/>
+        <a:font script="Telu" typeface="Gautami"/>
+        <a:font script="Taml" typeface="Latha"/>
+        <a:font script="Syrc" typeface="Estrangelo Edessa"/>
+        <a:font script="Orya" typeface="Kalinga"/>
+        <a:font script="Mlym" typeface="Kartika"/>
+        <a:font script="Laoo" typeface="DokChampa"/>
+        <a:font script="Sinh" typeface="Iskoola Pota"/>
+        <a:font script="Mong" typeface="Mongolian Baiti"/>
+        <a:font script="Viet" typeface="Times New Roman"/>
+        <a:font script="Uigh" typeface="Microsoft Uighur"/>
+        <a:font script="Geor" typeface="Sylfaen"/>
+        <a:font script="Armn" typeface="Arial"/>
+        <a:font script="Bugi" typeface="Leelawadee UI"/>
+        <a:font script="Bopo" typeface="Microsoft JhengHei"/>
+        <a:font script="Java" typeface="Javanese Text"/>
+        <a:font script="Lisu" typeface="Segoe UI"/>
+        <a:font script="Mymr" typeface="Myanmar Text"/>
+        <a:font script="Nkoo" typeface="Ebrima"/>
+        <a:font script="Olck" typeface="Nirmala UI"/>
+        <a:font script="Osma" typeface="Ebrima"/>
+        <a:font script="Phag" typeface="Phagspa"/>
+        <a:font script="Syrn" typeface="Estrangelo Edessa"/>
+        <a:font script="Syrj" typeface="Estrangelo Edessa"/>
+        <a:font script="Syre" typeface="Estrangelo Edessa"/>
+        <a:font script="Sora" typeface="Nirmala UI"/>
+        <a:font script="Tale" typeface="Microsoft Tai Le"/>
+        <a:font script="Talu" typeface="Microsoft New Tai Lue"/>
+        <a:font script="Tfng" typeface="Ebrima"/>
+      </a:majorFont>
+      <a:minorFont>
+        <a:latin typeface="Calibri" panose="020F0502020204030204"/>
+        <a:ea typeface=""/>
+        <a:cs typeface=""/>
+        <a:font script="Jpan" typeface="游ゴシック"/>
+        <a:font script="Hang" typeface="맑은 고딕"/>
+        <a:font script="Hans" typeface="等线"/>
+        <a:font script="Hant" typeface="新細明體"/>
+        <a:font script="Arab" typeface="Arial"/>
+        <a:font script="Hebr" typeface="Arial"/>
+        <a:font script="Thai" typeface="Cordia New"/>
+        <a:font script="Ethi" typeface="Nyala"/>
+        <a:font script="Beng" typeface="Vrinda"/>
+        <a:font script="Gujr" typeface="Shruti"/>
+        <a:font script="Khmr" typeface="DaunPenh"/>
+        <a:font script="Knda" typeface="Tunga"/>
+        <a:font script="Guru" typeface="Raavi"/>
+        <a:font script="Cans" typeface="Euphemia"/>
+        <a:font script="Cher" typeface="Plantagenet Cherokee"/>
+        <a:font script="Yiii" typeface="Microsoft Yi Baiti"/>
+        <a:font script="Tibt" typeface="Microsoft Himalaya"/>
+        <a:font script="Thaa" typeface="MV Boli"/>
+        <a:font script="Deva" typeface="Mangal"/>
+        <a:font script="Telu" typeface="Gautami"/>
+        <a:font script="Taml" typeface="Latha"/>
+        <a:font script="Syrc" typeface="Estrangelo Edessa"/>
+        <a:font script="Orya" typeface="Kalinga"/>
+        <a:font script="Mlym" typeface="Kartika"/>
+        <a:font script="Laoo" typeface="DokChampa"/>
+        <a:font script="Sinh" typeface="Iskoola Pota"/>
+        <a:font script="Mong" typeface="Mongolian Baiti"/>
+        <a:font script="Viet" typeface="Arial"/>
+        <a:font script="Uigh" typeface="Microsoft Uighur"/>
+        <a:font script="Geor" typeface="Sylfaen"/>
+        <a:font script="Armn" typeface="Arial"/>
+        <a:font script="Bugi" typeface="Leelawadee UI"/>
+        <a:font script="Bopo" typeface="Microsoft JhengHei"/>
+        <a:font script="Java" typeface="Javanese Text"/>
+        <a:font script="Lisu" typeface="Segoe UI"/>
+        <a:font script="Mymr" typeface="Myanmar Text"/>
+        <a:font script="Nkoo" typeface="Ebrima"/>
+        <a:font script="Olck" typeface="Nirmala UI"/>
+        <a:font script="Osma" typeface="Ebrima"/>
+        <a:font script="Phag" typeface="Phagspa"/>
+        <a:font script="Syrn" typeface="Estrangelo Edessa"/>
+        <a:font script="Syrj" typeface="Estrangelo Edessa"/>
+        <a:font script="Syre" typeface="Estrangelo Edessa"/>
+        <a:font script="Sora" typeface="Nirmala UI"/>
+        <a:font script="Tale" typeface="Microsoft Tai Le"/>
+        <a:font script="Talu" typeface="Microsoft New Tai Lue"/>
+        <a:font script="Tfng" typeface="Ebrima"/>
+      </a:minorFont>
+    </a:fontScheme>
+    <a:fmtScheme name="Office">
+      <a:fillStyleLst>
+        <a:solidFill>
+          <a:schemeClr val="phClr"/>
+        </a:solidFill>
+        <a:gradFill rotWithShape="1">
+          <a:gsLst>
+            <a:gs pos="0">
+              <a:schemeClr val="phClr">
+                <a:lumMod val="110000"/>
+                <a:satMod val="105000"/>
+                <a:tint val="67000"/>
+              </a:schemeClr>
+            </a:gs>
+            <a:gs pos="50000">
+              <a:schemeClr val="phClr">
+                <a:lumMod val="105000"/>
+                <a:satMod val="103000"/>
+                <a:tint val="73000"/>
+              </a:schemeClr>
+            </a:gs>
+            <a:gs pos="100000">
+              <a:schemeClr val="phClr">
+                <a:lumMod val="105000"/>
+                <a:satMod val="109000"/>
+                <a:tint val="81000"/>
+              </a:schemeClr>
+            </a:gs>
+          </a:gsLst>
+          <a:lin ang="5400000" scaled="0"/>
+        </a:gradFill>
+        <a:gradFill rotWithShape="1">
+          <a:gsLst>
+            <a:gs pos="0">
+              <a:schemeClr val="phClr">
+                <a:satMod val="103000"/>
+                <a:lumMod val="102000"/>
+                <a:tint val="94000"/>
+              </a:schemeClr>
+            </a:gs>
+            <a:gs pos="50000">
+              <a:schemeClr val="phClr">
+                <a:satMod val="110000"/>
+                <a:lumMod val="100000"/>
+                <a:shade val="100000"/>
+              </a:schemeClr>
+            </a:gs>
+            <a:gs pos="100000">
+              <a:schemeClr val="phClr">
+                <a:lumMod val="99000"/>
+                <a:satMod val="120000"/>
+                <a:shade val="78000"/>
+              </a:schemeClr>
+            </a:gs>
+          </a:gsLst>
+          <a:lin ang="5400000" scaled="0"/>
+        </a:gradFill>
+      </a:fillStyleLst>
+      <a:lnStyleLst>
+        <a:ln w="6350" cap="flat" cmpd="sng" algn="ctr">
+          <a:solidFill>
+            <a:schemeClr val="phClr"/>
+          </a:solidFill>
+          <a:prstDash val="solid"/>
+          <a:miter lim="800000"/>
+        </a:ln>
+        <a:ln w="12700" cap="flat" cmpd="sng" algn="ctr">
+          <a:solidFill>
+            <a:schemeClr val="phClr"/>
+          </a:solidFill>
+          <a:prstDash val="solid"/>
+          <a:miter lim="800000"/>
+        </a:ln>
+        <a:ln w="19050" cap="flat" cmpd="sng" algn="ctr">
+          <a:solidFill>
+            <a:schemeClr val="phClr"/>
+          </a:solidFill>
+          <a:prstDash val="solid"/>
+          <a:miter lim="800000"/>
+        </a:ln>
+      </a:lnStyleLst>
+      <a:effectStyleLst>
+        <a:effectStyle>
+          <a:effectLst/>
+        </a:effectStyle>
+        <a:effectStyle>
+          <a:effectLst/>
+        </a:effectStyle>
+        <a:effectStyle>
+          <a:effectLst>
+            <a:outerShdw blurRad="57150" dist="19050" dir="5400000" algn="ctr" rotWithShape="0">
+              <a:srgbClr val="000000">
+                <a:alpha val="63000"/>
+              </a:srgbClr>
+            </a:outerShdw>
+          </a:effectLst>
+        </a:effectStyle>
+      </a:effectStyleLst>
+      <a:bgFillStyleLst>
+        <a:solidFill>
+          <a:schemeClr val="phClr"/>
+        </a:solidFill>
+        <a:solidFill>
+          <a:schemeClr val="phClr">
+            <a:tint val="95000"/>
+            <a:satMod val="170000"/>
+          </a:schemeClr>
+        </a:solidFill>
+        <a:gradFill rotWithShape="1">
+          <a:gsLst>
+            <a:gs pos="0">
+              <a:schemeClr val="phClr">
+                <a:tint val="93000"/>
+                <a:satMod val="150000"/>
+                <a:shade val="98000"/>
+                <a:lumMod val="102000"/>
+              </a:schemeClr>
+            </a:gs>
+            <a:gs pos="50000">
+              <a:schemeClr val="phClr">
+                <a:tint val="98000"/>
+                <a:satMod val="130000"/>
+                <a:shade val="90000"/>
+                <a:lumMod val="103000"/>
+              </a:schemeClr>
+            </a:gs>
+            <a:gs pos="100000">
+              <a:schemeClr val="phClr">
+                <a:shade val="63000"/>
+                <a:satMod val="120000"/>
+              </a:schemeClr>
+            </a:gs>
+          </a:gsLst>
+          <a:lin ang="5400000" scaled="0"/>
+        </a:gradFill>
+      </a:bgFillStyleLst>
+    </a:fmtScheme>
+  </a:themeElements>
+  <a:objectDefaults/>
+  <a:extraClrSchemeLst/>
+  <a:extLst>
+    <a:ext uri="{05A4C25C-085E-4340-85A3-A5531E510DB2}">
+      <thm15:themeFamily xmlns:thm15="http://schemas.microsoft.com/office/thememl/2012/main" name="Office Theme" id="{62F939B6-93AF-4DB8-9C6B-D6C7DFDC589F}" vid="{4A3C46E8-61CC-4603-A589-7422A47A8E4A}"/>
+    </a:ext>
+  </a:extLst>
+</a:theme>
 </file>
--- a/Presentation.pptx
+++ b/Presentation.pptx
@@ -5,24 +5,22 @@
     <p:sldMasterId id="2147483648" r:id="rId1"/>
   </p:sldMasterIdLst>
   <p:notesMasterIdLst>
-    <p:notesMasterId r:id="rId17"/>
+    <p:notesMasterId r:id="rId15"/>
   </p:notesMasterIdLst>
   <p:sldIdLst>
     <p:sldId id="256" r:id="rId2"/>
     <p:sldId id="257" r:id="rId3"/>
     <p:sldId id="258" r:id="rId4"/>
     <p:sldId id="259" r:id="rId5"/>
-    <p:sldId id="260" r:id="rId6"/>
-    <p:sldId id="261" r:id="rId7"/>
-    <p:sldId id="262" r:id="rId8"/>
-    <p:sldId id="263" r:id="rId9"/>
-    <p:sldId id="272" r:id="rId10"/>
-    <p:sldId id="267" r:id="rId11"/>
-    <p:sldId id="269" r:id="rId12"/>
-    <p:sldId id="268" r:id="rId13"/>
-    <p:sldId id="270" r:id="rId14"/>
-    <p:sldId id="266" r:id="rId15"/>
-    <p:sldId id="273" r:id="rId16"/>
+    <p:sldId id="268" r:id="rId6"/>
+    <p:sldId id="275" r:id="rId7"/>
+    <p:sldId id="261" r:id="rId8"/>
+    <p:sldId id="267" r:id="rId9"/>
+    <p:sldId id="274" r:id="rId10"/>
+    <p:sldId id="269" r:id="rId11"/>
+    <p:sldId id="270" r:id="rId12"/>
+    <p:sldId id="266" r:id="rId13"/>
+    <p:sldId id="273" r:id="rId14"/>
   </p:sldIdLst>
   <p:sldSz cx="12192000" cy="6858000"/>
   <p:notesSz cx="6858000" cy="9144000"/>
@@ -1969,7 +1967,7 @@
           <a:p>
             <a:fld id="{73725B04-4458-4150-9CFF-8486B58F8074}" type="datetimeFigureOut">
               <a:rPr lang="en-US" smtClean="0"/>
-              <a:t>11/2/2019</a:t>
+              <a:t>11/7/2019</a:t>
             </a:fld>
             <a:endParaRPr lang="en-US"/>
           </a:p>
@@ -2322,7 +2320,7 @@
           <a:p>
             <a:fld id="{297A166E-ACF1-4C2F-AD43-1E0B732BAB04}" type="slidenum">
               <a:rPr lang="en-US" smtClean="0"/>
-              <a:t>11</a:t>
+              <a:t>10</a:t>
             </a:fld>
             <a:endParaRPr lang="en-US"/>
           </a:p>
@@ -2490,7 +2488,7 @@
           <a:p>
             <a:fld id="{FBA2DA08-F561-4012-B600-F674700837C3}" type="datetimeFigureOut">
               <a:rPr lang="en-US" smtClean="0"/>
-              <a:t>11/2/2019</a:t>
+              <a:t>11/7/2019</a:t>
             </a:fld>
             <a:endParaRPr lang="en-US"/>
           </a:p>
@@ -2690,7 +2688,7 @@
           <a:p>
             <a:fld id="{FBA2DA08-F561-4012-B600-F674700837C3}" type="datetimeFigureOut">
               <a:rPr lang="en-US" smtClean="0"/>
-              <a:t>11/2/2019</a:t>
+              <a:t>11/7/2019</a:t>
             </a:fld>
             <a:endParaRPr lang="en-US"/>
           </a:p>
@@ -2900,7 +2898,7 @@
           <a:p>
             <a:fld id="{FBA2DA08-F561-4012-B600-F674700837C3}" type="datetimeFigureOut">
               <a:rPr lang="en-US" smtClean="0"/>
-              <a:t>11/2/2019</a:t>
+              <a:t>11/7/2019</a:t>
             </a:fld>
             <a:endParaRPr lang="en-US"/>
           </a:p>
@@ -3100,7 +3098,7 @@
           <a:p>
             <a:fld id="{FBA2DA08-F561-4012-B600-F674700837C3}" type="datetimeFigureOut">
               <a:rPr lang="en-US" smtClean="0"/>
-              <a:t>11/2/2019</a:t>
+              <a:t>11/7/2019</a:t>
             </a:fld>
             <a:endParaRPr lang="en-US"/>
           </a:p>
@@ -3376,7 +3374,7 @@
           <a:p>
             <a:fld id="{FBA2DA08-F561-4012-B600-F674700837C3}" type="datetimeFigureOut">
               <a:rPr lang="en-US" smtClean="0"/>
-              <a:t>11/2/2019</a:t>
+              <a:t>11/7/2019</a:t>
             </a:fld>
             <a:endParaRPr lang="en-US"/>
           </a:p>
@@ -3644,7 +3642,7 @@
           <a:p>
             <a:fld id="{FBA2DA08-F561-4012-B600-F674700837C3}" type="datetimeFigureOut">
               <a:rPr lang="en-US" smtClean="0"/>
-              <a:t>11/2/2019</a:t>
+              <a:t>11/7/2019</a:t>
             </a:fld>
             <a:endParaRPr lang="en-US"/>
           </a:p>
@@ -4059,7 +4057,7 @@
           <a:p>
             <a:fld id="{FBA2DA08-F561-4012-B600-F674700837C3}" type="datetimeFigureOut">
               <a:rPr lang="en-US" smtClean="0"/>
-              <a:t>11/2/2019</a:t>
+              <a:t>11/7/2019</a:t>
             </a:fld>
             <a:endParaRPr lang="en-US"/>
           </a:p>
@@ -4201,7 +4199,7 @@
           <a:p>
             <a:fld id="{FBA2DA08-F561-4012-B600-F674700837C3}" type="datetimeFigureOut">
               <a:rPr lang="en-US" smtClean="0"/>
-              <a:t>11/2/2019</a:t>
+              <a:t>11/7/2019</a:t>
             </a:fld>
             <a:endParaRPr lang="en-US"/>
           </a:p>
@@ -4314,7 +4312,7 @@
           <a:p>
             <a:fld id="{FBA2DA08-F561-4012-B600-F674700837C3}" type="datetimeFigureOut">
               <a:rPr lang="en-US" smtClean="0"/>
-              <a:t>11/2/2019</a:t>
+              <a:t>11/7/2019</a:t>
             </a:fld>
             <a:endParaRPr lang="en-US"/>
           </a:p>
@@ -4627,7 +4625,7 @@
           <a:p>
             <a:fld id="{FBA2DA08-F561-4012-B600-F674700837C3}" type="datetimeFigureOut">
               <a:rPr lang="en-US" smtClean="0"/>
-              <a:t>11/2/2019</a:t>
+              <a:t>11/7/2019</a:t>
             </a:fld>
             <a:endParaRPr lang="en-US"/>
           </a:p>
@@ -4916,7 +4914,7 @@
           <a:p>
             <a:fld id="{FBA2DA08-F561-4012-B600-F674700837C3}" type="datetimeFigureOut">
               <a:rPr lang="en-US" smtClean="0"/>
-              <a:t>11/2/2019</a:t>
+              <a:t>11/7/2019</a:t>
             </a:fld>
             <a:endParaRPr lang="en-US"/>
           </a:p>
@@ -5159,7 +5157,7 @@
           <a:p>
             <a:fld id="{FBA2DA08-F561-4012-B600-F674700837C3}" type="datetimeFigureOut">
               <a:rPr lang="en-US" smtClean="0"/>
-              <a:t>11/2/2019</a:t>
+              <a:t>11/7/2019</a:t>
             </a:fld>
             <a:endParaRPr lang="en-US"/>
           </a:p>
@@ -5675,7 +5673,7 @@
           <p:cNvPr id="2" name="Titel 1">
             <a:extLst>
               <a:ext uri="{FF2B5EF4-FFF2-40B4-BE49-F238E27FC236}">
-                <a16:creationId xmlns:a16="http://schemas.microsoft.com/office/drawing/2014/main" id="{917D301D-A777-4792-9C10-94B66B0517B4}"/>
+                <a16:creationId xmlns:a16="http://schemas.microsoft.com/office/drawing/2014/main" id="{0425B7AA-8A86-45B1-8E9D-D0F0F867BC1F}"/>
               </a:ext>
             </a:extLst>
           </p:cNvPr>
@@ -5693,7 +5691,7 @@
           <a:p>
             <a:r>
               <a:rPr lang="en-US" dirty="0"/>
-              <a:t>Logistic Regression</a:t>
+              <a:t>Parameter Tuning</a:t>
             </a:r>
           </a:p>
         </p:txBody>
@@ -5703,7 +5701,7 @@
           <p:cNvPr id="3" name="Inhaltsplatzhalter 2">
             <a:extLst>
               <a:ext uri="{FF2B5EF4-FFF2-40B4-BE49-F238E27FC236}">
-                <a16:creationId xmlns:a16="http://schemas.microsoft.com/office/drawing/2014/main" id="{580C7053-EB5A-4FFC-AD28-2B8D55307073}"/>
+                <a16:creationId xmlns:a16="http://schemas.microsoft.com/office/drawing/2014/main" id="{6D8484E7-9B2A-44CF-92D2-CEE26AF56F84}"/>
               </a:ext>
             </a:extLst>
           </p:cNvPr>
@@ -5721,52 +5719,78 @@
           <a:p>
             <a:r>
               <a:rPr lang="en-US" dirty="0"/>
-              <a:t>Advantages regarding our problem:</a:t>
+              <a:t>Penalty = “L1”, C =.1</a:t>
+            </a:r>
+          </a:p>
+          <a:p>
+            <a:pPr lvl="1"/>
+            <a:r>
+              <a:rPr lang="en-US" dirty="0"/>
+              <a:t>Lower values of C lead to sparser solutions</a:t>
+            </a:r>
+          </a:p>
+          <a:p>
+            <a:pPr lvl="1"/>
+            <a:r>
+              <a:rPr lang="en-US" dirty="0"/>
+              <a:t>L1 penalty sparser than L2</a:t>
+            </a:r>
+          </a:p>
+          <a:p>
+            <a:r>
+              <a:rPr lang="en-US" dirty="0"/>
+              <a:t>Solver = “</a:t>
+            </a:r>
+            <a:r>
+              <a:rPr lang="en-US" dirty="0" err="1"/>
+              <a:t>liblinear</a:t>
+            </a:r>
+            <a:r>
+              <a:rPr lang="en-US" dirty="0"/>
+              <a:t>”</a:t>
+            </a:r>
+          </a:p>
+          <a:p>
+            <a:pPr lvl="1"/>
+            <a:r>
+              <a:rPr lang="en-US" dirty="0"/>
+              <a:t>Uses a Coordinate Descent Algo</a:t>
+            </a:r>
+            <a:r>
+              <a:rPr lang="en-US" baseline="30000" dirty="0"/>
+              <a:t>2</a:t>
+            </a:r>
+            <a:endParaRPr lang="en-US" dirty="0"/>
+          </a:p>
+          <a:p>
+            <a:pPr lvl="1"/>
+            <a:r>
+              <a:rPr lang="en-US" dirty="0"/>
+              <a:t>Behaves as a multiclass classifier (separate binary classifiers are trained for all classes)</a:t>
+            </a:r>
+            <a:r>
+              <a:rPr lang="en-US" baseline="30000" dirty="0"/>
+              <a:t> 2</a:t>
+            </a:r>
+          </a:p>
+          <a:p>
+            <a:r>
+              <a:rPr lang="en-US" dirty="0"/>
+              <a:t>Selecting Data Columns</a:t>
             </a:r>
           </a:p>
           <a:p>
             <a:pPr marL="0" indent="0">
               <a:buNone/>
             </a:pPr>
-            <a:r>
-              <a:rPr lang="en-US" sz="2000" dirty="0"/>
-              <a:t>- Can be regularized to avoid overfitting!</a:t>
-            </a:r>
-          </a:p>
-          <a:p>
-            <a:r>
-              <a:rPr lang="en-US" dirty="0"/>
-              <a:t>Weaknesses regarding our Problem: </a:t>
-            </a:r>
-          </a:p>
-          <a:p>
-            <a:pPr marL="0" indent="0">
-              <a:buNone/>
-            </a:pPr>
-            <a:r>
-              <a:rPr lang="en-US" dirty="0"/>
-              <a:t> </a:t>
-            </a:r>
-            <a:r>
-              <a:rPr lang="en-US" sz="2000" dirty="0"/>
-              <a:t>- Weak on multiple non-linear boundaries</a:t>
-            </a:r>
-          </a:p>
-          <a:p>
-            <a:r>
-              <a:rPr lang="en-US" dirty="0"/>
-              <a:t>Our best result:</a:t>
-            </a:r>
-          </a:p>
-          <a:p>
-            <a:endParaRPr lang="en-US" dirty="0"/>
+            <a:endParaRPr lang="en-US" baseline="30000" dirty="0"/>
           </a:p>
         </p:txBody>
       </p:sp>
     </p:spTree>
     <p:extLst>
       <p:ext uri="{BB962C8B-B14F-4D97-AF65-F5344CB8AC3E}">
-        <p14:creationId xmlns:p14="http://schemas.microsoft.com/office/powerpoint/2010/main" val="3613122792"/>
+        <p14:creationId xmlns:p14="http://schemas.microsoft.com/office/powerpoint/2010/main" val="2465237120"/>
       </p:ext>
     </p:extLst>
   </p:cSld>
@@ -5795,10 +5819,10 @@
       </p:grpSpPr>
       <p:sp>
         <p:nvSpPr>
-          <p:cNvPr id="2" name="Titel 1">
-            <a:extLst>
-              <a:ext uri="{FF2B5EF4-FFF2-40B4-BE49-F238E27FC236}">
-                <a16:creationId xmlns:a16="http://schemas.microsoft.com/office/drawing/2014/main" id="{0425B7AA-8A86-45B1-8E9D-D0F0F867BC1F}"/>
+          <p:cNvPr id="2" name="Title 1">
+            <a:extLst>
+              <a:ext uri="{FF2B5EF4-FFF2-40B4-BE49-F238E27FC236}">
+                <a16:creationId xmlns:a16="http://schemas.microsoft.com/office/drawing/2014/main" id="{9C35B7DC-2A12-4643-B7AD-ECD5013888CC}"/>
               </a:ext>
             </a:extLst>
           </p:cNvPr>
@@ -5816,17 +5840,17 @@
           <a:p>
             <a:r>
               <a:rPr lang="en-US" dirty="0"/>
-              <a:t>Parameter Tuning</a:t>
-            </a:r>
-          </a:p>
-        </p:txBody>
-      </p:sp>
-      <p:sp>
-        <p:nvSpPr>
-          <p:cNvPr id="3" name="Inhaltsplatzhalter 2">
-            <a:extLst>
-              <a:ext uri="{FF2B5EF4-FFF2-40B4-BE49-F238E27FC236}">
-                <a16:creationId xmlns:a16="http://schemas.microsoft.com/office/drawing/2014/main" id="{6D8484E7-9B2A-44CF-92D2-CEE26AF56F84}"/>
+              <a:t>Ranking Result Explained</a:t>
+            </a:r>
+          </a:p>
+        </p:txBody>
+      </p:sp>
+      <p:sp>
+        <p:nvSpPr>
+          <p:cNvPr id="3" name="Content Placeholder 2">
+            <a:extLst>
+              <a:ext uri="{FF2B5EF4-FFF2-40B4-BE49-F238E27FC236}">
+                <a16:creationId xmlns:a16="http://schemas.microsoft.com/office/drawing/2014/main" id="{6D44159F-1847-4B25-8583-5B80C4B7C501}"/>
               </a:ext>
             </a:extLst>
           </p:cNvPr>
@@ -5844,78 +5868,41 @@
           <a:p>
             <a:r>
               <a:rPr lang="en-US" dirty="0"/>
-              <a:t>Penalty = “L1”, C =.1</a:t>
+              <a:t>Training Data: 175 Rows (70%)</a:t>
+            </a:r>
+          </a:p>
+          <a:p>
+            <a:r>
+              <a:rPr lang="en-US" dirty="0"/>
+              <a:t>Validation Data: 75 Rows (30%)</a:t>
+            </a:r>
+          </a:p>
+          <a:p>
+            <a:r>
+              <a:rPr lang="en-US" dirty="0"/>
+              <a:t>Best Performer: Logistic Regression</a:t>
             </a:r>
           </a:p>
           <a:p>
             <a:pPr lvl="1"/>
             <a:r>
               <a:rPr lang="en-US" dirty="0"/>
-              <a:t>Lower values of C lead to sparser solutions</a:t>
+              <a:t>Validation Accuracy: 77.33%</a:t>
             </a:r>
           </a:p>
           <a:p>
             <a:pPr lvl="1"/>
             <a:r>
               <a:rPr lang="en-US" dirty="0"/>
-              <a:t>L1 penalty sparser than L2</a:t>
-            </a:r>
-          </a:p>
-          <a:p>
-            <a:r>
-              <a:rPr lang="en-US" dirty="0"/>
-              <a:t>Solver = “</a:t>
-            </a:r>
-            <a:r>
-              <a:rPr lang="en-US" dirty="0" err="1"/>
-              <a:t>liblinear</a:t>
-            </a:r>
-            <a:r>
-              <a:rPr lang="en-US" dirty="0"/>
-              <a:t>”</a:t>
-            </a:r>
-          </a:p>
-          <a:p>
-            <a:pPr lvl="1"/>
-            <a:r>
-              <a:rPr lang="en-US" dirty="0"/>
-              <a:t>Uses a Coordinate Descent Algo</a:t>
-            </a:r>
-            <a:r>
-              <a:rPr lang="en-US" baseline="30000" dirty="0"/>
-              <a:t>2</a:t>
-            </a:r>
-            <a:endParaRPr lang="en-US" dirty="0"/>
-          </a:p>
-          <a:p>
-            <a:pPr lvl="1"/>
-            <a:r>
-              <a:rPr lang="en-US" dirty="0"/>
-              <a:t>Behaves as a multiclass classifier (separate binary classifiers are trained for all classes)</a:t>
-            </a:r>
-            <a:r>
-              <a:rPr lang="en-US" baseline="30000" dirty="0"/>
-              <a:t> 2</a:t>
-            </a:r>
-          </a:p>
-          <a:p>
-            <a:r>
-              <a:rPr lang="en-US" dirty="0"/>
-              <a:t>Selecting Data Columns</a:t>
-            </a:r>
-          </a:p>
-          <a:p>
-            <a:pPr marL="0" indent="0">
-              <a:buNone/>
-            </a:pPr>
-            <a:endParaRPr lang="en-US" baseline="30000" dirty="0"/>
+              <a:t>Testing Accuracy: 73.35%</a:t>
+            </a:r>
           </a:p>
         </p:txBody>
       </p:sp>
     </p:spTree>
     <p:extLst>
       <p:ext uri="{BB962C8B-B14F-4D97-AF65-F5344CB8AC3E}">
-        <p14:creationId xmlns:p14="http://schemas.microsoft.com/office/powerpoint/2010/main" val="2465237120"/>
+        <p14:creationId xmlns:p14="http://schemas.microsoft.com/office/powerpoint/2010/main" val="1885164894"/>
       </p:ext>
     </p:extLst>
   </p:cSld>
@@ -5947,202 +5934,6 @@
           <p:cNvPr id="2" name="Titel 1">
             <a:extLst>
               <a:ext uri="{FF2B5EF4-FFF2-40B4-BE49-F238E27FC236}">
-                <a16:creationId xmlns:a16="http://schemas.microsoft.com/office/drawing/2014/main" id="{A0336D94-A73C-4F4C-92A9-9365AA6BBED7}"/>
-              </a:ext>
-            </a:extLst>
-          </p:cNvPr>
-          <p:cNvSpPr>
-            <a:spLocks noGrp="1"/>
-          </p:cNvSpPr>
-          <p:nvPr>
-            <p:ph type="title"/>
-          </p:nvPr>
-        </p:nvSpPr>
-        <p:spPr/>
-        <p:txBody>
-          <a:bodyPr/>
-          <a:lstStyle/>
-          <a:p>
-            <a:r>
-              <a:rPr lang="en-US" dirty="0"/>
-              <a:t>Ranking Result (Test Data)</a:t>
-            </a:r>
-          </a:p>
-        </p:txBody>
-      </p:sp>
-      <p:graphicFrame>
-        <p:nvGraphicFramePr>
-          <p:cNvPr id="7" name="Content Placeholder 6">
-            <a:extLst>
-              <a:ext uri="{FF2B5EF4-FFF2-40B4-BE49-F238E27FC236}">
-                <a16:creationId xmlns:a16="http://schemas.microsoft.com/office/drawing/2014/main" id="{B7E1DA0E-C993-498E-AA69-5469A34DBB5E}"/>
-              </a:ext>
-            </a:extLst>
-          </p:cNvPr>
-          <p:cNvGraphicFramePr>
-            <a:graphicFrameLocks noGrp="1"/>
-          </p:cNvGraphicFramePr>
-          <p:nvPr>
-            <p:ph idx="1"/>
-          </p:nvPr>
-        </p:nvGraphicFramePr>
-        <p:xfrm>
-          <a:off x="838200" y="1825625"/>
-          <a:ext cx="10515600" cy="4351338"/>
-        </p:xfrm>
-        <a:graphic>
-          <a:graphicData uri="http://schemas.openxmlformats.org/drawingml/2006/chart">
-            <c:chart xmlns:c="http://schemas.openxmlformats.org/drawingml/2006/chart" xmlns:r="http://schemas.openxmlformats.org/officeDocument/2006/relationships" r:id="rId2"/>
-          </a:graphicData>
-        </a:graphic>
-      </p:graphicFrame>
-    </p:spTree>
-    <p:extLst>
-      <p:ext uri="{BB962C8B-B14F-4D97-AF65-F5344CB8AC3E}">
-        <p14:creationId xmlns:p14="http://schemas.microsoft.com/office/powerpoint/2010/main" val="19867597"/>
-      </p:ext>
-    </p:extLst>
-  </p:cSld>
-  <p:clrMapOvr>
-    <a:masterClrMapping/>
-  </p:clrMapOvr>
-</p:sld>
-</file>
-
-<file path=ppt/slides/slide13.xml><?xml version="1.0" encoding="utf-8"?>
-<p:sld xmlns:a="http://schemas.openxmlformats.org/drawingml/2006/main" xmlns:r="http://schemas.openxmlformats.org/officeDocument/2006/relationships" xmlns:p="http://schemas.openxmlformats.org/presentationml/2006/main">
-  <p:cSld>
-    <p:spTree>
-      <p:nvGrpSpPr>
-        <p:cNvPr id="1" name=""/>
-        <p:cNvGrpSpPr/>
-        <p:nvPr/>
-      </p:nvGrpSpPr>
-      <p:grpSpPr>
-        <a:xfrm>
-          <a:off x="0" y="0"/>
-          <a:ext cx="0" cy="0"/>
-          <a:chOff x="0" y="0"/>
-          <a:chExt cx="0" cy="0"/>
-        </a:xfrm>
-      </p:grpSpPr>
-      <p:sp>
-        <p:nvSpPr>
-          <p:cNvPr id="2" name="Title 1">
-            <a:extLst>
-              <a:ext uri="{FF2B5EF4-FFF2-40B4-BE49-F238E27FC236}">
-                <a16:creationId xmlns:a16="http://schemas.microsoft.com/office/drawing/2014/main" id="{9C35B7DC-2A12-4643-B7AD-ECD5013888CC}"/>
-              </a:ext>
-            </a:extLst>
-          </p:cNvPr>
-          <p:cNvSpPr>
-            <a:spLocks noGrp="1"/>
-          </p:cNvSpPr>
-          <p:nvPr>
-            <p:ph type="title"/>
-          </p:nvPr>
-        </p:nvSpPr>
-        <p:spPr/>
-        <p:txBody>
-          <a:bodyPr/>
-          <a:lstStyle/>
-          <a:p>
-            <a:r>
-              <a:rPr lang="en-US" dirty="0"/>
-              <a:t>Ranking Result Explained</a:t>
-            </a:r>
-          </a:p>
-        </p:txBody>
-      </p:sp>
-      <p:sp>
-        <p:nvSpPr>
-          <p:cNvPr id="3" name="Content Placeholder 2">
-            <a:extLst>
-              <a:ext uri="{FF2B5EF4-FFF2-40B4-BE49-F238E27FC236}">
-                <a16:creationId xmlns:a16="http://schemas.microsoft.com/office/drawing/2014/main" id="{6D44159F-1847-4B25-8583-5B80C4B7C501}"/>
-              </a:ext>
-            </a:extLst>
-          </p:cNvPr>
-          <p:cNvSpPr>
-            <a:spLocks noGrp="1"/>
-          </p:cNvSpPr>
-          <p:nvPr>
-            <p:ph idx="1"/>
-          </p:nvPr>
-        </p:nvSpPr>
-        <p:spPr/>
-        <p:txBody>
-          <a:bodyPr/>
-          <a:lstStyle/>
-          <a:p>
-            <a:r>
-              <a:rPr lang="en-US" dirty="0"/>
-              <a:t>Training Data: 175 Rows (70%)</a:t>
-            </a:r>
-          </a:p>
-          <a:p>
-            <a:r>
-              <a:rPr lang="en-US" dirty="0"/>
-              <a:t>Validation Data: 75 Rows (30%)</a:t>
-            </a:r>
-          </a:p>
-          <a:p>
-            <a:r>
-              <a:rPr lang="en-US" dirty="0"/>
-              <a:t>Best Performer: Logistic Regression</a:t>
-            </a:r>
-          </a:p>
-          <a:p>
-            <a:pPr lvl="1"/>
-            <a:r>
-              <a:rPr lang="en-US" dirty="0"/>
-              <a:t>Validation Accuracy: 77.33%</a:t>
-            </a:r>
-          </a:p>
-          <a:p>
-            <a:pPr lvl="1"/>
-            <a:r>
-              <a:rPr lang="en-US" dirty="0"/>
-              <a:t>Testing Accuracy: 73.35%</a:t>
-            </a:r>
-          </a:p>
-        </p:txBody>
-      </p:sp>
-    </p:spTree>
-    <p:extLst>
-      <p:ext uri="{BB962C8B-B14F-4D97-AF65-F5344CB8AC3E}">
-        <p14:creationId xmlns:p14="http://schemas.microsoft.com/office/powerpoint/2010/main" val="1885164894"/>
-      </p:ext>
-    </p:extLst>
-  </p:cSld>
-  <p:clrMapOvr>
-    <a:masterClrMapping/>
-  </p:clrMapOvr>
-</p:sld>
-</file>
-
-<file path=ppt/slides/slide14.xml><?xml version="1.0" encoding="utf-8"?>
-<p:sld xmlns:a="http://schemas.openxmlformats.org/drawingml/2006/main" xmlns:r="http://schemas.openxmlformats.org/officeDocument/2006/relationships" xmlns:p="http://schemas.openxmlformats.org/presentationml/2006/main">
-  <p:cSld>
-    <p:spTree>
-      <p:nvGrpSpPr>
-        <p:cNvPr id="1" name=""/>
-        <p:cNvGrpSpPr/>
-        <p:nvPr/>
-      </p:nvGrpSpPr>
-      <p:grpSpPr>
-        <a:xfrm>
-          <a:off x="0" y="0"/>
-          <a:ext cx="0" cy="0"/>
-          <a:chOff x="0" y="0"/>
-          <a:chExt cx="0" cy="0"/>
-        </a:xfrm>
-      </p:grpSpPr>
-      <p:sp>
-        <p:nvSpPr>
-          <p:cNvPr id="2" name="Titel 1">
-            <a:extLst>
-              <a:ext uri="{FF2B5EF4-FFF2-40B4-BE49-F238E27FC236}">
                 <a16:creationId xmlns:a16="http://schemas.microsoft.com/office/drawing/2014/main" id="{1762BE5A-FA6C-4B1D-BB06-E300012F84BC}"/>
               </a:ext>
             </a:extLst>
@@ -6221,7 +6012,7 @@
 </p:sld>
 </file>
 
-<file path=ppt/slides/slide15.xml><?xml version="1.0" encoding="utf-8"?>
+<file path=ppt/slides/slide13.xml><?xml version="1.0" encoding="utf-8"?>
 <p:sld xmlns:a="http://schemas.openxmlformats.org/drawingml/2006/main" xmlns:r="http://schemas.openxmlformats.org/officeDocument/2006/relationships" xmlns:p="http://schemas.openxmlformats.org/presentationml/2006/main">
   <p:cSld>
     <p:spTree>
@@ -6490,7 +6281,7 @@
           <a:p>
             <a:r>
               <a:rPr lang="en-US" dirty="0"/>
-              <a:t>As we all know we want to predict if a single sample is part of the 0 or 1 class.</a:t>
+              <a:t>We want to predict if a single sample is a 0 or 1.</a:t>
             </a:r>
           </a:p>
           <a:p>
@@ -6587,42 +6378,51 @@
           <a:lstStyle/>
           <a:p>
             <a:r>
+              <a:rPr lang="en-US" dirty="0">
+                <a:solidFill>
+                  <a:srgbClr val="FF0000"/>
+                </a:solidFill>
+              </a:rPr>
+              <a:t>Support Vector Machines</a:t>
+            </a:r>
+          </a:p>
+          <a:p>
+            <a:r>
+              <a:rPr lang="en-US" dirty="0">
+                <a:solidFill>
+                  <a:srgbClr val="FF0000"/>
+                </a:solidFill>
+              </a:rPr>
+              <a:t>Naive Bayes </a:t>
+            </a:r>
+          </a:p>
+          <a:p>
+            <a:r>
+              <a:rPr lang="en-US" dirty="0">
+                <a:solidFill>
+                  <a:srgbClr val="FF0000"/>
+                </a:solidFill>
+              </a:rPr>
+              <a:t>K Nearest Neighbors</a:t>
+            </a:r>
+          </a:p>
+          <a:p>
+            <a:r>
               <a:rPr lang="en-US" dirty="0"/>
-              <a:t>Classification Tree</a:t>
+              <a:t>Multi Layer Perceptron Classifier</a:t>
             </a:r>
           </a:p>
           <a:p>
             <a:r>
               <a:rPr lang="en-US" dirty="0"/>
-              <a:t>Deep Learning </a:t>
+              <a:t>Lasso Regression</a:t>
             </a:r>
           </a:p>
           <a:p>
             <a:r>
               <a:rPr lang="en-US" dirty="0"/>
-              <a:t>Support Vector Machines</a:t>
-            </a:r>
-          </a:p>
-          <a:p>
-            <a:r>
-              <a:rPr lang="en-US" dirty="0"/>
-              <a:t>Naive Bayes </a:t>
-            </a:r>
-          </a:p>
-          <a:p>
-            <a:r>
-              <a:rPr lang="en-US" dirty="0"/>
-              <a:t>K Nearest Neighbors</a:t>
-            </a:r>
-          </a:p>
-          <a:p>
-            <a:r>
-              <a:rPr lang="en-US" dirty="0"/>
-              <a:t>Logistic Regression (Our choice)</a:t>
-            </a:r>
-          </a:p>
-          <a:p>
-            <a:endParaRPr lang="en-US" dirty="0"/>
+              <a:t>Logistic Regression</a:t>
+            </a:r>
           </a:p>
         </p:txBody>
       </p:sp>
@@ -6661,7 +6461,7 @@
           <p:cNvPr id="2" name="Titel 1">
             <a:extLst>
               <a:ext uri="{FF2B5EF4-FFF2-40B4-BE49-F238E27FC236}">
-                <a16:creationId xmlns:a16="http://schemas.microsoft.com/office/drawing/2014/main" id="{BC8F8360-5D53-4F7A-A592-9357986BC41B}"/>
+                <a16:creationId xmlns:a16="http://schemas.microsoft.com/office/drawing/2014/main" id="{A0336D94-A73C-4F4C-92A9-9365AA6BBED7}"/>
               </a:ext>
             </a:extLst>
           </p:cNvPr>
@@ -6679,92 +6479,41 @@
           <a:p>
             <a:r>
               <a:rPr lang="en-US" dirty="0"/>
-              <a:t>Classification Tree</a:t>
-            </a:r>
-          </a:p>
-        </p:txBody>
-      </p:sp>
-      <p:sp>
-        <p:nvSpPr>
-          <p:cNvPr id="3" name="Inhaltsplatzhalter 2">
-            <a:extLst>
-              <a:ext uri="{FF2B5EF4-FFF2-40B4-BE49-F238E27FC236}">
-                <a16:creationId xmlns:a16="http://schemas.microsoft.com/office/drawing/2014/main" id="{30BA8CAE-2243-4D87-87C2-BC2F3BA4543F}"/>
-              </a:ext>
-            </a:extLst>
-          </p:cNvPr>
-          <p:cNvSpPr>
-            <a:spLocks noGrp="1"/>
-          </p:cNvSpPr>
+              <a:t>Ranking Result (Test Data)</a:t>
+            </a:r>
+          </a:p>
+        </p:txBody>
+      </p:sp>
+      <p:graphicFrame>
+        <p:nvGraphicFramePr>
+          <p:cNvPr id="7" name="Content Placeholder 6">
+            <a:extLst>
+              <a:ext uri="{FF2B5EF4-FFF2-40B4-BE49-F238E27FC236}">
+                <a16:creationId xmlns:a16="http://schemas.microsoft.com/office/drawing/2014/main" id="{B7E1DA0E-C993-498E-AA69-5469A34DBB5E}"/>
+              </a:ext>
+            </a:extLst>
+          </p:cNvPr>
+          <p:cNvGraphicFramePr>
+            <a:graphicFrameLocks noGrp="1"/>
+          </p:cNvGraphicFramePr>
           <p:nvPr>
             <p:ph idx="1"/>
           </p:nvPr>
-        </p:nvSpPr>
-        <p:spPr/>
-        <p:txBody>
-          <a:bodyPr/>
-          <a:lstStyle/>
-          <a:p>
-            <a:r>
-              <a:rPr lang="en-US" dirty="0"/>
-              <a:t>Advantages regarding our problem:</a:t>
-            </a:r>
-          </a:p>
-          <a:p>
-            <a:pPr marL="0" indent="0">
-              <a:buNone/>
-            </a:pPr>
-            <a:r>
-              <a:rPr lang="en-US" dirty="0"/>
-              <a:t> </a:t>
-            </a:r>
-            <a:r>
-              <a:rPr lang="en-US" sz="2000" dirty="0"/>
-              <a:t>- allow non-linear decision boundaries</a:t>
-            </a:r>
-            <a:r>
-              <a:rPr lang="en-US" sz="2000" baseline="30000" dirty="0"/>
-              <a:t>1</a:t>
-            </a:r>
-          </a:p>
-          <a:p>
-            <a:r>
-              <a:rPr lang="en-US" dirty="0"/>
-              <a:t>Weaknesses regarding our Problem: </a:t>
-            </a:r>
-          </a:p>
-          <a:p>
-            <a:pPr marL="0" indent="0">
-              <a:buNone/>
-            </a:pPr>
-            <a:r>
-              <a:rPr lang="en-US" sz="2000" dirty="0"/>
-              <a:t> - Prone to Overfitting</a:t>
-            </a:r>
-            <a:r>
-              <a:rPr lang="en-US" sz="2000" baseline="30000" dirty="0"/>
-              <a:t>1</a:t>
-            </a:r>
-            <a:endParaRPr lang="en-US" sz="2000" dirty="0"/>
-          </a:p>
-          <a:p>
-            <a:r>
-              <a:rPr lang="en-US" dirty="0"/>
-              <a:t>Our best result:</a:t>
-            </a:r>
-          </a:p>
-          <a:p>
-            <a:pPr marL="0" indent="0">
-              <a:buNone/>
-            </a:pPr>
-            <a:endParaRPr lang="en-US" dirty="0"/>
-          </a:p>
-        </p:txBody>
-      </p:sp>
+        </p:nvGraphicFramePr>
+        <p:xfrm>
+          <a:off x="838200" y="1825625"/>
+          <a:ext cx="10515600" cy="4351338"/>
+        </p:xfrm>
+        <a:graphic>
+          <a:graphicData uri="http://schemas.openxmlformats.org/drawingml/2006/chart">
+            <c:chart xmlns:c="http://schemas.openxmlformats.org/drawingml/2006/chart" xmlns:r="http://schemas.openxmlformats.org/officeDocument/2006/relationships" r:id="rId2"/>
+          </a:graphicData>
+        </a:graphic>
+      </p:graphicFrame>
     </p:spTree>
     <p:extLst>
       <p:ext uri="{BB962C8B-B14F-4D97-AF65-F5344CB8AC3E}">
-        <p14:creationId xmlns:p14="http://schemas.microsoft.com/office/powerpoint/2010/main" val="1400965764"/>
+        <p14:creationId xmlns:p14="http://schemas.microsoft.com/office/powerpoint/2010/main" val="19867597"/>
       </p:ext>
     </p:extLst>
   </p:cSld>
@@ -6793,10 +6542,10 @@
       </p:grpSpPr>
       <p:sp>
         <p:nvSpPr>
-          <p:cNvPr id="2" name="Titel 1">
-            <a:extLst>
-              <a:ext uri="{FF2B5EF4-FFF2-40B4-BE49-F238E27FC236}">
-                <a16:creationId xmlns:a16="http://schemas.microsoft.com/office/drawing/2014/main" id="{F42A1DA0-16E4-49A5-8EF0-C57C3155545F}"/>
+          <p:cNvPr id="2" name="Title 1">
+            <a:extLst>
+              <a:ext uri="{FF2B5EF4-FFF2-40B4-BE49-F238E27FC236}">
+                <a16:creationId xmlns:a16="http://schemas.microsoft.com/office/drawing/2014/main" id="{B84EBE5A-E03D-48CB-AEB8-265D94802EDB}"/>
               </a:ext>
             </a:extLst>
           </p:cNvPr>
@@ -6814,17 +6563,17 @@
           <a:p>
             <a:r>
               <a:rPr lang="en-US" dirty="0"/>
-              <a:t>Deep Learning</a:t>
-            </a:r>
-          </a:p>
-        </p:txBody>
-      </p:sp>
-      <p:sp>
-        <p:nvSpPr>
-          <p:cNvPr id="3" name="Inhaltsplatzhalter 2">
-            <a:extLst>
-              <a:ext uri="{FF2B5EF4-FFF2-40B4-BE49-F238E27FC236}">
-                <a16:creationId xmlns:a16="http://schemas.microsoft.com/office/drawing/2014/main" id="{56667A28-6CB1-4666-8F14-03683D721003}"/>
+              <a:t>What we didn’t use</a:t>
+            </a:r>
+          </a:p>
+        </p:txBody>
+      </p:sp>
+      <p:sp>
+        <p:nvSpPr>
+          <p:cNvPr id="3" name="Content Placeholder 2">
+            <a:extLst>
+              <a:ext uri="{FF2B5EF4-FFF2-40B4-BE49-F238E27FC236}">
+                <a16:creationId xmlns:a16="http://schemas.microsoft.com/office/drawing/2014/main" id="{05F042E6-BD8E-4D24-BA68-1AAB050C5675}"/>
               </a:ext>
             </a:extLst>
           </p:cNvPr>
@@ -6842,41 +6591,44 @@
           <a:p>
             <a:r>
               <a:rPr lang="en-US" dirty="0"/>
-              <a:t>Advantages regarding our problem:</a:t>
-            </a:r>
-          </a:p>
-          <a:p>
-            <a:pPr marL="0" indent="0">
-              <a:buNone/>
-            </a:pPr>
-            <a:r>
-              <a:rPr lang="en-US" sz="2000" dirty="0"/>
-              <a:t> - Good performance on classifying problems</a:t>
-            </a:r>
-            <a:endParaRPr lang="en-US" sz="2000" baseline="30000" dirty="0"/>
-          </a:p>
-          <a:p>
+              <a:t>Support Vector Machines</a:t>
+            </a:r>
+          </a:p>
+          <a:p>
+            <a:pPr lvl="1"/>
             <a:r>
               <a:rPr lang="en-US" dirty="0"/>
-              <a:t>Weaknesses regarding our Problem: </a:t>
-            </a:r>
-          </a:p>
-          <a:p>
-            <a:pPr marL="0" indent="0">
-              <a:buNone/>
-            </a:pPr>
-            <a:r>
-              <a:rPr lang="en-US" sz="2000" dirty="0"/>
-              <a:t> - Lots of training data needed</a:t>
+              <a:t>Can have big performance loss if #parameters &gt; #samples</a:t>
             </a:r>
           </a:p>
           <a:p>
             <a:r>
               <a:rPr lang="en-US" dirty="0"/>
-              <a:t>Our best result:</a:t>
-            </a:r>
-          </a:p>
-          <a:p>
+              <a:t>Naïve Bayes</a:t>
+            </a:r>
+          </a:p>
+          <a:p>
+            <a:pPr lvl="1"/>
+            <a:r>
+              <a:rPr lang="en-US" dirty="0"/>
+              <a:t>The simplicity makes it less competitive compared to other Models</a:t>
+            </a:r>
+          </a:p>
+          <a:p>
+            <a:r>
+              <a:rPr lang="en-US" dirty="0"/>
+              <a:t>K Nearest Neighbors</a:t>
+            </a:r>
+          </a:p>
+          <a:p>
+            <a:pPr lvl="1"/>
+            <a:r>
+              <a:rPr lang="en-US" dirty="0"/>
+              <a:t>Curse of Dimensionality: Poor results if too many variables/features</a:t>
+            </a:r>
+          </a:p>
+          <a:p>
+            <a:pPr lvl="1"/>
             <a:endParaRPr lang="en-US" dirty="0"/>
           </a:p>
         </p:txBody>
@@ -6884,7 +6636,7 @@
     </p:spTree>
     <p:extLst>
       <p:ext uri="{BB962C8B-B14F-4D97-AF65-F5344CB8AC3E}">
-        <p14:creationId xmlns:p14="http://schemas.microsoft.com/office/powerpoint/2010/main" val="1740813137"/>
+        <p14:creationId xmlns:p14="http://schemas.microsoft.com/office/powerpoint/2010/main" val="3821481108"/>
       </p:ext>
     </p:extLst>
   </p:cSld>
@@ -6916,7 +6668,7 @@
           <p:cNvPr id="2" name="Titel 1">
             <a:extLst>
               <a:ext uri="{FF2B5EF4-FFF2-40B4-BE49-F238E27FC236}">
-                <a16:creationId xmlns:a16="http://schemas.microsoft.com/office/drawing/2014/main" id="{884D1612-AFDF-4847-9970-B077A4AD0A82}"/>
+                <a16:creationId xmlns:a16="http://schemas.microsoft.com/office/drawing/2014/main" id="{F42A1DA0-16E4-49A5-8EF0-C57C3155545F}"/>
               </a:ext>
             </a:extLst>
           </p:cNvPr>
@@ -6934,7 +6686,7 @@
           <a:p>
             <a:r>
               <a:rPr lang="en-US" dirty="0"/>
-              <a:t>Support Vector Machines</a:t>
+              <a:t>Multi Layer Perceptron Classifier</a:t>
             </a:r>
           </a:p>
         </p:txBody>
@@ -6944,7 +6696,7 @@
           <p:cNvPr id="3" name="Inhaltsplatzhalter 2">
             <a:extLst>
               <a:ext uri="{FF2B5EF4-FFF2-40B4-BE49-F238E27FC236}">
-                <a16:creationId xmlns:a16="http://schemas.microsoft.com/office/drawing/2014/main" id="{B9DF9B9D-4FFC-4FBF-8EB5-815901B3AED6}"/>
+                <a16:creationId xmlns:a16="http://schemas.microsoft.com/office/drawing/2014/main" id="{56667A28-6CB1-4666-8F14-03683D721003}"/>
               </a:ext>
             </a:extLst>
           </p:cNvPr>
@@ -6970,16 +6722,15 @@
               <a:buNone/>
             </a:pPr>
             <a:r>
+              <a:rPr lang="en-US" sz="2000" dirty="0"/>
+              <a:t> - Good performance on classifying problems</a:t>
+            </a:r>
+            <a:endParaRPr lang="en-US" sz="2000" baseline="30000" dirty="0"/>
+          </a:p>
+          <a:p>
+            <a:r>
               <a:rPr lang="en-US" dirty="0"/>
-              <a:t> </a:t>
-            </a:r>
-            <a:r>
-              <a:rPr lang="en-US" sz="2000" dirty="0"/>
-              <a:t>- allow non-linear decision boundaries</a:t>
-            </a:r>
-            <a:r>
-              <a:rPr lang="en-US" sz="2000" baseline="30000" dirty="0"/>
-              <a:t>1</a:t>
+              <a:t>Weaknesses regarding our Problem: </a:t>
             </a:r>
           </a:p>
           <a:p>
@@ -6988,22 +6739,7 @@
             </a:pPr>
             <a:r>
               <a:rPr lang="en-US" sz="2000" dirty="0"/>
-              <a:t> - Robust regarding overfitting </a:t>
-            </a:r>
-          </a:p>
-          <a:p>
-            <a:r>
-              <a:rPr lang="en-US" dirty="0"/>
-              <a:t>Weaknesses regarding our Problem: </a:t>
-            </a:r>
-          </a:p>
-          <a:p>
-            <a:pPr marL="0" indent="0">
-              <a:buNone/>
-            </a:pPr>
-            <a:r>
-              <a:rPr lang="en-US" sz="2000" dirty="0"/>
-              <a:t> - Can have big performance loss if #parameters &gt; #samples</a:t>
+              <a:t> - Lots of training data needed</a:t>
             </a:r>
           </a:p>
           <a:p>
@@ -7020,7 +6756,7 @@
     </p:spTree>
     <p:extLst>
       <p:ext uri="{BB962C8B-B14F-4D97-AF65-F5344CB8AC3E}">
-        <p14:creationId xmlns:p14="http://schemas.microsoft.com/office/powerpoint/2010/main" val="1364666475"/>
+        <p14:creationId xmlns:p14="http://schemas.microsoft.com/office/powerpoint/2010/main" val="1740813137"/>
       </p:ext>
     </p:extLst>
   </p:cSld>
@@ -7052,7 +6788,7 @@
           <p:cNvPr id="2" name="Titel 1">
             <a:extLst>
               <a:ext uri="{FF2B5EF4-FFF2-40B4-BE49-F238E27FC236}">
-                <a16:creationId xmlns:a16="http://schemas.microsoft.com/office/drawing/2014/main" id="{AF19A5F8-3988-4261-9F84-B40F23A038E3}"/>
+                <a16:creationId xmlns:a16="http://schemas.microsoft.com/office/drawing/2014/main" id="{917D301D-A777-4792-9C10-94B66B0517B4}"/>
               </a:ext>
             </a:extLst>
           </p:cNvPr>
@@ -7070,7 +6806,7 @@
           <a:p>
             <a:r>
               <a:rPr lang="en-US" dirty="0"/>
-              <a:t>Naive Bayes</a:t>
+              <a:t>Logistic Regression</a:t>
             </a:r>
           </a:p>
         </p:txBody>
@@ -7080,7 +6816,7 @@
           <p:cNvPr id="3" name="Inhaltsplatzhalter 2">
             <a:extLst>
               <a:ext uri="{FF2B5EF4-FFF2-40B4-BE49-F238E27FC236}">
-                <a16:creationId xmlns:a16="http://schemas.microsoft.com/office/drawing/2014/main" id="{5D8033C1-9455-4140-9F3A-B07400A33377}"/>
+                <a16:creationId xmlns:a16="http://schemas.microsoft.com/office/drawing/2014/main" id="{580C7053-EB5A-4FFC-AD28-2B8D55307073}"/>
               </a:ext>
             </a:extLst>
           </p:cNvPr>
@@ -7106,12 +6842,8 @@
               <a:buNone/>
             </a:pPr>
             <a:r>
-              <a:rPr lang="en-US" dirty="0"/>
-              <a:t> </a:t>
-            </a:r>
-            <a:r>
               <a:rPr lang="en-US" sz="2000" dirty="0"/>
-              <a:t>- Usually provides good performance, especially regarding the complexity </a:t>
+              <a:t>- Can be regularized to avoid overfitting!</a:t>
             </a:r>
           </a:p>
           <a:p>
@@ -7130,7 +6862,7 @@
             </a:r>
             <a:r>
               <a:rPr lang="en-US" sz="2000" dirty="0"/>
-              <a:t>- The simplicity makes it less competitive compared to other Models</a:t>
+              <a:t>- Weak on multiple non-linear boundaries</a:t>
             </a:r>
           </a:p>
           <a:p>
@@ -7147,7 +6879,7 @@
     </p:spTree>
     <p:extLst>
       <p:ext uri="{BB962C8B-B14F-4D97-AF65-F5344CB8AC3E}">
-        <p14:creationId xmlns:p14="http://schemas.microsoft.com/office/powerpoint/2010/main" val="1723251875"/>
+        <p14:creationId xmlns:p14="http://schemas.microsoft.com/office/powerpoint/2010/main" val="3613122792"/>
       </p:ext>
     </p:extLst>
   </p:cSld>
@@ -7179,7 +6911,7 @@
           <p:cNvPr id="2" name="Titel 1">
             <a:extLst>
               <a:ext uri="{FF2B5EF4-FFF2-40B4-BE49-F238E27FC236}">
-                <a16:creationId xmlns:a16="http://schemas.microsoft.com/office/drawing/2014/main" id="{AF19A5F8-3988-4261-9F84-B40F23A038E3}"/>
+                <a16:creationId xmlns:a16="http://schemas.microsoft.com/office/drawing/2014/main" id="{917D301D-A777-4792-9C10-94B66B0517B4}"/>
               </a:ext>
             </a:extLst>
           </p:cNvPr>
@@ -7197,7 +6929,7 @@
           <a:p>
             <a:r>
               <a:rPr lang="en-US" dirty="0"/>
-              <a:t>K-Nearest Neighbors</a:t>
+              <a:t>Lasso Regression (Linear)</a:t>
             </a:r>
           </a:p>
         </p:txBody>
@@ -7207,7 +6939,7 @@
           <p:cNvPr id="3" name="Inhaltsplatzhalter 2">
             <a:extLst>
               <a:ext uri="{FF2B5EF4-FFF2-40B4-BE49-F238E27FC236}">
-                <a16:creationId xmlns:a16="http://schemas.microsoft.com/office/drawing/2014/main" id="{5D8033C1-9455-4140-9F3A-B07400A33377}"/>
+                <a16:creationId xmlns:a16="http://schemas.microsoft.com/office/drawing/2014/main" id="{580C7053-EB5A-4FFC-AD28-2B8D55307073}"/>
               </a:ext>
             </a:extLst>
           </p:cNvPr>
@@ -7222,48 +6954,25 @@
         <p:txBody>
           <a:bodyPr/>
           <a:lstStyle/>
-          <a:p>
-            <a:r>
-              <a:rPr lang="en-US" dirty="0"/>
-              <a:t>Advantages regarding our problem:</a:t>
-            </a:r>
-          </a:p>
           <a:p>
             <a:pPr marL="0" indent="0">
               <a:buNone/>
             </a:pPr>
             <a:r>
+              <a:rPr lang="en-US" b="1" dirty="0"/>
+              <a:t>Important Points:</a:t>
+            </a:r>
+          </a:p>
+          <a:p>
+            <a:r>
               <a:rPr lang="en-US" dirty="0"/>
-              <a:t> </a:t>
-            </a:r>
-            <a:r>
-              <a:rPr lang="en-US" sz="2000" dirty="0"/>
-              <a:t>- Usually provides good performance, especially regarding the complexity </a:t>
+              <a:t>It uses L1 regularization technique (will be discussed later in this article)</a:t>
             </a:r>
           </a:p>
           <a:p>
             <a:r>
               <a:rPr lang="en-US" dirty="0"/>
-              <a:t>Weaknesses regarding our Problem: </a:t>
-            </a:r>
-          </a:p>
-          <a:p>
-            <a:pPr marL="0" indent="0">
-              <a:buNone/>
-            </a:pPr>
-            <a:r>
-              <a:rPr lang="en-US" dirty="0"/>
-              <a:t> </a:t>
-            </a:r>
-            <a:r>
-              <a:rPr lang="en-US" sz="2000" dirty="0"/>
-              <a:t>- Curse of Dimensionality: Poor results if too many variables/features</a:t>
-            </a:r>
-          </a:p>
-          <a:p>
-            <a:r>
-              <a:rPr lang="en-US" dirty="0"/>
-              <a:t>Our best result:</a:t>
+              <a:t>Since it automatically does feature selection, it is best used when there are more features available</a:t>
             </a:r>
           </a:p>
           <a:p>
@@ -7274,7 +6983,7 @@
     </p:spTree>
     <p:extLst>
       <p:ext uri="{BB962C8B-B14F-4D97-AF65-F5344CB8AC3E}">
-        <p14:creationId xmlns:p14="http://schemas.microsoft.com/office/powerpoint/2010/main" val="427170449"/>
+        <p14:creationId xmlns:p14="http://schemas.microsoft.com/office/powerpoint/2010/main" val="443737932"/>
       </p:ext>
     </p:extLst>
   </p:cSld>

--- a/Presentation.pptx
+++ b/Presentation.pptx
@@ -5,7 +5,7 @@
     <p:sldMasterId id="2147483648" r:id="rId1"/>
   </p:sldMasterIdLst>
   <p:notesMasterIdLst>
-    <p:notesMasterId r:id="rId15"/>
+    <p:notesMasterId r:id="rId14"/>
   </p:notesMasterIdLst>
   <p:sldIdLst>
     <p:sldId id="256" r:id="rId2"/>
@@ -14,13 +14,12 @@
     <p:sldId id="259" r:id="rId5"/>
     <p:sldId id="268" r:id="rId6"/>
     <p:sldId id="275" r:id="rId7"/>
-    <p:sldId id="261" r:id="rId8"/>
-    <p:sldId id="267" r:id="rId9"/>
-    <p:sldId id="274" r:id="rId10"/>
+    <p:sldId id="276" r:id="rId8"/>
+    <p:sldId id="277" r:id="rId9"/>
+    <p:sldId id="278" r:id="rId10"/>
     <p:sldId id="269" r:id="rId11"/>
-    <p:sldId id="270" r:id="rId12"/>
-    <p:sldId id="266" r:id="rId13"/>
-    <p:sldId id="273" r:id="rId14"/>
+    <p:sldId id="266" r:id="rId12"/>
+    <p:sldId id="273" r:id="rId13"/>
   </p:sldIdLst>
   <p:sldSz cx="12192000" cy="6858000"/>
   <p:notesSz cx="6858000" cy="9144000"/>
@@ -230,22 +229,22 @@
                   <c:v>Logistic Regression</c:v>
                 </c:pt>
                 <c:pt idx="1">
-                  <c:v>Decision Tree Classifier</c:v>
+                  <c:v>Neural Network MLP Classification</c:v>
                 </c:pt>
                 <c:pt idx="2">
+                  <c:v>Lasso Regression</c:v>
+                </c:pt>
+                <c:pt idx="3">
                   <c:v>K Nearest Neighbors</c:v>
                 </c:pt>
-                <c:pt idx="3">
+                <c:pt idx="4">
                   <c:v>Support Vector Classification</c:v>
                 </c:pt>
-                <c:pt idx="4">
+                <c:pt idx="5">
                   <c:v>Support Vector Regression</c:v>
                 </c:pt>
-                <c:pt idx="5">
+                <c:pt idx="6">
                   <c:v>Naïve Bayes GaussianNB</c:v>
-                </c:pt>
-                <c:pt idx="6">
-                  <c:v>Neural Network MLP Classification</c:v>
                 </c:pt>
               </c:strCache>
             </c:strRef>
@@ -257,32 +256,32 @@
                 <c:formatCode>0.00%</c:formatCode>
                 <c:ptCount val="7"/>
                 <c:pt idx="0">
-                  <c:v>0.77329999999999999</c:v>
+                  <c:v>0.84199999999999997</c:v>
                 </c:pt>
                 <c:pt idx="1">
-                  <c:v>0.70660000000000001</c:v>
+                  <c:v>0.84199999999999997</c:v>
                 </c:pt>
                 <c:pt idx="2">
+                  <c:v>0.76129999999999998</c:v>
+                </c:pt>
+                <c:pt idx="3">
                   <c:v>0.69330000000000003</c:v>
-                </c:pt>
-                <c:pt idx="3" formatCode="0%">
-                  <c:v>0.68</c:v>
                 </c:pt>
                 <c:pt idx="4" formatCode="0%">
                   <c:v>0.68</c:v>
                 </c:pt>
                 <c:pt idx="5" formatCode="0%">
-                  <c:v>0.64</c:v>
+                  <c:v>0.68</c:v>
                 </c:pt>
                 <c:pt idx="6" formatCode="0%">
-                  <c:v>0.6</c:v>
+                  <c:v>0.64</c:v>
                 </c:pt>
               </c:numCache>
             </c:numRef>
           </c:val>
           <c:extLst>
             <c:ext xmlns:c16="http://schemas.microsoft.com/office/drawing/2014/chart" uri="{C3380CC4-5D6E-409C-BE32-E72D297353CC}">
-              <c16:uniqueId val="{00000000-F311-4B84-A089-FBDE358CF8DB}"/>
+              <c16:uniqueId val="{00000000-397E-4D94-834C-B6B1FB9A4D6A}"/>
             </c:ext>
           </c:extLst>
         </c:ser>
@@ -5691,7 +5690,7 @@
           <a:p>
             <a:r>
               <a:rPr lang="en-US" dirty="0"/>
-              <a:t>Parameter Tuning</a:t>
+              <a:t>Parameter Tuning Log Regression</a:t>
             </a:r>
           </a:p>
         </p:txBody>
@@ -5819,118 +5818,6 @@
       </p:grpSpPr>
       <p:sp>
         <p:nvSpPr>
-          <p:cNvPr id="2" name="Title 1">
-            <a:extLst>
-              <a:ext uri="{FF2B5EF4-FFF2-40B4-BE49-F238E27FC236}">
-                <a16:creationId xmlns:a16="http://schemas.microsoft.com/office/drawing/2014/main" id="{9C35B7DC-2A12-4643-B7AD-ECD5013888CC}"/>
-              </a:ext>
-            </a:extLst>
-          </p:cNvPr>
-          <p:cNvSpPr>
-            <a:spLocks noGrp="1"/>
-          </p:cNvSpPr>
-          <p:nvPr>
-            <p:ph type="title"/>
-          </p:nvPr>
-        </p:nvSpPr>
-        <p:spPr/>
-        <p:txBody>
-          <a:bodyPr/>
-          <a:lstStyle/>
-          <a:p>
-            <a:r>
-              <a:rPr lang="en-US" dirty="0"/>
-              <a:t>Ranking Result Explained</a:t>
-            </a:r>
-          </a:p>
-        </p:txBody>
-      </p:sp>
-      <p:sp>
-        <p:nvSpPr>
-          <p:cNvPr id="3" name="Content Placeholder 2">
-            <a:extLst>
-              <a:ext uri="{FF2B5EF4-FFF2-40B4-BE49-F238E27FC236}">
-                <a16:creationId xmlns:a16="http://schemas.microsoft.com/office/drawing/2014/main" id="{6D44159F-1847-4B25-8583-5B80C4B7C501}"/>
-              </a:ext>
-            </a:extLst>
-          </p:cNvPr>
-          <p:cNvSpPr>
-            <a:spLocks noGrp="1"/>
-          </p:cNvSpPr>
-          <p:nvPr>
-            <p:ph idx="1"/>
-          </p:nvPr>
-        </p:nvSpPr>
-        <p:spPr/>
-        <p:txBody>
-          <a:bodyPr/>
-          <a:lstStyle/>
-          <a:p>
-            <a:r>
-              <a:rPr lang="en-US" dirty="0"/>
-              <a:t>Training Data: 175 Rows (70%)</a:t>
-            </a:r>
-          </a:p>
-          <a:p>
-            <a:r>
-              <a:rPr lang="en-US" dirty="0"/>
-              <a:t>Validation Data: 75 Rows (30%)</a:t>
-            </a:r>
-          </a:p>
-          <a:p>
-            <a:r>
-              <a:rPr lang="en-US" dirty="0"/>
-              <a:t>Best Performer: Logistic Regression</a:t>
-            </a:r>
-          </a:p>
-          <a:p>
-            <a:pPr lvl="1"/>
-            <a:r>
-              <a:rPr lang="en-US" dirty="0"/>
-              <a:t>Validation Accuracy: 77.33%</a:t>
-            </a:r>
-          </a:p>
-          <a:p>
-            <a:pPr lvl="1"/>
-            <a:r>
-              <a:rPr lang="en-US" dirty="0"/>
-              <a:t>Testing Accuracy: 73.35%</a:t>
-            </a:r>
-          </a:p>
-        </p:txBody>
-      </p:sp>
-    </p:spTree>
-    <p:extLst>
-      <p:ext uri="{BB962C8B-B14F-4D97-AF65-F5344CB8AC3E}">
-        <p14:creationId xmlns:p14="http://schemas.microsoft.com/office/powerpoint/2010/main" val="1885164894"/>
-      </p:ext>
-    </p:extLst>
-  </p:cSld>
-  <p:clrMapOvr>
-    <a:masterClrMapping/>
-  </p:clrMapOvr>
-</p:sld>
-</file>
-
-<file path=ppt/slides/slide12.xml><?xml version="1.0" encoding="utf-8"?>
-<p:sld xmlns:a="http://schemas.openxmlformats.org/drawingml/2006/main" xmlns:r="http://schemas.openxmlformats.org/officeDocument/2006/relationships" xmlns:p="http://schemas.openxmlformats.org/presentationml/2006/main">
-  <p:cSld>
-    <p:spTree>
-      <p:nvGrpSpPr>
-        <p:cNvPr id="1" name=""/>
-        <p:cNvGrpSpPr/>
-        <p:nvPr/>
-      </p:nvGrpSpPr>
-      <p:grpSpPr>
-        <a:xfrm>
-          <a:off x="0" y="0"/>
-          <a:ext cx="0" cy="0"/>
-          <a:chOff x="0" y="0"/>
-          <a:chExt cx="0" cy="0"/>
-        </a:xfrm>
-      </p:grpSpPr>
-      <p:sp>
-        <p:nvSpPr>
           <p:cNvPr id="2" name="Titel 1">
             <a:extLst>
               <a:ext uri="{FF2B5EF4-FFF2-40B4-BE49-F238E27FC236}">
@@ -6012,7 +5899,7 @@
 </p:sld>
 </file>
 
-<file path=ppt/slides/slide13.xml><?xml version="1.0" encoding="utf-8"?>
+<file path=ppt/slides/slide12.xml><?xml version="1.0" encoding="utf-8"?>
 <p:sld xmlns:a="http://schemas.openxmlformats.org/drawingml/2006/main" xmlns:r="http://schemas.openxmlformats.org/officeDocument/2006/relationships" xmlns:p="http://schemas.openxmlformats.org/presentationml/2006/main">
   <p:cSld>
     <p:spTree>
@@ -6442,6 +6329,14 @@
 <file path=ppt/slides/slide5.xml><?xml version="1.0" encoding="utf-8"?>
 <p:sld xmlns:a="http://schemas.openxmlformats.org/drawingml/2006/main" xmlns:r="http://schemas.openxmlformats.org/officeDocument/2006/relationships" xmlns:p="http://schemas.openxmlformats.org/presentationml/2006/main">
   <p:cSld>
+    <p:bg>
+      <p:bgPr>
+        <a:solidFill>
+          <a:schemeClr val="bg1"/>
+        </a:solidFill>
+        <a:effectLst/>
+      </p:bgPr>
+    </p:bg>
     <p:spTree>
       <p:nvGrpSpPr>
         <p:cNvPr id="1" name=""/>
@@ -6472,9 +6367,16 @@
             <p:ph type="title"/>
           </p:nvPr>
         </p:nvSpPr>
-        <p:spPr/>
-        <p:txBody>
-          <a:bodyPr/>
+        <p:spPr>
+          <a:xfrm>
+            <a:off x="838200" y="365125"/>
+            <a:ext cx="10515600" cy="1325563"/>
+          </a:xfrm>
+        </p:spPr>
+        <p:txBody>
+          <a:bodyPr>
+            <a:normAutofit/>
+          </a:bodyPr>
           <a:lstStyle/>
           <a:p>
             <a:r>
@@ -6486,7 +6388,7 @@
       </p:sp>
       <p:graphicFrame>
         <p:nvGraphicFramePr>
-          <p:cNvPr id="7" name="Content Placeholder 6">
+          <p:cNvPr id="5" name="Content Placeholder 4">
             <a:extLst>
               <a:ext uri="{FF2B5EF4-FFF2-40B4-BE49-F238E27FC236}">
                 <a16:creationId xmlns:a16="http://schemas.microsoft.com/office/drawing/2014/main" id="{B7E1DA0E-C993-498E-AA69-5469A34DBB5E}"/>
@@ -6498,6 +6400,11 @@
           </p:cNvGraphicFramePr>
           <p:nvPr>
             <p:ph idx="1"/>
+            <p:extLst>
+              <p:ext uri="{D42A27DB-BD31-4B8C-83A1-F6EECF244321}">
+                <p14:modId xmlns:p14="http://schemas.microsoft.com/office/powerpoint/2010/main" val="3826171295"/>
+              </p:ext>
+            </p:extLst>
           </p:nvPr>
         </p:nvGraphicFramePr>
         <p:xfrm>
@@ -6665,10 +6572,10 @@
       </p:grpSpPr>
       <p:sp>
         <p:nvSpPr>
-          <p:cNvPr id="2" name="Titel 1">
-            <a:extLst>
-              <a:ext uri="{FF2B5EF4-FFF2-40B4-BE49-F238E27FC236}">
-                <a16:creationId xmlns:a16="http://schemas.microsoft.com/office/drawing/2014/main" id="{F42A1DA0-16E4-49A5-8EF0-C57C3155545F}"/>
+          <p:cNvPr id="2" name="Title 1">
+            <a:extLst>
+              <a:ext uri="{FF2B5EF4-FFF2-40B4-BE49-F238E27FC236}">
+                <a16:creationId xmlns:a16="http://schemas.microsoft.com/office/drawing/2014/main" id="{B84EBE5A-E03D-48CB-AEB8-265D94802EDB}"/>
               </a:ext>
             </a:extLst>
           </p:cNvPr>
@@ -6677,6 +6584,34 @@
           </p:cNvSpPr>
           <p:nvPr>
             <p:ph type="title"/>
+          </p:nvPr>
+        </p:nvSpPr>
+        <p:spPr/>
+        <p:txBody>
+          <a:bodyPr/>
+          <a:lstStyle/>
+          <a:p>
+            <a:r>
+              <a:rPr lang="en-US" dirty="0"/>
+              <a:t>What we used</a:t>
+            </a:r>
+          </a:p>
+        </p:txBody>
+      </p:sp>
+      <p:sp>
+        <p:nvSpPr>
+          <p:cNvPr id="3" name="Content Placeholder 2">
+            <a:extLst>
+              <a:ext uri="{FF2B5EF4-FFF2-40B4-BE49-F238E27FC236}">
+                <a16:creationId xmlns:a16="http://schemas.microsoft.com/office/drawing/2014/main" id="{05F042E6-BD8E-4D24-BA68-1AAB050C5675}"/>
+              </a:ext>
+            </a:extLst>
+          </p:cNvPr>
+          <p:cNvSpPr>
+            <a:spLocks noGrp="1"/>
+          </p:cNvSpPr>
+          <p:nvPr>
+            <p:ph idx="1"/>
           </p:nvPr>
         </p:nvSpPr>
         <p:spPr/>
@@ -6689,66 +6624,41 @@
               <a:t>Multi Layer Perceptron Classifier</a:t>
             </a:r>
           </a:p>
-        </p:txBody>
-      </p:sp>
-      <p:sp>
-        <p:nvSpPr>
-          <p:cNvPr id="3" name="Inhaltsplatzhalter 2">
-            <a:extLst>
-              <a:ext uri="{FF2B5EF4-FFF2-40B4-BE49-F238E27FC236}">
-                <a16:creationId xmlns:a16="http://schemas.microsoft.com/office/drawing/2014/main" id="{56667A28-6CB1-4666-8F14-03683D721003}"/>
-              </a:ext>
-            </a:extLst>
-          </p:cNvPr>
-          <p:cNvSpPr>
-            <a:spLocks noGrp="1"/>
-          </p:cNvSpPr>
-          <p:nvPr>
-            <p:ph idx="1"/>
-          </p:nvPr>
-        </p:nvSpPr>
-        <p:spPr/>
-        <p:txBody>
-          <a:bodyPr/>
-          <a:lstStyle/>
-          <a:p>
+          <a:p>
+            <a:pPr lvl="1"/>
             <a:r>
               <a:rPr lang="en-US" dirty="0"/>
-              <a:t>Advantages regarding our problem:</a:t>
-            </a:r>
-          </a:p>
-          <a:p>
-            <a:pPr marL="0" indent="0">
-              <a:buNone/>
-            </a:pPr>
-            <a:r>
-              <a:rPr lang="en-US" sz="2000" dirty="0"/>
-              <a:t> - Good performance on classifying problems</a:t>
-            </a:r>
-            <a:endParaRPr lang="en-US" sz="2000" baseline="30000" dirty="0"/>
+              <a:t>Good for classifying problems</a:t>
+            </a:r>
           </a:p>
           <a:p>
             <a:r>
               <a:rPr lang="en-US" dirty="0"/>
-              <a:t>Weaknesses regarding our Problem: </a:t>
-            </a:r>
-          </a:p>
-          <a:p>
-            <a:pPr marL="0" indent="0">
-              <a:buNone/>
-            </a:pPr>
-            <a:r>
-              <a:rPr lang="en-US" sz="2000" dirty="0"/>
-              <a:t> - Lots of training data needed</a:t>
-            </a:r>
-          </a:p>
-          <a:p>
+              <a:t>Logistic Regression</a:t>
+            </a:r>
+          </a:p>
+          <a:p>
+            <a:pPr lvl="1"/>
             <a:r>
               <a:rPr lang="en-US" dirty="0"/>
-              <a:t>Our best result:</a:t>
-            </a:r>
-          </a:p>
-          <a:p>
+              <a:t>Can be regularized to avoid overfitting</a:t>
+            </a:r>
+          </a:p>
+          <a:p>
+            <a:r>
+              <a:rPr lang="en-US" dirty="0"/>
+              <a:t>Lasso Regression </a:t>
+            </a:r>
+          </a:p>
+          <a:p>
+            <a:pPr lvl="1"/>
+            <a:r>
+              <a:rPr lang="en-US" dirty="0"/>
+              <a:t>Automatically performs feature selection</a:t>
+            </a:r>
+          </a:p>
+          <a:p>
+            <a:pPr lvl="1"/>
             <a:endParaRPr lang="en-US" dirty="0"/>
           </a:p>
         </p:txBody>
@@ -6756,7 +6666,7 @@
     </p:spTree>
     <p:extLst>
       <p:ext uri="{BB962C8B-B14F-4D97-AF65-F5344CB8AC3E}">
-        <p14:creationId xmlns:p14="http://schemas.microsoft.com/office/powerpoint/2010/main" val="1740813137"/>
+        <p14:creationId xmlns:p14="http://schemas.microsoft.com/office/powerpoint/2010/main" val="3874592636"/>
       </p:ext>
     </p:extLst>
   </p:cSld>
@@ -6785,10 +6695,10 @@
       </p:grpSpPr>
       <p:sp>
         <p:nvSpPr>
-          <p:cNvPr id="2" name="Titel 1">
-            <a:extLst>
-              <a:ext uri="{FF2B5EF4-FFF2-40B4-BE49-F238E27FC236}">
-                <a16:creationId xmlns:a16="http://schemas.microsoft.com/office/drawing/2014/main" id="{917D301D-A777-4792-9C10-94B66B0517B4}"/>
+          <p:cNvPr id="2" name="Title 1">
+            <a:extLst>
+              <a:ext uri="{FF2B5EF4-FFF2-40B4-BE49-F238E27FC236}">
+                <a16:creationId xmlns:a16="http://schemas.microsoft.com/office/drawing/2014/main" id="{FE26E031-8ECB-454B-B1BF-055E2E51D453}"/>
               </a:ext>
             </a:extLst>
           </p:cNvPr>
@@ -6806,17 +6716,17 @@
           <a:p>
             <a:r>
               <a:rPr lang="en-US" dirty="0"/>
-              <a:t>Logistic Regression</a:t>
-            </a:r>
-          </a:p>
-        </p:txBody>
-      </p:sp>
-      <p:sp>
-        <p:nvSpPr>
-          <p:cNvPr id="3" name="Inhaltsplatzhalter 2">
-            <a:extLst>
-              <a:ext uri="{FF2B5EF4-FFF2-40B4-BE49-F238E27FC236}">
-                <a16:creationId xmlns:a16="http://schemas.microsoft.com/office/drawing/2014/main" id="{580C7053-EB5A-4FFC-AD28-2B8D55307073}"/>
+              <a:t>Feature Selection (Lasso Model)</a:t>
+            </a:r>
+          </a:p>
+        </p:txBody>
+      </p:sp>
+      <p:sp>
+        <p:nvSpPr>
+          <p:cNvPr id="3" name="Content Placeholder 2">
+            <a:extLst>
+              <a:ext uri="{FF2B5EF4-FFF2-40B4-BE49-F238E27FC236}">
+                <a16:creationId xmlns:a16="http://schemas.microsoft.com/office/drawing/2014/main" id="{11BD7C6F-1B6C-4FF3-8A68-8222BF07BE62}"/>
               </a:ext>
             </a:extLst>
           </p:cNvPr>
@@ -6834,52 +6744,44 @@
           <a:p>
             <a:r>
               <a:rPr lang="en-US" dirty="0"/>
-              <a:t>Advantages regarding our problem:</a:t>
-            </a:r>
-          </a:p>
-          <a:p>
-            <a:pPr marL="0" indent="0">
-              <a:buNone/>
-            </a:pPr>
-            <a:r>
-              <a:rPr lang="en-US" sz="2000" dirty="0"/>
-              <a:t>- Can be regularized to avoid overfitting!</a:t>
-            </a:r>
-          </a:p>
-          <a:p>
+              <a:t>Recursive Feature Elimination and Cross Validation Selection (RFECV)</a:t>
+            </a:r>
+          </a:p>
+          <a:p>
+            <a:pPr lvl="1"/>
             <a:r>
               <a:rPr lang="en-US" dirty="0"/>
-              <a:t>Weaknesses regarding our Problem: </a:t>
-            </a:r>
-          </a:p>
-          <a:p>
-            <a:pPr marL="0" indent="0">
-              <a:buNone/>
-            </a:pPr>
+              <a:t>Used the Lasso Algorithm as model</a:t>
+            </a:r>
+          </a:p>
+          <a:p>
+            <a:pPr lvl="1"/>
             <a:r>
               <a:rPr lang="en-US" dirty="0"/>
-              <a:t> </a:t>
-            </a:r>
-            <a:r>
-              <a:rPr lang="en-US" sz="2000" dirty="0"/>
-              <a:t>- Weak on multiple non-linear boundaries</a:t>
-            </a:r>
-          </a:p>
-          <a:p>
+              <a:t>Used </a:t>
+            </a:r>
+            <a:r>
+              <a:rPr lang="en-US" dirty="0" err="1"/>
+              <a:t>StratisfiedKFold</a:t>
+            </a:r>
             <a:r>
               <a:rPr lang="en-US" dirty="0"/>
-              <a:t>Our best result:</a:t>
-            </a:r>
-          </a:p>
-          <a:p>
-            <a:endParaRPr lang="en-US" dirty="0"/>
+              <a:t> of 20 to split up the data for RFECV</a:t>
+            </a:r>
+          </a:p>
+          <a:p>
+            <a:pPr lvl="1"/>
+            <a:r>
+              <a:rPr lang="en-US" dirty="0"/>
+              <a:t>16 Parameters chosen w/ step of 5</a:t>
+            </a:r>
           </a:p>
         </p:txBody>
       </p:sp>
     </p:spTree>
     <p:extLst>
       <p:ext uri="{BB962C8B-B14F-4D97-AF65-F5344CB8AC3E}">
-        <p14:creationId xmlns:p14="http://schemas.microsoft.com/office/powerpoint/2010/main" val="3613122792"/>
+        <p14:creationId xmlns:p14="http://schemas.microsoft.com/office/powerpoint/2010/main" val="1307682458"/>
       </p:ext>
     </p:extLst>
   </p:cSld>
@@ -6929,7 +6831,7 @@
           <a:p>
             <a:r>
               <a:rPr lang="en-US" dirty="0"/>
-              <a:t>Lasso Regression (Linear)</a:t>
+              <a:t>Prediction Model (Logistic Regression)</a:t>
             </a:r>
           </a:p>
         </p:txBody>
@@ -6955,27 +6857,14 @@
           <a:bodyPr/>
           <a:lstStyle/>
           <a:p>
-            <a:pPr marL="0" indent="0">
-              <a:buNone/>
-            </a:pPr>
-            <a:r>
-              <a:rPr lang="en-US" b="1" dirty="0"/>
-              <a:t>Important Points:</a:t>
-            </a:r>
-          </a:p>
-          <a:p>
             <a:r>
               <a:rPr lang="en-US" dirty="0"/>
-              <a:t>It uses L1 regularization technique (will be discussed later in this article)</a:t>
-            </a:r>
-          </a:p>
-          <a:p>
-            <a:r>
-              <a:rPr lang="en-US" dirty="0"/>
-              <a:t>Since it automatically does feature selection, it is best used when there are more features available</a:t>
-            </a:r>
-          </a:p>
-          <a:p>
+              <a:t>Something about why we use </a:t>
+            </a:r>
+            <a:r>
+              <a:rPr lang="en-US"/>
+              <a:t>this somewhere here</a:t>
+            </a:r>
             <a:endParaRPr lang="en-US" dirty="0"/>
           </a:p>
         </p:txBody>
@@ -6983,7 +6872,7 @@
     </p:spTree>
     <p:extLst>
       <p:ext uri="{BB962C8B-B14F-4D97-AF65-F5344CB8AC3E}">
-        <p14:creationId xmlns:p14="http://schemas.microsoft.com/office/powerpoint/2010/main" val="443737932"/>
+        <p14:creationId xmlns:p14="http://schemas.microsoft.com/office/powerpoint/2010/main" val="468689115"/>
       </p:ext>
     </p:extLst>
   </p:cSld>

--- a/Presentation.pptx
+++ b/Presentation.pptx
@@ -5,7 +5,7 @@
     <p:sldMasterId id="2147483648" r:id="rId1"/>
   </p:sldMasterIdLst>
   <p:notesMasterIdLst>
-    <p:notesMasterId r:id="rId14"/>
+    <p:notesMasterId r:id="rId15"/>
   </p:notesMasterIdLst>
   <p:sldIdLst>
     <p:sldId id="256" r:id="rId2"/>
@@ -18,8 +18,9 @@
     <p:sldId id="277" r:id="rId9"/>
     <p:sldId id="278" r:id="rId10"/>
     <p:sldId id="269" r:id="rId11"/>
-    <p:sldId id="266" r:id="rId12"/>
-    <p:sldId id="273" r:id="rId13"/>
+    <p:sldId id="279" r:id="rId12"/>
+    <p:sldId id="266" r:id="rId13"/>
+    <p:sldId id="273" r:id="rId14"/>
   </p:sldIdLst>
   <p:sldSz cx="12192000" cy="6858000"/>
   <p:notesSz cx="6858000" cy="9144000"/>
@@ -256,10 +257,10 @@
                 <c:formatCode>0.00%</c:formatCode>
                 <c:ptCount val="7"/>
                 <c:pt idx="0">
-                  <c:v>0.84199999999999997</c:v>
+                  <c:v>0.76129999999999998</c:v>
                 </c:pt>
                 <c:pt idx="1">
-                  <c:v>0.84199999999999997</c:v>
+                  <c:v>0.76129999999999998</c:v>
                 </c:pt>
                 <c:pt idx="2">
                   <c:v>0.76129999999999998</c:v>
@@ -281,7 +282,7 @@
           </c:val>
           <c:extLst>
             <c:ext xmlns:c16="http://schemas.microsoft.com/office/drawing/2014/chart" uri="{C3380CC4-5D6E-409C-BE32-E72D297353CC}">
-              <c16:uniqueId val="{00000000-397E-4D94-834C-B6B1FB9A4D6A}"/>
+              <c16:uniqueId val="{00000000-6E0B-4266-BC6D-99C82F442F19}"/>
             </c:ext>
           </c:extLst>
         </c:ser>
@@ -543,35 +544,35 @@
           <c:invertIfNegative val="0"/>
           <c:cat>
             <c:strRef>
-              <c:f>[RankingResults.xlsx]Sheet1!$A$2:$A$13</c:f>
+              <c:f>Sheet1!$A$2:$A$13</c:f>
               <c:strCache>
                 <c:ptCount val="12"/>
                 <c:pt idx="0">
                   <c:v>Logistic Regression</c:v>
                 </c:pt>
                 <c:pt idx="1">
+                  <c:v>Neural Network MLP Classification</c:v>
+                </c:pt>
+                <c:pt idx="2">
                   <c:v>Random Forest</c:v>
                 </c:pt>
-                <c:pt idx="2">
+                <c:pt idx="3">
                   <c:v>Decision Tree Classifier</c:v>
                 </c:pt>
-                <c:pt idx="3">
+                <c:pt idx="4">
                   <c:v>K Nearest Neighbors</c:v>
                 </c:pt>
-                <c:pt idx="4">
+                <c:pt idx="5">
                   <c:v>Support Vector Classification</c:v>
                 </c:pt>
-                <c:pt idx="5">
+                <c:pt idx="6">
                   <c:v>Support Vector Regression</c:v>
                 </c:pt>
-                <c:pt idx="6">
+                <c:pt idx="7">
                   <c:v>Naïve Bayes GaussianNB</c:v>
                 </c:pt>
-                <c:pt idx="7">
+                <c:pt idx="8">
                   <c:v>Linear Discrimination Analysis</c:v>
-                </c:pt>
-                <c:pt idx="8">
-                  <c:v>Neural Network MLP Classification</c:v>
                 </c:pt>
                 <c:pt idx="9">
                   <c:v>Linear Regression</c:v>
@@ -587,44 +588,44 @@
           </c:cat>
           <c:val>
             <c:numRef>
-              <c:f>[RankingResults.xlsx]Sheet1!$B$2:$B$13</c:f>
+              <c:f>Sheet1!$B$2:$B$13</c:f>
               <c:numCache>
-                <c:formatCode>0%</c:formatCode>
+                <c:formatCode>0.00%</c:formatCode>
                 <c:ptCount val="12"/>
-                <c:pt idx="0" formatCode="0.00%">
-                  <c:v>0.77329999999999999</c:v>
+                <c:pt idx="0">
+                  <c:v>0.76129999999999998</c:v>
                 </c:pt>
                 <c:pt idx="1">
+                  <c:v>0.76129999999999998</c:v>
+                </c:pt>
+                <c:pt idx="2" formatCode="0%">
                   <c:v>0.72</c:v>
                 </c:pt>
-                <c:pt idx="2" formatCode="0.00%">
+                <c:pt idx="3">
                   <c:v>0.70660000000000001</c:v>
                 </c:pt>
-                <c:pt idx="3" formatCode="0.00%">
+                <c:pt idx="4">
                   <c:v>0.69330000000000003</c:v>
                 </c:pt>
-                <c:pt idx="4">
+                <c:pt idx="5" formatCode="0%">
                   <c:v>0.68</c:v>
                 </c:pt>
-                <c:pt idx="5">
+                <c:pt idx="6" formatCode="0%">
                   <c:v>0.68</c:v>
                 </c:pt>
-                <c:pt idx="6">
+                <c:pt idx="7" formatCode="0%">
                   <c:v>0.64</c:v>
                 </c:pt>
-                <c:pt idx="7" formatCode="0.00%">
+                <c:pt idx="8">
                   <c:v>0.61329999999999996</c:v>
                 </c:pt>
-                <c:pt idx="8">
-                  <c:v>0.6</c:v>
-                </c:pt>
-                <c:pt idx="9">
+                <c:pt idx="9" formatCode="0%">
                   <c:v>0.58599999999999997</c:v>
                 </c:pt>
-                <c:pt idx="10" formatCode="0.00%">
+                <c:pt idx="10">
                   <c:v>0.53</c:v>
                 </c:pt>
-                <c:pt idx="11" formatCode="0.00%">
+                <c:pt idx="11">
                   <c:v>0.46666000000000002</c:v>
                 </c:pt>
               </c:numCache>
@@ -632,7 +633,7 @@
           </c:val>
           <c:extLst>
             <c:ext xmlns:c16="http://schemas.microsoft.com/office/drawing/2014/chart" uri="{C3380CC4-5D6E-409C-BE32-E72D297353CC}">
-              <c16:uniqueId val="{00000000-A1E4-410B-94DA-20F2CEA2F116}"/>
+              <c16:uniqueId val="{00000000-8258-4D0D-A701-73DA7FA4FEAA}"/>
             </c:ext>
           </c:extLst>
         </c:ser>
@@ -1966,7 +1967,7 @@
           <a:p>
             <a:fld id="{73725B04-4458-4150-9CFF-8486B58F8074}" type="datetimeFigureOut">
               <a:rPr lang="en-US" smtClean="0"/>
-              <a:t>11/7/2019</a:t>
+              <a:t>11/10/2019</a:t>
             </a:fld>
             <a:endParaRPr lang="en-US"/>
           </a:p>
@@ -2338,6 +2339,111 @@
 </p:notes>
 </file>
 
+<file path=ppt/notesSlides/notesSlide2.xml><?xml version="1.0" encoding="utf-8"?>
+<p:notes xmlns:a="http://schemas.openxmlformats.org/drawingml/2006/main" xmlns:r="http://schemas.openxmlformats.org/officeDocument/2006/relationships" xmlns:p="http://schemas.openxmlformats.org/presentationml/2006/main">
+  <p:cSld>
+    <p:spTree>
+      <p:nvGrpSpPr>
+        <p:cNvPr id="1" name=""/>
+        <p:cNvGrpSpPr/>
+        <p:nvPr/>
+      </p:nvGrpSpPr>
+      <p:grpSpPr>
+        <a:xfrm>
+          <a:off x="0" y="0"/>
+          <a:ext cx="0" cy="0"/>
+          <a:chOff x="0" y="0"/>
+          <a:chExt cx="0" cy="0"/>
+        </a:xfrm>
+      </p:grpSpPr>
+      <p:sp>
+        <p:nvSpPr>
+          <p:cNvPr id="2" name="Slide Image Placeholder 1"/>
+          <p:cNvSpPr>
+            <a:spLocks noGrp="1" noRot="1" noChangeAspect="1"/>
+          </p:cNvSpPr>
+          <p:nvPr>
+            <p:ph type="sldImg"/>
+          </p:nvPr>
+        </p:nvSpPr>
+        <p:spPr/>
+      </p:sp>
+      <p:sp>
+        <p:nvSpPr>
+          <p:cNvPr id="3" name="Notes Placeholder 2"/>
+          <p:cNvSpPr>
+            <a:spLocks noGrp="1"/>
+          </p:cNvSpPr>
+          <p:nvPr>
+            <p:ph type="body" idx="1"/>
+          </p:nvPr>
+        </p:nvSpPr>
+        <p:spPr/>
+        <p:txBody>
+          <a:bodyPr/>
+          <a:lstStyle/>
+          <a:p>
+            <a:r>
+              <a:rPr lang="en-US" dirty="0"/>
+              <a:t>https://scikit-learn.org/stable/modules/generated/sklearn.linear_model.LogisticRegression.html </a:t>
+            </a:r>
+          </a:p>
+          <a:p>
+            <a:endParaRPr lang="en-US" dirty="0"/>
+          </a:p>
+          <a:p>
+            <a:r>
+              <a:rPr lang="en-US" dirty="0"/>
+              <a:t>https://scikit-learn.org/stable/modules/generated/sklearn.linear_model.LogisticRegression.html</a:t>
+            </a:r>
+          </a:p>
+          <a:p>
+            <a:endParaRPr lang="en-US" dirty="0"/>
+          </a:p>
+          <a:p>
+            <a:r>
+              <a:rPr lang="en-US" dirty="0"/>
+              <a:t>https://scikit-learn.org/stable/auto_examples/linear_model/plot_logistic_l1_l2_sparsity.html#sphx-glr-auto-examples-linear-model-plot-logistic-l1-l2-sparsity-py</a:t>
+            </a:r>
+          </a:p>
+        </p:txBody>
+      </p:sp>
+      <p:sp>
+        <p:nvSpPr>
+          <p:cNvPr id="4" name="Slide Number Placeholder 3"/>
+          <p:cNvSpPr>
+            <a:spLocks noGrp="1"/>
+          </p:cNvSpPr>
+          <p:nvPr>
+            <p:ph type="sldNum" sz="quarter" idx="5"/>
+          </p:nvPr>
+        </p:nvSpPr>
+        <p:spPr/>
+        <p:txBody>
+          <a:bodyPr/>
+          <a:lstStyle/>
+          <a:p>
+            <a:fld id="{297A166E-ACF1-4C2F-AD43-1E0B732BAB04}" type="slidenum">
+              <a:rPr lang="en-US" smtClean="0"/>
+              <a:t>11</a:t>
+            </a:fld>
+            <a:endParaRPr lang="en-US"/>
+          </a:p>
+        </p:txBody>
+      </p:sp>
+    </p:spTree>
+    <p:extLst>
+      <p:ext uri="{BB962C8B-B14F-4D97-AF65-F5344CB8AC3E}">
+        <p14:creationId xmlns:p14="http://schemas.microsoft.com/office/powerpoint/2010/main" val="1767303447"/>
+      </p:ext>
+    </p:extLst>
+  </p:cSld>
+  <p:clrMapOvr>
+    <a:masterClrMapping/>
+  </p:clrMapOvr>
+</p:notes>
+</file>
+
 <file path=ppt/slideLayouts/slideLayout1.xml><?xml version="1.0" encoding="utf-8"?>
 <p:sldLayout xmlns:a="http://schemas.openxmlformats.org/drawingml/2006/main" xmlns:r="http://schemas.openxmlformats.org/officeDocument/2006/relationships" xmlns:p="http://schemas.openxmlformats.org/presentationml/2006/main" type="title" preserve="1">
   <p:cSld name="Titelfolie">
@@ -2487,7 +2593,7 @@
           <a:p>
             <a:fld id="{FBA2DA08-F561-4012-B600-F674700837C3}" type="datetimeFigureOut">
               <a:rPr lang="en-US" smtClean="0"/>
-              <a:t>11/7/2019</a:t>
+              <a:t>11/10/2019</a:t>
             </a:fld>
             <a:endParaRPr lang="en-US"/>
           </a:p>
@@ -2687,7 +2793,7 @@
           <a:p>
             <a:fld id="{FBA2DA08-F561-4012-B600-F674700837C3}" type="datetimeFigureOut">
               <a:rPr lang="en-US" smtClean="0"/>
-              <a:t>11/7/2019</a:t>
+              <a:t>11/10/2019</a:t>
             </a:fld>
             <a:endParaRPr lang="en-US"/>
           </a:p>
@@ -2897,7 +3003,7 @@
           <a:p>
             <a:fld id="{FBA2DA08-F561-4012-B600-F674700837C3}" type="datetimeFigureOut">
               <a:rPr lang="en-US" smtClean="0"/>
-              <a:t>11/7/2019</a:t>
+              <a:t>11/10/2019</a:t>
             </a:fld>
             <a:endParaRPr lang="en-US"/>
           </a:p>
@@ -3097,7 +3203,7 @@
           <a:p>
             <a:fld id="{FBA2DA08-F561-4012-B600-F674700837C3}" type="datetimeFigureOut">
               <a:rPr lang="en-US" smtClean="0"/>
-              <a:t>11/7/2019</a:t>
+              <a:t>11/10/2019</a:t>
             </a:fld>
             <a:endParaRPr lang="en-US"/>
           </a:p>
@@ -3373,7 +3479,7 @@
           <a:p>
             <a:fld id="{FBA2DA08-F561-4012-B600-F674700837C3}" type="datetimeFigureOut">
               <a:rPr lang="en-US" smtClean="0"/>
-              <a:t>11/7/2019</a:t>
+              <a:t>11/10/2019</a:t>
             </a:fld>
             <a:endParaRPr lang="en-US"/>
           </a:p>
@@ -3641,7 +3747,7 @@
           <a:p>
             <a:fld id="{FBA2DA08-F561-4012-B600-F674700837C3}" type="datetimeFigureOut">
               <a:rPr lang="en-US" smtClean="0"/>
-              <a:t>11/7/2019</a:t>
+              <a:t>11/10/2019</a:t>
             </a:fld>
             <a:endParaRPr lang="en-US"/>
           </a:p>
@@ -4056,7 +4162,7 @@
           <a:p>
             <a:fld id="{FBA2DA08-F561-4012-B600-F674700837C3}" type="datetimeFigureOut">
               <a:rPr lang="en-US" smtClean="0"/>
-              <a:t>11/7/2019</a:t>
+              <a:t>11/10/2019</a:t>
             </a:fld>
             <a:endParaRPr lang="en-US"/>
           </a:p>
@@ -4198,7 +4304,7 @@
           <a:p>
             <a:fld id="{FBA2DA08-F561-4012-B600-F674700837C3}" type="datetimeFigureOut">
               <a:rPr lang="en-US" smtClean="0"/>
-              <a:t>11/7/2019</a:t>
+              <a:t>11/10/2019</a:t>
             </a:fld>
             <a:endParaRPr lang="en-US"/>
           </a:p>
@@ -4311,7 +4417,7 @@
           <a:p>
             <a:fld id="{FBA2DA08-F561-4012-B600-F674700837C3}" type="datetimeFigureOut">
               <a:rPr lang="en-US" smtClean="0"/>
-              <a:t>11/7/2019</a:t>
+              <a:t>11/10/2019</a:t>
             </a:fld>
             <a:endParaRPr lang="en-US"/>
           </a:p>
@@ -4624,7 +4730,7 @@
           <a:p>
             <a:fld id="{FBA2DA08-F561-4012-B600-F674700837C3}" type="datetimeFigureOut">
               <a:rPr lang="en-US" smtClean="0"/>
-              <a:t>11/7/2019</a:t>
+              <a:t>11/10/2019</a:t>
             </a:fld>
             <a:endParaRPr lang="en-US"/>
           </a:p>
@@ -4913,7 +5019,7 @@
           <a:p>
             <a:fld id="{FBA2DA08-F561-4012-B600-F674700837C3}" type="datetimeFigureOut">
               <a:rPr lang="en-US" smtClean="0"/>
-              <a:t>11/7/2019</a:t>
+              <a:t>11/10/2019</a:t>
             </a:fld>
             <a:endParaRPr lang="en-US"/>
           </a:p>
@@ -5156,7 +5262,7 @@
           <a:p>
             <a:fld id="{FBA2DA08-F561-4012-B600-F674700837C3}" type="datetimeFigureOut">
               <a:rPr lang="en-US" smtClean="0"/>
-              <a:t>11/7/2019</a:t>
+              <a:t>11/10/2019</a:t>
             </a:fld>
             <a:endParaRPr lang="en-US"/>
           </a:p>
@@ -5713,12 +5819,14 @@
         </p:nvSpPr>
         <p:spPr/>
         <p:txBody>
-          <a:bodyPr/>
+          <a:bodyPr>
+            <a:normAutofit lnSpcReduction="10000"/>
+          </a:bodyPr>
           <a:lstStyle/>
           <a:p>
             <a:r>
               <a:rPr lang="en-US" dirty="0"/>
-              <a:t>Penalty = “L1”, C =.1</a:t>
+              <a:t>Penalty = “L1”, C =.2</a:t>
             </a:r>
           </a:p>
           <a:p>
@@ -5753,18 +5861,6 @@
             <a:pPr lvl="1"/>
             <a:r>
               <a:rPr lang="en-US" dirty="0"/>
-              <a:t>Uses a Coordinate Descent Algo</a:t>
-            </a:r>
-            <a:r>
-              <a:rPr lang="en-US" baseline="30000" dirty="0"/>
-              <a:t>2</a:t>
-            </a:r>
-            <a:endParaRPr lang="en-US" dirty="0"/>
-          </a:p>
-          <a:p>
-            <a:pPr lvl="1"/>
-            <a:r>
-              <a:rPr lang="en-US" dirty="0"/>
               <a:t>Behaves as a multiclass classifier (separate binary classifiers are trained for all classes)</a:t>
             </a:r>
             <a:r>
@@ -5775,7 +5871,27 @@
           <a:p>
             <a:r>
               <a:rPr lang="en-US" dirty="0"/>
-              <a:t>Selecting Data Columns</a:t>
+              <a:t>Class Weight = “Balanced”</a:t>
+            </a:r>
+          </a:p>
+          <a:p>
+            <a:pPr lvl="1"/>
+            <a:r>
+              <a:rPr lang="en-US" dirty="0"/>
+              <a:t>automatically adjust weights inversely proportional to class frequencies in the input data</a:t>
+            </a:r>
+          </a:p>
+          <a:p>
+            <a:r>
+              <a:rPr lang="en-US" dirty="0"/>
+              <a:t>Fit Intercept = False</a:t>
+            </a:r>
+          </a:p>
+          <a:p>
+            <a:pPr lvl="1"/>
+            <a:r>
+              <a:rPr lang="en-US" dirty="0"/>
+              <a:t>Intercept is not added into decision function</a:t>
             </a:r>
           </a:p>
           <a:p>
@@ -5821,7 +5937,7 @@
           <p:cNvPr id="2" name="Titel 1">
             <a:extLst>
               <a:ext uri="{FF2B5EF4-FFF2-40B4-BE49-F238E27FC236}">
-                <a16:creationId xmlns:a16="http://schemas.microsoft.com/office/drawing/2014/main" id="{1762BE5A-FA6C-4B1D-BB06-E300012F84BC}"/>
+                <a16:creationId xmlns:a16="http://schemas.microsoft.com/office/drawing/2014/main" id="{0425B7AA-8A86-45B1-8E9D-D0F0F867BC1F}"/>
               </a:ext>
             </a:extLst>
           </p:cNvPr>
@@ -5839,7 +5955,7 @@
           <a:p>
             <a:r>
               <a:rPr lang="en-US" dirty="0"/>
-              <a:t>Sources </a:t>
+              <a:t>Results</a:t>
             </a:r>
           </a:p>
         </p:txBody>
@@ -5849,7 +5965,7 @@
           <p:cNvPr id="3" name="Inhaltsplatzhalter 2">
             <a:extLst>
               <a:ext uri="{FF2B5EF4-FFF2-40B4-BE49-F238E27FC236}">
-                <a16:creationId xmlns:a16="http://schemas.microsoft.com/office/drawing/2014/main" id="{48668362-0B24-4A1C-88BA-9E9FF9890662}"/>
+                <a16:creationId xmlns:a16="http://schemas.microsoft.com/office/drawing/2014/main" id="{6D8484E7-9B2A-44CF-92D2-CEE26AF56F84}"/>
               </a:ext>
             </a:extLst>
           </p:cNvPr>
@@ -5862,34 +5978,77 @@
         </p:nvSpPr>
         <p:spPr/>
         <p:txBody>
-          <a:bodyPr/>
-          <a:lstStyle/>
-          <a:p>
-            <a:r>
-              <a:rPr lang="en-US" baseline="30000" dirty="0"/>
-              <a:t>1</a:t>
-            </a:r>
+          <a:bodyPr>
+            <a:normAutofit/>
+          </a:bodyPr>
+          <a:lstStyle/>
+          <a:p>
             <a:r>
               <a:rPr lang="en-US" dirty="0"/>
-              <a:t>https://elitedatascience.com/machine-learning-algorithms</a:t>
-            </a:r>
-          </a:p>
-          <a:p>
-            <a:r>
-              <a:rPr lang="en-US" baseline="30000" dirty="0"/>
-              <a:t>2</a:t>
+              <a:t>High </a:t>
+            </a:r>
+            <a:r>
+              <a:rPr lang="en-US" dirty="0" err="1"/>
+              <a:t>Socre</a:t>
             </a:r>
             <a:r>
               <a:rPr lang="en-US" dirty="0"/>
-              <a:t>https://scikit-learn.org</a:t>
-            </a:r>
+              <a:t>: .842</a:t>
+            </a:r>
+          </a:p>
+          <a:p>
+            <a:r>
+              <a:rPr lang="en-US" dirty="0"/>
+              <a:t>Submission Scores:</a:t>
+            </a:r>
+          </a:p>
+          <a:p>
+            <a:pPr lvl="1"/>
+            <a:r>
+              <a:rPr lang="en-US" dirty="0"/>
+              <a:t>Logarithmic: .842</a:t>
+            </a:r>
+          </a:p>
+          <a:p>
+            <a:pPr lvl="1"/>
+            <a:r>
+              <a:rPr lang="en-US" dirty="0"/>
+              <a:t>Lasso: .763</a:t>
+            </a:r>
+          </a:p>
+          <a:p>
+            <a:pPr lvl="1"/>
+            <a:r>
+              <a:rPr lang="en-US" dirty="0"/>
+              <a:t>MLP: .842</a:t>
+            </a:r>
+            <a:endParaRPr lang="en-US" baseline="30000" dirty="0"/>
+          </a:p>
+          <a:p>
+            <a:r>
+              <a:rPr lang="en-US" dirty="0"/>
+              <a:t>Without feature selection:</a:t>
+            </a:r>
+          </a:p>
+          <a:p>
+            <a:pPr lvl="1"/>
+            <a:r>
+              <a:rPr lang="en-US" dirty="0"/>
+              <a:t>.733 (Lasso, Logarithmic, MLP)</a:t>
+            </a:r>
+          </a:p>
+          <a:p>
+            <a:pPr marL="0" indent="0">
+              <a:buNone/>
+            </a:pPr>
+            <a:endParaRPr lang="en-US" baseline="30000" dirty="0"/>
           </a:p>
         </p:txBody>
       </p:sp>
     </p:spTree>
     <p:extLst>
       <p:ext uri="{BB962C8B-B14F-4D97-AF65-F5344CB8AC3E}">
-        <p14:creationId xmlns:p14="http://schemas.microsoft.com/office/powerpoint/2010/main" val="3409720953"/>
+        <p14:creationId xmlns:p14="http://schemas.microsoft.com/office/powerpoint/2010/main" val="3170171414"/>
       </p:ext>
     </p:extLst>
   </p:cSld>
@@ -5918,6 +6077,106 @@
       </p:grpSpPr>
       <p:sp>
         <p:nvSpPr>
+          <p:cNvPr id="2" name="Titel 1">
+            <a:extLst>
+              <a:ext uri="{FF2B5EF4-FFF2-40B4-BE49-F238E27FC236}">
+                <a16:creationId xmlns:a16="http://schemas.microsoft.com/office/drawing/2014/main" id="{1762BE5A-FA6C-4B1D-BB06-E300012F84BC}"/>
+              </a:ext>
+            </a:extLst>
+          </p:cNvPr>
+          <p:cNvSpPr>
+            <a:spLocks noGrp="1"/>
+          </p:cNvSpPr>
+          <p:nvPr>
+            <p:ph type="title"/>
+          </p:nvPr>
+        </p:nvSpPr>
+        <p:spPr/>
+        <p:txBody>
+          <a:bodyPr/>
+          <a:lstStyle/>
+          <a:p>
+            <a:r>
+              <a:rPr lang="en-US" dirty="0"/>
+              <a:t>Sources </a:t>
+            </a:r>
+          </a:p>
+        </p:txBody>
+      </p:sp>
+      <p:sp>
+        <p:nvSpPr>
+          <p:cNvPr id="3" name="Inhaltsplatzhalter 2">
+            <a:extLst>
+              <a:ext uri="{FF2B5EF4-FFF2-40B4-BE49-F238E27FC236}">
+                <a16:creationId xmlns:a16="http://schemas.microsoft.com/office/drawing/2014/main" id="{48668362-0B24-4A1C-88BA-9E9FF9890662}"/>
+              </a:ext>
+            </a:extLst>
+          </p:cNvPr>
+          <p:cNvSpPr>
+            <a:spLocks noGrp="1"/>
+          </p:cNvSpPr>
+          <p:nvPr>
+            <p:ph idx="1"/>
+          </p:nvPr>
+        </p:nvSpPr>
+        <p:spPr/>
+        <p:txBody>
+          <a:bodyPr/>
+          <a:lstStyle/>
+          <a:p>
+            <a:r>
+              <a:rPr lang="en-US" baseline="30000" dirty="0"/>
+              <a:t>1</a:t>
+            </a:r>
+            <a:r>
+              <a:rPr lang="en-US" dirty="0"/>
+              <a:t>https://elitedatascience.com/machine-learning-algorithms</a:t>
+            </a:r>
+          </a:p>
+          <a:p>
+            <a:r>
+              <a:rPr lang="en-US" baseline="30000" dirty="0"/>
+              <a:t>2</a:t>
+            </a:r>
+            <a:r>
+              <a:rPr lang="en-US" dirty="0"/>
+              <a:t>https://scikit-learn.org</a:t>
+            </a:r>
+          </a:p>
+        </p:txBody>
+      </p:sp>
+    </p:spTree>
+    <p:extLst>
+      <p:ext uri="{BB962C8B-B14F-4D97-AF65-F5344CB8AC3E}">
+        <p14:creationId xmlns:p14="http://schemas.microsoft.com/office/powerpoint/2010/main" val="3409720953"/>
+      </p:ext>
+    </p:extLst>
+  </p:cSld>
+  <p:clrMapOvr>
+    <a:masterClrMapping/>
+  </p:clrMapOvr>
+</p:sld>
+</file>
+
+<file path=ppt/slides/slide13.xml><?xml version="1.0" encoding="utf-8"?>
+<p:sld xmlns:a="http://schemas.openxmlformats.org/drawingml/2006/main" xmlns:r="http://schemas.openxmlformats.org/officeDocument/2006/relationships" xmlns:p="http://schemas.openxmlformats.org/presentationml/2006/main">
+  <p:cSld>
+    <p:spTree>
+      <p:nvGrpSpPr>
+        <p:cNvPr id="1" name=""/>
+        <p:cNvGrpSpPr/>
+        <p:nvPr/>
+      </p:nvGrpSpPr>
+      <p:grpSpPr>
+        <a:xfrm>
+          <a:off x="0" y="0"/>
+          <a:ext cx="0" cy="0"/>
+          <a:chOff x="0" y="0"/>
+          <a:chExt cx="0" cy="0"/>
+        </a:xfrm>
+      </p:grpSpPr>
+      <p:sp>
+        <p:nvSpPr>
           <p:cNvPr id="2" name="Title 1">
             <a:extLst>
               <a:ext uri="{FF2B5EF4-FFF2-40B4-BE49-F238E27FC236}">
@@ -5946,10 +6205,10 @@
       </p:sp>
       <p:graphicFrame>
         <p:nvGraphicFramePr>
-          <p:cNvPr id="4" name="Content Placeholder 3">
-            <a:extLst>
-              <a:ext uri="{FF2B5EF4-FFF2-40B4-BE49-F238E27FC236}">
-                <a16:creationId xmlns:a16="http://schemas.microsoft.com/office/drawing/2014/main" id="{8DEB8FC9-F0CB-4B36-BAFB-640CE986CF7F}"/>
+          <p:cNvPr id="6" name="Content Placeholder 5">
+            <a:extLst>
+              <a:ext uri="{FF2B5EF4-FFF2-40B4-BE49-F238E27FC236}">
+                <a16:creationId xmlns:a16="http://schemas.microsoft.com/office/drawing/2014/main" id="{B5E7BF2B-3EEC-4215-B720-3DBB0F9113B0}"/>
               </a:ext>
             </a:extLst>
           </p:cNvPr>
@@ -5958,11 +6217,6 @@
           </p:cNvGraphicFramePr>
           <p:nvPr>
             <p:ph idx="1"/>
-            <p:extLst>
-              <p:ext uri="{D42A27DB-BD31-4B8C-83A1-F6EECF244321}">
-                <p14:modId xmlns:p14="http://schemas.microsoft.com/office/powerpoint/2010/main" val="157355301"/>
-              </p:ext>
-            </p:extLst>
           </p:nvPr>
         </p:nvGraphicFramePr>
         <p:xfrm>
@@ -6056,13 +6310,19 @@
           <a:p>
             <a:r>
               <a:rPr lang="en-US" dirty="0"/>
-              <a:t>Classification </a:t>
+              <a:t>Goal/Approach </a:t>
             </a:r>
           </a:p>
           <a:p>
             <a:r>
               <a:rPr lang="en-US" dirty="0"/>
               <a:t>Algorithm selection – Performance Cross-Validation</a:t>
+            </a:r>
+          </a:p>
+          <a:p>
+            <a:r>
+              <a:rPr lang="en-US" dirty="0"/>
+              <a:t>Feature Selection</a:t>
             </a:r>
           </a:p>
           <a:p>
@@ -6138,7 +6398,7 @@
           <a:p>
             <a:r>
               <a:rPr lang="en-US" dirty="0"/>
-              <a:t>Classification Models</a:t>
+              <a:t>Goal/Approach</a:t>
             </a:r>
           </a:p>
         </p:txBody>
@@ -6166,21 +6426,62 @@
           </a:bodyPr>
           <a:lstStyle/>
           <a:p>
+            <a:pPr marL="0" indent="0">
+              <a:buNone/>
+            </a:pPr>
+            <a:r>
+              <a:rPr lang="en-US" b="1" dirty="0"/>
+              <a:t>Goal</a:t>
+            </a:r>
+          </a:p>
+          <a:p>
             <a:r>
               <a:rPr lang="en-US" dirty="0"/>
-              <a:t>We want to predict if a single sample is a 0 or 1.</a:t>
+              <a:t>To Predict if a single sample is a 0 or 1.</a:t>
             </a:r>
           </a:p>
           <a:p>
             <a:r>
               <a:rPr lang="en-US" dirty="0"/>
-              <a:t>This results in needing to use some sort of classification algorithm. </a:t>
-            </a:r>
-          </a:p>
-          <a:p>
+              <a:t>Learn about and utilize </a:t>
+            </a:r>
+            <a:r>
+              <a:rPr lang="en-US" dirty="0" err="1"/>
+              <a:t>Scikit</a:t>
+            </a:r>
             <a:r>
               <a:rPr lang="en-US" dirty="0"/>
-              <a:t>What common classification algorithms did we find: (of course there are a lot more but, we wanted to focus on the more commonly used ones.)</a:t>
+              <a:t> Libraries to predict results</a:t>
+            </a:r>
+          </a:p>
+          <a:p>
+            <a:endParaRPr lang="en-US" dirty="0"/>
+          </a:p>
+          <a:p>
+            <a:pPr marL="0" indent="0">
+              <a:buNone/>
+            </a:pPr>
+            <a:r>
+              <a:rPr lang="en-US" b="1" dirty="0"/>
+              <a:t>Approach</a:t>
+            </a:r>
+          </a:p>
+          <a:p>
+            <a:r>
+              <a:rPr lang="en-US" dirty="0"/>
+              <a:t>Initial Run through of various algorithms</a:t>
+            </a:r>
+          </a:p>
+          <a:p>
+            <a:r>
+              <a:rPr lang="en-US" dirty="0"/>
+              <a:t>Use the most successful algorithm</a:t>
+            </a:r>
+          </a:p>
+          <a:p>
+            <a:r>
+              <a:rPr lang="en-US" dirty="0"/>
+              <a:t>Further tune for better results</a:t>
             </a:r>
           </a:p>
         </p:txBody>
@@ -6388,7 +6689,7 @@
       </p:sp>
       <p:graphicFrame>
         <p:nvGraphicFramePr>
-          <p:cNvPr id="5" name="Content Placeholder 4">
+          <p:cNvPr id="7" name="Content Placeholder 6">
             <a:extLst>
               <a:ext uri="{FF2B5EF4-FFF2-40B4-BE49-F238E27FC236}">
                 <a16:creationId xmlns:a16="http://schemas.microsoft.com/office/drawing/2014/main" id="{B7E1DA0E-C993-498E-AA69-5469A34DBB5E}"/>
@@ -6400,11 +6701,6 @@
           </p:cNvGraphicFramePr>
           <p:nvPr>
             <p:ph idx="1"/>
-            <p:extLst>
-              <p:ext uri="{D42A27DB-BD31-4B8C-83A1-F6EECF244321}">
-                <p14:modId xmlns:p14="http://schemas.microsoft.com/office/powerpoint/2010/main" val="3826171295"/>
-              </p:ext>
-            </p:extLst>
           </p:nvPr>
         </p:nvGraphicFramePr>
         <p:xfrm>
@@ -6859,13 +7155,49 @@
           <a:p>
             <a:r>
               <a:rPr lang="en-US" dirty="0"/>
-              <a:t>Something about why we use </a:t>
-            </a:r>
-            <a:r>
-              <a:rPr lang="en-US"/>
-              <a:t>this somewhere here</a:t>
-            </a:r>
-            <a:endParaRPr lang="en-US" dirty="0"/>
+              <a:t>Able to return probabilities of classifications</a:t>
+            </a:r>
+          </a:p>
+          <a:p>
+            <a:pPr lvl="1"/>
+            <a:r>
+              <a:rPr lang="en-US" dirty="0"/>
+              <a:t>Scoring using AUC (Area Under the Curve)</a:t>
+            </a:r>
+          </a:p>
+          <a:p>
+            <a:pPr lvl="2"/>
+            <a:r>
+              <a:rPr lang="en-US" dirty="0"/>
+              <a:t>probabilities minimize penalty for wrong prediction</a:t>
+            </a:r>
+          </a:p>
+          <a:p>
+            <a:pPr lvl="1"/>
+            <a:r>
+              <a:rPr lang="en-US" dirty="0"/>
+              <a:t>Lasso Regression is unable to return probabilities</a:t>
+            </a:r>
+          </a:p>
+          <a:p>
+            <a:r>
+              <a:rPr lang="en-US" dirty="0"/>
+              <a:t>Tied with MLP Classifier</a:t>
+            </a:r>
+          </a:p>
+          <a:p>
+            <a:pPr lvl="1"/>
+            <a:r>
+              <a:rPr lang="en-US" dirty="0"/>
+              <a:t>Logistic Regression is simpler and less resource intensive</a:t>
+            </a:r>
+          </a:p>
+          <a:p>
+            <a:pPr lvl="1"/>
+            <a:r>
+              <a:rPr lang="en-US" dirty="0"/>
+              <a:t>Less likely to overfit data</a:t>
+            </a:r>
           </a:p>
         </p:txBody>
       </p:sp>

--- a/Presentation.pptx
+++ b/Presentation.pptx
@@ -1967,7 +1967,7 @@
           <a:p>
             <a:fld id="{73725B04-4458-4150-9CFF-8486B58F8074}" type="datetimeFigureOut">
               <a:rPr lang="en-US" smtClean="0"/>
-              <a:t>11/10/2019</a:t>
+              <a:t>11/11/2019</a:t>
             </a:fld>
             <a:endParaRPr lang="en-US"/>
           </a:p>
@@ -2593,7 +2593,7 @@
           <a:p>
             <a:fld id="{FBA2DA08-F561-4012-B600-F674700837C3}" type="datetimeFigureOut">
               <a:rPr lang="en-US" smtClean="0"/>
-              <a:t>11/10/2019</a:t>
+              <a:t>11/11/2019</a:t>
             </a:fld>
             <a:endParaRPr lang="en-US"/>
           </a:p>
@@ -2793,7 +2793,7 @@
           <a:p>
             <a:fld id="{FBA2DA08-F561-4012-B600-F674700837C3}" type="datetimeFigureOut">
               <a:rPr lang="en-US" smtClean="0"/>
-              <a:t>11/10/2019</a:t>
+              <a:t>11/11/2019</a:t>
             </a:fld>
             <a:endParaRPr lang="en-US"/>
           </a:p>
@@ -3003,7 +3003,7 @@
           <a:p>
             <a:fld id="{FBA2DA08-F561-4012-B600-F674700837C3}" type="datetimeFigureOut">
               <a:rPr lang="en-US" smtClean="0"/>
-              <a:t>11/10/2019</a:t>
+              <a:t>11/11/2019</a:t>
             </a:fld>
             <a:endParaRPr lang="en-US"/>
           </a:p>
@@ -3203,7 +3203,7 @@
           <a:p>
             <a:fld id="{FBA2DA08-F561-4012-B600-F674700837C3}" type="datetimeFigureOut">
               <a:rPr lang="en-US" smtClean="0"/>
-              <a:t>11/10/2019</a:t>
+              <a:t>11/11/2019</a:t>
             </a:fld>
             <a:endParaRPr lang="en-US"/>
           </a:p>
@@ -3479,7 +3479,7 @@
           <a:p>
             <a:fld id="{FBA2DA08-F561-4012-B600-F674700837C3}" type="datetimeFigureOut">
               <a:rPr lang="en-US" smtClean="0"/>
-              <a:t>11/10/2019</a:t>
+              <a:t>11/11/2019</a:t>
             </a:fld>
             <a:endParaRPr lang="en-US"/>
           </a:p>
@@ -3747,7 +3747,7 @@
           <a:p>
             <a:fld id="{FBA2DA08-F561-4012-B600-F674700837C3}" type="datetimeFigureOut">
               <a:rPr lang="en-US" smtClean="0"/>
-              <a:t>11/10/2019</a:t>
+              <a:t>11/11/2019</a:t>
             </a:fld>
             <a:endParaRPr lang="en-US"/>
           </a:p>
@@ -4162,7 +4162,7 @@
           <a:p>
             <a:fld id="{FBA2DA08-F561-4012-B600-F674700837C3}" type="datetimeFigureOut">
               <a:rPr lang="en-US" smtClean="0"/>
-              <a:t>11/10/2019</a:t>
+              <a:t>11/11/2019</a:t>
             </a:fld>
             <a:endParaRPr lang="en-US"/>
           </a:p>
@@ -4304,7 +4304,7 @@
           <a:p>
             <a:fld id="{FBA2DA08-F561-4012-B600-F674700837C3}" type="datetimeFigureOut">
               <a:rPr lang="en-US" smtClean="0"/>
-              <a:t>11/10/2019</a:t>
+              <a:t>11/11/2019</a:t>
             </a:fld>
             <a:endParaRPr lang="en-US"/>
           </a:p>
@@ -4417,7 +4417,7 @@
           <a:p>
             <a:fld id="{FBA2DA08-F561-4012-B600-F674700837C3}" type="datetimeFigureOut">
               <a:rPr lang="en-US" smtClean="0"/>
-              <a:t>11/10/2019</a:t>
+              <a:t>11/11/2019</a:t>
             </a:fld>
             <a:endParaRPr lang="en-US"/>
           </a:p>
@@ -4730,7 +4730,7 @@
           <a:p>
             <a:fld id="{FBA2DA08-F561-4012-B600-F674700837C3}" type="datetimeFigureOut">
               <a:rPr lang="en-US" smtClean="0"/>
-              <a:t>11/10/2019</a:t>
+              <a:t>11/11/2019</a:t>
             </a:fld>
             <a:endParaRPr lang="en-US"/>
           </a:p>
@@ -5019,7 +5019,7 @@
           <a:p>
             <a:fld id="{FBA2DA08-F561-4012-B600-F674700837C3}" type="datetimeFigureOut">
               <a:rPr lang="en-US" smtClean="0"/>
-              <a:t>11/10/2019</a:t>
+              <a:t>11/11/2019</a:t>
             </a:fld>
             <a:endParaRPr lang="en-US"/>
           </a:p>
@@ -5262,7 +5262,7 @@
           <a:p>
             <a:fld id="{FBA2DA08-F561-4012-B600-F674700837C3}" type="datetimeFigureOut">
               <a:rPr lang="en-US" smtClean="0"/>
-              <a:t>11/10/2019</a:t>
+              <a:t>11/11/2019</a:t>
             </a:fld>
             <a:endParaRPr lang="en-US"/>
           </a:p>
@@ -7074,6 +7074,88 @@
           </a:p>
         </p:txBody>
       </p:sp>
+      <p:pic>
+        <p:nvPicPr>
+          <p:cNvPr id="5" name="Picture 4" descr="A screenshot of a cell phone&#10;&#10;Description automatically generated">
+            <a:extLst>
+              <a:ext uri="{FF2B5EF4-FFF2-40B4-BE49-F238E27FC236}">
+                <a16:creationId xmlns:a16="http://schemas.microsoft.com/office/drawing/2014/main" id="{E4445D59-9E3F-4C18-B619-02DA0BBA69D9}"/>
+              </a:ext>
+            </a:extLst>
+          </p:cNvPr>
+          <p:cNvPicPr>
+            <a:picLocks noChangeAspect="1"/>
+          </p:cNvPicPr>
+          <p:nvPr/>
+        </p:nvPicPr>
+        <p:blipFill>
+          <a:blip r:embed="rId2">
+            <a:extLst>
+              <a:ext uri="{28A0092B-C50C-407E-A947-70E740481C1C}">
+                <a14:useLocalDpi xmlns:a14="http://schemas.microsoft.com/office/drawing/2010/main" val="0"/>
+              </a:ext>
+            </a:extLst>
+          </a:blip>
+          <a:stretch>
+            <a:fillRect/>
+          </a:stretch>
+        </p:blipFill>
+        <p:spPr>
+          <a:xfrm>
+            <a:off x="1816100" y="3686412"/>
+            <a:ext cx="3980186" cy="2960264"/>
+          </a:xfrm>
+          <a:prstGeom prst="rect">
+            <a:avLst/>
+          </a:prstGeom>
+          <a:ln>
+            <a:solidFill>
+              <a:schemeClr val="accent1"/>
+            </a:solidFill>
+          </a:ln>
+        </p:spPr>
+      </p:pic>
+      <p:pic>
+        <p:nvPicPr>
+          <p:cNvPr id="7" name="Picture 6" descr="A screenshot of a cell phone&#10;&#10;Description automatically generated">
+            <a:extLst>
+              <a:ext uri="{FF2B5EF4-FFF2-40B4-BE49-F238E27FC236}">
+                <a16:creationId xmlns:a16="http://schemas.microsoft.com/office/drawing/2014/main" id="{70E5D0F1-C82B-4EC0-B8B9-A73D890431C6}"/>
+              </a:ext>
+            </a:extLst>
+          </p:cNvPr>
+          <p:cNvPicPr>
+            <a:picLocks noChangeAspect="1"/>
+          </p:cNvPicPr>
+          <p:nvPr/>
+        </p:nvPicPr>
+        <p:blipFill>
+          <a:blip r:embed="rId3">
+            <a:extLst>
+              <a:ext uri="{28A0092B-C50C-407E-A947-70E740481C1C}">
+                <a14:useLocalDpi xmlns:a14="http://schemas.microsoft.com/office/drawing/2010/main" val="0"/>
+              </a:ext>
+            </a:extLst>
+          </a:blip>
+          <a:stretch>
+            <a:fillRect/>
+          </a:stretch>
+        </p:blipFill>
+        <p:spPr>
+          <a:xfrm>
+            <a:off x="6096000" y="3686412"/>
+            <a:ext cx="3980186" cy="2960264"/>
+          </a:xfrm>
+          <a:prstGeom prst="rect">
+            <a:avLst/>
+          </a:prstGeom>
+          <a:ln>
+            <a:solidFill>
+              <a:schemeClr val="accent1"/>
+            </a:solidFill>
+          </a:ln>
+        </p:spPr>
+      </p:pic>
     </p:spTree>
     <p:extLst>
       <p:ext uri="{BB962C8B-B14F-4D97-AF65-F5344CB8AC3E}">

--- a/Presentation.pptx
+++ b/Presentation.pptx
@@ -5,7 +5,7 @@
     <p:sldMasterId id="2147483660" r:id="rId1"/>
   </p:sldMasterIdLst>
   <p:notesMasterIdLst>
-    <p:notesMasterId r:id="rId15"/>
+    <p:notesMasterId r:id="rId16"/>
   </p:notesMasterIdLst>
   <p:sldIdLst>
     <p:sldId id="256" r:id="rId2"/>
@@ -16,11 +16,12 @@
     <p:sldId id="275" r:id="rId7"/>
     <p:sldId id="276" r:id="rId8"/>
     <p:sldId id="277" r:id="rId9"/>
-    <p:sldId id="278" r:id="rId10"/>
-    <p:sldId id="269" r:id="rId11"/>
-    <p:sldId id="279" r:id="rId12"/>
-    <p:sldId id="266" r:id="rId13"/>
-    <p:sldId id="273" r:id="rId14"/>
+    <p:sldId id="280" r:id="rId10"/>
+    <p:sldId id="278" r:id="rId11"/>
+    <p:sldId id="269" r:id="rId12"/>
+    <p:sldId id="279" r:id="rId13"/>
+    <p:sldId id="266" r:id="rId14"/>
+    <p:sldId id="273" r:id="rId15"/>
   </p:sldIdLst>
   <p:sldSz cx="12192000" cy="6858000"/>
   <p:notesSz cx="6858000" cy="9144000"/>
@@ -5935,6 +5936,788 @@
 </file>
 
 <file path=ppt/diagrams/colors6.xml><?xml version="1.0" encoding="utf-8"?>
+<dgm:colorsDef xmlns:dgm="http://schemas.openxmlformats.org/drawingml/2006/diagram" xmlns:a="http://schemas.openxmlformats.org/drawingml/2006/main" uniqueId="urn:microsoft.com/office/officeart/2005/8/colors/colorful2">
+  <dgm:title val=""/>
+  <dgm:desc val=""/>
+  <dgm:catLst>
+    <dgm:cat type="colorful" pri="10200"/>
+  </dgm:catLst>
+  <dgm:styleLbl name="node0">
+    <dgm:fillClrLst meth="repeat">
+      <a:schemeClr val="accent1"/>
+    </dgm:fillClrLst>
+    <dgm:linClrLst meth="repeat">
+      <a:schemeClr val="lt1"/>
+    </dgm:linClrLst>
+    <dgm:effectClrLst/>
+    <dgm:txLinClrLst/>
+    <dgm:txFillClrLst/>
+    <dgm:txEffectClrLst/>
+  </dgm:styleLbl>
+  <dgm:styleLbl name="node1">
+    <dgm:fillClrLst>
+      <a:schemeClr val="accent2"/>
+      <a:schemeClr val="accent3"/>
+    </dgm:fillClrLst>
+    <dgm:linClrLst meth="repeat">
+      <a:schemeClr val="lt1"/>
+    </dgm:linClrLst>
+    <dgm:effectClrLst/>
+    <dgm:txLinClrLst/>
+    <dgm:txFillClrLst/>
+    <dgm:txEffectClrLst/>
+  </dgm:styleLbl>
+  <dgm:styleLbl name="alignNode1">
+    <dgm:fillClrLst>
+      <a:schemeClr val="accent2"/>
+      <a:schemeClr val="accent3"/>
+    </dgm:fillClrLst>
+    <dgm:linClrLst>
+      <a:schemeClr val="accent2"/>
+      <a:schemeClr val="accent3"/>
+    </dgm:linClrLst>
+    <dgm:effectClrLst/>
+    <dgm:txLinClrLst/>
+    <dgm:txFillClrLst/>
+    <dgm:txEffectClrLst/>
+  </dgm:styleLbl>
+  <dgm:styleLbl name="lnNode1">
+    <dgm:fillClrLst>
+      <a:schemeClr val="accent2"/>
+      <a:schemeClr val="accent3"/>
+    </dgm:fillClrLst>
+    <dgm:linClrLst meth="repeat">
+      <a:schemeClr val="lt1"/>
+    </dgm:linClrLst>
+    <dgm:effectClrLst/>
+    <dgm:txLinClrLst/>
+    <dgm:txFillClrLst/>
+    <dgm:txEffectClrLst/>
+  </dgm:styleLbl>
+  <dgm:styleLbl name="vennNode1">
+    <dgm:fillClrLst>
+      <a:schemeClr val="accent2">
+        <a:alpha val="50000"/>
+      </a:schemeClr>
+      <a:schemeClr val="accent3">
+        <a:alpha val="50000"/>
+      </a:schemeClr>
+    </dgm:fillClrLst>
+    <dgm:linClrLst meth="repeat">
+      <a:schemeClr val="lt1"/>
+    </dgm:linClrLst>
+    <dgm:effectClrLst/>
+    <dgm:txLinClrLst/>
+    <dgm:txFillClrLst/>
+    <dgm:txEffectClrLst/>
+  </dgm:styleLbl>
+  <dgm:styleLbl name="node2">
+    <dgm:fillClrLst>
+      <a:schemeClr val="accent3"/>
+    </dgm:fillClrLst>
+    <dgm:linClrLst meth="repeat">
+      <a:schemeClr val="lt1"/>
+    </dgm:linClrLst>
+    <dgm:effectClrLst/>
+    <dgm:txLinClrLst/>
+    <dgm:txFillClrLst/>
+    <dgm:txEffectClrLst/>
+  </dgm:styleLbl>
+  <dgm:styleLbl name="node3">
+    <dgm:fillClrLst>
+      <a:schemeClr val="accent4"/>
+    </dgm:fillClrLst>
+    <dgm:linClrLst meth="repeat">
+      <a:schemeClr val="lt1"/>
+    </dgm:linClrLst>
+    <dgm:effectClrLst/>
+    <dgm:txLinClrLst/>
+    <dgm:txFillClrLst/>
+    <dgm:txEffectClrLst/>
+  </dgm:styleLbl>
+  <dgm:styleLbl name="node4">
+    <dgm:fillClrLst>
+      <a:schemeClr val="accent5"/>
+    </dgm:fillClrLst>
+    <dgm:linClrLst meth="repeat">
+      <a:schemeClr val="lt1"/>
+    </dgm:linClrLst>
+    <dgm:effectClrLst/>
+    <dgm:txLinClrLst/>
+    <dgm:txFillClrLst/>
+    <dgm:txEffectClrLst/>
+  </dgm:styleLbl>
+  <dgm:styleLbl name="fgImgPlace1">
+    <dgm:fillClrLst>
+      <a:schemeClr val="accent2">
+        <a:tint val="50000"/>
+      </a:schemeClr>
+      <a:schemeClr val="accent3">
+        <a:tint val="50000"/>
+      </a:schemeClr>
+    </dgm:fillClrLst>
+    <dgm:linClrLst meth="repeat">
+      <a:schemeClr val="lt1"/>
+    </dgm:linClrLst>
+    <dgm:effectClrLst/>
+    <dgm:txLinClrLst/>
+    <dgm:txFillClrLst meth="repeat">
+      <a:schemeClr val="lt1"/>
+    </dgm:txFillClrLst>
+    <dgm:txEffectClrLst/>
+  </dgm:styleLbl>
+  <dgm:styleLbl name="alignImgPlace1">
+    <dgm:fillClrLst>
+      <a:schemeClr val="accent2">
+        <a:tint val="50000"/>
+      </a:schemeClr>
+      <a:schemeClr val="accent3">
+        <a:tint val="20000"/>
+      </a:schemeClr>
+    </dgm:fillClrLst>
+    <dgm:linClrLst meth="repeat">
+      <a:schemeClr val="lt1"/>
+    </dgm:linClrLst>
+    <dgm:effectClrLst/>
+    <dgm:txLinClrLst/>
+    <dgm:txFillClrLst meth="repeat">
+      <a:schemeClr val="lt1"/>
+    </dgm:txFillClrLst>
+    <dgm:txEffectClrLst/>
+  </dgm:styleLbl>
+  <dgm:styleLbl name="bgImgPlace1">
+    <dgm:fillClrLst>
+      <a:schemeClr val="accent2">
+        <a:tint val="50000"/>
+      </a:schemeClr>
+      <a:schemeClr val="accent3">
+        <a:tint val="20000"/>
+      </a:schemeClr>
+    </dgm:fillClrLst>
+    <dgm:linClrLst meth="repeat">
+      <a:schemeClr val="lt1"/>
+    </dgm:linClrLst>
+    <dgm:effectClrLst/>
+    <dgm:txLinClrLst/>
+    <dgm:txFillClrLst meth="repeat">
+      <a:schemeClr val="lt1"/>
+    </dgm:txFillClrLst>
+    <dgm:txEffectClrLst/>
+  </dgm:styleLbl>
+  <dgm:styleLbl name="sibTrans2D1">
+    <dgm:fillClrLst>
+      <a:schemeClr val="accent2"/>
+      <a:schemeClr val="accent3"/>
+    </dgm:fillClrLst>
+    <dgm:linClrLst meth="repeat">
+      <a:schemeClr val="lt1"/>
+    </dgm:linClrLst>
+    <dgm:effectClrLst/>
+    <dgm:txLinClrLst/>
+    <dgm:txFillClrLst/>
+    <dgm:txEffectClrLst/>
+  </dgm:styleLbl>
+  <dgm:styleLbl name="fgSibTrans2D1">
+    <dgm:fillClrLst>
+      <a:schemeClr val="accent2"/>
+      <a:schemeClr val="accent3"/>
+    </dgm:fillClrLst>
+    <dgm:linClrLst meth="repeat">
+      <a:schemeClr val="lt1"/>
+    </dgm:linClrLst>
+    <dgm:effectClrLst/>
+    <dgm:txLinClrLst/>
+    <dgm:txFillClrLst meth="repeat">
+      <a:schemeClr val="lt1"/>
+    </dgm:txFillClrLst>
+    <dgm:txEffectClrLst/>
+  </dgm:styleLbl>
+  <dgm:styleLbl name="bgSibTrans2D1">
+    <dgm:fillClrLst>
+      <a:schemeClr val="accent2"/>
+      <a:schemeClr val="accent3"/>
+    </dgm:fillClrLst>
+    <dgm:linClrLst meth="repeat">
+      <a:schemeClr val="lt1"/>
+    </dgm:linClrLst>
+    <dgm:effectClrLst/>
+    <dgm:txLinClrLst/>
+    <dgm:txFillClrLst meth="repeat">
+      <a:schemeClr val="lt1"/>
+    </dgm:txFillClrLst>
+    <dgm:txEffectClrLst/>
+  </dgm:styleLbl>
+  <dgm:styleLbl name="sibTrans1D1">
+    <dgm:fillClrLst/>
+    <dgm:linClrLst>
+      <a:schemeClr val="accent2"/>
+      <a:schemeClr val="accent3"/>
+    </dgm:linClrLst>
+    <dgm:effectClrLst/>
+    <dgm:txLinClrLst/>
+    <dgm:txFillClrLst meth="repeat">
+      <a:schemeClr val="tx1"/>
+    </dgm:txFillClrLst>
+    <dgm:txEffectClrLst/>
+  </dgm:styleLbl>
+  <dgm:styleLbl name="callout">
+    <dgm:fillClrLst meth="repeat">
+      <a:schemeClr val="accent2"/>
+    </dgm:fillClrLst>
+    <dgm:linClrLst meth="repeat">
+      <a:schemeClr val="accent2">
+        <a:tint val="50000"/>
+      </a:schemeClr>
+    </dgm:linClrLst>
+    <dgm:effectClrLst/>
+    <dgm:txLinClrLst/>
+    <dgm:txFillClrLst meth="repeat">
+      <a:schemeClr val="tx1"/>
+    </dgm:txFillClrLst>
+    <dgm:txEffectClrLst/>
+  </dgm:styleLbl>
+  <dgm:styleLbl name="asst0">
+    <dgm:fillClrLst meth="repeat">
+      <a:schemeClr val="accent2"/>
+    </dgm:fillClrLst>
+    <dgm:linClrLst meth="repeat">
+      <a:schemeClr val="lt1">
+        <a:shade val="80000"/>
+      </a:schemeClr>
+    </dgm:linClrLst>
+    <dgm:effectClrLst/>
+    <dgm:txLinClrLst/>
+    <dgm:txFillClrLst/>
+    <dgm:txEffectClrLst/>
+  </dgm:styleLbl>
+  <dgm:styleLbl name="asst1">
+    <dgm:fillClrLst meth="repeat">
+      <a:schemeClr val="accent3"/>
+    </dgm:fillClrLst>
+    <dgm:linClrLst meth="repeat">
+      <a:schemeClr val="lt1">
+        <a:shade val="80000"/>
+      </a:schemeClr>
+    </dgm:linClrLst>
+    <dgm:effectClrLst/>
+    <dgm:txLinClrLst/>
+    <dgm:txFillClrLst/>
+    <dgm:txEffectClrLst/>
+  </dgm:styleLbl>
+  <dgm:styleLbl name="asst2">
+    <dgm:fillClrLst>
+      <a:schemeClr val="accent4"/>
+    </dgm:fillClrLst>
+    <dgm:linClrLst meth="repeat">
+      <a:schemeClr val="lt1"/>
+    </dgm:linClrLst>
+    <dgm:effectClrLst/>
+    <dgm:txLinClrLst/>
+    <dgm:txFillClrLst/>
+    <dgm:txEffectClrLst/>
+  </dgm:styleLbl>
+  <dgm:styleLbl name="asst3">
+    <dgm:fillClrLst>
+      <a:schemeClr val="accent5"/>
+    </dgm:fillClrLst>
+    <dgm:linClrLst meth="repeat">
+      <a:schemeClr val="lt1"/>
+    </dgm:linClrLst>
+    <dgm:effectClrLst/>
+    <dgm:txLinClrLst/>
+    <dgm:txFillClrLst/>
+    <dgm:txEffectClrLst/>
+  </dgm:styleLbl>
+  <dgm:styleLbl name="asst4">
+    <dgm:fillClrLst>
+      <a:schemeClr val="accent6"/>
+    </dgm:fillClrLst>
+    <dgm:linClrLst meth="repeat">
+      <a:schemeClr val="lt1"/>
+    </dgm:linClrLst>
+    <dgm:effectClrLst/>
+    <dgm:txLinClrLst/>
+    <dgm:txFillClrLst/>
+    <dgm:txEffectClrLst/>
+  </dgm:styleLbl>
+  <dgm:styleLbl name="parChTrans2D1">
+    <dgm:fillClrLst meth="repeat">
+      <a:schemeClr val="accent2"/>
+    </dgm:fillClrLst>
+    <dgm:linClrLst meth="repeat">
+      <a:schemeClr val="lt1"/>
+    </dgm:linClrLst>
+    <dgm:effectClrLst/>
+    <dgm:txLinClrLst/>
+    <dgm:txFillClrLst meth="repeat">
+      <a:schemeClr val="lt1"/>
+    </dgm:txFillClrLst>
+    <dgm:txEffectClrLst/>
+  </dgm:styleLbl>
+  <dgm:styleLbl name="parChTrans2D2">
+    <dgm:fillClrLst meth="repeat">
+      <a:schemeClr val="accent3"/>
+    </dgm:fillClrLst>
+    <dgm:linClrLst meth="repeat">
+      <a:schemeClr val="lt1"/>
+    </dgm:linClrLst>
+    <dgm:effectClrLst/>
+    <dgm:txLinClrLst/>
+    <dgm:txFillClrLst/>
+    <dgm:txEffectClrLst/>
+  </dgm:styleLbl>
+  <dgm:styleLbl name="parChTrans2D3">
+    <dgm:fillClrLst meth="repeat">
+      <a:schemeClr val="accent4"/>
+    </dgm:fillClrLst>
+    <dgm:linClrLst meth="repeat">
+      <a:schemeClr val="lt1"/>
+    </dgm:linClrLst>
+    <dgm:effectClrLst/>
+    <dgm:txLinClrLst/>
+    <dgm:txFillClrLst/>
+    <dgm:txEffectClrLst/>
+  </dgm:styleLbl>
+  <dgm:styleLbl name="parChTrans2D4">
+    <dgm:fillClrLst meth="repeat">
+      <a:schemeClr val="accent5"/>
+    </dgm:fillClrLst>
+    <dgm:linClrLst meth="repeat">
+      <a:schemeClr val="lt1"/>
+    </dgm:linClrLst>
+    <dgm:effectClrLst/>
+    <dgm:txLinClrLst/>
+    <dgm:txFillClrLst meth="repeat">
+      <a:schemeClr val="lt1"/>
+    </dgm:txFillClrLst>
+    <dgm:txEffectClrLst/>
+  </dgm:styleLbl>
+  <dgm:styleLbl name="parChTrans1D1">
+    <dgm:fillClrLst meth="repeat">
+      <a:schemeClr val="accent2"/>
+    </dgm:fillClrLst>
+    <dgm:linClrLst meth="repeat">
+      <a:schemeClr val="accent2"/>
+    </dgm:linClrLst>
+    <dgm:effectClrLst/>
+    <dgm:txLinClrLst/>
+    <dgm:txFillClrLst meth="repeat">
+      <a:schemeClr val="tx1"/>
+    </dgm:txFillClrLst>
+    <dgm:txEffectClrLst/>
+  </dgm:styleLbl>
+  <dgm:styleLbl name="parChTrans1D2">
+    <dgm:fillClrLst meth="repeat">
+      <a:schemeClr val="accent2">
+        <a:tint val="90000"/>
+      </a:schemeClr>
+    </dgm:fillClrLst>
+    <dgm:linClrLst meth="repeat">
+      <a:schemeClr val="accent3"/>
+    </dgm:linClrLst>
+    <dgm:effectClrLst/>
+    <dgm:txLinClrLst/>
+    <dgm:txFillClrLst meth="repeat">
+      <a:schemeClr val="tx1"/>
+    </dgm:txFillClrLst>
+    <dgm:txEffectClrLst/>
+  </dgm:styleLbl>
+  <dgm:styleLbl name="parChTrans1D3">
+    <dgm:fillClrLst meth="repeat">
+      <a:schemeClr val="accent2">
+        <a:tint val="70000"/>
+      </a:schemeClr>
+    </dgm:fillClrLst>
+    <dgm:linClrLst meth="repeat">
+      <a:schemeClr val="accent4"/>
+    </dgm:linClrLst>
+    <dgm:effectClrLst/>
+    <dgm:txLinClrLst/>
+    <dgm:txFillClrLst meth="repeat">
+      <a:schemeClr val="tx1"/>
+    </dgm:txFillClrLst>
+    <dgm:txEffectClrLst/>
+  </dgm:styleLbl>
+  <dgm:styleLbl name="parChTrans1D4">
+    <dgm:fillClrLst meth="repeat">
+      <a:schemeClr val="accent2">
+        <a:tint val="50000"/>
+      </a:schemeClr>
+    </dgm:fillClrLst>
+    <dgm:linClrLst meth="repeat">
+      <a:schemeClr val="accent5"/>
+    </dgm:linClrLst>
+    <dgm:effectClrLst/>
+    <dgm:txLinClrLst/>
+    <dgm:txFillClrLst meth="repeat">
+      <a:schemeClr val="tx1"/>
+    </dgm:txFillClrLst>
+    <dgm:txEffectClrLst/>
+  </dgm:styleLbl>
+  <dgm:styleLbl name="fgAcc1">
+    <dgm:fillClrLst meth="repeat">
+      <a:schemeClr val="lt1">
+        <a:alpha val="90000"/>
+      </a:schemeClr>
+    </dgm:fillClrLst>
+    <dgm:linClrLst>
+      <a:schemeClr val="accent2"/>
+      <a:schemeClr val="accent3"/>
+    </dgm:linClrLst>
+    <dgm:effectClrLst/>
+    <dgm:txLinClrLst/>
+    <dgm:txFillClrLst meth="repeat">
+      <a:schemeClr val="dk1"/>
+    </dgm:txFillClrLst>
+    <dgm:txEffectClrLst/>
+  </dgm:styleLbl>
+  <dgm:styleLbl name="conFgAcc1">
+    <dgm:fillClrLst meth="repeat">
+      <a:schemeClr val="lt1">
+        <a:alpha val="90000"/>
+      </a:schemeClr>
+    </dgm:fillClrLst>
+    <dgm:linClrLst>
+      <a:schemeClr val="accent2"/>
+      <a:schemeClr val="accent3"/>
+    </dgm:linClrLst>
+    <dgm:effectClrLst/>
+    <dgm:txLinClrLst/>
+    <dgm:txFillClrLst meth="repeat">
+      <a:schemeClr val="dk1"/>
+    </dgm:txFillClrLst>
+    <dgm:txEffectClrLst/>
+  </dgm:styleLbl>
+  <dgm:styleLbl name="alignAcc1">
+    <dgm:fillClrLst meth="repeat">
+      <a:schemeClr val="lt1">
+        <a:alpha val="90000"/>
+      </a:schemeClr>
+    </dgm:fillClrLst>
+    <dgm:linClrLst>
+      <a:schemeClr val="accent2"/>
+      <a:schemeClr val="accent3"/>
+    </dgm:linClrLst>
+    <dgm:effectClrLst/>
+    <dgm:txLinClrLst/>
+    <dgm:txFillClrLst meth="repeat">
+      <a:schemeClr val="dk1"/>
+    </dgm:txFillClrLst>
+    <dgm:txEffectClrLst/>
+  </dgm:styleLbl>
+  <dgm:styleLbl name="trAlignAcc1">
+    <dgm:fillClrLst meth="repeat">
+      <a:schemeClr val="lt1">
+        <a:alpha val="40000"/>
+      </a:schemeClr>
+    </dgm:fillClrLst>
+    <dgm:linClrLst meth="repeat">
+      <a:schemeClr val="accent2"/>
+    </dgm:linClrLst>
+    <dgm:effectClrLst/>
+    <dgm:txLinClrLst/>
+    <dgm:txFillClrLst meth="repeat">
+      <a:schemeClr val="dk1"/>
+    </dgm:txFillClrLst>
+    <dgm:txEffectClrLst/>
+  </dgm:styleLbl>
+  <dgm:styleLbl name="bgAcc1">
+    <dgm:fillClrLst meth="repeat">
+      <a:schemeClr val="lt1">
+        <a:alpha val="90000"/>
+      </a:schemeClr>
+    </dgm:fillClrLst>
+    <dgm:linClrLst>
+      <a:schemeClr val="accent2"/>
+      <a:schemeClr val="accent3"/>
+    </dgm:linClrLst>
+    <dgm:effectClrLst/>
+    <dgm:txLinClrLst/>
+    <dgm:txFillClrLst meth="repeat">
+      <a:schemeClr val="dk1"/>
+    </dgm:txFillClrLst>
+    <dgm:txEffectClrLst/>
+  </dgm:styleLbl>
+  <dgm:styleLbl name="solidFgAcc1">
+    <dgm:fillClrLst meth="repeat">
+      <a:schemeClr val="lt1"/>
+    </dgm:fillClrLst>
+    <dgm:linClrLst>
+      <a:schemeClr val="accent2"/>
+      <a:schemeClr val="accent3"/>
+    </dgm:linClrLst>
+    <dgm:effectClrLst/>
+    <dgm:txLinClrLst/>
+    <dgm:txFillClrLst meth="repeat">
+      <a:schemeClr val="dk1"/>
+    </dgm:txFillClrLst>
+    <dgm:txEffectClrLst/>
+  </dgm:styleLbl>
+  <dgm:styleLbl name="solidAlignAcc1">
+    <dgm:fillClrLst meth="repeat">
+      <a:schemeClr val="lt1"/>
+    </dgm:fillClrLst>
+    <dgm:linClrLst>
+      <a:schemeClr val="accent2"/>
+      <a:schemeClr val="accent3"/>
+    </dgm:linClrLst>
+    <dgm:effectClrLst/>
+    <dgm:txLinClrLst/>
+    <dgm:txFillClrLst meth="repeat">
+      <a:schemeClr val="dk1"/>
+    </dgm:txFillClrLst>
+    <dgm:txEffectClrLst/>
+  </dgm:styleLbl>
+  <dgm:styleLbl name="solidBgAcc1">
+    <dgm:fillClrLst meth="repeat">
+      <a:schemeClr val="lt1"/>
+    </dgm:fillClrLst>
+    <dgm:linClrLst>
+      <a:schemeClr val="accent2"/>
+      <a:schemeClr val="accent3"/>
+    </dgm:linClrLst>
+    <dgm:effectClrLst/>
+    <dgm:txLinClrLst/>
+    <dgm:txFillClrLst meth="repeat">
+      <a:schemeClr val="dk1"/>
+    </dgm:txFillClrLst>
+    <dgm:txEffectClrLst/>
+  </dgm:styleLbl>
+  <dgm:styleLbl name="fgAccFollowNode1">
+    <dgm:fillClrLst>
+      <a:schemeClr val="accent2">
+        <a:tint val="40000"/>
+        <a:alpha val="90000"/>
+      </a:schemeClr>
+      <a:schemeClr val="accent3">
+        <a:tint val="40000"/>
+        <a:alpha val="90000"/>
+      </a:schemeClr>
+    </dgm:fillClrLst>
+    <dgm:linClrLst>
+      <a:schemeClr val="accent2">
+        <a:tint val="40000"/>
+        <a:alpha val="90000"/>
+      </a:schemeClr>
+      <a:schemeClr val="accent3">
+        <a:tint val="40000"/>
+        <a:alpha val="90000"/>
+      </a:schemeClr>
+    </dgm:linClrLst>
+    <dgm:effectClrLst/>
+    <dgm:txLinClrLst/>
+    <dgm:txFillClrLst meth="repeat">
+      <a:schemeClr val="dk1"/>
+    </dgm:txFillClrLst>
+    <dgm:txEffectClrLst/>
+  </dgm:styleLbl>
+  <dgm:styleLbl name="alignAccFollowNode1">
+    <dgm:fillClrLst>
+      <a:schemeClr val="accent2">
+        <a:tint val="40000"/>
+        <a:alpha val="90000"/>
+      </a:schemeClr>
+      <a:schemeClr val="accent3">
+        <a:tint val="40000"/>
+        <a:alpha val="90000"/>
+      </a:schemeClr>
+    </dgm:fillClrLst>
+    <dgm:linClrLst>
+      <a:schemeClr val="accent2">
+        <a:tint val="40000"/>
+        <a:alpha val="90000"/>
+      </a:schemeClr>
+      <a:schemeClr val="accent3">
+        <a:tint val="40000"/>
+        <a:alpha val="90000"/>
+      </a:schemeClr>
+    </dgm:linClrLst>
+    <dgm:effectClrLst/>
+    <dgm:txLinClrLst/>
+    <dgm:txFillClrLst meth="repeat">
+      <a:schemeClr val="dk1"/>
+    </dgm:txFillClrLst>
+    <dgm:txEffectClrLst/>
+  </dgm:styleLbl>
+  <dgm:styleLbl name="bgAccFollowNode1">
+    <dgm:fillClrLst>
+      <a:schemeClr val="accent2">
+        <a:tint val="40000"/>
+        <a:alpha val="90000"/>
+      </a:schemeClr>
+      <a:schemeClr val="accent3">
+        <a:tint val="40000"/>
+        <a:alpha val="90000"/>
+      </a:schemeClr>
+    </dgm:fillClrLst>
+    <dgm:linClrLst>
+      <a:schemeClr val="accent2">
+        <a:tint val="40000"/>
+        <a:alpha val="90000"/>
+      </a:schemeClr>
+      <a:schemeClr val="accent3">
+        <a:tint val="40000"/>
+        <a:alpha val="90000"/>
+      </a:schemeClr>
+    </dgm:linClrLst>
+    <dgm:effectClrLst/>
+    <dgm:txLinClrLst/>
+    <dgm:txFillClrLst meth="repeat">
+      <a:schemeClr val="dk1"/>
+    </dgm:txFillClrLst>
+    <dgm:txEffectClrLst/>
+  </dgm:styleLbl>
+  <dgm:styleLbl name="fgAcc0">
+    <dgm:fillClrLst meth="repeat">
+      <a:schemeClr val="lt1">
+        <a:alpha val="90000"/>
+      </a:schemeClr>
+    </dgm:fillClrLst>
+    <dgm:linClrLst>
+      <a:schemeClr val="accent1"/>
+    </dgm:linClrLst>
+    <dgm:effectClrLst/>
+    <dgm:txLinClrLst/>
+    <dgm:txFillClrLst meth="repeat">
+      <a:schemeClr val="dk1"/>
+    </dgm:txFillClrLst>
+    <dgm:txEffectClrLst/>
+  </dgm:styleLbl>
+  <dgm:styleLbl name="fgAcc2">
+    <dgm:fillClrLst meth="repeat">
+      <a:schemeClr val="lt1">
+        <a:alpha val="90000"/>
+      </a:schemeClr>
+    </dgm:fillClrLst>
+    <dgm:linClrLst>
+      <a:schemeClr val="accent3"/>
+    </dgm:linClrLst>
+    <dgm:effectClrLst/>
+    <dgm:txLinClrLst/>
+    <dgm:txFillClrLst meth="repeat">
+      <a:schemeClr val="dk1"/>
+    </dgm:txFillClrLst>
+    <dgm:txEffectClrLst/>
+  </dgm:styleLbl>
+  <dgm:styleLbl name="fgAcc3">
+    <dgm:fillClrLst meth="repeat">
+      <a:schemeClr val="lt1">
+        <a:alpha val="90000"/>
+      </a:schemeClr>
+    </dgm:fillClrLst>
+    <dgm:linClrLst>
+      <a:schemeClr val="accent4"/>
+    </dgm:linClrLst>
+    <dgm:effectClrLst/>
+    <dgm:txLinClrLst/>
+    <dgm:txFillClrLst meth="repeat">
+      <a:schemeClr val="dk1"/>
+    </dgm:txFillClrLst>
+    <dgm:txEffectClrLst/>
+  </dgm:styleLbl>
+  <dgm:styleLbl name="fgAcc4">
+    <dgm:fillClrLst meth="repeat">
+      <a:schemeClr val="lt1">
+        <a:alpha val="90000"/>
+      </a:schemeClr>
+    </dgm:fillClrLst>
+    <dgm:linClrLst>
+      <a:schemeClr val="accent5"/>
+    </dgm:linClrLst>
+    <dgm:effectClrLst/>
+    <dgm:txLinClrLst/>
+    <dgm:txFillClrLst meth="repeat">
+      <a:schemeClr val="dk1"/>
+    </dgm:txFillClrLst>
+    <dgm:txEffectClrLst/>
+  </dgm:styleLbl>
+  <dgm:styleLbl name="bgShp">
+    <dgm:fillClrLst meth="repeat">
+      <a:schemeClr val="accent2">
+        <a:tint val="40000"/>
+      </a:schemeClr>
+    </dgm:fillClrLst>
+    <dgm:linClrLst meth="repeat">
+      <a:schemeClr val="dk1"/>
+    </dgm:linClrLst>
+    <dgm:effectClrLst/>
+    <dgm:txLinClrLst/>
+    <dgm:txFillClrLst meth="repeat">
+      <a:schemeClr val="dk1"/>
+    </dgm:txFillClrLst>
+    <dgm:txEffectClrLst/>
+  </dgm:styleLbl>
+  <dgm:styleLbl name="dkBgShp">
+    <dgm:fillClrLst meth="repeat">
+      <a:schemeClr val="accent2">
+        <a:shade val="90000"/>
+      </a:schemeClr>
+    </dgm:fillClrLst>
+    <dgm:linClrLst meth="repeat">
+      <a:schemeClr val="dk1"/>
+    </dgm:linClrLst>
+    <dgm:effectClrLst/>
+    <dgm:txLinClrLst/>
+    <dgm:txFillClrLst meth="repeat">
+      <a:schemeClr val="lt1"/>
+    </dgm:txFillClrLst>
+    <dgm:txEffectClrLst/>
+  </dgm:styleLbl>
+  <dgm:styleLbl name="trBgShp">
+    <dgm:fillClrLst meth="repeat">
+      <a:schemeClr val="accent2">
+        <a:tint val="50000"/>
+        <a:alpha val="40000"/>
+      </a:schemeClr>
+    </dgm:fillClrLst>
+    <dgm:linClrLst meth="repeat">
+      <a:schemeClr val="accent2"/>
+    </dgm:linClrLst>
+    <dgm:effectClrLst/>
+    <dgm:txLinClrLst/>
+    <dgm:txFillClrLst meth="repeat">
+      <a:schemeClr val="lt1"/>
+    </dgm:txFillClrLst>
+    <dgm:txEffectClrLst/>
+  </dgm:styleLbl>
+  <dgm:styleLbl name="fgShp">
+    <dgm:fillClrLst meth="repeat">
+      <a:schemeClr val="accent2">
+        <a:tint val="40000"/>
+      </a:schemeClr>
+    </dgm:fillClrLst>
+    <dgm:linClrLst meth="repeat">
+      <a:schemeClr val="lt1"/>
+    </dgm:linClrLst>
+    <dgm:effectClrLst/>
+    <dgm:txLinClrLst/>
+    <dgm:txFillClrLst meth="repeat">
+      <a:schemeClr val="dk1"/>
+    </dgm:txFillClrLst>
+    <dgm:txEffectClrLst/>
+  </dgm:styleLbl>
+  <dgm:styleLbl name="revTx">
+    <dgm:fillClrLst meth="repeat">
+      <a:schemeClr val="lt1">
+        <a:alpha val="0"/>
+      </a:schemeClr>
+    </dgm:fillClrLst>
+    <dgm:linClrLst meth="repeat">
+      <a:schemeClr val="dk1">
+        <a:alpha val="0"/>
+      </a:schemeClr>
+    </dgm:linClrLst>
+    <dgm:effectClrLst/>
+    <dgm:txLinClrLst/>
+    <dgm:txFillClrLst meth="repeat">
+      <a:schemeClr val="tx1"/>
+    </dgm:txFillClrLst>
+    <dgm:txEffectClrLst/>
+  </dgm:styleLbl>
+</dgm:colorsDef>
+</file>
+
+<file path=ppt/diagrams/colors7.xml><?xml version="1.0" encoding="utf-8"?>
 <dgm:colorsDef xmlns:dgm="http://schemas.openxmlformats.org/drawingml/2006/diagram" xmlns:a="http://schemas.openxmlformats.org/drawingml/2006/main" uniqueId="urn:microsoft.com/office/officeart/2005/8/colors/colorful2">
   <dgm:title val=""/>
   <dgm:desc val=""/>
@@ -7856,6 +8639,483 @@
 <file path=ppt/diagrams/data4.xml><?xml version="1.0" encoding="utf-8"?>
 <dgm:dataModel xmlns:dgm="http://schemas.openxmlformats.org/drawingml/2006/diagram" xmlns:a="http://schemas.openxmlformats.org/drawingml/2006/main">
   <dgm:ptLst>
+    <dgm:pt modelId="{B8FDDA35-78CB-4101-98B5-BB8EA10A3CBC}" type="doc">
+      <dgm:prSet loTypeId="urn:microsoft.com/office/officeart/2005/8/layout/vList5" loCatId="list" qsTypeId="urn:microsoft.com/office/officeart/2005/8/quickstyle/simple1" qsCatId="simple" csTypeId="urn:microsoft.com/office/officeart/2005/8/colors/colorful2" csCatId="colorful" phldr="1"/>
+      <dgm:spPr/>
+      <dgm:t>
+        <a:bodyPr/>
+        <a:lstStyle/>
+        <a:p>
+          <a:endParaRPr lang="en-US"/>
+        </a:p>
+      </dgm:t>
+    </dgm:pt>
+    <dgm:pt modelId="{6AC3D095-5DFE-415A-A934-935527597637}">
+      <dgm:prSet/>
+      <dgm:spPr/>
+      <dgm:t>
+        <a:bodyPr/>
+        <a:lstStyle/>
+        <a:p>
+          <a:r>
+            <a:rPr lang="en-US" dirty="0"/>
+            <a:t>Alpha = 0.031</a:t>
+          </a:r>
+        </a:p>
+      </dgm:t>
+    </dgm:pt>
+    <dgm:pt modelId="{FF95B982-9EB7-4DA4-BB35-EEB27A2E947A}" type="parTrans" cxnId="{DAC0774A-DD71-447D-9D9B-B53167CC737A}">
+      <dgm:prSet/>
+      <dgm:spPr/>
+      <dgm:t>
+        <a:bodyPr/>
+        <a:lstStyle/>
+        <a:p>
+          <a:endParaRPr lang="en-US"/>
+        </a:p>
+      </dgm:t>
+    </dgm:pt>
+    <dgm:pt modelId="{C088D78A-91A4-4B33-909D-9B22E4A5C80D}" type="sibTrans" cxnId="{DAC0774A-DD71-447D-9D9B-B53167CC737A}">
+      <dgm:prSet/>
+      <dgm:spPr/>
+      <dgm:t>
+        <a:bodyPr/>
+        <a:lstStyle/>
+        <a:p>
+          <a:endParaRPr lang="en-US"/>
+        </a:p>
+      </dgm:t>
+    </dgm:pt>
+    <dgm:pt modelId="{5D27B477-9C5E-41CB-962A-D8FC7BBE5185}">
+      <dgm:prSet/>
+      <dgm:spPr/>
+      <dgm:t>
+        <a:bodyPr/>
+        <a:lstStyle/>
+        <a:p>
+          <a:r>
+            <a:rPr lang="en-US" dirty="0"/>
+            <a:t>Constant that multiplies the L1 term</a:t>
+          </a:r>
+        </a:p>
+      </dgm:t>
+    </dgm:pt>
+    <dgm:pt modelId="{352D04C3-FFBC-48F2-9BAE-14EC0FF4DD79}" type="parTrans" cxnId="{E9576FB1-6789-4D8F-A649-7B5F8532AA64}">
+      <dgm:prSet/>
+      <dgm:spPr/>
+      <dgm:t>
+        <a:bodyPr/>
+        <a:lstStyle/>
+        <a:p>
+          <a:endParaRPr lang="en-US"/>
+        </a:p>
+      </dgm:t>
+    </dgm:pt>
+    <dgm:pt modelId="{07ED7F11-47B4-40FC-973D-261205971E8D}" type="sibTrans" cxnId="{E9576FB1-6789-4D8F-A649-7B5F8532AA64}">
+      <dgm:prSet/>
+      <dgm:spPr/>
+      <dgm:t>
+        <a:bodyPr/>
+        <a:lstStyle/>
+        <a:p>
+          <a:endParaRPr lang="en-US"/>
+        </a:p>
+      </dgm:t>
+    </dgm:pt>
+    <dgm:pt modelId="{07F52ADF-62E0-4354-9531-6ED965911416}">
+      <dgm:prSet/>
+      <dgm:spPr/>
+      <dgm:t>
+        <a:bodyPr/>
+        <a:lstStyle/>
+        <a:p>
+          <a:r>
+            <a:rPr lang="en-US" dirty="0"/>
+            <a:t>Tol = 0.01</a:t>
+          </a:r>
+        </a:p>
+      </dgm:t>
+    </dgm:pt>
+    <dgm:pt modelId="{4D2CBEC2-5400-4E14-A009-7774EBD74DFE}" type="parTrans" cxnId="{1D4B6F3E-CABE-4360-8753-C406CD82F416}">
+      <dgm:prSet/>
+      <dgm:spPr/>
+      <dgm:t>
+        <a:bodyPr/>
+        <a:lstStyle/>
+        <a:p>
+          <a:endParaRPr lang="en-US"/>
+        </a:p>
+      </dgm:t>
+    </dgm:pt>
+    <dgm:pt modelId="{B4C1A31E-4061-4A3F-8F95-8740B7F8E13E}" type="sibTrans" cxnId="{1D4B6F3E-CABE-4360-8753-C406CD82F416}">
+      <dgm:prSet/>
+      <dgm:spPr/>
+      <dgm:t>
+        <a:bodyPr/>
+        <a:lstStyle/>
+        <a:p>
+          <a:endParaRPr lang="en-US"/>
+        </a:p>
+      </dgm:t>
+    </dgm:pt>
+    <dgm:pt modelId="{B9C47E92-8921-4424-A55D-38F615131548}">
+      <dgm:prSet/>
+      <dgm:spPr/>
+      <dgm:t>
+        <a:bodyPr/>
+        <a:lstStyle/>
+        <a:p>
+          <a:r>
+            <a:rPr lang="en-US" dirty="0"/>
+            <a:t>Sets the tolerance for the optimization</a:t>
+          </a:r>
+        </a:p>
+      </dgm:t>
+    </dgm:pt>
+    <dgm:pt modelId="{D82A3C91-7E6D-4A19-A278-A419A3DB5B2F}" type="parTrans" cxnId="{B7B8EF18-0AB1-44B9-A15A-223414ECF3BB}">
+      <dgm:prSet/>
+      <dgm:spPr/>
+      <dgm:t>
+        <a:bodyPr/>
+        <a:lstStyle/>
+        <a:p>
+          <a:endParaRPr lang="en-US"/>
+        </a:p>
+      </dgm:t>
+    </dgm:pt>
+    <dgm:pt modelId="{4A3469C3-6988-4C05-BB39-A31143169AA5}" type="sibTrans" cxnId="{B7B8EF18-0AB1-44B9-A15A-223414ECF3BB}">
+      <dgm:prSet/>
+      <dgm:spPr/>
+      <dgm:t>
+        <a:bodyPr/>
+        <a:lstStyle/>
+        <a:p>
+          <a:endParaRPr lang="en-US"/>
+        </a:p>
+      </dgm:t>
+    </dgm:pt>
+    <dgm:pt modelId="{C13F27BA-4C05-4A90-B4C9-D5CFCC2EFC56}">
+      <dgm:prSet/>
+      <dgm:spPr/>
+      <dgm:t>
+        <a:bodyPr/>
+        <a:lstStyle/>
+        <a:p>
+          <a:r>
+            <a:rPr lang="en-US" dirty="0"/>
+            <a:t>Random State = 4</a:t>
+          </a:r>
+        </a:p>
+      </dgm:t>
+    </dgm:pt>
+    <dgm:pt modelId="{3A5F3B65-19F9-46E9-9BC1-339893071432}" type="parTrans" cxnId="{B135F8E5-27AB-4EAA-8DBE-D2875B01D8E6}">
+      <dgm:prSet/>
+      <dgm:spPr/>
+      <dgm:t>
+        <a:bodyPr/>
+        <a:lstStyle/>
+        <a:p>
+          <a:endParaRPr lang="en-US"/>
+        </a:p>
+      </dgm:t>
+    </dgm:pt>
+    <dgm:pt modelId="{0CDBCEBB-7053-4BA6-8E72-E40C83C8D700}" type="sibTrans" cxnId="{B135F8E5-27AB-4EAA-8DBE-D2875B01D8E6}">
+      <dgm:prSet/>
+      <dgm:spPr/>
+      <dgm:t>
+        <a:bodyPr/>
+        <a:lstStyle/>
+        <a:p>
+          <a:endParaRPr lang="en-US"/>
+        </a:p>
+      </dgm:t>
+    </dgm:pt>
+    <dgm:pt modelId="{D5950226-8F12-4646-9970-331AF4753820}">
+      <dgm:prSet/>
+      <dgm:spPr/>
+      <dgm:t>
+        <a:bodyPr/>
+        <a:lstStyle/>
+        <a:p>
+          <a:r>
+            <a:rPr lang="en-US" dirty="0"/>
+            <a:t>Sets seed of random number generator</a:t>
+          </a:r>
+        </a:p>
+      </dgm:t>
+    </dgm:pt>
+    <dgm:pt modelId="{09FD3F83-1586-46B4-BB15-74B4B23B1F9E}" type="parTrans" cxnId="{D5ABFCF8-6EE4-4C81-B96F-47F9F7B9A37B}">
+      <dgm:prSet/>
+      <dgm:spPr/>
+      <dgm:t>
+        <a:bodyPr/>
+        <a:lstStyle/>
+        <a:p>
+          <a:endParaRPr lang="en-US"/>
+        </a:p>
+      </dgm:t>
+    </dgm:pt>
+    <dgm:pt modelId="{C477B061-A5F5-4B1F-A864-D4307CD3E3C4}" type="sibTrans" cxnId="{D5ABFCF8-6EE4-4C81-B96F-47F9F7B9A37B}">
+      <dgm:prSet/>
+      <dgm:spPr/>
+      <dgm:t>
+        <a:bodyPr/>
+        <a:lstStyle/>
+        <a:p>
+          <a:endParaRPr lang="en-US"/>
+        </a:p>
+      </dgm:t>
+    </dgm:pt>
+    <dgm:pt modelId="{ECFAB01E-BE1C-4EFD-9B6A-142BDBDB3D90}">
+      <dgm:prSet/>
+      <dgm:spPr/>
+      <dgm:t>
+        <a:bodyPr/>
+        <a:lstStyle/>
+        <a:p>
+          <a:r>
+            <a:rPr lang="en-US" dirty="0"/>
+            <a:t>Selection = “random”</a:t>
+          </a:r>
+        </a:p>
+      </dgm:t>
+    </dgm:pt>
+    <dgm:pt modelId="{0B6073A3-F4E1-4652-B9B3-FA59B29634E5}" type="parTrans" cxnId="{12CA525F-4B9F-455E-A548-2DCA55CCCCE6}">
+      <dgm:prSet/>
+      <dgm:spPr/>
+      <dgm:t>
+        <a:bodyPr/>
+        <a:lstStyle/>
+        <a:p>
+          <a:endParaRPr lang="en-US"/>
+        </a:p>
+      </dgm:t>
+    </dgm:pt>
+    <dgm:pt modelId="{95338AB5-E944-46DF-9CC3-B7042F10D2B4}" type="sibTrans" cxnId="{12CA525F-4B9F-455E-A548-2DCA55CCCCE6}">
+      <dgm:prSet/>
+      <dgm:spPr/>
+      <dgm:t>
+        <a:bodyPr/>
+        <a:lstStyle/>
+        <a:p>
+          <a:endParaRPr lang="en-US"/>
+        </a:p>
+      </dgm:t>
+    </dgm:pt>
+    <dgm:pt modelId="{84521B36-6DDB-4A32-BDB0-693D7ADBA730}">
+      <dgm:prSet/>
+      <dgm:spPr/>
+      <dgm:t>
+        <a:bodyPr/>
+        <a:lstStyle/>
+        <a:p>
+          <a:r>
+            <a:rPr lang="en-US" dirty="0"/>
+            <a:t>Updates a random coefficient every iteration</a:t>
+          </a:r>
+        </a:p>
+      </dgm:t>
+    </dgm:pt>
+    <dgm:pt modelId="{2D0EA930-E205-492F-B081-AAE09B7C5955}" type="parTrans" cxnId="{A68FF9A0-6C2A-45D7-B099-477014111BC9}">
+      <dgm:prSet/>
+      <dgm:spPr/>
+      <dgm:t>
+        <a:bodyPr/>
+        <a:lstStyle/>
+        <a:p>
+          <a:endParaRPr lang="en-US"/>
+        </a:p>
+      </dgm:t>
+    </dgm:pt>
+    <dgm:pt modelId="{8EBB8484-DF50-493B-9965-77BD8BF23279}" type="sibTrans" cxnId="{A68FF9A0-6C2A-45D7-B099-477014111BC9}">
+      <dgm:prSet/>
+      <dgm:spPr/>
+      <dgm:t>
+        <a:bodyPr/>
+        <a:lstStyle/>
+        <a:p>
+          <a:endParaRPr lang="en-US"/>
+        </a:p>
+      </dgm:t>
+    </dgm:pt>
+    <dgm:pt modelId="{2F5D3913-607F-4697-AA7C-EB3E97B15397}">
+      <dgm:prSet/>
+      <dgm:spPr/>
+      <dgm:t>
+        <a:bodyPr/>
+        <a:lstStyle/>
+        <a:p>
+          <a:r>
+            <a:rPr lang="en-US" dirty="0"/>
+            <a:t>Selects a random feature to update</a:t>
+          </a:r>
+        </a:p>
+      </dgm:t>
+    </dgm:pt>
+    <dgm:pt modelId="{4DD6636B-924A-4F38-9D9C-3AE70F01786C}" type="parTrans" cxnId="{9498B867-8F5F-4C3C-B510-F6A225525C11}">
+      <dgm:prSet/>
+      <dgm:spPr/>
+    </dgm:pt>
+    <dgm:pt modelId="{2CCFE2D9-680A-42EC-81E7-5FFB987E1004}" type="sibTrans" cxnId="{9498B867-8F5F-4C3C-B510-F6A225525C11}">
+      <dgm:prSet/>
+      <dgm:spPr/>
+    </dgm:pt>
+    <dgm:pt modelId="{05A8050B-1EB3-4142-B6BB-96D467F42BD6}" type="pres">
+      <dgm:prSet presAssocID="{B8FDDA35-78CB-4101-98B5-BB8EA10A3CBC}" presName="Name0" presStyleCnt="0">
+        <dgm:presLayoutVars>
+          <dgm:dir/>
+          <dgm:animLvl val="lvl"/>
+          <dgm:resizeHandles val="exact"/>
+        </dgm:presLayoutVars>
+      </dgm:prSet>
+      <dgm:spPr/>
+    </dgm:pt>
+    <dgm:pt modelId="{C62C0CF9-6620-417D-9E42-424595FE65B0}" type="pres">
+      <dgm:prSet presAssocID="{6AC3D095-5DFE-415A-A934-935527597637}" presName="linNode" presStyleCnt="0"/>
+      <dgm:spPr/>
+    </dgm:pt>
+    <dgm:pt modelId="{B976DC7D-4135-4E72-A3BF-A8912CBA41E1}" type="pres">
+      <dgm:prSet presAssocID="{6AC3D095-5DFE-415A-A934-935527597637}" presName="parentText" presStyleLbl="node1" presStyleIdx="0" presStyleCnt="4">
+        <dgm:presLayoutVars>
+          <dgm:chMax val="1"/>
+          <dgm:bulletEnabled val="1"/>
+        </dgm:presLayoutVars>
+      </dgm:prSet>
+      <dgm:spPr/>
+    </dgm:pt>
+    <dgm:pt modelId="{7FE38C19-5E1D-4CE1-BB70-B050515E3021}" type="pres">
+      <dgm:prSet presAssocID="{6AC3D095-5DFE-415A-A934-935527597637}" presName="descendantText" presStyleLbl="alignAccFollowNode1" presStyleIdx="0" presStyleCnt="4">
+        <dgm:presLayoutVars>
+          <dgm:bulletEnabled val="1"/>
+        </dgm:presLayoutVars>
+      </dgm:prSet>
+      <dgm:spPr/>
+    </dgm:pt>
+    <dgm:pt modelId="{D605824C-73A1-4118-903C-FF02CC4907F0}" type="pres">
+      <dgm:prSet presAssocID="{C088D78A-91A4-4B33-909D-9B22E4A5C80D}" presName="sp" presStyleCnt="0"/>
+      <dgm:spPr/>
+    </dgm:pt>
+    <dgm:pt modelId="{C939832D-8F9C-4DCF-AB7C-BA0A7309D705}" type="pres">
+      <dgm:prSet presAssocID="{07F52ADF-62E0-4354-9531-6ED965911416}" presName="linNode" presStyleCnt="0"/>
+      <dgm:spPr/>
+    </dgm:pt>
+    <dgm:pt modelId="{FD699906-6852-46B0-9438-E75740076D22}" type="pres">
+      <dgm:prSet presAssocID="{07F52ADF-62E0-4354-9531-6ED965911416}" presName="parentText" presStyleLbl="node1" presStyleIdx="1" presStyleCnt="4">
+        <dgm:presLayoutVars>
+          <dgm:chMax val="1"/>
+          <dgm:bulletEnabled val="1"/>
+        </dgm:presLayoutVars>
+      </dgm:prSet>
+      <dgm:spPr/>
+    </dgm:pt>
+    <dgm:pt modelId="{79CA73BC-09E8-4230-8F38-FDB274B1A3D4}" type="pres">
+      <dgm:prSet presAssocID="{07F52ADF-62E0-4354-9531-6ED965911416}" presName="descendantText" presStyleLbl="alignAccFollowNode1" presStyleIdx="1" presStyleCnt="4">
+        <dgm:presLayoutVars>
+          <dgm:bulletEnabled val="1"/>
+        </dgm:presLayoutVars>
+      </dgm:prSet>
+      <dgm:spPr/>
+    </dgm:pt>
+    <dgm:pt modelId="{7D4A0EA3-9008-4C08-8CEA-2E51EEFB8DB7}" type="pres">
+      <dgm:prSet presAssocID="{B4C1A31E-4061-4A3F-8F95-8740B7F8E13E}" presName="sp" presStyleCnt="0"/>
+      <dgm:spPr/>
+    </dgm:pt>
+    <dgm:pt modelId="{4313F5CC-DFDA-4783-BE24-CCF991C8BE5F}" type="pres">
+      <dgm:prSet presAssocID="{C13F27BA-4C05-4A90-B4C9-D5CFCC2EFC56}" presName="linNode" presStyleCnt="0"/>
+      <dgm:spPr/>
+    </dgm:pt>
+    <dgm:pt modelId="{915A2548-4434-4D62-8DED-FADECE7A6382}" type="pres">
+      <dgm:prSet presAssocID="{C13F27BA-4C05-4A90-B4C9-D5CFCC2EFC56}" presName="parentText" presStyleLbl="node1" presStyleIdx="2" presStyleCnt="4">
+        <dgm:presLayoutVars>
+          <dgm:chMax val="1"/>
+          <dgm:bulletEnabled val="1"/>
+        </dgm:presLayoutVars>
+      </dgm:prSet>
+      <dgm:spPr/>
+    </dgm:pt>
+    <dgm:pt modelId="{744F2C29-8D2F-4CF6-880C-4A0744C935FA}" type="pres">
+      <dgm:prSet presAssocID="{C13F27BA-4C05-4A90-B4C9-D5CFCC2EFC56}" presName="descendantText" presStyleLbl="alignAccFollowNode1" presStyleIdx="2" presStyleCnt="4">
+        <dgm:presLayoutVars>
+          <dgm:bulletEnabled val="1"/>
+        </dgm:presLayoutVars>
+      </dgm:prSet>
+      <dgm:spPr/>
+    </dgm:pt>
+    <dgm:pt modelId="{7E38D7A7-DCBB-4FDE-80BB-3716C87034C2}" type="pres">
+      <dgm:prSet presAssocID="{0CDBCEBB-7053-4BA6-8E72-E40C83C8D700}" presName="sp" presStyleCnt="0"/>
+      <dgm:spPr/>
+    </dgm:pt>
+    <dgm:pt modelId="{368314AB-1A28-4F35-B0CA-8C1D3615E9D7}" type="pres">
+      <dgm:prSet presAssocID="{ECFAB01E-BE1C-4EFD-9B6A-142BDBDB3D90}" presName="linNode" presStyleCnt="0"/>
+      <dgm:spPr/>
+    </dgm:pt>
+    <dgm:pt modelId="{C6D518DA-8C3C-4F54-890D-7DEEF7BD585D}" type="pres">
+      <dgm:prSet presAssocID="{ECFAB01E-BE1C-4EFD-9B6A-142BDBDB3D90}" presName="parentText" presStyleLbl="node1" presStyleIdx="3" presStyleCnt="4">
+        <dgm:presLayoutVars>
+          <dgm:chMax val="1"/>
+          <dgm:bulletEnabled val="1"/>
+        </dgm:presLayoutVars>
+      </dgm:prSet>
+      <dgm:spPr/>
+    </dgm:pt>
+    <dgm:pt modelId="{0CB656AE-B972-405E-9926-D064451808FD}" type="pres">
+      <dgm:prSet presAssocID="{ECFAB01E-BE1C-4EFD-9B6A-142BDBDB3D90}" presName="descendantText" presStyleLbl="alignAccFollowNode1" presStyleIdx="3" presStyleCnt="4">
+        <dgm:presLayoutVars>
+          <dgm:bulletEnabled val="1"/>
+        </dgm:presLayoutVars>
+      </dgm:prSet>
+      <dgm:spPr/>
+    </dgm:pt>
+  </dgm:ptLst>
+  <dgm:cxnLst>
+    <dgm:cxn modelId="{FBFCBC02-8701-463E-90D9-32FB151FB2EA}" type="presOf" srcId="{ECFAB01E-BE1C-4EFD-9B6A-142BDBDB3D90}" destId="{C6D518DA-8C3C-4F54-890D-7DEEF7BD585D}" srcOrd="0" destOrd="0" presId="urn:microsoft.com/office/officeart/2005/8/layout/vList5"/>
+    <dgm:cxn modelId="{0E73F909-D31B-432D-94B8-5A1B6C790B54}" type="presOf" srcId="{84521B36-6DDB-4A32-BDB0-693D7ADBA730}" destId="{0CB656AE-B972-405E-9926-D064451808FD}" srcOrd="0" destOrd="0" presId="urn:microsoft.com/office/officeart/2005/8/layout/vList5"/>
+    <dgm:cxn modelId="{6962C110-F9E4-4845-9A54-F986EBD0910A}" type="presOf" srcId="{B9C47E92-8921-4424-A55D-38F615131548}" destId="{79CA73BC-09E8-4230-8F38-FDB274B1A3D4}" srcOrd="0" destOrd="0" presId="urn:microsoft.com/office/officeart/2005/8/layout/vList5"/>
+    <dgm:cxn modelId="{B7B8EF18-0AB1-44B9-A15A-223414ECF3BB}" srcId="{07F52ADF-62E0-4354-9531-6ED965911416}" destId="{B9C47E92-8921-4424-A55D-38F615131548}" srcOrd="0" destOrd="0" parTransId="{D82A3C91-7E6D-4A19-A278-A419A3DB5B2F}" sibTransId="{4A3469C3-6988-4C05-BB39-A31143169AA5}"/>
+    <dgm:cxn modelId="{43B09B3C-FAFA-4B52-9D13-402F8436EF7F}" type="presOf" srcId="{C13F27BA-4C05-4A90-B4C9-D5CFCC2EFC56}" destId="{915A2548-4434-4D62-8DED-FADECE7A6382}" srcOrd="0" destOrd="0" presId="urn:microsoft.com/office/officeart/2005/8/layout/vList5"/>
+    <dgm:cxn modelId="{1D4B6F3E-CABE-4360-8753-C406CD82F416}" srcId="{B8FDDA35-78CB-4101-98B5-BB8EA10A3CBC}" destId="{07F52ADF-62E0-4354-9531-6ED965911416}" srcOrd="1" destOrd="0" parTransId="{4D2CBEC2-5400-4E14-A009-7774EBD74DFE}" sibTransId="{B4C1A31E-4061-4A3F-8F95-8740B7F8E13E}"/>
+    <dgm:cxn modelId="{12CA525F-4B9F-455E-A548-2DCA55CCCCE6}" srcId="{B8FDDA35-78CB-4101-98B5-BB8EA10A3CBC}" destId="{ECFAB01E-BE1C-4EFD-9B6A-142BDBDB3D90}" srcOrd="3" destOrd="0" parTransId="{0B6073A3-F4E1-4652-B9B3-FA59B29634E5}" sibTransId="{95338AB5-E944-46DF-9CC3-B7042F10D2B4}"/>
+    <dgm:cxn modelId="{9498B867-8F5F-4C3C-B510-F6A225525C11}" srcId="{D5950226-8F12-4646-9970-331AF4753820}" destId="{2F5D3913-607F-4697-AA7C-EB3E97B15397}" srcOrd="0" destOrd="0" parTransId="{4DD6636B-924A-4F38-9D9C-3AE70F01786C}" sibTransId="{2CCFE2D9-680A-42EC-81E7-5FFB987E1004}"/>
+    <dgm:cxn modelId="{DAC0774A-DD71-447D-9D9B-B53167CC737A}" srcId="{B8FDDA35-78CB-4101-98B5-BB8EA10A3CBC}" destId="{6AC3D095-5DFE-415A-A934-935527597637}" srcOrd="0" destOrd="0" parTransId="{FF95B982-9EB7-4DA4-BB35-EEB27A2E947A}" sibTransId="{C088D78A-91A4-4B33-909D-9B22E4A5C80D}"/>
+    <dgm:cxn modelId="{E21BFB76-7130-4CAA-A236-42044CD450C4}" type="presOf" srcId="{D5950226-8F12-4646-9970-331AF4753820}" destId="{744F2C29-8D2F-4CF6-880C-4A0744C935FA}" srcOrd="0" destOrd="0" presId="urn:microsoft.com/office/officeart/2005/8/layout/vList5"/>
+    <dgm:cxn modelId="{A68FF9A0-6C2A-45D7-B099-477014111BC9}" srcId="{ECFAB01E-BE1C-4EFD-9B6A-142BDBDB3D90}" destId="{84521B36-6DDB-4A32-BDB0-693D7ADBA730}" srcOrd="0" destOrd="0" parTransId="{2D0EA930-E205-492F-B081-AAE09B7C5955}" sibTransId="{8EBB8484-DF50-493B-9965-77BD8BF23279}"/>
+    <dgm:cxn modelId="{E9576FB1-6789-4D8F-A649-7B5F8532AA64}" srcId="{6AC3D095-5DFE-415A-A934-935527597637}" destId="{5D27B477-9C5E-41CB-962A-D8FC7BBE5185}" srcOrd="0" destOrd="0" parTransId="{352D04C3-FFBC-48F2-9BAE-14EC0FF4DD79}" sibTransId="{07ED7F11-47B4-40FC-973D-261205971E8D}"/>
+    <dgm:cxn modelId="{8E408DBC-90B5-4690-A2C0-582E3B4FDAAE}" type="presOf" srcId="{07F52ADF-62E0-4354-9531-6ED965911416}" destId="{FD699906-6852-46B0-9438-E75740076D22}" srcOrd="0" destOrd="0" presId="urn:microsoft.com/office/officeart/2005/8/layout/vList5"/>
+    <dgm:cxn modelId="{F4DDE5BD-AD51-4CD1-8814-A4F18F9CD973}" type="presOf" srcId="{B8FDDA35-78CB-4101-98B5-BB8EA10A3CBC}" destId="{05A8050B-1EB3-4142-B6BB-96D467F42BD6}" srcOrd="0" destOrd="0" presId="urn:microsoft.com/office/officeart/2005/8/layout/vList5"/>
+    <dgm:cxn modelId="{A51D29C1-01F2-413B-AAF8-06A127EA092D}" type="presOf" srcId="{5D27B477-9C5E-41CB-962A-D8FC7BBE5185}" destId="{7FE38C19-5E1D-4CE1-BB70-B050515E3021}" srcOrd="0" destOrd="0" presId="urn:microsoft.com/office/officeart/2005/8/layout/vList5"/>
+    <dgm:cxn modelId="{305460C8-F03C-4993-9458-7C8DAD7A0857}" type="presOf" srcId="{6AC3D095-5DFE-415A-A934-935527597637}" destId="{B976DC7D-4135-4E72-A3BF-A8912CBA41E1}" srcOrd="0" destOrd="0" presId="urn:microsoft.com/office/officeart/2005/8/layout/vList5"/>
+    <dgm:cxn modelId="{B135F8E5-27AB-4EAA-8DBE-D2875B01D8E6}" srcId="{B8FDDA35-78CB-4101-98B5-BB8EA10A3CBC}" destId="{C13F27BA-4C05-4A90-B4C9-D5CFCC2EFC56}" srcOrd="2" destOrd="0" parTransId="{3A5F3B65-19F9-46E9-9BC1-339893071432}" sibTransId="{0CDBCEBB-7053-4BA6-8E72-E40C83C8D700}"/>
+    <dgm:cxn modelId="{F614CCF8-7861-43F1-9D32-CA3FBFE760C1}" type="presOf" srcId="{2F5D3913-607F-4697-AA7C-EB3E97B15397}" destId="{744F2C29-8D2F-4CF6-880C-4A0744C935FA}" srcOrd="0" destOrd="1" presId="urn:microsoft.com/office/officeart/2005/8/layout/vList5"/>
+    <dgm:cxn modelId="{D5ABFCF8-6EE4-4C81-B96F-47F9F7B9A37B}" srcId="{C13F27BA-4C05-4A90-B4C9-D5CFCC2EFC56}" destId="{D5950226-8F12-4646-9970-331AF4753820}" srcOrd="0" destOrd="0" parTransId="{09FD3F83-1586-46B4-BB15-74B4B23B1F9E}" sibTransId="{C477B061-A5F5-4B1F-A864-D4307CD3E3C4}"/>
+    <dgm:cxn modelId="{CDD48AA2-6185-4372-9220-68F9A8C12804}" type="presParOf" srcId="{05A8050B-1EB3-4142-B6BB-96D467F42BD6}" destId="{C62C0CF9-6620-417D-9E42-424595FE65B0}" srcOrd="0" destOrd="0" presId="urn:microsoft.com/office/officeart/2005/8/layout/vList5"/>
+    <dgm:cxn modelId="{086AF594-AC72-4F7D-9362-2516C5C88F65}" type="presParOf" srcId="{C62C0CF9-6620-417D-9E42-424595FE65B0}" destId="{B976DC7D-4135-4E72-A3BF-A8912CBA41E1}" srcOrd="0" destOrd="0" presId="urn:microsoft.com/office/officeart/2005/8/layout/vList5"/>
+    <dgm:cxn modelId="{ED0AC3CA-0521-4B57-B713-7A36F9C426DA}" type="presParOf" srcId="{C62C0CF9-6620-417D-9E42-424595FE65B0}" destId="{7FE38C19-5E1D-4CE1-BB70-B050515E3021}" srcOrd="1" destOrd="0" presId="urn:microsoft.com/office/officeart/2005/8/layout/vList5"/>
+    <dgm:cxn modelId="{E219CD93-4C52-4B02-8B12-52B380A721CE}" type="presParOf" srcId="{05A8050B-1EB3-4142-B6BB-96D467F42BD6}" destId="{D605824C-73A1-4118-903C-FF02CC4907F0}" srcOrd="1" destOrd="0" presId="urn:microsoft.com/office/officeart/2005/8/layout/vList5"/>
+    <dgm:cxn modelId="{01BACADD-AADD-4D45-BF9E-D8D1FA31C3A0}" type="presParOf" srcId="{05A8050B-1EB3-4142-B6BB-96D467F42BD6}" destId="{C939832D-8F9C-4DCF-AB7C-BA0A7309D705}" srcOrd="2" destOrd="0" presId="urn:microsoft.com/office/officeart/2005/8/layout/vList5"/>
+    <dgm:cxn modelId="{5B026ABB-162F-49A4-9532-5E55886DFDF1}" type="presParOf" srcId="{C939832D-8F9C-4DCF-AB7C-BA0A7309D705}" destId="{FD699906-6852-46B0-9438-E75740076D22}" srcOrd="0" destOrd="0" presId="urn:microsoft.com/office/officeart/2005/8/layout/vList5"/>
+    <dgm:cxn modelId="{1BF52294-6C38-4B45-A843-9A669F5D7EBB}" type="presParOf" srcId="{C939832D-8F9C-4DCF-AB7C-BA0A7309D705}" destId="{79CA73BC-09E8-4230-8F38-FDB274B1A3D4}" srcOrd="1" destOrd="0" presId="urn:microsoft.com/office/officeart/2005/8/layout/vList5"/>
+    <dgm:cxn modelId="{2B1D54D3-6091-4B9A-9905-87DF4E1E1FE6}" type="presParOf" srcId="{05A8050B-1EB3-4142-B6BB-96D467F42BD6}" destId="{7D4A0EA3-9008-4C08-8CEA-2E51EEFB8DB7}" srcOrd="3" destOrd="0" presId="urn:microsoft.com/office/officeart/2005/8/layout/vList5"/>
+    <dgm:cxn modelId="{E3843294-AA1E-43D0-B5B5-B17AC8EE30D2}" type="presParOf" srcId="{05A8050B-1EB3-4142-B6BB-96D467F42BD6}" destId="{4313F5CC-DFDA-4783-BE24-CCF991C8BE5F}" srcOrd="4" destOrd="0" presId="urn:microsoft.com/office/officeart/2005/8/layout/vList5"/>
+    <dgm:cxn modelId="{84E184EA-6EE5-4F3A-8D9D-108171A9836E}" type="presParOf" srcId="{4313F5CC-DFDA-4783-BE24-CCF991C8BE5F}" destId="{915A2548-4434-4D62-8DED-FADECE7A6382}" srcOrd="0" destOrd="0" presId="urn:microsoft.com/office/officeart/2005/8/layout/vList5"/>
+    <dgm:cxn modelId="{B9AC13B1-F114-4A83-9AE7-C0E03DA2EC5F}" type="presParOf" srcId="{4313F5CC-DFDA-4783-BE24-CCF991C8BE5F}" destId="{744F2C29-8D2F-4CF6-880C-4A0744C935FA}" srcOrd="1" destOrd="0" presId="urn:microsoft.com/office/officeart/2005/8/layout/vList5"/>
+    <dgm:cxn modelId="{26D3DA74-B98A-4FAC-A879-D7F3B3E688E8}" type="presParOf" srcId="{05A8050B-1EB3-4142-B6BB-96D467F42BD6}" destId="{7E38D7A7-DCBB-4FDE-80BB-3716C87034C2}" srcOrd="5" destOrd="0" presId="urn:microsoft.com/office/officeart/2005/8/layout/vList5"/>
+    <dgm:cxn modelId="{27E5F10D-A7A5-4B35-A9E3-21B70735DFAA}" type="presParOf" srcId="{05A8050B-1EB3-4142-B6BB-96D467F42BD6}" destId="{368314AB-1A28-4F35-B0CA-8C1D3615E9D7}" srcOrd="6" destOrd="0" presId="urn:microsoft.com/office/officeart/2005/8/layout/vList5"/>
+    <dgm:cxn modelId="{C8C29360-D409-4BE3-8B84-E44208BF5C3E}" type="presParOf" srcId="{368314AB-1A28-4F35-B0CA-8C1D3615E9D7}" destId="{C6D518DA-8C3C-4F54-890D-7DEEF7BD585D}" srcOrd="0" destOrd="0" presId="urn:microsoft.com/office/officeart/2005/8/layout/vList5"/>
+    <dgm:cxn modelId="{36B53980-6A03-4E86-8E14-A109CD4DBB2F}" type="presParOf" srcId="{368314AB-1A28-4F35-B0CA-8C1D3615E9D7}" destId="{0CB656AE-B972-405E-9926-D064451808FD}" srcOrd="1" destOrd="0" presId="urn:microsoft.com/office/officeart/2005/8/layout/vList5"/>
+  </dgm:cxnLst>
+  <dgm:bg/>
+  <dgm:whole/>
+  <dgm:extLst>
+    <a:ext uri="http://schemas.microsoft.com/office/drawing/2008/diagram">
+      <dsp:dataModelExt xmlns:dsp="http://schemas.microsoft.com/office/drawing/2008/diagram" relId="rId7" minVer="http://schemas.openxmlformats.org/drawingml/2006/diagram"/>
+    </a:ext>
+  </dgm:extLst>
+</dgm:dataModel>
+</file>
+
+<file path=ppt/diagrams/data5.xml><?xml version="1.0" encoding="utf-8"?>
+<dgm:dataModel xmlns:dgm="http://schemas.openxmlformats.org/drawingml/2006/diagram" xmlns:a="http://schemas.openxmlformats.org/drawingml/2006/main">
+  <dgm:ptLst>
     <dgm:pt modelId="{53D4C9B4-7797-4E06-AFCB-F2E5013517A0}" type="doc">
       <dgm:prSet loTypeId="urn:microsoft.com/office/officeart/2005/8/layout/vList2" loCatId="list" qsTypeId="urn:microsoft.com/office/officeart/2005/8/quickstyle/simple1" qsCatId="simple" csTypeId="urn:microsoft.com/office/officeart/2005/8/colors/colorful2" csCatId="colorful"/>
       <dgm:spPr/>
@@ -8194,7 +9454,7 @@
 </dgm:dataModel>
 </file>
 
-<file path=ppt/diagrams/data5.xml><?xml version="1.0" encoding="utf-8"?>
+<file path=ppt/diagrams/data6.xml><?xml version="1.0" encoding="utf-8"?>
 <dgm:dataModel xmlns:dgm="http://schemas.openxmlformats.org/drawingml/2006/diagram" xmlns:a="http://schemas.openxmlformats.org/drawingml/2006/main">
   <dgm:ptLst>
     <dgm:pt modelId="{B8FDDA35-78CB-4101-98B5-BB8EA10A3CBC}" type="doc">
@@ -8324,8 +9584,16 @@
         <a:lstStyle/>
         <a:p>
           <a:r>
-            <a:rPr lang="en-US"/>
-            <a:t>Solver = “liblinear”</a:t>
+            <a:rPr lang="en-US" dirty="0"/>
+            <a:t>Solver = “</a:t>
+          </a:r>
+          <a:r>
+            <a:rPr lang="en-US" dirty="0" err="1"/>
+            <a:t>liblinear</a:t>
+          </a:r>
+          <a:r>
+            <a:rPr lang="en-US" dirty="0"/>
+            <a:t>”</a:t>
           </a:r>
         </a:p>
       </dgm:t>
@@ -8690,11 +9958,11 @@
 </dgm:dataModel>
 </file>
 
-<file path=ppt/diagrams/data6.xml><?xml version="1.0" encoding="utf-8"?>
+<file path=ppt/diagrams/data7.xml><?xml version="1.0" encoding="utf-8"?>
 <dgm:dataModel xmlns:dgm="http://schemas.openxmlformats.org/drawingml/2006/diagram" xmlns:a="http://schemas.openxmlformats.org/drawingml/2006/main">
   <dgm:ptLst>
     <dgm:pt modelId="{4CD04B87-C07D-4C1F-A0FD-650A1E067F6E}" type="doc">
-      <dgm:prSet loTypeId="urn:microsoft.com/office/officeart/2005/8/layout/vList2" loCatId="list" qsTypeId="urn:microsoft.com/office/officeart/2005/8/quickstyle/simple1" qsCatId="simple" csTypeId="urn:microsoft.com/office/officeart/2005/8/colors/colorful2" csCatId="colorful"/>
+      <dgm:prSet loTypeId="urn:microsoft.com/office/officeart/2005/8/layout/vList2" loCatId="list" qsTypeId="urn:microsoft.com/office/officeart/2005/8/quickstyle/simple1" qsCatId="simple" csTypeId="urn:microsoft.com/office/officeart/2005/8/colors/colorful2" csCatId="colorful" phldr="1"/>
       <dgm:spPr/>
       <dgm:t>
         <a:bodyPr/>
@@ -8821,7 +10089,7 @@
         <a:p>
           <a:r>
             <a:rPr lang="en-US" dirty="0"/>
-            <a:t>Lasso: .763</a:t>
+            <a:t>Lasso: .847</a:t>
           </a:r>
         </a:p>
       </dgm:t>
@@ -10458,6 +11726,660 @@
       <dsp:cNvGrpSpPr/>
     </dsp:nvGrpSpPr>
     <dsp:grpSpPr/>
+    <dsp:sp modelId="{7FE38C19-5E1D-4CE1-BB70-B050515E3021}">
+      <dsp:nvSpPr>
+        <dsp:cNvPr id="0" name=""/>
+        <dsp:cNvSpPr/>
+      </dsp:nvSpPr>
+      <dsp:spPr>
+        <a:xfrm rot="5400000">
+          <a:off x="6475153" y="-2761095"/>
+          <a:ext cx="729116" cy="6437376"/>
+        </a:xfrm>
+        <a:prstGeom prst="round2SameRect">
+          <a:avLst/>
+        </a:prstGeom>
+        <a:solidFill>
+          <a:schemeClr val="accent2">
+            <a:tint val="40000"/>
+            <a:alpha val="90000"/>
+            <a:hueOff val="0"/>
+            <a:satOff val="0"/>
+            <a:lumOff val="0"/>
+            <a:alphaOff val="0"/>
+          </a:schemeClr>
+        </a:solidFill>
+        <a:ln w="15875" cap="flat" cmpd="sng" algn="ctr">
+          <a:solidFill>
+            <a:schemeClr val="accent2">
+              <a:tint val="40000"/>
+              <a:alpha val="90000"/>
+              <a:hueOff val="0"/>
+              <a:satOff val="0"/>
+              <a:lumOff val="0"/>
+              <a:alphaOff val="0"/>
+            </a:schemeClr>
+          </a:solidFill>
+          <a:prstDash val="solid"/>
+        </a:ln>
+        <a:effectLst/>
+      </dsp:spPr>
+      <dsp:style>
+        <a:lnRef idx="2">
+          <a:scrgbClr r="0" g="0" b="0"/>
+        </a:lnRef>
+        <a:fillRef idx="1">
+          <a:scrgbClr r="0" g="0" b="0"/>
+        </a:fillRef>
+        <a:effectRef idx="0">
+          <a:scrgbClr r="0" g="0" b="0"/>
+        </a:effectRef>
+        <a:fontRef idx="minor"/>
+      </dsp:style>
+      <dsp:txBody>
+        <a:bodyPr spcFirstLastPara="0" vert="horz" wrap="square" lIns="72390" tIns="36195" rIns="72390" bIns="36195" numCol="1" spcCol="1270" anchor="ctr" anchorCtr="0">
+          <a:noAutofit/>
+        </a:bodyPr>
+        <a:lstStyle/>
+        <a:p>
+          <a:pPr marL="171450" lvl="1" indent="-171450" algn="l" defTabSz="844550">
+            <a:lnSpc>
+              <a:spcPct val="90000"/>
+            </a:lnSpc>
+            <a:spcBef>
+              <a:spcPct val="0"/>
+            </a:spcBef>
+            <a:spcAft>
+              <a:spcPct val="15000"/>
+            </a:spcAft>
+            <a:buChar char="•"/>
+          </a:pPr>
+          <a:r>
+            <a:rPr lang="en-US" sz="1900" kern="1200" dirty="0"/>
+            <a:t>Constant that multiplies the L1 term</a:t>
+          </a:r>
+        </a:p>
+      </dsp:txBody>
+      <dsp:txXfrm rot="-5400000">
+        <a:off x="3621024" y="128627"/>
+        <a:ext cx="6401783" cy="657930"/>
+      </dsp:txXfrm>
+    </dsp:sp>
+    <dsp:sp modelId="{B976DC7D-4135-4E72-A3BF-A8912CBA41E1}">
+      <dsp:nvSpPr>
+        <dsp:cNvPr id="0" name=""/>
+        <dsp:cNvSpPr/>
+      </dsp:nvSpPr>
+      <dsp:spPr>
+        <a:xfrm>
+          <a:off x="0" y="1894"/>
+          <a:ext cx="3621024" cy="911395"/>
+        </a:xfrm>
+        <a:prstGeom prst="roundRect">
+          <a:avLst/>
+        </a:prstGeom>
+        <a:solidFill>
+          <a:schemeClr val="accent2">
+            <a:hueOff val="0"/>
+            <a:satOff val="0"/>
+            <a:lumOff val="0"/>
+            <a:alphaOff val="0"/>
+          </a:schemeClr>
+        </a:solidFill>
+        <a:ln w="15875" cap="flat" cmpd="sng" algn="ctr">
+          <a:solidFill>
+            <a:schemeClr val="lt1">
+              <a:hueOff val="0"/>
+              <a:satOff val="0"/>
+              <a:lumOff val="0"/>
+              <a:alphaOff val="0"/>
+            </a:schemeClr>
+          </a:solidFill>
+          <a:prstDash val="solid"/>
+        </a:ln>
+        <a:effectLst/>
+      </dsp:spPr>
+      <dsp:style>
+        <a:lnRef idx="2">
+          <a:scrgbClr r="0" g="0" b="0"/>
+        </a:lnRef>
+        <a:fillRef idx="1">
+          <a:scrgbClr r="0" g="0" b="0"/>
+        </a:fillRef>
+        <a:effectRef idx="0">
+          <a:scrgbClr r="0" g="0" b="0"/>
+        </a:effectRef>
+        <a:fontRef idx="minor">
+          <a:schemeClr val="lt1"/>
+        </a:fontRef>
+      </dsp:style>
+      <dsp:txBody>
+        <a:bodyPr spcFirstLastPara="0" vert="horz" wrap="square" lIns="110490" tIns="55245" rIns="110490" bIns="55245" numCol="1" spcCol="1270" anchor="ctr" anchorCtr="0">
+          <a:noAutofit/>
+        </a:bodyPr>
+        <a:lstStyle/>
+        <a:p>
+          <a:pPr marL="0" lvl="0" indent="0" algn="ctr" defTabSz="1289050">
+            <a:lnSpc>
+              <a:spcPct val="90000"/>
+            </a:lnSpc>
+            <a:spcBef>
+              <a:spcPct val="0"/>
+            </a:spcBef>
+            <a:spcAft>
+              <a:spcPct val="35000"/>
+            </a:spcAft>
+            <a:buNone/>
+          </a:pPr>
+          <a:r>
+            <a:rPr lang="en-US" sz="2900" kern="1200" dirty="0"/>
+            <a:t>Alpha = 0.031</a:t>
+          </a:r>
+        </a:p>
+      </dsp:txBody>
+      <dsp:txXfrm>
+        <a:off x="44491" y="46385"/>
+        <a:ext cx="3532042" cy="822413"/>
+      </dsp:txXfrm>
+    </dsp:sp>
+    <dsp:sp modelId="{79CA73BC-09E8-4230-8F38-FDB274B1A3D4}">
+      <dsp:nvSpPr>
+        <dsp:cNvPr id="0" name=""/>
+        <dsp:cNvSpPr/>
+      </dsp:nvSpPr>
+      <dsp:spPr>
+        <a:xfrm rot="5400000">
+          <a:off x="6475153" y="-1804130"/>
+          <a:ext cx="729116" cy="6437376"/>
+        </a:xfrm>
+        <a:prstGeom prst="round2SameRect">
+          <a:avLst/>
+        </a:prstGeom>
+        <a:solidFill>
+          <a:schemeClr val="accent2">
+            <a:tint val="40000"/>
+            <a:alpha val="90000"/>
+            <a:hueOff val="82399"/>
+            <a:satOff val="-7939"/>
+            <a:lumOff val="-837"/>
+            <a:alphaOff val="0"/>
+          </a:schemeClr>
+        </a:solidFill>
+        <a:ln w="15875" cap="flat" cmpd="sng" algn="ctr">
+          <a:solidFill>
+            <a:schemeClr val="accent2">
+              <a:tint val="40000"/>
+              <a:alpha val="90000"/>
+              <a:hueOff val="82399"/>
+              <a:satOff val="-7939"/>
+              <a:lumOff val="-837"/>
+              <a:alphaOff val="0"/>
+            </a:schemeClr>
+          </a:solidFill>
+          <a:prstDash val="solid"/>
+        </a:ln>
+        <a:effectLst/>
+      </dsp:spPr>
+      <dsp:style>
+        <a:lnRef idx="2">
+          <a:scrgbClr r="0" g="0" b="0"/>
+        </a:lnRef>
+        <a:fillRef idx="1">
+          <a:scrgbClr r="0" g="0" b="0"/>
+        </a:fillRef>
+        <a:effectRef idx="0">
+          <a:scrgbClr r="0" g="0" b="0"/>
+        </a:effectRef>
+        <a:fontRef idx="minor"/>
+      </dsp:style>
+      <dsp:txBody>
+        <a:bodyPr spcFirstLastPara="0" vert="horz" wrap="square" lIns="72390" tIns="36195" rIns="72390" bIns="36195" numCol="1" spcCol="1270" anchor="ctr" anchorCtr="0">
+          <a:noAutofit/>
+        </a:bodyPr>
+        <a:lstStyle/>
+        <a:p>
+          <a:pPr marL="171450" lvl="1" indent="-171450" algn="l" defTabSz="844550">
+            <a:lnSpc>
+              <a:spcPct val="90000"/>
+            </a:lnSpc>
+            <a:spcBef>
+              <a:spcPct val="0"/>
+            </a:spcBef>
+            <a:spcAft>
+              <a:spcPct val="15000"/>
+            </a:spcAft>
+            <a:buChar char="•"/>
+          </a:pPr>
+          <a:r>
+            <a:rPr lang="en-US" sz="1900" kern="1200" dirty="0"/>
+            <a:t>Sets the tolerance for the optimization</a:t>
+          </a:r>
+        </a:p>
+      </dsp:txBody>
+      <dsp:txXfrm rot="-5400000">
+        <a:off x="3621024" y="1085592"/>
+        <a:ext cx="6401783" cy="657930"/>
+      </dsp:txXfrm>
+    </dsp:sp>
+    <dsp:sp modelId="{FD699906-6852-46B0-9438-E75740076D22}">
+      <dsp:nvSpPr>
+        <dsp:cNvPr id="0" name=""/>
+        <dsp:cNvSpPr/>
+      </dsp:nvSpPr>
+      <dsp:spPr>
+        <a:xfrm>
+          <a:off x="0" y="958859"/>
+          <a:ext cx="3621024" cy="911395"/>
+        </a:xfrm>
+        <a:prstGeom prst="roundRect">
+          <a:avLst/>
+        </a:prstGeom>
+        <a:solidFill>
+          <a:schemeClr val="accent2">
+            <a:hueOff val="13013"/>
+            <a:satOff val="-8959"/>
+            <a:lumOff val="-2288"/>
+            <a:alphaOff val="0"/>
+          </a:schemeClr>
+        </a:solidFill>
+        <a:ln w="15875" cap="flat" cmpd="sng" algn="ctr">
+          <a:solidFill>
+            <a:schemeClr val="lt1">
+              <a:hueOff val="0"/>
+              <a:satOff val="0"/>
+              <a:lumOff val="0"/>
+              <a:alphaOff val="0"/>
+            </a:schemeClr>
+          </a:solidFill>
+          <a:prstDash val="solid"/>
+        </a:ln>
+        <a:effectLst/>
+      </dsp:spPr>
+      <dsp:style>
+        <a:lnRef idx="2">
+          <a:scrgbClr r="0" g="0" b="0"/>
+        </a:lnRef>
+        <a:fillRef idx="1">
+          <a:scrgbClr r="0" g="0" b="0"/>
+        </a:fillRef>
+        <a:effectRef idx="0">
+          <a:scrgbClr r="0" g="0" b="0"/>
+        </a:effectRef>
+        <a:fontRef idx="minor">
+          <a:schemeClr val="lt1"/>
+        </a:fontRef>
+      </dsp:style>
+      <dsp:txBody>
+        <a:bodyPr spcFirstLastPara="0" vert="horz" wrap="square" lIns="110490" tIns="55245" rIns="110490" bIns="55245" numCol="1" spcCol="1270" anchor="ctr" anchorCtr="0">
+          <a:noAutofit/>
+        </a:bodyPr>
+        <a:lstStyle/>
+        <a:p>
+          <a:pPr marL="0" lvl="0" indent="0" algn="ctr" defTabSz="1289050">
+            <a:lnSpc>
+              <a:spcPct val="90000"/>
+            </a:lnSpc>
+            <a:spcBef>
+              <a:spcPct val="0"/>
+            </a:spcBef>
+            <a:spcAft>
+              <a:spcPct val="35000"/>
+            </a:spcAft>
+            <a:buNone/>
+          </a:pPr>
+          <a:r>
+            <a:rPr lang="en-US" sz="2900" kern="1200" dirty="0"/>
+            <a:t>Tol = 0.01</a:t>
+          </a:r>
+        </a:p>
+      </dsp:txBody>
+      <dsp:txXfrm>
+        <a:off x="44491" y="1003350"/>
+        <a:ext cx="3532042" cy="822413"/>
+      </dsp:txXfrm>
+    </dsp:sp>
+    <dsp:sp modelId="{744F2C29-8D2F-4CF6-880C-4A0744C935FA}">
+      <dsp:nvSpPr>
+        <dsp:cNvPr id="0" name=""/>
+        <dsp:cNvSpPr/>
+      </dsp:nvSpPr>
+      <dsp:spPr>
+        <a:xfrm rot="5400000">
+          <a:off x="6475153" y="-847165"/>
+          <a:ext cx="729116" cy="6437376"/>
+        </a:xfrm>
+        <a:prstGeom prst="round2SameRect">
+          <a:avLst/>
+        </a:prstGeom>
+        <a:solidFill>
+          <a:schemeClr val="accent2">
+            <a:tint val="40000"/>
+            <a:alpha val="90000"/>
+            <a:hueOff val="164799"/>
+            <a:satOff val="-15877"/>
+            <a:lumOff val="-1674"/>
+            <a:alphaOff val="0"/>
+          </a:schemeClr>
+        </a:solidFill>
+        <a:ln w="15875" cap="flat" cmpd="sng" algn="ctr">
+          <a:solidFill>
+            <a:schemeClr val="accent2">
+              <a:tint val="40000"/>
+              <a:alpha val="90000"/>
+              <a:hueOff val="164799"/>
+              <a:satOff val="-15877"/>
+              <a:lumOff val="-1674"/>
+              <a:alphaOff val="0"/>
+            </a:schemeClr>
+          </a:solidFill>
+          <a:prstDash val="solid"/>
+        </a:ln>
+        <a:effectLst/>
+      </dsp:spPr>
+      <dsp:style>
+        <a:lnRef idx="2">
+          <a:scrgbClr r="0" g="0" b="0"/>
+        </a:lnRef>
+        <a:fillRef idx="1">
+          <a:scrgbClr r="0" g="0" b="0"/>
+        </a:fillRef>
+        <a:effectRef idx="0">
+          <a:scrgbClr r="0" g="0" b="0"/>
+        </a:effectRef>
+        <a:fontRef idx="minor"/>
+      </dsp:style>
+      <dsp:txBody>
+        <a:bodyPr spcFirstLastPara="0" vert="horz" wrap="square" lIns="72390" tIns="36195" rIns="72390" bIns="36195" numCol="1" spcCol="1270" anchor="ctr" anchorCtr="0">
+          <a:noAutofit/>
+        </a:bodyPr>
+        <a:lstStyle/>
+        <a:p>
+          <a:pPr marL="171450" lvl="1" indent="-171450" algn="l" defTabSz="844550">
+            <a:lnSpc>
+              <a:spcPct val="90000"/>
+            </a:lnSpc>
+            <a:spcBef>
+              <a:spcPct val="0"/>
+            </a:spcBef>
+            <a:spcAft>
+              <a:spcPct val="15000"/>
+            </a:spcAft>
+            <a:buChar char="•"/>
+          </a:pPr>
+          <a:r>
+            <a:rPr lang="en-US" sz="1900" kern="1200" dirty="0"/>
+            <a:t>Sets seed of random number generator</a:t>
+          </a:r>
+        </a:p>
+        <a:p>
+          <a:pPr marL="342900" lvl="2" indent="-171450" algn="l" defTabSz="844550">
+            <a:lnSpc>
+              <a:spcPct val="90000"/>
+            </a:lnSpc>
+            <a:spcBef>
+              <a:spcPct val="0"/>
+            </a:spcBef>
+            <a:spcAft>
+              <a:spcPct val="15000"/>
+            </a:spcAft>
+            <a:buChar char="•"/>
+          </a:pPr>
+          <a:r>
+            <a:rPr lang="en-US" sz="1900" kern="1200" dirty="0"/>
+            <a:t>Selects a random feature to update</a:t>
+          </a:r>
+        </a:p>
+      </dsp:txBody>
+      <dsp:txXfrm rot="-5400000">
+        <a:off x="3621024" y="2042557"/>
+        <a:ext cx="6401783" cy="657930"/>
+      </dsp:txXfrm>
+    </dsp:sp>
+    <dsp:sp modelId="{915A2548-4434-4D62-8DED-FADECE7A6382}">
+      <dsp:nvSpPr>
+        <dsp:cNvPr id="0" name=""/>
+        <dsp:cNvSpPr/>
+      </dsp:nvSpPr>
+      <dsp:spPr>
+        <a:xfrm>
+          <a:off x="0" y="1915824"/>
+          <a:ext cx="3621024" cy="911395"/>
+        </a:xfrm>
+        <a:prstGeom prst="roundRect">
+          <a:avLst/>
+        </a:prstGeom>
+        <a:solidFill>
+          <a:schemeClr val="accent2">
+            <a:hueOff val="26025"/>
+            <a:satOff val="-17917"/>
+            <a:lumOff val="-4575"/>
+            <a:alphaOff val="0"/>
+          </a:schemeClr>
+        </a:solidFill>
+        <a:ln w="15875" cap="flat" cmpd="sng" algn="ctr">
+          <a:solidFill>
+            <a:schemeClr val="lt1">
+              <a:hueOff val="0"/>
+              <a:satOff val="0"/>
+              <a:lumOff val="0"/>
+              <a:alphaOff val="0"/>
+            </a:schemeClr>
+          </a:solidFill>
+          <a:prstDash val="solid"/>
+        </a:ln>
+        <a:effectLst/>
+      </dsp:spPr>
+      <dsp:style>
+        <a:lnRef idx="2">
+          <a:scrgbClr r="0" g="0" b="0"/>
+        </a:lnRef>
+        <a:fillRef idx="1">
+          <a:scrgbClr r="0" g="0" b="0"/>
+        </a:fillRef>
+        <a:effectRef idx="0">
+          <a:scrgbClr r="0" g="0" b="0"/>
+        </a:effectRef>
+        <a:fontRef idx="minor">
+          <a:schemeClr val="lt1"/>
+        </a:fontRef>
+      </dsp:style>
+      <dsp:txBody>
+        <a:bodyPr spcFirstLastPara="0" vert="horz" wrap="square" lIns="110490" tIns="55245" rIns="110490" bIns="55245" numCol="1" spcCol="1270" anchor="ctr" anchorCtr="0">
+          <a:noAutofit/>
+        </a:bodyPr>
+        <a:lstStyle/>
+        <a:p>
+          <a:pPr marL="0" lvl="0" indent="0" algn="ctr" defTabSz="1289050">
+            <a:lnSpc>
+              <a:spcPct val="90000"/>
+            </a:lnSpc>
+            <a:spcBef>
+              <a:spcPct val="0"/>
+            </a:spcBef>
+            <a:spcAft>
+              <a:spcPct val="35000"/>
+            </a:spcAft>
+            <a:buNone/>
+          </a:pPr>
+          <a:r>
+            <a:rPr lang="en-US" sz="2900" kern="1200" dirty="0"/>
+            <a:t>Random State = 4</a:t>
+          </a:r>
+        </a:p>
+      </dsp:txBody>
+      <dsp:txXfrm>
+        <a:off x="44491" y="1960315"/>
+        <a:ext cx="3532042" cy="822413"/>
+      </dsp:txXfrm>
+    </dsp:sp>
+    <dsp:sp modelId="{0CB656AE-B972-405E-9926-D064451808FD}">
+      <dsp:nvSpPr>
+        <dsp:cNvPr id="0" name=""/>
+        <dsp:cNvSpPr/>
+      </dsp:nvSpPr>
+      <dsp:spPr>
+        <a:xfrm rot="5400000">
+          <a:off x="6475153" y="109799"/>
+          <a:ext cx="729116" cy="6437376"/>
+        </a:xfrm>
+        <a:prstGeom prst="round2SameRect">
+          <a:avLst/>
+        </a:prstGeom>
+        <a:solidFill>
+          <a:schemeClr val="accent2">
+            <a:tint val="40000"/>
+            <a:alpha val="90000"/>
+            <a:hueOff val="247198"/>
+            <a:satOff val="-23816"/>
+            <a:lumOff val="-2511"/>
+            <a:alphaOff val="0"/>
+          </a:schemeClr>
+        </a:solidFill>
+        <a:ln w="15875" cap="flat" cmpd="sng" algn="ctr">
+          <a:solidFill>
+            <a:schemeClr val="accent2">
+              <a:tint val="40000"/>
+              <a:alpha val="90000"/>
+              <a:hueOff val="247198"/>
+              <a:satOff val="-23816"/>
+              <a:lumOff val="-2511"/>
+              <a:alphaOff val="0"/>
+            </a:schemeClr>
+          </a:solidFill>
+          <a:prstDash val="solid"/>
+        </a:ln>
+        <a:effectLst/>
+      </dsp:spPr>
+      <dsp:style>
+        <a:lnRef idx="2">
+          <a:scrgbClr r="0" g="0" b="0"/>
+        </a:lnRef>
+        <a:fillRef idx="1">
+          <a:scrgbClr r="0" g="0" b="0"/>
+        </a:fillRef>
+        <a:effectRef idx="0">
+          <a:scrgbClr r="0" g="0" b="0"/>
+        </a:effectRef>
+        <a:fontRef idx="minor"/>
+      </dsp:style>
+      <dsp:txBody>
+        <a:bodyPr spcFirstLastPara="0" vert="horz" wrap="square" lIns="72390" tIns="36195" rIns="72390" bIns="36195" numCol="1" spcCol="1270" anchor="ctr" anchorCtr="0">
+          <a:noAutofit/>
+        </a:bodyPr>
+        <a:lstStyle/>
+        <a:p>
+          <a:pPr marL="171450" lvl="1" indent="-171450" algn="l" defTabSz="844550">
+            <a:lnSpc>
+              <a:spcPct val="90000"/>
+            </a:lnSpc>
+            <a:spcBef>
+              <a:spcPct val="0"/>
+            </a:spcBef>
+            <a:spcAft>
+              <a:spcPct val="15000"/>
+            </a:spcAft>
+            <a:buChar char="•"/>
+          </a:pPr>
+          <a:r>
+            <a:rPr lang="en-US" sz="1900" kern="1200" dirty="0"/>
+            <a:t>Updates a random coefficient every iteration</a:t>
+          </a:r>
+        </a:p>
+      </dsp:txBody>
+      <dsp:txXfrm rot="-5400000">
+        <a:off x="3621024" y="2999522"/>
+        <a:ext cx="6401783" cy="657930"/>
+      </dsp:txXfrm>
+    </dsp:sp>
+    <dsp:sp modelId="{C6D518DA-8C3C-4F54-890D-7DEEF7BD585D}">
+      <dsp:nvSpPr>
+        <dsp:cNvPr id="0" name=""/>
+        <dsp:cNvSpPr/>
+      </dsp:nvSpPr>
+      <dsp:spPr>
+        <a:xfrm>
+          <a:off x="0" y="2872789"/>
+          <a:ext cx="3621024" cy="911395"/>
+        </a:xfrm>
+        <a:prstGeom prst="roundRect">
+          <a:avLst/>
+        </a:prstGeom>
+        <a:solidFill>
+          <a:schemeClr val="accent2">
+            <a:hueOff val="39038"/>
+            <a:satOff val="-26876"/>
+            <a:lumOff val="-6863"/>
+            <a:alphaOff val="0"/>
+          </a:schemeClr>
+        </a:solidFill>
+        <a:ln w="15875" cap="flat" cmpd="sng" algn="ctr">
+          <a:solidFill>
+            <a:schemeClr val="lt1">
+              <a:hueOff val="0"/>
+              <a:satOff val="0"/>
+              <a:lumOff val="0"/>
+              <a:alphaOff val="0"/>
+            </a:schemeClr>
+          </a:solidFill>
+          <a:prstDash val="solid"/>
+        </a:ln>
+        <a:effectLst/>
+      </dsp:spPr>
+      <dsp:style>
+        <a:lnRef idx="2">
+          <a:scrgbClr r="0" g="0" b="0"/>
+        </a:lnRef>
+        <a:fillRef idx="1">
+          <a:scrgbClr r="0" g="0" b="0"/>
+        </a:fillRef>
+        <a:effectRef idx="0">
+          <a:scrgbClr r="0" g="0" b="0"/>
+        </a:effectRef>
+        <a:fontRef idx="minor">
+          <a:schemeClr val="lt1"/>
+        </a:fontRef>
+      </dsp:style>
+      <dsp:txBody>
+        <a:bodyPr spcFirstLastPara="0" vert="horz" wrap="square" lIns="110490" tIns="55245" rIns="110490" bIns="55245" numCol="1" spcCol="1270" anchor="ctr" anchorCtr="0">
+          <a:noAutofit/>
+        </a:bodyPr>
+        <a:lstStyle/>
+        <a:p>
+          <a:pPr marL="0" lvl="0" indent="0" algn="ctr" defTabSz="1289050">
+            <a:lnSpc>
+              <a:spcPct val="90000"/>
+            </a:lnSpc>
+            <a:spcBef>
+              <a:spcPct val="0"/>
+            </a:spcBef>
+            <a:spcAft>
+              <a:spcPct val="35000"/>
+            </a:spcAft>
+            <a:buNone/>
+          </a:pPr>
+          <a:r>
+            <a:rPr lang="en-US" sz="2900" kern="1200" dirty="0"/>
+            <a:t>Selection = “random”</a:t>
+          </a:r>
+        </a:p>
+      </dsp:txBody>
+      <dsp:txXfrm>
+        <a:off x="44491" y="2917280"/>
+        <a:ext cx="3532042" cy="822413"/>
+      </dsp:txXfrm>
+    </dsp:sp>
+  </dsp:spTree>
+</dsp:drawing>
+</file>
+
+<file path=ppt/diagrams/drawing5.xml><?xml version="1.0" encoding="utf-8"?>
+<dsp:drawing xmlns:dgm="http://schemas.openxmlformats.org/drawingml/2006/diagram" xmlns:dsp="http://schemas.microsoft.com/office/drawing/2008/diagram" xmlns:a="http://schemas.openxmlformats.org/drawingml/2006/main">
+  <dsp:spTree>
+    <dsp:nvGrpSpPr>
+      <dsp:cNvPr id="0" name=""/>
+      <dsp:cNvGrpSpPr/>
+    </dsp:nvGrpSpPr>
+    <dsp:grpSpPr/>
     <dsp:sp modelId="{CBFA63D3-AD8E-4EA7-829E-496865E21783}">
       <dsp:nvSpPr>
         <dsp:cNvPr id="0" name=""/>
@@ -10790,7 +12712,7 @@
 </dsp:drawing>
 </file>
 
-<file path=ppt/diagrams/drawing5.xml><?xml version="1.0" encoding="utf-8"?>
+<file path=ppt/diagrams/drawing6.xml><?xml version="1.0" encoding="utf-8"?>
 <dsp:drawing xmlns:dgm="http://schemas.openxmlformats.org/drawingml/2006/diagram" xmlns:dsp="http://schemas.microsoft.com/office/drawing/2008/diagram" xmlns:a="http://schemas.openxmlformats.org/drawingml/2006/main">
   <dsp:spTree>
     <dsp:nvGrpSpPr>
@@ -11123,8 +13045,16 @@
             <a:buNone/>
           </a:pPr>
           <a:r>
-            <a:rPr lang="en-US" sz="2500" kern="1200"/>
-            <a:t>Solver = “liblinear”</a:t>
+            <a:rPr lang="en-US" sz="2500" kern="1200" dirty="0"/>
+            <a:t>Solver = “</a:t>
+          </a:r>
+          <a:r>
+            <a:rPr lang="en-US" sz="2500" kern="1200" dirty="0" err="1"/>
+            <a:t>liblinear</a:t>
+          </a:r>
+          <a:r>
+            <a:rPr lang="en-US" sz="2500" kern="1200" dirty="0"/>
+            <a:t>”</a:t>
           </a:r>
         </a:p>
       </dsp:txBody>
@@ -11449,7 +13379,7 @@
 </dsp:drawing>
 </file>
 
-<file path=ppt/diagrams/drawing6.xml><?xml version="1.0" encoding="utf-8"?>
+<file path=ppt/diagrams/drawing7.xml><?xml version="1.0" encoding="utf-8"?>
 <dsp:drawing xmlns:dgm="http://schemas.openxmlformats.org/drawingml/2006/diagram" xmlns:dsp="http://schemas.microsoft.com/office/drawing/2008/diagram" xmlns:a="http://schemas.openxmlformats.org/drawingml/2006/main">
   <dsp:spTree>
     <dsp:nvGrpSpPr>
@@ -11680,7 +13610,7 @@
           </a:pPr>
           <a:r>
             <a:rPr lang="en-US" sz="3000" kern="1200" dirty="0"/>
-            <a:t>Lasso: .763</a:t>
+            <a:t>Lasso: .847</a:t>
           </a:r>
         </a:p>
         <a:p>
@@ -12373,173 +14303,6 @@
 </file>
 
 <file path=ppt/diagrams/layout4.xml><?xml version="1.0" encoding="utf-8"?>
-<dgm:layoutDef xmlns:dgm="http://schemas.openxmlformats.org/drawingml/2006/diagram" xmlns:a="http://schemas.openxmlformats.org/drawingml/2006/main" uniqueId="urn:microsoft.com/office/officeart/2005/8/layout/vList2">
-  <dgm:title val=""/>
-  <dgm:desc val=""/>
-  <dgm:catLst>
-    <dgm:cat type="list" pri="3000"/>
-    <dgm:cat type="convert" pri="1000"/>
-  </dgm:catLst>
-  <dgm:sampData>
-    <dgm:dataModel>
-      <dgm:ptLst>
-        <dgm:pt modelId="0" type="doc"/>
-        <dgm:pt modelId="1">
-          <dgm:prSet phldr="1"/>
-        </dgm:pt>
-        <dgm:pt modelId="11">
-          <dgm:prSet phldr="1"/>
-        </dgm:pt>
-        <dgm:pt modelId="2">
-          <dgm:prSet phldr="1"/>
-        </dgm:pt>
-        <dgm:pt modelId="21">
-          <dgm:prSet phldr="1"/>
-        </dgm:pt>
-      </dgm:ptLst>
-      <dgm:cxnLst>
-        <dgm:cxn modelId="4" srcId="0" destId="1" srcOrd="0" destOrd="0"/>
-        <dgm:cxn modelId="5" srcId="0" destId="2" srcOrd="1" destOrd="0"/>
-        <dgm:cxn modelId="12" srcId="1" destId="11" srcOrd="0" destOrd="0"/>
-        <dgm:cxn modelId="23" srcId="2" destId="21" srcOrd="0" destOrd="0"/>
-      </dgm:cxnLst>
-      <dgm:bg/>
-      <dgm:whole/>
-    </dgm:dataModel>
-  </dgm:sampData>
-  <dgm:styleData>
-    <dgm:dataModel>
-      <dgm:ptLst>
-        <dgm:pt modelId="0" type="doc"/>
-        <dgm:pt modelId="1"/>
-        <dgm:pt modelId="2"/>
-      </dgm:ptLst>
-      <dgm:cxnLst>
-        <dgm:cxn modelId="3" srcId="0" destId="1" srcOrd="0" destOrd="0"/>
-        <dgm:cxn modelId="4" srcId="0" destId="2" srcOrd="1" destOrd="0"/>
-      </dgm:cxnLst>
-      <dgm:bg/>
-      <dgm:whole/>
-    </dgm:dataModel>
-  </dgm:styleData>
-  <dgm:clrData>
-    <dgm:dataModel>
-      <dgm:ptLst>
-        <dgm:pt modelId="0" type="doc"/>
-        <dgm:pt modelId="1"/>
-        <dgm:pt modelId="2"/>
-        <dgm:pt modelId="3"/>
-        <dgm:pt modelId="4"/>
-      </dgm:ptLst>
-      <dgm:cxnLst>
-        <dgm:cxn modelId="5" srcId="0" destId="1" srcOrd="0" destOrd="0"/>
-        <dgm:cxn modelId="6" srcId="0" destId="2" srcOrd="1" destOrd="0"/>
-        <dgm:cxn modelId="7" srcId="0" destId="3" srcOrd="2" destOrd="0"/>
-        <dgm:cxn modelId="8" srcId="0" destId="4" srcOrd="3" destOrd="0"/>
-      </dgm:cxnLst>
-      <dgm:bg/>
-      <dgm:whole/>
-    </dgm:dataModel>
-  </dgm:clrData>
-  <dgm:layoutNode name="linear">
-    <dgm:varLst>
-      <dgm:animLvl val="lvl"/>
-      <dgm:resizeHandles val="exact"/>
-    </dgm:varLst>
-    <dgm:alg type="lin">
-      <dgm:param type="linDir" val="fromT"/>
-      <dgm:param type="vertAlign" val="mid"/>
-    </dgm:alg>
-    <dgm:shape xmlns:r="http://schemas.openxmlformats.org/officeDocument/2006/relationships" r:blip="">
-      <dgm:adjLst/>
-    </dgm:shape>
-    <dgm:presOf/>
-    <dgm:constrLst>
-      <dgm:constr type="w" for="ch" forName="parentText" refType="w"/>
-      <dgm:constr type="h" for="ch" forName="parentText" refType="primFontSz" refFor="ch" refForName="parentText" fact="0.52"/>
-      <dgm:constr type="w" for="ch" forName="childText" refType="w"/>
-      <dgm:constr type="h" for="ch" forName="childText" refType="primFontSz" refFor="ch" refForName="parentText" fact="0.46"/>
-      <dgm:constr type="h" for="ch" forName="parentText" op="equ"/>
-      <dgm:constr type="primFontSz" for="ch" forName="parentText" op="equ" val="65"/>
-      <dgm:constr type="primFontSz" for="ch" forName="childText" refType="primFontSz" refFor="ch" refForName="parentText" op="equ"/>
-      <dgm:constr type="h" for="ch" forName="spacer" refType="primFontSz" refFor="ch" refForName="parentText" fact="0.08"/>
-    </dgm:constrLst>
-    <dgm:ruleLst>
-      <dgm:rule type="primFontSz" for="ch" forName="parentText" val="5" fact="NaN" max="NaN"/>
-    </dgm:ruleLst>
-    <dgm:forEach name="Name0" axis="ch" ptType="node">
-      <dgm:layoutNode name="parentText" styleLbl="node1">
-        <dgm:varLst>
-          <dgm:chMax val="0"/>
-          <dgm:bulletEnabled val="1"/>
-        </dgm:varLst>
-        <dgm:alg type="tx">
-          <dgm:param type="parTxLTRAlign" val="l"/>
-          <dgm:param type="parTxRTLAlign" val="r"/>
-        </dgm:alg>
-        <dgm:shape xmlns:r="http://schemas.openxmlformats.org/officeDocument/2006/relationships" type="roundRect" r:blip="">
-          <dgm:adjLst/>
-        </dgm:shape>
-        <dgm:presOf axis="self"/>
-        <dgm:constrLst>
-          <dgm:constr type="tMarg" refType="primFontSz" fact="0.3"/>
-          <dgm:constr type="bMarg" refType="primFontSz" fact="0.3"/>
-          <dgm:constr type="lMarg" refType="primFontSz" fact="0.3"/>
-          <dgm:constr type="rMarg" refType="primFontSz" fact="0.3"/>
-        </dgm:constrLst>
-        <dgm:ruleLst>
-          <dgm:rule type="h" val="INF" fact="NaN" max="NaN"/>
-        </dgm:ruleLst>
-      </dgm:layoutNode>
-      <dgm:choose name="Name1">
-        <dgm:if name="Name2" axis="ch" ptType="node" func="cnt" op="gte" val="1">
-          <dgm:layoutNode name="childText" styleLbl="revTx">
-            <dgm:varLst>
-              <dgm:bulletEnabled val="1"/>
-            </dgm:varLst>
-            <dgm:alg type="tx">
-              <dgm:param type="stBulletLvl" val="1"/>
-              <dgm:param type="lnSpAfChP" val="20"/>
-            </dgm:alg>
-            <dgm:shape xmlns:r="http://schemas.openxmlformats.org/officeDocument/2006/relationships" type="rect" r:blip="">
-              <dgm:adjLst/>
-            </dgm:shape>
-            <dgm:presOf axis="des" ptType="node"/>
-            <dgm:constrLst>
-              <dgm:constr type="tMarg" refType="primFontSz" fact="0.1"/>
-              <dgm:constr type="bMarg" refType="primFontSz" fact="0.1"/>
-              <dgm:constr type="lMarg" refType="w" fact="0.09"/>
-            </dgm:constrLst>
-            <dgm:ruleLst>
-              <dgm:rule type="h" val="INF" fact="NaN" max="NaN"/>
-            </dgm:ruleLst>
-          </dgm:layoutNode>
-        </dgm:if>
-        <dgm:else name="Name3">
-          <dgm:choose name="Name4">
-            <dgm:if name="Name5" axis="par ch" ptType="doc node" func="cnt" op="gte" val="2">
-              <dgm:forEach name="Name6" axis="followSib" ptType="sibTrans" cnt="1">
-                <dgm:layoutNode name="spacer">
-                  <dgm:alg type="sp"/>
-                  <dgm:shape xmlns:r="http://schemas.openxmlformats.org/officeDocument/2006/relationships" r:blip="">
-                    <dgm:adjLst/>
-                  </dgm:shape>
-                  <dgm:presOf/>
-                  <dgm:constrLst/>
-                  <dgm:ruleLst/>
-                </dgm:layoutNode>
-              </dgm:forEach>
-            </dgm:if>
-            <dgm:else name="Name7"/>
-          </dgm:choose>
-        </dgm:else>
-      </dgm:choose>
-    </dgm:forEach>
-  </dgm:layoutNode>
-</dgm:layoutDef>
-</file>
-
-<file path=ppt/diagrams/layout5.xml><?xml version="1.0" encoding="utf-8"?>
 <dgm:layoutDef xmlns:dgm="http://schemas.openxmlformats.org/drawingml/2006/diagram" xmlns:a="http://schemas.openxmlformats.org/drawingml/2006/main" uniqueId="urn:microsoft.com/office/officeart/2005/8/layout/vList5">
   <dgm:title val=""/>
   <dgm:desc val=""/>
@@ -12772,7 +14535,407 @@
 </dgm:layoutDef>
 </file>
 
+<file path=ppt/diagrams/layout5.xml><?xml version="1.0" encoding="utf-8"?>
+<dgm:layoutDef xmlns:dgm="http://schemas.openxmlformats.org/drawingml/2006/diagram" xmlns:a="http://schemas.openxmlformats.org/drawingml/2006/main" uniqueId="urn:microsoft.com/office/officeart/2005/8/layout/vList2">
+  <dgm:title val=""/>
+  <dgm:desc val=""/>
+  <dgm:catLst>
+    <dgm:cat type="list" pri="3000"/>
+    <dgm:cat type="convert" pri="1000"/>
+  </dgm:catLst>
+  <dgm:sampData>
+    <dgm:dataModel>
+      <dgm:ptLst>
+        <dgm:pt modelId="0" type="doc"/>
+        <dgm:pt modelId="1">
+          <dgm:prSet phldr="1"/>
+        </dgm:pt>
+        <dgm:pt modelId="11">
+          <dgm:prSet phldr="1"/>
+        </dgm:pt>
+        <dgm:pt modelId="2">
+          <dgm:prSet phldr="1"/>
+        </dgm:pt>
+        <dgm:pt modelId="21">
+          <dgm:prSet phldr="1"/>
+        </dgm:pt>
+      </dgm:ptLst>
+      <dgm:cxnLst>
+        <dgm:cxn modelId="4" srcId="0" destId="1" srcOrd="0" destOrd="0"/>
+        <dgm:cxn modelId="5" srcId="0" destId="2" srcOrd="1" destOrd="0"/>
+        <dgm:cxn modelId="12" srcId="1" destId="11" srcOrd="0" destOrd="0"/>
+        <dgm:cxn modelId="23" srcId="2" destId="21" srcOrd="0" destOrd="0"/>
+      </dgm:cxnLst>
+      <dgm:bg/>
+      <dgm:whole/>
+    </dgm:dataModel>
+  </dgm:sampData>
+  <dgm:styleData>
+    <dgm:dataModel>
+      <dgm:ptLst>
+        <dgm:pt modelId="0" type="doc"/>
+        <dgm:pt modelId="1"/>
+        <dgm:pt modelId="2"/>
+      </dgm:ptLst>
+      <dgm:cxnLst>
+        <dgm:cxn modelId="3" srcId="0" destId="1" srcOrd="0" destOrd="0"/>
+        <dgm:cxn modelId="4" srcId="0" destId="2" srcOrd="1" destOrd="0"/>
+      </dgm:cxnLst>
+      <dgm:bg/>
+      <dgm:whole/>
+    </dgm:dataModel>
+  </dgm:styleData>
+  <dgm:clrData>
+    <dgm:dataModel>
+      <dgm:ptLst>
+        <dgm:pt modelId="0" type="doc"/>
+        <dgm:pt modelId="1"/>
+        <dgm:pt modelId="2"/>
+        <dgm:pt modelId="3"/>
+        <dgm:pt modelId="4"/>
+      </dgm:ptLst>
+      <dgm:cxnLst>
+        <dgm:cxn modelId="5" srcId="0" destId="1" srcOrd="0" destOrd="0"/>
+        <dgm:cxn modelId="6" srcId="0" destId="2" srcOrd="1" destOrd="0"/>
+        <dgm:cxn modelId="7" srcId="0" destId="3" srcOrd="2" destOrd="0"/>
+        <dgm:cxn modelId="8" srcId="0" destId="4" srcOrd="3" destOrd="0"/>
+      </dgm:cxnLst>
+      <dgm:bg/>
+      <dgm:whole/>
+    </dgm:dataModel>
+  </dgm:clrData>
+  <dgm:layoutNode name="linear">
+    <dgm:varLst>
+      <dgm:animLvl val="lvl"/>
+      <dgm:resizeHandles val="exact"/>
+    </dgm:varLst>
+    <dgm:alg type="lin">
+      <dgm:param type="linDir" val="fromT"/>
+      <dgm:param type="vertAlign" val="mid"/>
+    </dgm:alg>
+    <dgm:shape xmlns:r="http://schemas.openxmlformats.org/officeDocument/2006/relationships" r:blip="">
+      <dgm:adjLst/>
+    </dgm:shape>
+    <dgm:presOf/>
+    <dgm:constrLst>
+      <dgm:constr type="w" for="ch" forName="parentText" refType="w"/>
+      <dgm:constr type="h" for="ch" forName="parentText" refType="primFontSz" refFor="ch" refForName="parentText" fact="0.52"/>
+      <dgm:constr type="w" for="ch" forName="childText" refType="w"/>
+      <dgm:constr type="h" for="ch" forName="childText" refType="primFontSz" refFor="ch" refForName="parentText" fact="0.46"/>
+      <dgm:constr type="h" for="ch" forName="parentText" op="equ"/>
+      <dgm:constr type="primFontSz" for="ch" forName="parentText" op="equ" val="65"/>
+      <dgm:constr type="primFontSz" for="ch" forName="childText" refType="primFontSz" refFor="ch" refForName="parentText" op="equ"/>
+      <dgm:constr type="h" for="ch" forName="spacer" refType="primFontSz" refFor="ch" refForName="parentText" fact="0.08"/>
+    </dgm:constrLst>
+    <dgm:ruleLst>
+      <dgm:rule type="primFontSz" for="ch" forName="parentText" val="5" fact="NaN" max="NaN"/>
+    </dgm:ruleLst>
+    <dgm:forEach name="Name0" axis="ch" ptType="node">
+      <dgm:layoutNode name="parentText" styleLbl="node1">
+        <dgm:varLst>
+          <dgm:chMax val="0"/>
+          <dgm:bulletEnabled val="1"/>
+        </dgm:varLst>
+        <dgm:alg type="tx">
+          <dgm:param type="parTxLTRAlign" val="l"/>
+          <dgm:param type="parTxRTLAlign" val="r"/>
+        </dgm:alg>
+        <dgm:shape xmlns:r="http://schemas.openxmlformats.org/officeDocument/2006/relationships" type="roundRect" r:blip="">
+          <dgm:adjLst/>
+        </dgm:shape>
+        <dgm:presOf axis="self"/>
+        <dgm:constrLst>
+          <dgm:constr type="tMarg" refType="primFontSz" fact="0.3"/>
+          <dgm:constr type="bMarg" refType="primFontSz" fact="0.3"/>
+          <dgm:constr type="lMarg" refType="primFontSz" fact="0.3"/>
+          <dgm:constr type="rMarg" refType="primFontSz" fact="0.3"/>
+        </dgm:constrLst>
+        <dgm:ruleLst>
+          <dgm:rule type="h" val="INF" fact="NaN" max="NaN"/>
+        </dgm:ruleLst>
+      </dgm:layoutNode>
+      <dgm:choose name="Name1">
+        <dgm:if name="Name2" axis="ch" ptType="node" func="cnt" op="gte" val="1">
+          <dgm:layoutNode name="childText" styleLbl="revTx">
+            <dgm:varLst>
+              <dgm:bulletEnabled val="1"/>
+            </dgm:varLst>
+            <dgm:alg type="tx">
+              <dgm:param type="stBulletLvl" val="1"/>
+              <dgm:param type="lnSpAfChP" val="20"/>
+            </dgm:alg>
+            <dgm:shape xmlns:r="http://schemas.openxmlformats.org/officeDocument/2006/relationships" type="rect" r:blip="">
+              <dgm:adjLst/>
+            </dgm:shape>
+            <dgm:presOf axis="des" ptType="node"/>
+            <dgm:constrLst>
+              <dgm:constr type="tMarg" refType="primFontSz" fact="0.1"/>
+              <dgm:constr type="bMarg" refType="primFontSz" fact="0.1"/>
+              <dgm:constr type="lMarg" refType="w" fact="0.09"/>
+            </dgm:constrLst>
+            <dgm:ruleLst>
+              <dgm:rule type="h" val="INF" fact="NaN" max="NaN"/>
+            </dgm:ruleLst>
+          </dgm:layoutNode>
+        </dgm:if>
+        <dgm:else name="Name3">
+          <dgm:choose name="Name4">
+            <dgm:if name="Name5" axis="par ch" ptType="doc node" func="cnt" op="gte" val="2">
+              <dgm:forEach name="Name6" axis="followSib" ptType="sibTrans" cnt="1">
+                <dgm:layoutNode name="spacer">
+                  <dgm:alg type="sp"/>
+                  <dgm:shape xmlns:r="http://schemas.openxmlformats.org/officeDocument/2006/relationships" r:blip="">
+                    <dgm:adjLst/>
+                  </dgm:shape>
+                  <dgm:presOf/>
+                  <dgm:constrLst/>
+                  <dgm:ruleLst/>
+                </dgm:layoutNode>
+              </dgm:forEach>
+            </dgm:if>
+            <dgm:else name="Name7"/>
+          </dgm:choose>
+        </dgm:else>
+      </dgm:choose>
+    </dgm:forEach>
+  </dgm:layoutNode>
+</dgm:layoutDef>
+</file>
+
 <file path=ppt/diagrams/layout6.xml><?xml version="1.0" encoding="utf-8"?>
+<dgm:layoutDef xmlns:dgm="http://schemas.openxmlformats.org/drawingml/2006/diagram" xmlns:a="http://schemas.openxmlformats.org/drawingml/2006/main" uniqueId="urn:microsoft.com/office/officeart/2005/8/layout/vList5">
+  <dgm:title val=""/>
+  <dgm:desc val=""/>
+  <dgm:catLst>
+    <dgm:cat type="list" pri="15000"/>
+    <dgm:cat type="convert" pri="2000"/>
+  </dgm:catLst>
+  <dgm:sampData>
+    <dgm:dataModel>
+      <dgm:ptLst>
+        <dgm:pt modelId="0" type="doc"/>
+        <dgm:pt modelId="1">
+          <dgm:prSet phldr="1"/>
+        </dgm:pt>
+        <dgm:pt modelId="11">
+          <dgm:prSet phldr="1"/>
+        </dgm:pt>
+        <dgm:pt modelId="12">
+          <dgm:prSet phldr="1"/>
+        </dgm:pt>
+        <dgm:pt modelId="2">
+          <dgm:prSet phldr="1"/>
+        </dgm:pt>
+        <dgm:pt modelId="21">
+          <dgm:prSet phldr="1"/>
+        </dgm:pt>
+        <dgm:pt modelId="22">
+          <dgm:prSet phldr="1"/>
+        </dgm:pt>
+        <dgm:pt modelId="3">
+          <dgm:prSet phldr="1"/>
+        </dgm:pt>
+        <dgm:pt modelId="31">
+          <dgm:prSet phldr="1"/>
+        </dgm:pt>
+        <dgm:pt modelId="32">
+          <dgm:prSet phldr="1"/>
+        </dgm:pt>
+      </dgm:ptLst>
+      <dgm:cxnLst>
+        <dgm:cxn modelId="4" srcId="0" destId="1" srcOrd="0" destOrd="0"/>
+        <dgm:cxn modelId="5" srcId="0" destId="2" srcOrd="1" destOrd="0"/>
+        <dgm:cxn modelId="6" srcId="0" destId="3" srcOrd="2" destOrd="0"/>
+        <dgm:cxn modelId="13" srcId="1" destId="11" srcOrd="0" destOrd="0"/>
+        <dgm:cxn modelId="14" srcId="1" destId="12" srcOrd="1" destOrd="0"/>
+        <dgm:cxn modelId="23" srcId="2" destId="21" srcOrd="0" destOrd="0"/>
+        <dgm:cxn modelId="24" srcId="2" destId="22" srcOrd="1" destOrd="0"/>
+        <dgm:cxn modelId="33" srcId="3" destId="31" srcOrd="0" destOrd="0"/>
+        <dgm:cxn modelId="34" srcId="3" destId="32" srcOrd="1" destOrd="0"/>
+      </dgm:cxnLst>
+      <dgm:bg/>
+      <dgm:whole/>
+    </dgm:dataModel>
+  </dgm:sampData>
+  <dgm:styleData>
+    <dgm:dataModel>
+      <dgm:ptLst>
+        <dgm:pt modelId="0" type="doc"/>
+        <dgm:pt modelId="1"/>
+        <dgm:pt modelId="11"/>
+        <dgm:pt modelId="2"/>
+        <dgm:pt modelId="21"/>
+      </dgm:ptLst>
+      <dgm:cxnLst>
+        <dgm:cxn modelId="4" srcId="0" destId="1" srcOrd="0" destOrd="0"/>
+        <dgm:cxn modelId="5" srcId="0" destId="2" srcOrd="1" destOrd="0"/>
+        <dgm:cxn modelId="13" srcId="1" destId="11" srcOrd="0" destOrd="0"/>
+        <dgm:cxn modelId="23" srcId="2" destId="21" srcOrd="0" destOrd="0"/>
+      </dgm:cxnLst>
+      <dgm:bg/>
+      <dgm:whole/>
+    </dgm:dataModel>
+  </dgm:styleData>
+  <dgm:clrData>
+    <dgm:dataModel>
+      <dgm:ptLst>
+        <dgm:pt modelId="0" type="doc"/>
+        <dgm:pt modelId="1"/>
+        <dgm:pt modelId="11"/>
+        <dgm:pt modelId="2"/>
+        <dgm:pt modelId="21"/>
+        <dgm:pt modelId="3"/>
+        <dgm:pt modelId="31"/>
+        <dgm:pt modelId="4"/>
+        <dgm:pt modelId="41"/>
+      </dgm:ptLst>
+      <dgm:cxnLst>
+        <dgm:cxn modelId="5" srcId="0" destId="1" srcOrd="0" destOrd="0"/>
+        <dgm:cxn modelId="6" srcId="0" destId="2" srcOrd="1" destOrd="0"/>
+        <dgm:cxn modelId="7" srcId="0" destId="3" srcOrd="2" destOrd="0"/>
+        <dgm:cxn modelId="8" srcId="0" destId="4" srcOrd="3" destOrd="0"/>
+        <dgm:cxn modelId="13" srcId="1" destId="11" srcOrd="0" destOrd="0"/>
+        <dgm:cxn modelId="23" srcId="2" destId="21" srcOrd="0" destOrd="0"/>
+        <dgm:cxn modelId="33" srcId="3" destId="31" srcOrd="0" destOrd="0"/>
+        <dgm:cxn modelId="43" srcId="4" destId="41" srcOrd="0" destOrd="0"/>
+      </dgm:cxnLst>
+      <dgm:bg/>
+      <dgm:whole/>
+    </dgm:dataModel>
+  </dgm:clrData>
+  <dgm:layoutNode name="Name0">
+    <dgm:varLst>
+      <dgm:dir/>
+      <dgm:animLvl val="lvl"/>
+      <dgm:resizeHandles val="exact"/>
+    </dgm:varLst>
+    <dgm:choose name="Name1">
+      <dgm:if name="Name2" func="var" arg="dir" op="equ" val="norm">
+        <dgm:alg type="lin">
+          <dgm:param type="linDir" val="fromT"/>
+          <dgm:param type="nodeHorzAlign" val="l"/>
+        </dgm:alg>
+      </dgm:if>
+      <dgm:else name="Name3">
+        <dgm:alg type="lin">
+          <dgm:param type="linDir" val="fromT"/>
+          <dgm:param type="nodeHorzAlign" val="r"/>
+        </dgm:alg>
+      </dgm:else>
+    </dgm:choose>
+    <dgm:shape xmlns:r="http://schemas.openxmlformats.org/officeDocument/2006/relationships" r:blip="">
+      <dgm:adjLst/>
+    </dgm:shape>
+    <dgm:presOf/>
+    <dgm:constrLst>
+      <dgm:constr type="h" for="ch" forName="linNode" refType="h"/>
+      <dgm:constr type="w" for="ch" forName="linNode" refType="w"/>
+      <dgm:constr type="h" for="ch" forName="sp" refType="h" fact="0.05"/>
+      <dgm:constr type="primFontSz" for="des" forName="parentText" op="equ" val="65"/>
+      <dgm:constr type="secFontSz" for="des" forName="descendantText" op="equ"/>
+    </dgm:constrLst>
+    <dgm:ruleLst/>
+    <dgm:forEach name="Name4" axis="ch" ptType="node">
+      <dgm:layoutNode name="linNode">
+        <dgm:choose name="Name5">
+          <dgm:if name="Name6" func="var" arg="dir" op="equ" val="norm">
+            <dgm:alg type="lin">
+              <dgm:param type="linDir" val="fromL"/>
+            </dgm:alg>
+          </dgm:if>
+          <dgm:else name="Name7">
+            <dgm:alg type="lin">
+              <dgm:param type="linDir" val="fromR"/>
+            </dgm:alg>
+          </dgm:else>
+        </dgm:choose>
+        <dgm:shape xmlns:r="http://schemas.openxmlformats.org/officeDocument/2006/relationships" r:blip="">
+          <dgm:adjLst/>
+        </dgm:shape>
+        <dgm:presOf/>
+        <dgm:constrLst>
+          <dgm:constr type="w" for="ch" forName="parentText" refType="w" fact="0.36"/>
+          <dgm:constr type="w" for="ch" forName="descendantText" refType="w" fact="0.64"/>
+          <dgm:constr type="h" for="ch" forName="parentText" refType="h"/>
+          <dgm:constr type="h" for="ch" forName="descendantText" refType="h" refFor="ch" refForName="parentText" fact="0.8"/>
+        </dgm:constrLst>
+        <dgm:ruleLst/>
+        <dgm:layoutNode name="parentText">
+          <dgm:varLst>
+            <dgm:chMax val="1"/>
+            <dgm:bulletEnabled val="1"/>
+          </dgm:varLst>
+          <dgm:alg type="tx"/>
+          <dgm:shape xmlns:r="http://schemas.openxmlformats.org/officeDocument/2006/relationships" type="roundRect" r:blip="" zOrderOff="3">
+            <dgm:adjLst/>
+          </dgm:shape>
+          <dgm:presOf axis="self" ptType="node"/>
+          <dgm:constrLst>
+            <dgm:constr type="tMarg" refType="primFontSz" fact="0.15"/>
+            <dgm:constr type="bMarg" refType="primFontSz" fact="0.15"/>
+            <dgm:constr type="lMarg" refType="primFontSz" fact="0.3"/>
+            <dgm:constr type="rMarg" refType="primFontSz" fact="0.3"/>
+          </dgm:constrLst>
+          <dgm:ruleLst>
+            <dgm:rule type="primFontSz" val="5" fact="NaN" max="NaN"/>
+          </dgm:ruleLst>
+        </dgm:layoutNode>
+        <dgm:choose name="Name8">
+          <dgm:if name="Name9" axis="ch" ptType="node" func="cnt" op="gte" val="1">
+            <dgm:layoutNode name="descendantText" styleLbl="alignAccFollowNode1">
+              <dgm:varLst>
+                <dgm:bulletEnabled val="1"/>
+              </dgm:varLst>
+              <dgm:alg type="tx">
+                <dgm:param type="stBulletLvl" val="1"/>
+                <dgm:param type="txAnchorVertCh" val="mid"/>
+              </dgm:alg>
+              <dgm:choose name="Name10">
+                <dgm:if name="Name11" func="var" arg="dir" op="equ" val="norm">
+                  <dgm:shape xmlns:r="http://schemas.openxmlformats.org/officeDocument/2006/relationships" rot="90" type="round2SameRect" r:blip="">
+                    <dgm:adjLst/>
+                  </dgm:shape>
+                </dgm:if>
+                <dgm:else name="Name12">
+                  <dgm:shape xmlns:r="http://schemas.openxmlformats.org/officeDocument/2006/relationships" rot="-90" type="round2SameRect" r:blip="">
+                    <dgm:adjLst/>
+                  </dgm:shape>
+                </dgm:else>
+              </dgm:choose>
+              <dgm:presOf axis="des" ptType="node"/>
+              <dgm:constrLst>
+                <dgm:constr type="secFontSz" val="65"/>
+                <dgm:constr type="primFontSz" refType="secFontSz"/>
+                <dgm:constr type="lMarg" refType="secFontSz" fact="0.3"/>
+                <dgm:constr type="rMarg" refType="secFontSz" fact="0.3"/>
+                <dgm:constr type="tMarg" refType="secFontSz" fact="0.15"/>
+                <dgm:constr type="bMarg" refType="secFontSz" fact="0.15"/>
+              </dgm:constrLst>
+              <dgm:ruleLst>
+                <dgm:rule type="secFontSz" val="5" fact="NaN" max="NaN"/>
+              </dgm:ruleLst>
+            </dgm:layoutNode>
+          </dgm:if>
+          <dgm:else name="Name13"/>
+        </dgm:choose>
+      </dgm:layoutNode>
+      <dgm:forEach name="Name14" axis="followSib" ptType="sibTrans" cnt="1">
+        <dgm:layoutNode name="sp">
+          <dgm:alg type="sp"/>
+          <dgm:shape xmlns:r="http://schemas.openxmlformats.org/officeDocument/2006/relationships" r:blip="">
+            <dgm:adjLst/>
+          </dgm:shape>
+          <dgm:presOf/>
+          <dgm:constrLst/>
+          <dgm:ruleLst/>
+        </dgm:layoutNode>
+      </dgm:forEach>
+    </dgm:forEach>
+  </dgm:layoutNode>
+</dgm:layoutDef>
+</file>
+
+<file path=ppt/diagrams/layout7.xml><?xml version="1.0" encoding="utf-8"?>
 <dgm:layoutDef xmlns:dgm="http://schemas.openxmlformats.org/drawingml/2006/diagram" xmlns:a="http://schemas.openxmlformats.org/drawingml/2006/main" uniqueId="urn:microsoft.com/office/officeart/2005/8/layout/vList2">
   <dgm:title val=""/>
   <dgm:desc val=""/>
@@ -18110,6 +20273,1040 @@
 </file>
 
 <file path=ppt/diagrams/quickStyle6.xml><?xml version="1.0" encoding="utf-8"?>
+<dgm:styleDef xmlns:dgm="http://schemas.openxmlformats.org/drawingml/2006/diagram" xmlns:a="http://schemas.openxmlformats.org/drawingml/2006/main" uniqueId="urn:microsoft.com/office/officeart/2005/8/quickstyle/simple1">
+  <dgm:title val=""/>
+  <dgm:desc val=""/>
+  <dgm:catLst>
+    <dgm:cat type="simple" pri="10100"/>
+  </dgm:catLst>
+  <dgm:scene3d>
+    <a:camera prst="orthographicFront"/>
+    <a:lightRig rig="threePt" dir="t"/>
+  </dgm:scene3d>
+  <dgm:styleLbl name="node0">
+    <dgm:scene3d>
+      <a:camera prst="orthographicFront"/>
+      <a:lightRig rig="threePt" dir="t"/>
+    </dgm:scene3d>
+    <dgm:sp3d/>
+    <dgm:txPr/>
+    <dgm:style>
+      <a:lnRef idx="2">
+        <a:scrgbClr r="0" g="0" b="0"/>
+      </a:lnRef>
+      <a:fillRef idx="1">
+        <a:scrgbClr r="0" g="0" b="0"/>
+      </a:fillRef>
+      <a:effectRef idx="0">
+        <a:scrgbClr r="0" g="0" b="0"/>
+      </a:effectRef>
+      <a:fontRef idx="minor">
+        <a:schemeClr val="lt1"/>
+      </a:fontRef>
+    </dgm:style>
+  </dgm:styleLbl>
+  <dgm:styleLbl name="lnNode1">
+    <dgm:scene3d>
+      <a:camera prst="orthographicFront"/>
+      <a:lightRig rig="threePt" dir="t"/>
+    </dgm:scene3d>
+    <dgm:sp3d/>
+    <dgm:txPr/>
+    <dgm:style>
+      <a:lnRef idx="2">
+        <a:scrgbClr r="0" g="0" b="0"/>
+      </a:lnRef>
+      <a:fillRef idx="1">
+        <a:scrgbClr r="0" g="0" b="0"/>
+      </a:fillRef>
+      <a:effectRef idx="0">
+        <a:scrgbClr r="0" g="0" b="0"/>
+      </a:effectRef>
+      <a:fontRef idx="minor">
+        <a:schemeClr val="lt1"/>
+      </a:fontRef>
+    </dgm:style>
+  </dgm:styleLbl>
+  <dgm:styleLbl name="vennNode1">
+    <dgm:scene3d>
+      <a:camera prst="orthographicFront"/>
+      <a:lightRig rig="threePt" dir="t"/>
+    </dgm:scene3d>
+    <dgm:sp3d/>
+    <dgm:txPr/>
+    <dgm:style>
+      <a:lnRef idx="2">
+        <a:scrgbClr r="0" g="0" b="0"/>
+      </a:lnRef>
+      <a:fillRef idx="1">
+        <a:scrgbClr r="0" g="0" b="0"/>
+      </a:fillRef>
+      <a:effectRef idx="0">
+        <a:scrgbClr r="0" g="0" b="0"/>
+      </a:effectRef>
+      <a:fontRef idx="minor">
+        <a:schemeClr val="tx1"/>
+      </a:fontRef>
+    </dgm:style>
+  </dgm:styleLbl>
+  <dgm:styleLbl name="alignNode1">
+    <dgm:scene3d>
+      <a:camera prst="orthographicFront"/>
+      <a:lightRig rig="threePt" dir="t"/>
+    </dgm:scene3d>
+    <dgm:sp3d/>
+    <dgm:txPr/>
+    <dgm:style>
+      <a:lnRef idx="2">
+        <a:scrgbClr r="0" g="0" b="0"/>
+      </a:lnRef>
+      <a:fillRef idx="1">
+        <a:scrgbClr r="0" g="0" b="0"/>
+      </a:fillRef>
+      <a:effectRef idx="0">
+        <a:scrgbClr r="0" g="0" b="0"/>
+      </a:effectRef>
+      <a:fontRef idx="minor">
+        <a:schemeClr val="lt1"/>
+      </a:fontRef>
+    </dgm:style>
+  </dgm:styleLbl>
+  <dgm:styleLbl name="node1">
+    <dgm:scene3d>
+      <a:camera prst="orthographicFront"/>
+      <a:lightRig rig="threePt" dir="t"/>
+    </dgm:scene3d>
+    <dgm:sp3d/>
+    <dgm:txPr/>
+    <dgm:style>
+      <a:lnRef idx="2">
+        <a:scrgbClr r="0" g="0" b="0"/>
+      </a:lnRef>
+      <a:fillRef idx="1">
+        <a:scrgbClr r="0" g="0" b="0"/>
+      </a:fillRef>
+      <a:effectRef idx="0">
+        <a:scrgbClr r="0" g="0" b="0"/>
+      </a:effectRef>
+      <a:fontRef idx="minor">
+        <a:schemeClr val="lt1"/>
+      </a:fontRef>
+    </dgm:style>
+  </dgm:styleLbl>
+  <dgm:styleLbl name="node2">
+    <dgm:scene3d>
+      <a:camera prst="orthographicFront"/>
+      <a:lightRig rig="threePt" dir="t"/>
+    </dgm:scene3d>
+    <dgm:sp3d/>
+    <dgm:txPr/>
+    <dgm:style>
+      <a:lnRef idx="2">
+        <a:scrgbClr r="0" g="0" b="0"/>
+      </a:lnRef>
+      <a:fillRef idx="1">
+        <a:scrgbClr r="0" g="0" b="0"/>
+      </a:fillRef>
+      <a:effectRef idx="0">
+        <a:scrgbClr r="0" g="0" b="0"/>
+      </a:effectRef>
+      <a:fontRef idx="minor">
+        <a:schemeClr val="lt1"/>
+      </a:fontRef>
+    </dgm:style>
+  </dgm:styleLbl>
+  <dgm:styleLbl name="node3">
+    <dgm:scene3d>
+      <a:camera prst="orthographicFront"/>
+      <a:lightRig rig="threePt" dir="t"/>
+    </dgm:scene3d>
+    <dgm:sp3d/>
+    <dgm:txPr/>
+    <dgm:style>
+      <a:lnRef idx="2">
+        <a:scrgbClr r="0" g="0" b="0"/>
+      </a:lnRef>
+      <a:fillRef idx="1">
+        <a:scrgbClr r="0" g="0" b="0"/>
+      </a:fillRef>
+      <a:effectRef idx="0">
+        <a:scrgbClr r="0" g="0" b="0"/>
+      </a:effectRef>
+      <a:fontRef idx="minor">
+        <a:schemeClr val="lt1"/>
+      </a:fontRef>
+    </dgm:style>
+  </dgm:styleLbl>
+  <dgm:styleLbl name="node4">
+    <dgm:scene3d>
+      <a:camera prst="orthographicFront"/>
+      <a:lightRig rig="threePt" dir="t"/>
+    </dgm:scene3d>
+    <dgm:sp3d/>
+    <dgm:txPr/>
+    <dgm:style>
+      <a:lnRef idx="2">
+        <a:scrgbClr r="0" g="0" b="0"/>
+      </a:lnRef>
+      <a:fillRef idx="1">
+        <a:scrgbClr r="0" g="0" b="0"/>
+      </a:fillRef>
+      <a:effectRef idx="0">
+        <a:scrgbClr r="0" g="0" b="0"/>
+      </a:effectRef>
+      <a:fontRef idx="minor">
+        <a:schemeClr val="lt1"/>
+      </a:fontRef>
+    </dgm:style>
+  </dgm:styleLbl>
+  <dgm:styleLbl name="fgImgPlace1">
+    <dgm:scene3d>
+      <a:camera prst="orthographicFront"/>
+      <a:lightRig rig="threePt" dir="t"/>
+    </dgm:scene3d>
+    <dgm:sp3d/>
+    <dgm:txPr/>
+    <dgm:style>
+      <a:lnRef idx="2">
+        <a:scrgbClr r="0" g="0" b="0"/>
+      </a:lnRef>
+      <a:fillRef idx="1">
+        <a:scrgbClr r="0" g="0" b="0"/>
+      </a:fillRef>
+      <a:effectRef idx="0">
+        <a:scrgbClr r="0" g="0" b="0"/>
+      </a:effectRef>
+      <a:fontRef idx="minor"/>
+    </dgm:style>
+  </dgm:styleLbl>
+  <dgm:styleLbl name="alignImgPlace1">
+    <dgm:scene3d>
+      <a:camera prst="orthographicFront"/>
+      <a:lightRig rig="threePt" dir="t"/>
+    </dgm:scene3d>
+    <dgm:sp3d/>
+    <dgm:txPr/>
+    <dgm:style>
+      <a:lnRef idx="2">
+        <a:scrgbClr r="0" g="0" b="0"/>
+      </a:lnRef>
+      <a:fillRef idx="1">
+        <a:scrgbClr r="0" g="0" b="0"/>
+      </a:fillRef>
+      <a:effectRef idx="0">
+        <a:scrgbClr r="0" g="0" b="0"/>
+      </a:effectRef>
+      <a:fontRef idx="minor"/>
+    </dgm:style>
+  </dgm:styleLbl>
+  <dgm:styleLbl name="bgImgPlace1">
+    <dgm:scene3d>
+      <a:camera prst="orthographicFront"/>
+      <a:lightRig rig="threePt" dir="t"/>
+    </dgm:scene3d>
+    <dgm:sp3d/>
+    <dgm:txPr/>
+    <dgm:style>
+      <a:lnRef idx="2">
+        <a:scrgbClr r="0" g="0" b="0"/>
+      </a:lnRef>
+      <a:fillRef idx="1">
+        <a:scrgbClr r="0" g="0" b="0"/>
+      </a:fillRef>
+      <a:effectRef idx="0">
+        <a:scrgbClr r="0" g="0" b="0"/>
+      </a:effectRef>
+      <a:fontRef idx="minor"/>
+    </dgm:style>
+  </dgm:styleLbl>
+  <dgm:styleLbl name="sibTrans2D1">
+    <dgm:scene3d>
+      <a:camera prst="orthographicFront"/>
+      <a:lightRig rig="threePt" dir="t"/>
+    </dgm:scene3d>
+    <dgm:sp3d/>
+    <dgm:txPr/>
+    <dgm:style>
+      <a:lnRef idx="0">
+        <a:scrgbClr r="0" g="0" b="0"/>
+      </a:lnRef>
+      <a:fillRef idx="1">
+        <a:scrgbClr r="0" g="0" b="0"/>
+      </a:fillRef>
+      <a:effectRef idx="0">
+        <a:scrgbClr r="0" g="0" b="0"/>
+      </a:effectRef>
+      <a:fontRef idx="minor">
+        <a:schemeClr val="lt1"/>
+      </a:fontRef>
+    </dgm:style>
+  </dgm:styleLbl>
+  <dgm:styleLbl name="fgSibTrans2D1">
+    <dgm:scene3d>
+      <a:camera prst="orthographicFront"/>
+      <a:lightRig rig="threePt" dir="t"/>
+    </dgm:scene3d>
+    <dgm:sp3d/>
+    <dgm:txPr/>
+    <dgm:style>
+      <a:lnRef idx="0">
+        <a:scrgbClr r="0" g="0" b="0"/>
+      </a:lnRef>
+      <a:fillRef idx="1">
+        <a:scrgbClr r="0" g="0" b="0"/>
+      </a:fillRef>
+      <a:effectRef idx="0">
+        <a:scrgbClr r="0" g="0" b="0"/>
+      </a:effectRef>
+      <a:fontRef idx="minor">
+        <a:schemeClr val="lt1"/>
+      </a:fontRef>
+    </dgm:style>
+  </dgm:styleLbl>
+  <dgm:styleLbl name="bgSibTrans2D1">
+    <dgm:scene3d>
+      <a:camera prst="orthographicFront"/>
+      <a:lightRig rig="threePt" dir="t"/>
+    </dgm:scene3d>
+    <dgm:sp3d/>
+    <dgm:txPr/>
+    <dgm:style>
+      <a:lnRef idx="0">
+        <a:scrgbClr r="0" g="0" b="0"/>
+      </a:lnRef>
+      <a:fillRef idx="1">
+        <a:scrgbClr r="0" g="0" b="0"/>
+      </a:fillRef>
+      <a:effectRef idx="0">
+        <a:scrgbClr r="0" g="0" b="0"/>
+      </a:effectRef>
+      <a:fontRef idx="minor">
+        <a:schemeClr val="lt1"/>
+      </a:fontRef>
+    </dgm:style>
+  </dgm:styleLbl>
+  <dgm:styleLbl name="sibTrans1D1">
+    <dgm:scene3d>
+      <a:camera prst="orthographicFront"/>
+      <a:lightRig rig="threePt" dir="t"/>
+    </dgm:scene3d>
+    <dgm:sp3d/>
+    <dgm:txPr/>
+    <dgm:style>
+      <a:lnRef idx="1">
+        <a:scrgbClr r="0" g="0" b="0"/>
+      </a:lnRef>
+      <a:fillRef idx="0">
+        <a:scrgbClr r="0" g="0" b="0"/>
+      </a:fillRef>
+      <a:effectRef idx="0">
+        <a:scrgbClr r="0" g="0" b="0"/>
+      </a:effectRef>
+      <a:fontRef idx="minor"/>
+    </dgm:style>
+  </dgm:styleLbl>
+  <dgm:styleLbl name="callout">
+    <dgm:scene3d>
+      <a:camera prst="orthographicFront"/>
+      <a:lightRig rig="threePt" dir="t"/>
+    </dgm:scene3d>
+    <dgm:sp3d/>
+    <dgm:txPr/>
+    <dgm:style>
+      <a:lnRef idx="2">
+        <a:scrgbClr r="0" g="0" b="0"/>
+      </a:lnRef>
+      <a:fillRef idx="1">
+        <a:scrgbClr r="0" g="0" b="0"/>
+      </a:fillRef>
+      <a:effectRef idx="0">
+        <a:scrgbClr r="0" g="0" b="0"/>
+      </a:effectRef>
+      <a:fontRef idx="minor"/>
+    </dgm:style>
+  </dgm:styleLbl>
+  <dgm:styleLbl name="asst0">
+    <dgm:scene3d>
+      <a:camera prst="orthographicFront"/>
+      <a:lightRig rig="threePt" dir="t"/>
+    </dgm:scene3d>
+    <dgm:sp3d/>
+    <dgm:txPr/>
+    <dgm:style>
+      <a:lnRef idx="2">
+        <a:scrgbClr r="0" g="0" b="0"/>
+      </a:lnRef>
+      <a:fillRef idx="1">
+        <a:scrgbClr r="0" g="0" b="0"/>
+      </a:fillRef>
+      <a:effectRef idx="0">
+        <a:scrgbClr r="0" g="0" b="0"/>
+      </a:effectRef>
+      <a:fontRef idx="minor">
+        <a:schemeClr val="lt1"/>
+      </a:fontRef>
+    </dgm:style>
+  </dgm:styleLbl>
+  <dgm:styleLbl name="asst1">
+    <dgm:scene3d>
+      <a:camera prst="orthographicFront"/>
+      <a:lightRig rig="threePt" dir="t"/>
+    </dgm:scene3d>
+    <dgm:sp3d/>
+    <dgm:txPr/>
+    <dgm:style>
+      <a:lnRef idx="2">
+        <a:scrgbClr r="0" g="0" b="0"/>
+      </a:lnRef>
+      <a:fillRef idx="1">
+        <a:scrgbClr r="0" g="0" b="0"/>
+      </a:fillRef>
+      <a:effectRef idx="0">
+        <a:scrgbClr r="0" g="0" b="0"/>
+      </a:effectRef>
+      <a:fontRef idx="minor">
+        <a:schemeClr val="lt1"/>
+      </a:fontRef>
+    </dgm:style>
+  </dgm:styleLbl>
+  <dgm:styleLbl name="asst2">
+    <dgm:scene3d>
+      <a:camera prst="orthographicFront"/>
+      <a:lightRig rig="threePt" dir="t"/>
+    </dgm:scene3d>
+    <dgm:sp3d/>
+    <dgm:txPr/>
+    <dgm:style>
+      <a:lnRef idx="2">
+        <a:scrgbClr r="0" g="0" b="0"/>
+      </a:lnRef>
+      <a:fillRef idx="1">
+        <a:scrgbClr r="0" g="0" b="0"/>
+      </a:fillRef>
+      <a:effectRef idx="0">
+        <a:scrgbClr r="0" g="0" b="0"/>
+      </a:effectRef>
+      <a:fontRef idx="minor">
+        <a:schemeClr val="lt1"/>
+      </a:fontRef>
+    </dgm:style>
+  </dgm:styleLbl>
+  <dgm:styleLbl name="asst3">
+    <dgm:scene3d>
+      <a:camera prst="orthographicFront"/>
+      <a:lightRig rig="threePt" dir="t"/>
+    </dgm:scene3d>
+    <dgm:sp3d/>
+    <dgm:txPr/>
+    <dgm:style>
+      <a:lnRef idx="2">
+        <a:scrgbClr r="0" g="0" b="0"/>
+      </a:lnRef>
+      <a:fillRef idx="1">
+        <a:scrgbClr r="0" g="0" b="0"/>
+      </a:fillRef>
+      <a:effectRef idx="0">
+        <a:scrgbClr r="0" g="0" b="0"/>
+      </a:effectRef>
+      <a:fontRef idx="minor">
+        <a:schemeClr val="lt1"/>
+      </a:fontRef>
+    </dgm:style>
+  </dgm:styleLbl>
+  <dgm:styleLbl name="asst4">
+    <dgm:scene3d>
+      <a:camera prst="orthographicFront"/>
+      <a:lightRig rig="threePt" dir="t"/>
+    </dgm:scene3d>
+    <dgm:sp3d/>
+    <dgm:txPr/>
+    <dgm:style>
+      <a:lnRef idx="2">
+        <a:scrgbClr r="0" g="0" b="0"/>
+      </a:lnRef>
+      <a:fillRef idx="1">
+        <a:scrgbClr r="0" g="0" b="0"/>
+      </a:fillRef>
+      <a:effectRef idx="0">
+        <a:scrgbClr r="0" g="0" b="0"/>
+      </a:effectRef>
+      <a:fontRef idx="minor">
+        <a:schemeClr val="lt1"/>
+      </a:fontRef>
+    </dgm:style>
+  </dgm:styleLbl>
+  <dgm:styleLbl name="parChTrans2D1">
+    <dgm:scene3d>
+      <a:camera prst="orthographicFront"/>
+      <a:lightRig rig="threePt" dir="t"/>
+    </dgm:scene3d>
+    <dgm:sp3d/>
+    <dgm:txPr/>
+    <dgm:style>
+      <a:lnRef idx="2">
+        <a:scrgbClr r="0" g="0" b="0"/>
+      </a:lnRef>
+      <a:fillRef idx="1">
+        <a:scrgbClr r="0" g="0" b="0"/>
+      </a:fillRef>
+      <a:effectRef idx="0">
+        <a:scrgbClr r="0" g="0" b="0"/>
+      </a:effectRef>
+      <a:fontRef idx="minor">
+        <a:schemeClr val="lt1"/>
+      </a:fontRef>
+    </dgm:style>
+  </dgm:styleLbl>
+  <dgm:styleLbl name="parChTrans2D2">
+    <dgm:scene3d>
+      <a:camera prst="orthographicFront"/>
+      <a:lightRig rig="threePt" dir="t"/>
+    </dgm:scene3d>
+    <dgm:sp3d/>
+    <dgm:txPr/>
+    <dgm:style>
+      <a:lnRef idx="2">
+        <a:scrgbClr r="0" g="0" b="0"/>
+      </a:lnRef>
+      <a:fillRef idx="1">
+        <a:scrgbClr r="0" g="0" b="0"/>
+      </a:fillRef>
+      <a:effectRef idx="0">
+        <a:scrgbClr r="0" g="0" b="0"/>
+      </a:effectRef>
+      <a:fontRef idx="minor">
+        <a:schemeClr val="lt1"/>
+      </a:fontRef>
+    </dgm:style>
+  </dgm:styleLbl>
+  <dgm:styleLbl name="parChTrans2D3">
+    <dgm:scene3d>
+      <a:camera prst="orthographicFront"/>
+      <a:lightRig rig="threePt" dir="t"/>
+    </dgm:scene3d>
+    <dgm:sp3d/>
+    <dgm:txPr/>
+    <dgm:style>
+      <a:lnRef idx="2">
+        <a:scrgbClr r="0" g="0" b="0"/>
+      </a:lnRef>
+      <a:fillRef idx="1">
+        <a:scrgbClr r="0" g="0" b="0"/>
+      </a:fillRef>
+      <a:effectRef idx="0">
+        <a:scrgbClr r="0" g="0" b="0"/>
+      </a:effectRef>
+      <a:fontRef idx="minor">
+        <a:schemeClr val="lt1"/>
+      </a:fontRef>
+    </dgm:style>
+  </dgm:styleLbl>
+  <dgm:styleLbl name="parChTrans2D4">
+    <dgm:scene3d>
+      <a:camera prst="orthographicFront"/>
+      <a:lightRig rig="threePt" dir="t"/>
+    </dgm:scene3d>
+    <dgm:sp3d/>
+    <dgm:txPr/>
+    <dgm:style>
+      <a:lnRef idx="2">
+        <a:scrgbClr r="0" g="0" b="0"/>
+      </a:lnRef>
+      <a:fillRef idx="1">
+        <a:scrgbClr r="0" g="0" b="0"/>
+      </a:fillRef>
+      <a:effectRef idx="0">
+        <a:scrgbClr r="0" g="0" b="0"/>
+      </a:effectRef>
+      <a:fontRef idx="minor">
+        <a:schemeClr val="lt1"/>
+      </a:fontRef>
+    </dgm:style>
+  </dgm:styleLbl>
+  <dgm:styleLbl name="parChTrans1D1">
+    <dgm:scene3d>
+      <a:camera prst="orthographicFront"/>
+      <a:lightRig rig="threePt" dir="t"/>
+    </dgm:scene3d>
+    <dgm:sp3d/>
+    <dgm:txPr/>
+    <dgm:style>
+      <a:lnRef idx="2">
+        <a:scrgbClr r="0" g="0" b="0"/>
+      </a:lnRef>
+      <a:fillRef idx="0">
+        <a:scrgbClr r="0" g="0" b="0"/>
+      </a:fillRef>
+      <a:effectRef idx="0">
+        <a:scrgbClr r="0" g="0" b="0"/>
+      </a:effectRef>
+      <a:fontRef idx="minor"/>
+    </dgm:style>
+  </dgm:styleLbl>
+  <dgm:styleLbl name="parChTrans1D2">
+    <dgm:scene3d>
+      <a:camera prst="orthographicFront"/>
+      <a:lightRig rig="threePt" dir="t"/>
+    </dgm:scene3d>
+    <dgm:sp3d/>
+    <dgm:txPr/>
+    <dgm:style>
+      <a:lnRef idx="2">
+        <a:scrgbClr r="0" g="0" b="0"/>
+      </a:lnRef>
+      <a:fillRef idx="0">
+        <a:scrgbClr r="0" g="0" b="0"/>
+      </a:fillRef>
+      <a:effectRef idx="0">
+        <a:scrgbClr r="0" g="0" b="0"/>
+      </a:effectRef>
+      <a:fontRef idx="minor"/>
+    </dgm:style>
+  </dgm:styleLbl>
+  <dgm:styleLbl name="parChTrans1D3">
+    <dgm:scene3d>
+      <a:camera prst="orthographicFront"/>
+      <a:lightRig rig="threePt" dir="t"/>
+    </dgm:scene3d>
+    <dgm:sp3d/>
+    <dgm:txPr/>
+    <dgm:style>
+      <a:lnRef idx="2">
+        <a:scrgbClr r="0" g="0" b="0"/>
+      </a:lnRef>
+      <a:fillRef idx="0">
+        <a:scrgbClr r="0" g="0" b="0"/>
+      </a:fillRef>
+      <a:effectRef idx="0">
+        <a:scrgbClr r="0" g="0" b="0"/>
+      </a:effectRef>
+      <a:fontRef idx="minor"/>
+    </dgm:style>
+  </dgm:styleLbl>
+  <dgm:styleLbl name="parChTrans1D4">
+    <dgm:scene3d>
+      <a:camera prst="orthographicFront"/>
+      <a:lightRig rig="threePt" dir="t"/>
+    </dgm:scene3d>
+    <dgm:sp3d/>
+    <dgm:txPr/>
+    <dgm:style>
+      <a:lnRef idx="2">
+        <a:scrgbClr r="0" g="0" b="0"/>
+      </a:lnRef>
+      <a:fillRef idx="0">
+        <a:scrgbClr r="0" g="0" b="0"/>
+      </a:fillRef>
+      <a:effectRef idx="0">
+        <a:scrgbClr r="0" g="0" b="0"/>
+      </a:effectRef>
+      <a:fontRef idx="minor"/>
+    </dgm:style>
+  </dgm:styleLbl>
+  <dgm:styleLbl name="fgAcc1">
+    <dgm:scene3d>
+      <a:camera prst="orthographicFront"/>
+      <a:lightRig rig="threePt" dir="t"/>
+    </dgm:scene3d>
+    <dgm:sp3d/>
+    <dgm:txPr/>
+    <dgm:style>
+      <a:lnRef idx="2">
+        <a:scrgbClr r="0" g="0" b="0"/>
+      </a:lnRef>
+      <a:fillRef idx="1">
+        <a:scrgbClr r="0" g="0" b="0"/>
+      </a:fillRef>
+      <a:effectRef idx="0">
+        <a:scrgbClr r="0" g="0" b="0"/>
+      </a:effectRef>
+      <a:fontRef idx="minor"/>
+    </dgm:style>
+  </dgm:styleLbl>
+  <dgm:styleLbl name="conFgAcc1">
+    <dgm:scene3d>
+      <a:camera prst="orthographicFront"/>
+      <a:lightRig rig="threePt" dir="t"/>
+    </dgm:scene3d>
+    <dgm:sp3d/>
+    <dgm:txPr/>
+    <dgm:style>
+      <a:lnRef idx="2">
+        <a:scrgbClr r="0" g="0" b="0"/>
+      </a:lnRef>
+      <a:fillRef idx="1">
+        <a:scrgbClr r="0" g="0" b="0"/>
+      </a:fillRef>
+      <a:effectRef idx="0">
+        <a:scrgbClr r="0" g="0" b="0"/>
+      </a:effectRef>
+      <a:fontRef idx="minor"/>
+    </dgm:style>
+  </dgm:styleLbl>
+  <dgm:styleLbl name="alignAcc1">
+    <dgm:scene3d>
+      <a:camera prst="orthographicFront"/>
+      <a:lightRig rig="threePt" dir="t"/>
+    </dgm:scene3d>
+    <dgm:sp3d/>
+    <dgm:txPr/>
+    <dgm:style>
+      <a:lnRef idx="2">
+        <a:scrgbClr r="0" g="0" b="0"/>
+      </a:lnRef>
+      <a:fillRef idx="1">
+        <a:scrgbClr r="0" g="0" b="0"/>
+      </a:fillRef>
+      <a:effectRef idx="0">
+        <a:scrgbClr r="0" g="0" b="0"/>
+      </a:effectRef>
+      <a:fontRef idx="minor"/>
+    </dgm:style>
+  </dgm:styleLbl>
+  <dgm:styleLbl name="trAlignAcc1">
+    <dgm:scene3d>
+      <a:camera prst="orthographicFront"/>
+      <a:lightRig rig="threePt" dir="t"/>
+    </dgm:scene3d>
+    <dgm:sp3d/>
+    <dgm:txPr/>
+    <dgm:style>
+      <a:lnRef idx="1">
+        <a:scrgbClr r="0" g="0" b="0"/>
+      </a:lnRef>
+      <a:fillRef idx="1">
+        <a:scrgbClr r="0" g="0" b="0"/>
+      </a:fillRef>
+      <a:effectRef idx="0">
+        <a:scrgbClr r="0" g="0" b="0"/>
+      </a:effectRef>
+      <a:fontRef idx="minor"/>
+    </dgm:style>
+  </dgm:styleLbl>
+  <dgm:styleLbl name="bgAcc1">
+    <dgm:scene3d>
+      <a:camera prst="orthographicFront"/>
+      <a:lightRig rig="threePt" dir="t"/>
+    </dgm:scene3d>
+    <dgm:sp3d/>
+    <dgm:txPr/>
+    <dgm:style>
+      <a:lnRef idx="2">
+        <a:scrgbClr r="0" g="0" b="0"/>
+      </a:lnRef>
+      <a:fillRef idx="1">
+        <a:scrgbClr r="0" g="0" b="0"/>
+      </a:fillRef>
+      <a:effectRef idx="0">
+        <a:scrgbClr r="0" g="0" b="0"/>
+      </a:effectRef>
+      <a:fontRef idx="minor"/>
+    </dgm:style>
+  </dgm:styleLbl>
+  <dgm:styleLbl name="solidFgAcc1">
+    <dgm:scene3d>
+      <a:camera prst="orthographicFront"/>
+      <a:lightRig rig="threePt" dir="t"/>
+    </dgm:scene3d>
+    <dgm:sp3d/>
+    <dgm:txPr/>
+    <dgm:style>
+      <a:lnRef idx="2">
+        <a:scrgbClr r="0" g="0" b="0"/>
+      </a:lnRef>
+      <a:fillRef idx="1">
+        <a:scrgbClr r="0" g="0" b="0"/>
+      </a:fillRef>
+      <a:effectRef idx="0">
+        <a:scrgbClr r="0" g="0" b="0"/>
+      </a:effectRef>
+      <a:fontRef idx="minor"/>
+    </dgm:style>
+  </dgm:styleLbl>
+  <dgm:styleLbl name="solidAlignAcc1">
+    <dgm:scene3d>
+      <a:camera prst="orthographicFront"/>
+      <a:lightRig rig="threePt" dir="t"/>
+    </dgm:scene3d>
+    <dgm:sp3d/>
+    <dgm:txPr/>
+    <dgm:style>
+      <a:lnRef idx="2">
+        <a:scrgbClr r="0" g="0" b="0"/>
+      </a:lnRef>
+      <a:fillRef idx="1">
+        <a:scrgbClr r="0" g="0" b="0"/>
+      </a:fillRef>
+      <a:effectRef idx="0">
+        <a:scrgbClr r="0" g="0" b="0"/>
+      </a:effectRef>
+      <a:fontRef idx="minor"/>
+    </dgm:style>
+  </dgm:styleLbl>
+  <dgm:styleLbl name="solidBgAcc1">
+    <dgm:scene3d>
+      <a:camera prst="orthographicFront"/>
+      <a:lightRig rig="threePt" dir="t"/>
+    </dgm:scene3d>
+    <dgm:sp3d/>
+    <dgm:txPr/>
+    <dgm:style>
+      <a:lnRef idx="2">
+        <a:scrgbClr r="0" g="0" b="0"/>
+      </a:lnRef>
+      <a:fillRef idx="1">
+        <a:scrgbClr r="0" g="0" b="0"/>
+      </a:fillRef>
+      <a:effectRef idx="0">
+        <a:scrgbClr r="0" g="0" b="0"/>
+      </a:effectRef>
+      <a:fontRef idx="minor"/>
+    </dgm:style>
+  </dgm:styleLbl>
+  <dgm:styleLbl name="fgAccFollowNode1">
+    <dgm:scene3d>
+      <a:camera prst="orthographicFront"/>
+      <a:lightRig rig="threePt" dir="t"/>
+    </dgm:scene3d>
+    <dgm:sp3d/>
+    <dgm:txPr/>
+    <dgm:style>
+      <a:lnRef idx="2">
+        <a:scrgbClr r="0" g="0" b="0"/>
+      </a:lnRef>
+      <a:fillRef idx="1">
+        <a:scrgbClr r="0" g="0" b="0"/>
+      </a:fillRef>
+      <a:effectRef idx="0">
+        <a:scrgbClr r="0" g="0" b="0"/>
+      </a:effectRef>
+      <a:fontRef idx="minor"/>
+    </dgm:style>
+  </dgm:styleLbl>
+  <dgm:styleLbl name="alignAccFollowNode1">
+    <dgm:scene3d>
+      <a:camera prst="orthographicFront"/>
+      <a:lightRig rig="threePt" dir="t"/>
+    </dgm:scene3d>
+    <dgm:sp3d/>
+    <dgm:txPr/>
+    <dgm:style>
+      <a:lnRef idx="2">
+        <a:scrgbClr r="0" g="0" b="0"/>
+      </a:lnRef>
+      <a:fillRef idx="1">
+        <a:scrgbClr r="0" g="0" b="0"/>
+      </a:fillRef>
+      <a:effectRef idx="0">
+        <a:scrgbClr r="0" g="0" b="0"/>
+      </a:effectRef>
+      <a:fontRef idx="minor"/>
+    </dgm:style>
+  </dgm:styleLbl>
+  <dgm:styleLbl name="bgAccFollowNode1">
+    <dgm:scene3d>
+      <a:camera prst="orthographicFront"/>
+      <a:lightRig rig="threePt" dir="t"/>
+    </dgm:scene3d>
+    <dgm:sp3d/>
+    <dgm:txPr/>
+    <dgm:style>
+      <a:lnRef idx="2">
+        <a:scrgbClr r="0" g="0" b="0"/>
+      </a:lnRef>
+      <a:fillRef idx="1">
+        <a:scrgbClr r="0" g="0" b="0"/>
+      </a:fillRef>
+      <a:effectRef idx="0">
+        <a:scrgbClr r="0" g="0" b="0"/>
+      </a:effectRef>
+      <a:fontRef idx="minor"/>
+    </dgm:style>
+  </dgm:styleLbl>
+  <dgm:styleLbl name="fgAcc0">
+    <dgm:scene3d>
+      <a:camera prst="orthographicFront"/>
+      <a:lightRig rig="threePt" dir="t"/>
+    </dgm:scene3d>
+    <dgm:sp3d/>
+    <dgm:txPr/>
+    <dgm:style>
+      <a:lnRef idx="2">
+        <a:scrgbClr r="0" g="0" b="0"/>
+      </a:lnRef>
+      <a:fillRef idx="1">
+        <a:scrgbClr r="0" g="0" b="0"/>
+      </a:fillRef>
+      <a:effectRef idx="0">
+        <a:scrgbClr r="0" g="0" b="0"/>
+      </a:effectRef>
+      <a:fontRef idx="minor"/>
+    </dgm:style>
+  </dgm:styleLbl>
+  <dgm:styleLbl name="fgAcc2">
+    <dgm:scene3d>
+      <a:camera prst="orthographicFront"/>
+      <a:lightRig rig="threePt" dir="t"/>
+    </dgm:scene3d>
+    <dgm:sp3d/>
+    <dgm:txPr/>
+    <dgm:style>
+      <a:lnRef idx="2">
+        <a:scrgbClr r="0" g="0" b="0"/>
+      </a:lnRef>
+      <a:fillRef idx="1">
+        <a:scrgbClr r="0" g="0" b="0"/>
+      </a:fillRef>
+      <a:effectRef idx="0">
+        <a:scrgbClr r="0" g="0" b="0"/>
+      </a:effectRef>
+      <a:fontRef idx="minor"/>
+    </dgm:style>
+  </dgm:styleLbl>
+  <dgm:styleLbl name="fgAcc3">
+    <dgm:scene3d>
+      <a:camera prst="orthographicFront"/>
+      <a:lightRig rig="threePt" dir="t"/>
+    </dgm:scene3d>
+    <dgm:sp3d/>
+    <dgm:txPr/>
+    <dgm:style>
+      <a:lnRef idx="2">
+        <a:scrgbClr r="0" g="0" b="0"/>
+      </a:lnRef>
+      <a:fillRef idx="1">
+        <a:scrgbClr r="0" g="0" b="0"/>
+      </a:fillRef>
+      <a:effectRef idx="0">
+        <a:scrgbClr r="0" g="0" b="0"/>
+      </a:effectRef>
+      <a:fontRef idx="minor"/>
+    </dgm:style>
+  </dgm:styleLbl>
+  <dgm:styleLbl name="fgAcc4">
+    <dgm:scene3d>
+      <a:camera prst="orthographicFront"/>
+      <a:lightRig rig="threePt" dir="t"/>
+    </dgm:scene3d>
+    <dgm:sp3d/>
+    <dgm:txPr/>
+    <dgm:style>
+      <a:lnRef idx="2">
+        <a:scrgbClr r="0" g="0" b="0"/>
+      </a:lnRef>
+      <a:fillRef idx="1">
+        <a:scrgbClr r="0" g="0" b="0"/>
+      </a:fillRef>
+      <a:effectRef idx="0">
+        <a:scrgbClr r="0" g="0" b="0"/>
+      </a:effectRef>
+      <a:fontRef idx="minor"/>
+    </dgm:style>
+  </dgm:styleLbl>
+  <dgm:styleLbl name="bgShp">
+    <dgm:scene3d>
+      <a:camera prst="orthographicFront"/>
+      <a:lightRig rig="threePt" dir="t"/>
+    </dgm:scene3d>
+    <dgm:sp3d/>
+    <dgm:txPr/>
+    <dgm:style>
+      <a:lnRef idx="0">
+        <a:scrgbClr r="0" g="0" b="0"/>
+      </a:lnRef>
+      <a:fillRef idx="1">
+        <a:scrgbClr r="0" g="0" b="0"/>
+      </a:fillRef>
+      <a:effectRef idx="0">
+        <a:scrgbClr r="0" g="0" b="0"/>
+      </a:effectRef>
+      <a:fontRef idx="minor"/>
+    </dgm:style>
+  </dgm:styleLbl>
+  <dgm:styleLbl name="dkBgShp">
+    <dgm:scene3d>
+      <a:camera prst="orthographicFront"/>
+      <a:lightRig rig="threePt" dir="t"/>
+    </dgm:scene3d>
+    <dgm:sp3d/>
+    <dgm:txPr/>
+    <dgm:style>
+      <a:lnRef idx="0">
+        <a:scrgbClr r="0" g="0" b="0"/>
+      </a:lnRef>
+      <a:fillRef idx="1">
+        <a:scrgbClr r="0" g="0" b="0"/>
+      </a:fillRef>
+      <a:effectRef idx="0">
+        <a:scrgbClr r="0" g="0" b="0"/>
+      </a:effectRef>
+      <a:fontRef idx="minor"/>
+    </dgm:style>
+  </dgm:styleLbl>
+  <dgm:styleLbl name="trBgShp">
+    <dgm:scene3d>
+      <a:camera prst="orthographicFront"/>
+      <a:lightRig rig="threePt" dir="t"/>
+    </dgm:scene3d>
+    <dgm:sp3d/>
+    <dgm:txPr/>
+    <dgm:style>
+      <a:lnRef idx="0">
+        <a:scrgbClr r="0" g="0" b="0"/>
+      </a:lnRef>
+      <a:fillRef idx="1">
+        <a:scrgbClr r="0" g="0" b="0"/>
+      </a:fillRef>
+      <a:effectRef idx="0">
+        <a:scrgbClr r="0" g="0" b="0"/>
+      </a:effectRef>
+      <a:fontRef idx="minor"/>
+    </dgm:style>
+  </dgm:styleLbl>
+  <dgm:styleLbl name="fgShp">
+    <dgm:scene3d>
+      <a:camera prst="orthographicFront"/>
+      <a:lightRig rig="threePt" dir="t"/>
+    </dgm:scene3d>
+    <dgm:sp3d/>
+    <dgm:txPr/>
+    <dgm:style>
+      <a:lnRef idx="2">
+        <a:scrgbClr r="0" g="0" b="0"/>
+      </a:lnRef>
+      <a:fillRef idx="1">
+        <a:scrgbClr r="0" g="0" b="0"/>
+      </a:fillRef>
+      <a:effectRef idx="0">
+        <a:scrgbClr r="0" g="0" b="0"/>
+      </a:effectRef>
+      <a:fontRef idx="minor"/>
+    </dgm:style>
+  </dgm:styleLbl>
+  <dgm:styleLbl name="revTx">
+    <dgm:scene3d>
+      <a:camera prst="orthographicFront"/>
+      <a:lightRig rig="threePt" dir="t"/>
+    </dgm:scene3d>
+    <dgm:sp3d/>
+    <dgm:txPr/>
+    <dgm:style>
+      <a:lnRef idx="0">
+        <a:scrgbClr r="0" g="0" b="0"/>
+      </a:lnRef>
+      <a:fillRef idx="0">
+        <a:scrgbClr r="0" g="0" b="0"/>
+      </a:fillRef>
+      <a:effectRef idx="0">
+        <a:scrgbClr r="0" g="0" b="0"/>
+      </a:effectRef>
+      <a:fontRef idx="minor"/>
+    </dgm:style>
+  </dgm:styleLbl>
+</dgm:styleDef>
+</file>
+
+<file path=ppt/diagrams/quickStyle7.xml><?xml version="1.0" encoding="utf-8"?>
 <dgm:styleDef xmlns:dgm="http://schemas.openxmlformats.org/drawingml/2006/diagram" xmlns:a="http://schemas.openxmlformats.org/drawingml/2006/main" uniqueId="urn:microsoft.com/office/officeart/2005/8/quickstyle/simple1">
   <dgm:title val=""/>
   <dgm:desc val=""/>
@@ -19790,25 +22987,7 @@
           <a:p>
             <a:r>
               <a:rPr lang="en-US" dirty="0"/>
-              <a:t>https://scikit-learn.org/stable/modules/generated/sklearn.linear_model.LogisticRegression.html </a:t>
-            </a:r>
-          </a:p>
-          <a:p>
-            <a:endParaRPr lang="en-US" dirty="0"/>
-          </a:p>
-          <a:p>
-            <a:r>
-              <a:rPr lang="en-US" dirty="0"/>
-              <a:t>https://scikit-learn.org/stable/modules/generated/sklearn.linear_model.LogisticRegression.html</a:t>
-            </a:r>
-          </a:p>
-          <a:p>
-            <a:endParaRPr lang="en-US" dirty="0"/>
-          </a:p>
-          <a:p>
-            <a:r>
-              <a:rPr lang="en-US" dirty="0"/>
-              <a:t>https://scikit-learn.org/stable/auto_examples/linear_model/plot_logistic_l1_l2_sparsity.html#sphx-glr-auto-examples-linear-model-plot-logistic-l1-l2-sparsity-py</a:t>
+              <a:t>https://scikit-learn.org/stable/modules/generated/sklearn.linear_model.Lasso.html</a:t>
             </a:r>
           </a:p>
         </p:txBody>
@@ -19830,7 +23009,7 @@
           <a:p>
             <a:fld id="{297A166E-ACF1-4C2F-AD43-1E0B732BAB04}" type="slidenum">
               <a:rPr lang="en-US" smtClean="0"/>
-              <a:t>10</a:t>
+              <a:t>9</a:t>
             </a:fld>
             <a:endParaRPr lang="en-US"/>
           </a:p>
@@ -19839,7 +23018,7 @@
     </p:spTree>
     <p:extLst>
       <p:ext uri="{BB962C8B-B14F-4D97-AF65-F5344CB8AC3E}">
-        <p14:creationId xmlns:p14="http://schemas.microsoft.com/office/powerpoint/2010/main" val="3142998882"/>
+        <p14:creationId xmlns:p14="http://schemas.microsoft.com/office/powerpoint/2010/main" val="3483408786"/>
       </p:ext>
     </p:extLst>
   </p:cSld>
@@ -19936,6 +23115,111 @@
             <a:fld id="{297A166E-ACF1-4C2F-AD43-1E0B732BAB04}" type="slidenum">
               <a:rPr lang="en-US" smtClean="0"/>
               <a:t>11</a:t>
+            </a:fld>
+            <a:endParaRPr lang="en-US"/>
+          </a:p>
+        </p:txBody>
+      </p:sp>
+    </p:spTree>
+    <p:extLst>
+      <p:ext uri="{BB962C8B-B14F-4D97-AF65-F5344CB8AC3E}">
+        <p14:creationId xmlns:p14="http://schemas.microsoft.com/office/powerpoint/2010/main" val="3142998882"/>
+      </p:ext>
+    </p:extLst>
+  </p:cSld>
+  <p:clrMapOvr>
+    <a:masterClrMapping/>
+  </p:clrMapOvr>
+</p:notes>
+</file>
+
+<file path=ppt/notesSlides/notesSlide6.xml><?xml version="1.0" encoding="utf-8"?>
+<p:notes xmlns:a="http://schemas.openxmlformats.org/drawingml/2006/main" xmlns:r="http://schemas.openxmlformats.org/officeDocument/2006/relationships" xmlns:p="http://schemas.openxmlformats.org/presentationml/2006/main">
+  <p:cSld>
+    <p:spTree>
+      <p:nvGrpSpPr>
+        <p:cNvPr id="1" name=""/>
+        <p:cNvGrpSpPr/>
+        <p:nvPr/>
+      </p:nvGrpSpPr>
+      <p:grpSpPr>
+        <a:xfrm>
+          <a:off x="0" y="0"/>
+          <a:ext cx="0" cy="0"/>
+          <a:chOff x="0" y="0"/>
+          <a:chExt cx="0" cy="0"/>
+        </a:xfrm>
+      </p:grpSpPr>
+      <p:sp>
+        <p:nvSpPr>
+          <p:cNvPr id="2" name="Slide Image Placeholder 1"/>
+          <p:cNvSpPr>
+            <a:spLocks noGrp="1" noRot="1" noChangeAspect="1"/>
+          </p:cNvSpPr>
+          <p:nvPr>
+            <p:ph type="sldImg"/>
+          </p:nvPr>
+        </p:nvSpPr>
+        <p:spPr/>
+      </p:sp>
+      <p:sp>
+        <p:nvSpPr>
+          <p:cNvPr id="3" name="Notes Placeholder 2"/>
+          <p:cNvSpPr>
+            <a:spLocks noGrp="1"/>
+          </p:cNvSpPr>
+          <p:nvPr>
+            <p:ph type="body" idx="1"/>
+          </p:nvPr>
+        </p:nvSpPr>
+        <p:spPr/>
+        <p:txBody>
+          <a:bodyPr/>
+          <a:lstStyle/>
+          <a:p>
+            <a:r>
+              <a:rPr lang="en-US" dirty="0"/>
+              <a:t>https://scikit-learn.org/stable/modules/generated/sklearn.linear_model.LogisticRegression.html </a:t>
+            </a:r>
+          </a:p>
+          <a:p>
+            <a:endParaRPr lang="en-US" dirty="0"/>
+          </a:p>
+          <a:p>
+            <a:r>
+              <a:rPr lang="en-US" dirty="0"/>
+              <a:t>https://scikit-learn.org/stable/modules/generated/sklearn.linear_model.LogisticRegression.html</a:t>
+            </a:r>
+          </a:p>
+          <a:p>
+            <a:endParaRPr lang="en-US" dirty="0"/>
+          </a:p>
+          <a:p>
+            <a:r>
+              <a:rPr lang="en-US" dirty="0"/>
+              <a:t>https://scikit-learn.org/stable/auto_examples/linear_model/plot_logistic_l1_l2_sparsity.html#sphx-glr-auto-examples-linear-model-plot-logistic-l1-l2-sparsity-py</a:t>
+            </a:r>
+          </a:p>
+        </p:txBody>
+      </p:sp>
+      <p:sp>
+        <p:nvSpPr>
+          <p:cNvPr id="4" name="Slide Number Placeholder 3"/>
+          <p:cNvSpPr>
+            <a:spLocks noGrp="1"/>
+          </p:cNvSpPr>
+          <p:nvPr>
+            <p:ph type="sldNum" sz="quarter" idx="5"/>
+          </p:nvPr>
+        </p:nvSpPr>
+        <p:spPr/>
+        <p:txBody>
+          <a:bodyPr/>
+          <a:lstStyle/>
+          <a:p>
+            <a:fld id="{297A166E-ACF1-4C2F-AD43-1E0B732BAB04}" type="slidenum">
+              <a:rPr lang="en-US" smtClean="0"/>
+              <a:t>12</a:t>
             </a:fld>
             <a:endParaRPr lang="en-US"/>
           </a:p>
@@ -23753,6 +27037,284 @@
           <a:chExt cx="0" cy="0"/>
         </a:xfrm>
       </p:grpSpPr>
+      <p:sp useBgFill="1">
+        <p:nvSpPr>
+          <p:cNvPr id="10" name="Rectangle 9">
+            <a:extLst>
+              <a:ext uri="{FF2B5EF4-FFF2-40B4-BE49-F238E27FC236}">
+                <a16:creationId xmlns:a16="http://schemas.microsoft.com/office/drawing/2014/main" id="{FB5993E2-C02B-4335-ABA5-D8EC465551E3}"/>
+              </a:ext>
+              <a:ext uri="{C183D7F6-B498-43B3-948B-1728B52AA6E4}">
+                <adec:decorative xmlns:adec="http://schemas.microsoft.com/office/drawing/2017/decorative" val="1"/>
+              </a:ext>
+            </a:extLst>
+          </p:cNvPr>
+          <p:cNvSpPr>
+            <a:spLocks noGrp="1" noRot="1" noChangeAspect="1" noMove="1" noResize="1" noEditPoints="1" noAdjustHandles="1" noChangeArrowheads="1" noChangeShapeType="1" noTextEdit="1"/>
+          </p:cNvSpPr>
+          <p:nvPr>
+            <p:extLst>
+              <p:ext uri="{386F3935-93C4-4BCD-93E2-E3B085C9AB24}">
+                <p16:designElem xmlns:p16="http://schemas.microsoft.com/office/powerpoint/2015/main" val="1"/>
+              </p:ext>
+            </p:extLst>
+          </p:nvPr>
+        </p:nvSpPr>
+        <p:spPr>
+          <a:xfrm>
+            <a:off x="0" y="0"/>
+            <a:ext cx="12186315" cy="6858000"/>
+          </a:xfrm>
+          <a:prstGeom prst="rect">
+            <a:avLst/>
+          </a:prstGeom>
+          <a:ln>
+            <a:noFill/>
+          </a:ln>
+        </p:spPr>
+        <p:style>
+          <a:lnRef idx="2">
+            <a:schemeClr val="accent6">
+              <a:shade val="50000"/>
+            </a:schemeClr>
+          </a:lnRef>
+          <a:fillRef idx="1001">
+            <a:schemeClr val="lt1"/>
+          </a:fillRef>
+          <a:effectRef idx="0">
+            <a:schemeClr val="accent6"/>
+          </a:effectRef>
+          <a:fontRef idx="minor">
+            <a:schemeClr val="lt1"/>
+          </a:fontRef>
+        </p:style>
+        <p:txBody>
+          <a:bodyPr rtlCol="0" anchor="ctr"/>
+          <a:lstStyle/>
+          <a:p>
+            <a:pPr algn="ctr"/>
+            <a:endParaRPr lang="en-US"/>
+          </a:p>
+        </p:txBody>
+      </p:sp>
+      <p:sp>
+        <p:nvSpPr>
+          <p:cNvPr id="12" name="Rectangle 11">
+            <a:extLst>
+              <a:ext uri="{FF2B5EF4-FFF2-40B4-BE49-F238E27FC236}">
+                <a16:creationId xmlns:a16="http://schemas.microsoft.com/office/drawing/2014/main" id="{C0B801A2-5622-4BE8-9AD2-C337A2CD0022}"/>
+              </a:ext>
+              <a:ext uri="{C183D7F6-B498-43B3-948B-1728B52AA6E4}">
+                <adec:decorative xmlns:adec="http://schemas.microsoft.com/office/drawing/2017/decorative" val="1"/>
+              </a:ext>
+            </a:extLst>
+          </p:cNvPr>
+          <p:cNvSpPr>
+            <a:spLocks noGrp="1" noRot="1" noChangeAspect="1" noMove="1" noResize="1" noEditPoints="1" noAdjustHandles="1" noChangeArrowheads="1" noChangeShapeType="1" noTextEdit="1"/>
+          </p:cNvSpPr>
+          <p:nvPr>
+            <p:extLst>
+              <p:ext uri="{386F3935-93C4-4BCD-93E2-E3B085C9AB24}">
+                <p16:designElem xmlns:p16="http://schemas.microsoft.com/office/powerpoint/2015/main" val="1"/>
+              </p:ext>
+            </p:extLst>
+          </p:nvPr>
+        </p:nvSpPr>
+        <p:spPr>
+          <a:xfrm>
+            <a:off x="16" y="0"/>
+            <a:ext cx="4050791" cy="6858000"/>
+          </a:xfrm>
+          <a:prstGeom prst="rect">
+            <a:avLst/>
+          </a:prstGeom>
+          <a:solidFill>
+            <a:schemeClr val="accent2"/>
+          </a:solidFill>
+          <a:ln>
+            <a:noFill/>
+          </a:ln>
+        </p:spPr>
+        <p:style>
+          <a:lnRef idx="2">
+            <a:schemeClr val="accent1">
+              <a:shade val="50000"/>
+            </a:schemeClr>
+          </a:lnRef>
+          <a:fillRef idx="1">
+            <a:schemeClr val="accent1"/>
+          </a:fillRef>
+          <a:effectRef idx="0">
+            <a:schemeClr val="accent1"/>
+          </a:effectRef>
+          <a:fontRef idx="minor">
+            <a:schemeClr val="lt1"/>
+          </a:fontRef>
+        </p:style>
+      </p:sp>
+      <p:sp>
+        <p:nvSpPr>
+          <p:cNvPr id="2" name="Titel 1">
+            <a:extLst>
+              <a:ext uri="{FF2B5EF4-FFF2-40B4-BE49-F238E27FC236}">
+                <a16:creationId xmlns:a16="http://schemas.microsoft.com/office/drawing/2014/main" id="{917D301D-A777-4792-9C10-94B66B0517B4}"/>
+              </a:ext>
+            </a:extLst>
+          </p:cNvPr>
+          <p:cNvSpPr>
+            <a:spLocks noGrp="1"/>
+          </p:cNvSpPr>
+          <p:nvPr>
+            <p:ph type="title"/>
+          </p:nvPr>
+        </p:nvSpPr>
+        <p:spPr>
+          <a:xfrm>
+            <a:off x="492370" y="516835"/>
+            <a:ext cx="3084844" cy="5772840"/>
+          </a:xfrm>
+        </p:spPr>
+        <p:txBody>
+          <a:bodyPr anchor="ctr">
+            <a:normAutofit/>
+          </a:bodyPr>
+          <a:lstStyle/>
+          <a:p>
+            <a:r>
+              <a:rPr lang="en-US" sz="3600">
+                <a:solidFill>
+                  <a:srgbClr val="FFFFFF"/>
+                </a:solidFill>
+              </a:rPr>
+              <a:t>Prediction Model (Logistic Regression)</a:t>
+            </a:r>
+          </a:p>
+        </p:txBody>
+      </p:sp>
+      <p:sp>
+        <p:nvSpPr>
+          <p:cNvPr id="14" name="Rectangle 13">
+            <a:extLst>
+              <a:ext uri="{FF2B5EF4-FFF2-40B4-BE49-F238E27FC236}">
+                <a16:creationId xmlns:a16="http://schemas.microsoft.com/office/drawing/2014/main" id="{B7AF614F-5BC3-4086-99F5-B87C5847A071}"/>
+              </a:ext>
+              <a:ext uri="{C183D7F6-B498-43B3-948B-1728B52AA6E4}">
+                <adec:decorative xmlns:adec="http://schemas.microsoft.com/office/drawing/2017/decorative" val="1"/>
+              </a:ext>
+            </a:extLst>
+          </p:cNvPr>
+          <p:cNvSpPr>
+            <a:spLocks noGrp="1" noRot="1" noChangeAspect="1" noMove="1" noResize="1" noEditPoints="1" noAdjustHandles="1" noChangeArrowheads="1" noChangeShapeType="1" noTextEdit="1"/>
+          </p:cNvSpPr>
+          <p:nvPr>
+            <p:extLst>
+              <p:ext uri="{386F3935-93C4-4BCD-93E2-E3B085C9AB24}">
+                <p16:designElem xmlns:p16="http://schemas.microsoft.com/office/powerpoint/2015/main" val="1"/>
+              </p:ext>
+            </p:extLst>
+          </p:nvPr>
+        </p:nvSpPr>
+        <p:spPr>
+          <a:xfrm>
+            <a:off x="4040071" y="0"/>
+            <a:ext cx="64008" cy="6858000"/>
+          </a:xfrm>
+          <a:prstGeom prst="rect">
+            <a:avLst/>
+          </a:prstGeom>
+          <a:solidFill>
+            <a:schemeClr val="accent1"/>
+          </a:solidFill>
+          <a:ln>
+            <a:noFill/>
+          </a:ln>
+        </p:spPr>
+        <p:style>
+          <a:lnRef idx="2">
+            <a:schemeClr val="accent1">
+              <a:shade val="50000"/>
+            </a:schemeClr>
+          </a:lnRef>
+          <a:fillRef idx="1">
+            <a:schemeClr val="accent1"/>
+          </a:fillRef>
+          <a:effectRef idx="0">
+            <a:schemeClr val="accent1"/>
+          </a:effectRef>
+          <a:fontRef idx="minor">
+            <a:schemeClr val="lt1"/>
+          </a:fontRef>
+        </p:style>
+      </p:sp>
+      <p:graphicFrame>
+        <p:nvGraphicFramePr>
+          <p:cNvPr id="5" name="Inhaltsplatzhalter 2">
+            <a:extLst>
+              <a:ext uri="{FF2B5EF4-FFF2-40B4-BE49-F238E27FC236}">
+                <a16:creationId xmlns:a16="http://schemas.microsoft.com/office/drawing/2014/main" id="{93638EB2-33E6-4BE7-B749-8A2DF1AFDCAE}"/>
+              </a:ext>
+            </a:extLst>
+          </p:cNvPr>
+          <p:cNvGraphicFramePr>
+            <a:graphicFrameLocks noGrp="1"/>
+          </p:cNvGraphicFramePr>
+          <p:nvPr>
+            <p:ph idx="1"/>
+            <p:extLst>
+              <p:ext uri="{D42A27DB-BD31-4B8C-83A1-F6EECF244321}">
+                <p14:modId xmlns:p14="http://schemas.microsoft.com/office/powerpoint/2010/main" val="1791832963"/>
+              </p:ext>
+            </p:extLst>
+          </p:nvPr>
+        </p:nvGraphicFramePr>
+        <p:xfrm>
+          <a:off x="4741863" y="639763"/>
+          <a:ext cx="6797675" cy="5649912"/>
+        </p:xfrm>
+        <a:graphic>
+          <a:graphicData uri="http://schemas.openxmlformats.org/drawingml/2006/diagram">
+            <dgm:relIds xmlns:dgm="http://schemas.openxmlformats.org/drawingml/2006/diagram" xmlns:r="http://schemas.openxmlformats.org/officeDocument/2006/relationships" r:dm="rId2" r:lo="rId3" r:qs="rId4" r:cs="rId5"/>
+          </a:graphicData>
+        </a:graphic>
+      </p:graphicFrame>
+    </p:spTree>
+    <p:extLst>
+      <p:ext uri="{BB962C8B-B14F-4D97-AF65-F5344CB8AC3E}">
+        <p14:creationId xmlns:p14="http://schemas.microsoft.com/office/powerpoint/2010/main" val="468689115"/>
+      </p:ext>
+    </p:extLst>
+  </p:cSld>
+  <p:clrMapOvr>
+    <a:masterClrMapping/>
+  </p:clrMapOvr>
+</p:sld>
+</file>
+
+<file path=ppt/slides/slide11.xml><?xml version="1.0" encoding="utf-8"?>
+<p:sld xmlns:a="http://schemas.openxmlformats.org/drawingml/2006/main" xmlns:r="http://schemas.openxmlformats.org/officeDocument/2006/relationships" xmlns:p="http://schemas.openxmlformats.org/presentationml/2006/main">
+  <p:cSld>
+    <p:bg>
+      <p:bgPr>
+        <a:solidFill>
+          <a:schemeClr val="bg1"/>
+        </a:solidFill>
+        <a:effectLst/>
+      </p:bgPr>
+    </p:bg>
+    <p:spTree>
+      <p:nvGrpSpPr>
+        <p:cNvPr id="1" name=""/>
+        <p:cNvGrpSpPr/>
+        <p:nvPr/>
+      </p:nvGrpSpPr>
+      <p:grpSpPr>
+        <a:xfrm>
+          <a:off x="0" y="0"/>
+          <a:ext cx="0" cy="0"/>
+          <a:chOff x="0" y="0"/>
+          <a:chExt cx="0" cy="0"/>
+        </a:xfrm>
+      </p:grpSpPr>
       <p:sp>
         <p:nvSpPr>
           <p:cNvPr id="2" name="Titel 1">
@@ -23832,7 +27394,7 @@
 </p:sld>
 </file>
 
-<file path=ppt/slides/slide11.xml><?xml version="1.0" encoding="utf-8"?>
+<file path=ppt/slides/slide12.xml><?xml version="1.0" encoding="utf-8"?>
 <p:sld xmlns:a="http://schemas.openxmlformats.org/drawingml/2006/main" xmlns:r="http://schemas.openxmlformats.org/officeDocument/2006/relationships" xmlns:p="http://schemas.openxmlformats.org/presentationml/2006/main">
   <p:cSld>
     <p:bg>
@@ -24133,7 +27695,7 @@
             <p:ph idx="1"/>
             <p:extLst>
               <p:ext uri="{D42A27DB-BD31-4B8C-83A1-F6EECF244321}">
-                <p14:modId xmlns:p14="http://schemas.microsoft.com/office/powerpoint/2010/main" val="1770030284"/>
+                <p14:modId xmlns:p14="http://schemas.microsoft.com/office/powerpoint/2010/main" val="1973801660"/>
               </p:ext>
             </p:extLst>
           </p:nvPr>
@@ -24161,7 +27723,7 @@
 </p:sld>
 </file>
 
-<file path=ppt/slides/slide12.xml><?xml version="1.0" encoding="utf-8"?>
+<file path=ppt/slides/slide13.xml><?xml version="1.0" encoding="utf-8"?>
 <p:sld xmlns:a="http://schemas.openxmlformats.org/drawingml/2006/main" xmlns:r="http://schemas.openxmlformats.org/officeDocument/2006/relationships" xmlns:p="http://schemas.openxmlformats.org/presentationml/2006/main">
   <p:cSld>
     <p:spTree>
@@ -24261,7 +27823,7 @@
 </p:sld>
 </file>
 
-<file path=ppt/slides/slide13.xml><?xml version="1.0" encoding="utf-8"?>
+<file path=ppt/slides/slide14.xml><?xml version="1.0" encoding="utf-8"?>
 <p:sld xmlns:a="http://schemas.openxmlformats.org/drawingml/2006/main" xmlns:r="http://schemas.openxmlformats.org/officeDocument/2006/relationships" xmlns:p="http://schemas.openxmlformats.org/presentationml/2006/main">
   <p:cSld>
     <p:spTree>
@@ -25020,9 +28582,11 @@
           <a:lstStyle/>
           <a:p>
             <a:r>
-              <a:rPr lang="en-US">
+              <a:rPr lang="en-US" dirty="0">
                 <a:solidFill>
-                  <a:srgbClr val="FFC000"/>
+                  <a:schemeClr val="accent1">
+                    <a:lumMod val="75000"/>
+                  </a:schemeClr>
                 </a:solidFill>
               </a:rPr>
               <a:t>Support Vector Machines</a:t>
@@ -25030,9 +28594,11 @@
           </a:p>
           <a:p>
             <a:r>
-              <a:rPr lang="en-US">
+              <a:rPr lang="en-US" dirty="0">
                 <a:solidFill>
-                  <a:srgbClr val="FFC000"/>
+                  <a:schemeClr val="accent1">
+                    <a:lumMod val="75000"/>
+                  </a:schemeClr>
                 </a:solidFill>
               </a:rPr>
               <a:t>Naive Bayes </a:t>
@@ -25040,9 +28606,11 @@
           </a:p>
           <a:p>
             <a:r>
-              <a:rPr lang="en-US">
+              <a:rPr lang="en-US" dirty="0">
                 <a:solidFill>
-                  <a:srgbClr val="FFC000"/>
+                  <a:schemeClr val="accent1">
+                    <a:lumMod val="75000"/>
+                  </a:schemeClr>
                 </a:solidFill>
               </a:rPr>
               <a:t>K Nearest Neighbors</a:t>
@@ -25050,22 +28618,21 @@
           </a:p>
           <a:p>
             <a:r>
-              <a:rPr lang="en-US"/>
+              <a:rPr lang="en-US" dirty="0"/>
               <a:t>Multi Layer Perceptron Classifier</a:t>
             </a:r>
           </a:p>
           <a:p>
             <a:r>
-              <a:rPr lang="en-US"/>
+              <a:rPr lang="en-US" dirty="0"/>
               <a:t>Lasso Regression</a:t>
             </a:r>
           </a:p>
           <a:p>
             <a:r>
-              <a:rPr lang="en-US"/>
+              <a:rPr lang="en-US" dirty="0"/>
               <a:t>Logistic Regression</a:t>
             </a:r>
-            <a:endParaRPr lang="en-US" dirty="0"/>
           </a:p>
         </p:txBody>
       </p:sp>
@@ -25762,14 +29329,6 @@
 <file path=ppt/slides/slide9.xml><?xml version="1.0" encoding="utf-8"?>
 <p:sld xmlns:a="http://schemas.openxmlformats.org/drawingml/2006/main" xmlns:r="http://schemas.openxmlformats.org/officeDocument/2006/relationships" xmlns:p="http://schemas.openxmlformats.org/presentationml/2006/main">
   <p:cSld>
-    <p:bg>
-      <p:bgPr>
-        <a:solidFill>
-          <a:schemeClr val="bg1"/>
-        </a:solidFill>
-        <a:effectLst/>
-      </p:bgPr>
-    </p:bg>
     <p:spTree>
       <p:nvGrpSpPr>
         <p:cNvPr id="1" name=""/>
@@ -25784,127 +29343,12 @@
           <a:chExt cx="0" cy="0"/>
         </a:xfrm>
       </p:grpSpPr>
-      <p:sp useBgFill="1">
-        <p:nvSpPr>
-          <p:cNvPr id="10" name="Rectangle 9">
-            <a:extLst>
-              <a:ext uri="{FF2B5EF4-FFF2-40B4-BE49-F238E27FC236}">
-                <a16:creationId xmlns:a16="http://schemas.microsoft.com/office/drawing/2014/main" id="{FB5993E2-C02B-4335-ABA5-D8EC465551E3}"/>
-              </a:ext>
-              <a:ext uri="{C183D7F6-B498-43B3-948B-1728B52AA6E4}">
-                <adec:decorative xmlns:adec="http://schemas.microsoft.com/office/drawing/2017/decorative" val="1"/>
-              </a:ext>
-            </a:extLst>
-          </p:cNvPr>
-          <p:cNvSpPr>
-            <a:spLocks noGrp="1" noRot="1" noChangeAspect="1" noMove="1" noResize="1" noEditPoints="1" noAdjustHandles="1" noChangeArrowheads="1" noChangeShapeType="1" noTextEdit="1"/>
-          </p:cNvSpPr>
-          <p:nvPr>
-            <p:extLst>
-              <p:ext uri="{386F3935-93C4-4BCD-93E2-E3B085C9AB24}">
-                <p16:designElem xmlns:p16="http://schemas.microsoft.com/office/powerpoint/2015/main" val="1"/>
-              </p:ext>
-            </p:extLst>
-          </p:nvPr>
-        </p:nvSpPr>
-        <p:spPr>
-          <a:xfrm>
-            <a:off x="0" y="0"/>
-            <a:ext cx="12186315" cy="6858000"/>
-          </a:xfrm>
-          <a:prstGeom prst="rect">
-            <a:avLst/>
-          </a:prstGeom>
-          <a:ln>
-            <a:noFill/>
-          </a:ln>
-        </p:spPr>
-        <p:style>
-          <a:lnRef idx="2">
-            <a:schemeClr val="accent6">
-              <a:shade val="50000"/>
-            </a:schemeClr>
-          </a:lnRef>
-          <a:fillRef idx="1001">
-            <a:schemeClr val="lt1"/>
-          </a:fillRef>
-          <a:effectRef idx="0">
-            <a:schemeClr val="accent6"/>
-          </a:effectRef>
-          <a:fontRef idx="minor">
-            <a:schemeClr val="lt1"/>
-          </a:fontRef>
-        </p:style>
-        <p:txBody>
-          <a:bodyPr rtlCol="0" anchor="ctr"/>
-          <a:lstStyle/>
-          <a:p>
-            <a:pPr algn="ctr"/>
-            <a:endParaRPr lang="en-US"/>
-          </a:p>
-        </p:txBody>
-      </p:sp>
-      <p:sp>
-        <p:nvSpPr>
-          <p:cNvPr id="12" name="Rectangle 11">
-            <a:extLst>
-              <a:ext uri="{FF2B5EF4-FFF2-40B4-BE49-F238E27FC236}">
-                <a16:creationId xmlns:a16="http://schemas.microsoft.com/office/drawing/2014/main" id="{C0B801A2-5622-4BE8-9AD2-C337A2CD0022}"/>
-              </a:ext>
-              <a:ext uri="{C183D7F6-B498-43B3-948B-1728B52AA6E4}">
-                <adec:decorative xmlns:adec="http://schemas.microsoft.com/office/drawing/2017/decorative" val="1"/>
-              </a:ext>
-            </a:extLst>
-          </p:cNvPr>
-          <p:cNvSpPr>
-            <a:spLocks noGrp="1" noRot="1" noChangeAspect="1" noMove="1" noResize="1" noEditPoints="1" noAdjustHandles="1" noChangeArrowheads="1" noChangeShapeType="1" noTextEdit="1"/>
-          </p:cNvSpPr>
-          <p:nvPr>
-            <p:extLst>
-              <p:ext uri="{386F3935-93C4-4BCD-93E2-E3B085C9AB24}">
-                <p16:designElem xmlns:p16="http://schemas.microsoft.com/office/powerpoint/2015/main" val="1"/>
-              </p:ext>
-            </p:extLst>
-          </p:nvPr>
-        </p:nvSpPr>
-        <p:spPr>
-          <a:xfrm>
-            <a:off x="16" y="0"/>
-            <a:ext cx="4050791" cy="6858000"/>
-          </a:xfrm>
-          <a:prstGeom prst="rect">
-            <a:avLst/>
-          </a:prstGeom>
-          <a:solidFill>
-            <a:schemeClr val="accent2"/>
-          </a:solidFill>
-          <a:ln>
-            <a:noFill/>
-          </a:ln>
-        </p:spPr>
-        <p:style>
-          <a:lnRef idx="2">
-            <a:schemeClr val="accent1">
-              <a:shade val="50000"/>
-            </a:schemeClr>
-          </a:lnRef>
-          <a:fillRef idx="1">
-            <a:schemeClr val="accent1"/>
-          </a:fillRef>
-          <a:effectRef idx="0">
-            <a:schemeClr val="accent1"/>
-          </a:effectRef>
-          <a:fontRef idx="minor">
-            <a:schemeClr val="lt1"/>
-          </a:fontRef>
-        </p:style>
-      </p:sp>
       <p:sp>
         <p:nvSpPr>
           <p:cNvPr id="2" name="Titel 1">
             <a:extLst>
               <a:ext uri="{FF2B5EF4-FFF2-40B4-BE49-F238E27FC236}">
-                <a16:creationId xmlns:a16="http://schemas.microsoft.com/office/drawing/2014/main" id="{917D301D-A777-4792-9C10-94B66B0517B4}"/>
+                <a16:creationId xmlns:a16="http://schemas.microsoft.com/office/drawing/2014/main" id="{0425B7AA-8A86-45B1-8E9D-D0F0F867BC1F}"/>
               </a:ext>
             </a:extLst>
           </p:cNvPr>
@@ -25917,88 +29361,29 @@
         </p:nvSpPr>
         <p:spPr>
           <a:xfrm>
-            <a:off x="492370" y="516835"/>
-            <a:ext cx="3084844" cy="5772840"/>
+            <a:off x="1097280" y="286603"/>
+            <a:ext cx="10058400" cy="1450757"/>
           </a:xfrm>
         </p:spPr>
         <p:txBody>
-          <a:bodyPr anchor="ctr">
+          <a:bodyPr>
             <a:normAutofit/>
           </a:bodyPr>
           <a:lstStyle/>
           <a:p>
             <a:r>
-              <a:rPr lang="en-US" sz="3600">
-                <a:solidFill>
-                  <a:srgbClr val="FFFFFF"/>
-                </a:solidFill>
-              </a:rPr>
-              <a:t>Prediction Model (Logistic Regression)</a:t>
+              <a:rPr lang="en-US"/>
+              <a:t>Parameter Tuning Log Regression</a:t>
             </a:r>
           </a:p>
         </p:txBody>
       </p:sp>
-      <p:sp>
-        <p:nvSpPr>
-          <p:cNvPr id="14" name="Rectangle 13">
+      <p:graphicFrame>
+        <p:nvGraphicFramePr>
+          <p:cNvPr id="6" name="Inhaltsplatzhalter 2">
             <a:extLst>
               <a:ext uri="{FF2B5EF4-FFF2-40B4-BE49-F238E27FC236}">
-                <a16:creationId xmlns:a16="http://schemas.microsoft.com/office/drawing/2014/main" id="{B7AF614F-5BC3-4086-99F5-B87C5847A071}"/>
-              </a:ext>
-              <a:ext uri="{C183D7F6-B498-43B3-948B-1728B52AA6E4}">
-                <adec:decorative xmlns:adec="http://schemas.microsoft.com/office/drawing/2017/decorative" val="1"/>
-              </a:ext>
-            </a:extLst>
-          </p:cNvPr>
-          <p:cNvSpPr>
-            <a:spLocks noGrp="1" noRot="1" noChangeAspect="1" noMove="1" noResize="1" noEditPoints="1" noAdjustHandles="1" noChangeArrowheads="1" noChangeShapeType="1" noTextEdit="1"/>
-          </p:cNvSpPr>
-          <p:nvPr>
-            <p:extLst>
-              <p:ext uri="{386F3935-93C4-4BCD-93E2-E3B085C9AB24}">
-                <p16:designElem xmlns:p16="http://schemas.microsoft.com/office/powerpoint/2015/main" val="1"/>
-              </p:ext>
-            </p:extLst>
-          </p:nvPr>
-        </p:nvSpPr>
-        <p:spPr>
-          <a:xfrm>
-            <a:off x="4040071" y="0"/>
-            <a:ext cx="64008" cy="6858000"/>
-          </a:xfrm>
-          <a:prstGeom prst="rect">
-            <a:avLst/>
-          </a:prstGeom>
-          <a:solidFill>
-            <a:schemeClr val="accent1"/>
-          </a:solidFill>
-          <a:ln>
-            <a:noFill/>
-          </a:ln>
-        </p:spPr>
-        <p:style>
-          <a:lnRef idx="2">
-            <a:schemeClr val="accent1">
-              <a:shade val="50000"/>
-            </a:schemeClr>
-          </a:lnRef>
-          <a:fillRef idx="1">
-            <a:schemeClr val="accent1"/>
-          </a:fillRef>
-          <a:effectRef idx="0">
-            <a:schemeClr val="accent1"/>
-          </a:effectRef>
-          <a:fontRef idx="minor">
-            <a:schemeClr val="lt1"/>
-          </a:fontRef>
-        </p:style>
-      </p:sp>
-      <p:graphicFrame>
-        <p:nvGraphicFramePr>
-          <p:cNvPr id="5" name="Inhaltsplatzhalter 2">
-            <a:extLst>
-              <a:ext uri="{FF2B5EF4-FFF2-40B4-BE49-F238E27FC236}">
-                <a16:creationId xmlns:a16="http://schemas.microsoft.com/office/drawing/2014/main" id="{93638EB2-33E6-4BE7-B749-8A2DF1AFDCAE}"/>
+                <a16:creationId xmlns:a16="http://schemas.microsoft.com/office/drawing/2014/main" id="{6F8A9CBD-B369-4E46-ABDC-C92848887505}"/>
               </a:ext>
             </a:extLst>
           </p:cNvPr>
@@ -26009,25 +29394,25 @@
             <p:ph idx="1"/>
             <p:extLst>
               <p:ext uri="{D42A27DB-BD31-4B8C-83A1-F6EECF244321}">
-                <p14:modId xmlns:p14="http://schemas.microsoft.com/office/powerpoint/2010/main" val="1791832963"/>
+                <p14:modId xmlns:p14="http://schemas.microsoft.com/office/powerpoint/2010/main" val="2225320286"/>
               </p:ext>
             </p:extLst>
           </p:nvPr>
         </p:nvGraphicFramePr>
         <p:xfrm>
-          <a:off x="4741863" y="639763"/>
-          <a:ext cx="6797675" cy="5649912"/>
+          <a:off x="1096963" y="2098515"/>
+          <a:ext cx="10058400" cy="3786080"/>
         </p:xfrm>
         <a:graphic>
           <a:graphicData uri="http://schemas.openxmlformats.org/drawingml/2006/diagram">
-            <dgm:relIds xmlns:dgm="http://schemas.openxmlformats.org/drawingml/2006/diagram" xmlns:r="http://schemas.openxmlformats.org/officeDocument/2006/relationships" r:dm="rId2" r:lo="rId3" r:qs="rId4" r:cs="rId5"/>
+            <dgm:relIds xmlns:dgm="http://schemas.openxmlformats.org/drawingml/2006/diagram" xmlns:r="http://schemas.openxmlformats.org/officeDocument/2006/relationships" r:dm="rId3" r:lo="rId4" r:qs="rId5" r:cs="rId6"/>
           </a:graphicData>
         </a:graphic>
       </p:graphicFrame>
     </p:spTree>
     <p:extLst>
       <p:ext uri="{BB962C8B-B14F-4D97-AF65-F5344CB8AC3E}">
-        <p14:creationId xmlns:p14="http://schemas.microsoft.com/office/powerpoint/2010/main" val="468689115"/>
+        <p14:creationId xmlns:p14="http://schemas.microsoft.com/office/powerpoint/2010/main" val="589595159"/>
       </p:ext>
     </p:extLst>
   </p:cSld>

--- a/Presentation.pptx
+++ b/Presentation.pptx
@@ -18,8 +18,8 @@
     <p:sldId id="277" r:id="rId9"/>
     <p:sldId id="280" r:id="rId10"/>
     <p:sldId id="278" r:id="rId11"/>
-    <p:sldId id="269" r:id="rId12"/>
-    <p:sldId id="279" r:id="rId13"/>
+    <p:sldId id="279" r:id="rId12"/>
+    <p:sldId id="281" r:id="rId13"/>
     <p:sldId id="266" r:id="rId14"/>
     <p:sldId id="273" r:id="rId15"/>
   </p:sldIdLst>
@@ -228,13 +228,13 @@
               <c:strCache>
                 <c:ptCount val="7"/>
                 <c:pt idx="0">
+                  <c:v>Lasso Regression</c:v>
+                </c:pt>
+                <c:pt idx="1">
                   <c:v>Logistic Regression</c:v>
                 </c:pt>
-                <c:pt idx="1">
+                <c:pt idx="2">
                   <c:v>Neural Network MLP Classification</c:v>
-                </c:pt>
-                <c:pt idx="2">
-                  <c:v>Lasso Regression</c:v>
                 </c:pt>
                 <c:pt idx="3">
                   <c:v>K Nearest Neighbors</c:v>
@@ -258,13 +258,13 @@
                 <c:formatCode>0.00%</c:formatCode>
                 <c:ptCount val="7"/>
                 <c:pt idx="0">
-                  <c:v>0.76129999999999998</c:v>
+                  <c:v>0.77129999999999999</c:v>
                 </c:pt>
                 <c:pt idx="1">
                   <c:v>0.76129999999999998</c:v>
                 </c:pt>
                 <c:pt idx="2">
-                  <c:v>0.76129999999999998</c:v>
+                  <c:v>0.74129999999999996</c:v>
                 </c:pt>
                 <c:pt idx="3">
                   <c:v>0.69330000000000003</c:v>
@@ -283,7 +283,7 @@
           </c:val>
           <c:extLst>
             <c:ext xmlns:c16="http://schemas.microsoft.com/office/drawing/2014/chart" uri="{C3380CC4-5D6E-409C-BE32-E72D297353CC}">
-              <c16:uniqueId val="{00000000-6E0B-4266-BC6D-99C82F442F19}"/>
+              <c16:uniqueId val="{00000000-59A2-462E-B291-23E3DE41C72A}"/>
             </c:ext>
           </c:extLst>
         </c:ser>
@@ -450,6 +450,290 @@
 </file>
 
 <file path=ppt/charts/chart2.xml><?xml version="1.0" encoding="utf-8"?>
+<c:chartSpace xmlns:c="http://schemas.openxmlformats.org/drawingml/2006/chart" xmlns:a="http://schemas.openxmlformats.org/drawingml/2006/main" xmlns:r="http://schemas.openxmlformats.org/officeDocument/2006/relationships" xmlns:c16r2="http://schemas.microsoft.com/office/drawing/2015/06/chart">
+  <c:date1904 val="0"/>
+  <c:lang val="en-US"/>
+  <c:roundedCorners val="0"/>
+  <mc:AlternateContent xmlns:mc="http://schemas.openxmlformats.org/markup-compatibility/2006">
+    <mc:Choice xmlns:c14="http://schemas.microsoft.com/office/drawing/2007/8/2/chart" Requires="c14">
+      <c14:style val="102"/>
+    </mc:Choice>
+    <mc:Fallback>
+      <c:style val="2"/>
+    </mc:Fallback>
+  </mc:AlternateContent>
+  <c:chart>
+    <c:title>
+      <c:overlay val="0"/>
+      <c:spPr>
+        <a:noFill/>
+        <a:ln>
+          <a:noFill/>
+        </a:ln>
+        <a:effectLst/>
+      </c:spPr>
+      <c:txPr>
+        <a:bodyPr rot="0" spcFirstLastPara="1" vertOverflow="ellipsis" vert="horz" wrap="square" anchor="ctr" anchorCtr="1"/>
+        <a:lstStyle/>
+        <a:p>
+          <a:pPr>
+            <a:defRPr sz="1400" b="0" i="0" u="none" strike="noStrike" kern="1200" spc="0" baseline="0">
+              <a:solidFill>
+                <a:schemeClr val="tx1">
+                  <a:lumMod val="65000"/>
+                  <a:lumOff val="35000"/>
+                </a:schemeClr>
+              </a:solidFill>
+              <a:latin typeface="+mn-lt"/>
+              <a:ea typeface="+mn-ea"/>
+              <a:cs typeface="+mn-cs"/>
+            </a:defRPr>
+          </a:pPr>
+          <a:endParaRPr lang="en-US"/>
+        </a:p>
+      </c:txPr>
+    </c:title>
+    <c:autoTitleDeleted val="0"/>
+    <c:plotArea>
+      <c:layout/>
+      <c:barChart>
+        <c:barDir val="col"/>
+        <c:grouping val="clustered"/>
+        <c:varyColors val="0"/>
+        <c:ser>
+          <c:idx val="0"/>
+          <c:order val="0"/>
+          <c:tx>
+            <c:strRef>
+              <c:f>Sheet3!$B$1</c:f>
+              <c:strCache>
+                <c:ptCount val="1"/>
+                <c:pt idx="0">
+                  <c:v>Score</c:v>
+                </c:pt>
+              </c:strCache>
+            </c:strRef>
+          </c:tx>
+          <c:spPr>
+            <a:solidFill>
+              <a:schemeClr val="accent1"/>
+            </a:solidFill>
+            <a:ln>
+              <a:noFill/>
+            </a:ln>
+            <a:effectLst/>
+          </c:spPr>
+          <c:invertIfNegative val="0"/>
+          <c:cat>
+            <c:strRef>
+              <c:f>Sheet3!$A$2:$A$5</c:f>
+              <c:strCache>
+                <c:ptCount val="4"/>
+                <c:pt idx="0">
+                  <c:v>Lasso Regression</c:v>
+                </c:pt>
+                <c:pt idx="1">
+                  <c:v>Logistic Regression</c:v>
+                </c:pt>
+                <c:pt idx="2">
+                  <c:v>Combination</c:v>
+                </c:pt>
+                <c:pt idx="3">
+                  <c:v>Neural Network MLP Classification</c:v>
+                </c:pt>
+              </c:strCache>
+            </c:strRef>
+          </c:cat>
+          <c:val>
+            <c:numRef>
+              <c:f>Sheet3!$B$2:$B$5</c:f>
+              <c:numCache>
+                <c:formatCode>0.00%</c:formatCode>
+                <c:ptCount val="4"/>
+                <c:pt idx="0">
+                  <c:v>0.84699999999999998</c:v>
+                </c:pt>
+                <c:pt idx="1">
+                  <c:v>0.84199999999999997</c:v>
+                </c:pt>
+                <c:pt idx="2">
+                  <c:v>0.83799999999999997</c:v>
+                </c:pt>
+                <c:pt idx="3">
+                  <c:v>0.80500000000000005</c:v>
+                </c:pt>
+              </c:numCache>
+            </c:numRef>
+          </c:val>
+          <c:extLst>
+            <c:ext xmlns:c16="http://schemas.microsoft.com/office/drawing/2014/chart" uri="{C3380CC4-5D6E-409C-BE32-E72D297353CC}">
+              <c16:uniqueId val="{00000000-5964-4705-BB98-5CBBF553140E}"/>
+            </c:ext>
+          </c:extLst>
+        </c:ser>
+        <c:dLbls>
+          <c:showLegendKey val="0"/>
+          <c:showVal val="0"/>
+          <c:showCatName val="0"/>
+          <c:showSerName val="0"/>
+          <c:showPercent val="0"/>
+          <c:showBubbleSize val="0"/>
+        </c:dLbls>
+        <c:gapWidth val="219"/>
+        <c:overlap val="-27"/>
+        <c:axId val="1821458752"/>
+        <c:axId val="1819502288"/>
+      </c:barChart>
+      <c:catAx>
+        <c:axId val="1821458752"/>
+        <c:scaling>
+          <c:orientation val="minMax"/>
+        </c:scaling>
+        <c:delete val="0"/>
+        <c:axPos val="b"/>
+        <c:numFmt formatCode="General" sourceLinked="1"/>
+        <c:majorTickMark val="none"/>
+        <c:minorTickMark val="none"/>
+        <c:tickLblPos val="nextTo"/>
+        <c:spPr>
+          <a:noFill/>
+          <a:ln w="9525" cap="flat" cmpd="sng" algn="ctr">
+            <a:solidFill>
+              <a:schemeClr val="tx1">
+                <a:lumMod val="15000"/>
+                <a:lumOff val="85000"/>
+              </a:schemeClr>
+            </a:solidFill>
+            <a:round/>
+          </a:ln>
+          <a:effectLst/>
+        </c:spPr>
+        <c:txPr>
+          <a:bodyPr rot="-60000000" spcFirstLastPara="1" vertOverflow="ellipsis" vert="horz" wrap="square" anchor="ctr" anchorCtr="1"/>
+          <a:lstStyle/>
+          <a:p>
+            <a:pPr>
+              <a:defRPr sz="900" b="0" i="0" u="none" strike="noStrike" kern="1200" baseline="0">
+                <a:solidFill>
+                  <a:schemeClr val="tx1">
+                    <a:lumMod val="65000"/>
+                    <a:lumOff val="35000"/>
+                  </a:schemeClr>
+                </a:solidFill>
+                <a:latin typeface="+mn-lt"/>
+                <a:ea typeface="+mn-ea"/>
+                <a:cs typeface="+mn-cs"/>
+              </a:defRPr>
+            </a:pPr>
+            <a:endParaRPr lang="en-US"/>
+          </a:p>
+        </c:txPr>
+        <c:crossAx val="1819502288"/>
+        <c:crosses val="autoZero"/>
+        <c:auto val="1"/>
+        <c:lblAlgn val="ctr"/>
+        <c:lblOffset val="100"/>
+        <c:noMultiLvlLbl val="0"/>
+      </c:catAx>
+      <c:valAx>
+        <c:axId val="1819502288"/>
+        <c:scaling>
+          <c:orientation val="minMax"/>
+        </c:scaling>
+        <c:delete val="0"/>
+        <c:axPos val="l"/>
+        <c:majorGridlines>
+          <c:spPr>
+            <a:ln w="9525" cap="flat" cmpd="sng" algn="ctr">
+              <a:solidFill>
+                <a:schemeClr val="tx1">
+                  <a:lumMod val="15000"/>
+                  <a:lumOff val="85000"/>
+                </a:schemeClr>
+              </a:solidFill>
+              <a:round/>
+            </a:ln>
+            <a:effectLst/>
+          </c:spPr>
+        </c:majorGridlines>
+        <c:numFmt formatCode="0.00%" sourceLinked="1"/>
+        <c:majorTickMark val="none"/>
+        <c:minorTickMark val="none"/>
+        <c:tickLblPos val="nextTo"/>
+        <c:spPr>
+          <a:noFill/>
+          <a:ln>
+            <a:noFill/>
+          </a:ln>
+          <a:effectLst/>
+        </c:spPr>
+        <c:txPr>
+          <a:bodyPr rot="-60000000" spcFirstLastPara="1" vertOverflow="ellipsis" vert="horz" wrap="square" anchor="ctr" anchorCtr="1"/>
+          <a:lstStyle/>
+          <a:p>
+            <a:pPr>
+              <a:defRPr sz="900" b="0" i="0" u="none" strike="noStrike" kern="1200" baseline="0">
+                <a:solidFill>
+                  <a:schemeClr val="tx1">
+                    <a:lumMod val="65000"/>
+                    <a:lumOff val="35000"/>
+                  </a:schemeClr>
+                </a:solidFill>
+                <a:latin typeface="+mn-lt"/>
+                <a:ea typeface="+mn-ea"/>
+                <a:cs typeface="+mn-cs"/>
+              </a:defRPr>
+            </a:pPr>
+            <a:endParaRPr lang="en-US"/>
+          </a:p>
+        </c:txPr>
+        <c:crossAx val="1821458752"/>
+        <c:crosses val="autoZero"/>
+        <c:crossBetween val="between"/>
+      </c:valAx>
+      <c:spPr>
+        <a:noFill/>
+        <a:ln>
+          <a:noFill/>
+        </a:ln>
+        <a:effectLst/>
+      </c:spPr>
+    </c:plotArea>
+    <c:plotVisOnly val="1"/>
+    <c:dispBlanksAs val="gap"/>
+    <c:extLst>
+      <c:ext xmlns:c16r3="http://schemas.microsoft.com/office/drawing/2017/03/chart" uri="{56B9EC1D-385E-4148-901F-78D8002777C0}">
+        <c16r3:dataDisplayOptions16>
+          <c16r3:dispNaAsBlank val="1"/>
+        </c16r3:dataDisplayOptions16>
+      </c:ext>
+    </c:extLst>
+    <c:showDLblsOverMax val="0"/>
+  </c:chart>
+  <c:spPr>
+    <a:noFill/>
+    <a:ln>
+      <a:noFill/>
+    </a:ln>
+    <a:effectLst/>
+  </c:spPr>
+  <c:txPr>
+    <a:bodyPr/>
+    <a:lstStyle/>
+    <a:p>
+      <a:pPr>
+        <a:defRPr/>
+      </a:pPr>
+      <a:endParaRPr lang="en-US"/>
+    </a:p>
+  </c:txPr>
+  <c:externalData r:id="rId3">
+    <c:autoUpdate val="0"/>
+  </c:externalData>
+</c:chartSpace>
+</file>
+
+<file path=ppt/charts/chart3.xml><?xml version="1.0" encoding="utf-8"?>
 <c:chartSpace xmlns:c="http://schemas.openxmlformats.org/drawingml/2006/chart" xmlns:a="http://schemas.openxmlformats.org/drawingml/2006/main" xmlns:r="http://schemas.openxmlformats.org/officeDocument/2006/relationships" xmlns:c16r2="http://schemas.microsoft.com/office/drawing/2015/06/chart">
   <c:date1904 val="0"/>
   <c:lang val="en-US"/>
@@ -880,6 +1164,46 @@
 </cs:colorStyle>
 </file>
 
+<file path=ppt/charts/colors3.xml><?xml version="1.0" encoding="utf-8"?>
+<cs:colorStyle xmlns:cs="http://schemas.microsoft.com/office/drawing/2012/chartStyle" xmlns:a="http://schemas.openxmlformats.org/drawingml/2006/main" meth="cycle" id="10">
+  <a:schemeClr val="accent1"/>
+  <a:schemeClr val="accent2"/>
+  <a:schemeClr val="accent3"/>
+  <a:schemeClr val="accent4"/>
+  <a:schemeClr val="accent5"/>
+  <a:schemeClr val="accent6"/>
+  <cs:variation/>
+  <cs:variation>
+    <a:lumMod val="60000"/>
+  </cs:variation>
+  <cs:variation>
+    <a:lumMod val="80000"/>
+    <a:lumOff val="20000"/>
+  </cs:variation>
+  <cs:variation>
+    <a:lumMod val="80000"/>
+  </cs:variation>
+  <cs:variation>
+    <a:lumMod val="60000"/>
+    <a:lumOff val="40000"/>
+  </cs:variation>
+  <cs:variation>
+    <a:lumMod val="50000"/>
+  </cs:variation>
+  <cs:variation>
+    <a:lumMod val="70000"/>
+    <a:lumOff val="30000"/>
+  </cs:variation>
+  <cs:variation>
+    <a:lumMod val="70000"/>
+  </cs:variation>
+  <cs:variation>
+    <a:lumMod val="50000"/>
+    <a:lumOff val="50000"/>
+  </cs:variation>
+</cs:colorStyle>
+</file>
+
 <file path=ppt/charts/style1.xml><?xml version="1.0" encoding="utf-8"?>
 <cs:chartStyle xmlns:cs="http://schemas.microsoft.com/office/drawing/2012/chartStyle" xmlns:a="http://schemas.openxmlformats.org/drawingml/2006/main" id="201">
   <cs:axisTitle>
@@ -1886,6 +2210,509 @@
 </cs:chartStyle>
 </file>
 
+<file path=ppt/charts/style3.xml><?xml version="1.0" encoding="utf-8"?>
+<cs:chartStyle xmlns:cs="http://schemas.microsoft.com/office/drawing/2012/chartStyle" xmlns:a="http://schemas.openxmlformats.org/drawingml/2006/main" id="201">
+  <cs:axisTitle>
+    <cs:lnRef idx="0"/>
+    <cs:fillRef idx="0"/>
+    <cs:effectRef idx="0"/>
+    <cs:fontRef idx="minor">
+      <a:schemeClr val="tx1">
+        <a:lumMod val="65000"/>
+        <a:lumOff val="35000"/>
+      </a:schemeClr>
+    </cs:fontRef>
+    <cs:defRPr sz="1000" kern="1200"/>
+  </cs:axisTitle>
+  <cs:categoryAxis>
+    <cs:lnRef idx="0"/>
+    <cs:fillRef idx="0"/>
+    <cs:effectRef idx="0"/>
+    <cs:fontRef idx="minor">
+      <a:schemeClr val="tx1">
+        <a:lumMod val="65000"/>
+        <a:lumOff val="35000"/>
+      </a:schemeClr>
+    </cs:fontRef>
+    <cs:spPr>
+      <a:ln w="9525" cap="flat" cmpd="sng" algn="ctr">
+        <a:solidFill>
+          <a:schemeClr val="tx1">
+            <a:lumMod val="15000"/>
+            <a:lumOff val="85000"/>
+          </a:schemeClr>
+        </a:solidFill>
+        <a:round/>
+      </a:ln>
+    </cs:spPr>
+    <cs:defRPr sz="900" kern="1200"/>
+  </cs:categoryAxis>
+  <cs:chartArea mods="allowNoFillOverride allowNoLineOverride">
+    <cs:lnRef idx="0"/>
+    <cs:fillRef idx="0"/>
+    <cs:effectRef idx="0"/>
+    <cs:fontRef idx="minor">
+      <a:schemeClr val="tx1"/>
+    </cs:fontRef>
+    <cs:spPr>
+      <a:solidFill>
+        <a:schemeClr val="bg1"/>
+      </a:solidFill>
+      <a:ln w="9525" cap="flat" cmpd="sng" algn="ctr">
+        <a:solidFill>
+          <a:schemeClr val="tx1">
+            <a:lumMod val="15000"/>
+            <a:lumOff val="85000"/>
+          </a:schemeClr>
+        </a:solidFill>
+        <a:round/>
+      </a:ln>
+    </cs:spPr>
+    <cs:defRPr sz="1000" kern="1200"/>
+  </cs:chartArea>
+  <cs:dataLabel>
+    <cs:lnRef idx="0"/>
+    <cs:fillRef idx="0"/>
+    <cs:effectRef idx="0"/>
+    <cs:fontRef idx="minor">
+      <a:schemeClr val="tx1">
+        <a:lumMod val="75000"/>
+        <a:lumOff val="25000"/>
+      </a:schemeClr>
+    </cs:fontRef>
+    <cs:defRPr sz="900" kern="1200"/>
+  </cs:dataLabel>
+  <cs:dataLabelCallout>
+    <cs:lnRef idx="0"/>
+    <cs:fillRef idx="0"/>
+    <cs:effectRef idx="0"/>
+    <cs:fontRef idx="minor">
+      <a:schemeClr val="dk1">
+        <a:lumMod val="65000"/>
+        <a:lumOff val="35000"/>
+      </a:schemeClr>
+    </cs:fontRef>
+    <cs:spPr>
+      <a:solidFill>
+        <a:schemeClr val="lt1"/>
+      </a:solidFill>
+      <a:ln>
+        <a:solidFill>
+          <a:schemeClr val="dk1">
+            <a:lumMod val="25000"/>
+            <a:lumOff val="75000"/>
+          </a:schemeClr>
+        </a:solidFill>
+      </a:ln>
+    </cs:spPr>
+    <cs:defRPr sz="900" kern="1200"/>
+    <cs:bodyPr rot="0" spcFirstLastPara="1" vertOverflow="clip" horzOverflow="clip" vert="horz" wrap="square" lIns="36576" tIns="18288" rIns="36576" bIns="18288" anchor="ctr" anchorCtr="1">
+      <a:spAutoFit/>
+    </cs:bodyPr>
+  </cs:dataLabelCallout>
+  <cs:dataPoint>
+    <cs:lnRef idx="0"/>
+    <cs:fillRef idx="1">
+      <cs:styleClr val="auto"/>
+    </cs:fillRef>
+    <cs:effectRef idx="0"/>
+    <cs:fontRef idx="minor">
+      <a:schemeClr val="tx1"/>
+    </cs:fontRef>
+  </cs:dataPoint>
+  <cs:dataPoint3D>
+    <cs:lnRef idx="0"/>
+    <cs:fillRef idx="1">
+      <cs:styleClr val="auto"/>
+    </cs:fillRef>
+    <cs:effectRef idx="0"/>
+    <cs:fontRef idx="minor">
+      <a:schemeClr val="tx1"/>
+    </cs:fontRef>
+  </cs:dataPoint3D>
+  <cs:dataPointLine>
+    <cs:lnRef idx="0">
+      <cs:styleClr val="auto"/>
+    </cs:lnRef>
+    <cs:fillRef idx="1"/>
+    <cs:effectRef idx="0"/>
+    <cs:fontRef idx="minor">
+      <a:schemeClr val="tx1"/>
+    </cs:fontRef>
+    <cs:spPr>
+      <a:ln w="28575" cap="rnd">
+        <a:solidFill>
+          <a:schemeClr val="phClr"/>
+        </a:solidFill>
+        <a:round/>
+      </a:ln>
+    </cs:spPr>
+  </cs:dataPointLine>
+  <cs:dataPointMarker>
+    <cs:lnRef idx="0">
+      <cs:styleClr val="auto"/>
+    </cs:lnRef>
+    <cs:fillRef idx="1">
+      <cs:styleClr val="auto"/>
+    </cs:fillRef>
+    <cs:effectRef idx="0"/>
+    <cs:fontRef idx="minor">
+      <a:schemeClr val="tx1"/>
+    </cs:fontRef>
+    <cs:spPr>
+      <a:ln w="9525">
+        <a:solidFill>
+          <a:schemeClr val="phClr"/>
+        </a:solidFill>
+      </a:ln>
+    </cs:spPr>
+  </cs:dataPointMarker>
+  <cs:dataPointMarkerLayout symbol="circle" size="5"/>
+  <cs:dataPointWireframe>
+    <cs:lnRef idx="0">
+      <cs:styleClr val="auto"/>
+    </cs:lnRef>
+    <cs:fillRef idx="1"/>
+    <cs:effectRef idx="0"/>
+    <cs:fontRef idx="minor">
+      <a:schemeClr val="tx1"/>
+    </cs:fontRef>
+    <cs:spPr>
+      <a:ln w="9525" cap="rnd">
+        <a:solidFill>
+          <a:schemeClr val="phClr"/>
+        </a:solidFill>
+        <a:round/>
+      </a:ln>
+    </cs:spPr>
+  </cs:dataPointWireframe>
+  <cs:dataTable>
+    <cs:lnRef idx="0"/>
+    <cs:fillRef idx="0"/>
+    <cs:effectRef idx="0"/>
+    <cs:fontRef idx="minor">
+      <a:schemeClr val="tx1">
+        <a:lumMod val="65000"/>
+        <a:lumOff val="35000"/>
+      </a:schemeClr>
+    </cs:fontRef>
+    <cs:spPr>
+      <a:noFill/>
+      <a:ln w="9525" cap="flat" cmpd="sng" algn="ctr">
+        <a:solidFill>
+          <a:schemeClr val="tx1">
+            <a:lumMod val="15000"/>
+            <a:lumOff val="85000"/>
+          </a:schemeClr>
+        </a:solidFill>
+        <a:round/>
+      </a:ln>
+    </cs:spPr>
+    <cs:defRPr sz="900" kern="1200"/>
+  </cs:dataTable>
+  <cs:downBar>
+    <cs:lnRef idx="0"/>
+    <cs:fillRef idx="0"/>
+    <cs:effectRef idx="0"/>
+    <cs:fontRef idx="minor">
+      <a:schemeClr val="dk1"/>
+    </cs:fontRef>
+    <cs:spPr>
+      <a:solidFill>
+        <a:schemeClr val="dk1">
+          <a:lumMod val="65000"/>
+          <a:lumOff val="35000"/>
+        </a:schemeClr>
+      </a:solidFill>
+      <a:ln w="9525">
+        <a:solidFill>
+          <a:schemeClr val="tx1">
+            <a:lumMod val="65000"/>
+            <a:lumOff val="35000"/>
+          </a:schemeClr>
+        </a:solidFill>
+      </a:ln>
+    </cs:spPr>
+  </cs:downBar>
+  <cs:dropLine>
+    <cs:lnRef idx="0"/>
+    <cs:fillRef idx="0"/>
+    <cs:effectRef idx="0"/>
+    <cs:fontRef idx="minor">
+      <a:schemeClr val="tx1"/>
+    </cs:fontRef>
+    <cs:spPr>
+      <a:ln w="9525" cap="flat" cmpd="sng" algn="ctr">
+        <a:solidFill>
+          <a:schemeClr val="tx1">
+            <a:lumMod val="35000"/>
+            <a:lumOff val="65000"/>
+          </a:schemeClr>
+        </a:solidFill>
+        <a:round/>
+      </a:ln>
+    </cs:spPr>
+  </cs:dropLine>
+  <cs:errorBar>
+    <cs:lnRef idx="0"/>
+    <cs:fillRef idx="0"/>
+    <cs:effectRef idx="0"/>
+    <cs:fontRef idx="minor">
+      <a:schemeClr val="tx1"/>
+    </cs:fontRef>
+    <cs:spPr>
+      <a:ln w="9525" cap="flat" cmpd="sng" algn="ctr">
+        <a:solidFill>
+          <a:schemeClr val="tx1">
+            <a:lumMod val="65000"/>
+            <a:lumOff val="35000"/>
+          </a:schemeClr>
+        </a:solidFill>
+        <a:round/>
+      </a:ln>
+    </cs:spPr>
+  </cs:errorBar>
+  <cs:floor>
+    <cs:lnRef idx="0"/>
+    <cs:fillRef idx="0"/>
+    <cs:effectRef idx="0"/>
+    <cs:fontRef idx="minor">
+      <a:schemeClr val="tx1"/>
+    </cs:fontRef>
+    <cs:spPr>
+      <a:noFill/>
+      <a:ln>
+        <a:noFill/>
+      </a:ln>
+    </cs:spPr>
+  </cs:floor>
+  <cs:gridlineMajor>
+    <cs:lnRef idx="0"/>
+    <cs:fillRef idx="0"/>
+    <cs:effectRef idx="0"/>
+    <cs:fontRef idx="minor">
+      <a:schemeClr val="tx1"/>
+    </cs:fontRef>
+    <cs:spPr>
+      <a:ln w="9525" cap="flat" cmpd="sng" algn="ctr">
+        <a:solidFill>
+          <a:schemeClr val="tx1">
+            <a:lumMod val="15000"/>
+            <a:lumOff val="85000"/>
+          </a:schemeClr>
+        </a:solidFill>
+        <a:round/>
+      </a:ln>
+    </cs:spPr>
+  </cs:gridlineMajor>
+  <cs:gridlineMinor>
+    <cs:lnRef idx="0"/>
+    <cs:fillRef idx="0"/>
+    <cs:effectRef idx="0"/>
+    <cs:fontRef idx="minor">
+      <a:schemeClr val="tx1"/>
+    </cs:fontRef>
+    <cs:spPr>
+      <a:ln w="9525" cap="flat" cmpd="sng" algn="ctr">
+        <a:solidFill>
+          <a:schemeClr val="tx1">
+            <a:lumMod val="5000"/>
+            <a:lumOff val="95000"/>
+          </a:schemeClr>
+        </a:solidFill>
+        <a:round/>
+      </a:ln>
+    </cs:spPr>
+  </cs:gridlineMinor>
+  <cs:hiLoLine>
+    <cs:lnRef idx="0"/>
+    <cs:fillRef idx="0"/>
+    <cs:effectRef idx="0"/>
+    <cs:fontRef idx="minor">
+      <a:schemeClr val="tx1"/>
+    </cs:fontRef>
+    <cs:spPr>
+      <a:ln w="9525" cap="flat" cmpd="sng" algn="ctr">
+        <a:solidFill>
+          <a:schemeClr val="tx1">
+            <a:lumMod val="75000"/>
+            <a:lumOff val="25000"/>
+          </a:schemeClr>
+        </a:solidFill>
+        <a:round/>
+      </a:ln>
+    </cs:spPr>
+  </cs:hiLoLine>
+  <cs:leaderLine>
+    <cs:lnRef idx="0"/>
+    <cs:fillRef idx="0"/>
+    <cs:effectRef idx="0"/>
+    <cs:fontRef idx="minor">
+      <a:schemeClr val="tx1"/>
+    </cs:fontRef>
+    <cs:spPr>
+      <a:ln w="9525" cap="flat" cmpd="sng" algn="ctr">
+        <a:solidFill>
+          <a:schemeClr val="tx1">
+            <a:lumMod val="35000"/>
+            <a:lumOff val="65000"/>
+          </a:schemeClr>
+        </a:solidFill>
+        <a:round/>
+      </a:ln>
+    </cs:spPr>
+  </cs:leaderLine>
+  <cs:legend>
+    <cs:lnRef idx="0"/>
+    <cs:fillRef idx="0"/>
+    <cs:effectRef idx="0"/>
+    <cs:fontRef idx="minor">
+      <a:schemeClr val="tx1">
+        <a:lumMod val="65000"/>
+        <a:lumOff val="35000"/>
+      </a:schemeClr>
+    </cs:fontRef>
+    <cs:defRPr sz="900" kern="1200"/>
+  </cs:legend>
+  <cs:plotArea mods="allowNoFillOverride allowNoLineOverride">
+    <cs:lnRef idx="0"/>
+    <cs:fillRef idx="0"/>
+    <cs:effectRef idx="0"/>
+    <cs:fontRef idx="minor">
+      <a:schemeClr val="tx1"/>
+    </cs:fontRef>
+  </cs:plotArea>
+  <cs:plotArea3D mods="allowNoFillOverride allowNoLineOverride">
+    <cs:lnRef idx="0"/>
+    <cs:fillRef idx="0"/>
+    <cs:effectRef idx="0"/>
+    <cs:fontRef idx="minor">
+      <a:schemeClr val="tx1"/>
+    </cs:fontRef>
+  </cs:plotArea3D>
+  <cs:seriesAxis>
+    <cs:lnRef idx="0"/>
+    <cs:fillRef idx="0"/>
+    <cs:effectRef idx="0"/>
+    <cs:fontRef idx="minor">
+      <a:schemeClr val="tx1">
+        <a:lumMod val="65000"/>
+        <a:lumOff val="35000"/>
+      </a:schemeClr>
+    </cs:fontRef>
+    <cs:defRPr sz="900" kern="1200"/>
+  </cs:seriesAxis>
+  <cs:seriesLine>
+    <cs:lnRef idx="0"/>
+    <cs:fillRef idx="0"/>
+    <cs:effectRef idx="0"/>
+    <cs:fontRef idx="minor">
+      <a:schemeClr val="tx1"/>
+    </cs:fontRef>
+    <cs:spPr>
+      <a:ln w="9525" cap="flat" cmpd="sng" algn="ctr">
+        <a:solidFill>
+          <a:schemeClr val="tx1">
+            <a:lumMod val="35000"/>
+            <a:lumOff val="65000"/>
+          </a:schemeClr>
+        </a:solidFill>
+        <a:round/>
+      </a:ln>
+    </cs:spPr>
+  </cs:seriesLine>
+  <cs:title>
+    <cs:lnRef idx="0"/>
+    <cs:fillRef idx="0"/>
+    <cs:effectRef idx="0"/>
+    <cs:fontRef idx="minor">
+      <a:schemeClr val="tx1">
+        <a:lumMod val="65000"/>
+        <a:lumOff val="35000"/>
+      </a:schemeClr>
+    </cs:fontRef>
+    <cs:defRPr sz="1400" b="0" kern="1200" spc="0" baseline="0"/>
+  </cs:title>
+  <cs:trendline>
+    <cs:lnRef idx="0">
+      <cs:styleClr val="auto"/>
+    </cs:lnRef>
+    <cs:fillRef idx="0"/>
+    <cs:effectRef idx="0"/>
+    <cs:fontRef idx="minor">
+      <a:schemeClr val="tx1"/>
+    </cs:fontRef>
+    <cs:spPr>
+      <a:ln w="19050" cap="rnd">
+        <a:solidFill>
+          <a:schemeClr val="phClr"/>
+        </a:solidFill>
+        <a:prstDash val="sysDot"/>
+      </a:ln>
+    </cs:spPr>
+  </cs:trendline>
+  <cs:trendlineLabel>
+    <cs:lnRef idx="0"/>
+    <cs:fillRef idx="0"/>
+    <cs:effectRef idx="0"/>
+    <cs:fontRef idx="minor">
+      <a:schemeClr val="tx1">
+        <a:lumMod val="65000"/>
+        <a:lumOff val="35000"/>
+      </a:schemeClr>
+    </cs:fontRef>
+    <cs:defRPr sz="900" kern="1200"/>
+  </cs:trendlineLabel>
+  <cs:upBar>
+    <cs:lnRef idx="0"/>
+    <cs:fillRef idx="0"/>
+    <cs:effectRef idx="0"/>
+    <cs:fontRef idx="minor">
+      <a:schemeClr val="dk1"/>
+    </cs:fontRef>
+    <cs:spPr>
+      <a:solidFill>
+        <a:schemeClr val="lt1"/>
+      </a:solidFill>
+      <a:ln w="9525">
+        <a:solidFill>
+          <a:schemeClr val="tx1">
+            <a:lumMod val="15000"/>
+            <a:lumOff val="85000"/>
+          </a:schemeClr>
+        </a:solidFill>
+      </a:ln>
+    </cs:spPr>
+  </cs:upBar>
+  <cs:valueAxis>
+    <cs:lnRef idx="0"/>
+    <cs:fillRef idx="0"/>
+    <cs:effectRef idx="0"/>
+    <cs:fontRef idx="minor">
+      <a:schemeClr val="tx1">
+        <a:lumMod val="65000"/>
+        <a:lumOff val="35000"/>
+      </a:schemeClr>
+    </cs:fontRef>
+    <cs:defRPr sz="900" kern="1200"/>
+  </cs:valueAxis>
+  <cs:wall>
+    <cs:lnRef idx="0"/>
+    <cs:fillRef idx="0"/>
+    <cs:effectRef idx="0"/>
+    <cs:fontRef idx="minor">
+      <a:schemeClr val="tx1"/>
+    </cs:fontRef>
+    <cs:spPr>
+      <a:noFill/>
+      <a:ln>
+        <a:noFill/>
+      </a:ln>
+    </cs:spPr>
+  </cs:wall>
+</cs:chartStyle>
+</file>
+
 <file path=ppt/diagrams/colors1.xml><?xml version="1.0" encoding="utf-8"?>
 <dgm:colorsDef xmlns:dgm="http://schemas.openxmlformats.org/drawingml/2006/diagram" xmlns:a="http://schemas.openxmlformats.org/drawingml/2006/main" uniqueId="urn:microsoft.com/office/officeart/2018/5/colors/Iconchunking_neutralbg_colorful1">
   <dgm:title val=""/>
@@ -5936,788 +6763,6 @@
 </file>
 
 <file path=ppt/diagrams/colors6.xml><?xml version="1.0" encoding="utf-8"?>
-<dgm:colorsDef xmlns:dgm="http://schemas.openxmlformats.org/drawingml/2006/diagram" xmlns:a="http://schemas.openxmlformats.org/drawingml/2006/main" uniqueId="urn:microsoft.com/office/officeart/2005/8/colors/colorful2">
-  <dgm:title val=""/>
-  <dgm:desc val=""/>
-  <dgm:catLst>
-    <dgm:cat type="colorful" pri="10200"/>
-  </dgm:catLst>
-  <dgm:styleLbl name="node0">
-    <dgm:fillClrLst meth="repeat">
-      <a:schemeClr val="accent1"/>
-    </dgm:fillClrLst>
-    <dgm:linClrLst meth="repeat">
-      <a:schemeClr val="lt1"/>
-    </dgm:linClrLst>
-    <dgm:effectClrLst/>
-    <dgm:txLinClrLst/>
-    <dgm:txFillClrLst/>
-    <dgm:txEffectClrLst/>
-  </dgm:styleLbl>
-  <dgm:styleLbl name="node1">
-    <dgm:fillClrLst>
-      <a:schemeClr val="accent2"/>
-      <a:schemeClr val="accent3"/>
-    </dgm:fillClrLst>
-    <dgm:linClrLst meth="repeat">
-      <a:schemeClr val="lt1"/>
-    </dgm:linClrLst>
-    <dgm:effectClrLst/>
-    <dgm:txLinClrLst/>
-    <dgm:txFillClrLst/>
-    <dgm:txEffectClrLst/>
-  </dgm:styleLbl>
-  <dgm:styleLbl name="alignNode1">
-    <dgm:fillClrLst>
-      <a:schemeClr val="accent2"/>
-      <a:schemeClr val="accent3"/>
-    </dgm:fillClrLst>
-    <dgm:linClrLst>
-      <a:schemeClr val="accent2"/>
-      <a:schemeClr val="accent3"/>
-    </dgm:linClrLst>
-    <dgm:effectClrLst/>
-    <dgm:txLinClrLst/>
-    <dgm:txFillClrLst/>
-    <dgm:txEffectClrLst/>
-  </dgm:styleLbl>
-  <dgm:styleLbl name="lnNode1">
-    <dgm:fillClrLst>
-      <a:schemeClr val="accent2"/>
-      <a:schemeClr val="accent3"/>
-    </dgm:fillClrLst>
-    <dgm:linClrLst meth="repeat">
-      <a:schemeClr val="lt1"/>
-    </dgm:linClrLst>
-    <dgm:effectClrLst/>
-    <dgm:txLinClrLst/>
-    <dgm:txFillClrLst/>
-    <dgm:txEffectClrLst/>
-  </dgm:styleLbl>
-  <dgm:styleLbl name="vennNode1">
-    <dgm:fillClrLst>
-      <a:schemeClr val="accent2">
-        <a:alpha val="50000"/>
-      </a:schemeClr>
-      <a:schemeClr val="accent3">
-        <a:alpha val="50000"/>
-      </a:schemeClr>
-    </dgm:fillClrLst>
-    <dgm:linClrLst meth="repeat">
-      <a:schemeClr val="lt1"/>
-    </dgm:linClrLst>
-    <dgm:effectClrLst/>
-    <dgm:txLinClrLst/>
-    <dgm:txFillClrLst/>
-    <dgm:txEffectClrLst/>
-  </dgm:styleLbl>
-  <dgm:styleLbl name="node2">
-    <dgm:fillClrLst>
-      <a:schemeClr val="accent3"/>
-    </dgm:fillClrLst>
-    <dgm:linClrLst meth="repeat">
-      <a:schemeClr val="lt1"/>
-    </dgm:linClrLst>
-    <dgm:effectClrLst/>
-    <dgm:txLinClrLst/>
-    <dgm:txFillClrLst/>
-    <dgm:txEffectClrLst/>
-  </dgm:styleLbl>
-  <dgm:styleLbl name="node3">
-    <dgm:fillClrLst>
-      <a:schemeClr val="accent4"/>
-    </dgm:fillClrLst>
-    <dgm:linClrLst meth="repeat">
-      <a:schemeClr val="lt1"/>
-    </dgm:linClrLst>
-    <dgm:effectClrLst/>
-    <dgm:txLinClrLst/>
-    <dgm:txFillClrLst/>
-    <dgm:txEffectClrLst/>
-  </dgm:styleLbl>
-  <dgm:styleLbl name="node4">
-    <dgm:fillClrLst>
-      <a:schemeClr val="accent5"/>
-    </dgm:fillClrLst>
-    <dgm:linClrLst meth="repeat">
-      <a:schemeClr val="lt1"/>
-    </dgm:linClrLst>
-    <dgm:effectClrLst/>
-    <dgm:txLinClrLst/>
-    <dgm:txFillClrLst/>
-    <dgm:txEffectClrLst/>
-  </dgm:styleLbl>
-  <dgm:styleLbl name="fgImgPlace1">
-    <dgm:fillClrLst>
-      <a:schemeClr val="accent2">
-        <a:tint val="50000"/>
-      </a:schemeClr>
-      <a:schemeClr val="accent3">
-        <a:tint val="50000"/>
-      </a:schemeClr>
-    </dgm:fillClrLst>
-    <dgm:linClrLst meth="repeat">
-      <a:schemeClr val="lt1"/>
-    </dgm:linClrLst>
-    <dgm:effectClrLst/>
-    <dgm:txLinClrLst/>
-    <dgm:txFillClrLst meth="repeat">
-      <a:schemeClr val="lt1"/>
-    </dgm:txFillClrLst>
-    <dgm:txEffectClrLst/>
-  </dgm:styleLbl>
-  <dgm:styleLbl name="alignImgPlace1">
-    <dgm:fillClrLst>
-      <a:schemeClr val="accent2">
-        <a:tint val="50000"/>
-      </a:schemeClr>
-      <a:schemeClr val="accent3">
-        <a:tint val="20000"/>
-      </a:schemeClr>
-    </dgm:fillClrLst>
-    <dgm:linClrLst meth="repeat">
-      <a:schemeClr val="lt1"/>
-    </dgm:linClrLst>
-    <dgm:effectClrLst/>
-    <dgm:txLinClrLst/>
-    <dgm:txFillClrLst meth="repeat">
-      <a:schemeClr val="lt1"/>
-    </dgm:txFillClrLst>
-    <dgm:txEffectClrLst/>
-  </dgm:styleLbl>
-  <dgm:styleLbl name="bgImgPlace1">
-    <dgm:fillClrLst>
-      <a:schemeClr val="accent2">
-        <a:tint val="50000"/>
-      </a:schemeClr>
-      <a:schemeClr val="accent3">
-        <a:tint val="20000"/>
-      </a:schemeClr>
-    </dgm:fillClrLst>
-    <dgm:linClrLst meth="repeat">
-      <a:schemeClr val="lt1"/>
-    </dgm:linClrLst>
-    <dgm:effectClrLst/>
-    <dgm:txLinClrLst/>
-    <dgm:txFillClrLst meth="repeat">
-      <a:schemeClr val="lt1"/>
-    </dgm:txFillClrLst>
-    <dgm:txEffectClrLst/>
-  </dgm:styleLbl>
-  <dgm:styleLbl name="sibTrans2D1">
-    <dgm:fillClrLst>
-      <a:schemeClr val="accent2"/>
-      <a:schemeClr val="accent3"/>
-    </dgm:fillClrLst>
-    <dgm:linClrLst meth="repeat">
-      <a:schemeClr val="lt1"/>
-    </dgm:linClrLst>
-    <dgm:effectClrLst/>
-    <dgm:txLinClrLst/>
-    <dgm:txFillClrLst/>
-    <dgm:txEffectClrLst/>
-  </dgm:styleLbl>
-  <dgm:styleLbl name="fgSibTrans2D1">
-    <dgm:fillClrLst>
-      <a:schemeClr val="accent2"/>
-      <a:schemeClr val="accent3"/>
-    </dgm:fillClrLst>
-    <dgm:linClrLst meth="repeat">
-      <a:schemeClr val="lt1"/>
-    </dgm:linClrLst>
-    <dgm:effectClrLst/>
-    <dgm:txLinClrLst/>
-    <dgm:txFillClrLst meth="repeat">
-      <a:schemeClr val="lt1"/>
-    </dgm:txFillClrLst>
-    <dgm:txEffectClrLst/>
-  </dgm:styleLbl>
-  <dgm:styleLbl name="bgSibTrans2D1">
-    <dgm:fillClrLst>
-      <a:schemeClr val="accent2"/>
-      <a:schemeClr val="accent3"/>
-    </dgm:fillClrLst>
-    <dgm:linClrLst meth="repeat">
-      <a:schemeClr val="lt1"/>
-    </dgm:linClrLst>
-    <dgm:effectClrLst/>
-    <dgm:txLinClrLst/>
-    <dgm:txFillClrLst meth="repeat">
-      <a:schemeClr val="lt1"/>
-    </dgm:txFillClrLst>
-    <dgm:txEffectClrLst/>
-  </dgm:styleLbl>
-  <dgm:styleLbl name="sibTrans1D1">
-    <dgm:fillClrLst/>
-    <dgm:linClrLst>
-      <a:schemeClr val="accent2"/>
-      <a:schemeClr val="accent3"/>
-    </dgm:linClrLst>
-    <dgm:effectClrLst/>
-    <dgm:txLinClrLst/>
-    <dgm:txFillClrLst meth="repeat">
-      <a:schemeClr val="tx1"/>
-    </dgm:txFillClrLst>
-    <dgm:txEffectClrLst/>
-  </dgm:styleLbl>
-  <dgm:styleLbl name="callout">
-    <dgm:fillClrLst meth="repeat">
-      <a:schemeClr val="accent2"/>
-    </dgm:fillClrLst>
-    <dgm:linClrLst meth="repeat">
-      <a:schemeClr val="accent2">
-        <a:tint val="50000"/>
-      </a:schemeClr>
-    </dgm:linClrLst>
-    <dgm:effectClrLst/>
-    <dgm:txLinClrLst/>
-    <dgm:txFillClrLst meth="repeat">
-      <a:schemeClr val="tx1"/>
-    </dgm:txFillClrLst>
-    <dgm:txEffectClrLst/>
-  </dgm:styleLbl>
-  <dgm:styleLbl name="asst0">
-    <dgm:fillClrLst meth="repeat">
-      <a:schemeClr val="accent2"/>
-    </dgm:fillClrLst>
-    <dgm:linClrLst meth="repeat">
-      <a:schemeClr val="lt1">
-        <a:shade val="80000"/>
-      </a:schemeClr>
-    </dgm:linClrLst>
-    <dgm:effectClrLst/>
-    <dgm:txLinClrLst/>
-    <dgm:txFillClrLst/>
-    <dgm:txEffectClrLst/>
-  </dgm:styleLbl>
-  <dgm:styleLbl name="asst1">
-    <dgm:fillClrLst meth="repeat">
-      <a:schemeClr val="accent3"/>
-    </dgm:fillClrLst>
-    <dgm:linClrLst meth="repeat">
-      <a:schemeClr val="lt1">
-        <a:shade val="80000"/>
-      </a:schemeClr>
-    </dgm:linClrLst>
-    <dgm:effectClrLst/>
-    <dgm:txLinClrLst/>
-    <dgm:txFillClrLst/>
-    <dgm:txEffectClrLst/>
-  </dgm:styleLbl>
-  <dgm:styleLbl name="asst2">
-    <dgm:fillClrLst>
-      <a:schemeClr val="accent4"/>
-    </dgm:fillClrLst>
-    <dgm:linClrLst meth="repeat">
-      <a:schemeClr val="lt1"/>
-    </dgm:linClrLst>
-    <dgm:effectClrLst/>
-    <dgm:txLinClrLst/>
-    <dgm:txFillClrLst/>
-    <dgm:txEffectClrLst/>
-  </dgm:styleLbl>
-  <dgm:styleLbl name="asst3">
-    <dgm:fillClrLst>
-      <a:schemeClr val="accent5"/>
-    </dgm:fillClrLst>
-    <dgm:linClrLst meth="repeat">
-      <a:schemeClr val="lt1"/>
-    </dgm:linClrLst>
-    <dgm:effectClrLst/>
-    <dgm:txLinClrLst/>
-    <dgm:txFillClrLst/>
-    <dgm:txEffectClrLst/>
-  </dgm:styleLbl>
-  <dgm:styleLbl name="asst4">
-    <dgm:fillClrLst>
-      <a:schemeClr val="accent6"/>
-    </dgm:fillClrLst>
-    <dgm:linClrLst meth="repeat">
-      <a:schemeClr val="lt1"/>
-    </dgm:linClrLst>
-    <dgm:effectClrLst/>
-    <dgm:txLinClrLst/>
-    <dgm:txFillClrLst/>
-    <dgm:txEffectClrLst/>
-  </dgm:styleLbl>
-  <dgm:styleLbl name="parChTrans2D1">
-    <dgm:fillClrLst meth="repeat">
-      <a:schemeClr val="accent2"/>
-    </dgm:fillClrLst>
-    <dgm:linClrLst meth="repeat">
-      <a:schemeClr val="lt1"/>
-    </dgm:linClrLst>
-    <dgm:effectClrLst/>
-    <dgm:txLinClrLst/>
-    <dgm:txFillClrLst meth="repeat">
-      <a:schemeClr val="lt1"/>
-    </dgm:txFillClrLst>
-    <dgm:txEffectClrLst/>
-  </dgm:styleLbl>
-  <dgm:styleLbl name="parChTrans2D2">
-    <dgm:fillClrLst meth="repeat">
-      <a:schemeClr val="accent3"/>
-    </dgm:fillClrLst>
-    <dgm:linClrLst meth="repeat">
-      <a:schemeClr val="lt1"/>
-    </dgm:linClrLst>
-    <dgm:effectClrLst/>
-    <dgm:txLinClrLst/>
-    <dgm:txFillClrLst/>
-    <dgm:txEffectClrLst/>
-  </dgm:styleLbl>
-  <dgm:styleLbl name="parChTrans2D3">
-    <dgm:fillClrLst meth="repeat">
-      <a:schemeClr val="accent4"/>
-    </dgm:fillClrLst>
-    <dgm:linClrLst meth="repeat">
-      <a:schemeClr val="lt1"/>
-    </dgm:linClrLst>
-    <dgm:effectClrLst/>
-    <dgm:txLinClrLst/>
-    <dgm:txFillClrLst/>
-    <dgm:txEffectClrLst/>
-  </dgm:styleLbl>
-  <dgm:styleLbl name="parChTrans2D4">
-    <dgm:fillClrLst meth="repeat">
-      <a:schemeClr val="accent5"/>
-    </dgm:fillClrLst>
-    <dgm:linClrLst meth="repeat">
-      <a:schemeClr val="lt1"/>
-    </dgm:linClrLst>
-    <dgm:effectClrLst/>
-    <dgm:txLinClrLst/>
-    <dgm:txFillClrLst meth="repeat">
-      <a:schemeClr val="lt1"/>
-    </dgm:txFillClrLst>
-    <dgm:txEffectClrLst/>
-  </dgm:styleLbl>
-  <dgm:styleLbl name="parChTrans1D1">
-    <dgm:fillClrLst meth="repeat">
-      <a:schemeClr val="accent2"/>
-    </dgm:fillClrLst>
-    <dgm:linClrLst meth="repeat">
-      <a:schemeClr val="accent2"/>
-    </dgm:linClrLst>
-    <dgm:effectClrLst/>
-    <dgm:txLinClrLst/>
-    <dgm:txFillClrLst meth="repeat">
-      <a:schemeClr val="tx1"/>
-    </dgm:txFillClrLst>
-    <dgm:txEffectClrLst/>
-  </dgm:styleLbl>
-  <dgm:styleLbl name="parChTrans1D2">
-    <dgm:fillClrLst meth="repeat">
-      <a:schemeClr val="accent2">
-        <a:tint val="90000"/>
-      </a:schemeClr>
-    </dgm:fillClrLst>
-    <dgm:linClrLst meth="repeat">
-      <a:schemeClr val="accent3"/>
-    </dgm:linClrLst>
-    <dgm:effectClrLst/>
-    <dgm:txLinClrLst/>
-    <dgm:txFillClrLst meth="repeat">
-      <a:schemeClr val="tx1"/>
-    </dgm:txFillClrLst>
-    <dgm:txEffectClrLst/>
-  </dgm:styleLbl>
-  <dgm:styleLbl name="parChTrans1D3">
-    <dgm:fillClrLst meth="repeat">
-      <a:schemeClr val="accent2">
-        <a:tint val="70000"/>
-      </a:schemeClr>
-    </dgm:fillClrLst>
-    <dgm:linClrLst meth="repeat">
-      <a:schemeClr val="accent4"/>
-    </dgm:linClrLst>
-    <dgm:effectClrLst/>
-    <dgm:txLinClrLst/>
-    <dgm:txFillClrLst meth="repeat">
-      <a:schemeClr val="tx1"/>
-    </dgm:txFillClrLst>
-    <dgm:txEffectClrLst/>
-  </dgm:styleLbl>
-  <dgm:styleLbl name="parChTrans1D4">
-    <dgm:fillClrLst meth="repeat">
-      <a:schemeClr val="accent2">
-        <a:tint val="50000"/>
-      </a:schemeClr>
-    </dgm:fillClrLst>
-    <dgm:linClrLst meth="repeat">
-      <a:schemeClr val="accent5"/>
-    </dgm:linClrLst>
-    <dgm:effectClrLst/>
-    <dgm:txLinClrLst/>
-    <dgm:txFillClrLst meth="repeat">
-      <a:schemeClr val="tx1"/>
-    </dgm:txFillClrLst>
-    <dgm:txEffectClrLst/>
-  </dgm:styleLbl>
-  <dgm:styleLbl name="fgAcc1">
-    <dgm:fillClrLst meth="repeat">
-      <a:schemeClr val="lt1">
-        <a:alpha val="90000"/>
-      </a:schemeClr>
-    </dgm:fillClrLst>
-    <dgm:linClrLst>
-      <a:schemeClr val="accent2"/>
-      <a:schemeClr val="accent3"/>
-    </dgm:linClrLst>
-    <dgm:effectClrLst/>
-    <dgm:txLinClrLst/>
-    <dgm:txFillClrLst meth="repeat">
-      <a:schemeClr val="dk1"/>
-    </dgm:txFillClrLst>
-    <dgm:txEffectClrLst/>
-  </dgm:styleLbl>
-  <dgm:styleLbl name="conFgAcc1">
-    <dgm:fillClrLst meth="repeat">
-      <a:schemeClr val="lt1">
-        <a:alpha val="90000"/>
-      </a:schemeClr>
-    </dgm:fillClrLst>
-    <dgm:linClrLst>
-      <a:schemeClr val="accent2"/>
-      <a:schemeClr val="accent3"/>
-    </dgm:linClrLst>
-    <dgm:effectClrLst/>
-    <dgm:txLinClrLst/>
-    <dgm:txFillClrLst meth="repeat">
-      <a:schemeClr val="dk1"/>
-    </dgm:txFillClrLst>
-    <dgm:txEffectClrLst/>
-  </dgm:styleLbl>
-  <dgm:styleLbl name="alignAcc1">
-    <dgm:fillClrLst meth="repeat">
-      <a:schemeClr val="lt1">
-        <a:alpha val="90000"/>
-      </a:schemeClr>
-    </dgm:fillClrLst>
-    <dgm:linClrLst>
-      <a:schemeClr val="accent2"/>
-      <a:schemeClr val="accent3"/>
-    </dgm:linClrLst>
-    <dgm:effectClrLst/>
-    <dgm:txLinClrLst/>
-    <dgm:txFillClrLst meth="repeat">
-      <a:schemeClr val="dk1"/>
-    </dgm:txFillClrLst>
-    <dgm:txEffectClrLst/>
-  </dgm:styleLbl>
-  <dgm:styleLbl name="trAlignAcc1">
-    <dgm:fillClrLst meth="repeat">
-      <a:schemeClr val="lt1">
-        <a:alpha val="40000"/>
-      </a:schemeClr>
-    </dgm:fillClrLst>
-    <dgm:linClrLst meth="repeat">
-      <a:schemeClr val="accent2"/>
-    </dgm:linClrLst>
-    <dgm:effectClrLst/>
-    <dgm:txLinClrLst/>
-    <dgm:txFillClrLst meth="repeat">
-      <a:schemeClr val="dk1"/>
-    </dgm:txFillClrLst>
-    <dgm:txEffectClrLst/>
-  </dgm:styleLbl>
-  <dgm:styleLbl name="bgAcc1">
-    <dgm:fillClrLst meth="repeat">
-      <a:schemeClr val="lt1">
-        <a:alpha val="90000"/>
-      </a:schemeClr>
-    </dgm:fillClrLst>
-    <dgm:linClrLst>
-      <a:schemeClr val="accent2"/>
-      <a:schemeClr val="accent3"/>
-    </dgm:linClrLst>
-    <dgm:effectClrLst/>
-    <dgm:txLinClrLst/>
-    <dgm:txFillClrLst meth="repeat">
-      <a:schemeClr val="dk1"/>
-    </dgm:txFillClrLst>
-    <dgm:txEffectClrLst/>
-  </dgm:styleLbl>
-  <dgm:styleLbl name="solidFgAcc1">
-    <dgm:fillClrLst meth="repeat">
-      <a:schemeClr val="lt1"/>
-    </dgm:fillClrLst>
-    <dgm:linClrLst>
-      <a:schemeClr val="accent2"/>
-      <a:schemeClr val="accent3"/>
-    </dgm:linClrLst>
-    <dgm:effectClrLst/>
-    <dgm:txLinClrLst/>
-    <dgm:txFillClrLst meth="repeat">
-      <a:schemeClr val="dk1"/>
-    </dgm:txFillClrLst>
-    <dgm:txEffectClrLst/>
-  </dgm:styleLbl>
-  <dgm:styleLbl name="solidAlignAcc1">
-    <dgm:fillClrLst meth="repeat">
-      <a:schemeClr val="lt1"/>
-    </dgm:fillClrLst>
-    <dgm:linClrLst>
-      <a:schemeClr val="accent2"/>
-      <a:schemeClr val="accent3"/>
-    </dgm:linClrLst>
-    <dgm:effectClrLst/>
-    <dgm:txLinClrLst/>
-    <dgm:txFillClrLst meth="repeat">
-      <a:schemeClr val="dk1"/>
-    </dgm:txFillClrLst>
-    <dgm:txEffectClrLst/>
-  </dgm:styleLbl>
-  <dgm:styleLbl name="solidBgAcc1">
-    <dgm:fillClrLst meth="repeat">
-      <a:schemeClr val="lt1"/>
-    </dgm:fillClrLst>
-    <dgm:linClrLst>
-      <a:schemeClr val="accent2"/>
-      <a:schemeClr val="accent3"/>
-    </dgm:linClrLst>
-    <dgm:effectClrLst/>
-    <dgm:txLinClrLst/>
-    <dgm:txFillClrLst meth="repeat">
-      <a:schemeClr val="dk1"/>
-    </dgm:txFillClrLst>
-    <dgm:txEffectClrLst/>
-  </dgm:styleLbl>
-  <dgm:styleLbl name="fgAccFollowNode1">
-    <dgm:fillClrLst>
-      <a:schemeClr val="accent2">
-        <a:tint val="40000"/>
-        <a:alpha val="90000"/>
-      </a:schemeClr>
-      <a:schemeClr val="accent3">
-        <a:tint val="40000"/>
-        <a:alpha val="90000"/>
-      </a:schemeClr>
-    </dgm:fillClrLst>
-    <dgm:linClrLst>
-      <a:schemeClr val="accent2">
-        <a:tint val="40000"/>
-        <a:alpha val="90000"/>
-      </a:schemeClr>
-      <a:schemeClr val="accent3">
-        <a:tint val="40000"/>
-        <a:alpha val="90000"/>
-      </a:schemeClr>
-    </dgm:linClrLst>
-    <dgm:effectClrLst/>
-    <dgm:txLinClrLst/>
-    <dgm:txFillClrLst meth="repeat">
-      <a:schemeClr val="dk1"/>
-    </dgm:txFillClrLst>
-    <dgm:txEffectClrLst/>
-  </dgm:styleLbl>
-  <dgm:styleLbl name="alignAccFollowNode1">
-    <dgm:fillClrLst>
-      <a:schemeClr val="accent2">
-        <a:tint val="40000"/>
-        <a:alpha val="90000"/>
-      </a:schemeClr>
-      <a:schemeClr val="accent3">
-        <a:tint val="40000"/>
-        <a:alpha val="90000"/>
-      </a:schemeClr>
-    </dgm:fillClrLst>
-    <dgm:linClrLst>
-      <a:schemeClr val="accent2">
-        <a:tint val="40000"/>
-        <a:alpha val="90000"/>
-      </a:schemeClr>
-      <a:schemeClr val="accent3">
-        <a:tint val="40000"/>
-        <a:alpha val="90000"/>
-      </a:schemeClr>
-    </dgm:linClrLst>
-    <dgm:effectClrLst/>
-    <dgm:txLinClrLst/>
-    <dgm:txFillClrLst meth="repeat">
-      <a:schemeClr val="dk1"/>
-    </dgm:txFillClrLst>
-    <dgm:txEffectClrLst/>
-  </dgm:styleLbl>
-  <dgm:styleLbl name="bgAccFollowNode1">
-    <dgm:fillClrLst>
-      <a:schemeClr val="accent2">
-        <a:tint val="40000"/>
-        <a:alpha val="90000"/>
-      </a:schemeClr>
-      <a:schemeClr val="accent3">
-        <a:tint val="40000"/>
-        <a:alpha val="90000"/>
-      </a:schemeClr>
-    </dgm:fillClrLst>
-    <dgm:linClrLst>
-      <a:schemeClr val="accent2">
-        <a:tint val="40000"/>
-        <a:alpha val="90000"/>
-      </a:schemeClr>
-      <a:schemeClr val="accent3">
-        <a:tint val="40000"/>
-        <a:alpha val="90000"/>
-      </a:schemeClr>
-    </dgm:linClrLst>
-    <dgm:effectClrLst/>
-    <dgm:txLinClrLst/>
-    <dgm:txFillClrLst meth="repeat">
-      <a:schemeClr val="dk1"/>
-    </dgm:txFillClrLst>
-    <dgm:txEffectClrLst/>
-  </dgm:styleLbl>
-  <dgm:styleLbl name="fgAcc0">
-    <dgm:fillClrLst meth="repeat">
-      <a:schemeClr val="lt1">
-        <a:alpha val="90000"/>
-      </a:schemeClr>
-    </dgm:fillClrLst>
-    <dgm:linClrLst>
-      <a:schemeClr val="accent1"/>
-    </dgm:linClrLst>
-    <dgm:effectClrLst/>
-    <dgm:txLinClrLst/>
-    <dgm:txFillClrLst meth="repeat">
-      <a:schemeClr val="dk1"/>
-    </dgm:txFillClrLst>
-    <dgm:txEffectClrLst/>
-  </dgm:styleLbl>
-  <dgm:styleLbl name="fgAcc2">
-    <dgm:fillClrLst meth="repeat">
-      <a:schemeClr val="lt1">
-        <a:alpha val="90000"/>
-      </a:schemeClr>
-    </dgm:fillClrLst>
-    <dgm:linClrLst>
-      <a:schemeClr val="accent3"/>
-    </dgm:linClrLst>
-    <dgm:effectClrLst/>
-    <dgm:txLinClrLst/>
-    <dgm:txFillClrLst meth="repeat">
-      <a:schemeClr val="dk1"/>
-    </dgm:txFillClrLst>
-    <dgm:txEffectClrLst/>
-  </dgm:styleLbl>
-  <dgm:styleLbl name="fgAcc3">
-    <dgm:fillClrLst meth="repeat">
-      <a:schemeClr val="lt1">
-        <a:alpha val="90000"/>
-      </a:schemeClr>
-    </dgm:fillClrLst>
-    <dgm:linClrLst>
-      <a:schemeClr val="accent4"/>
-    </dgm:linClrLst>
-    <dgm:effectClrLst/>
-    <dgm:txLinClrLst/>
-    <dgm:txFillClrLst meth="repeat">
-      <a:schemeClr val="dk1"/>
-    </dgm:txFillClrLst>
-    <dgm:txEffectClrLst/>
-  </dgm:styleLbl>
-  <dgm:styleLbl name="fgAcc4">
-    <dgm:fillClrLst meth="repeat">
-      <a:schemeClr val="lt1">
-        <a:alpha val="90000"/>
-      </a:schemeClr>
-    </dgm:fillClrLst>
-    <dgm:linClrLst>
-      <a:schemeClr val="accent5"/>
-    </dgm:linClrLst>
-    <dgm:effectClrLst/>
-    <dgm:txLinClrLst/>
-    <dgm:txFillClrLst meth="repeat">
-      <a:schemeClr val="dk1"/>
-    </dgm:txFillClrLst>
-    <dgm:txEffectClrLst/>
-  </dgm:styleLbl>
-  <dgm:styleLbl name="bgShp">
-    <dgm:fillClrLst meth="repeat">
-      <a:schemeClr val="accent2">
-        <a:tint val="40000"/>
-      </a:schemeClr>
-    </dgm:fillClrLst>
-    <dgm:linClrLst meth="repeat">
-      <a:schemeClr val="dk1"/>
-    </dgm:linClrLst>
-    <dgm:effectClrLst/>
-    <dgm:txLinClrLst/>
-    <dgm:txFillClrLst meth="repeat">
-      <a:schemeClr val="dk1"/>
-    </dgm:txFillClrLst>
-    <dgm:txEffectClrLst/>
-  </dgm:styleLbl>
-  <dgm:styleLbl name="dkBgShp">
-    <dgm:fillClrLst meth="repeat">
-      <a:schemeClr val="accent2">
-        <a:shade val="90000"/>
-      </a:schemeClr>
-    </dgm:fillClrLst>
-    <dgm:linClrLst meth="repeat">
-      <a:schemeClr val="dk1"/>
-    </dgm:linClrLst>
-    <dgm:effectClrLst/>
-    <dgm:txLinClrLst/>
-    <dgm:txFillClrLst meth="repeat">
-      <a:schemeClr val="lt1"/>
-    </dgm:txFillClrLst>
-    <dgm:txEffectClrLst/>
-  </dgm:styleLbl>
-  <dgm:styleLbl name="trBgShp">
-    <dgm:fillClrLst meth="repeat">
-      <a:schemeClr val="accent2">
-        <a:tint val="50000"/>
-        <a:alpha val="40000"/>
-      </a:schemeClr>
-    </dgm:fillClrLst>
-    <dgm:linClrLst meth="repeat">
-      <a:schemeClr val="accent2"/>
-    </dgm:linClrLst>
-    <dgm:effectClrLst/>
-    <dgm:txLinClrLst/>
-    <dgm:txFillClrLst meth="repeat">
-      <a:schemeClr val="lt1"/>
-    </dgm:txFillClrLst>
-    <dgm:txEffectClrLst/>
-  </dgm:styleLbl>
-  <dgm:styleLbl name="fgShp">
-    <dgm:fillClrLst meth="repeat">
-      <a:schemeClr val="accent2">
-        <a:tint val="40000"/>
-      </a:schemeClr>
-    </dgm:fillClrLst>
-    <dgm:linClrLst meth="repeat">
-      <a:schemeClr val="lt1"/>
-    </dgm:linClrLst>
-    <dgm:effectClrLst/>
-    <dgm:txLinClrLst/>
-    <dgm:txFillClrLst meth="repeat">
-      <a:schemeClr val="dk1"/>
-    </dgm:txFillClrLst>
-    <dgm:txEffectClrLst/>
-  </dgm:styleLbl>
-  <dgm:styleLbl name="revTx">
-    <dgm:fillClrLst meth="repeat">
-      <a:schemeClr val="lt1">
-        <a:alpha val="0"/>
-      </a:schemeClr>
-    </dgm:fillClrLst>
-    <dgm:linClrLst meth="repeat">
-      <a:schemeClr val="dk1">
-        <a:alpha val="0"/>
-      </a:schemeClr>
-    </dgm:linClrLst>
-    <dgm:effectClrLst/>
-    <dgm:txLinClrLst/>
-    <dgm:txFillClrLst meth="repeat">
-      <a:schemeClr val="tx1"/>
-    </dgm:txFillClrLst>
-    <dgm:txEffectClrLst/>
-  </dgm:styleLbl>
-</dgm:colorsDef>
-</file>
-
-<file path=ppt/diagrams/colors7.xml><?xml version="1.0" encoding="utf-8"?>
 <dgm:colorsDef xmlns:dgm="http://schemas.openxmlformats.org/drawingml/2006/diagram" xmlns:a="http://schemas.openxmlformats.org/drawingml/2006/main" uniqueId="urn:microsoft.com/office/officeart/2005/8/colors/colorful2">
   <dgm:title val=""/>
   <dgm:desc val=""/>
@@ -8659,7 +8704,7 @@
         <a:p>
           <a:r>
             <a:rPr lang="en-US" dirty="0"/>
-            <a:t>Alpha = 0.031</a:t>
+            <a:t>Alpha = 0.03</a:t>
           </a:r>
         </a:p>
       </dgm:t>
@@ -8767,7 +8812,7 @@
         <a:p>
           <a:r>
             <a:rPr lang="en-US" dirty="0"/>
-            <a:t>Sets the tolerance for the optimization</a:t>
+            <a:t>Stopping point for optimization</a:t>
           </a:r>
         </a:p>
       </dgm:t>
@@ -8794,172 +8839,6 @@
         </a:p>
       </dgm:t>
     </dgm:pt>
-    <dgm:pt modelId="{C13F27BA-4C05-4A90-B4C9-D5CFCC2EFC56}">
-      <dgm:prSet/>
-      <dgm:spPr/>
-      <dgm:t>
-        <a:bodyPr/>
-        <a:lstStyle/>
-        <a:p>
-          <a:r>
-            <a:rPr lang="en-US" dirty="0"/>
-            <a:t>Random State = 4</a:t>
-          </a:r>
-        </a:p>
-      </dgm:t>
-    </dgm:pt>
-    <dgm:pt modelId="{3A5F3B65-19F9-46E9-9BC1-339893071432}" type="parTrans" cxnId="{B135F8E5-27AB-4EAA-8DBE-D2875B01D8E6}">
-      <dgm:prSet/>
-      <dgm:spPr/>
-      <dgm:t>
-        <a:bodyPr/>
-        <a:lstStyle/>
-        <a:p>
-          <a:endParaRPr lang="en-US"/>
-        </a:p>
-      </dgm:t>
-    </dgm:pt>
-    <dgm:pt modelId="{0CDBCEBB-7053-4BA6-8E72-E40C83C8D700}" type="sibTrans" cxnId="{B135F8E5-27AB-4EAA-8DBE-D2875B01D8E6}">
-      <dgm:prSet/>
-      <dgm:spPr/>
-      <dgm:t>
-        <a:bodyPr/>
-        <a:lstStyle/>
-        <a:p>
-          <a:endParaRPr lang="en-US"/>
-        </a:p>
-      </dgm:t>
-    </dgm:pt>
-    <dgm:pt modelId="{D5950226-8F12-4646-9970-331AF4753820}">
-      <dgm:prSet/>
-      <dgm:spPr/>
-      <dgm:t>
-        <a:bodyPr/>
-        <a:lstStyle/>
-        <a:p>
-          <a:r>
-            <a:rPr lang="en-US" dirty="0"/>
-            <a:t>Sets seed of random number generator</a:t>
-          </a:r>
-        </a:p>
-      </dgm:t>
-    </dgm:pt>
-    <dgm:pt modelId="{09FD3F83-1586-46B4-BB15-74B4B23B1F9E}" type="parTrans" cxnId="{D5ABFCF8-6EE4-4C81-B96F-47F9F7B9A37B}">
-      <dgm:prSet/>
-      <dgm:spPr/>
-      <dgm:t>
-        <a:bodyPr/>
-        <a:lstStyle/>
-        <a:p>
-          <a:endParaRPr lang="en-US"/>
-        </a:p>
-      </dgm:t>
-    </dgm:pt>
-    <dgm:pt modelId="{C477B061-A5F5-4B1F-A864-D4307CD3E3C4}" type="sibTrans" cxnId="{D5ABFCF8-6EE4-4C81-B96F-47F9F7B9A37B}">
-      <dgm:prSet/>
-      <dgm:spPr/>
-      <dgm:t>
-        <a:bodyPr/>
-        <a:lstStyle/>
-        <a:p>
-          <a:endParaRPr lang="en-US"/>
-        </a:p>
-      </dgm:t>
-    </dgm:pt>
-    <dgm:pt modelId="{ECFAB01E-BE1C-4EFD-9B6A-142BDBDB3D90}">
-      <dgm:prSet/>
-      <dgm:spPr/>
-      <dgm:t>
-        <a:bodyPr/>
-        <a:lstStyle/>
-        <a:p>
-          <a:r>
-            <a:rPr lang="en-US" dirty="0"/>
-            <a:t>Selection = “random”</a:t>
-          </a:r>
-        </a:p>
-      </dgm:t>
-    </dgm:pt>
-    <dgm:pt modelId="{0B6073A3-F4E1-4652-B9B3-FA59B29634E5}" type="parTrans" cxnId="{12CA525F-4B9F-455E-A548-2DCA55CCCCE6}">
-      <dgm:prSet/>
-      <dgm:spPr/>
-      <dgm:t>
-        <a:bodyPr/>
-        <a:lstStyle/>
-        <a:p>
-          <a:endParaRPr lang="en-US"/>
-        </a:p>
-      </dgm:t>
-    </dgm:pt>
-    <dgm:pt modelId="{95338AB5-E944-46DF-9CC3-B7042F10D2B4}" type="sibTrans" cxnId="{12CA525F-4B9F-455E-A548-2DCA55CCCCE6}">
-      <dgm:prSet/>
-      <dgm:spPr/>
-      <dgm:t>
-        <a:bodyPr/>
-        <a:lstStyle/>
-        <a:p>
-          <a:endParaRPr lang="en-US"/>
-        </a:p>
-      </dgm:t>
-    </dgm:pt>
-    <dgm:pt modelId="{84521B36-6DDB-4A32-BDB0-693D7ADBA730}">
-      <dgm:prSet/>
-      <dgm:spPr/>
-      <dgm:t>
-        <a:bodyPr/>
-        <a:lstStyle/>
-        <a:p>
-          <a:r>
-            <a:rPr lang="en-US" dirty="0"/>
-            <a:t>Updates a random coefficient every iteration</a:t>
-          </a:r>
-        </a:p>
-      </dgm:t>
-    </dgm:pt>
-    <dgm:pt modelId="{2D0EA930-E205-492F-B081-AAE09B7C5955}" type="parTrans" cxnId="{A68FF9A0-6C2A-45D7-B099-477014111BC9}">
-      <dgm:prSet/>
-      <dgm:spPr/>
-      <dgm:t>
-        <a:bodyPr/>
-        <a:lstStyle/>
-        <a:p>
-          <a:endParaRPr lang="en-US"/>
-        </a:p>
-      </dgm:t>
-    </dgm:pt>
-    <dgm:pt modelId="{8EBB8484-DF50-493B-9965-77BD8BF23279}" type="sibTrans" cxnId="{A68FF9A0-6C2A-45D7-B099-477014111BC9}">
-      <dgm:prSet/>
-      <dgm:spPr/>
-      <dgm:t>
-        <a:bodyPr/>
-        <a:lstStyle/>
-        <a:p>
-          <a:endParaRPr lang="en-US"/>
-        </a:p>
-      </dgm:t>
-    </dgm:pt>
-    <dgm:pt modelId="{2F5D3913-607F-4697-AA7C-EB3E97B15397}">
-      <dgm:prSet/>
-      <dgm:spPr/>
-      <dgm:t>
-        <a:bodyPr/>
-        <a:lstStyle/>
-        <a:p>
-          <a:r>
-            <a:rPr lang="en-US" dirty="0"/>
-            <a:t>Selects a random feature to update</a:t>
-          </a:r>
-        </a:p>
-      </dgm:t>
-    </dgm:pt>
-    <dgm:pt modelId="{4DD6636B-924A-4F38-9D9C-3AE70F01786C}" type="parTrans" cxnId="{9498B867-8F5F-4C3C-B510-F6A225525C11}">
-      <dgm:prSet/>
-      <dgm:spPr/>
-    </dgm:pt>
-    <dgm:pt modelId="{2CCFE2D9-680A-42EC-81E7-5FFB987E1004}" type="sibTrans" cxnId="{9498B867-8F5F-4C3C-B510-F6A225525C11}">
-      <dgm:prSet/>
-      <dgm:spPr/>
-    </dgm:pt>
     <dgm:pt modelId="{05A8050B-1EB3-4142-B6BB-96D467F42BD6}" type="pres">
       <dgm:prSet presAssocID="{B8FDDA35-78CB-4101-98B5-BB8EA10A3CBC}" presName="Name0" presStyleCnt="0">
         <dgm:presLayoutVars>
@@ -8975,7 +8854,7 @@
       <dgm:spPr/>
     </dgm:pt>
     <dgm:pt modelId="{B976DC7D-4135-4E72-A3BF-A8912CBA41E1}" type="pres">
-      <dgm:prSet presAssocID="{6AC3D095-5DFE-415A-A934-935527597637}" presName="parentText" presStyleLbl="node1" presStyleIdx="0" presStyleCnt="4">
+      <dgm:prSet presAssocID="{6AC3D095-5DFE-415A-A934-935527597637}" presName="parentText" presStyleLbl="node1" presStyleIdx="0" presStyleCnt="2">
         <dgm:presLayoutVars>
           <dgm:chMax val="1"/>
           <dgm:bulletEnabled val="1"/>
@@ -8984,7 +8863,7 @@
       <dgm:spPr/>
     </dgm:pt>
     <dgm:pt modelId="{7FE38C19-5E1D-4CE1-BB70-B050515E3021}" type="pres">
-      <dgm:prSet presAssocID="{6AC3D095-5DFE-415A-A934-935527597637}" presName="descendantText" presStyleLbl="alignAccFollowNode1" presStyleIdx="0" presStyleCnt="4">
+      <dgm:prSet presAssocID="{6AC3D095-5DFE-415A-A934-935527597637}" presName="descendantText" presStyleLbl="alignAccFollowNode1" presStyleIdx="0" presStyleCnt="2">
         <dgm:presLayoutVars>
           <dgm:bulletEnabled val="1"/>
         </dgm:presLayoutVars>
@@ -9000,7 +8879,7 @@
       <dgm:spPr/>
     </dgm:pt>
     <dgm:pt modelId="{FD699906-6852-46B0-9438-E75740076D22}" type="pres">
-      <dgm:prSet presAssocID="{07F52ADF-62E0-4354-9531-6ED965911416}" presName="parentText" presStyleLbl="node1" presStyleIdx="1" presStyleCnt="4">
+      <dgm:prSet presAssocID="{07F52ADF-62E0-4354-9531-6ED965911416}" presName="parentText" presStyleLbl="node1" presStyleIdx="1" presStyleCnt="2">
         <dgm:presLayoutVars>
           <dgm:chMax val="1"/>
           <dgm:bulletEnabled val="1"/>
@@ -9009,57 +8888,7 @@
       <dgm:spPr/>
     </dgm:pt>
     <dgm:pt modelId="{79CA73BC-09E8-4230-8F38-FDB274B1A3D4}" type="pres">
-      <dgm:prSet presAssocID="{07F52ADF-62E0-4354-9531-6ED965911416}" presName="descendantText" presStyleLbl="alignAccFollowNode1" presStyleIdx="1" presStyleCnt="4">
-        <dgm:presLayoutVars>
-          <dgm:bulletEnabled val="1"/>
-        </dgm:presLayoutVars>
-      </dgm:prSet>
-      <dgm:spPr/>
-    </dgm:pt>
-    <dgm:pt modelId="{7D4A0EA3-9008-4C08-8CEA-2E51EEFB8DB7}" type="pres">
-      <dgm:prSet presAssocID="{B4C1A31E-4061-4A3F-8F95-8740B7F8E13E}" presName="sp" presStyleCnt="0"/>
-      <dgm:spPr/>
-    </dgm:pt>
-    <dgm:pt modelId="{4313F5CC-DFDA-4783-BE24-CCF991C8BE5F}" type="pres">
-      <dgm:prSet presAssocID="{C13F27BA-4C05-4A90-B4C9-D5CFCC2EFC56}" presName="linNode" presStyleCnt="0"/>
-      <dgm:spPr/>
-    </dgm:pt>
-    <dgm:pt modelId="{915A2548-4434-4D62-8DED-FADECE7A6382}" type="pres">
-      <dgm:prSet presAssocID="{C13F27BA-4C05-4A90-B4C9-D5CFCC2EFC56}" presName="parentText" presStyleLbl="node1" presStyleIdx="2" presStyleCnt="4">
-        <dgm:presLayoutVars>
-          <dgm:chMax val="1"/>
-          <dgm:bulletEnabled val="1"/>
-        </dgm:presLayoutVars>
-      </dgm:prSet>
-      <dgm:spPr/>
-    </dgm:pt>
-    <dgm:pt modelId="{744F2C29-8D2F-4CF6-880C-4A0744C935FA}" type="pres">
-      <dgm:prSet presAssocID="{C13F27BA-4C05-4A90-B4C9-D5CFCC2EFC56}" presName="descendantText" presStyleLbl="alignAccFollowNode1" presStyleIdx="2" presStyleCnt="4">
-        <dgm:presLayoutVars>
-          <dgm:bulletEnabled val="1"/>
-        </dgm:presLayoutVars>
-      </dgm:prSet>
-      <dgm:spPr/>
-    </dgm:pt>
-    <dgm:pt modelId="{7E38D7A7-DCBB-4FDE-80BB-3716C87034C2}" type="pres">
-      <dgm:prSet presAssocID="{0CDBCEBB-7053-4BA6-8E72-E40C83C8D700}" presName="sp" presStyleCnt="0"/>
-      <dgm:spPr/>
-    </dgm:pt>
-    <dgm:pt modelId="{368314AB-1A28-4F35-B0CA-8C1D3615E9D7}" type="pres">
-      <dgm:prSet presAssocID="{ECFAB01E-BE1C-4EFD-9B6A-142BDBDB3D90}" presName="linNode" presStyleCnt="0"/>
-      <dgm:spPr/>
-    </dgm:pt>
-    <dgm:pt modelId="{C6D518DA-8C3C-4F54-890D-7DEEF7BD585D}" type="pres">
-      <dgm:prSet presAssocID="{ECFAB01E-BE1C-4EFD-9B6A-142BDBDB3D90}" presName="parentText" presStyleLbl="node1" presStyleIdx="3" presStyleCnt="4">
-        <dgm:presLayoutVars>
-          <dgm:chMax val="1"/>
-          <dgm:bulletEnabled val="1"/>
-        </dgm:presLayoutVars>
-      </dgm:prSet>
-      <dgm:spPr/>
-    </dgm:pt>
-    <dgm:pt modelId="{0CB656AE-B972-405E-9926-D064451808FD}" type="pres">
-      <dgm:prSet presAssocID="{ECFAB01E-BE1C-4EFD-9B6A-142BDBDB3D90}" presName="descendantText" presStyleLbl="alignAccFollowNode1" presStyleIdx="3" presStyleCnt="4">
+      <dgm:prSet presAssocID="{07F52ADF-62E0-4354-9531-6ED965911416}" presName="descendantText" presStyleLbl="alignAccFollowNode1" presStyleIdx="1" presStyleCnt="2">
         <dgm:presLayoutVars>
           <dgm:bulletEnabled val="1"/>
         </dgm:presLayoutVars>
@@ -9068,25 +8897,15 @@
     </dgm:pt>
   </dgm:ptLst>
   <dgm:cxnLst>
-    <dgm:cxn modelId="{FBFCBC02-8701-463E-90D9-32FB151FB2EA}" type="presOf" srcId="{ECFAB01E-BE1C-4EFD-9B6A-142BDBDB3D90}" destId="{C6D518DA-8C3C-4F54-890D-7DEEF7BD585D}" srcOrd="0" destOrd="0" presId="urn:microsoft.com/office/officeart/2005/8/layout/vList5"/>
-    <dgm:cxn modelId="{0E73F909-D31B-432D-94B8-5A1B6C790B54}" type="presOf" srcId="{84521B36-6DDB-4A32-BDB0-693D7ADBA730}" destId="{0CB656AE-B972-405E-9926-D064451808FD}" srcOrd="0" destOrd="0" presId="urn:microsoft.com/office/officeart/2005/8/layout/vList5"/>
     <dgm:cxn modelId="{6962C110-F9E4-4845-9A54-F986EBD0910A}" type="presOf" srcId="{B9C47E92-8921-4424-A55D-38F615131548}" destId="{79CA73BC-09E8-4230-8F38-FDB274B1A3D4}" srcOrd="0" destOrd="0" presId="urn:microsoft.com/office/officeart/2005/8/layout/vList5"/>
     <dgm:cxn modelId="{B7B8EF18-0AB1-44B9-A15A-223414ECF3BB}" srcId="{07F52ADF-62E0-4354-9531-6ED965911416}" destId="{B9C47E92-8921-4424-A55D-38F615131548}" srcOrd="0" destOrd="0" parTransId="{D82A3C91-7E6D-4A19-A278-A419A3DB5B2F}" sibTransId="{4A3469C3-6988-4C05-BB39-A31143169AA5}"/>
-    <dgm:cxn modelId="{43B09B3C-FAFA-4B52-9D13-402F8436EF7F}" type="presOf" srcId="{C13F27BA-4C05-4A90-B4C9-D5CFCC2EFC56}" destId="{915A2548-4434-4D62-8DED-FADECE7A6382}" srcOrd="0" destOrd="0" presId="urn:microsoft.com/office/officeart/2005/8/layout/vList5"/>
     <dgm:cxn modelId="{1D4B6F3E-CABE-4360-8753-C406CD82F416}" srcId="{B8FDDA35-78CB-4101-98B5-BB8EA10A3CBC}" destId="{07F52ADF-62E0-4354-9531-6ED965911416}" srcOrd="1" destOrd="0" parTransId="{4D2CBEC2-5400-4E14-A009-7774EBD74DFE}" sibTransId="{B4C1A31E-4061-4A3F-8F95-8740B7F8E13E}"/>
-    <dgm:cxn modelId="{12CA525F-4B9F-455E-A548-2DCA55CCCCE6}" srcId="{B8FDDA35-78CB-4101-98B5-BB8EA10A3CBC}" destId="{ECFAB01E-BE1C-4EFD-9B6A-142BDBDB3D90}" srcOrd="3" destOrd="0" parTransId="{0B6073A3-F4E1-4652-B9B3-FA59B29634E5}" sibTransId="{95338AB5-E944-46DF-9CC3-B7042F10D2B4}"/>
-    <dgm:cxn modelId="{9498B867-8F5F-4C3C-B510-F6A225525C11}" srcId="{D5950226-8F12-4646-9970-331AF4753820}" destId="{2F5D3913-607F-4697-AA7C-EB3E97B15397}" srcOrd="0" destOrd="0" parTransId="{4DD6636B-924A-4F38-9D9C-3AE70F01786C}" sibTransId="{2CCFE2D9-680A-42EC-81E7-5FFB987E1004}"/>
     <dgm:cxn modelId="{DAC0774A-DD71-447D-9D9B-B53167CC737A}" srcId="{B8FDDA35-78CB-4101-98B5-BB8EA10A3CBC}" destId="{6AC3D095-5DFE-415A-A934-935527597637}" srcOrd="0" destOrd="0" parTransId="{FF95B982-9EB7-4DA4-BB35-EEB27A2E947A}" sibTransId="{C088D78A-91A4-4B33-909D-9B22E4A5C80D}"/>
-    <dgm:cxn modelId="{E21BFB76-7130-4CAA-A236-42044CD450C4}" type="presOf" srcId="{D5950226-8F12-4646-9970-331AF4753820}" destId="{744F2C29-8D2F-4CF6-880C-4A0744C935FA}" srcOrd="0" destOrd="0" presId="urn:microsoft.com/office/officeart/2005/8/layout/vList5"/>
-    <dgm:cxn modelId="{A68FF9A0-6C2A-45D7-B099-477014111BC9}" srcId="{ECFAB01E-BE1C-4EFD-9B6A-142BDBDB3D90}" destId="{84521B36-6DDB-4A32-BDB0-693D7ADBA730}" srcOrd="0" destOrd="0" parTransId="{2D0EA930-E205-492F-B081-AAE09B7C5955}" sibTransId="{8EBB8484-DF50-493B-9965-77BD8BF23279}"/>
     <dgm:cxn modelId="{E9576FB1-6789-4D8F-A649-7B5F8532AA64}" srcId="{6AC3D095-5DFE-415A-A934-935527597637}" destId="{5D27B477-9C5E-41CB-962A-D8FC7BBE5185}" srcOrd="0" destOrd="0" parTransId="{352D04C3-FFBC-48F2-9BAE-14EC0FF4DD79}" sibTransId="{07ED7F11-47B4-40FC-973D-261205971E8D}"/>
     <dgm:cxn modelId="{8E408DBC-90B5-4690-A2C0-582E3B4FDAAE}" type="presOf" srcId="{07F52ADF-62E0-4354-9531-6ED965911416}" destId="{FD699906-6852-46B0-9438-E75740076D22}" srcOrd="0" destOrd="0" presId="urn:microsoft.com/office/officeart/2005/8/layout/vList5"/>
     <dgm:cxn modelId="{F4DDE5BD-AD51-4CD1-8814-A4F18F9CD973}" type="presOf" srcId="{B8FDDA35-78CB-4101-98B5-BB8EA10A3CBC}" destId="{05A8050B-1EB3-4142-B6BB-96D467F42BD6}" srcOrd="0" destOrd="0" presId="urn:microsoft.com/office/officeart/2005/8/layout/vList5"/>
     <dgm:cxn modelId="{A51D29C1-01F2-413B-AAF8-06A127EA092D}" type="presOf" srcId="{5D27B477-9C5E-41CB-962A-D8FC7BBE5185}" destId="{7FE38C19-5E1D-4CE1-BB70-B050515E3021}" srcOrd="0" destOrd="0" presId="urn:microsoft.com/office/officeart/2005/8/layout/vList5"/>
     <dgm:cxn modelId="{305460C8-F03C-4993-9458-7C8DAD7A0857}" type="presOf" srcId="{6AC3D095-5DFE-415A-A934-935527597637}" destId="{B976DC7D-4135-4E72-A3BF-A8912CBA41E1}" srcOrd="0" destOrd="0" presId="urn:microsoft.com/office/officeart/2005/8/layout/vList5"/>
-    <dgm:cxn modelId="{B135F8E5-27AB-4EAA-8DBE-D2875B01D8E6}" srcId="{B8FDDA35-78CB-4101-98B5-BB8EA10A3CBC}" destId="{C13F27BA-4C05-4A90-B4C9-D5CFCC2EFC56}" srcOrd="2" destOrd="0" parTransId="{3A5F3B65-19F9-46E9-9BC1-339893071432}" sibTransId="{0CDBCEBB-7053-4BA6-8E72-E40C83C8D700}"/>
-    <dgm:cxn modelId="{F614CCF8-7861-43F1-9D32-CA3FBFE760C1}" type="presOf" srcId="{2F5D3913-607F-4697-AA7C-EB3E97B15397}" destId="{744F2C29-8D2F-4CF6-880C-4A0744C935FA}" srcOrd="0" destOrd="1" presId="urn:microsoft.com/office/officeart/2005/8/layout/vList5"/>
-    <dgm:cxn modelId="{D5ABFCF8-6EE4-4C81-B96F-47F9F7B9A37B}" srcId="{C13F27BA-4C05-4A90-B4C9-D5CFCC2EFC56}" destId="{D5950226-8F12-4646-9970-331AF4753820}" srcOrd="0" destOrd="0" parTransId="{09FD3F83-1586-46B4-BB15-74B4B23B1F9E}" sibTransId="{C477B061-A5F5-4B1F-A864-D4307CD3E3C4}"/>
     <dgm:cxn modelId="{CDD48AA2-6185-4372-9220-68F9A8C12804}" type="presParOf" srcId="{05A8050B-1EB3-4142-B6BB-96D467F42BD6}" destId="{C62C0CF9-6620-417D-9E42-424595FE65B0}" srcOrd="0" destOrd="0" presId="urn:microsoft.com/office/officeart/2005/8/layout/vList5"/>
     <dgm:cxn modelId="{086AF594-AC72-4F7D-9362-2516C5C88F65}" type="presParOf" srcId="{C62C0CF9-6620-417D-9E42-424595FE65B0}" destId="{B976DC7D-4135-4E72-A3BF-A8912CBA41E1}" srcOrd="0" destOrd="0" presId="urn:microsoft.com/office/officeart/2005/8/layout/vList5"/>
     <dgm:cxn modelId="{ED0AC3CA-0521-4B57-B713-7A36F9C426DA}" type="presParOf" srcId="{C62C0CF9-6620-417D-9E42-424595FE65B0}" destId="{7FE38C19-5E1D-4CE1-BB70-B050515E3021}" srcOrd="1" destOrd="0" presId="urn:microsoft.com/office/officeart/2005/8/layout/vList5"/>
@@ -9094,14 +8913,6 @@
     <dgm:cxn modelId="{01BACADD-AADD-4D45-BF9E-D8D1FA31C3A0}" type="presParOf" srcId="{05A8050B-1EB3-4142-B6BB-96D467F42BD6}" destId="{C939832D-8F9C-4DCF-AB7C-BA0A7309D705}" srcOrd="2" destOrd="0" presId="urn:microsoft.com/office/officeart/2005/8/layout/vList5"/>
     <dgm:cxn modelId="{5B026ABB-162F-49A4-9532-5E55886DFDF1}" type="presParOf" srcId="{C939832D-8F9C-4DCF-AB7C-BA0A7309D705}" destId="{FD699906-6852-46B0-9438-E75740076D22}" srcOrd="0" destOrd="0" presId="urn:microsoft.com/office/officeart/2005/8/layout/vList5"/>
     <dgm:cxn modelId="{1BF52294-6C38-4B45-A843-9A669F5D7EBB}" type="presParOf" srcId="{C939832D-8F9C-4DCF-AB7C-BA0A7309D705}" destId="{79CA73BC-09E8-4230-8F38-FDB274B1A3D4}" srcOrd="1" destOrd="0" presId="urn:microsoft.com/office/officeart/2005/8/layout/vList5"/>
-    <dgm:cxn modelId="{2B1D54D3-6091-4B9A-9905-87DF4E1E1FE6}" type="presParOf" srcId="{05A8050B-1EB3-4142-B6BB-96D467F42BD6}" destId="{7D4A0EA3-9008-4C08-8CEA-2E51EEFB8DB7}" srcOrd="3" destOrd="0" presId="urn:microsoft.com/office/officeart/2005/8/layout/vList5"/>
-    <dgm:cxn modelId="{E3843294-AA1E-43D0-B5B5-B17AC8EE30D2}" type="presParOf" srcId="{05A8050B-1EB3-4142-B6BB-96D467F42BD6}" destId="{4313F5CC-DFDA-4783-BE24-CCF991C8BE5F}" srcOrd="4" destOrd="0" presId="urn:microsoft.com/office/officeart/2005/8/layout/vList5"/>
-    <dgm:cxn modelId="{84E184EA-6EE5-4F3A-8D9D-108171A9836E}" type="presParOf" srcId="{4313F5CC-DFDA-4783-BE24-CCF991C8BE5F}" destId="{915A2548-4434-4D62-8DED-FADECE7A6382}" srcOrd="0" destOrd="0" presId="urn:microsoft.com/office/officeart/2005/8/layout/vList5"/>
-    <dgm:cxn modelId="{B9AC13B1-F114-4A83-9AE7-C0E03DA2EC5F}" type="presParOf" srcId="{4313F5CC-DFDA-4783-BE24-CCF991C8BE5F}" destId="{744F2C29-8D2F-4CF6-880C-4A0744C935FA}" srcOrd="1" destOrd="0" presId="urn:microsoft.com/office/officeart/2005/8/layout/vList5"/>
-    <dgm:cxn modelId="{26D3DA74-B98A-4FAC-A879-D7F3B3E688E8}" type="presParOf" srcId="{05A8050B-1EB3-4142-B6BB-96D467F42BD6}" destId="{7E38D7A7-DCBB-4FDE-80BB-3716C87034C2}" srcOrd="5" destOrd="0" presId="urn:microsoft.com/office/officeart/2005/8/layout/vList5"/>
-    <dgm:cxn modelId="{27E5F10D-A7A5-4B35-A9E3-21B70735DFAA}" type="presParOf" srcId="{05A8050B-1EB3-4142-B6BB-96D467F42BD6}" destId="{368314AB-1A28-4F35-B0CA-8C1D3615E9D7}" srcOrd="6" destOrd="0" presId="urn:microsoft.com/office/officeart/2005/8/layout/vList5"/>
-    <dgm:cxn modelId="{C8C29360-D409-4BE3-8B84-E44208BF5C3E}" type="presParOf" srcId="{368314AB-1A28-4F35-B0CA-8C1D3615E9D7}" destId="{C6D518DA-8C3C-4F54-890D-7DEEF7BD585D}" srcOrd="0" destOrd="0" presId="urn:microsoft.com/office/officeart/2005/8/layout/vList5"/>
-    <dgm:cxn modelId="{36B53980-6A03-4E86-8E14-A109CD4DBB2F}" type="presParOf" srcId="{368314AB-1A28-4F35-B0CA-8C1D3615E9D7}" destId="{0CB656AE-B972-405E-9926-D064451808FD}" srcOrd="1" destOrd="0" presId="urn:microsoft.com/office/officeart/2005/8/layout/vList5"/>
   </dgm:cxnLst>
   <dgm:bg/>
   <dgm:whole/>
@@ -9117,7 +8928,7 @@
 <dgm:dataModel xmlns:dgm="http://schemas.openxmlformats.org/drawingml/2006/diagram" xmlns:a="http://schemas.openxmlformats.org/drawingml/2006/main">
   <dgm:ptLst>
     <dgm:pt modelId="{53D4C9B4-7797-4E06-AFCB-F2E5013517A0}" type="doc">
-      <dgm:prSet loTypeId="urn:microsoft.com/office/officeart/2005/8/layout/vList2" loCatId="list" qsTypeId="urn:microsoft.com/office/officeart/2005/8/quickstyle/simple1" qsCatId="simple" csTypeId="urn:microsoft.com/office/officeart/2005/8/colors/colorful2" csCatId="colorful"/>
+      <dgm:prSet loTypeId="urn:microsoft.com/office/officeart/2005/8/layout/vList2" loCatId="list" qsTypeId="urn:microsoft.com/office/officeart/2005/8/quickstyle/simple1" qsCatId="simple" csTypeId="urn:microsoft.com/office/officeart/2005/8/colors/colorful2" csCatId="colorful" phldr="1"/>
       <dgm:spPr/>
       <dgm:t>
         <a:bodyPr/>
@@ -9135,8 +8946,8 @@
         <a:lstStyle/>
         <a:p>
           <a:r>
-            <a:rPr lang="en-US"/>
-            <a:t>Able to return probabilities of classifications</a:t>
+            <a:rPr lang="en-US" dirty="0"/>
+            <a:t>Feature Selection/Regularization</a:t>
           </a:r>
         </a:p>
       </dgm:t>
@@ -9171,8 +8982,8 @@
         <a:lstStyle/>
         <a:p>
           <a:r>
-            <a:rPr lang="en-US"/>
-            <a:t>Scoring using AUC (Area Under the Curve)</a:t>
+            <a:rPr lang="en-US" dirty="0"/>
+            <a:t>Lasso Regression takes advantage of feature selection</a:t>
           </a:r>
         </a:p>
       </dgm:t>
@@ -9199,78 +9010,6 @@
         </a:p>
       </dgm:t>
     </dgm:pt>
-    <dgm:pt modelId="{07311C0F-33B0-4A53-8DD8-31148E856E2A}">
-      <dgm:prSet/>
-      <dgm:spPr/>
-      <dgm:t>
-        <a:bodyPr/>
-        <a:lstStyle/>
-        <a:p>
-          <a:r>
-            <a:rPr lang="en-US"/>
-            <a:t>probabilities minimize penalty for wrong prediction</a:t>
-          </a:r>
-        </a:p>
-      </dgm:t>
-    </dgm:pt>
-    <dgm:pt modelId="{82656E23-ADEA-42D6-8F18-F40E26F5490D}" type="parTrans" cxnId="{5FDCC558-91D8-4D08-B6CE-C33D110BC060}">
-      <dgm:prSet/>
-      <dgm:spPr/>
-      <dgm:t>
-        <a:bodyPr/>
-        <a:lstStyle/>
-        <a:p>
-          <a:endParaRPr lang="en-US"/>
-        </a:p>
-      </dgm:t>
-    </dgm:pt>
-    <dgm:pt modelId="{E3CF3498-122C-45E6-B1CB-857BCC13CA88}" type="sibTrans" cxnId="{5FDCC558-91D8-4D08-B6CE-C33D110BC060}">
-      <dgm:prSet/>
-      <dgm:spPr/>
-      <dgm:t>
-        <a:bodyPr/>
-        <a:lstStyle/>
-        <a:p>
-          <a:endParaRPr lang="en-US"/>
-        </a:p>
-      </dgm:t>
-    </dgm:pt>
-    <dgm:pt modelId="{156D3250-D376-466F-A491-91DAB56B18A0}">
-      <dgm:prSet/>
-      <dgm:spPr/>
-      <dgm:t>
-        <a:bodyPr/>
-        <a:lstStyle/>
-        <a:p>
-          <a:r>
-            <a:rPr lang="en-US"/>
-            <a:t>Lasso Regression is unable to return probabilities</a:t>
-          </a:r>
-        </a:p>
-      </dgm:t>
-    </dgm:pt>
-    <dgm:pt modelId="{02424687-88B0-4598-AD23-01BC6380D9FD}" type="parTrans" cxnId="{C73EAE14-1B72-44DB-86E4-8CFD677D06CB}">
-      <dgm:prSet/>
-      <dgm:spPr/>
-      <dgm:t>
-        <a:bodyPr/>
-        <a:lstStyle/>
-        <a:p>
-          <a:endParaRPr lang="en-US"/>
-        </a:p>
-      </dgm:t>
-    </dgm:pt>
-    <dgm:pt modelId="{3CAED335-22A4-4EB7-A995-81495B32D1C1}" type="sibTrans" cxnId="{C73EAE14-1B72-44DB-86E4-8CFD677D06CB}">
-      <dgm:prSet/>
-      <dgm:spPr/>
-      <dgm:t>
-        <a:bodyPr/>
-        <a:lstStyle/>
-        <a:p>
-          <a:endParaRPr lang="en-US"/>
-        </a:p>
-      </dgm:t>
-    </dgm:pt>
     <dgm:pt modelId="{FB5A2BAF-55C3-429C-AF0D-2A4289F379A6}">
       <dgm:prSet/>
       <dgm:spPr/>
@@ -9279,8 +9018,8 @@
         <a:lstStyle/>
         <a:p>
           <a:r>
-            <a:rPr lang="en-US"/>
-            <a:t>Tied with MLP Classifier</a:t>
+            <a:rPr lang="en-US" dirty="0"/>
+            <a:t>Key Advantages</a:t>
           </a:r>
         </a:p>
       </dgm:t>
@@ -9315,8 +9054,8 @@
         <a:lstStyle/>
         <a:p>
           <a:r>
-            <a:rPr lang="en-US"/>
-            <a:t>Logistic Regression is simpler and less resource intensive</a:t>
+            <a:rPr lang="en-US" dirty="0"/>
+            <a:t>Reduces overfitting by eliminating irrelevant variables</a:t>
           </a:r>
         </a:p>
       </dgm:t>
@@ -9351,8 +9090,8 @@
         <a:lstStyle/>
         <a:p>
           <a:r>
-            <a:rPr lang="en-US"/>
-            <a:t>Less likely to overfit data</a:t>
+            <a:rPr lang="en-US" dirty="0"/>
+            <a:t>Good for large features/small # of data</a:t>
           </a:r>
         </a:p>
       </dgm:t>
@@ -9378,6 +9117,64 @@
           <a:endParaRPr lang="en-US"/>
         </a:p>
       </dgm:t>
+    </dgm:pt>
+    <dgm:pt modelId="{E6AFAF45-423F-454D-BC83-1DC985A530A0}">
+      <dgm:prSet/>
+      <dgm:spPr/>
+      <dgm:t>
+        <a:bodyPr/>
+        <a:lstStyle/>
+        <a:p>
+          <a:r>
+            <a:rPr lang="en-US" dirty="0"/>
+            <a:t>Logarithmic and MLP do not innately have feature selection</a:t>
+          </a:r>
+        </a:p>
+      </dgm:t>
+    </dgm:pt>
+    <dgm:pt modelId="{6AA44130-B4C8-46A4-AD6A-3F6741485628}" type="parTrans" cxnId="{647933ED-4569-4256-882F-947CB0F3C354}">
+      <dgm:prSet/>
+      <dgm:spPr/>
+      <dgm:t>
+        <a:bodyPr/>
+        <a:lstStyle/>
+        <a:p>
+          <a:endParaRPr lang="en-US"/>
+        </a:p>
+      </dgm:t>
+    </dgm:pt>
+    <dgm:pt modelId="{DC21E3AA-62F4-498A-B686-BC90CB14E871}" type="sibTrans" cxnId="{647933ED-4569-4256-882F-947CB0F3C354}">
+      <dgm:prSet/>
+      <dgm:spPr/>
+      <dgm:t>
+        <a:bodyPr/>
+        <a:lstStyle/>
+        <a:p>
+          <a:endParaRPr lang="en-US"/>
+        </a:p>
+      </dgm:t>
+    </dgm:pt>
+    <dgm:pt modelId="{BB3C4830-7195-4022-B100-0338CF74386F}">
+      <dgm:prSet/>
+      <dgm:spPr/>
+      <dgm:t>
+        <a:bodyPr/>
+        <a:lstStyle/>
+        <a:p>
+          <a:r>
+            <a:rPr lang="en-US" dirty="0"/>
+            <a:t>Not Resource intensive</a:t>
+          </a:r>
+        </a:p>
+      </dgm:t>
+    </dgm:pt>
+    <dgm:pt modelId="{F26CA51F-E6AB-479C-86E4-5ADB3100FC19}" type="parTrans" cxnId="{CE81A2FD-FC42-4B25-97F0-BD5B6D628F12}">
+      <dgm:prSet/>
+      <dgm:spPr/>
+    </dgm:pt>
+    <dgm:pt modelId="{9CD8B395-F25D-4069-BA46-DD5E2B396009}" type="sibTrans" cxnId="{CE81A2FD-FC42-4B25-97F0-BD5B6D628F12}">
+      <dgm:prSet/>
+      <dgm:spPr/>
     </dgm:pt>
     <dgm:pt modelId="{0C0A537A-0C70-4BE0-842D-5EE495870314}" type="pres">
       <dgm:prSet presAssocID="{53D4C9B4-7797-4E06-AFCB-F2E5013517A0}" presName="linear" presStyleCnt="0">
@@ -9424,14 +9221,11 @@
     </dgm:pt>
   </dgm:ptLst>
   <dgm:cxnLst>
-    <dgm:cxn modelId="{C73EAE14-1B72-44DB-86E4-8CFD677D06CB}" srcId="{5EFFE62F-A106-4ABC-9537-F8D59A18D93E}" destId="{156D3250-D376-466F-A491-91DAB56B18A0}" srcOrd="1" destOrd="0" parTransId="{02424687-88B0-4598-AD23-01BC6380D9FD}" sibTransId="{3CAED335-22A4-4EB7-A995-81495B32D1C1}"/>
     <dgm:cxn modelId="{B383A51A-49DC-4CC9-91C4-4C00CB1544E5}" type="presOf" srcId="{2A4EE241-9B9D-43B4-8565-A2008D8CAE31}" destId="{BBA7B824-6662-4ED6-BC62-9BD7BBE075D1}" srcOrd="0" destOrd="0" presId="urn:microsoft.com/office/officeart/2005/8/layout/vList2"/>
     <dgm:cxn modelId="{8F0E5D25-7D33-44FC-9E58-6FA6167D303D}" srcId="{5EFFE62F-A106-4ABC-9537-F8D59A18D93E}" destId="{2A4EE241-9B9D-43B4-8565-A2008D8CAE31}" srcOrd="0" destOrd="0" parTransId="{4F9BFF8F-C160-48FF-8C6E-96542E6AB9B0}" sibTransId="{C5772C0B-3864-454C-863C-4D812CBA5DF4}"/>
     <dgm:cxn modelId="{223A1329-3C37-40B1-B73F-D3CC77D82EFD}" srcId="{FB5A2BAF-55C3-429C-AF0D-2A4289F379A6}" destId="{B4A524B3-1292-4F3F-A93D-0A37B584EB4D}" srcOrd="1" destOrd="0" parTransId="{A121AE98-9F1F-4D29-A47F-4EC9B4B70DE8}" sibTransId="{21CBADB2-2217-4CF4-9651-C2F5F1C9C404}"/>
-    <dgm:cxn modelId="{B7B28438-9E01-41CC-A40F-030E6F01F03D}" type="presOf" srcId="{156D3250-D376-466F-A491-91DAB56B18A0}" destId="{BBA7B824-6662-4ED6-BC62-9BD7BBE075D1}" srcOrd="0" destOrd="2" presId="urn:microsoft.com/office/officeart/2005/8/layout/vList2"/>
+    <dgm:cxn modelId="{8E6B263E-DB32-46DF-BBBF-F4A005D16080}" type="presOf" srcId="{E6AFAF45-423F-454D-BC83-1DC985A530A0}" destId="{BBA7B824-6662-4ED6-BC62-9BD7BBE075D1}" srcOrd="0" destOrd="1" presId="urn:microsoft.com/office/officeart/2005/8/layout/vList2"/>
     <dgm:cxn modelId="{9FF7A942-C421-4F4B-89CC-6B4973BD4514}" type="presOf" srcId="{5EFFE62F-A106-4ABC-9537-F8D59A18D93E}" destId="{CBFA63D3-AD8E-4EA7-829E-496865E21783}" srcOrd="0" destOrd="0" presId="urn:microsoft.com/office/officeart/2005/8/layout/vList2"/>
-    <dgm:cxn modelId="{5FDCC558-91D8-4D08-B6CE-C33D110BC060}" srcId="{2A4EE241-9B9D-43B4-8565-A2008D8CAE31}" destId="{07311C0F-33B0-4A53-8DD8-31148E856E2A}" srcOrd="0" destOrd="0" parTransId="{82656E23-ADEA-42D6-8F18-F40E26F5490D}" sibTransId="{E3CF3498-122C-45E6-B1CB-857BCC13CA88}"/>
-    <dgm:cxn modelId="{30E82982-4F33-444D-B6FE-DB1905970E9F}" type="presOf" srcId="{07311C0F-33B0-4A53-8DD8-31148E856E2A}" destId="{BBA7B824-6662-4ED6-BC62-9BD7BBE075D1}" srcOrd="0" destOrd="1" presId="urn:microsoft.com/office/officeart/2005/8/layout/vList2"/>
     <dgm:cxn modelId="{C4C3A28F-22FB-440B-9A1D-5E09F95FD0A3}" srcId="{FB5A2BAF-55C3-429C-AF0D-2A4289F379A6}" destId="{34E90671-1C21-4E73-9B03-B23063C33D6E}" srcOrd="0" destOrd="0" parTransId="{CE772BDB-EDD3-4682-A581-468A5F2F8B74}" sibTransId="{4A756ED7-E1C8-492B-901A-A29B502AEB57}"/>
     <dgm:cxn modelId="{238344AA-820E-4DD5-8EDA-089E9DC48007}" srcId="{53D4C9B4-7797-4E06-AFCB-F2E5013517A0}" destId="{FB5A2BAF-55C3-429C-AF0D-2A4289F379A6}" srcOrd="1" destOrd="0" parTransId="{0506B8DC-ADB5-4DA4-B66B-DFC0907E40E9}" sibTransId="{22E0F3B9-6985-47C0-AB58-AB874263BEA3}"/>
     <dgm:cxn modelId="{8C37C4B9-FA81-46EB-9940-5D5B5B47DEB0}" type="presOf" srcId="{B4A524B3-1292-4F3F-A93D-0A37B584EB4D}" destId="{3EFB3FD4-B47D-4E88-AD40-C028D4BCCD44}" srcOrd="0" destOrd="1" presId="urn:microsoft.com/office/officeart/2005/8/layout/vList2"/>
@@ -9439,514 +9233,13 @@
     <dgm:cxn modelId="{019D7BD9-5ED1-4789-9B5D-D41D3CED6090}" srcId="{53D4C9B4-7797-4E06-AFCB-F2E5013517A0}" destId="{5EFFE62F-A106-4ABC-9537-F8D59A18D93E}" srcOrd="0" destOrd="0" parTransId="{4C61AC83-B408-4E64-B934-584E6B13144B}" sibTransId="{B26E76B1-1DB5-485A-9767-32E4260AFD02}"/>
     <dgm:cxn modelId="{515897E2-F271-4946-83EC-C2C8456A5007}" type="presOf" srcId="{FB5A2BAF-55C3-429C-AF0D-2A4289F379A6}" destId="{17547503-51F1-42F9-B1DC-91333663904D}" srcOrd="0" destOrd="0" presId="urn:microsoft.com/office/officeart/2005/8/layout/vList2"/>
     <dgm:cxn modelId="{9A9FD7EA-143C-4654-88C4-B76EB2D200D3}" type="presOf" srcId="{34E90671-1C21-4E73-9B03-B23063C33D6E}" destId="{3EFB3FD4-B47D-4E88-AD40-C028D4BCCD44}" srcOrd="0" destOrd="0" presId="urn:microsoft.com/office/officeart/2005/8/layout/vList2"/>
+    <dgm:cxn modelId="{647933ED-4569-4256-882F-947CB0F3C354}" srcId="{5EFFE62F-A106-4ABC-9537-F8D59A18D93E}" destId="{E6AFAF45-423F-454D-BC83-1DC985A530A0}" srcOrd="1" destOrd="0" parTransId="{6AA44130-B4C8-46A4-AD6A-3F6741485628}" sibTransId="{DC21E3AA-62F4-498A-B686-BC90CB14E871}"/>
+    <dgm:cxn modelId="{22433DED-CA50-4DF8-8A28-BB22A1ACFC2B}" type="presOf" srcId="{BB3C4830-7195-4022-B100-0338CF74386F}" destId="{3EFB3FD4-B47D-4E88-AD40-C028D4BCCD44}" srcOrd="0" destOrd="2" presId="urn:microsoft.com/office/officeart/2005/8/layout/vList2"/>
+    <dgm:cxn modelId="{CE81A2FD-FC42-4B25-97F0-BD5B6D628F12}" srcId="{FB5A2BAF-55C3-429C-AF0D-2A4289F379A6}" destId="{BB3C4830-7195-4022-B100-0338CF74386F}" srcOrd="2" destOrd="0" parTransId="{F26CA51F-E6AB-479C-86E4-5ADB3100FC19}" sibTransId="{9CD8B395-F25D-4069-BA46-DD5E2B396009}"/>
     <dgm:cxn modelId="{686ED2EB-E223-474E-ABA1-9FD6B9993A32}" type="presParOf" srcId="{0C0A537A-0C70-4BE0-842D-5EE495870314}" destId="{CBFA63D3-AD8E-4EA7-829E-496865E21783}" srcOrd="0" destOrd="0" presId="urn:microsoft.com/office/officeart/2005/8/layout/vList2"/>
     <dgm:cxn modelId="{14ACB358-952B-40A1-9AA9-8F39D4D668DF}" type="presParOf" srcId="{0C0A537A-0C70-4BE0-842D-5EE495870314}" destId="{BBA7B824-6662-4ED6-BC62-9BD7BBE075D1}" srcOrd="1" destOrd="0" presId="urn:microsoft.com/office/officeart/2005/8/layout/vList2"/>
     <dgm:cxn modelId="{593DBD94-7FC1-4D9B-B97E-C8FFA32C9BF9}" type="presParOf" srcId="{0C0A537A-0C70-4BE0-842D-5EE495870314}" destId="{17547503-51F1-42F9-B1DC-91333663904D}" srcOrd="2" destOrd="0" presId="urn:microsoft.com/office/officeart/2005/8/layout/vList2"/>
     <dgm:cxn modelId="{ACADA8BD-AF62-431E-945E-114BF641A529}" type="presParOf" srcId="{0C0A537A-0C70-4BE0-842D-5EE495870314}" destId="{3EFB3FD4-B47D-4E88-AD40-C028D4BCCD44}" srcOrd="3" destOrd="0" presId="urn:microsoft.com/office/officeart/2005/8/layout/vList2"/>
-  </dgm:cxnLst>
-  <dgm:bg/>
-  <dgm:whole/>
-  <dgm:extLst>
-    <a:ext uri="http://schemas.microsoft.com/office/drawing/2008/diagram">
-      <dsp:dataModelExt xmlns:dsp="http://schemas.microsoft.com/office/drawing/2008/diagram" relId="rId6" minVer="http://schemas.openxmlformats.org/drawingml/2006/diagram"/>
-    </a:ext>
-  </dgm:extLst>
-</dgm:dataModel>
-</file>
-
-<file path=ppt/diagrams/data6.xml><?xml version="1.0" encoding="utf-8"?>
-<dgm:dataModel xmlns:dgm="http://schemas.openxmlformats.org/drawingml/2006/diagram" xmlns:a="http://schemas.openxmlformats.org/drawingml/2006/main">
-  <dgm:ptLst>
-    <dgm:pt modelId="{B8FDDA35-78CB-4101-98B5-BB8EA10A3CBC}" type="doc">
-      <dgm:prSet loTypeId="urn:microsoft.com/office/officeart/2005/8/layout/vList5" loCatId="list" qsTypeId="urn:microsoft.com/office/officeart/2005/8/quickstyle/simple1" qsCatId="simple" csTypeId="urn:microsoft.com/office/officeart/2005/8/colors/colorful2" csCatId="colorful"/>
-      <dgm:spPr/>
-      <dgm:t>
-        <a:bodyPr/>
-        <a:lstStyle/>
-        <a:p>
-          <a:endParaRPr lang="en-US"/>
-        </a:p>
-      </dgm:t>
-    </dgm:pt>
-    <dgm:pt modelId="{6AC3D095-5DFE-415A-A934-935527597637}">
-      <dgm:prSet/>
-      <dgm:spPr/>
-      <dgm:t>
-        <a:bodyPr/>
-        <a:lstStyle/>
-        <a:p>
-          <a:r>
-            <a:rPr lang="en-US"/>
-            <a:t>Penalty = “L1”, C =.2</a:t>
-          </a:r>
-        </a:p>
-      </dgm:t>
-    </dgm:pt>
-    <dgm:pt modelId="{FF95B982-9EB7-4DA4-BB35-EEB27A2E947A}" type="parTrans" cxnId="{DAC0774A-DD71-447D-9D9B-B53167CC737A}">
-      <dgm:prSet/>
-      <dgm:spPr/>
-      <dgm:t>
-        <a:bodyPr/>
-        <a:lstStyle/>
-        <a:p>
-          <a:endParaRPr lang="en-US"/>
-        </a:p>
-      </dgm:t>
-    </dgm:pt>
-    <dgm:pt modelId="{C088D78A-91A4-4B33-909D-9B22E4A5C80D}" type="sibTrans" cxnId="{DAC0774A-DD71-447D-9D9B-B53167CC737A}">
-      <dgm:prSet/>
-      <dgm:spPr/>
-      <dgm:t>
-        <a:bodyPr/>
-        <a:lstStyle/>
-        <a:p>
-          <a:endParaRPr lang="en-US"/>
-        </a:p>
-      </dgm:t>
-    </dgm:pt>
-    <dgm:pt modelId="{5D27B477-9C5E-41CB-962A-D8FC7BBE5185}">
-      <dgm:prSet/>
-      <dgm:spPr/>
-      <dgm:t>
-        <a:bodyPr/>
-        <a:lstStyle/>
-        <a:p>
-          <a:r>
-            <a:rPr lang="en-US"/>
-            <a:t>Lower values of C lead to sparser solutions</a:t>
-          </a:r>
-        </a:p>
-      </dgm:t>
-    </dgm:pt>
-    <dgm:pt modelId="{352D04C3-FFBC-48F2-9BAE-14EC0FF4DD79}" type="parTrans" cxnId="{E9576FB1-6789-4D8F-A649-7B5F8532AA64}">
-      <dgm:prSet/>
-      <dgm:spPr/>
-      <dgm:t>
-        <a:bodyPr/>
-        <a:lstStyle/>
-        <a:p>
-          <a:endParaRPr lang="en-US"/>
-        </a:p>
-      </dgm:t>
-    </dgm:pt>
-    <dgm:pt modelId="{07ED7F11-47B4-40FC-973D-261205971E8D}" type="sibTrans" cxnId="{E9576FB1-6789-4D8F-A649-7B5F8532AA64}">
-      <dgm:prSet/>
-      <dgm:spPr/>
-      <dgm:t>
-        <a:bodyPr/>
-        <a:lstStyle/>
-        <a:p>
-          <a:endParaRPr lang="en-US"/>
-        </a:p>
-      </dgm:t>
-    </dgm:pt>
-    <dgm:pt modelId="{C73CEF1D-E9F5-4BD4-842C-8A75FE28EBF0}">
-      <dgm:prSet/>
-      <dgm:spPr/>
-      <dgm:t>
-        <a:bodyPr/>
-        <a:lstStyle/>
-        <a:p>
-          <a:r>
-            <a:rPr lang="en-US"/>
-            <a:t>L1 penalty sparser than L2</a:t>
-          </a:r>
-        </a:p>
-      </dgm:t>
-    </dgm:pt>
-    <dgm:pt modelId="{1F7C6864-F010-4BF9-AEB5-40630D0D6828}" type="parTrans" cxnId="{68F6B517-2914-40BB-BE04-E4D0D4CC05D1}">
-      <dgm:prSet/>
-      <dgm:spPr/>
-      <dgm:t>
-        <a:bodyPr/>
-        <a:lstStyle/>
-        <a:p>
-          <a:endParaRPr lang="en-US"/>
-        </a:p>
-      </dgm:t>
-    </dgm:pt>
-    <dgm:pt modelId="{EC8DF7D0-504C-4775-BCAD-B93A2ADC1C61}" type="sibTrans" cxnId="{68F6B517-2914-40BB-BE04-E4D0D4CC05D1}">
-      <dgm:prSet/>
-      <dgm:spPr/>
-      <dgm:t>
-        <a:bodyPr/>
-        <a:lstStyle/>
-        <a:p>
-          <a:endParaRPr lang="en-US"/>
-        </a:p>
-      </dgm:t>
-    </dgm:pt>
-    <dgm:pt modelId="{07F52ADF-62E0-4354-9531-6ED965911416}">
-      <dgm:prSet/>
-      <dgm:spPr/>
-      <dgm:t>
-        <a:bodyPr/>
-        <a:lstStyle/>
-        <a:p>
-          <a:r>
-            <a:rPr lang="en-US" dirty="0"/>
-            <a:t>Solver = “</a:t>
-          </a:r>
-          <a:r>
-            <a:rPr lang="en-US" dirty="0" err="1"/>
-            <a:t>liblinear</a:t>
-          </a:r>
-          <a:r>
-            <a:rPr lang="en-US" dirty="0"/>
-            <a:t>”</a:t>
-          </a:r>
-        </a:p>
-      </dgm:t>
-    </dgm:pt>
-    <dgm:pt modelId="{4D2CBEC2-5400-4E14-A009-7774EBD74DFE}" type="parTrans" cxnId="{1D4B6F3E-CABE-4360-8753-C406CD82F416}">
-      <dgm:prSet/>
-      <dgm:spPr/>
-      <dgm:t>
-        <a:bodyPr/>
-        <a:lstStyle/>
-        <a:p>
-          <a:endParaRPr lang="en-US"/>
-        </a:p>
-      </dgm:t>
-    </dgm:pt>
-    <dgm:pt modelId="{B4C1A31E-4061-4A3F-8F95-8740B7F8E13E}" type="sibTrans" cxnId="{1D4B6F3E-CABE-4360-8753-C406CD82F416}">
-      <dgm:prSet/>
-      <dgm:spPr/>
-      <dgm:t>
-        <a:bodyPr/>
-        <a:lstStyle/>
-        <a:p>
-          <a:endParaRPr lang="en-US"/>
-        </a:p>
-      </dgm:t>
-    </dgm:pt>
-    <dgm:pt modelId="{B9C47E92-8921-4424-A55D-38F615131548}">
-      <dgm:prSet/>
-      <dgm:spPr/>
-      <dgm:t>
-        <a:bodyPr/>
-        <a:lstStyle/>
-        <a:p>
-          <a:r>
-            <a:rPr lang="en-US"/>
-            <a:t>Behaves as a multiclass classifier (separate binary classifiers are trained for all classes)</a:t>
-          </a:r>
-          <a:r>
-            <a:rPr lang="en-US" baseline="30000"/>
-            <a:t> 2</a:t>
-          </a:r>
-          <a:endParaRPr lang="en-US"/>
-        </a:p>
-      </dgm:t>
-    </dgm:pt>
-    <dgm:pt modelId="{D82A3C91-7E6D-4A19-A278-A419A3DB5B2F}" type="parTrans" cxnId="{B7B8EF18-0AB1-44B9-A15A-223414ECF3BB}">
-      <dgm:prSet/>
-      <dgm:spPr/>
-      <dgm:t>
-        <a:bodyPr/>
-        <a:lstStyle/>
-        <a:p>
-          <a:endParaRPr lang="en-US"/>
-        </a:p>
-      </dgm:t>
-    </dgm:pt>
-    <dgm:pt modelId="{4A3469C3-6988-4C05-BB39-A31143169AA5}" type="sibTrans" cxnId="{B7B8EF18-0AB1-44B9-A15A-223414ECF3BB}">
-      <dgm:prSet/>
-      <dgm:spPr/>
-      <dgm:t>
-        <a:bodyPr/>
-        <a:lstStyle/>
-        <a:p>
-          <a:endParaRPr lang="en-US"/>
-        </a:p>
-      </dgm:t>
-    </dgm:pt>
-    <dgm:pt modelId="{C13F27BA-4C05-4A90-B4C9-D5CFCC2EFC56}">
-      <dgm:prSet/>
-      <dgm:spPr/>
-      <dgm:t>
-        <a:bodyPr/>
-        <a:lstStyle/>
-        <a:p>
-          <a:r>
-            <a:rPr lang="en-US"/>
-            <a:t>Class Weight = “Balanced”</a:t>
-          </a:r>
-        </a:p>
-      </dgm:t>
-    </dgm:pt>
-    <dgm:pt modelId="{3A5F3B65-19F9-46E9-9BC1-339893071432}" type="parTrans" cxnId="{B135F8E5-27AB-4EAA-8DBE-D2875B01D8E6}">
-      <dgm:prSet/>
-      <dgm:spPr/>
-      <dgm:t>
-        <a:bodyPr/>
-        <a:lstStyle/>
-        <a:p>
-          <a:endParaRPr lang="en-US"/>
-        </a:p>
-      </dgm:t>
-    </dgm:pt>
-    <dgm:pt modelId="{0CDBCEBB-7053-4BA6-8E72-E40C83C8D700}" type="sibTrans" cxnId="{B135F8E5-27AB-4EAA-8DBE-D2875B01D8E6}">
-      <dgm:prSet/>
-      <dgm:spPr/>
-      <dgm:t>
-        <a:bodyPr/>
-        <a:lstStyle/>
-        <a:p>
-          <a:endParaRPr lang="en-US"/>
-        </a:p>
-      </dgm:t>
-    </dgm:pt>
-    <dgm:pt modelId="{D5950226-8F12-4646-9970-331AF4753820}">
-      <dgm:prSet/>
-      <dgm:spPr/>
-      <dgm:t>
-        <a:bodyPr/>
-        <a:lstStyle/>
-        <a:p>
-          <a:r>
-            <a:rPr lang="en-US"/>
-            <a:t>automatically adjust weights inversely proportional to class frequencies in the input data</a:t>
-          </a:r>
-        </a:p>
-      </dgm:t>
-    </dgm:pt>
-    <dgm:pt modelId="{09FD3F83-1586-46B4-BB15-74B4B23B1F9E}" type="parTrans" cxnId="{D5ABFCF8-6EE4-4C81-B96F-47F9F7B9A37B}">
-      <dgm:prSet/>
-      <dgm:spPr/>
-      <dgm:t>
-        <a:bodyPr/>
-        <a:lstStyle/>
-        <a:p>
-          <a:endParaRPr lang="en-US"/>
-        </a:p>
-      </dgm:t>
-    </dgm:pt>
-    <dgm:pt modelId="{C477B061-A5F5-4B1F-A864-D4307CD3E3C4}" type="sibTrans" cxnId="{D5ABFCF8-6EE4-4C81-B96F-47F9F7B9A37B}">
-      <dgm:prSet/>
-      <dgm:spPr/>
-      <dgm:t>
-        <a:bodyPr/>
-        <a:lstStyle/>
-        <a:p>
-          <a:endParaRPr lang="en-US"/>
-        </a:p>
-      </dgm:t>
-    </dgm:pt>
-    <dgm:pt modelId="{ECFAB01E-BE1C-4EFD-9B6A-142BDBDB3D90}">
-      <dgm:prSet/>
-      <dgm:spPr/>
-      <dgm:t>
-        <a:bodyPr/>
-        <a:lstStyle/>
-        <a:p>
-          <a:r>
-            <a:rPr lang="en-US"/>
-            <a:t>Fit Intercept = False</a:t>
-          </a:r>
-        </a:p>
-      </dgm:t>
-    </dgm:pt>
-    <dgm:pt modelId="{0B6073A3-F4E1-4652-B9B3-FA59B29634E5}" type="parTrans" cxnId="{12CA525F-4B9F-455E-A548-2DCA55CCCCE6}">
-      <dgm:prSet/>
-      <dgm:spPr/>
-      <dgm:t>
-        <a:bodyPr/>
-        <a:lstStyle/>
-        <a:p>
-          <a:endParaRPr lang="en-US"/>
-        </a:p>
-      </dgm:t>
-    </dgm:pt>
-    <dgm:pt modelId="{95338AB5-E944-46DF-9CC3-B7042F10D2B4}" type="sibTrans" cxnId="{12CA525F-4B9F-455E-A548-2DCA55CCCCE6}">
-      <dgm:prSet/>
-      <dgm:spPr/>
-      <dgm:t>
-        <a:bodyPr/>
-        <a:lstStyle/>
-        <a:p>
-          <a:endParaRPr lang="en-US"/>
-        </a:p>
-      </dgm:t>
-    </dgm:pt>
-    <dgm:pt modelId="{84521B36-6DDB-4A32-BDB0-693D7ADBA730}">
-      <dgm:prSet/>
-      <dgm:spPr/>
-      <dgm:t>
-        <a:bodyPr/>
-        <a:lstStyle/>
-        <a:p>
-          <a:r>
-            <a:rPr lang="en-US"/>
-            <a:t>Intercept is not added into decision function</a:t>
-          </a:r>
-        </a:p>
-      </dgm:t>
-    </dgm:pt>
-    <dgm:pt modelId="{2D0EA930-E205-492F-B081-AAE09B7C5955}" type="parTrans" cxnId="{A68FF9A0-6C2A-45D7-B099-477014111BC9}">
-      <dgm:prSet/>
-      <dgm:spPr/>
-      <dgm:t>
-        <a:bodyPr/>
-        <a:lstStyle/>
-        <a:p>
-          <a:endParaRPr lang="en-US"/>
-        </a:p>
-      </dgm:t>
-    </dgm:pt>
-    <dgm:pt modelId="{8EBB8484-DF50-493B-9965-77BD8BF23279}" type="sibTrans" cxnId="{A68FF9A0-6C2A-45D7-B099-477014111BC9}">
-      <dgm:prSet/>
-      <dgm:spPr/>
-      <dgm:t>
-        <a:bodyPr/>
-        <a:lstStyle/>
-        <a:p>
-          <a:endParaRPr lang="en-US"/>
-        </a:p>
-      </dgm:t>
-    </dgm:pt>
-    <dgm:pt modelId="{05A8050B-1EB3-4142-B6BB-96D467F42BD6}" type="pres">
-      <dgm:prSet presAssocID="{B8FDDA35-78CB-4101-98B5-BB8EA10A3CBC}" presName="Name0" presStyleCnt="0">
-        <dgm:presLayoutVars>
-          <dgm:dir/>
-          <dgm:animLvl val="lvl"/>
-          <dgm:resizeHandles val="exact"/>
-        </dgm:presLayoutVars>
-      </dgm:prSet>
-      <dgm:spPr/>
-    </dgm:pt>
-    <dgm:pt modelId="{C62C0CF9-6620-417D-9E42-424595FE65B0}" type="pres">
-      <dgm:prSet presAssocID="{6AC3D095-5DFE-415A-A934-935527597637}" presName="linNode" presStyleCnt="0"/>
-      <dgm:spPr/>
-    </dgm:pt>
-    <dgm:pt modelId="{B976DC7D-4135-4E72-A3BF-A8912CBA41E1}" type="pres">
-      <dgm:prSet presAssocID="{6AC3D095-5DFE-415A-A934-935527597637}" presName="parentText" presStyleLbl="node1" presStyleIdx="0" presStyleCnt="4">
-        <dgm:presLayoutVars>
-          <dgm:chMax val="1"/>
-          <dgm:bulletEnabled val="1"/>
-        </dgm:presLayoutVars>
-      </dgm:prSet>
-      <dgm:spPr/>
-    </dgm:pt>
-    <dgm:pt modelId="{7FE38C19-5E1D-4CE1-BB70-B050515E3021}" type="pres">
-      <dgm:prSet presAssocID="{6AC3D095-5DFE-415A-A934-935527597637}" presName="descendantText" presStyleLbl="alignAccFollowNode1" presStyleIdx="0" presStyleCnt="4">
-        <dgm:presLayoutVars>
-          <dgm:bulletEnabled val="1"/>
-        </dgm:presLayoutVars>
-      </dgm:prSet>
-      <dgm:spPr/>
-    </dgm:pt>
-    <dgm:pt modelId="{D605824C-73A1-4118-903C-FF02CC4907F0}" type="pres">
-      <dgm:prSet presAssocID="{C088D78A-91A4-4B33-909D-9B22E4A5C80D}" presName="sp" presStyleCnt="0"/>
-      <dgm:spPr/>
-    </dgm:pt>
-    <dgm:pt modelId="{C939832D-8F9C-4DCF-AB7C-BA0A7309D705}" type="pres">
-      <dgm:prSet presAssocID="{07F52ADF-62E0-4354-9531-6ED965911416}" presName="linNode" presStyleCnt="0"/>
-      <dgm:spPr/>
-    </dgm:pt>
-    <dgm:pt modelId="{FD699906-6852-46B0-9438-E75740076D22}" type="pres">
-      <dgm:prSet presAssocID="{07F52ADF-62E0-4354-9531-6ED965911416}" presName="parentText" presStyleLbl="node1" presStyleIdx="1" presStyleCnt="4">
-        <dgm:presLayoutVars>
-          <dgm:chMax val="1"/>
-          <dgm:bulletEnabled val="1"/>
-        </dgm:presLayoutVars>
-      </dgm:prSet>
-      <dgm:spPr/>
-    </dgm:pt>
-    <dgm:pt modelId="{79CA73BC-09E8-4230-8F38-FDB274B1A3D4}" type="pres">
-      <dgm:prSet presAssocID="{07F52ADF-62E0-4354-9531-6ED965911416}" presName="descendantText" presStyleLbl="alignAccFollowNode1" presStyleIdx="1" presStyleCnt="4">
-        <dgm:presLayoutVars>
-          <dgm:bulletEnabled val="1"/>
-        </dgm:presLayoutVars>
-      </dgm:prSet>
-      <dgm:spPr/>
-    </dgm:pt>
-    <dgm:pt modelId="{7D4A0EA3-9008-4C08-8CEA-2E51EEFB8DB7}" type="pres">
-      <dgm:prSet presAssocID="{B4C1A31E-4061-4A3F-8F95-8740B7F8E13E}" presName="sp" presStyleCnt="0"/>
-      <dgm:spPr/>
-    </dgm:pt>
-    <dgm:pt modelId="{4313F5CC-DFDA-4783-BE24-CCF991C8BE5F}" type="pres">
-      <dgm:prSet presAssocID="{C13F27BA-4C05-4A90-B4C9-D5CFCC2EFC56}" presName="linNode" presStyleCnt="0"/>
-      <dgm:spPr/>
-    </dgm:pt>
-    <dgm:pt modelId="{915A2548-4434-4D62-8DED-FADECE7A6382}" type="pres">
-      <dgm:prSet presAssocID="{C13F27BA-4C05-4A90-B4C9-D5CFCC2EFC56}" presName="parentText" presStyleLbl="node1" presStyleIdx="2" presStyleCnt="4">
-        <dgm:presLayoutVars>
-          <dgm:chMax val="1"/>
-          <dgm:bulletEnabled val="1"/>
-        </dgm:presLayoutVars>
-      </dgm:prSet>
-      <dgm:spPr/>
-    </dgm:pt>
-    <dgm:pt modelId="{744F2C29-8D2F-4CF6-880C-4A0744C935FA}" type="pres">
-      <dgm:prSet presAssocID="{C13F27BA-4C05-4A90-B4C9-D5CFCC2EFC56}" presName="descendantText" presStyleLbl="alignAccFollowNode1" presStyleIdx="2" presStyleCnt="4">
-        <dgm:presLayoutVars>
-          <dgm:bulletEnabled val="1"/>
-        </dgm:presLayoutVars>
-      </dgm:prSet>
-      <dgm:spPr/>
-    </dgm:pt>
-    <dgm:pt modelId="{7E38D7A7-DCBB-4FDE-80BB-3716C87034C2}" type="pres">
-      <dgm:prSet presAssocID="{0CDBCEBB-7053-4BA6-8E72-E40C83C8D700}" presName="sp" presStyleCnt="0"/>
-      <dgm:spPr/>
-    </dgm:pt>
-    <dgm:pt modelId="{368314AB-1A28-4F35-B0CA-8C1D3615E9D7}" type="pres">
-      <dgm:prSet presAssocID="{ECFAB01E-BE1C-4EFD-9B6A-142BDBDB3D90}" presName="linNode" presStyleCnt="0"/>
-      <dgm:spPr/>
-    </dgm:pt>
-    <dgm:pt modelId="{C6D518DA-8C3C-4F54-890D-7DEEF7BD585D}" type="pres">
-      <dgm:prSet presAssocID="{ECFAB01E-BE1C-4EFD-9B6A-142BDBDB3D90}" presName="parentText" presStyleLbl="node1" presStyleIdx="3" presStyleCnt="4">
-        <dgm:presLayoutVars>
-          <dgm:chMax val="1"/>
-          <dgm:bulletEnabled val="1"/>
-        </dgm:presLayoutVars>
-      </dgm:prSet>
-      <dgm:spPr/>
-    </dgm:pt>
-    <dgm:pt modelId="{0CB656AE-B972-405E-9926-D064451808FD}" type="pres">
-      <dgm:prSet presAssocID="{ECFAB01E-BE1C-4EFD-9B6A-142BDBDB3D90}" presName="descendantText" presStyleLbl="alignAccFollowNode1" presStyleIdx="3" presStyleCnt="4">
-        <dgm:presLayoutVars>
-          <dgm:bulletEnabled val="1"/>
-        </dgm:presLayoutVars>
-      </dgm:prSet>
-      <dgm:spPr/>
-    </dgm:pt>
-  </dgm:ptLst>
-  <dgm:cxnLst>
-    <dgm:cxn modelId="{FBFCBC02-8701-463E-90D9-32FB151FB2EA}" type="presOf" srcId="{ECFAB01E-BE1C-4EFD-9B6A-142BDBDB3D90}" destId="{C6D518DA-8C3C-4F54-890D-7DEEF7BD585D}" srcOrd="0" destOrd="0" presId="urn:microsoft.com/office/officeart/2005/8/layout/vList5"/>
-    <dgm:cxn modelId="{0E73F909-D31B-432D-94B8-5A1B6C790B54}" type="presOf" srcId="{84521B36-6DDB-4A32-BDB0-693D7ADBA730}" destId="{0CB656AE-B972-405E-9926-D064451808FD}" srcOrd="0" destOrd="0" presId="urn:microsoft.com/office/officeart/2005/8/layout/vList5"/>
-    <dgm:cxn modelId="{6962C110-F9E4-4845-9A54-F986EBD0910A}" type="presOf" srcId="{B9C47E92-8921-4424-A55D-38F615131548}" destId="{79CA73BC-09E8-4230-8F38-FDB274B1A3D4}" srcOrd="0" destOrd="0" presId="urn:microsoft.com/office/officeart/2005/8/layout/vList5"/>
-    <dgm:cxn modelId="{68F6B517-2914-40BB-BE04-E4D0D4CC05D1}" srcId="{6AC3D095-5DFE-415A-A934-935527597637}" destId="{C73CEF1D-E9F5-4BD4-842C-8A75FE28EBF0}" srcOrd="1" destOrd="0" parTransId="{1F7C6864-F010-4BF9-AEB5-40630D0D6828}" sibTransId="{EC8DF7D0-504C-4775-BCAD-B93A2ADC1C61}"/>
-    <dgm:cxn modelId="{B7B8EF18-0AB1-44B9-A15A-223414ECF3BB}" srcId="{07F52ADF-62E0-4354-9531-6ED965911416}" destId="{B9C47E92-8921-4424-A55D-38F615131548}" srcOrd="0" destOrd="0" parTransId="{D82A3C91-7E6D-4A19-A278-A419A3DB5B2F}" sibTransId="{4A3469C3-6988-4C05-BB39-A31143169AA5}"/>
-    <dgm:cxn modelId="{43B09B3C-FAFA-4B52-9D13-402F8436EF7F}" type="presOf" srcId="{C13F27BA-4C05-4A90-B4C9-D5CFCC2EFC56}" destId="{915A2548-4434-4D62-8DED-FADECE7A6382}" srcOrd="0" destOrd="0" presId="urn:microsoft.com/office/officeart/2005/8/layout/vList5"/>
-    <dgm:cxn modelId="{1D4B6F3E-CABE-4360-8753-C406CD82F416}" srcId="{B8FDDA35-78CB-4101-98B5-BB8EA10A3CBC}" destId="{07F52ADF-62E0-4354-9531-6ED965911416}" srcOrd="1" destOrd="0" parTransId="{4D2CBEC2-5400-4E14-A009-7774EBD74DFE}" sibTransId="{B4C1A31E-4061-4A3F-8F95-8740B7F8E13E}"/>
-    <dgm:cxn modelId="{12CA525F-4B9F-455E-A548-2DCA55CCCCE6}" srcId="{B8FDDA35-78CB-4101-98B5-BB8EA10A3CBC}" destId="{ECFAB01E-BE1C-4EFD-9B6A-142BDBDB3D90}" srcOrd="3" destOrd="0" parTransId="{0B6073A3-F4E1-4652-B9B3-FA59B29634E5}" sibTransId="{95338AB5-E944-46DF-9CC3-B7042F10D2B4}"/>
-    <dgm:cxn modelId="{DAC0774A-DD71-447D-9D9B-B53167CC737A}" srcId="{B8FDDA35-78CB-4101-98B5-BB8EA10A3CBC}" destId="{6AC3D095-5DFE-415A-A934-935527597637}" srcOrd="0" destOrd="0" parTransId="{FF95B982-9EB7-4DA4-BB35-EEB27A2E947A}" sibTransId="{C088D78A-91A4-4B33-909D-9B22E4A5C80D}"/>
-    <dgm:cxn modelId="{E21BFB76-7130-4CAA-A236-42044CD450C4}" type="presOf" srcId="{D5950226-8F12-4646-9970-331AF4753820}" destId="{744F2C29-8D2F-4CF6-880C-4A0744C935FA}" srcOrd="0" destOrd="0" presId="urn:microsoft.com/office/officeart/2005/8/layout/vList5"/>
-    <dgm:cxn modelId="{90BDF68F-505C-4402-A782-E5A1920221DA}" type="presOf" srcId="{C73CEF1D-E9F5-4BD4-842C-8A75FE28EBF0}" destId="{7FE38C19-5E1D-4CE1-BB70-B050515E3021}" srcOrd="0" destOrd="1" presId="urn:microsoft.com/office/officeart/2005/8/layout/vList5"/>
-    <dgm:cxn modelId="{A68FF9A0-6C2A-45D7-B099-477014111BC9}" srcId="{ECFAB01E-BE1C-4EFD-9B6A-142BDBDB3D90}" destId="{84521B36-6DDB-4A32-BDB0-693D7ADBA730}" srcOrd="0" destOrd="0" parTransId="{2D0EA930-E205-492F-B081-AAE09B7C5955}" sibTransId="{8EBB8484-DF50-493B-9965-77BD8BF23279}"/>
-    <dgm:cxn modelId="{E9576FB1-6789-4D8F-A649-7B5F8532AA64}" srcId="{6AC3D095-5DFE-415A-A934-935527597637}" destId="{5D27B477-9C5E-41CB-962A-D8FC7BBE5185}" srcOrd="0" destOrd="0" parTransId="{352D04C3-FFBC-48F2-9BAE-14EC0FF4DD79}" sibTransId="{07ED7F11-47B4-40FC-973D-261205971E8D}"/>
-    <dgm:cxn modelId="{8E408DBC-90B5-4690-A2C0-582E3B4FDAAE}" type="presOf" srcId="{07F52ADF-62E0-4354-9531-6ED965911416}" destId="{FD699906-6852-46B0-9438-E75740076D22}" srcOrd="0" destOrd="0" presId="urn:microsoft.com/office/officeart/2005/8/layout/vList5"/>
-    <dgm:cxn modelId="{F4DDE5BD-AD51-4CD1-8814-A4F18F9CD973}" type="presOf" srcId="{B8FDDA35-78CB-4101-98B5-BB8EA10A3CBC}" destId="{05A8050B-1EB3-4142-B6BB-96D467F42BD6}" srcOrd="0" destOrd="0" presId="urn:microsoft.com/office/officeart/2005/8/layout/vList5"/>
-    <dgm:cxn modelId="{A51D29C1-01F2-413B-AAF8-06A127EA092D}" type="presOf" srcId="{5D27B477-9C5E-41CB-962A-D8FC7BBE5185}" destId="{7FE38C19-5E1D-4CE1-BB70-B050515E3021}" srcOrd="0" destOrd="0" presId="urn:microsoft.com/office/officeart/2005/8/layout/vList5"/>
-    <dgm:cxn modelId="{305460C8-F03C-4993-9458-7C8DAD7A0857}" type="presOf" srcId="{6AC3D095-5DFE-415A-A934-935527597637}" destId="{B976DC7D-4135-4E72-A3BF-A8912CBA41E1}" srcOrd="0" destOrd="0" presId="urn:microsoft.com/office/officeart/2005/8/layout/vList5"/>
-    <dgm:cxn modelId="{B135F8E5-27AB-4EAA-8DBE-D2875B01D8E6}" srcId="{B8FDDA35-78CB-4101-98B5-BB8EA10A3CBC}" destId="{C13F27BA-4C05-4A90-B4C9-D5CFCC2EFC56}" srcOrd="2" destOrd="0" parTransId="{3A5F3B65-19F9-46E9-9BC1-339893071432}" sibTransId="{0CDBCEBB-7053-4BA6-8E72-E40C83C8D700}"/>
-    <dgm:cxn modelId="{D5ABFCF8-6EE4-4C81-B96F-47F9F7B9A37B}" srcId="{C13F27BA-4C05-4A90-B4C9-D5CFCC2EFC56}" destId="{D5950226-8F12-4646-9970-331AF4753820}" srcOrd="0" destOrd="0" parTransId="{09FD3F83-1586-46B4-BB15-74B4B23B1F9E}" sibTransId="{C477B061-A5F5-4B1F-A864-D4307CD3E3C4}"/>
-    <dgm:cxn modelId="{CDD48AA2-6185-4372-9220-68F9A8C12804}" type="presParOf" srcId="{05A8050B-1EB3-4142-B6BB-96D467F42BD6}" destId="{C62C0CF9-6620-417D-9E42-424595FE65B0}" srcOrd="0" destOrd="0" presId="urn:microsoft.com/office/officeart/2005/8/layout/vList5"/>
-    <dgm:cxn modelId="{086AF594-AC72-4F7D-9362-2516C5C88F65}" type="presParOf" srcId="{C62C0CF9-6620-417D-9E42-424595FE65B0}" destId="{B976DC7D-4135-4E72-A3BF-A8912CBA41E1}" srcOrd="0" destOrd="0" presId="urn:microsoft.com/office/officeart/2005/8/layout/vList5"/>
-    <dgm:cxn modelId="{ED0AC3CA-0521-4B57-B713-7A36F9C426DA}" type="presParOf" srcId="{C62C0CF9-6620-417D-9E42-424595FE65B0}" destId="{7FE38C19-5E1D-4CE1-BB70-B050515E3021}" srcOrd="1" destOrd="0" presId="urn:microsoft.com/office/officeart/2005/8/layout/vList5"/>
-    <dgm:cxn modelId="{E219CD93-4C52-4B02-8B12-52B380A721CE}" type="presParOf" srcId="{05A8050B-1EB3-4142-B6BB-96D467F42BD6}" destId="{D605824C-73A1-4118-903C-FF02CC4907F0}" srcOrd="1" destOrd="0" presId="urn:microsoft.com/office/officeart/2005/8/layout/vList5"/>
-    <dgm:cxn modelId="{01BACADD-AADD-4D45-BF9E-D8D1FA31C3A0}" type="presParOf" srcId="{05A8050B-1EB3-4142-B6BB-96D467F42BD6}" destId="{C939832D-8F9C-4DCF-AB7C-BA0A7309D705}" srcOrd="2" destOrd="0" presId="urn:microsoft.com/office/officeart/2005/8/layout/vList5"/>
-    <dgm:cxn modelId="{5B026ABB-162F-49A4-9532-5E55886DFDF1}" type="presParOf" srcId="{C939832D-8F9C-4DCF-AB7C-BA0A7309D705}" destId="{FD699906-6852-46B0-9438-E75740076D22}" srcOrd="0" destOrd="0" presId="urn:microsoft.com/office/officeart/2005/8/layout/vList5"/>
-    <dgm:cxn modelId="{1BF52294-6C38-4B45-A843-9A669F5D7EBB}" type="presParOf" srcId="{C939832D-8F9C-4DCF-AB7C-BA0A7309D705}" destId="{79CA73BC-09E8-4230-8F38-FDB274B1A3D4}" srcOrd="1" destOrd="0" presId="urn:microsoft.com/office/officeart/2005/8/layout/vList5"/>
-    <dgm:cxn modelId="{2B1D54D3-6091-4B9A-9905-87DF4E1E1FE6}" type="presParOf" srcId="{05A8050B-1EB3-4142-B6BB-96D467F42BD6}" destId="{7D4A0EA3-9008-4C08-8CEA-2E51EEFB8DB7}" srcOrd="3" destOrd="0" presId="urn:microsoft.com/office/officeart/2005/8/layout/vList5"/>
-    <dgm:cxn modelId="{E3843294-AA1E-43D0-B5B5-B17AC8EE30D2}" type="presParOf" srcId="{05A8050B-1EB3-4142-B6BB-96D467F42BD6}" destId="{4313F5CC-DFDA-4783-BE24-CCF991C8BE5F}" srcOrd="4" destOrd="0" presId="urn:microsoft.com/office/officeart/2005/8/layout/vList5"/>
-    <dgm:cxn modelId="{84E184EA-6EE5-4F3A-8D9D-108171A9836E}" type="presParOf" srcId="{4313F5CC-DFDA-4783-BE24-CCF991C8BE5F}" destId="{915A2548-4434-4D62-8DED-FADECE7A6382}" srcOrd="0" destOrd="0" presId="urn:microsoft.com/office/officeart/2005/8/layout/vList5"/>
-    <dgm:cxn modelId="{B9AC13B1-F114-4A83-9AE7-C0E03DA2EC5F}" type="presParOf" srcId="{4313F5CC-DFDA-4783-BE24-CCF991C8BE5F}" destId="{744F2C29-8D2F-4CF6-880C-4A0744C935FA}" srcOrd="1" destOrd="0" presId="urn:microsoft.com/office/officeart/2005/8/layout/vList5"/>
-    <dgm:cxn modelId="{26D3DA74-B98A-4FAC-A879-D7F3B3E688E8}" type="presParOf" srcId="{05A8050B-1EB3-4142-B6BB-96D467F42BD6}" destId="{7E38D7A7-DCBB-4FDE-80BB-3716C87034C2}" srcOrd="5" destOrd="0" presId="urn:microsoft.com/office/officeart/2005/8/layout/vList5"/>
-    <dgm:cxn modelId="{27E5F10D-A7A5-4B35-A9E3-21B70735DFAA}" type="presParOf" srcId="{05A8050B-1EB3-4142-B6BB-96D467F42BD6}" destId="{368314AB-1A28-4F35-B0CA-8C1D3615E9D7}" srcOrd="6" destOrd="0" presId="urn:microsoft.com/office/officeart/2005/8/layout/vList5"/>
-    <dgm:cxn modelId="{C8C29360-D409-4BE3-8B84-E44208BF5C3E}" type="presParOf" srcId="{368314AB-1A28-4F35-B0CA-8C1D3615E9D7}" destId="{C6D518DA-8C3C-4F54-890D-7DEEF7BD585D}" srcOrd="0" destOrd="0" presId="urn:microsoft.com/office/officeart/2005/8/layout/vList5"/>
-    <dgm:cxn modelId="{36B53980-6A03-4E86-8E14-A109CD4DBB2F}" type="presParOf" srcId="{368314AB-1A28-4F35-B0CA-8C1D3615E9D7}" destId="{0CB656AE-B972-405E-9926-D064451808FD}" srcOrd="1" destOrd="0" presId="urn:microsoft.com/office/officeart/2005/8/layout/vList5"/>
   </dgm:cxnLst>
   <dgm:bg/>
   <dgm:whole/>
@@ -9958,7 +9251,7 @@
 </dgm:dataModel>
 </file>
 
-<file path=ppt/diagrams/data7.xml><?xml version="1.0" encoding="utf-8"?>
+<file path=ppt/diagrams/data6.xml><?xml version="1.0" encoding="utf-8"?>
 <dgm:dataModel xmlns:dgm="http://schemas.openxmlformats.org/drawingml/2006/diagram" xmlns:a="http://schemas.openxmlformats.org/drawingml/2006/main">
   <dgm:ptLst>
     <dgm:pt modelId="{4CD04B87-C07D-4C1F-A0FD-650A1E067F6E}" type="doc">
@@ -9980,8 +9273,8 @@
         <a:lstStyle/>
         <a:p>
           <a:r>
-            <a:rPr lang="en-US"/>
-            <a:t>High Score: .842</a:t>
+            <a:rPr lang="en-US" dirty="0"/>
+            <a:t>High Score: .847</a:t>
           </a:r>
         </a:p>
       </dgm:t>
@@ -10052,8 +9345,8 @@
         <a:lstStyle/>
         <a:p>
           <a:r>
-            <a:rPr lang="en-US"/>
-            <a:t>Logarithmic: .842</a:t>
+            <a:rPr lang="en-US" dirty="0"/>
+            <a:t>Logistic: .842</a:t>
           </a:r>
         </a:p>
       </dgm:t>
@@ -10080,7 +9373,7 @@
         </a:p>
       </dgm:t>
     </dgm:pt>
-    <dgm:pt modelId="{79269E1B-67ED-4BAF-971C-872B8CCEBEDB}">
+    <dgm:pt modelId="{0CE0C585-CECB-47FF-A8FB-D5A7AB66528D}">
       <dgm:prSet/>
       <dgm:spPr/>
       <dgm:t>
@@ -10089,43 +9382,7 @@
         <a:p>
           <a:r>
             <a:rPr lang="en-US" dirty="0"/>
-            <a:t>Lasso: .847</a:t>
-          </a:r>
-        </a:p>
-      </dgm:t>
-    </dgm:pt>
-    <dgm:pt modelId="{6D69EBDA-DEA3-438E-907B-8F7708F33965}" type="parTrans" cxnId="{5EA9585B-023C-49DF-A954-179EAA367DC5}">
-      <dgm:prSet/>
-      <dgm:spPr/>
-      <dgm:t>
-        <a:bodyPr/>
-        <a:lstStyle/>
-        <a:p>
-          <a:endParaRPr lang="en-US"/>
-        </a:p>
-      </dgm:t>
-    </dgm:pt>
-    <dgm:pt modelId="{9B53E014-721E-4764-9F57-6499CBEAFB82}" type="sibTrans" cxnId="{5EA9585B-023C-49DF-A954-179EAA367DC5}">
-      <dgm:prSet/>
-      <dgm:spPr/>
-      <dgm:t>
-        <a:bodyPr/>
-        <a:lstStyle/>
-        <a:p>
-          <a:endParaRPr lang="en-US"/>
-        </a:p>
-      </dgm:t>
-    </dgm:pt>
-    <dgm:pt modelId="{0CE0C585-CECB-47FF-A8FB-D5A7AB66528D}">
-      <dgm:prSet/>
-      <dgm:spPr/>
-      <dgm:t>
-        <a:bodyPr/>
-        <a:lstStyle/>
-        <a:p>
-          <a:r>
-            <a:rPr lang="en-US"/>
-            <a:t>MLP: .842</a:t>
+            <a:t>MLP: .805</a:t>
           </a:r>
         </a:p>
       </dgm:t>
@@ -10160,8 +9417,8 @@
         <a:lstStyle/>
         <a:p>
           <a:r>
-            <a:rPr lang="en-US"/>
-            <a:t>Without feature selection:</a:t>
+            <a:rPr lang="en-US" dirty="0"/>
+            <a:t>Combined Models:</a:t>
           </a:r>
         </a:p>
       </dgm:t>
@@ -10196,8 +9453,8 @@
         <a:lstStyle/>
         <a:p>
           <a:r>
-            <a:rPr lang="en-US"/>
-            <a:t>.733 (Lasso, Logarithmic, MLP)</a:t>
+            <a:rPr lang="en-US" dirty="0"/>
+            <a:t>.838 (Lasso, Logarithmic, MLP)</a:t>
           </a:r>
         </a:p>
       </dgm:t>
@@ -10214,6 +9471,42 @@
       </dgm:t>
     </dgm:pt>
     <dgm:pt modelId="{80FDC0A5-F2D9-4C49-B3BD-53FE46A26C94}" type="sibTrans" cxnId="{B03D3FD5-24A4-433E-8130-E85A4DE1C55F}">
+      <dgm:prSet/>
+      <dgm:spPr/>
+      <dgm:t>
+        <a:bodyPr/>
+        <a:lstStyle/>
+        <a:p>
+          <a:endParaRPr lang="en-US"/>
+        </a:p>
+      </dgm:t>
+    </dgm:pt>
+    <dgm:pt modelId="{36329FD0-3E4E-4EF6-AF87-54310BFEF909}">
+      <dgm:prSet/>
+      <dgm:spPr/>
+      <dgm:t>
+        <a:bodyPr/>
+        <a:lstStyle/>
+        <a:p>
+          <a:r>
+            <a:rPr lang="en-US" dirty="0"/>
+            <a:t>Lasso: .847</a:t>
+          </a:r>
+        </a:p>
+      </dgm:t>
+    </dgm:pt>
+    <dgm:pt modelId="{57189FDF-5AFF-4EAD-85B4-CF5012435A1C}" type="parTrans" cxnId="{8A240C47-90A9-4291-A7C0-8EAD6A5AF92B}">
+      <dgm:prSet/>
+      <dgm:spPr/>
+      <dgm:t>
+        <a:bodyPr/>
+        <a:lstStyle/>
+        <a:p>
+          <a:endParaRPr lang="en-US"/>
+        </a:p>
+      </dgm:t>
+    </dgm:pt>
+    <dgm:pt modelId="{92536071-AA39-45A1-BFFB-59F613954A95}" type="sibTrans" cxnId="{8A240C47-90A9-4291-A7C0-8EAD6A5AF92B}">
       <dgm:prSet/>
       <dgm:spPr/>
       <dgm:t>
@@ -10283,19 +9576,19 @@
   </dgm:ptLst>
   <dgm:cxnLst>
     <dgm:cxn modelId="{BCB4AA0B-1666-441F-9FA0-58A48C724CB8}" type="presOf" srcId="{0CE0C585-CECB-47FF-A8FB-D5A7AB66528D}" destId="{38ED92CD-A356-4B99-BCD9-7056EE8CED46}" srcOrd="0" destOrd="2" presId="urn:microsoft.com/office/officeart/2005/8/layout/vList2"/>
+    <dgm:cxn modelId="{352E7C26-5172-4D22-9AEB-3522C961C3B0}" type="presOf" srcId="{36329FD0-3E4E-4EF6-AF87-54310BFEF909}" destId="{38ED92CD-A356-4B99-BCD9-7056EE8CED46}" srcOrd="0" destOrd="0" presId="urn:microsoft.com/office/officeart/2005/8/layout/vList2"/>
     <dgm:cxn modelId="{D5B6032F-7C02-48CC-AD23-654C15251B05}" srcId="{22BBFC84-5F73-4ADF-8509-529D8D2BEC19}" destId="{0CE0C585-CECB-47FF-A8FB-D5A7AB66528D}" srcOrd="2" destOrd="0" parTransId="{EDB96F14-823A-4BB7-BC86-FBB35A294CFE}" sibTransId="{0F1EA194-65F2-4737-97CD-9C5D3A893594}"/>
     <dgm:cxn modelId="{3E702333-3ADB-4CEA-99CB-3B0589D47F19}" srcId="{4CD04B87-C07D-4C1F-A0FD-650A1E067F6E}" destId="{B3FF2878-46CD-4F74-9320-F6D1DAB4544A}" srcOrd="0" destOrd="0" parTransId="{CC5D6313-8E86-4415-BB90-BBA2F750142D}" sibTransId="{2FCBFE81-F031-45D6-ACCA-7C3032EE3688}"/>
     <dgm:cxn modelId="{738BBF37-A76F-44D9-A52F-E67ABDEB3CE4}" type="presOf" srcId="{9C57F5AD-74AA-4880-8940-32B1126DAFCC}" destId="{312D8B63-E871-42F6-978E-80C394462752}" srcOrd="0" destOrd="0" presId="urn:microsoft.com/office/officeart/2005/8/layout/vList2"/>
-    <dgm:cxn modelId="{5EA9585B-023C-49DF-A954-179EAA367DC5}" srcId="{22BBFC84-5F73-4ADF-8509-529D8D2BEC19}" destId="{79269E1B-67ED-4BAF-971C-872B8CCEBEDB}" srcOrd="1" destOrd="0" parTransId="{6D69EBDA-DEA3-438E-907B-8F7708F33965}" sibTransId="{9B53E014-721E-4764-9F57-6499CBEAFB82}"/>
-    <dgm:cxn modelId="{40D7D545-8BCB-4596-B121-4AB9B88E2471}" srcId="{22BBFC84-5F73-4ADF-8509-529D8D2BEC19}" destId="{AB33386D-9ABA-499B-8A3F-BC439BFE93F5}" srcOrd="0" destOrd="0" parTransId="{0AE7A1C1-A0A8-4E0E-8F68-B8E60242E195}" sibTransId="{4E886815-A8EC-4054-8BC3-45F46B38ED2E}"/>
-    <dgm:cxn modelId="{EBED294F-BF60-4364-8147-F2D721663BAE}" type="presOf" srcId="{79269E1B-67ED-4BAF-971C-872B8CCEBEDB}" destId="{38ED92CD-A356-4B99-BCD9-7056EE8CED46}" srcOrd="0" destOrd="1" presId="urn:microsoft.com/office/officeart/2005/8/layout/vList2"/>
+    <dgm:cxn modelId="{40D7D545-8BCB-4596-B121-4AB9B88E2471}" srcId="{22BBFC84-5F73-4ADF-8509-529D8D2BEC19}" destId="{AB33386D-9ABA-499B-8A3F-BC439BFE93F5}" srcOrd="1" destOrd="0" parTransId="{0AE7A1C1-A0A8-4E0E-8F68-B8E60242E195}" sibTransId="{4E886815-A8EC-4054-8BC3-45F46B38ED2E}"/>
+    <dgm:cxn modelId="{8A240C47-90A9-4291-A7C0-8EAD6A5AF92B}" srcId="{22BBFC84-5F73-4ADF-8509-529D8D2BEC19}" destId="{36329FD0-3E4E-4EF6-AF87-54310BFEF909}" srcOrd="0" destOrd="0" parTransId="{57189FDF-5AFF-4EAD-85B4-CF5012435A1C}" sibTransId="{92536071-AA39-45A1-BFFB-59F613954A95}"/>
     <dgm:cxn modelId="{E539D46F-7302-4DB4-967F-2C65FACD6133}" srcId="{4CD04B87-C07D-4C1F-A0FD-650A1E067F6E}" destId="{22BBFC84-5F73-4ADF-8509-529D8D2BEC19}" srcOrd="1" destOrd="0" parTransId="{EDD20E20-ED6D-430D-81D5-5877426753A5}" sibTransId="{4C21642A-D376-4A43-84AC-6FD1B4347935}"/>
     <dgm:cxn modelId="{B45F8351-A16D-49B2-8730-0C3EB2BF1A1D}" type="presOf" srcId="{4CD04B87-C07D-4C1F-A0FD-650A1E067F6E}" destId="{CD0855C6-FCE2-438F-BF8E-A1DAF65396E9}" srcOrd="0" destOrd="0" presId="urn:microsoft.com/office/officeart/2005/8/layout/vList2"/>
     <dgm:cxn modelId="{BE732396-6195-4607-9744-B1FF27000D36}" type="presOf" srcId="{A6D7FACC-7466-46F7-B9F0-D6CC33D6D823}" destId="{68C311F4-4C9A-4C5A-8FD1-7717888F9875}" srcOrd="0" destOrd="0" presId="urn:microsoft.com/office/officeart/2005/8/layout/vList2"/>
     <dgm:cxn modelId="{931A76BF-D7BF-4A5F-898E-5C7CBBD560C4}" type="presOf" srcId="{B3FF2878-46CD-4F74-9320-F6D1DAB4544A}" destId="{838B2392-91DD-45A6-ACFD-8A980B7A4FD2}" srcOrd="0" destOrd="0" presId="urn:microsoft.com/office/officeart/2005/8/layout/vList2"/>
     <dgm:cxn modelId="{865690C1-60D6-465F-8255-D4C9ABA96277}" srcId="{4CD04B87-C07D-4C1F-A0FD-650A1E067F6E}" destId="{A6D7FACC-7466-46F7-B9F0-D6CC33D6D823}" srcOrd="2" destOrd="0" parTransId="{88DC4C30-EBA4-4C65-A6E2-9005E38BADA8}" sibTransId="{DF1A202A-7BE2-44DB-8DF8-C5CEA22E766F}"/>
     <dgm:cxn modelId="{B03D3FD5-24A4-433E-8130-E85A4DE1C55F}" srcId="{A6D7FACC-7466-46F7-B9F0-D6CC33D6D823}" destId="{9C57F5AD-74AA-4880-8940-32B1126DAFCC}" srcOrd="0" destOrd="0" parTransId="{20AD48B6-576F-43FE-95D4-FABBA718BD51}" sibTransId="{80FDC0A5-F2D9-4C49-B3BD-53FE46A26C94}"/>
-    <dgm:cxn modelId="{61C54DDD-677C-4B10-A179-7A828D2A1DEE}" type="presOf" srcId="{AB33386D-9ABA-499B-8A3F-BC439BFE93F5}" destId="{38ED92CD-A356-4B99-BCD9-7056EE8CED46}" srcOrd="0" destOrd="0" presId="urn:microsoft.com/office/officeart/2005/8/layout/vList2"/>
+    <dgm:cxn modelId="{61C54DDD-677C-4B10-A179-7A828D2A1DEE}" type="presOf" srcId="{AB33386D-9ABA-499B-8A3F-BC439BFE93F5}" destId="{38ED92CD-A356-4B99-BCD9-7056EE8CED46}" srcOrd="0" destOrd="1" presId="urn:microsoft.com/office/officeart/2005/8/layout/vList2"/>
     <dgm:cxn modelId="{7E923ADE-C33E-43DB-82AE-A253A1DCE56E}" type="presOf" srcId="{22BBFC84-5F73-4ADF-8509-529D8D2BEC19}" destId="{E4EED816-EB5F-41B8-8579-BA139086A2A7}" srcOrd="0" destOrd="0" presId="urn:microsoft.com/office/officeart/2005/8/layout/vList2"/>
     <dgm:cxn modelId="{CAC3E84A-5767-4E16-BE31-20234F27C114}" type="presParOf" srcId="{CD0855C6-FCE2-438F-BF8E-A1DAF65396E9}" destId="{838B2392-91DD-45A6-ACFD-8A980B7A4FD2}" srcOrd="0" destOrd="0" presId="urn:microsoft.com/office/officeart/2005/8/layout/vList2"/>
     <dgm:cxn modelId="{7D148434-70BD-4672-ACD2-B4B9CEAB42A0}" type="presParOf" srcId="{CD0855C6-FCE2-438F-BF8E-A1DAF65396E9}" destId="{023C5EAC-4545-4BF4-8C19-E6C8219E1771}" srcOrd="1" destOrd="0" presId="urn:microsoft.com/office/officeart/2005/8/layout/vList2"/>
@@ -11733,8 +11026,8 @@
       </dsp:nvSpPr>
       <dsp:spPr>
         <a:xfrm rot="5400000">
-          <a:off x="6475153" y="-2761095"/>
-          <a:ext cx="729116" cy="6437376"/>
+          <a:off x="6100982" y="-2295230"/>
+          <a:ext cx="1477458" cy="6437376"/>
         </a:xfrm>
         <a:prstGeom prst="round2SameRect">
           <a:avLst/>
@@ -11777,12 +11070,12 @@
         <a:fontRef idx="minor"/>
       </dsp:style>
       <dsp:txBody>
-        <a:bodyPr spcFirstLastPara="0" vert="horz" wrap="square" lIns="72390" tIns="36195" rIns="72390" bIns="36195" numCol="1" spcCol="1270" anchor="ctr" anchorCtr="0">
+        <a:bodyPr spcFirstLastPara="0" vert="horz" wrap="square" lIns="160020" tIns="80010" rIns="160020" bIns="80010" numCol="1" spcCol="1270" anchor="ctr" anchorCtr="0">
           <a:noAutofit/>
         </a:bodyPr>
         <a:lstStyle/>
         <a:p>
-          <a:pPr marL="171450" lvl="1" indent="-171450" algn="l" defTabSz="844550">
+          <a:pPr marL="285750" lvl="1" indent="-285750" algn="l" defTabSz="1866900">
             <a:lnSpc>
               <a:spcPct val="90000"/>
             </a:lnSpc>
@@ -11795,14 +11088,14 @@
             <a:buChar char="•"/>
           </a:pPr>
           <a:r>
-            <a:rPr lang="en-US" sz="1900" kern="1200" dirty="0"/>
+            <a:rPr lang="en-US" sz="4200" kern="1200" dirty="0"/>
             <a:t>Constant that multiplies the L1 term</a:t>
           </a:r>
         </a:p>
       </dsp:txBody>
       <dsp:txXfrm rot="-5400000">
-        <a:off x="3621024" y="128627"/>
-        <a:ext cx="6401783" cy="657930"/>
+        <a:off x="3621023" y="256853"/>
+        <a:ext cx="6365252" cy="1333210"/>
       </dsp:txXfrm>
     </dsp:sp>
     <dsp:sp modelId="{B976DC7D-4135-4E72-A3BF-A8912CBA41E1}">
@@ -11812,8 +11105,8 @@
       </dsp:nvSpPr>
       <dsp:spPr>
         <a:xfrm>
-          <a:off x="0" y="1894"/>
-          <a:ext cx="3621024" cy="911395"/>
+          <a:off x="0" y="46"/>
+          <a:ext cx="3621024" cy="1846823"/>
         </a:xfrm>
         <a:prstGeom prst="roundRect">
           <a:avLst/>
@@ -11854,12 +11147,12 @@
         </a:fontRef>
       </dsp:style>
       <dsp:txBody>
-        <a:bodyPr spcFirstLastPara="0" vert="horz" wrap="square" lIns="110490" tIns="55245" rIns="110490" bIns="55245" numCol="1" spcCol="1270" anchor="ctr" anchorCtr="0">
+        <a:bodyPr spcFirstLastPara="0" vert="horz" wrap="square" lIns="198120" tIns="99060" rIns="198120" bIns="99060" numCol="1" spcCol="1270" anchor="ctr" anchorCtr="0">
           <a:noAutofit/>
         </a:bodyPr>
         <a:lstStyle/>
         <a:p>
-          <a:pPr marL="0" lvl="0" indent="0" algn="ctr" defTabSz="1289050">
+          <a:pPr marL="0" lvl="0" indent="0" algn="ctr" defTabSz="2311400">
             <a:lnSpc>
               <a:spcPct val="90000"/>
             </a:lnSpc>
@@ -11872,14 +11165,14 @@
             <a:buNone/>
           </a:pPr>
           <a:r>
-            <a:rPr lang="en-US" sz="2900" kern="1200" dirty="0"/>
-            <a:t>Alpha = 0.031</a:t>
+            <a:rPr lang="en-US" sz="5200" kern="1200" dirty="0"/>
+            <a:t>Alpha = 0.03</a:t>
           </a:r>
         </a:p>
       </dsp:txBody>
       <dsp:txXfrm>
-        <a:off x="44491" y="46385"/>
-        <a:ext cx="3532042" cy="822413"/>
+        <a:off x="90154" y="90200"/>
+        <a:ext cx="3440716" cy="1666515"/>
       </dsp:txXfrm>
     </dsp:sp>
     <dsp:sp modelId="{79CA73BC-09E8-4230-8F38-FDB274B1A3D4}">
@@ -11889,338 +11182,8 @@
       </dsp:nvSpPr>
       <dsp:spPr>
         <a:xfrm rot="5400000">
-          <a:off x="6475153" y="-1804130"/>
-          <a:ext cx="729116" cy="6437376"/>
-        </a:xfrm>
-        <a:prstGeom prst="round2SameRect">
-          <a:avLst/>
-        </a:prstGeom>
-        <a:solidFill>
-          <a:schemeClr val="accent2">
-            <a:tint val="40000"/>
-            <a:alpha val="90000"/>
-            <a:hueOff val="82399"/>
-            <a:satOff val="-7939"/>
-            <a:lumOff val="-837"/>
-            <a:alphaOff val="0"/>
-          </a:schemeClr>
-        </a:solidFill>
-        <a:ln w="15875" cap="flat" cmpd="sng" algn="ctr">
-          <a:solidFill>
-            <a:schemeClr val="accent2">
-              <a:tint val="40000"/>
-              <a:alpha val="90000"/>
-              <a:hueOff val="82399"/>
-              <a:satOff val="-7939"/>
-              <a:lumOff val="-837"/>
-              <a:alphaOff val="0"/>
-            </a:schemeClr>
-          </a:solidFill>
-          <a:prstDash val="solid"/>
-        </a:ln>
-        <a:effectLst/>
-      </dsp:spPr>
-      <dsp:style>
-        <a:lnRef idx="2">
-          <a:scrgbClr r="0" g="0" b="0"/>
-        </a:lnRef>
-        <a:fillRef idx="1">
-          <a:scrgbClr r="0" g="0" b="0"/>
-        </a:fillRef>
-        <a:effectRef idx="0">
-          <a:scrgbClr r="0" g="0" b="0"/>
-        </a:effectRef>
-        <a:fontRef idx="minor"/>
-      </dsp:style>
-      <dsp:txBody>
-        <a:bodyPr spcFirstLastPara="0" vert="horz" wrap="square" lIns="72390" tIns="36195" rIns="72390" bIns="36195" numCol="1" spcCol="1270" anchor="ctr" anchorCtr="0">
-          <a:noAutofit/>
-        </a:bodyPr>
-        <a:lstStyle/>
-        <a:p>
-          <a:pPr marL="171450" lvl="1" indent="-171450" algn="l" defTabSz="844550">
-            <a:lnSpc>
-              <a:spcPct val="90000"/>
-            </a:lnSpc>
-            <a:spcBef>
-              <a:spcPct val="0"/>
-            </a:spcBef>
-            <a:spcAft>
-              <a:spcPct val="15000"/>
-            </a:spcAft>
-            <a:buChar char="•"/>
-          </a:pPr>
-          <a:r>
-            <a:rPr lang="en-US" sz="1900" kern="1200" dirty="0"/>
-            <a:t>Sets the tolerance for the optimization</a:t>
-          </a:r>
-        </a:p>
-      </dsp:txBody>
-      <dsp:txXfrm rot="-5400000">
-        <a:off x="3621024" y="1085592"/>
-        <a:ext cx="6401783" cy="657930"/>
-      </dsp:txXfrm>
-    </dsp:sp>
-    <dsp:sp modelId="{FD699906-6852-46B0-9438-E75740076D22}">
-      <dsp:nvSpPr>
-        <dsp:cNvPr id="0" name=""/>
-        <dsp:cNvSpPr/>
-      </dsp:nvSpPr>
-      <dsp:spPr>
-        <a:xfrm>
-          <a:off x="0" y="958859"/>
-          <a:ext cx="3621024" cy="911395"/>
-        </a:xfrm>
-        <a:prstGeom prst="roundRect">
-          <a:avLst/>
-        </a:prstGeom>
-        <a:solidFill>
-          <a:schemeClr val="accent2">
-            <a:hueOff val="13013"/>
-            <a:satOff val="-8959"/>
-            <a:lumOff val="-2288"/>
-            <a:alphaOff val="0"/>
-          </a:schemeClr>
-        </a:solidFill>
-        <a:ln w="15875" cap="flat" cmpd="sng" algn="ctr">
-          <a:solidFill>
-            <a:schemeClr val="lt1">
-              <a:hueOff val="0"/>
-              <a:satOff val="0"/>
-              <a:lumOff val="0"/>
-              <a:alphaOff val="0"/>
-            </a:schemeClr>
-          </a:solidFill>
-          <a:prstDash val="solid"/>
-        </a:ln>
-        <a:effectLst/>
-      </dsp:spPr>
-      <dsp:style>
-        <a:lnRef idx="2">
-          <a:scrgbClr r="0" g="0" b="0"/>
-        </a:lnRef>
-        <a:fillRef idx="1">
-          <a:scrgbClr r="0" g="0" b="0"/>
-        </a:fillRef>
-        <a:effectRef idx="0">
-          <a:scrgbClr r="0" g="0" b="0"/>
-        </a:effectRef>
-        <a:fontRef idx="minor">
-          <a:schemeClr val="lt1"/>
-        </a:fontRef>
-      </dsp:style>
-      <dsp:txBody>
-        <a:bodyPr spcFirstLastPara="0" vert="horz" wrap="square" lIns="110490" tIns="55245" rIns="110490" bIns="55245" numCol="1" spcCol="1270" anchor="ctr" anchorCtr="0">
-          <a:noAutofit/>
-        </a:bodyPr>
-        <a:lstStyle/>
-        <a:p>
-          <a:pPr marL="0" lvl="0" indent="0" algn="ctr" defTabSz="1289050">
-            <a:lnSpc>
-              <a:spcPct val="90000"/>
-            </a:lnSpc>
-            <a:spcBef>
-              <a:spcPct val="0"/>
-            </a:spcBef>
-            <a:spcAft>
-              <a:spcPct val="35000"/>
-            </a:spcAft>
-            <a:buNone/>
-          </a:pPr>
-          <a:r>
-            <a:rPr lang="en-US" sz="2900" kern="1200" dirty="0"/>
-            <a:t>Tol = 0.01</a:t>
-          </a:r>
-        </a:p>
-      </dsp:txBody>
-      <dsp:txXfrm>
-        <a:off x="44491" y="1003350"/>
-        <a:ext cx="3532042" cy="822413"/>
-      </dsp:txXfrm>
-    </dsp:sp>
-    <dsp:sp modelId="{744F2C29-8D2F-4CF6-880C-4A0744C935FA}">
-      <dsp:nvSpPr>
-        <dsp:cNvPr id="0" name=""/>
-        <dsp:cNvSpPr/>
-      </dsp:nvSpPr>
-      <dsp:spPr>
-        <a:xfrm rot="5400000">
-          <a:off x="6475153" y="-847165"/>
-          <a:ext cx="729116" cy="6437376"/>
-        </a:xfrm>
-        <a:prstGeom prst="round2SameRect">
-          <a:avLst/>
-        </a:prstGeom>
-        <a:solidFill>
-          <a:schemeClr val="accent2">
-            <a:tint val="40000"/>
-            <a:alpha val="90000"/>
-            <a:hueOff val="164799"/>
-            <a:satOff val="-15877"/>
-            <a:lumOff val="-1674"/>
-            <a:alphaOff val="0"/>
-          </a:schemeClr>
-        </a:solidFill>
-        <a:ln w="15875" cap="flat" cmpd="sng" algn="ctr">
-          <a:solidFill>
-            <a:schemeClr val="accent2">
-              <a:tint val="40000"/>
-              <a:alpha val="90000"/>
-              <a:hueOff val="164799"/>
-              <a:satOff val="-15877"/>
-              <a:lumOff val="-1674"/>
-              <a:alphaOff val="0"/>
-            </a:schemeClr>
-          </a:solidFill>
-          <a:prstDash val="solid"/>
-        </a:ln>
-        <a:effectLst/>
-      </dsp:spPr>
-      <dsp:style>
-        <a:lnRef idx="2">
-          <a:scrgbClr r="0" g="0" b="0"/>
-        </a:lnRef>
-        <a:fillRef idx="1">
-          <a:scrgbClr r="0" g="0" b="0"/>
-        </a:fillRef>
-        <a:effectRef idx="0">
-          <a:scrgbClr r="0" g="0" b="0"/>
-        </a:effectRef>
-        <a:fontRef idx="minor"/>
-      </dsp:style>
-      <dsp:txBody>
-        <a:bodyPr spcFirstLastPara="0" vert="horz" wrap="square" lIns="72390" tIns="36195" rIns="72390" bIns="36195" numCol="1" spcCol="1270" anchor="ctr" anchorCtr="0">
-          <a:noAutofit/>
-        </a:bodyPr>
-        <a:lstStyle/>
-        <a:p>
-          <a:pPr marL="171450" lvl="1" indent="-171450" algn="l" defTabSz="844550">
-            <a:lnSpc>
-              <a:spcPct val="90000"/>
-            </a:lnSpc>
-            <a:spcBef>
-              <a:spcPct val="0"/>
-            </a:spcBef>
-            <a:spcAft>
-              <a:spcPct val="15000"/>
-            </a:spcAft>
-            <a:buChar char="•"/>
-          </a:pPr>
-          <a:r>
-            <a:rPr lang="en-US" sz="1900" kern="1200" dirty="0"/>
-            <a:t>Sets seed of random number generator</a:t>
-          </a:r>
-        </a:p>
-        <a:p>
-          <a:pPr marL="342900" lvl="2" indent="-171450" algn="l" defTabSz="844550">
-            <a:lnSpc>
-              <a:spcPct val="90000"/>
-            </a:lnSpc>
-            <a:spcBef>
-              <a:spcPct val="0"/>
-            </a:spcBef>
-            <a:spcAft>
-              <a:spcPct val="15000"/>
-            </a:spcAft>
-            <a:buChar char="•"/>
-          </a:pPr>
-          <a:r>
-            <a:rPr lang="en-US" sz="1900" kern="1200" dirty="0"/>
-            <a:t>Selects a random feature to update</a:t>
-          </a:r>
-        </a:p>
-      </dsp:txBody>
-      <dsp:txXfrm rot="-5400000">
-        <a:off x="3621024" y="2042557"/>
-        <a:ext cx="6401783" cy="657930"/>
-      </dsp:txXfrm>
-    </dsp:sp>
-    <dsp:sp modelId="{915A2548-4434-4D62-8DED-FADECE7A6382}">
-      <dsp:nvSpPr>
-        <dsp:cNvPr id="0" name=""/>
-        <dsp:cNvSpPr/>
-      </dsp:nvSpPr>
-      <dsp:spPr>
-        <a:xfrm>
-          <a:off x="0" y="1915824"/>
-          <a:ext cx="3621024" cy="911395"/>
-        </a:xfrm>
-        <a:prstGeom prst="roundRect">
-          <a:avLst/>
-        </a:prstGeom>
-        <a:solidFill>
-          <a:schemeClr val="accent2">
-            <a:hueOff val="26025"/>
-            <a:satOff val="-17917"/>
-            <a:lumOff val="-4575"/>
-            <a:alphaOff val="0"/>
-          </a:schemeClr>
-        </a:solidFill>
-        <a:ln w="15875" cap="flat" cmpd="sng" algn="ctr">
-          <a:solidFill>
-            <a:schemeClr val="lt1">
-              <a:hueOff val="0"/>
-              <a:satOff val="0"/>
-              <a:lumOff val="0"/>
-              <a:alphaOff val="0"/>
-            </a:schemeClr>
-          </a:solidFill>
-          <a:prstDash val="solid"/>
-        </a:ln>
-        <a:effectLst/>
-      </dsp:spPr>
-      <dsp:style>
-        <a:lnRef idx="2">
-          <a:scrgbClr r="0" g="0" b="0"/>
-        </a:lnRef>
-        <a:fillRef idx="1">
-          <a:scrgbClr r="0" g="0" b="0"/>
-        </a:fillRef>
-        <a:effectRef idx="0">
-          <a:scrgbClr r="0" g="0" b="0"/>
-        </a:effectRef>
-        <a:fontRef idx="minor">
-          <a:schemeClr val="lt1"/>
-        </a:fontRef>
-      </dsp:style>
-      <dsp:txBody>
-        <a:bodyPr spcFirstLastPara="0" vert="horz" wrap="square" lIns="110490" tIns="55245" rIns="110490" bIns="55245" numCol="1" spcCol="1270" anchor="ctr" anchorCtr="0">
-          <a:noAutofit/>
-        </a:bodyPr>
-        <a:lstStyle/>
-        <a:p>
-          <a:pPr marL="0" lvl="0" indent="0" algn="ctr" defTabSz="1289050">
-            <a:lnSpc>
-              <a:spcPct val="90000"/>
-            </a:lnSpc>
-            <a:spcBef>
-              <a:spcPct val="0"/>
-            </a:spcBef>
-            <a:spcAft>
-              <a:spcPct val="35000"/>
-            </a:spcAft>
-            <a:buNone/>
-          </a:pPr>
-          <a:r>
-            <a:rPr lang="en-US" sz="2900" kern="1200" dirty="0"/>
-            <a:t>Random State = 4</a:t>
-          </a:r>
-        </a:p>
-      </dsp:txBody>
-      <dsp:txXfrm>
-        <a:off x="44491" y="1960315"/>
-        <a:ext cx="3532042" cy="822413"/>
-      </dsp:txXfrm>
-    </dsp:sp>
-    <dsp:sp modelId="{0CB656AE-B972-405E-9926-D064451808FD}">
-      <dsp:nvSpPr>
-        <dsp:cNvPr id="0" name=""/>
-        <dsp:cNvSpPr/>
-      </dsp:nvSpPr>
-      <dsp:spPr>
-        <a:xfrm rot="5400000">
-          <a:off x="6475153" y="109799"/>
-          <a:ext cx="729116" cy="6437376"/>
+          <a:off x="6100982" y="-356065"/>
+          <a:ext cx="1477458" cy="6437376"/>
         </a:xfrm>
         <a:prstGeom prst="round2SameRect">
           <a:avLst/>
@@ -12263,12 +11226,12 @@
         <a:fontRef idx="minor"/>
       </dsp:style>
       <dsp:txBody>
-        <a:bodyPr spcFirstLastPara="0" vert="horz" wrap="square" lIns="72390" tIns="36195" rIns="72390" bIns="36195" numCol="1" spcCol="1270" anchor="ctr" anchorCtr="0">
+        <a:bodyPr spcFirstLastPara="0" vert="horz" wrap="square" lIns="160020" tIns="80010" rIns="160020" bIns="80010" numCol="1" spcCol="1270" anchor="ctr" anchorCtr="0">
           <a:noAutofit/>
         </a:bodyPr>
         <a:lstStyle/>
         <a:p>
-          <a:pPr marL="171450" lvl="1" indent="-171450" algn="l" defTabSz="844550">
+          <a:pPr marL="285750" lvl="1" indent="-285750" algn="l" defTabSz="1866900">
             <a:lnSpc>
               <a:spcPct val="90000"/>
             </a:lnSpc>
@@ -12281,25 +11244,25 @@
             <a:buChar char="•"/>
           </a:pPr>
           <a:r>
-            <a:rPr lang="en-US" sz="1900" kern="1200" dirty="0"/>
-            <a:t>Updates a random coefficient every iteration</a:t>
+            <a:rPr lang="en-US" sz="4200" kern="1200" dirty="0"/>
+            <a:t>Stopping point for optimization</a:t>
           </a:r>
         </a:p>
       </dsp:txBody>
       <dsp:txXfrm rot="-5400000">
-        <a:off x="3621024" y="2999522"/>
-        <a:ext cx="6401783" cy="657930"/>
+        <a:off x="3621023" y="2196018"/>
+        <a:ext cx="6365252" cy="1333210"/>
       </dsp:txXfrm>
     </dsp:sp>
-    <dsp:sp modelId="{C6D518DA-8C3C-4F54-890D-7DEEF7BD585D}">
+    <dsp:sp modelId="{FD699906-6852-46B0-9438-E75740076D22}">
       <dsp:nvSpPr>
         <dsp:cNvPr id="0" name=""/>
         <dsp:cNvSpPr/>
       </dsp:nvSpPr>
       <dsp:spPr>
         <a:xfrm>
-          <a:off x="0" y="2872789"/>
-          <a:ext cx="3621024" cy="911395"/>
+          <a:off x="0" y="1939210"/>
+          <a:ext cx="3621024" cy="1846823"/>
         </a:xfrm>
         <a:prstGeom prst="roundRect">
           <a:avLst/>
@@ -12340,12 +11303,12 @@
         </a:fontRef>
       </dsp:style>
       <dsp:txBody>
-        <a:bodyPr spcFirstLastPara="0" vert="horz" wrap="square" lIns="110490" tIns="55245" rIns="110490" bIns="55245" numCol="1" spcCol="1270" anchor="ctr" anchorCtr="0">
+        <a:bodyPr spcFirstLastPara="0" vert="horz" wrap="square" lIns="198120" tIns="99060" rIns="198120" bIns="99060" numCol="1" spcCol="1270" anchor="ctr" anchorCtr="0">
           <a:noAutofit/>
         </a:bodyPr>
         <a:lstStyle/>
         <a:p>
-          <a:pPr marL="0" lvl="0" indent="0" algn="ctr" defTabSz="1289050">
+          <a:pPr marL="0" lvl="0" indent="0" algn="ctr" defTabSz="2311400">
             <a:lnSpc>
               <a:spcPct val="90000"/>
             </a:lnSpc>
@@ -12358,14 +11321,14 @@
             <a:buNone/>
           </a:pPr>
           <a:r>
-            <a:rPr lang="en-US" sz="2900" kern="1200" dirty="0"/>
-            <a:t>Selection = “random”</a:t>
+            <a:rPr lang="en-US" sz="5200" kern="1200" dirty="0"/>
+            <a:t>Tol = 0.01</a:t>
           </a:r>
         </a:p>
       </dsp:txBody>
       <dsp:txXfrm>
-        <a:off x="44491" y="2917280"/>
-        <a:ext cx="3532042" cy="822413"/>
+        <a:off x="90154" y="2029364"/>
+        <a:ext cx="3440716" cy="1666515"/>
       </dsp:txXfrm>
     </dsp:sp>
   </dsp:spTree>
@@ -12387,8 +11350,8 @@
       </dsp:nvSpPr>
       <dsp:spPr>
         <a:xfrm>
-          <a:off x="0" y="212121"/>
-          <a:ext cx="6797675" cy="1233179"/>
+          <a:off x="0" y="61055"/>
+          <a:ext cx="6797675" cy="887445"/>
         </a:xfrm>
         <a:prstGeom prst="roundRect">
           <a:avLst/>
@@ -12429,12 +11392,12 @@
         </a:fontRef>
       </dsp:style>
       <dsp:txBody>
-        <a:bodyPr spcFirstLastPara="0" vert="horz" wrap="square" lIns="118110" tIns="118110" rIns="118110" bIns="118110" numCol="1" spcCol="1270" anchor="ctr" anchorCtr="0">
+        <a:bodyPr spcFirstLastPara="0" vert="horz" wrap="square" lIns="140970" tIns="140970" rIns="140970" bIns="140970" numCol="1" spcCol="1270" anchor="ctr" anchorCtr="0">
           <a:noAutofit/>
         </a:bodyPr>
         <a:lstStyle/>
         <a:p>
-          <a:pPr marL="0" lvl="0" indent="0" algn="l" defTabSz="1377950">
+          <a:pPr marL="0" lvl="0" indent="0" algn="l" defTabSz="1644650">
             <a:lnSpc>
               <a:spcPct val="90000"/>
             </a:lnSpc>
@@ -12447,14 +11410,14 @@
             <a:buNone/>
           </a:pPr>
           <a:r>
-            <a:rPr lang="en-US" sz="3100" kern="1200"/>
-            <a:t>Able to return probabilities of classifications</a:t>
+            <a:rPr lang="en-US" sz="3700" kern="1200" dirty="0"/>
+            <a:t>Feature Selection/Regularization</a:t>
           </a:r>
         </a:p>
       </dsp:txBody>
       <dsp:txXfrm>
-        <a:off x="60199" y="272320"/>
-        <a:ext cx="6677277" cy="1112781"/>
+        <a:off x="43321" y="104376"/>
+        <a:ext cx="6711033" cy="800803"/>
       </dsp:txXfrm>
     </dsp:sp>
     <dsp:sp modelId="{BBA7B824-6662-4ED6-BC62-9BD7BBE075D1}">
@@ -12464,8 +11427,8 @@
       </dsp:nvSpPr>
       <dsp:spPr>
         <a:xfrm>
-          <a:off x="0" y="1445301"/>
-          <a:ext cx="6797675" cy="1572165"/>
+          <a:off x="0" y="948501"/>
+          <a:ext cx="6797675" cy="1838160"/>
         </a:xfrm>
         <a:prstGeom prst="rect">
           <a:avLst/>
@@ -12489,12 +11452,12 @@
         <a:fontRef idx="minor"/>
       </dsp:style>
       <dsp:txBody>
-        <a:bodyPr spcFirstLastPara="0" vert="horz" wrap="square" lIns="215826" tIns="39370" rIns="220472" bIns="39370" numCol="1" spcCol="1270" anchor="t" anchorCtr="0">
+        <a:bodyPr spcFirstLastPara="0" vert="horz" wrap="square" lIns="215826" tIns="46990" rIns="263144" bIns="46990" numCol="1" spcCol="1270" anchor="t" anchorCtr="0">
           <a:noAutofit/>
         </a:bodyPr>
         <a:lstStyle/>
         <a:p>
-          <a:pPr marL="228600" lvl="1" indent="-228600" algn="l" defTabSz="1066800">
+          <a:pPr marL="285750" lvl="1" indent="-285750" algn="l" defTabSz="1289050">
             <a:lnSpc>
               <a:spcPct val="90000"/>
             </a:lnSpc>
@@ -12507,12 +11470,12 @@
             <a:buChar char="•"/>
           </a:pPr>
           <a:r>
-            <a:rPr lang="en-US" sz="2400" kern="1200"/>
-            <a:t>Scoring using AUC (Area Under the Curve)</a:t>
+            <a:rPr lang="en-US" sz="2900" kern="1200" dirty="0"/>
+            <a:t>Lasso Regression takes advantage of feature selection</a:t>
           </a:r>
         </a:p>
         <a:p>
-          <a:pPr marL="457200" lvl="2" indent="-228600" algn="l" defTabSz="1066800">
+          <a:pPr marL="285750" lvl="1" indent="-285750" algn="l" defTabSz="1289050">
             <a:lnSpc>
               <a:spcPct val="90000"/>
             </a:lnSpc>
@@ -12525,32 +11488,14 @@
             <a:buChar char="•"/>
           </a:pPr>
           <a:r>
-            <a:rPr lang="en-US" sz="2400" kern="1200"/>
-            <a:t>probabilities minimize penalty for wrong prediction</a:t>
-          </a:r>
-        </a:p>
-        <a:p>
-          <a:pPr marL="228600" lvl="1" indent="-228600" algn="l" defTabSz="1066800">
-            <a:lnSpc>
-              <a:spcPct val="90000"/>
-            </a:lnSpc>
-            <a:spcBef>
-              <a:spcPct val="0"/>
-            </a:spcBef>
-            <a:spcAft>
-              <a:spcPct val="20000"/>
-            </a:spcAft>
-            <a:buChar char="•"/>
-          </a:pPr>
-          <a:r>
-            <a:rPr lang="en-US" sz="2400" kern="1200"/>
-            <a:t>Lasso Regression is unable to return probabilities</a:t>
+            <a:rPr lang="en-US" sz="2900" kern="1200" dirty="0"/>
+            <a:t>Logarithmic and MLP do not innately have feature selection</a:t>
           </a:r>
         </a:p>
       </dsp:txBody>
       <dsp:txXfrm>
-        <a:off x="0" y="1445301"/>
-        <a:ext cx="6797675" cy="1572165"/>
+        <a:off x="0" y="948501"/>
+        <a:ext cx="6797675" cy="1838160"/>
       </dsp:txXfrm>
     </dsp:sp>
     <dsp:sp modelId="{17547503-51F1-42F9-B1DC-91333663904D}">
@@ -12560,8 +11505,8 @@
       </dsp:nvSpPr>
       <dsp:spPr>
         <a:xfrm>
-          <a:off x="0" y="3017466"/>
-          <a:ext cx="6797675" cy="1233179"/>
+          <a:off x="0" y="2786661"/>
+          <a:ext cx="6797675" cy="887445"/>
         </a:xfrm>
         <a:prstGeom prst="roundRect">
           <a:avLst/>
@@ -12602,12 +11547,12 @@
         </a:fontRef>
       </dsp:style>
       <dsp:txBody>
-        <a:bodyPr spcFirstLastPara="0" vert="horz" wrap="square" lIns="118110" tIns="118110" rIns="118110" bIns="118110" numCol="1" spcCol="1270" anchor="ctr" anchorCtr="0">
+        <a:bodyPr spcFirstLastPara="0" vert="horz" wrap="square" lIns="140970" tIns="140970" rIns="140970" bIns="140970" numCol="1" spcCol="1270" anchor="ctr" anchorCtr="0">
           <a:noAutofit/>
         </a:bodyPr>
         <a:lstStyle/>
         <a:p>
-          <a:pPr marL="0" lvl="0" indent="0" algn="l" defTabSz="1377950">
+          <a:pPr marL="0" lvl="0" indent="0" algn="l" defTabSz="1644650">
             <a:lnSpc>
               <a:spcPct val="90000"/>
             </a:lnSpc>
@@ -12620,14 +11565,14 @@
             <a:buNone/>
           </a:pPr>
           <a:r>
-            <a:rPr lang="en-US" sz="3100" kern="1200"/>
-            <a:t>Tied with MLP Classifier</a:t>
+            <a:rPr lang="en-US" sz="3700" kern="1200" dirty="0"/>
+            <a:t>Key Advantages</a:t>
           </a:r>
         </a:p>
       </dsp:txBody>
       <dsp:txXfrm>
-        <a:off x="60199" y="3077665"/>
-        <a:ext cx="6677277" cy="1112781"/>
+        <a:off x="43321" y="2829982"/>
+        <a:ext cx="6711033" cy="800803"/>
       </dsp:txXfrm>
     </dsp:sp>
     <dsp:sp modelId="{3EFB3FD4-B47D-4E88-AD40-C028D4BCCD44}">
@@ -12637,8 +11582,8 @@
       </dsp:nvSpPr>
       <dsp:spPr>
         <a:xfrm>
-          <a:off x="0" y="4250646"/>
-          <a:ext cx="6797675" cy="1187145"/>
+          <a:off x="0" y="3674106"/>
+          <a:ext cx="6797675" cy="1914750"/>
         </a:xfrm>
         <a:prstGeom prst="rect">
           <a:avLst/>
@@ -12662,12 +11607,12 @@
         <a:fontRef idx="minor"/>
       </dsp:style>
       <dsp:txBody>
-        <a:bodyPr spcFirstLastPara="0" vert="horz" wrap="square" lIns="215826" tIns="39370" rIns="220472" bIns="39370" numCol="1" spcCol="1270" anchor="t" anchorCtr="0">
+        <a:bodyPr spcFirstLastPara="0" vert="horz" wrap="square" lIns="215826" tIns="46990" rIns="263144" bIns="46990" numCol="1" spcCol="1270" anchor="t" anchorCtr="0">
           <a:noAutofit/>
         </a:bodyPr>
         <a:lstStyle/>
         <a:p>
-          <a:pPr marL="228600" lvl="1" indent="-228600" algn="l" defTabSz="1066800">
+          <a:pPr marL="285750" lvl="1" indent="-285750" algn="l" defTabSz="1289050">
             <a:lnSpc>
               <a:spcPct val="90000"/>
             </a:lnSpc>
@@ -12680,12 +11625,12 @@
             <a:buChar char="•"/>
           </a:pPr>
           <a:r>
-            <a:rPr lang="en-US" sz="2400" kern="1200"/>
-            <a:t>Logistic Regression is simpler and less resource intensive</a:t>
+            <a:rPr lang="en-US" sz="2900" kern="1200" dirty="0"/>
+            <a:t>Reduces overfitting by eliminating irrelevant variables</a:t>
           </a:r>
         </a:p>
         <a:p>
-          <a:pPr marL="228600" lvl="1" indent="-228600" algn="l" defTabSz="1066800">
+          <a:pPr marL="285750" lvl="1" indent="-285750" algn="l" defTabSz="1289050">
             <a:lnSpc>
               <a:spcPct val="90000"/>
             </a:lnSpc>
@@ -12698,14 +11643,32 @@
             <a:buChar char="•"/>
           </a:pPr>
           <a:r>
-            <a:rPr lang="en-US" sz="2400" kern="1200"/>
-            <a:t>Less likely to overfit data</a:t>
+            <a:rPr lang="en-US" sz="2900" kern="1200" dirty="0"/>
+            <a:t>Good for large features/small # of data</a:t>
+          </a:r>
+        </a:p>
+        <a:p>
+          <a:pPr marL="285750" lvl="1" indent="-285750" algn="l" defTabSz="1289050">
+            <a:lnSpc>
+              <a:spcPct val="90000"/>
+            </a:lnSpc>
+            <a:spcBef>
+              <a:spcPct val="0"/>
+            </a:spcBef>
+            <a:spcAft>
+              <a:spcPct val="20000"/>
+            </a:spcAft>
+            <a:buChar char="•"/>
+          </a:pPr>
+          <a:r>
+            <a:rPr lang="en-US" sz="2900" kern="1200" dirty="0"/>
+            <a:t>Not Resource intensive</a:t>
           </a:r>
         </a:p>
       </dsp:txBody>
       <dsp:txXfrm>
-        <a:off x="0" y="4250646"/>
-        <a:ext cx="6797675" cy="1187145"/>
+        <a:off x="0" y="3674106"/>
+        <a:ext cx="6797675" cy="1914750"/>
       </dsp:txXfrm>
     </dsp:sp>
   </dsp:spTree>
@@ -12713,673 +11676,6 @@
 </file>
 
 <file path=ppt/diagrams/drawing6.xml><?xml version="1.0" encoding="utf-8"?>
-<dsp:drawing xmlns:dgm="http://schemas.openxmlformats.org/drawingml/2006/diagram" xmlns:dsp="http://schemas.microsoft.com/office/drawing/2008/diagram" xmlns:a="http://schemas.openxmlformats.org/drawingml/2006/main">
-  <dsp:spTree>
-    <dsp:nvGrpSpPr>
-      <dsp:cNvPr id="0" name=""/>
-      <dsp:cNvGrpSpPr/>
-    </dsp:nvGrpSpPr>
-    <dsp:grpSpPr/>
-    <dsp:sp modelId="{7FE38C19-5E1D-4CE1-BB70-B050515E3021}">
-      <dsp:nvSpPr>
-        <dsp:cNvPr id="0" name=""/>
-        <dsp:cNvSpPr/>
-      </dsp:nvSpPr>
-      <dsp:spPr>
-        <a:xfrm rot="5400000">
-          <a:off x="6475153" y="-2761095"/>
-          <a:ext cx="729116" cy="6437376"/>
-        </a:xfrm>
-        <a:prstGeom prst="round2SameRect">
-          <a:avLst/>
-        </a:prstGeom>
-        <a:solidFill>
-          <a:schemeClr val="accent2">
-            <a:tint val="40000"/>
-            <a:alpha val="90000"/>
-            <a:hueOff val="0"/>
-            <a:satOff val="0"/>
-            <a:lumOff val="0"/>
-            <a:alphaOff val="0"/>
-          </a:schemeClr>
-        </a:solidFill>
-        <a:ln w="15875" cap="flat" cmpd="sng" algn="ctr">
-          <a:solidFill>
-            <a:schemeClr val="accent2">
-              <a:tint val="40000"/>
-              <a:alpha val="90000"/>
-              <a:hueOff val="0"/>
-              <a:satOff val="0"/>
-              <a:lumOff val="0"/>
-              <a:alphaOff val="0"/>
-            </a:schemeClr>
-          </a:solidFill>
-          <a:prstDash val="solid"/>
-        </a:ln>
-        <a:effectLst/>
-      </dsp:spPr>
-      <dsp:style>
-        <a:lnRef idx="2">
-          <a:scrgbClr r="0" g="0" b="0"/>
-        </a:lnRef>
-        <a:fillRef idx="1">
-          <a:scrgbClr r="0" g="0" b="0"/>
-        </a:fillRef>
-        <a:effectRef idx="0">
-          <a:scrgbClr r="0" g="0" b="0"/>
-        </a:effectRef>
-        <a:fontRef idx="minor"/>
-      </dsp:style>
-      <dsp:txBody>
-        <a:bodyPr spcFirstLastPara="0" vert="horz" wrap="square" lIns="72390" tIns="36195" rIns="72390" bIns="36195" numCol="1" spcCol="1270" anchor="ctr" anchorCtr="0">
-          <a:noAutofit/>
-        </a:bodyPr>
-        <a:lstStyle/>
-        <a:p>
-          <a:pPr marL="171450" lvl="1" indent="-171450" algn="l" defTabSz="844550">
-            <a:lnSpc>
-              <a:spcPct val="90000"/>
-            </a:lnSpc>
-            <a:spcBef>
-              <a:spcPct val="0"/>
-            </a:spcBef>
-            <a:spcAft>
-              <a:spcPct val="15000"/>
-            </a:spcAft>
-            <a:buChar char="•"/>
-          </a:pPr>
-          <a:r>
-            <a:rPr lang="en-US" sz="1900" kern="1200"/>
-            <a:t>Lower values of C lead to sparser solutions</a:t>
-          </a:r>
-        </a:p>
-        <a:p>
-          <a:pPr marL="171450" lvl="1" indent="-171450" algn="l" defTabSz="844550">
-            <a:lnSpc>
-              <a:spcPct val="90000"/>
-            </a:lnSpc>
-            <a:spcBef>
-              <a:spcPct val="0"/>
-            </a:spcBef>
-            <a:spcAft>
-              <a:spcPct val="15000"/>
-            </a:spcAft>
-            <a:buChar char="•"/>
-          </a:pPr>
-          <a:r>
-            <a:rPr lang="en-US" sz="1900" kern="1200"/>
-            <a:t>L1 penalty sparser than L2</a:t>
-          </a:r>
-        </a:p>
-      </dsp:txBody>
-      <dsp:txXfrm rot="-5400000">
-        <a:off x="3621024" y="128627"/>
-        <a:ext cx="6401783" cy="657930"/>
-      </dsp:txXfrm>
-    </dsp:sp>
-    <dsp:sp modelId="{B976DC7D-4135-4E72-A3BF-A8912CBA41E1}">
-      <dsp:nvSpPr>
-        <dsp:cNvPr id="0" name=""/>
-        <dsp:cNvSpPr/>
-      </dsp:nvSpPr>
-      <dsp:spPr>
-        <a:xfrm>
-          <a:off x="0" y="1894"/>
-          <a:ext cx="3621024" cy="911395"/>
-        </a:xfrm>
-        <a:prstGeom prst="roundRect">
-          <a:avLst/>
-        </a:prstGeom>
-        <a:solidFill>
-          <a:schemeClr val="accent2">
-            <a:hueOff val="0"/>
-            <a:satOff val="0"/>
-            <a:lumOff val="0"/>
-            <a:alphaOff val="0"/>
-          </a:schemeClr>
-        </a:solidFill>
-        <a:ln w="15875" cap="flat" cmpd="sng" algn="ctr">
-          <a:solidFill>
-            <a:schemeClr val="lt1">
-              <a:hueOff val="0"/>
-              <a:satOff val="0"/>
-              <a:lumOff val="0"/>
-              <a:alphaOff val="0"/>
-            </a:schemeClr>
-          </a:solidFill>
-          <a:prstDash val="solid"/>
-        </a:ln>
-        <a:effectLst/>
-      </dsp:spPr>
-      <dsp:style>
-        <a:lnRef idx="2">
-          <a:scrgbClr r="0" g="0" b="0"/>
-        </a:lnRef>
-        <a:fillRef idx="1">
-          <a:scrgbClr r="0" g="0" b="0"/>
-        </a:fillRef>
-        <a:effectRef idx="0">
-          <a:scrgbClr r="0" g="0" b="0"/>
-        </a:effectRef>
-        <a:fontRef idx="minor">
-          <a:schemeClr val="lt1"/>
-        </a:fontRef>
-      </dsp:style>
-      <dsp:txBody>
-        <a:bodyPr spcFirstLastPara="0" vert="horz" wrap="square" lIns="95250" tIns="47625" rIns="95250" bIns="47625" numCol="1" spcCol="1270" anchor="ctr" anchorCtr="0">
-          <a:noAutofit/>
-        </a:bodyPr>
-        <a:lstStyle/>
-        <a:p>
-          <a:pPr marL="0" lvl="0" indent="0" algn="ctr" defTabSz="1111250">
-            <a:lnSpc>
-              <a:spcPct val="90000"/>
-            </a:lnSpc>
-            <a:spcBef>
-              <a:spcPct val="0"/>
-            </a:spcBef>
-            <a:spcAft>
-              <a:spcPct val="35000"/>
-            </a:spcAft>
-            <a:buNone/>
-          </a:pPr>
-          <a:r>
-            <a:rPr lang="en-US" sz="2500" kern="1200"/>
-            <a:t>Penalty = “L1”, C =.2</a:t>
-          </a:r>
-        </a:p>
-      </dsp:txBody>
-      <dsp:txXfrm>
-        <a:off x="44491" y="46385"/>
-        <a:ext cx="3532042" cy="822413"/>
-      </dsp:txXfrm>
-    </dsp:sp>
-    <dsp:sp modelId="{79CA73BC-09E8-4230-8F38-FDB274B1A3D4}">
-      <dsp:nvSpPr>
-        <dsp:cNvPr id="0" name=""/>
-        <dsp:cNvSpPr/>
-      </dsp:nvSpPr>
-      <dsp:spPr>
-        <a:xfrm rot="5400000">
-          <a:off x="6475153" y="-1804130"/>
-          <a:ext cx="729116" cy="6437376"/>
-        </a:xfrm>
-        <a:prstGeom prst="round2SameRect">
-          <a:avLst/>
-        </a:prstGeom>
-        <a:solidFill>
-          <a:schemeClr val="accent2">
-            <a:tint val="40000"/>
-            <a:alpha val="90000"/>
-            <a:hueOff val="82399"/>
-            <a:satOff val="-7939"/>
-            <a:lumOff val="-837"/>
-            <a:alphaOff val="0"/>
-          </a:schemeClr>
-        </a:solidFill>
-        <a:ln w="15875" cap="flat" cmpd="sng" algn="ctr">
-          <a:solidFill>
-            <a:schemeClr val="accent2">
-              <a:tint val="40000"/>
-              <a:alpha val="90000"/>
-              <a:hueOff val="82399"/>
-              <a:satOff val="-7939"/>
-              <a:lumOff val="-837"/>
-              <a:alphaOff val="0"/>
-            </a:schemeClr>
-          </a:solidFill>
-          <a:prstDash val="solid"/>
-        </a:ln>
-        <a:effectLst/>
-      </dsp:spPr>
-      <dsp:style>
-        <a:lnRef idx="2">
-          <a:scrgbClr r="0" g="0" b="0"/>
-        </a:lnRef>
-        <a:fillRef idx="1">
-          <a:scrgbClr r="0" g="0" b="0"/>
-        </a:fillRef>
-        <a:effectRef idx="0">
-          <a:scrgbClr r="0" g="0" b="0"/>
-        </a:effectRef>
-        <a:fontRef idx="minor"/>
-      </dsp:style>
-      <dsp:txBody>
-        <a:bodyPr spcFirstLastPara="0" vert="horz" wrap="square" lIns="72390" tIns="36195" rIns="72390" bIns="36195" numCol="1" spcCol="1270" anchor="ctr" anchorCtr="0">
-          <a:noAutofit/>
-        </a:bodyPr>
-        <a:lstStyle/>
-        <a:p>
-          <a:pPr marL="171450" lvl="1" indent="-171450" algn="l" defTabSz="844550">
-            <a:lnSpc>
-              <a:spcPct val="90000"/>
-            </a:lnSpc>
-            <a:spcBef>
-              <a:spcPct val="0"/>
-            </a:spcBef>
-            <a:spcAft>
-              <a:spcPct val="15000"/>
-            </a:spcAft>
-            <a:buChar char="•"/>
-          </a:pPr>
-          <a:r>
-            <a:rPr lang="en-US" sz="1900" kern="1200"/>
-            <a:t>Behaves as a multiclass classifier (separate binary classifiers are trained for all classes)</a:t>
-          </a:r>
-          <a:r>
-            <a:rPr lang="en-US" sz="1900" kern="1200" baseline="30000"/>
-            <a:t> 2</a:t>
-          </a:r>
-          <a:endParaRPr lang="en-US" sz="1900" kern="1200"/>
-        </a:p>
-      </dsp:txBody>
-      <dsp:txXfrm rot="-5400000">
-        <a:off x="3621024" y="1085592"/>
-        <a:ext cx="6401783" cy="657930"/>
-      </dsp:txXfrm>
-    </dsp:sp>
-    <dsp:sp modelId="{FD699906-6852-46B0-9438-E75740076D22}">
-      <dsp:nvSpPr>
-        <dsp:cNvPr id="0" name=""/>
-        <dsp:cNvSpPr/>
-      </dsp:nvSpPr>
-      <dsp:spPr>
-        <a:xfrm>
-          <a:off x="0" y="958859"/>
-          <a:ext cx="3621024" cy="911395"/>
-        </a:xfrm>
-        <a:prstGeom prst="roundRect">
-          <a:avLst/>
-        </a:prstGeom>
-        <a:solidFill>
-          <a:schemeClr val="accent2">
-            <a:hueOff val="13013"/>
-            <a:satOff val="-8959"/>
-            <a:lumOff val="-2288"/>
-            <a:alphaOff val="0"/>
-          </a:schemeClr>
-        </a:solidFill>
-        <a:ln w="15875" cap="flat" cmpd="sng" algn="ctr">
-          <a:solidFill>
-            <a:schemeClr val="lt1">
-              <a:hueOff val="0"/>
-              <a:satOff val="0"/>
-              <a:lumOff val="0"/>
-              <a:alphaOff val="0"/>
-            </a:schemeClr>
-          </a:solidFill>
-          <a:prstDash val="solid"/>
-        </a:ln>
-        <a:effectLst/>
-      </dsp:spPr>
-      <dsp:style>
-        <a:lnRef idx="2">
-          <a:scrgbClr r="0" g="0" b="0"/>
-        </a:lnRef>
-        <a:fillRef idx="1">
-          <a:scrgbClr r="0" g="0" b="0"/>
-        </a:fillRef>
-        <a:effectRef idx="0">
-          <a:scrgbClr r="0" g="0" b="0"/>
-        </a:effectRef>
-        <a:fontRef idx="minor">
-          <a:schemeClr val="lt1"/>
-        </a:fontRef>
-      </dsp:style>
-      <dsp:txBody>
-        <a:bodyPr spcFirstLastPara="0" vert="horz" wrap="square" lIns="95250" tIns="47625" rIns="95250" bIns="47625" numCol="1" spcCol="1270" anchor="ctr" anchorCtr="0">
-          <a:noAutofit/>
-        </a:bodyPr>
-        <a:lstStyle/>
-        <a:p>
-          <a:pPr marL="0" lvl="0" indent="0" algn="ctr" defTabSz="1111250">
-            <a:lnSpc>
-              <a:spcPct val="90000"/>
-            </a:lnSpc>
-            <a:spcBef>
-              <a:spcPct val="0"/>
-            </a:spcBef>
-            <a:spcAft>
-              <a:spcPct val="35000"/>
-            </a:spcAft>
-            <a:buNone/>
-          </a:pPr>
-          <a:r>
-            <a:rPr lang="en-US" sz="2500" kern="1200" dirty="0"/>
-            <a:t>Solver = “</a:t>
-          </a:r>
-          <a:r>
-            <a:rPr lang="en-US" sz="2500" kern="1200" dirty="0" err="1"/>
-            <a:t>liblinear</a:t>
-          </a:r>
-          <a:r>
-            <a:rPr lang="en-US" sz="2500" kern="1200" dirty="0"/>
-            <a:t>”</a:t>
-          </a:r>
-        </a:p>
-      </dsp:txBody>
-      <dsp:txXfrm>
-        <a:off x="44491" y="1003350"/>
-        <a:ext cx="3532042" cy="822413"/>
-      </dsp:txXfrm>
-    </dsp:sp>
-    <dsp:sp modelId="{744F2C29-8D2F-4CF6-880C-4A0744C935FA}">
-      <dsp:nvSpPr>
-        <dsp:cNvPr id="0" name=""/>
-        <dsp:cNvSpPr/>
-      </dsp:nvSpPr>
-      <dsp:spPr>
-        <a:xfrm rot="5400000">
-          <a:off x="6475153" y="-847165"/>
-          <a:ext cx="729116" cy="6437376"/>
-        </a:xfrm>
-        <a:prstGeom prst="round2SameRect">
-          <a:avLst/>
-        </a:prstGeom>
-        <a:solidFill>
-          <a:schemeClr val="accent2">
-            <a:tint val="40000"/>
-            <a:alpha val="90000"/>
-            <a:hueOff val="164799"/>
-            <a:satOff val="-15877"/>
-            <a:lumOff val="-1674"/>
-            <a:alphaOff val="0"/>
-          </a:schemeClr>
-        </a:solidFill>
-        <a:ln w="15875" cap="flat" cmpd="sng" algn="ctr">
-          <a:solidFill>
-            <a:schemeClr val="accent2">
-              <a:tint val="40000"/>
-              <a:alpha val="90000"/>
-              <a:hueOff val="164799"/>
-              <a:satOff val="-15877"/>
-              <a:lumOff val="-1674"/>
-              <a:alphaOff val="0"/>
-            </a:schemeClr>
-          </a:solidFill>
-          <a:prstDash val="solid"/>
-        </a:ln>
-        <a:effectLst/>
-      </dsp:spPr>
-      <dsp:style>
-        <a:lnRef idx="2">
-          <a:scrgbClr r="0" g="0" b="0"/>
-        </a:lnRef>
-        <a:fillRef idx="1">
-          <a:scrgbClr r="0" g="0" b="0"/>
-        </a:fillRef>
-        <a:effectRef idx="0">
-          <a:scrgbClr r="0" g="0" b="0"/>
-        </a:effectRef>
-        <a:fontRef idx="minor"/>
-      </dsp:style>
-      <dsp:txBody>
-        <a:bodyPr spcFirstLastPara="0" vert="horz" wrap="square" lIns="72390" tIns="36195" rIns="72390" bIns="36195" numCol="1" spcCol="1270" anchor="ctr" anchorCtr="0">
-          <a:noAutofit/>
-        </a:bodyPr>
-        <a:lstStyle/>
-        <a:p>
-          <a:pPr marL="171450" lvl="1" indent="-171450" algn="l" defTabSz="844550">
-            <a:lnSpc>
-              <a:spcPct val="90000"/>
-            </a:lnSpc>
-            <a:spcBef>
-              <a:spcPct val="0"/>
-            </a:spcBef>
-            <a:spcAft>
-              <a:spcPct val="15000"/>
-            </a:spcAft>
-            <a:buChar char="•"/>
-          </a:pPr>
-          <a:r>
-            <a:rPr lang="en-US" sz="1900" kern="1200"/>
-            <a:t>automatically adjust weights inversely proportional to class frequencies in the input data</a:t>
-          </a:r>
-        </a:p>
-      </dsp:txBody>
-      <dsp:txXfrm rot="-5400000">
-        <a:off x="3621024" y="2042557"/>
-        <a:ext cx="6401783" cy="657930"/>
-      </dsp:txXfrm>
-    </dsp:sp>
-    <dsp:sp modelId="{915A2548-4434-4D62-8DED-FADECE7A6382}">
-      <dsp:nvSpPr>
-        <dsp:cNvPr id="0" name=""/>
-        <dsp:cNvSpPr/>
-      </dsp:nvSpPr>
-      <dsp:spPr>
-        <a:xfrm>
-          <a:off x="0" y="1915824"/>
-          <a:ext cx="3621024" cy="911395"/>
-        </a:xfrm>
-        <a:prstGeom prst="roundRect">
-          <a:avLst/>
-        </a:prstGeom>
-        <a:solidFill>
-          <a:schemeClr val="accent2">
-            <a:hueOff val="26025"/>
-            <a:satOff val="-17917"/>
-            <a:lumOff val="-4575"/>
-            <a:alphaOff val="0"/>
-          </a:schemeClr>
-        </a:solidFill>
-        <a:ln w="15875" cap="flat" cmpd="sng" algn="ctr">
-          <a:solidFill>
-            <a:schemeClr val="lt1">
-              <a:hueOff val="0"/>
-              <a:satOff val="0"/>
-              <a:lumOff val="0"/>
-              <a:alphaOff val="0"/>
-            </a:schemeClr>
-          </a:solidFill>
-          <a:prstDash val="solid"/>
-        </a:ln>
-        <a:effectLst/>
-      </dsp:spPr>
-      <dsp:style>
-        <a:lnRef idx="2">
-          <a:scrgbClr r="0" g="0" b="0"/>
-        </a:lnRef>
-        <a:fillRef idx="1">
-          <a:scrgbClr r="0" g="0" b="0"/>
-        </a:fillRef>
-        <a:effectRef idx="0">
-          <a:scrgbClr r="0" g="0" b="0"/>
-        </a:effectRef>
-        <a:fontRef idx="minor">
-          <a:schemeClr val="lt1"/>
-        </a:fontRef>
-      </dsp:style>
-      <dsp:txBody>
-        <a:bodyPr spcFirstLastPara="0" vert="horz" wrap="square" lIns="95250" tIns="47625" rIns="95250" bIns="47625" numCol="1" spcCol="1270" anchor="ctr" anchorCtr="0">
-          <a:noAutofit/>
-        </a:bodyPr>
-        <a:lstStyle/>
-        <a:p>
-          <a:pPr marL="0" lvl="0" indent="0" algn="ctr" defTabSz="1111250">
-            <a:lnSpc>
-              <a:spcPct val="90000"/>
-            </a:lnSpc>
-            <a:spcBef>
-              <a:spcPct val="0"/>
-            </a:spcBef>
-            <a:spcAft>
-              <a:spcPct val="35000"/>
-            </a:spcAft>
-            <a:buNone/>
-          </a:pPr>
-          <a:r>
-            <a:rPr lang="en-US" sz="2500" kern="1200"/>
-            <a:t>Class Weight = “Balanced”</a:t>
-          </a:r>
-        </a:p>
-      </dsp:txBody>
-      <dsp:txXfrm>
-        <a:off x="44491" y="1960315"/>
-        <a:ext cx="3532042" cy="822413"/>
-      </dsp:txXfrm>
-    </dsp:sp>
-    <dsp:sp modelId="{0CB656AE-B972-405E-9926-D064451808FD}">
-      <dsp:nvSpPr>
-        <dsp:cNvPr id="0" name=""/>
-        <dsp:cNvSpPr/>
-      </dsp:nvSpPr>
-      <dsp:spPr>
-        <a:xfrm rot="5400000">
-          <a:off x="6475153" y="109799"/>
-          <a:ext cx="729116" cy="6437376"/>
-        </a:xfrm>
-        <a:prstGeom prst="round2SameRect">
-          <a:avLst/>
-        </a:prstGeom>
-        <a:solidFill>
-          <a:schemeClr val="accent2">
-            <a:tint val="40000"/>
-            <a:alpha val="90000"/>
-            <a:hueOff val="247198"/>
-            <a:satOff val="-23816"/>
-            <a:lumOff val="-2511"/>
-            <a:alphaOff val="0"/>
-          </a:schemeClr>
-        </a:solidFill>
-        <a:ln w="15875" cap="flat" cmpd="sng" algn="ctr">
-          <a:solidFill>
-            <a:schemeClr val="accent2">
-              <a:tint val="40000"/>
-              <a:alpha val="90000"/>
-              <a:hueOff val="247198"/>
-              <a:satOff val="-23816"/>
-              <a:lumOff val="-2511"/>
-              <a:alphaOff val="0"/>
-            </a:schemeClr>
-          </a:solidFill>
-          <a:prstDash val="solid"/>
-        </a:ln>
-        <a:effectLst/>
-      </dsp:spPr>
-      <dsp:style>
-        <a:lnRef idx="2">
-          <a:scrgbClr r="0" g="0" b="0"/>
-        </a:lnRef>
-        <a:fillRef idx="1">
-          <a:scrgbClr r="0" g="0" b="0"/>
-        </a:fillRef>
-        <a:effectRef idx="0">
-          <a:scrgbClr r="0" g="0" b="0"/>
-        </a:effectRef>
-        <a:fontRef idx="minor"/>
-      </dsp:style>
-      <dsp:txBody>
-        <a:bodyPr spcFirstLastPara="0" vert="horz" wrap="square" lIns="72390" tIns="36195" rIns="72390" bIns="36195" numCol="1" spcCol="1270" anchor="ctr" anchorCtr="0">
-          <a:noAutofit/>
-        </a:bodyPr>
-        <a:lstStyle/>
-        <a:p>
-          <a:pPr marL="171450" lvl="1" indent="-171450" algn="l" defTabSz="844550">
-            <a:lnSpc>
-              <a:spcPct val="90000"/>
-            </a:lnSpc>
-            <a:spcBef>
-              <a:spcPct val="0"/>
-            </a:spcBef>
-            <a:spcAft>
-              <a:spcPct val="15000"/>
-            </a:spcAft>
-            <a:buChar char="•"/>
-          </a:pPr>
-          <a:r>
-            <a:rPr lang="en-US" sz="1900" kern="1200"/>
-            <a:t>Intercept is not added into decision function</a:t>
-          </a:r>
-        </a:p>
-      </dsp:txBody>
-      <dsp:txXfrm rot="-5400000">
-        <a:off x="3621024" y="2999522"/>
-        <a:ext cx="6401783" cy="657930"/>
-      </dsp:txXfrm>
-    </dsp:sp>
-    <dsp:sp modelId="{C6D518DA-8C3C-4F54-890D-7DEEF7BD585D}">
-      <dsp:nvSpPr>
-        <dsp:cNvPr id="0" name=""/>
-        <dsp:cNvSpPr/>
-      </dsp:nvSpPr>
-      <dsp:spPr>
-        <a:xfrm>
-          <a:off x="0" y="2872789"/>
-          <a:ext cx="3621024" cy="911395"/>
-        </a:xfrm>
-        <a:prstGeom prst="roundRect">
-          <a:avLst/>
-        </a:prstGeom>
-        <a:solidFill>
-          <a:schemeClr val="accent2">
-            <a:hueOff val="39038"/>
-            <a:satOff val="-26876"/>
-            <a:lumOff val="-6863"/>
-            <a:alphaOff val="0"/>
-          </a:schemeClr>
-        </a:solidFill>
-        <a:ln w="15875" cap="flat" cmpd="sng" algn="ctr">
-          <a:solidFill>
-            <a:schemeClr val="lt1">
-              <a:hueOff val="0"/>
-              <a:satOff val="0"/>
-              <a:lumOff val="0"/>
-              <a:alphaOff val="0"/>
-            </a:schemeClr>
-          </a:solidFill>
-          <a:prstDash val="solid"/>
-        </a:ln>
-        <a:effectLst/>
-      </dsp:spPr>
-      <dsp:style>
-        <a:lnRef idx="2">
-          <a:scrgbClr r="0" g="0" b="0"/>
-        </a:lnRef>
-        <a:fillRef idx="1">
-          <a:scrgbClr r="0" g="0" b="0"/>
-        </a:fillRef>
-        <a:effectRef idx="0">
-          <a:scrgbClr r="0" g="0" b="0"/>
-        </a:effectRef>
-        <a:fontRef idx="minor">
-          <a:schemeClr val="lt1"/>
-        </a:fontRef>
-      </dsp:style>
-      <dsp:txBody>
-        <a:bodyPr spcFirstLastPara="0" vert="horz" wrap="square" lIns="95250" tIns="47625" rIns="95250" bIns="47625" numCol="1" spcCol="1270" anchor="ctr" anchorCtr="0">
-          <a:noAutofit/>
-        </a:bodyPr>
-        <a:lstStyle/>
-        <a:p>
-          <a:pPr marL="0" lvl="0" indent="0" algn="ctr" defTabSz="1111250">
-            <a:lnSpc>
-              <a:spcPct val="90000"/>
-            </a:lnSpc>
-            <a:spcBef>
-              <a:spcPct val="0"/>
-            </a:spcBef>
-            <a:spcAft>
-              <a:spcPct val="35000"/>
-            </a:spcAft>
-            <a:buNone/>
-          </a:pPr>
-          <a:r>
-            <a:rPr lang="en-US" sz="2500" kern="1200"/>
-            <a:t>Fit Intercept = False</a:t>
-          </a:r>
-        </a:p>
-      </dsp:txBody>
-      <dsp:txXfrm>
-        <a:off x="44491" y="2917280"/>
-        <a:ext cx="3532042" cy="822413"/>
-      </dsp:txXfrm>
-    </dsp:sp>
-  </dsp:spTree>
-</dsp:drawing>
-</file>
-
-<file path=ppt/diagrams/drawing7.xml><?xml version="1.0" encoding="utf-8"?>
 <dsp:drawing xmlns:dgm="http://schemas.openxmlformats.org/drawingml/2006/diagram" xmlns:dsp="http://schemas.microsoft.com/office/drawing/2008/diagram" xmlns:a="http://schemas.openxmlformats.org/drawingml/2006/main">
   <dsp:spTree>
     <dsp:nvGrpSpPr>
@@ -13454,8 +11750,8 @@
             <a:buNone/>
           </a:pPr>
           <a:r>
-            <a:rPr lang="en-US" sz="3800" kern="1200"/>
-            <a:t>High Score: .842</a:t>
+            <a:rPr lang="en-US" sz="3800" kern="1200" dirty="0"/>
+            <a:t>High Score: .847</a:t>
           </a:r>
         </a:p>
       </dsp:txBody>
@@ -13591,24 +11887,6 @@
             <a:buChar char="•"/>
           </a:pPr>
           <a:r>
-            <a:rPr lang="en-US" sz="3000" kern="1200"/>
-            <a:t>Logarithmic: .842</a:t>
-          </a:r>
-        </a:p>
-        <a:p>
-          <a:pPr marL="285750" lvl="1" indent="-285750" algn="l" defTabSz="1333500">
-            <a:lnSpc>
-              <a:spcPct val="90000"/>
-            </a:lnSpc>
-            <a:spcBef>
-              <a:spcPct val="0"/>
-            </a:spcBef>
-            <a:spcAft>
-              <a:spcPct val="20000"/>
-            </a:spcAft>
-            <a:buChar char="•"/>
-          </a:pPr>
-          <a:r>
             <a:rPr lang="en-US" sz="3000" kern="1200" dirty="0"/>
             <a:t>Lasso: .847</a:t>
           </a:r>
@@ -13627,8 +11905,26 @@
             <a:buChar char="•"/>
           </a:pPr>
           <a:r>
-            <a:rPr lang="en-US" sz="3000" kern="1200"/>
-            <a:t>MLP: .842</a:t>
+            <a:rPr lang="en-US" sz="3000" kern="1200" dirty="0"/>
+            <a:t>Logistic: .842</a:t>
+          </a:r>
+        </a:p>
+        <a:p>
+          <a:pPr marL="285750" lvl="1" indent="-285750" algn="l" defTabSz="1333500">
+            <a:lnSpc>
+              <a:spcPct val="90000"/>
+            </a:lnSpc>
+            <a:spcBef>
+              <a:spcPct val="0"/>
+            </a:spcBef>
+            <a:spcAft>
+              <a:spcPct val="20000"/>
+            </a:spcAft>
+            <a:buChar char="•"/>
+          </a:pPr>
+          <a:r>
+            <a:rPr lang="en-US" sz="3000" kern="1200" dirty="0"/>
+            <a:t>MLP: .805</a:t>
           </a:r>
         </a:p>
       </dsp:txBody>
@@ -13704,8 +12000,8 @@
             <a:buNone/>
           </a:pPr>
           <a:r>
-            <a:rPr lang="en-US" sz="3800" kern="1200"/>
-            <a:t>Without feature selection:</a:t>
+            <a:rPr lang="en-US" sz="3800" kern="1200" dirty="0"/>
+            <a:t>Combined Models:</a:t>
           </a:r>
         </a:p>
       </dsp:txBody>
@@ -13764,8 +12060,8 @@
             <a:buChar char="•"/>
           </a:pPr>
           <a:r>
-            <a:rPr lang="en-US" sz="3000" kern="1200"/>
-            <a:t>.733 (Lasso, Logarithmic, MLP)</a:t>
+            <a:rPr lang="en-US" sz="3000" kern="1200" dirty="0"/>
+            <a:t>.838 (Lasso, Logarithmic, MLP)</a:t>
           </a:r>
         </a:p>
       </dsp:txBody>
@@ -14703,239 +12999,6 @@
 </file>
 
 <file path=ppt/diagrams/layout6.xml><?xml version="1.0" encoding="utf-8"?>
-<dgm:layoutDef xmlns:dgm="http://schemas.openxmlformats.org/drawingml/2006/diagram" xmlns:a="http://schemas.openxmlformats.org/drawingml/2006/main" uniqueId="urn:microsoft.com/office/officeart/2005/8/layout/vList5">
-  <dgm:title val=""/>
-  <dgm:desc val=""/>
-  <dgm:catLst>
-    <dgm:cat type="list" pri="15000"/>
-    <dgm:cat type="convert" pri="2000"/>
-  </dgm:catLst>
-  <dgm:sampData>
-    <dgm:dataModel>
-      <dgm:ptLst>
-        <dgm:pt modelId="0" type="doc"/>
-        <dgm:pt modelId="1">
-          <dgm:prSet phldr="1"/>
-        </dgm:pt>
-        <dgm:pt modelId="11">
-          <dgm:prSet phldr="1"/>
-        </dgm:pt>
-        <dgm:pt modelId="12">
-          <dgm:prSet phldr="1"/>
-        </dgm:pt>
-        <dgm:pt modelId="2">
-          <dgm:prSet phldr="1"/>
-        </dgm:pt>
-        <dgm:pt modelId="21">
-          <dgm:prSet phldr="1"/>
-        </dgm:pt>
-        <dgm:pt modelId="22">
-          <dgm:prSet phldr="1"/>
-        </dgm:pt>
-        <dgm:pt modelId="3">
-          <dgm:prSet phldr="1"/>
-        </dgm:pt>
-        <dgm:pt modelId="31">
-          <dgm:prSet phldr="1"/>
-        </dgm:pt>
-        <dgm:pt modelId="32">
-          <dgm:prSet phldr="1"/>
-        </dgm:pt>
-      </dgm:ptLst>
-      <dgm:cxnLst>
-        <dgm:cxn modelId="4" srcId="0" destId="1" srcOrd="0" destOrd="0"/>
-        <dgm:cxn modelId="5" srcId="0" destId="2" srcOrd="1" destOrd="0"/>
-        <dgm:cxn modelId="6" srcId="0" destId="3" srcOrd="2" destOrd="0"/>
-        <dgm:cxn modelId="13" srcId="1" destId="11" srcOrd="0" destOrd="0"/>
-        <dgm:cxn modelId="14" srcId="1" destId="12" srcOrd="1" destOrd="0"/>
-        <dgm:cxn modelId="23" srcId="2" destId="21" srcOrd="0" destOrd="0"/>
-        <dgm:cxn modelId="24" srcId="2" destId="22" srcOrd="1" destOrd="0"/>
-        <dgm:cxn modelId="33" srcId="3" destId="31" srcOrd="0" destOrd="0"/>
-        <dgm:cxn modelId="34" srcId="3" destId="32" srcOrd="1" destOrd="0"/>
-      </dgm:cxnLst>
-      <dgm:bg/>
-      <dgm:whole/>
-    </dgm:dataModel>
-  </dgm:sampData>
-  <dgm:styleData>
-    <dgm:dataModel>
-      <dgm:ptLst>
-        <dgm:pt modelId="0" type="doc"/>
-        <dgm:pt modelId="1"/>
-        <dgm:pt modelId="11"/>
-        <dgm:pt modelId="2"/>
-        <dgm:pt modelId="21"/>
-      </dgm:ptLst>
-      <dgm:cxnLst>
-        <dgm:cxn modelId="4" srcId="0" destId="1" srcOrd="0" destOrd="0"/>
-        <dgm:cxn modelId="5" srcId="0" destId="2" srcOrd="1" destOrd="0"/>
-        <dgm:cxn modelId="13" srcId="1" destId="11" srcOrd="0" destOrd="0"/>
-        <dgm:cxn modelId="23" srcId="2" destId="21" srcOrd="0" destOrd="0"/>
-      </dgm:cxnLst>
-      <dgm:bg/>
-      <dgm:whole/>
-    </dgm:dataModel>
-  </dgm:styleData>
-  <dgm:clrData>
-    <dgm:dataModel>
-      <dgm:ptLst>
-        <dgm:pt modelId="0" type="doc"/>
-        <dgm:pt modelId="1"/>
-        <dgm:pt modelId="11"/>
-        <dgm:pt modelId="2"/>
-        <dgm:pt modelId="21"/>
-        <dgm:pt modelId="3"/>
-        <dgm:pt modelId="31"/>
-        <dgm:pt modelId="4"/>
-        <dgm:pt modelId="41"/>
-      </dgm:ptLst>
-      <dgm:cxnLst>
-        <dgm:cxn modelId="5" srcId="0" destId="1" srcOrd="0" destOrd="0"/>
-        <dgm:cxn modelId="6" srcId="0" destId="2" srcOrd="1" destOrd="0"/>
-        <dgm:cxn modelId="7" srcId="0" destId="3" srcOrd="2" destOrd="0"/>
-        <dgm:cxn modelId="8" srcId="0" destId="4" srcOrd="3" destOrd="0"/>
-        <dgm:cxn modelId="13" srcId="1" destId="11" srcOrd="0" destOrd="0"/>
-        <dgm:cxn modelId="23" srcId="2" destId="21" srcOrd="0" destOrd="0"/>
-        <dgm:cxn modelId="33" srcId="3" destId="31" srcOrd="0" destOrd="0"/>
-        <dgm:cxn modelId="43" srcId="4" destId="41" srcOrd="0" destOrd="0"/>
-      </dgm:cxnLst>
-      <dgm:bg/>
-      <dgm:whole/>
-    </dgm:dataModel>
-  </dgm:clrData>
-  <dgm:layoutNode name="Name0">
-    <dgm:varLst>
-      <dgm:dir/>
-      <dgm:animLvl val="lvl"/>
-      <dgm:resizeHandles val="exact"/>
-    </dgm:varLst>
-    <dgm:choose name="Name1">
-      <dgm:if name="Name2" func="var" arg="dir" op="equ" val="norm">
-        <dgm:alg type="lin">
-          <dgm:param type="linDir" val="fromT"/>
-          <dgm:param type="nodeHorzAlign" val="l"/>
-        </dgm:alg>
-      </dgm:if>
-      <dgm:else name="Name3">
-        <dgm:alg type="lin">
-          <dgm:param type="linDir" val="fromT"/>
-          <dgm:param type="nodeHorzAlign" val="r"/>
-        </dgm:alg>
-      </dgm:else>
-    </dgm:choose>
-    <dgm:shape xmlns:r="http://schemas.openxmlformats.org/officeDocument/2006/relationships" r:blip="">
-      <dgm:adjLst/>
-    </dgm:shape>
-    <dgm:presOf/>
-    <dgm:constrLst>
-      <dgm:constr type="h" for="ch" forName="linNode" refType="h"/>
-      <dgm:constr type="w" for="ch" forName="linNode" refType="w"/>
-      <dgm:constr type="h" for="ch" forName="sp" refType="h" fact="0.05"/>
-      <dgm:constr type="primFontSz" for="des" forName="parentText" op="equ" val="65"/>
-      <dgm:constr type="secFontSz" for="des" forName="descendantText" op="equ"/>
-    </dgm:constrLst>
-    <dgm:ruleLst/>
-    <dgm:forEach name="Name4" axis="ch" ptType="node">
-      <dgm:layoutNode name="linNode">
-        <dgm:choose name="Name5">
-          <dgm:if name="Name6" func="var" arg="dir" op="equ" val="norm">
-            <dgm:alg type="lin">
-              <dgm:param type="linDir" val="fromL"/>
-            </dgm:alg>
-          </dgm:if>
-          <dgm:else name="Name7">
-            <dgm:alg type="lin">
-              <dgm:param type="linDir" val="fromR"/>
-            </dgm:alg>
-          </dgm:else>
-        </dgm:choose>
-        <dgm:shape xmlns:r="http://schemas.openxmlformats.org/officeDocument/2006/relationships" r:blip="">
-          <dgm:adjLst/>
-        </dgm:shape>
-        <dgm:presOf/>
-        <dgm:constrLst>
-          <dgm:constr type="w" for="ch" forName="parentText" refType="w" fact="0.36"/>
-          <dgm:constr type="w" for="ch" forName="descendantText" refType="w" fact="0.64"/>
-          <dgm:constr type="h" for="ch" forName="parentText" refType="h"/>
-          <dgm:constr type="h" for="ch" forName="descendantText" refType="h" refFor="ch" refForName="parentText" fact="0.8"/>
-        </dgm:constrLst>
-        <dgm:ruleLst/>
-        <dgm:layoutNode name="parentText">
-          <dgm:varLst>
-            <dgm:chMax val="1"/>
-            <dgm:bulletEnabled val="1"/>
-          </dgm:varLst>
-          <dgm:alg type="tx"/>
-          <dgm:shape xmlns:r="http://schemas.openxmlformats.org/officeDocument/2006/relationships" type="roundRect" r:blip="" zOrderOff="3">
-            <dgm:adjLst/>
-          </dgm:shape>
-          <dgm:presOf axis="self" ptType="node"/>
-          <dgm:constrLst>
-            <dgm:constr type="tMarg" refType="primFontSz" fact="0.15"/>
-            <dgm:constr type="bMarg" refType="primFontSz" fact="0.15"/>
-            <dgm:constr type="lMarg" refType="primFontSz" fact="0.3"/>
-            <dgm:constr type="rMarg" refType="primFontSz" fact="0.3"/>
-          </dgm:constrLst>
-          <dgm:ruleLst>
-            <dgm:rule type="primFontSz" val="5" fact="NaN" max="NaN"/>
-          </dgm:ruleLst>
-        </dgm:layoutNode>
-        <dgm:choose name="Name8">
-          <dgm:if name="Name9" axis="ch" ptType="node" func="cnt" op="gte" val="1">
-            <dgm:layoutNode name="descendantText" styleLbl="alignAccFollowNode1">
-              <dgm:varLst>
-                <dgm:bulletEnabled val="1"/>
-              </dgm:varLst>
-              <dgm:alg type="tx">
-                <dgm:param type="stBulletLvl" val="1"/>
-                <dgm:param type="txAnchorVertCh" val="mid"/>
-              </dgm:alg>
-              <dgm:choose name="Name10">
-                <dgm:if name="Name11" func="var" arg="dir" op="equ" val="norm">
-                  <dgm:shape xmlns:r="http://schemas.openxmlformats.org/officeDocument/2006/relationships" rot="90" type="round2SameRect" r:blip="">
-                    <dgm:adjLst/>
-                  </dgm:shape>
-                </dgm:if>
-                <dgm:else name="Name12">
-                  <dgm:shape xmlns:r="http://schemas.openxmlformats.org/officeDocument/2006/relationships" rot="-90" type="round2SameRect" r:blip="">
-                    <dgm:adjLst/>
-                  </dgm:shape>
-                </dgm:else>
-              </dgm:choose>
-              <dgm:presOf axis="des" ptType="node"/>
-              <dgm:constrLst>
-                <dgm:constr type="secFontSz" val="65"/>
-                <dgm:constr type="primFontSz" refType="secFontSz"/>
-                <dgm:constr type="lMarg" refType="secFontSz" fact="0.3"/>
-                <dgm:constr type="rMarg" refType="secFontSz" fact="0.3"/>
-                <dgm:constr type="tMarg" refType="secFontSz" fact="0.15"/>
-                <dgm:constr type="bMarg" refType="secFontSz" fact="0.15"/>
-              </dgm:constrLst>
-              <dgm:ruleLst>
-                <dgm:rule type="secFontSz" val="5" fact="NaN" max="NaN"/>
-              </dgm:ruleLst>
-            </dgm:layoutNode>
-          </dgm:if>
-          <dgm:else name="Name13"/>
-        </dgm:choose>
-      </dgm:layoutNode>
-      <dgm:forEach name="Name14" axis="followSib" ptType="sibTrans" cnt="1">
-        <dgm:layoutNode name="sp">
-          <dgm:alg type="sp"/>
-          <dgm:shape xmlns:r="http://schemas.openxmlformats.org/officeDocument/2006/relationships" r:blip="">
-            <dgm:adjLst/>
-          </dgm:shape>
-          <dgm:presOf/>
-          <dgm:constrLst/>
-          <dgm:ruleLst/>
-        </dgm:layoutNode>
-      </dgm:forEach>
-    </dgm:forEach>
-  </dgm:layoutNode>
-</dgm:layoutDef>
-</file>
-
-<file path=ppt/diagrams/layout7.xml><?xml version="1.0" encoding="utf-8"?>
 <dgm:layoutDef xmlns:dgm="http://schemas.openxmlformats.org/drawingml/2006/diagram" xmlns:a="http://schemas.openxmlformats.org/drawingml/2006/main" uniqueId="urn:microsoft.com/office/officeart/2005/8/layout/vList2">
   <dgm:title val=""/>
   <dgm:desc val=""/>
@@ -20273,1040 +18336,6 @@
 </file>
 
 <file path=ppt/diagrams/quickStyle6.xml><?xml version="1.0" encoding="utf-8"?>
-<dgm:styleDef xmlns:dgm="http://schemas.openxmlformats.org/drawingml/2006/diagram" xmlns:a="http://schemas.openxmlformats.org/drawingml/2006/main" uniqueId="urn:microsoft.com/office/officeart/2005/8/quickstyle/simple1">
-  <dgm:title val=""/>
-  <dgm:desc val=""/>
-  <dgm:catLst>
-    <dgm:cat type="simple" pri="10100"/>
-  </dgm:catLst>
-  <dgm:scene3d>
-    <a:camera prst="orthographicFront"/>
-    <a:lightRig rig="threePt" dir="t"/>
-  </dgm:scene3d>
-  <dgm:styleLbl name="node0">
-    <dgm:scene3d>
-      <a:camera prst="orthographicFront"/>
-      <a:lightRig rig="threePt" dir="t"/>
-    </dgm:scene3d>
-    <dgm:sp3d/>
-    <dgm:txPr/>
-    <dgm:style>
-      <a:lnRef idx="2">
-        <a:scrgbClr r="0" g="0" b="0"/>
-      </a:lnRef>
-      <a:fillRef idx="1">
-        <a:scrgbClr r="0" g="0" b="0"/>
-      </a:fillRef>
-      <a:effectRef idx="0">
-        <a:scrgbClr r="0" g="0" b="0"/>
-      </a:effectRef>
-      <a:fontRef idx="minor">
-        <a:schemeClr val="lt1"/>
-      </a:fontRef>
-    </dgm:style>
-  </dgm:styleLbl>
-  <dgm:styleLbl name="lnNode1">
-    <dgm:scene3d>
-      <a:camera prst="orthographicFront"/>
-      <a:lightRig rig="threePt" dir="t"/>
-    </dgm:scene3d>
-    <dgm:sp3d/>
-    <dgm:txPr/>
-    <dgm:style>
-      <a:lnRef idx="2">
-        <a:scrgbClr r="0" g="0" b="0"/>
-      </a:lnRef>
-      <a:fillRef idx="1">
-        <a:scrgbClr r="0" g="0" b="0"/>
-      </a:fillRef>
-      <a:effectRef idx="0">
-        <a:scrgbClr r="0" g="0" b="0"/>
-      </a:effectRef>
-      <a:fontRef idx="minor">
-        <a:schemeClr val="lt1"/>
-      </a:fontRef>
-    </dgm:style>
-  </dgm:styleLbl>
-  <dgm:styleLbl name="vennNode1">
-    <dgm:scene3d>
-      <a:camera prst="orthographicFront"/>
-      <a:lightRig rig="threePt" dir="t"/>
-    </dgm:scene3d>
-    <dgm:sp3d/>
-    <dgm:txPr/>
-    <dgm:style>
-      <a:lnRef idx="2">
-        <a:scrgbClr r="0" g="0" b="0"/>
-      </a:lnRef>
-      <a:fillRef idx="1">
-        <a:scrgbClr r="0" g="0" b="0"/>
-      </a:fillRef>
-      <a:effectRef idx="0">
-        <a:scrgbClr r="0" g="0" b="0"/>
-      </a:effectRef>
-      <a:fontRef idx="minor">
-        <a:schemeClr val="tx1"/>
-      </a:fontRef>
-    </dgm:style>
-  </dgm:styleLbl>
-  <dgm:styleLbl name="alignNode1">
-    <dgm:scene3d>
-      <a:camera prst="orthographicFront"/>
-      <a:lightRig rig="threePt" dir="t"/>
-    </dgm:scene3d>
-    <dgm:sp3d/>
-    <dgm:txPr/>
-    <dgm:style>
-      <a:lnRef idx="2">
-        <a:scrgbClr r="0" g="0" b="0"/>
-      </a:lnRef>
-      <a:fillRef idx="1">
-        <a:scrgbClr r="0" g="0" b="0"/>
-      </a:fillRef>
-      <a:effectRef idx="0">
-        <a:scrgbClr r="0" g="0" b="0"/>
-      </a:effectRef>
-      <a:fontRef idx="minor">
-        <a:schemeClr val="lt1"/>
-      </a:fontRef>
-    </dgm:style>
-  </dgm:styleLbl>
-  <dgm:styleLbl name="node1">
-    <dgm:scene3d>
-      <a:camera prst="orthographicFront"/>
-      <a:lightRig rig="threePt" dir="t"/>
-    </dgm:scene3d>
-    <dgm:sp3d/>
-    <dgm:txPr/>
-    <dgm:style>
-      <a:lnRef idx="2">
-        <a:scrgbClr r="0" g="0" b="0"/>
-      </a:lnRef>
-      <a:fillRef idx="1">
-        <a:scrgbClr r="0" g="0" b="0"/>
-      </a:fillRef>
-      <a:effectRef idx="0">
-        <a:scrgbClr r="0" g="0" b="0"/>
-      </a:effectRef>
-      <a:fontRef idx="minor">
-        <a:schemeClr val="lt1"/>
-      </a:fontRef>
-    </dgm:style>
-  </dgm:styleLbl>
-  <dgm:styleLbl name="node2">
-    <dgm:scene3d>
-      <a:camera prst="orthographicFront"/>
-      <a:lightRig rig="threePt" dir="t"/>
-    </dgm:scene3d>
-    <dgm:sp3d/>
-    <dgm:txPr/>
-    <dgm:style>
-      <a:lnRef idx="2">
-        <a:scrgbClr r="0" g="0" b="0"/>
-      </a:lnRef>
-      <a:fillRef idx="1">
-        <a:scrgbClr r="0" g="0" b="0"/>
-      </a:fillRef>
-      <a:effectRef idx="0">
-        <a:scrgbClr r="0" g="0" b="0"/>
-      </a:effectRef>
-      <a:fontRef idx="minor">
-        <a:schemeClr val="lt1"/>
-      </a:fontRef>
-    </dgm:style>
-  </dgm:styleLbl>
-  <dgm:styleLbl name="node3">
-    <dgm:scene3d>
-      <a:camera prst="orthographicFront"/>
-      <a:lightRig rig="threePt" dir="t"/>
-    </dgm:scene3d>
-    <dgm:sp3d/>
-    <dgm:txPr/>
-    <dgm:style>
-      <a:lnRef idx="2">
-        <a:scrgbClr r="0" g="0" b="0"/>
-      </a:lnRef>
-      <a:fillRef idx="1">
-        <a:scrgbClr r="0" g="0" b="0"/>
-      </a:fillRef>
-      <a:effectRef idx="0">
-        <a:scrgbClr r="0" g="0" b="0"/>
-      </a:effectRef>
-      <a:fontRef idx="minor">
-        <a:schemeClr val="lt1"/>
-      </a:fontRef>
-    </dgm:style>
-  </dgm:styleLbl>
-  <dgm:styleLbl name="node4">
-    <dgm:scene3d>
-      <a:camera prst="orthographicFront"/>
-      <a:lightRig rig="threePt" dir="t"/>
-    </dgm:scene3d>
-    <dgm:sp3d/>
-    <dgm:txPr/>
-    <dgm:style>
-      <a:lnRef idx="2">
-        <a:scrgbClr r="0" g="0" b="0"/>
-      </a:lnRef>
-      <a:fillRef idx="1">
-        <a:scrgbClr r="0" g="0" b="0"/>
-      </a:fillRef>
-      <a:effectRef idx="0">
-        <a:scrgbClr r="0" g="0" b="0"/>
-      </a:effectRef>
-      <a:fontRef idx="minor">
-        <a:schemeClr val="lt1"/>
-      </a:fontRef>
-    </dgm:style>
-  </dgm:styleLbl>
-  <dgm:styleLbl name="fgImgPlace1">
-    <dgm:scene3d>
-      <a:camera prst="orthographicFront"/>
-      <a:lightRig rig="threePt" dir="t"/>
-    </dgm:scene3d>
-    <dgm:sp3d/>
-    <dgm:txPr/>
-    <dgm:style>
-      <a:lnRef idx="2">
-        <a:scrgbClr r="0" g="0" b="0"/>
-      </a:lnRef>
-      <a:fillRef idx="1">
-        <a:scrgbClr r="0" g="0" b="0"/>
-      </a:fillRef>
-      <a:effectRef idx="0">
-        <a:scrgbClr r="0" g="0" b="0"/>
-      </a:effectRef>
-      <a:fontRef idx="minor"/>
-    </dgm:style>
-  </dgm:styleLbl>
-  <dgm:styleLbl name="alignImgPlace1">
-    <dgm:scene3d>
-      <a:camera prst="orthographicFront"/>
-      <a:lightRig rig="threePt" dir="t"/>
-    </dgm:scene3d>
-    <dgm:sp3d/>
-    <dgm:txPr/>
-    <dgm:style>
-      <a:lnRef idx="2">
-        <a:scrgbClr r="0" g="0" b="0"/>
-      </a:lnRef>
-      <a:fillRef idx="1">
-        <a:scrgbClr r="0" g="0" b="0"/>
-      </a:fillRef>
-      <a:effectRef idx="0">
-        <a:scrgbClr r="0" g="0" b="0"/>
-      </a:effectRef>
-      <a:fontRef idx="minor"/>
-    </dgm:style>
-  </dgm:styleLbl>
-  <dgm:styleLbl name="bgImgPlace1">
-    <dgm:scene3d>
-      <a:camera prst="orthographicFront"/>
-      <a:lightRig rig="threePt" dir="t"/>
-    </dgm:scene3d>
-    <dgm:sp3d/>
-    <dgm:txPr/>
-    <dgm:style>
-      <a:lnRef idx="2">
-        <a:scrgbClr r="0" g="0" b="0"/>
-      </a:lnRef>
-      <a:fillRef idx="1">
-        <a:scrgbClr r="0" g="0" b="0"/>
-      </a:fillRef>
-      <a:effectRef idx="0">
-        <a:scrgbClr r="0" g="0" b="0"/>
-      </a:effectRef>
-      <a:fontRef idx="minor"/>
-    </dgm:style>
-  </dgm:styleLbl>
-  <dgm:styleLbl name="sibTrans2D1">
-    <dgm:scene3d>
-      <a:camera prst="orthographicFront"/>
-      <a:lightRig rig="threePt" dir="t"/>
-    </dgm:scene3d>
-    <dgm:sp3d/>
-    <dgm:txPr/>
-    <dgm:style>
-      <a:lnRef idx="0">
-        <a:scrgbClr r="0" g="0" b="0"/>
-      </a:lnRef>
-      <a:fillRef idx="1">
-        <a:scrgbClr r="0" g="0" b="0"/>
-      </a:fillRef>
-      <a:effectRef idx="0">
-        <a:scrgbClr r="0" g="0" b="0"/>
-      </a:effectRef>
-      <a:fontRef idx="minor">
-        <a:schemeClr val="lt1"/>
-      </a:fontRef>
-    </dgm:style>
-  </dgm:styleLbl>
-  <dgm:styleLbl name="fgSibTrans2D1">
-    <dgm:scene3d>
-      <a:camera prst="orthographicFront"/>
-      <a:lightRig rig="threePt" dir="t"/>
-    </dgm:scene3d>
-    <dgm:sp3d/>
-    <dgm:txPr/>
-    <dgm:style>
-      <a:lnRef idx="0">
-        <a:scrgbClr r="0" g="0" b="0"/>
-      </a:lnRef>
-      <a:fillRef idx="1">
-        <a:scrgbClr r="0" g="0" b="0"/>
-      </a:fillRef>
-      <a:effectRef idx="0">
-        <a:scrgbClr r="0" g="0" b="0"/>
-      </a:effectRef>
-      <a:fontRef idx="minor">
-        <a:schemeClr val="lt1"/>
-      </a:fontRef>
-    </dgm:style>
-  </dgm:styleLbl>
-  <dgm:styleLbl name="bgSibTrans2D1">
-    <dgm:scene3d>
-      <a:camera prst="orthographicFront"/>
-      <a:lightRig rig="threePt" dir="t"/>
-    </dgm:scene3d>
-    <dgm:sp3d/>
-    <dgm:txPr/>
-    <dgm:style>
-      <a:lnRef idx="0">
-        <a:scrgbClr r="0" g="0" b="0"/>
-      </a:lnRef>
-      <a:fillRef idx="1">
-        <a:scrgbClr r="0" g="0" b="0"/>
-      </a:fillRef>
-      <a:effectRef idx="0">
-        <a:scrgbClr r="0" g="0" b="0"/>
-      </a:effectRef>
-      <a:fontRef idx="minor">
-        <a:schemeClr val="lt1"/>
-      </a:fontRef>
-    </dgm:style>
-  </dgm:styleLbl>
-  <dgm:styleLbl name="sibTrans1D1">
-    <dgm:scene3d>
-      <a:camera prst="orthographicFront"/>
-      <a:lightRig rig="threePt" dir="t"/>
-    </dgm:scene3d>
-    <dgm:sp3d/>
-    <dgm:txPr/>
-    <dgm:style>
-      <a:lnRef idx="1">
-        <a:scrgbClr r="0" g="0" b="0"/>
-      </a:lnRef>
-      <a:fillRef idx="0">
-        <a:scrgbClr r="0" g="0" b="0"/>
-      </a:fillRef>
-      <a:effectRef idx="0">
-        <a:scrgbClr r="0" g="0" b="0"/>
-      </a:effectRef>
-      <a:fontRef idx="minor"/>
-    </dgm:style>
-  </dgm:styleLbl>
-  <dgm:styleLbl name="callout">
-    <dgm:scene3d>
-      <a:camera prst="orthographicFront"/>
-      <a:lightRig rig="threePt" dir="t"/>
-    </dgm:scene3d>
-    <dgm:sp3d/>
-    <dgm:txPr/>
-    <dgm:style>
-      <a:lnRef idx="2">
-        <a:scrgbClr r="0" g="0" b="0"/>
-      </a:lnRef>
-      <a:fillRef idx="1">
-        <a:scrgbClr r="0" g="0" b="0"/>
-      </a:fillRef>
-      <a:effectRef idx="0">
-        <a:scrgbClr r="0" g="0" b="0"/>
-      </a:effectRef>
-      <a:fontRef idx="minor"/>
-    </dgm:style>
-  </dgm:styleLbl>
-  <dgm:styleLbl name="asst0">
-    <dgm:scene3d>
-      <a:camera prst="orthographicFront"/>
-      <a:lightRig rig="threePt" dir="t"/>
-    </dgm:scene3d>
-    <dgm:sp3d/>
-    <dgm:txPr/>
-    <dgm:style>
-      <a:lnRef idx="2">
-        <a:scrgbClr r="0" g="0" b="0"/>
-      </a:lnRef>
-      <a:fillRef idx="1">
-        <a:scrgbClr r="0" g="0" b="0"/>
-      </a:fillRef>
-      <a:effectRef idx="0">
-        <a:scrgbClr r="0" g="0" b="0"/>
-      </a:effectRef>
-      <a:fontRef idx="minor">
-        <a:schemeClr val="lt1"/>
-      </a:fontRef>
-    </dgm:style>
-  </dgm:styleLbl>
-  <dgm:styleLbl name="asst1">
-    <dgm:scene3d>
-      <a:camera prst="orthographicFront"/>
-      <a:lightRig rig="threePt" dir="t"/>
-    </dgm:scene3d>
-    <dgm:sp3d/>
-    <dgm:txPr/>
-    <dgm:style>
-      <a:lnRef idx="2">
-        <a:scrgbClr r="0" g="0" b="0"/>
-      </a:lnRef>
-      <a:fillRef idx="1">
-        <a:scrgbClr r="0" g="0" b="0"/>
-      </a:fillRef>
-      <a:effectRef idx="0">
-        <a:scrgbClr r="0" g="0" b="0"/>
-      </a:effectRef>
-      <a:fontRef idx="minor">
-        <a:schemeClr val="lt1"/>
-      </a:fontRef>
-    </dgm:style>
-  </dgm:styleLbl>
-  <dgm:styleLbl name="asst2">
-    <dgm:scene3d>
-      <a:camera prst="orthographicFront"/>
-      <a:lightRig rig="threePt" dir="t"/>
-    </dgm:scene3d>
-    <dgm:sp3d/>
-    <dgm:txPr/>
-    <dgm:style>
-      <a:lnRef idx="2">
-        <a:scrgbClr r="0" g="0" b="0"/>
-      </a:lnRef>
-      <a:fillRef idx="1">
-        <a:scrgbClr r="0" g="0" b="0"/>
-      </a:fillRef>
-      <a:effectRef idx="0">
-        <a:scrgbClr r="0" g="0" b="0"/>
-      </a:effectRef>
-      <a:fontRef idx="minor">
-        <a:schemeClr val="lt1"/>
-      </a:fontRef>
-    </dgm:style>
-  </dgm:styleLbl>
-  <dgm:styleLbl name="asst3">
-    <dgm:scene3d>
-      <a:camera prst="orthographicFront"/>
-      <a:lightRig rig="threePt" dir="t"/>
-    </dgm:scene3d>
-    <dgm:sp3d/>
-    <dgm:txPr/>
-    <dgm:style>
-      <a:lnRef idx="2">
-        <a:scrgbClr r="0" g="0" b="0"/>
-      </a:lnRef>
-      <a:fillRef idx="1">
-        <a:scrgbClr r="0" g="0" b="0"/>
-      </a:fillRef>
-      <a:effectRef idx="0">
-        <a:scrgbClr r="0" g="0" b="0"/>
-      </a:effectRef>
-      <a:fontRef idx="minor">
-        <a:schemeClr val="lt1"/>
-      </a:fontRef>
-    </dgm:style>
-  </dgm:styleLbl>
-  <dgm:styleLbl name="asst4">
-    <dgm:scene3d>
-      <a:camera prst="orthographicFront"/>
-      <a:lightRig rig="threePt" dir="t"/>
-    </dgm:scene3d>
-    <dgm:sp3d/>
-    <dgm:txPr/>
-    <dgm:style>
-      <a:lnRef idx="2">
-        <a:scrgbClr r="0" g="0" b="0"/>
-      </a:lnRef>
-      <a:fillRef idx="1">
-        <a:scrgbClr r="0" g="0" b="0"/>
-      </a:fillRef>
-      <a:effectRef idx="0">
-        <a:scrgbClr r="0" g="0" b="0"/>
-      </a:effectRef>
-      <a:fontRef idx="minor">
-        <a:schemeClr val="lt1"/>
-      </a:fontRef>
-    </dgm:style>
-  </dgm:styleLbl>
-  <dgm:styleLbl name="parChTrans2D1">
-    <dgm:scene3d>
-      <a:camera prst="orthographicFront"/>
-      <a:lightRig rig="threePt" dir="t"/>
-    </dgm:scene3d>
-    <dgm:sp3d/>
-    <dgm:txPr/>
-    <dgm:style>
-      <a:lnRef idx="2">
-        <a:scrgbClr r="0" g="0" b="0"/>
-      </a:lnRef>
-      <a:fillRef idx="1">
-        <a:scrgbClr r="0" g="0" b="0"/>
-      </a:fillRef>
-      <a:effectRef idx="0">
-        <a:scrgbClr r="0" g="0" b="0"/>
-      </a:effectRef>
-      <a:fontRef idx="minor">
-        <a:schemeClr val="lt1"/>
-      </a:fontRef>
-    </dgm:style>
-  </dgm:styleLbl>
-  <dgm:styleLbl name="parChTrans2D2">
-    <dgm:scene3d>
-      <a:camera prst="orthographicFront"/>
-      <a:lightRig rig="threePt" dir="t"/>
-    </dgm:scene3d>
-    <dgm:sp3d/>
-    <dgm:txPr/>
-    <dgm:style>
-      <a:lnRef idx="2">
-        <a:scrgbClr r="0" g="0" b="0"/>
-      </a:lnRef>
-      <a:fillRef idx="1">
-        <a:scrgbClr r="0" g="0" b="0"/>
-      </a:fillRef>
-      <a:effectRef idx="0">
-        <a:scrgbClr r="0" g="0" b="0"/>
-      </a:effectRef>
-      <a:fontRef idx="minor">
-        <a:schemeClr val="lt1"/>
-      </a:fontRef>
-    </dgm:style>
-  </dgm:styleLbl>
-  <dgm:styleLbl name="parChTrans2D3">
-    <dgm:scene3d>
-      <a:camera prst="orthographicFront"/>
-      <a:lightRig rig="threePt" dir="t"/>
-    </dgm:scene3d>
-    <dgm:sp3d/>
-    <dgm:txPr/>
-    <dgm:style>
-      <a:lnRef idx="2">
-        <a:scrgbClr r="0" g="0" b="0"/>
-      </a:lnRef>
-      <a:fillRef idx="1">
-        <a:scrgbClr r="0" g="0" b="0"/>
-      </a:fillRef>
-      <a:effectRef idx="0">
-        <a:scrgbClr r="0" g="0" b="0"/>
-      </a:effectRef>
-      <a:fontRef idx="minor">
-        <a:schemeClr val="lt1"/>
-      </a:fontRef>
-    </dgm:style>
-  </dgm:styleLbl>
-  <dgm:styleLbl name="parChTrans2D4">
-    <dgm:scene3d>
-      <a:camera prst="orthographicFront"/>
-      <a:lightRig rig="threePt" dir="t"/>
-    </dgm:scene3d>
-    <dgm:sp3d/>
-    <dgm:txPr/>
-    <dgm:style>
-      <a:lnRef idx="2">
-        <a:scrgbClr r="0" g="0" b="0"/>
-      </a:lnRef>
-      <a:fillRef idx="1">
-        <a:scrgbClr r="0" g="0" b="0"/>
-      </a:fillRef>
-      <a:effectRef idx="0">
-        <a:scrgbClr r="0" g="0" b="0"/>
-      </a:effectRef>
-      <a:fontRef idx="minor">
-        <a:schemeClr val="lt1"/>
-      </a:fontRef>
-    </dgm:style>
-  </dgm:styleLbl>
-  <dgm:styleLbl name="parChTrans1D1">
-    <dgm:scene3d>
-      <a:camera prst="orthographicFront"/>
-      <a:lightRig rig="threePt" dir="t"/>
-    </dgm:scene3d>
-    <dgm:sp3d/>
-    <dgm:txPr/>
-    <dgm:style>
-      <a:lnRef idx="2">
-        <a:scrgbClr r="0" g="0" b="0"/>
-      </a:lnRef>
-      <a:fillRef idx="0">
-        <a:scrgbClr r="0" g="0" b="0"/>
-      </a:fillRef>
-      <a:effectRef idx="0">
-        <a:scrgbClr r="0" g="0" b="0"/>
-      </a:effectRef>
-      <a:fontRef idx="minor"/>
-    </dgm:style>
-  </dgm:styleLbl>
-  <dgm:styleLbl name="parChTrans1D2">
-    <dgm:scene3d>
-      <a:camera prst="orthographicFront"/>
-      <a:lightRig rig="threePt" dir="t"/>
-    </dgm:scene3d>
-    <dgm:sp3d/>
-    <dgm:txPr/>
-    <dgm:style>
-      <a:lnRef idx="2">
-        <a:scrgbClr r="0" g="0" b="0"/>
-      </a:lnRef>
-      <a:fillRef idx="0">
-        <a:scrgbClr r="0" g="0" b="0"/>
-      </a:fillRef>
-      <a:effectRef idx="0">
-        <a:scrgbClr r="0" g="0" b="0"/>
-      </a:effectRef>
-      <a:fontRef idx="minor"/>
-    </dgm:style>
-  </dgm:styleLbl>
-  <dgm:styleLbl name="parChTrans1D3">
-    <dgm:scene3d>
-      <a:camera prst="orthographicFront"/>
-      <a:lightRig rig="threePt" dir="t"/>
-    </dgm:scene3d>
-    <dgm:sp3d/>
-    <dgm:txPr/>
-    <dgm:style>
-      <a:lnRef idx="2">
-        <a:scrgbClr r="0" g="0" b="0"/>
-      </a:lnRef>
-      <a:fillRef idx="0">
-        <a:scrgbClr r="0" g="0" b="0"/>
-      </a:fillRef>
-      <a:effectRef idx="0">
-        <a:scrgbClr r="0" g="0" b="0"/>
-      </a:effectRef>
-      <a:fontRef idx="minor"/>
-    </dgm:style>
-  </dgm:styleLbl>
-  <dgm:styleLbl name="parChTrans1D4">
-    <dgm:scene3d>
-      <a:camera prst="orthographicFront"/>
-      <a:lightRig rig="threePt" dir="t"/>
-    </dgm:scene3d>
-    <dgm:sp3d/>
-    <dgm:txPr/>
-    <dgm:style>
-      <a:lnRef idx="2">
-        <a:scrgbClr r="0" g="0" b="0"/>
-      </a:lnRef>
-      <a:fillRef idx="0">
-        <a:scrgbClr r="0" g="0" b="0"/>
-      </a:fillRef>
-      <a:effectRef idx="0">
-        <a:scrgbClr r="0" g="0" b="0"/>
-      </a:effectRef>
-      <a:fontRef idx="minor"/>
-    </dgm:style>
-  </dgm:styleLbl>
-  <dgm:styleLbl name="fgAcc1">
-    <dgm:scene3d>
-      <a:camera prst="orthographicFront"/>
-      <a:lightRig rig="threePt" dir="t"/>
-    </dgm:scene3d>
-    <dgm:sp3d/>
-    <dgm:txPr/>
-    <dgm:style>
-      <a:lnRef idx="2">
-        <a:scrgbClr r="0" g="0" b="0"/>
-      </a:lnRef>
-      <a:fillRef idx="1">
-        <a:scrgbClr r="0" g="0" b="0"/>
-      </a:fillRef>
-      <a:effectRef idx="0">
-        <a:scrgbClr r="0" g="0" b="0"/>
-      </a:effectRef>
-      <a:fontRef idx="minor"/>
-    </dgm:style>
-  </dgm:styleLbl>
-  <dgm:styleLbl name="conFgAcc1">
-    <dgm:scene3d>
-      <a:camera prst="orthographicFront"/>
-      <a:lightRig rig="threePt" dir="t"/>
-    </dgm:scene3d>
-    <dgm:sp3d/>
-    <dgm:txPr/>
-    <dgm:style>
-      <a:lnRef idx="2">
-        <a:scrgbClr r="0" g="0" b="0"/>
-      </a:lnRef>
-      <a:fillRef idx="1">
-        <a:scrgbClr r="0" g="0" b="0"/>
-      </a:fillRef>
-      <a:effectRef idx="0">
-        <a:scrgbClr r="0" g="0" b="0"/>
-      </a:effectRef>
-      <a:fontRef idx="minor"/>
-    </dgm:style>
-  </dgm:styleLbl>
-  <dgm:styleLbl name="alignAcc1">
-    <dgm:scene3d>
-      <a:camera prst="orthographicFront"/>
-      <a:lightRig rig="threePt" dir="t"/>
-    </dgm:scene3d>
-    <dgm:sp3d/>
-    <dgm:txPr/>
-    <dgm:style>
-      <a:lnRef idx="2">
-        <a:scrgbClr r="0" g="0" b="0"/>
-      </a:lnRef>
-      <a:fillRef idx="1">
-        <a:scrgbClr r="0" g="0" b="0"/>
-      </a:fillRef>
-      <a:effectRef idx="0">
-        <a:scrgbClr r="0" g="0" b="0"/>
-      </a:effectRef>
-      <a:fontRef idx="minor"/>
-    </dgm:style>
-  </dgm:styleLbl>
-  <dgm:styleLbl name="trAlignAcc1">
-    <dgm:scene3d>
-      <a:camera prst="orthographicFront"/>
-      <a:lightRig rig="threePt" dir="t"/>
-    </dgm:scene3d>
-    <dgm:sp3d/>
-    <dgm:txPr/>
-    <dgm:style>
-      <a:lnRef idx="1">
-        <a:scrgbClr r="0" g="0" b="0"/>
-      </a:lnRef>
-      <a:fillRef idx="1">
-        <a:scrgbClr r="0" g="0" b="0"/>
-      </a:fillRef>
-      <a:effectRef idx="0">
-        <a:scrgbClr r="0" g="0" b="0"/>
-      </a:effectRef>
-      <a:fontRef idx="minor"/>
-    </dgm:style>
-  </dgm:styleLbl>
-  <dgm:styleLbl name="bgAcc1">
-    <dgm:scene3d>
-      <a:camera prst="orthographicFront"/>
-      <a:lightRig rig="threePt" dir="t"/>
-    </dgm:scene3d>
-    <dgm:sp3d/>
-    <dgm:txPr/>
-    <dgm:style>
-      <a:lnRef idx="2">
-        <a:scrgbClr r="0" g="0" b="0"/>
-      </a:lnRef>
-      <a:fillRef idx="1">
-        <a:scrgbClr r="0" g="0" b="0"/>
-      </a:fillRef>
-      <a:effectRef idx="0">
-        <a:scrgbClr r="0" g="0" b="0"/>
-      </a:effectRef>
-      <a:fontRef idx="minor"/>
-    </dgm:style>
-  </dgm:styleLbl>
-  <dgm:styleLbl name="solidFgAcc1">
-    <dgm:scene3d>
-      <a:camera prst="orthographicFront"/>
-      <a:lightRig rig="threePt" dir="t"/>
-    </dgm:scene3d>
-    <dgm:sp3d/>
-    <dgm:txPr/>
-    <dgm:style>
-      <a:lnRef idx="2">
-        <a:scrgbClr r="0" g="0" b="0"/>
-      </a:lnRef>
-      <a:fillRef idx="1">
-        <a:scrgbClr r="0" g="0" b="0"/>
-      </a:fillRef>
-      <a:effectRef idx="0">
-        <a:scrgbClr r="0" g="0" b="0"/>
-      </a:effectRef>
-      <a:fontRef idx="minor"/>
-    </dgm:style>
-  </dgm:styleLbl>
-  <dgm:styleLbl name="solidAlignAcc1">
-    <dgm:scene3d>
-      <a:camera prst="orthographicFront"/>
-      <a:lightRig rig="threePt" dir="t"/>
-    </dgm:scene3d>
-    <dgm:sp3d/>
-    <dgm:txPr/>
-    <dgm:style>
-      <a:lnRef idx="2">
-        <a:scrgbClr r="0" g="0" b="0"/>
-      </a:lnRef>
-      <a:fillRef idx="1">
-        <a:scrgbClr r="0" g="0" b="0"/>
-      </a:fillRef>
-      <a:effectRef idx="0">
-        <a:scrgbClr r="0" g="0" b="0"/>
-      </a:effectRef>
-      <a:fontRef idx="minor"/>
-    </dgm:style>
-  </dgm:styleLbl>
-  <dgm:styleLbl name="solidBgAcc1">
-    <dgm:scene3d>
-      <a:camera prst="orthographicFront"/>
-      <a:lightRig rig="threePt" dir="t"/>
-    </dgm:scene3d>
-    <dgm:sp3d/>
-    <dgm:txPr/>
-    <dgm:style>
-      <a:lnRef idx="2">
-        <a:scrgbClr r="0" g="0" b="0"/>
-      </a:lnRef>
-      <a:fillRef idx="1">
-        <a:scrgbClr r="0" g="0" b="0"/>
-      </a:fillRef>
-      <a:effectRef idx="0">
-        <a:scrgbClr r="0" g="0" b="0"/>
-      </a:effectRef>
-      <a:fontRef idx="minor"/>
-    </dgm:style>
-  </dgm:styleLbl>
-  <dgm:styleLbl name="fgAccFollowNode1">
-    <dgm:scene3d>
-      <a:camera prst="orthographicFront"/>
-      <a:lightRig rig="threePt" dir="t"/>
-    </dgm:scene3d>
-    <dgm:sp3d/>
-    <dgm:txPr/>
-    <dgm:style>
-      <a:lnRef idx="2">
-        <a:scrgbClr r="0" g="0" b="0"/>
-      </a:lnRef>
-      <a:fillRef idx="1">
-        <a:scrgbClr r="0" g="0" b="0"/>
-      </a:fillRef>
-      <a:effectRef idx="0">
-        <a:scrgbClr r="0" g="0" b="0"/>
-      </a:effectRef>
-      <a:fontRef idx="minor"/>
-    </dgm:style>
-  </dgm:styleLbl>
-  <dgm:styleLbl name="alignAccFollowNode1">
-    <dgm:scene3d>
-      <a:camera prst="orthographicFront"/>
-      <a:lightRig rig="threePt" dir="t"/>
-    </dgm:scene3d>
-    <dgm:sp3d/>
-    <dgm:txPr/>
-    <dgm:style>
-      <a:lnRef idx="2">
-        <a:scrgbClr r="0" g="0" b="0"/>
-      </a:lnRef>
-      <a:fillRef idx="1">
-        <a:scrgbClr r="0" g="0" b="0"/>
-      </a:fillRef>
-      <a:effectRef idx="0">
-        <a:scrgbClr r="0" g="0" b="0"/>
-      </a:effectRef>
-      <a:fontRef idx="minor"/>
-    </dgm:style>
-  </dgm:styleLbl>
-  <dgm:styleLbl name="bgAccFollowNode1">
-    <dgm:scene3d>
-      <a:camera prst="orthographicFront"/>
-      <a:lightRig rig="threePt" dir="t"/>
-    </dgm:scene3d>
-    <dgm:sp3d/>
-    <dgm:txPr/>
-    <dgm:style>
-      <a:lnRef idx="2">
-        <a:scrgbClr r="0" g="0" b="0"/>
-      </a:lnRef>
-      <a:fillRef idx="1">
-        <a:scrgbClr r="0" g="0" b="0"/>
-      </a:fillRef>
-      <a:effectRef idx="0">
-        <a:scrgbClr r="0" g="0" b="0"/>
-      </a:effectRef>
-      <a:fontRef idx="minor"/>
-    </dgm:style>
-  </dgm:styleLbl>
-  <dgm:styleLbl name="fgAcc0">
-    <dgm:scene3d>
-      <a:camera prst="orthographicFront"/>
-      <a:lightRig rig="threePt" dir="t"/>
-    </dgm:scene3d>
-    <dgm:sp3d/>
-    <dgm:txPr/>
-    <dgm:style>
-      <a:lnRef idx="2">
-        <a:scrgbClr r="0" g="0" b="0"/>
-      </a:lnRef>
-      <a:fillRef idx="1">
-        <a:scrgbClr r="0" g="0" b="0"/>
-      </a:fillRef>
-      <a:effectRef idx="0">
-        <a:scrgbClr r="0" g="0" b="0"/>
-      </a:effectRef>
-      <a:fontRef idx="minor"/>
-    </dgm:style>
-  </dgm:styleLbl>
-  <dgm:styleLbl name="fgAcc2">
-    <dgm:scene3d>
-      <a:camera prst="orthographicFront"/>
-      <a:lightRig rig="threePt" dir="t"/>
-    </dgm:scene3d>
-    <dgm:sp3d/>
-    <dgm:txPr/>
-    <dgm:style>
-      <a:lnRef idx="2">
-        <a:scrgbClr r="0" g="0" b="0"/>
-      </a:lnRef>
-      <a:fillRef idx="1">
-        <a:scrgbClr r="0" g="0" b="0"/>
-      </a:fillRef>
-      <a:effectRef idx="0">
-        <a:scrgbClr r="0" g="0" b="0"/>
-      </a:effectRef>
-      <a:fontRef idx="minor"/>
-    </dgm:style>
-  </dgm:styleLbl>
-  <dgm:styleLbl name="fgAcc3">
-    <dgm:scene3d>
-      <a:camera prst="orthographicFront"/>
-      <a:lightRig rig="threePt" dir="t"/>
-    </dgm:scene3d>
-    <dgm:sp3d/>
-    <dgm:txPr/>
-    <dgm:style>
-      <a:lnRef idx="2">
-        <a:scrgbClr r="0" g="0" b="0"/>
-      </a:lnRef>
-      <a:fillRef idx="1">
-        <a:scrgbClr r="0" g="0" b="0"/>
-      </a:fillRef>
-      <a:effectRef idx="0">
-        <a:scrgbClr r="0" g="0" b="0"/>
-      </a:effectRef>
-      <a:fontRef idx="minor"/>
-    </dgm:style>
-  </dgm:styleLbl>
-  <dgm:styleLbl name="fgAcc4">
-    <dgm:scene3d>
-      <a:camera prst="orthographicFront"/>
-      <a:lightRig rig="threePt" dir="t"/>
-    </dgm:scene3d>
-    <dgm:sp3d/>
-    <dgm:txPr/>
-    <dgm:style>
-      <a:lnRef idx="2">
-        <a:scrgbClr r="0" g="0" b="0"/>
-      </a:lnRef>
-      <a:fillRef idx="1">
-        <a:scrgbClr r="0" g="0" b="0"/>
-      </a:fillRef>
-      <a:effectRef idx="0">
-        <a:scrgbClr r="0" g="0" b="0"/>
-      </a:effectRef>
-      <a:fontRef idx="minor"/>
-    </dgm:style>
-  </dgm:styleLbl>
-  <dgm:styleLbl name="bgShp">
-    <dgm:scene3d>
-      <a:camera prst="orthographicFront"/>
-      <a:lightRig rig="threePt" dir="t"/>
-    </dgm:scene3d>
-    <dgm:sp3d/>
-    <dgm:txPr/>
-    <dgm:style>
-      <a:lnRef idx="0">
-        <a:scrgbClr r="0" g="0" b="0"/>
-      </a:lnRef>
-      <a:fillRef idx="1">
-        <a:scrgbClr r="0" g="0" b="0"/>
-      </a:fillRef>
-      <a:effectRef idx="0">
-        <a:scrgbClr r="0" g="0" b="0"/>
-      </a:effectRef>
-      <a:fontRef idx="minor"/>
-    </dgm:style>
-  </dgm:styleLbl>
-  <dgm:styleLbl name="dkBgShp">
-    <dgm:scene3d>
-      <a:camera prst="orthographicFront"/>
-      <a:lightRig rig="threePt" dir="t"/>
-    </dgm:scene3d>
-    <dgm:sp3d/>
-    <dgm:txPr/>
-    <dgm:style>
-      <a:lnRef idx="0">
-        <a:scrgbClr r="0" g="0" b="0"/>
-      </a:lnRef>
-      <a:fillRef idx="1">
-        <a:scrgbClr r="0" g="0" b="0"/>
-      </a:fillRef>
-      <a:effectRef idx="0">
-        <a:scrgbClr r="0" g="0" b="0"/>
-      </a:effectRef>
-      <a:fontRef idx="minor"/>
-    </dgm:style>
-  </dgm:styleLbl>
-  <dgm:styleLbl name="trBgShp">
-    <dgm:scene3d>
-      <a:camera prst="orthographicFront"/>
-      <a:lightRig rig="threePt" dir="t"/>
-    </dgm:scene3d>
-    <dgm:sp3d/>
-    <dgm:txPr/>
-    <dgm:style>
-      <a:lnRef idx="0">
-        <a:scrgbClr r="0" g="0" b="0"/>
-      </a:lnRef>
-      <a:fillRef idx="1">
-        <a:scrgbClr r="0" g="0" b="0"/>
-      </a:fillRef>
-      <a:effectRef idx="0">
-        <a:scrgbClr r="0" g="0" b="0"/>
-      </a:effectRef>
-      <a:fontRef idx="minor"/>
-    </dgm:style>
-  </dgm:styleLbl>
-  <dgm:styleLbl name="fgShp">
-    <dgm:scene3d>
-      <a:camera prst="orthographicFront"/>
-      <a:lightRig rig="threePt" dir="t"/>
-    </dgm:scene3d>
-    <dgm:sp3d/>
-    <dgm:txPr/>
-    <dgm:style>
-      <a:lnRef idx="2">
-        <a:scrgbClr r="0" g="0" b="0"/>
-      </a:lnRef>
-      <a:fillRef idx="1">
-        <a:scrgbClr r="0" g="0" b="0"/>
-      </a:fillRef>
-      <a:effectRef idx="0">
-        <a:scrgbClr r="0" g="0" b="0"/>
-      </a:effectRef>
-      <a:fontRef idx="minor"/>
-    </dgm:style>
-  </dgm:styleLbl>
-  <dgm:styleLbl name="revTx">
-    <dgm:scene3d>
-      <a:camera prst="orthographicFront"/>
-      <a:lightRig rig="threePt" dir="t"/>
-    </dgm:scene3d>
-    <dgm:sp3d/>
-    <dgm:txPr/>
-    <dgm:style>
-      <a:lnRef idx="0">
-        <a:scrgbClr r="0" g="0" b="0"/>
-      </a:lnRef>
-      <a:fillRef idx="0">
-        <a:scrgbClr r="0" g="0" b="0"/>
-      </a:fillRef>
-      <a:effectRef idx="0">
-        <a:scrgbClr r="0" g="0" b="0"/>
-      </a:effectRef>
-      <a:fontRef idx="minor"/>
-    </dgm:style>
-  </dgm:styleLbl>
-</dgm:styleDef>
-</file>
-
-<file path=ppt/diagrams/quickStyle7.xml><?xml version="1.0" encoding="utf-8"?>
 <dgm:styleDef xmlns:dgm="http://schemas.openxmlformats.org/drawingml/2006/diagram" xmlns:a="http://schemas.openxmlformats.org/drawingml/2006/main" uniqueId="urn:microsoft.com/office/officeart/2005/8/quickstyle/simple1">
   <dgm:title val=""/>
   <dgm:desc val=""/>
@@ -23074,25 +20103,7 @@
           <a:p>
             <a:r>
               <a:rPr lang="en-US" dirty="0"/>
-              <a:t>https://scikit-learn.org/stable/modules/generated/sklearn.linear_model.LogisticRegression.html </a:t>
-            </a:r>
-          </a:p>
-          <a:p>
-            <a:endParaRPr lang="en-US" dirty="0"/>
-          </a:p>
-          <a:p>
-            <a:r>
-              <a:rPr lang="en-US" dirty="0"/>
-              <a:t>https://scikit-learn.org/stable/modules/generated/sklearn.linear_model.LogisticRegression.html</a:t>
-            </a:r>
-          </a:p>
-          <a:p>
-            <a:endParaRPr lang="en-US" dirty="0"/>
-          </a:p>
-          <a:p>
-            <a:r>
-              <a:rPr lang="en-US" dirty="0"/>
-              <a:t>https://scikit-learn.org/stable/auto_examples/linear_model/plot_logistic_l1_l2_sparsity.html#sphx-glr-auto-examples-linear-model-plot-logistic-l1-l2-sparsity-py</a:t>
+              <a:t>https://beta.vu.nl/nl/Images/werkstuk-fonti_tcm235-836234.pdf</a:t>
             </a:r>
           </a:p>
         </p:txBody>
@@ -23114,7 +20125,7 @@
           <a:p>
             <a:fld id="{297A166E-ACF1-4C2F-AD43-1E0B732BAB04}" type="slidenum">
               <a:rPr lang="en-US" smtClean="0"/>
-              <a:t>11</a:t>
+              <a:t>10</a:t>
             </a:fld>
             <a:endParaRPr lang="en-US"/>
           </a:p>
@@ -23123,7 +20134,7 @@
     </p:spTree>
     <p:extLst>
       <p:ext uri="{BB962C8B-B14F-4D97-AF65-F5344CB8AC3E}">
-        <p14:creationId xmlns:p14="http://schemas.microsoft.com/office/powerpoint/2010/main" val="3142998882"/>
+        <p14:creationId xmlns:p14="http://schemas.microsoft.com/office/powerpoint/2010/main" val="774437634"/>
       </p:ext>
     </p:extLst>
   </p:cSld>
@@ -23219,7 +20230,7 @@
           <a:p>
             <a:fld id="{297A166E-ACF1-4C2F-AD43-1E0B732BAB04}" type="slidenum">
               <a:rPr lang="en-US" smtClean="0"/>
-              <a:t>12</a:t>
+              <a:t>11</a:t>
             </a:fld>
             <a:endParaRPr lang="en-US"/>
           </a:p>
@@ -27181,12 +24192,12 @@
           <a:lstStyle/>
           <a:p>
             <a:r>
-              <a:rPr lang="en-US" sz="3600">
+              <a:rPr lang="en-US" sz="3600" dirty="0">
                 <a:solidFill>
                   <a:srgbClr val="FFFFFF"/>
                 </a:solidFill>
               </a:rPr>
-              <a:t>Prediction Model (Logistic Regression)</a:t>
+              <a:t>Prediction Model (Lasso Regression)</a:t>
             </a:r>
           </a:p>
         </p:txBody>
@@ -27262,7 +24273,7 @@
             <p:ph idx="1"/>
             <p:extLst>
               <p:ext uri="{D42A27DB-BD31-4B8C-83A1-F6EECF244321}">
-                <p14:modId xmlns:p14="http://schemas.microsoft.com/office/powerpoint/2010/main" val="1791832963"/>
+                <p14:modId xmlns:p14="http://schemas.microsoft.com/office/powerpoint/2010/main" val="2532835587"/>
               </p:ext>
             </p:extLst>
           </p:nvPr>
@@ -27273,7 +24284,7 @@
         </p:xfrm>
         <a:graphic>
           <a:graphicData uri="http://schemas.openxmlformats.org/drawingml/2006/diagram">
-            <dgm:relIds xmlns:dgm="http://schemas.openxmlformats.org/drawingml/2006/diagram" xmlns:r="http://schemas.openxmlformats.org/officeDocument/2006/relationships" r:dm="rId2" r:lo="rId3" r:qs="rId4" r:cs="rId5"/>
+            <dgm:relIds xmlns:dgm="http://schemas.openxmlformats.org/drawingml/2006/diagram" xmlns:r="http://schemas.openxmlformats.org/officeDocument/2006/relationships" r:dm="rId3" r:lo="rId4" r:qs="rId5" r:cs="rId6"/>
           </a:graphicData>
         </a:graphic>
       </p:graphicFrame>
@@ -27291,110 +24302,6 @@
 </file>
 
 <file path=ppt/slides/slide11.xml><?xml version="1.0" encoding="utf-8"?>
-<p:sld xmlns:a="http://schemas.openxmlformats.org/drawingml/2006/main" xmlns:r="http://schemas.openxmlformats.org/officeDocument/2006/relationships" xmlns:p="http://schemas.openxmlformats.org/presentationml/2006/main">
-  <p:cSld>
-    <p:bg>
-      <p:bgPr>
-        <a:solidFill>
-          <a:schemeClr val="bg1"/>
-        </a:solidFill>
-        <a:effectLst/>
-      </p:bgPr>
-    </p:bg>
-    <p:spTree>
-      <p:nvGrpSpPr>
-        <p:cNvPr id="1" name=""/>
-        <p:cNvGrpSpPr/>
-        <p:nvPr/>
-      </p:nvGrpSpPr>
-      <p:grpSpPr>
-        <a:xfrm>
-          <a:off x="0" y="0"/>
-          <a:ext cx="0" cy="0"/>
-          <a:chOff x="0" y="0"/>
-          <a:chExt cx="0" cy="0"/>
-        </a:xfrm>
-      </p:grpSpPr>
-      <p:sp>
-        <p:nvSpPr>
-          <p:cNvPr id="2" name="Titel 1">
-            <a:extLst>
-              <a:ext uri="{FF2B5EF4-FFF2-40B4-BE49-F238E27FC236}">
-                <a16:creationId xmlns:a16="http://schemas.microsoft.com/office/drawing/2014/main" id="{0425B7AA-8A86-45B1-8E9D-D0F0F867BC1F}"/>
-              </a:ext>
-            </a:extLst>
-          </p:cNvPr>
-          <p:cNvSpPr>
-            <a:spLocks noGrp="1"/>
-          </p:cNvSpPr>
-          <p:nvPr>
-            <p:ph type="title"/>
-          </p:nvPr>
-        </p:nvSpPr>
-        <p:spPr>
-          <a:xfrm>
-            <a:off x="1097280" y="286603"/>
-            <a:ext cx="10058400" cy="1450757"/>
-          </a:xfrm>
-        </p:spPr>
-        <p:txBody>
-          <a:bodyPr>
-            <a:normAutofit/>
-          </a:bodyPr>
-          <a:lstStyle/>
-          <a:p>
-            <a:r>
-              <a:rPr lang="en-US"/>
-              <a:t>Parameter Tuning Log Regression</a:t>
-            </a:r>
-          </a:p>
-        </p:txBody>
-      </p:sp>
-      <p:graphicFrame>
-        <p:nvGraphicFramePr>
-          <p:cNvPr id="6" name="Inhaltsplatzhalter 2">
-            <a:extLst>
-              <a:ext uri="{FF2B5EF4-FFF2-40B4-BE49-F238E27FC236}">
-                <a16:creationId xmlns:a16="http://schemas.microsoft.com/office/drawing/2014/main" id="{6F8A9CBD-B369-4E46-ABDC-C92848887505}"/>
-              </a:ext>
-            </a:extLst>
-          </p:cNvPr>
-          <p:cNvGraphicFramePr>
-            <a:graphicFrameLocks noGrp="1"/>
-          </p:cNvGraphicFramePr>
-          <p:nvPr>
-            <p:ph idx="1"/>
-            <p:extLst>
-              <p:ext uri="{D42A27DB-BD31-4B8C-83A1-F6EECF244321}">
-                <p14:modId xmlns:p14="http://schemas.microsoft.com/office/powerpoint/2010/main" val="1565396003"/>
-              </p:ext>
-            </p:extLst>
-          </p:nvPr>
-        </p:nvGraphicFramePr>
-        <p:xfrm>
-          <a:off x="1096963" y="2098515"/>
-          <a:ext cx="10058400" cy="3786080"/>
-        </p:xfrm>
-        <a:graphic>
-          <a:graphicData uri="http://schemas.openxmlformats.org/drawingml/2006/diagram">
-            <dgm:relIds xmlns:dgm="http://schemas.openxmlformats.org/drawingml/2006/diagram" xmlns:r="http://schemas.openxmlformats.org/officeDocument/2006/relationships" r:dm="rId3" r:lo="rId4" r:qs="rId5" r:cs="rId6"/>
-          </a:graphicData>
-        </a:graphic>
-      </p:graphicFrame>
-    </p:spTree>
-    <p:extLst>
-      <p:ext uri="{BB962C8B-B14F-4D97-AF65-F5344CB8AC3E}">
-        <p14:creationId xmlns:p14="http://schemas.microsoft.com/office/powerpoint/2010/main" val="2465237120"/>
-      </p:ext>
-    </p:extLst>
-  </p:cSld>
-  <p:clrMapOvr>
-    <a:masterClrMapping/>
-  </p:clrMapOvr>
-</p:sld>
-</file>
-
-<file path=ppt/slides/slide12.xml><?xml version="1.0" encoding="utf-8"?>
 <p:sld xmlns:a="http://schemas.openxmlformats.org/drawingml/2006/main" xmlns:r="http://schemas.openxmlformats.org/officeDocument/2006/relationships" xmlns:p="http://schemas.openxmlformats.org/presentationml/2006/main">
   <p:cSld>
     <p:bg>
@@ -27695,7 +24602,7 @@
             <p:ph idx="1"/>
             <p:extLst>
               <p:ext uri="{D42A27DB-BD31-4B8C-83A1-F6EECF244321}">
-                <p14:modId xmlns:p14="http://schemas.microsoft.com/office/powerpoint/2010/main" val="1973801660"/>
+                <p14:modId xmlns:p14="http://schemas.microsoft.com/office/powerpoint/2010/main" val="2665281965"/>
               </p:ext>
             </p:extLst>
           </p:nvPr>
@@ -27714,6 +24621,90 @@
     <p:extLst>
       <p:ext uri="{BB962C8B-B14F-4D97-AF65-F5344CB8AC3E}">
         <p14:creationId xmlns:p14="http://schemas.microsoft.com/office/powerpoint/2010/main" val="3170171414"/>
+      </p:ext>
+    </p:extLst>
+  </p:cSld>
+  <p:clrMapOvr>
+    <a:masterClrMapping/>
+  </p:clrMapOvr>
+</p:sld>
+</file>
+
+<file path=ppt/slides/slide12.xml><?xml version="1.0" encoding="utf-8"?>
+<p:sld xmlns:a="http://schemas.openxmlformats.org/drawingml/2006/main" xmlns:r="http://schemas.openxmlformats.org/officeDocument/2006/relationships" xmlns:p="http://schemas.openxmlformats.org/presentationml/2006/main">
+  <p:cSld>
+    <p:spTree>
+      <p:nvGrpSpPr>
+        <p:cNvPr id="1" name=""/>
+        <p:cNvGrpSpPr/>
+        <p:nvPr/>
+      </p:nvGrpSpPr>
+      <p:grpSpPr>
+        <a:xfrm>
+          <a:off x="0" y="0"/>
+          <a:ext cx="0" cy="0"/>
+          <a:chOff x="0" y="0"/>
+          <a:chExt cx="0" cy="0"/>
+        </a:xfrm>
+      </p:grpSpPr>
+      <p:sp>
+        <p:nvSpPr>
+          <p:cNvPr id="2" name="Title 1">
+            <a:extLst>
+              <a:ext uri="{FF2B5EF4-FFF2-40B4-BE49-F238E27FC236}">
+                <a16:creationId xmlns:a16="http://schemas.microsoft.com/office/drawing/2014/main" id="{81172F15-0533-44BB-B460-DF7AED1E2B33}"/>
+              </a:ext>
+            </a:extLst>
+          </p:cNvPr>
+          <p:cNvSpPr>
+            <a:spLocks noGrp="1"/>
+          </p:cNvSpPr>
+          <p:nvPr>
+            <p:ph type="title"/>
+          </p:nvPr>
+        </p:nvSpPr>
+        <p:spPr/>
+        <p:txBody>
+          <a:bodyPr/>
+          <a:lstStyle/>
+          <a:p>
+            <a:r>
+              <a:rPr lang="en-US" dirty="0"/>
+              <a:t>Submission Results Graph</a:t>
+            </a:r>
+          </a:p>
+        </p:txBody>
+      </p:sp>
+      <p:graphicFrame>
+        <p:nvGraphicFramePr>
+          <p:cNvPr id="4" name="Content Placeholder 3">
+            <a:extLst>
+              <a:ext uri="{FF2B5EF4-FFF2-40B4-BE49-F238E27FC236}">
+                <a16:creationId xmlns:a16="http://schemas.microsoft.com/office/drawing/2014/main" id="{415B96AB-C4C7-45EE-AE34-3F6275EF6898}"/>
+              </a:ext>
+            </a:extLst>
+          </p:cNvPr>
+          <p:cNvGraphicFramePr>
+            <a:graphicFrameLocks noGrp="1"/>
+          </p:cNvGraphicFramePr>
+          <p:nvPr>
+            <p:ph idx="1"/>
+          </p:nvPr>
+        </p:nvGraphicFramePr>
+        <p:xfrm>
+          <a:off x="1096963" y="1846263"/>
+          <a:ext cx="10058400" cy="4022725"/>
+        </p:xfrm>
+        <a:graphic>
+          <a:graphicData uri="http://schemas.openxmlformats.org/drawingml/2006/chart">
+            <c:chart xmlns:c="http://schemas.openxmlformats.org/drawingml/2006/chart" xmlns:r="http://schemas.openxmlformats.org/officeDocument/2006/relationships" r:id="rId2"/>
+          </a:graphicData>
+        </a:graphic>
+      </p:graphicFrame>
+    </p:spTree>
+    <p:extLst>
+      <p:ext uri="{BB962C8B-B14F-4D97-AF65-F5344CB8AC3E}">
+        <p14:creationId xmlns:p14="http://schemas.microsoft.com/office/powerpoint/2010/main" val="3157752401"/>
       </p:ext>
     </p:extLst>
   </p:cSld>
@@ -28816,7 +25807,7 @@
       </p:sp>
       <p:graphicFrame>
         <p:nvGraphicFramePr>
-          <p:cNvPr id="7" name="Content Placeholder 6">
+          <p:cNvPr id="6" name="Content Placeholder 5">
             <a:extLst>
               <a:ext uri="{FF2B5EF4-FFF2-40B4-BE49-F238E27FC236}">
                 <a16:creationId xmlns:a16="http://schemas.microsoft.com/office/drawing/2014/main" id="{B7E1DA0E-C993-498E-AA69-5469A34DBB5E}"/>
@@ -28907,10 +25898,9 @@
           <a:lstStyle/>
           <a:p>
             <a:r>
-              <a:rPr lang="en-US"/>
-              <a:t>What we didn’t use</a:t>
+              <a:rPr lang="en-US" dirty="0"/>
+              <a:t>What we initially tried</a:t>
             </a:r>
-            <a:endParaRPr lang="en-US" dirty="0"/>
           </a:p>
         </p:txBody>
       </p:sp>
@@ -29040,10 +26030,9 @@
           <a:lstStyle/>
           <a:p>
             <a:r>
-              <a:rPr lang="en-US"/>
-              <a:t>What we used</a:t>
+              <a:rPr lang="en-US" dirty="0"/>
+              <a:t>What we tuned</a:t>
             </a:r>
-            <a:endParaRPr lang="en-US" dirty="0"/>
           </a:p>
         </p:txBody>
       </p:sp>
@@ -29169,7 +26158,7 @@
           <a:p>
             <a:r>
               <a:rPr lang="en-US" dirty="0"/>
-              <a:t>Feature Selection (Lasso Model)</a:t>
+              <a:t>Feature Selection (Lasso/Logistic Model)</a:t>
             </a:r>
           </a:p>
         </p:txBody>
@@ -29233,10 +26222,10 @@
       </p:sp>
       <p:pic>
         <p:nvPicPr>
-          <p:cNvPr id="5" name="Picture 4" descr="A screenshot of a cell phone&#10;&#10;Description automatically generated">
+          <p:cNvPr id="7" name="Picture 6" descr="A screenshot of a cell phone&#10;&#10;Description automatically generated">
             <a:extLst>
               <a:ext uri="{FF2B5EF4-FFF2-40B4-BE49-F238E27FC236}">
-                <a16:creationId xmlns:a16="http://schemas.microsoft.com/office/drawing/2014/main" id="{E4445D59-9E3F-4C18-B619-02DA0BBA69D9}"/>
+                <a16:creationId xmlns:a16="http://schemas.microsoft.com/office/drawing/2014/main" id="{70E5D0F1-C82B-4EC0-B8B9-A73D890431C6}"/>
               </a:ext>
             </a:extLst>
           </p:cNvPr>
@@ -29259,7 +26248,7 @@
         </p:blipFill>
         <p:spPr>
           <a:xfrm>
-            <a:off x="1816100" y="3686412"/>
+            <a:off x="6096000" y="3686412"/>
             <a:ext cx="3980186" cy="2960264"/>
           </a:xfrm>
           <a:prstGeom prst="rect">
@@ -29274,10 +26263,10 @@
       </p:pic>
       <p:pic>
         <p:nvPicPr>
-          <p:cNvPr id="7" name="Picture 6" descr="A screenshot of a cell phone&#10;&#10;Description automatically generated">
+          <p:cNvPr id="6" name="Picture 5" descr="A screenshot of a cell phone&#10;&#10;Description automatically generated">
             <a:extLst>
               <a:ext uri="{FF2B5EF4-FFF2-40B4-BE49-F238E27FC236}">
-                <a16:creationId xmlns:a16="http://schemas.microsoft.com/office/drawing/2014/main" id="{70E5D0F1-C82B-4EC0-B8B9-A73D890431C6}"/>
+                <a16:creationId xmlns:a16="http://schemas.microsoft.com/office/drawing/2014/main" id="{AAE2251A-A931-4EEF-B6A3-42CDBB40ABA9}"/>
               </a:ext>
             </a:extLst>
           </p:cNvPr>
@@ -29300,8 +26289,8 @@
         </p:blipFill>
         <p:spPr>
           <a:xfrm>
-            <a:off x="6096000" y="3686412"/>
-            <a:ext cx="3980186" cy="2960264"/>
+            <a:off x="1606547" y="3686412"/>
+            <a:ext cx="3980187" cy="2960264"/>
           </a:xfrm>
           <a:prstGeom prst="rect">
             <a:avLst/>
@@ -29372,8 +26361,8 @@
           <a:lstStyle/>
           <a:p>
             <a:r>
-              <a:rPr lang="en-US"/>
-              <a:t>Parameter Tuning Log Regression</a:t>
+              <a:rPr lang="en-US" dirty="0"/>
+              <a:t>Parameter Tuning Lasso Regression</a:t>
             </a:r>
           </a:p>
         </p:txBody>
@@ -29394,7 +26383,7 @@
             <p:ph idx="1"/>
             <p:extLst>
               <p:ext uri="{D42A27DB-BD31-4B8C-83A1-F6EECF244321}">
-                <p14:modId xmlns:p14="http://schemas.microsoft.com/office/powerpoint/2010/main" val="2225320286"/>
+                <p14:modId xmlns:p14="http://schemas.microsoft.com/office/powerpoint/2010/main" val="1198151128"/>
               </p:ext>
             </p:extLst>
           </p:nvPr>

--- a/Presentation.pptx
+++ b/Presentation.pptx
@@ -131,7 +131,7 @@
 <file path=ppt/charts/chart1.xml><?xml version="1.0" encoding="utf-8"?>
 <c:chartSpace xmlns:c="http://schemas.openxmlformats.org/drawingml/2006/chart" xmlns:a="http://schemas.openxmlformats.org/drawingml/2006/main" xmlns:r="http://schemas.openxmlformats.org/officeDocument/2006/relationships" xmlns:c16r2="http://schemas.microsoft.com/office/drawing/2015/06/chart">
   <c:date1904 val="0"/>
-  <c:lang val="en-US"/>
+  <c:lang val="de-DE"/>
   <c:roundedCorners val="0"/>
   <mc:AlternateContent xmlns:mc="http://schemas.openxmlformats.org/markup-compatibility/2006">
     <mc:Choice xmlns:c14="http://schemas.microsoft.com/office/drawing/2007/8/2/chart" Requires="c14">
@@ -452,7 +452,7 @@
 <file path=ppt/charts/chart2.xml><?xml version="1.0" encoding="utf-8"?>
 <c:chartSpace xmlns:c="http://schemas.openxmlformats.org/drawingml/2006/chart" xmlns:a="http://schemas.openxmlformats.org/drawingml/2006/main" xmlns:r="http://schemas.openxmlformats.org/officeDocument/2006/relationships" xmlns:c16r2="http://schemas.microsoft.com/office/drawing/2015/06/chart">
   <c:date1904 val="0"/>
-  <c:lang val="en-US"/>
+  <c:lang val="de-DE"/>
   <c:roundedCorners val="0"/>
   <mc:AlternateContent xmlns:mc="http://schemas.openxmlformats.org/markup-compatibility/2006">
     <mc:Choice xmlns:c14="http://schemas.microsoft.com/office/drawing/2007/8/2/chart" Requires="c14">
@@ -736,7 +736,7 @@
 <file path=ppt/charts/chart3.xml><?xml version="1.0" encoding="utf-8"?>
 <c:chartSpace xmlns:c="http://schemas.openxmlformats.org/drawingml/2006/chart" xmlns:a="http://schemas.openxmlformats.org/drawingml/2006/main" xmlns:r="http://schemas.openxmlformats.org/officeDocument/2006/relationships" xmlns:c16r2="http://schemas.microsoft.com/office/drawing/2015/06/chart">
   <c:date1904 val="0"/>
-  <c:lang val="en-US"/>
+  <c:lang val="de-DE"/>
   <c:roundedCorners val="0"/>
   <mc:AlternateContent xmlns:mc="http://schemas.openxmlformats.org/markup-compatibility/2006">
     <mc:Choice xmlns:c14="http://schemas.microsoft.com/office/drawing/2007/8/2/chart" Requires="c14">
@@ -19609,7 +19609,7 @@
           <a:p>
             <a:fld id="{297A166E-ACF1-4C2F-AD43-1E0B732BAB04}" type="slidenum">
               <a:rPr lang="en-US" smtClean="0"/>
-              <a:t>‹#›</a:t>
+              <a:t>‹Nr.›</a:t>
             </a:fld>
             <a:endParaRPr lang="en-US"/>
           </a:p>
@@ -20517,7 +20517,7 @@
           <a:p>
             <a:fld id="{07F4A872-BB05-448F-BC49-4E19CC5041AD}" type="slidenum">
               <a:rPr lang="en-US" smtClean="0"/>
-              <a:t>‹#›</a:t>
+              <a:t>‹Nr.›</a:t>
             </a:fld>
             <a:endParaRPr lang="en-US"/>
           </a:p>
@@ -20725,7 +20725,7 @@
           <a:p>
             <a:fld id="{07F4A872-BB05-448F-BC49-4E19CC5041AD}" type="slidenum">
               <a:rPr lang="en-US" smtClean="0"/>
-              <a:t>‹#›</a:t>
+              <a:t>‹Nr.›</a:t>
             </a:fld>
             <a:endParaRPr lang="en-US"/>
           </a:p>
@@ -20981,7 +20981,7 @@
           <a:p>
             <a:fld id="{07F4A872-BB05-448F-BC49-4E19CC5041AD}" type="slidenum">
               <a:rPr lang="en-US" smtClean="0"/>
-              <a:t>‹#›</a:t>
+              <a:t>‹Nr.›</a:t>
             </a:fld>
             <a:endParaRPr lang="en-US"/>
           </a:p>
@@ -21155,7 +21155,7 @@
           <a:p>
             <a:fld id="{07F4A872-BB05-448F-BC49-4E19CC5041AD}" type="slidenum">
               <a:rPr lang="en-US" smtClean="0"/>
-              <a:t>‹#›</a:t>
+              <a:t>‹Nr.›</a:t>
             </a:fld>
             <a:endParaRPr lang="en-US"/>
           </a:p>
@@ -21498,7 +21498,7 @@
           <a:p>
             <a:fld id="{07F4A872-BB05-448F-BC49-4E19CC5041AD}" type="slidenum">
               <a:rPr lang="en-US" smtClean="0"/>
-              <a:t>‹#›</a:t>
+              <a:t>‹Nr.›</a:t>
             </a:fld>
             <a:endParaRPr lang="en-US"/>
           </a:p>
@@ -21773,7 +21773,7 @@
           <a:p>
             <a:fld id="{07F4A872-BB05-448F-BC49-4E19CC5041AD}" type="slidenum">
               <a:rPr lang="en-US" smtClean="0"/>
-              <a:t>‹#›</a:t>
+              <a:t>‹Nr.›</a:t>
             </a:fld>
             <a:endParaRPr lang="en-US"/>
           </a:p>
@@ -22152,7 +22152,7 @@
           <a:p>
             <a:fld id="{07F4A872-BB05-448F-BC49-4E19CC5041AD}" type="slidenum">
               <a:rPr lang="en-US" smtClean="0"/>
-              <a:t>‹#›</a:t>
+              <a:t>‹Nr.›</a:t>
             </a:fld>
             <a:endParaRPr lang="en-US"/>
           </a:p>
@@ -22270,7 +22270,7 @@
           <a:p>
             <a:fld id="{07F4A872-BB05-448F-BC49-4E19CC5041AD}" type="slidenum">
               <a:rPr lang="en-US" smtClean="0"/>
-              <a:t>‹#›</a:t>
+              <a:t>‹Nr.›</a:t>
             </a:fld>
             <a:endParaRPr lang="en-US"/>
           </a:p>
@@ -22449,7 +22449,7 @@
           <a:p>
             <a:fld id="{07F4A872-BB05-448F-BC49-4E19CC5041AD}" type="slidenum">
               <a:rPr lang="en-US" smtClean="0"/>
-              <a:t>‹#›</a:t>
+              <a:t>‹Nr.›</a:t>
             </a:fld>
             <a:endParaRPr lang="en-US"/>
           </a:p>
@@ -22816,7 +22816,7 @@
           <a:p>
             <a:fld id="{07F4A872-BB05-448F-BC49-4E19CC5041AD}" type="slidenum">
               <a:rPr lang="en-US" smtClean="0"/>
-              <a:t>‹#›</a:t>
+              <a:t>‹Nr.›</a:t>
             </a:fld>
             <a:endParaRPr lang="en-US"/>
           </a:p>
@@ -23177,7 +23177,7 @@
           <a:p>
             <a:fld id="{07F4A872-BB05-448F-BC49-4E19CC5041AD}" type="slidenum">
               <a:rPr lang="en-US" smtClean="0"/>
-              <a:t>‹#›</a:t>
+              <a:t>‹Nr.›</a:t>
             </a:fld>
             <a:endParaRPr lang="en-US"/>
           </a:p>
@@ -23496,7 +23496,7 @@
           <a:p>
             <a:fld id="{07F4A872-BB05-448F-BC49-4E19CC5041AD}" type="slidenum">
               <a:rPr lang="en-US" smtClean="0"/>
-              <a:t>‹#›</a:t>
+              <a:t>‹Nr.›</a:t>
             </a:fld>
             <a:endParaRPr lang="en-US"/>
           </a:p>
@@ -26248,7 +26248,7 @@
         </p:blipFill>
         <p:spPr>
           <a:xfrm>
-            <a:off x="6096000" y="3686412"/>
+            <a:off x="6096000" y="3297621"/>
             <a:ext cx="3980186" cy="2960264"/>
           </a:xfrm>
           <a:prstGeom prst="rect">
@@ -26289,7 +26289,7 @@
         </p:blipFill>
         <p:spPr>
           <a:xfrm>
-            <a:off x="1606547" y="3686412"/>
+            <a:off x="1524485" y="3297621"/>
             <a:ext cx="3980187" cy="2960264"/>
           </a:xfrm>
           <a:prstGeom prst="rect">

--- a/Presentation.pptx
+++ b/Presentation.pptx
@@ -5,7 +5,7 @@
     <p:sldMasterId id="2147483660" r:id="rId1"/>
   </p:sldMasterIdLst>
   <p:notesMasterIdLst>
-    <p:notesMasterId r:id="rId16"/>
+    <p:notesMasterId r:id="rId20"/>
   </p:notesMasterIdLst>
   <p:sldIdLst>
     <p:sldId id="256" r:id="rId2"/>
@@ -20,8 +20,12 @@
     <p:sldId id="278" r:id="rId11"/>
     <p:sldId id="279" r:id="rId12"/>
     <p:sldId id="281" r:id="rId13"/>
-    <p:sldId id="266" r:id="rId14"/>
-    <p:sldId id="273" r:id="rId15"/>
+    <p:sldId id="282" r:id="rId14"/>
+    <p:sldId id="283" r:id="rId15"/>
+    <p:sldId id="284" r:id="rId16"/>
+    <p:sldId id="285" r:id="rId17"/>
+    <p:sldId id="266" r:id="rId18"/>
+    <p:sldId id="273" r:id="rId19"/>
   </p:sldIdLst>
   <p:sldSz cx="12192000" cy="6858000"/>
   <p:notesSz cx="6858000" cy="9144000"/>
@@ -748,6 +752,284 @@
   </mc:AlternateContent>
   <c:chart>
     <c:title>
+      <c:overlay val="0"/>
+      <c:spPr>
+        <a:noFill/>
+        <a:ln>
+          <a:noFill/>
+        </a:ln>
+        <a:effectLst/>
+      </c:spPr>
+      <c:txPr>
+        <a:bodyPr rot="0" spcFirstLastPara="1" vertOverflow="ellipsis" vert="horz" wrap="square" anchor="ctr" anchorCtr="1"/>
+        <a:lstStyle/>
+        <a:p>
+          <a:pPr>
+            <a:defRPr sz="1400" b="0" i="0" u="none" strike="noStrike" kern="1200" spc="0" baseline="0">
+              <a:solidFill>
+                <a:schemeClr val="tx1">
+                  <a:lumMod val="65000"/>
+                  <a:lumOff val="35000"/>
+                </a:schemeClr>
+              </a:solidFill>
+              <a:latin typeface="+mn-lt"/>
+              <a:ea typeface="+mn-ea"/>
+              <a:cs typeface="+mn-cs"/>
+            </a:defRPr>
+          </a:pPr>
+          <a:endParaRPr lang="en-US"/>
+        </a:p>
+      </c:txPr>
+    </c:title>
+    <c:autoTitleDeleted val="0"/>
+    <c:plotArea>
+      <c:layout/>
+      <c:barChart>
+        <c:barDir val="col"/>
+        <c:grouping val="clustered"/>
+        <c:varyColors val="0"/>
+        <c:ser>
+          <c:idx val="0"/>
+          <c:order val="0"/>
+          <c:tx>
+            <c:strRef>
+              <c:f>Sheet4!$B$1</c:f>
+              <c:strCache>
+                <c:ptCount val="1"/>
+                <c:pt idx="0">
+                  <c:v>Score</c:v>
+                </c:pt>
+              </c:strCache>
+            </c:strRef>
+          </c:tx>
+          <c:spPr>
+            <a:solidFill>
+              <a:schemeClr val="accent1"/>
+            </a:solidFill>
+            <a:ln>
+              <a:noFill/>
+            </a:ln>
+            <a:effectLst/>
+          </c:spPr>
+          <c:invertIfNegative val="0"/>
+          <c:cat>
+            <c:strRef>
+              <c:f>Sheet4!$A$2:$A$4</c:f>
+              <c:strCache>
+                <c:ptCount val="3"/>
+                <c:pt idx="0">
+                  <c:v>Logistic Regression</c:v>
+                </c:pt>
+                <c:pt idx="1">
+                  <c:v>Neural Network MLP Classification</c:v>
+                </c:pt>
+                <c:pt idx="2">
+                  <c:v>Lasso Regression</c:v>
+                </c:pt>
+              </c:strCache>
+            </c:strRef>
+          </c:cat>
+          <c:val>
+            <c:numRef>
+              <c:f>Sheet4!$B$2:$B$4</c:f>
+              <c:numCache>
+                <c:formatCode>0.00%</c:formatCode>
+                <c:ptCount val="3"/>
+                <c:pt idx="0">
+                  <c:v>0.76300000000000001</c:v>
+                </c:pt>
+                <c:pt idx="1">
+                  <c:v>0.72699999999999998</c:v>
+                </c:pt>
+                <c:pt idx="2">
+                  <c:v>0.70599999999999996</c:v>
+                </c:pt>
+              </c:numCache>
+            </c:numRef>
+          </c:val>
+          <c:extLst>
+            <c:ext xmlns:c16="http://schemas.microsoft.com/office/drawing/2014/chart" uri="{C3380CC4-5D6E-409C-BE32-E72D297353CC}">
+              <c16:uniqueId val="{00000000-82B4-4F5B-BDFB-8E33BCB916CA}"/>
+            </c:ext>
+          </c:extLst>
+        </c:ser>
+        <c:dLbls>
+          <c:showLegendKey val="0"/>
+          <c:showVal val="0"/>
+          <c:showCatName val="0"/>
+          <c:showSerName val="0"/>
+          <c:showPercent val="0"/>
+          <c:showBubbleSize val="0"/>
+        </c:dLbls>
+        <c:gapWidth val="219"/>
+        <c:overlap val="-27"/>
+        <c:axId val="1727077360"/>
+        <c:axId val="1634035584"/>
+      </c:barChart>
+      <c:catAx>
+        <c:axId val="1727077360"/>
+        <c:scaling>
+          <c:orientation val="minMax"/>
+        </c:scaling>
+        <c:delete val="0"/>
+        <c:axPos val="b"/>
+        <c:numFmt formatCode="General" sourceLinked="1"/>
+        <c:majorTickMark val="none"/>
+        <c:minorTickMark val="none"/>
+        <c:tickLblPos val="nextTo"/>
+        <c:spPr>
+          <a:noFill/>
+          <a:ln w="9525" cap="flat" cmpd="sng" algn="ctr">
+            <a:solidFill>
+              <a:schemeClr val="tx1">
+                <a:lumMod val="15000"/>
+                <a:lumOff val="85000"/>
+              </a:schemeClr>
+            </a:solidFill>
+            <a:round/>
+          </a:ln>
+          <a:effectLst/>
+        </c:spPr>
+        <c:txPr>
+          <a:bodyPr rot="-60000000" spcFirstLastPara="1" vertOverflow="ellipsis" vert="horz" wrap="square" anchor="ctr" anchorCtr="1"/>
+          <a:lstStyle/>
+          <a:p>
+            <a:pPr>
+              <a:defRPr sz="900" b="0" i="0" u="none" strike="noStrike" kern="1200" baseline="0">
+                <a:solidFill>
+                  <a:schemeClr val="tx1">
+                    <a:lumMod val="65000"/>
+                    <a:lumOff val="35000"/>
+                  </a:schemeClr>
+                </a:solidFill>
+                <a:latin typeface="+mn-lt"/>
+                <a:ea typeface="+mn-ea"/>
+                <a:cs typeface="+mn-cs"/>
+              </a:defRPr>
+            </a:pPr>
+            <a:endParaRPr lang="en-US"/>
+          </a:p>
+        </c:txPr>
+        <c:crossAx val="1634035584"/>
+        <c:crosses val="autoZero"/>
+        <c:auto val="1"/>
+        <c:lblAlgn val="ctr"/>
+        <c:lblOffset val="100"/>
+        <c:noMultiLvlLbl val="0"/>
+      </c:catAx>
+      <c:valAx>
+        <c:axId val="1634035584"/>
+        <c:scaling>
+          <c:orientation val="minMax"/>
+        </c:scaling>
+        <c:delete val="0"/>
+        <c:axPos val="l"/>
+        <c:majorGridlines>
+          <c:spPr>
+            <a:ln w="9525" cap="flat" cmpd="sng" algn="ctr">
+              <a:solidFill>
+                <a:schemeClr val="tx1">
+                  <a:lumMod val="15000"/>
+                  <a:lumOff val="85000"/>
+                </a:schemeClr>
+              </a:solidFill>
+              <a:round/>
+            </a:ln>
+            <a:effectLst/>
+          </c:spPr>
+        </c:majorGridlines>
+        <c:numFmt formatCode="0.00%" sourceLinked="1"/>
+        <c:majorTickMark val="none"/>
+        <c:minorTickMark val="none"/>
+        <c:tickLblPos val="nextTo"/>
+        <c:spPr>
+          <a:noFill/>
+          <a:ln>
+            <a:noFill/>
+          </a:ln>
+          <a:effectLst/>
+        </c:spPr>
+        <c:txPr>
+          <a:bodyPr rot="-60000000" spcFirstLastPara="1" vertOverflow="ellipsis" vert="horz" wrap="square" anchor="ctr" anchorCtr="1"/>
+          <a:lstStyle/>
+          <a:p>
+            <a:pPr>
+              <a:defRPr sz="900" b="0" i="0" u="none" strike="noStrike" kern="1200" baseline="0">
+                <a:solidFill>
+                  <a:schemeClr val="tx1">
+                    <a:lumMod val="65000"/>
+                    <a:lumOff val="35000"/>
+                  </a:schemeClr>
+                </a:solidFill>
+                <a:latin typeface="+mn-lt"/>
+                <a:ea typeface="+mn-ea"/>
+                <a:cs typeface="+mn-cs"/>
+              </a:defRPr>
+            </a:pPr>
+            <a:endParaRPr lang="en-US"/>
+          </a:p>
+        </c:txPr>
+        <c:crossAx val="1727077360"/>
+        <c:crosses val="autoZero"/>
+        <c:crossBetween val="between"/>
+      </c:valAx>
+      <c:spPr>
+        <a:noFill/>
+        <a:ln>
+          <a:noFill/>
+        </a:ln>
+        <a:effectLst/>
+      </c:spPr>
+    </c:plotArea>
+    <c:plotVisOnly val="1"/>
+    <c:dispBlanksAs val="gap"/>
+    <c:extLst>
+      <c:ext xmlns:c16r3="http://schemas.microsoft.com/office/drawing/2017/03/chart" uri="{56B9EC1D-385E-4148-901F-78D8002777C0}">
+        <c16r3:dataDisplayOptions16>
+          <c16r3:dispNaAsBlank val="1"/>
+        </c16r3:dataDisplayOptions16>
+      </c:ext>
+    </c:extLst>
+    <c:showDLblsOverMax val="0"/>
+  </c:chart>
+  <c:spPr>
+    <a:noFill/>
+    <a:ln>
+      <a:noFill/>
+    </a:ln>
+    <a:effectLst/>
+  </c:spPr>
+  <c:txPr>
+    <a:bodyPr/>
+    <a:lstStyle/>
+    <a:p>
+      <a:pPr>
+        <a:defRPr/>
+      </a:pPr>
+      <a:endParaRPr lang="en-US"/>
+    </a:p>
+  </c:txPr>
+  <c:externalData r:id="rId3">
+    <c:autoUpdate val="0"/>
+  </c:externalData>
+</c:chartSpace>
+</file>
+
+<file path=ppt/charts/chart4.xml><?xml version="1.0" encoding="utf-8"?>
+<c:chartSpace xmlns:c="http://schemas.openxmlformats.org/drawingml/2006/chart" xmlns:a="http://schemas.openxmlformats.org/drawingml/2006/main" xmlns:r="http://schemas.openxmlformats.org/officeDocument/2006/relationships" xmlns:c16r2="http://schemas.microsoft.com/office/drawing/2015/06/chart">
+  <c:date1904 val="0"/>
+  <c:lang val="en-US"/>
+  <c:roundedCorners val="0"/>
+  <mc:AlternateContent xmlns:mc="http://schemas.openxmlformats.org/markup-compatibility/2006">
+    <mc:Choice xmlns:c14="http://schemas.microsoft.com/office/drawing/2007/8/2/chart" Requires="c14">
+      <c14:style val="102"/>
+    </mc:Choice>
+    <mc:Fallback>
+      <c:style val="2"/>
+    </mc:Fallback>
+  </mc:AlternateContent>
+  <c:chart>
+    <c:title>
       <c:tx>
         <c:rich>
           <a:bodyPr rot="0" spcFirstLastPara="1" vertOverflow="ellipsis" vert="horz" wrap="square" anchor="ctr" anchorCtr="1"/>
@@ -1204,6 +1486,46 @@
 </cs:colorStyle>
 </file>
 
+<file path=ppt/charts/colors4.xml><?xml version="1.0" encoding="utf-8"?>
+<cs:colorStyle xmlns:cs="http://schemas.microsoft.com/office/drawing/2012/chartStyle" xmlns:a="http://schemas.openxmlformats.org/drawingml/2006/main" meth="cycle" id="10">
+  <a:schemeClr val="accent1"/>
+  <a:schemeClr val="accent2"/>
+  <a:schemeClr val="accent3"/>
+  <a:schemeClr val="accent4"/>
+  <a:schemeClr val="accent5"/>
+  <a:schemeClr val="accent6"/>
+  <cs:variation/>
+  <cs:variation>
+    <a:lumMod val="60000"/>
+  </cs:variation>
+  <cs:variation>
+    <a:lumMod val="80000"/>
+    <a:lumOff val="20000"/>
+  </cs:variation>
+  <cs:variation>
+    <a:lumMod val="80000"/>
+  </cs:variation>
+  <cs:variation>
+    <a:lumMod val="60000"/>
+    <a:lumOff val="40000"/>
+  </cs:variation>
+  <cs:variation>
+    <a:lumMod val="50000"/>
+  </cs:variation>
+  <cs:variation>
+    <a:lumMod val="70000"/>
+    <a:lumOff val="30000"/>
+  </cs:variation>
+  <cs:variation>
+    <a:lumMod val="70000"/>
+  </cs:variation>
+  <cs:variation>
+    <a:lumMod val="50000"/>
+    <a:lumOff val="50000"/>
+  </cs:variation>
+</cs:colorStyle>
+</file>
+
 <file path=ppt/charts/style1.xml><?xml version="1.0" encoding="utf-8"?>
 <cs:chartStyle xmlns:cs="http://schemas.microsoft.com/office/drawing/2012/chartStyle" xmlns:a="http://schemas.openxmlformats.org/drawingml/2006/main" id="201">
   <cs:axisTitle>
@@ -2713,6 +3035,509 @@
 </cs:chartStyle>
 </file>
 
+<file path=ppt/charts/style4.xml><?xml version="1.0" encoding="utf-8"?>
+<cs:chartStyle xmlns:cs="http://schemas.microsoft.com/office/drawing/2012/chartStyle" xmlns:a="http://schemas.openxmlformats.org/drawingml/2006/main" id="201">
+  <cs:axisTitle>
+    <cs:lnRef idx="0"/>
+    <cs:fillRef idx="0"/>
+    <cs:effectRef idx="0"/>
+    <cs:fontRef idx="minor">
+      <a:schemeClr val="tx1">
+        <a:lumMod val="65000"/>
+        <a:lumOff val="35000"/>
+      </a:schemeClr>
+    </cs:fontRef>
+    <cs:defRPr sz="1000" kern="1200"/>
+  </cs:axisTitle>
+  <cs:categoryAxis>
+    <cs:lnRef idx="0"/>
+    <cs:fillRef idx="0"/>
+    <cs:effectRef idx="0"/>
+    <cs:fontRef idx="minor">
+      <a:schemeClr val="tx1">
+        <a:lumMod val="65000"/>
+        <a:lumOff val="35000"/>
+      </a:schemeClr>
+    </cs:fontRef>
+    <cs:spPr>
+      <a:ln w="9525" cap="flat" cmpd="sng" algn="ctr">
+        <a:solidFill>
+          <a:schemeClr val="tx1">
+            <a:lumMod val="15000"/>
+            <a:lumOff val="85000"/>
+          </a:schemeClr>
+        </a:solidFill>
+        <a:round/>
+      </a:ln>
+    </cs:spPr>
+    <cs:defRPr sz="900" kern="1200"/>
+  </cs:categoryAxis>
+  <cs:chartArea mods="allowNoFillOverride allowNoLineOverride">
+    <cs:lnRef idx="0"/>
+    <cs:fillRef idx="0"/>
+    <cs:effectRef idx="0"/>
+    <cs:fontRef idx="minor">
+      <a:schemeClr val="tx1"/>
+    </cs:fontRef>
+    <cs:spPr>
+      <a:solidFill>
+        <a:schemeClr val="bg1"/>
+      </a:solidFill>
+      <a:ln w="9525" cap="flat" cmpd="sng" algn="ctr">
+        <a:solidFill>
+          <a:schemeClr val="tx1">
+            <a:lumMod val="15000"/>
+            <a:lumOff val="85000"/>
+          </a:schemeClr>
+        </a:solidFill>
+        <a:round/>
+      </a:ln>
+    </cs:spPr>
+    <cs:defRPr sz="1000" kern="1200"/>
+  </cs:chartArea>
+  <cs:dataLabel>
+    <cs:lnRef idx="0"/>
+    <cs:fillRef idx="0"/>
+    <cs:effectRef idx="0"/>
+    <cs:fontRef idx="minor">
+      <a:schemeClr val="tx1">
+        <a:lumMod val="75000"/>
+        <a:lumOff val="25000"/>
+      </a:schemeClr>
+    </cs:fontRef>
+    <cs:defRPr sz="900" kern="1200"/>
+  </cs:dataLabel>
+  <cs:dataLabelCallout>
+    <cs:lnRef idx="0"/>
+    <cs:fillRef idx="0"/>
+    <cs:effectRef idx="0"/>
+    <cs:fontRef idx="minor">
+      <a:schemeClr val="dk1">
+        <a:lumMod val="65000"/>
+        <a:lumOff val="35000"/>
+      </a:schemeClr>
+    </cs:fontRef>
+    <cs:spPr>
+      <a:solidFill>
+        <a:schemeClr val="lt1"/>
+      </a:solidFill>
+      <a:ln>
+        <a:solidFill>
+          <a:schemeClr val="dk1">
+            <a:lumMod val="25000"/>
+            <a:lumOff val="75000"/>
+          </a:schemeClr>
+        </a:solidFill>
+      </a:ln>
+    </cs:spPr>
+    <cs:defRPr sz="900" kern="1200"/>
+    <cs:bodyPr rot="0" spcFirstLastPara="1" vertOverflow="clip" horzOverflow="clip" vert="horz" wrap="square" lIns="36576" tIns="18288" rIns="36576" bIns="18288" anchor="ctr" anchorCtr="1">
+      <a:spAutoFit/>
+    </cs:bodyPr>
+  </cs:dataLabelCallout>
+  <cs:dataPoint>
+    <cs:lnRef idx="0"/>
+    <cs:fillRef idx="1">
+      <cs:styleClr val="auto"/>
+    </cs:fillRef>
+    <cs:effectRef idx="0"/>
+    <cs:fontRef idx="minor">
+      <a:schemeClr val="tx1"/>
+    </cs:fontRef>
+  </cs:dataPoint>
+  <cs:dataPoint3D>
+    <cs:lnRef idx="0"/>
+    <cs:fillRef idx="1">
+      <cs:styleClr val="auto"/>
+    </cs:fillRef>
+    <cs:effectRef idx="0"/>
+    <cs:fontRef idx="minor">
+      <a:schemeClr val="tx1"/>
+    </cs:fontRef>
+  </cs:dataPoint3D>
+  <cs:dataPointLine>
+    <cs:lnRef idx="0">
+      <cs:styleClr val="auto"/>
+    </cs:lnRef>
+    <cs:fillRef idx="1"/>
+    <cs:effectRef idx="0"/>
+    <cs:fontRef idx="minor">
+      <a:schemeClr val="tx1"/>
+    </cs:fontRef>
+    <cs:spPr>
+      <a:ln w="28575" cap="rnd">
+        <a:solidFill>
+          <a:schemeClr val="phClr"/>
+        </a:solidFill>
+        <a:round/>
+      </a:ln>
+    </cs:spPr>
+  </cs:dataPointLine>
+  <cs:dataPointMarker>
+    <cs:lnRef idx="0">
+      <cs:styleClr val="auto"/>
+    </cs:lnRef>
+    <cs:fillRef idx="1">
+      <cs:styleClr val="auto"/>
+    </cs:fillRef>
+    <cs:effectRef idx="0"/>
+    <cs:fontRef idx="minor">
+      <a:schemeClr val="tx1"/>
+    </cs:fontRef>
+    <cs:spPr>
+      <a:ln w="9525">
+        <a:solidFill>
+          <a:schemeClr val="phClr"/>
+        </a:solidFill>
+      </a:ln>
+    </cs:spPr>
+  </cs:dataPointMarker>
+  <cs:dataPointMarkerLayout symbol="circle" size="5"/>
+  <cs:dataPointWireframe>
+    <cs:lnRef idx="0">
+      <cs:styleClr val="auto"/>
+    </cs:lnRef>
+    <cs:fillRef idx="1"/>
+    <cs:effectRef idx="0"/>
+    <cs:fontRef idx="minor">
+      <a:schemeClr val="tx1"/>
+    </cs:fontRef>
+    <cs:spPr>
+      <a:ln w="9525" cap="rnd">
+        <a:solidFill>
+          <a:schemeClr val="phClr"/>
+        </a:solidFill>
+        <a:round/>
+      </a:ln>
+    </cs:spPr>
+  </cs:dataPointWireframe>
+  <cs:dataTable>
+    <cs:lnRef idx="0"/>
+    <cs:fillRef idx="0"/>
+    <cs:effectRef idx="0"/>
+    <cs:fontRef idx="minor">
+      <a:schemeClr val="tx1">
+        <a:lumMod val="65000"/>
+        <a:lumOff val="35000"/>
+      </a:schemeClr>
+    </cs:fontRef>
+    <cs:spPr>
+      <a:noFill/>
+      <a:ln w="9525" cap="flat" cmpd="sng" algn="ctr">
+        <a:solidFill>
+          <a:schemeClr val="tx1">
+            <a:lumMod val="15000"/>
+            <a:lumOff val="85000"/>
+          </a:schemeClr>
+        </a:solidFill>
+        <a:round/>
+      </a:ln>
+    </cs:spPr>
+    <cs:defRPr sz="900" kern="1200"/>
+  </cs:dataTable>
+  <cs:downBar>
+    <cs:lnRef idx="0"/>
+    <cs:fillRef idx="0"/>
+    <cs:effectRef idx="0"/>
+    <cs:fontRef idx="minor">
+      <a:schemeClr val="dk1"/>
+    </cs:fontRef>
+    <cs:spPr>
+      <a:solidFill>
+        <a:schemeClr val="dk1">
+          <a:lumMod val="65000"/>
+          <a:lumOff val="35000"/>
+        </a:schemeClr>
+      </a:solidFill>
+      <a:ln w="9525">
+        <a:solidFill>
+          <a:schemeClr val="tx1">
+            <a:lumMod val="65000"/>
+            <a:lumOff val="35000"/>
+          </a:schemeClr>
+        </a:solidFill>
+      </a:ln>
+    </cs:spPr>
+  </cs:downBar>
+  <cs:dropLine>
+    <cs:lnRef idx="0"/>
+    <cs:fillRef idx="0"/>
+    <cs:effectRef idx="0"/>
+    <cs:fontRef idx="minor">
+      <a:schemeClr val="tx1"/>
+    </cs:fontRef>
+    <cs:spPr>
+      <a:ln w="9525" cap="flat" cmpd="sng" algn="ctr">
+        <a:solidFill>
+          <a:schemeClr val="tx1">
+            <a:lumMod val="35000"/>
+            <a:lumOff val="65000"/>
+          </a:schemeClr>
+        </a:solidFill>
+        <a:round/>
+      </a:ln>
+    </cs:spPr>
+  </cs:dropLine>
+  <cs:errorBar>
+    <cs:lnRef idx="0"/>
+    <cs:fillRef idx="0"/>
+    <cs:effectRef idx="0"/>
+    <cs:fontRef idx="minor">
+      <a:schemeClr val="tx1"/>
+    </cs:fontRef>
+    <cs:spPr>
+      <a:ln w="9525" cap="flat" cmpd="sng" algn="ctr">
+        <a:solidFill>
+          <a:schemeClr val="tx1">
+            <a:lumMod val="65000"/>
+            <a:lumOff val="35000"/>
+          </a:schemeClr>
+        </a:solidFill>
+        <a:round/>
+      </a:ln>
+    </cs:spPr>
+  </cs:errorBar>
+  <cs:floor>
+    <cs:lnRef idx="0"/>
+    <cs:fillRef idx="0"/>
+    <cs:effectRef idx="0"/>
+    <cs:fontRef idx="minor">
+      <a:schemeClr val="tx1"/>
+    </cs:fontRef>
+    <cs:spPr>
+      <a:noFill/>
+      <a:ln>
+        <a:noFill/>
+      </a:ln>
+    </cs:spPr>
+  </cs:floor>
+  <cs:gridlineMajor>
+    <cs:lnRef idx="0"/>
+    <cs:fillRef idx="0"/>
+    <cs:effectRef idx="0"/>
+    <cs:fontRef idx="minor">
+      <a:schemeClr val="tx1"/>
+    </cs:fontRef>
+    <cs:spPr>
+      <a:ln w="9525" cap="flat" cmpd="sng" algn="ctr">
+        <a:solidFill>
+          <a:schemeClr val="tx1">
+            <a:lumMod val="15000"/>
+            <a:lumOff val="85000"/>
+          </a:schemeClr>
+        </a:solidFill>
+        <a:round/>
+      </a:ln>
+    </cs:spPr>
+  </cs:gridlineMajor>
+  <cs:gridlineMinor>
+    <cs:lnRef idx="0"/>
+    <cs:fillRef idx="0"/>
+    <cs:effectRef idx="0"/>
+    <cs:fontRef idx="minor">
+      <a:schemeClr val="tx1"/>
+    </cs:fontRef>
+    <cs:spPr>
+      <a:ln w="9525" cap="flat" cmpd="sng" algn="ctr">
+        <a:solidFill>
+          <a:schemeClr val="tx1">
+            <a:lumMod val="5000"/>
+            <a:lumOff val="95000"/>
+          </a:schemeClr>
+        </a:solidFill>
+        <a:round/>
+      </a:ln>
+    </cs:spPr>
+  </cs:gridlineMinor>
+  <cs:hiLoLine>
+    <cs:lnRef idx="0"/>
+    <cs:fillRef idx="0"/>
+    <cs:effectRef idx="0"/>
+    <cs:fontRef idx="minor">
+      <a:schemeClr val="tx1"/>
+    </cs:fontRef>
+    <cs:spPr>
+      <a:ln w="9525" cap="flat" cmpd="sng" algn="ctr">
+        <a:solidFill>
+          <a:schemeClr val="tx1">
+            <a:lumMod val="75000"/>
+            <a:lumOff val="25000"/>
+          </a:schemeClr>
+        </a:solidFill>
+        <a:round/>
+      </a:ln>
+    </cs:spPr>
+  </cs:hiLoLine>
+  <cs:leaderLine>
+    <cs:lnRef idx="0"/>
+    <cs:fillRef idx="0"/>
+    <cs:effectRef idx="0"/>
+    <cs:fontRef idx="minor">
+      <a:schemeClr val="tx1"/>
+    </cs:fontRef>
+    <cs:spPr>
+      <a:ln w="9525" cap="flat" cmpd="sng" algn="ctr">
+        <a:solidFill>
+          <a:schemeClr val="tx1">
+            <a:lumMod val="35000"/>
+            <a:lumOff val="65000"/>
+          </a:schemeClr>
+        </a:solidFill>
+        <a:round/>
+      </a:ln>
+    </cs:spPr>
+  </cs:leaderLine>
+  <cs:legend>
+    <cs:lnRef idx="0"/>
+    <cs:fillRef idx="0"/>
+    <cs:effectRef idx="0"/>
+    <cs:fontRef idx="minor">
+      <a:schemeClr val="tx1">
+        <a:lumMod val="65000"/>
+        <a:lumOff val="35000"/>
+      </a:schemeClr>
+    </cs:fontRef>
+    <cs:defRPr sz="900" kern="1200"/>
+  </cs:legend>
+  <cs:plotArea mods="allowNoFillOverride allowNoLineOverride">
+    <cs:lnRef idx="0"/>
+    <cs:fillRef idx="0"/>
+    <cs:effectRef idx="0"/>
+    <cs:fontRef idx="minor">
+      <a:schemeClr val="tx1"/>
+    </cs:fontRef>
+  </cs:plotArea>
+  <cs:plotArea3D mods="allowNoFillOverride allowNoLineOverride">
+    <cs:lnRef idx="0"/>
+    <cs:fillRef idx="0"/>
+    <cs:effectRef idx="0"/>
+    <cs:fontRef idx="minor">
+      <a:schemeClr val="tx1"/>
+    </cs:fontRef>
+  </cs:plotArea3D>
+  <cs:seriesAxis>
+    <cs:lnRef idx="0"/>
+    <cs:fillRef idx="0"/>
+    <cs:effectRef idx="0"/>
+    <cs:fontRef idx="minor">
+      <a:schemeClr val="tx1">
+        <a:lumMod val="65000"/>
+        <a:lumOff val="35000"/>
+      </a:schemeClr>
+    </cs:fontRef>
+    <cs:defRPr sz="900" kern="1200"/>
+  </cs:seriesAxis>
+  <cs:seriesLine>
+    <cs:lnRef idx="0"/>
+    <cs:fillRef idx="0"/>
+    <cs:effectRef idx="0"/>
+    <cs:fontRef idx="minor">
+      <a:schemeClr val="tx1"/>
+    </cs:fontRef>
+    <cs:spPr>
+      <a:ln w="9525" cap="flat" cmpd="sng" algn="ctr">
+        <a:solidFill>
+          <a:schemeClr val="tx1">
+            <a:lumMod val="35000"/>
+            <a:lumOff val="65000"/>
+          </a:schemeClr>
+        </a:solidFill>
+        <a:round/>
+      </a:ln>
+    </cs:spPr>
+  </cs:seriesLine>
+  <cs:title>
+    <cs:lnRef idx="0"/>
+    <cs:fillRef idx="0"/>
+    <cs:effectRef idx="0"/>
+    <cs:fontRef idx="minor">
+      <a:schemeClr val="tx1">
+        <a:lumMod val="65000"/>
+        <a:lumOff val="35000"/>
+      </a:schemeClr>
+    </cs:fontRef>
+    <cs:defRPr sz="1400" b="0" kern="1200" spc="0" baseline="0"/>
+  </cs:title>
+  <cs:trendline>
+    <cs:lnRef idx="0">
+      <cs:styleClr val="auto"/>
+    </cs:lnRef>
+    <cs:fillRef idx="0"/>
+    <cs:effectRef idx="0"/>
+    <cs:fontRef idx="minor">
+      <a:schemeClr val="tx1"/>
+    </cs:fontRef>
+    <cs:spPr>
+      <a:ln w="19050" cap="rnd">
+        <a:solidFill>
+          <a:schemeClr val="phClr"/>
+        </a:solidFill>
+        <a:prstDash val="sysDot"/>
+      </a:ln>
+    </cs:spPr>
+  </cs:trendline>
+  <cs:trendlineLabel>
+    <cs:lnRef idx="0"/>
+    <cs:fillRef idx="0"/>
+    <cs:effectRef idx="0"/>
+    <cs:fontRef idx="minor">
+      <a:schemeClr val="tx1">
+        <a:lumMod val="65000"/>
+        <a:lumOff val="35000"/>
+      </a:schemeClr>
+    </cs:fontRef>
+    <cs:defRPr sz="900" kern="1200"/>
+  </cs:trendlineLabel>
+  <cs:upBar>
+    <cs:lnRef idx="0"/>
+    <cs:fillRef idx="0"/>
+    <cs:effectRef idx="0"/>
+    <cs:fontRef idx="minor">
+      <a:schemeClr val="dk1"/>
+    </cs:fontRef>
+    <cs:spPr>
+      <a:solidFill>
+        <a:schemeClr val="lt1"/>
+      </a:solidFill>
+      <a:ln w="9525">
+        <a:solidFill>
+          <a:schemeClr val="tx1">
+            <a:lumMod val="15000"/>
+            <a:lumOff val="85000"/>
+          </a:schemeClr>
+        </a:solidFill>
+      </a:ln>
+    </cs:spPr>
+  </cs:upBar>
+  <cs:valueAxis>
+    <cs:lnRef idx="0"/>
+    <cs:fillRef idx="0"/>
+    <cs:effectRef idx="0"/>
+    <cs:fontRef idx="minor">
+      <a:schemeClr val="tx1">
+        <a:lumMod val="65000"/>
+        <a:lumOff val="35000"/>
+      </a:schemeClr>
+    </cs:fontRef>
+    <cs:defRPr sz="900" kern="1200"/>
+  </cs:valueAxis>
+  <cs:wall>
+    <cs:lnRef idx="0"/>
+    <cs:fillRef idx="0"/>
+    <cs:effectRef idx="0"/>
+    <cs:fontRef idx="minor">
+      <a:schemeClr val="tx1"/>
+    </cs:fontRef>
+    <cs:spPr>
+      <a:noFill/>
+      <a:ln>
+        <a:noFill/>
+      </a:ln>
+    </cs:spPr>
+  </cs:wall>
+</cs:chartStyle>
+</file>
+
 <file path=ppt/diagrams/colors1.xml><?xml version="1.0" encoding="utf-8"?>
 <dgm:colorsDef xmlns:dgm="http://schemas.openxmlformats.org/drawingml/2006/diagram" xmlns:a="http://schemas.openxmlformats.org/drawingml/2006/main" uniqueId="urn:microsoft.com/office/officeart/2018/5/colors/Iconchunking_neutralbg_colorful1">
   <dgm:title val=""/>
@@ -6763,6 +7588,788 @@
 </file>
 
 <file path=ppt/diagrams/colors6.xml><?xml version="1.0" encoding="utf-8"?>
+<dgm:colorsDef xmlns:dgm="http://schemas.openxmlformats.org/drawingml/2006/diagram" xmlns:a="http://schemas.openxmlformats.org/drawingml/2006/main" uniqueId="urn:microsoft.com/office/officeart/2005/8/colors/colorful2">
+  <dgm:title val=""/>
+  <dgm:desc val=""/>
+  <dgm:catLst>
+    <dgm:cat type="colorful" pri="10200"/>
+  </dgm:catLst>
+  <dgm:styleLbl name="node0">
+    <dgm:fillClrLst meth="repeat">
+      <a:schemeClr val="accent1"/>
+    </dgm:fillClrLst>
+    <dgm:linClrLst meth="repeat">
+      <a:schemeClr val="lt1"/>
+    </dgm:linClrLst>
+    <dgm:effectClrLst/>
+    <dgm:txLinClrLst/>
+    <dgm:txFillClrLst/>
+    <dgm:txEffectClrLst/>
+  </dgm:styleLbl>
+  <dgm:styleLbl name="node1">
+    <dgm:fillClrLst>
+      <a:schemeClr val="accent2"/>
+      <a:schemeClr val="accent3"/>
+    </dgm:fillClrLst>
+    <dgm:linClrLst meth="repeat">
+      <a:schemeClr val="lt1"/>
+    </dgm:linClrLst>
+    <dgm:effectClrLst/>
+    <dgm:txLinClrLst/>
+    <dgm:txFillClrLst/>
+    <dgm:txEffectClrLst/>
+  </dgm:styleLbl>
+  <dgm:styleLbl name="alignNode1">
+    <dgm:fillClrLst>
+      <a:schemeClr val="accent2"/>
+      <a:schemeClr val="accent3"/>
+    </dgm:fillClrLst>
+    <dgm:linClrLst>
+      <a:schemeClr val="accent2"/>
+      <a:schemeClr val="accent3"/>
+    </dgm:linClrLst>
+    <dgm:effectClrLst/>
+    <dgm:txLinClrLst/>
+    <dgm:txFillClrLst/>
+    <dgm:txEffectClrLst/>
+  </dgm:styleLbl>
+  <dgm:styleLbl name="lnNode1">
+    <dgm:fillClrLst>
+      <a:schemeClr val="accent2"/>
+      <a:schemeClr val="accent3"/>
+    </dgm:fillClrLst>
+    <dgm:linClrLst meth="repeat">
+      <a:schemeClr val="lt1"/>
+    </dgm:linClrLst>
+    <dgm:effectClrLst/>
+    <dgm:txLinClrLst/>
+    <dgm:txFillClrLst/>
+    <dgm:txEffectClrLst/>
+  </dgm:styleLbl>
+  <dgm:styleLbl name="vennNode1">
+    <dgm:fillClrLst>
+      <a:schemeClr val="accent2">
+        <a:alpha val="50000"/>
+      </a:schemeClr>
+      <a:schemeClr val="accent3">
+        <a:alpha val="50000"/>
+      </a:schemeClr>
+    </dgm:fillClrLst>
+    <dgm:linClrLst meth="repeat">
+      <a:schemeClr val="lt1"/>
+    </dgm:linClrLst>
+    <dgm:effectClrLst/>
+    <dgm:txLinClrLst/>
+    <dgm:txFillClrLst/>
+    <dgm:txEffectClrLst/>
+  </dgm:styleLbl>
+  <dgm:styleLbl name="node2">
+    <dgm:fillClrLst>
+      <a:schemeClr val="accent3"/>
+    </dgm:fillClrLst>
+    <dgm:linClrLst meth="repeat">
+      <a:schemeClr val="lt1"/>
+    </dgm:linClrLst>
+    <dgm:effectClrLst/>
+    <dgm:txLinClrLst/>
+    <dgm:txFillClrLst/>
+    <dgm:txEffectClrLst/>
+  </dgm:styleLbl>
+  <dgm:styleLbl name="node3">
+    <dgm:fillClrLst>
+      <a:schemeClr val="accent4"/>
+    </dgm:fillClrLst>
+    <dgm:linClrLst meth="repeat">
+      <a:schemeClr val="lt1"/>
+    </dgm:linClrLst>
+    <dgm:effectClrLst/>
+    <dgm:txLinClrLst/>
+    <dgm:txFillClrLst/>
+    <dgm:txEffectClrLst/>
+  </dgm:styleLbl>
+  <dgm:styleLbl name="node4">
+    <dgm:fillClrLst>
+      <a:schemeClr val="accent5"/>
+    </dgm:fillClrLst>
+    <dgm:linClrLst meth="repeat">
+      <a:schemeClr val="lt1"/>
+    </dgm:linClrLst>
+    <dgm:effectClrLst/>
+    <dgm:txLinClrLst/>
+    <dgm:txFillClrLst/>
+    <dgm:txEffectClrLst/>
+  </dgm:styleLbl>
+  <dgm:styleLbl name="fgImgPlace1">
+    <dgm:fillClrLst>
+      <a:schemeClr val="accent2">
+        <a:tint val="50000"/>
+      </a:schemeClr>
+      <a:schemeClr val="accent3">
+        <a:tint val="50000"/>
+      </a:schemeClr>
+    </dgm:fillClrLst>
+    <dgm:linClrLst meth="repeat">
+      <a:schemeClr val="lt1"/>
+    </dgm:linClrLst>
+    <dgm:effectClrLst/>
+    <dgm:txLinClrLst/>
+    <dgm:txFillClrLst meth="repeat">
+      <a:schemeClr val="lt1"/>
+    </dgm:txFillClrLst>
+    <dgm:txEffectClrLst/>
+  </dgm:styleLbl>
+  <dgm:styleLbl name="alignImgPlace1">
+    <dgm:fillClrLst>
+      <a:schemeClr val="accent2">
+        <a:tint val="50000"/>
+      </a:schemeClr>
+      <a:schemeClr val="accent3">
+        <a:tint val="20000"/>
+      </a:schemeClr>
+    </dgm:fillClrLst>
+    <dgm:linClrLst meth="repeat">
+      <a:schemeClr val="lt1"/>
+    </dgm:linClrLst>
+    <dgm:effectClrLst/>
+    <dgm:txLinClrLst/>
+    <dgm:txFillClrLst meth="repeat">
+      <a:schemeClr val="lt1"/>
+    </dgm:txFillClrLst>
+    <dgm:txEffectClrLst/>
+  </dgm:styleLbl>
+  <dgm:styleLbl name="bgImgPlace1">
+    <dgm:fillClrLst>
+      <a:schemeClr val="accent2">
+        <a:tint val="50000"/>
+      </a:schemeClr>
+      <a:schemeClr val="accent3">
+        <a:tint val="20000"/>
+      </a:schemeClr>
+    </dgm:fillClrLst>
+    <dgm:linClrLst meth="repeat">
+      <a:schemeClr val="lt1"/>
+    </dgm:linClrLst>
+    <dgm:effectClrLst/>
+    <dgm:txLinClrLst/>
+    <dgm:txFillClrLst meth="repeat">
+      <a:schemeClr val="lt1"/>
+    </dgm:txFillClrLst>
+    <dgm:txEffectClrLst/>
+  </dgm:styleLbl>
+  <dgm:styleLbl name="sibTrans2D1">
+    <dgm:fillClrLst>
+      <a:schemeClr val="accent2"/>
+      <a:schemeClr val="accent3"/>
+    </dgm:fillClrLst>
+    <dgm:linClrLst meth="repeat">
+      <a:schemeClr val="lt1"/>
+    </dgm:linClrLst>
+    <dgm:effectClrLst/>
+    <dgm:txLinClrLst/>
+    <dgm:txFillClrLst/>
+    <dgm:txEffectClrLst/>
+  </dgm:styleLbl>
+  <dgm:styleLbl name="fgSibTrans2D1">
+    <dgm:fillClrLst>
+      <a:schemeClr val="accent2"/>
+      <a:schemeClr val="accent3"/>
+    </dgm:fillClrLst>
+    <dgm:linClrLst meth="repeat">
+      <a:schemeClr val="lt1"/>
+    </dgm:linClrLst>
+    <dgm:effectClrLst/>
+    <dgm:txLinClrLst/>
+    <dgm:txFillClrLst meth="repeat">
+      <a:schemeClr val="lt1"/>
+    </dgm:txFillClrLst>
+    <dgm:txEffectClrLst/>
+  </dgm:styleLbl>
+  <dgm:styleLbl name="bgSibTrans2D1">
+    <dgm:fillClrLst>
+      <a:schemeClr val="accent2"/>
+      <a:schemeClr val="accent3"/>
+    </dgm:fillClrLst>
+    <dgm:linClrLst meth="repeat">
+      <a:schemeClr val="lt1"/>
+    </dgm:linClrLst>
+    <dgm:effectClrLst/>
+    <dgm:txLinClrLst/>
+    <dgm:txFillClrLst meth="repeat">
+      <a:schemeClr val="lt1"/>
+    </dgm:txFillClrLst>
+    <dgm:txEffectClrLst/>
+  </dgm:styleLbl>
+  <dgm:styleLbl name="sibTrans1D1">
+    <dgm:fillClrLst/>
+    <dgm:linClrLst>
+      <a:schemeClr val="accent2"/>
+      <a:schemeClr val="accent3"/>
+    </dgm:linClrLst>
+    <dgm:effectClrLst/>
+    <dgm:txLinClrLst/>
+    <dgm:txFillClrLst meth="repeat">
+      <a:schemeClr val="tx1"/>
+    </dgm:txFillClrLst>
+    <dgm:txEffectClrLst/>
+  </dgm:styleLbl>
+  <dgm:styleLbl name="callout">
+    <dgm:fillClrLst meth="repeat">
+      <a:schemeClr val="accent2"/>
+    </dgm:fillClrLst>
+    <dgm:linClrLst meth="repeat">
+      <a:schemeClr val="accent2">
+        <a:tint val="50000"/>
+      </a:schemeClr>
+    </dgm:linClrLst>
+    <dgm:effectClrLst/>
+    <dgm:txLinClrLst/>
+    <dgm:txFillClrLst meth="repeat">
+      <a:schemeClr val="tx1"/>
+    </dgm:txFillClrLst>
+    <dgm:txEffectClrLst/>
+  </dgm:styleLbl>
+  <dgm:styleLbl name="asst0">
+    <dgm:fillClrLst meth="repeat">
+      <a:schemeClr val="accent2"/>
+    </dgm:fillClrLst>
+    <dgm:linClrLst meth="repeat">
+      <a:schemeClr val="lt1">
+        <a:shade val="80000"/>
+      </a:schemeClr>
+    </dgm:linClrLst>
+    <dgm:effectClrLst/>
+    <dgm:txLinClrLst/>
+    <dgm:txFillClrLst/>
+    <dgm:txEffectClrLst/>
+  </dgm:styleLbl>
+  <dgm:styleLbl name="asst1">
+    <dgm:fillClrLst meth="repeat">
+      <a:schemeClr val="accent3"/>
+    </dgm:fillClrLst>
+    <dgm:linClrLst meth="repeat">
+      <a:schemeClr val="lt1">
+        <a:shade val="80000"/>
+      </a:schemeClr>
+    </dgm:linClrLst>
+    <dgm:effectClrLst/>
+    <dgm:txLinClrLst/>
+    <dgm:txFillClrLst/>
+    <dgm:txEffectClrLst/>
+  </dgm:styleLbl>
+  <dgm:styleLbl name="asst2">
+    <dgm:fillClrLst>
+      <a:schemeClr val="accent4"/>
+    </dgm:fillClrLst>
+    <dgm:linClrLst meth="repeat">
+      <a:schemeClr val="lt1"/>
+    </dgm:linClrLst>
+    <dgm:effectClrLst/>
+    <dgm:txLinClrLst/>
+    <dgm:txFillClrLst/>
+    <dgm:txEffectClrLst/>
+  </dgm:styleLbl>
+  <dgm:styleLbl name="asst3">
+    <dgm:fillClrLst>
+      <a:schemeClr val="accent5"/>
+    </dgm:fillClrLst>
+    <dgm:linClrLst meth="repeat">
+      <a:schemeClr val="lt1"/>
+    </dgm:linClrLst>
+    <dgm:effectClrLst/>
+    <dgm:txLinClrLst/>
+    <dgm:txFillClrLst/>
+    <dgm:txEffectClrLst/>
+  </dgm:styleLbl>
+  <dgm:styleLbl name="asst4">
+    <dgm:fillClrLst>
+      <a:schemeClr val="accent6"/>
+    </dgm:fillClrLst>
+    <dgm:linClrLst meth="repeat">
+      <a:schemeClr val="lt1"/>
+    </dgm:linClrLst>
+    <dgm:effectClrLst/>
+    <dgm:txLinClrLst/>
+    <dgm:txFillClrLst/>
+    <dgm:txEffectClrLst/>
+  </dgm:styleLbl>
+  <dgm:styleLbl name="parChTrans2D1">
+    <dgm:fillClrLst meth="repeat">
+      <a:schemeClr val="accent2"/>
+    </dgm:fillClrLst>
+    <dgm:linClrLst meth="repeat">
+      <a:schemeClr val="lt1"/>
+    </dgm:linClrLst>
+    <dgm:effectClrLst/>
+    <dgm:txLinClrLst/>
+    <dgm:txFillClrLst meth="repeat">
+      <a:schemeClr val="lt1"/>
+    </dgm:txFillClrLst>
+    <dgm:txEffectClrLst/>
+  </dgm:styleLbl>
+  <dgm:styleLbl name="parChTrans2D2">
+    <dgm:fillClrLst meth="repeat">
+      <a:schemeClr val="accent3"/>
+    </dgm:fillClrLst>
+    <dgm:linClrLst meth="repeat">
+      <a:schemeClr val="lt1"/>
+    </dgm:linClrLst>
+    <dgm:effectClrLst/>
+    <dgm:txLinClrLst/>
+    <dgm:txFillClrLst/>
+    <dgm:txEffectClrLst/>
+  </dgm:styleLbl>
+  <dgm:styleLbl name="parChTrans2D3">
+    <dgm:fillClrLst meth="repeat">
+      <a:schemeClr val="accent4"/>
+    </dgm:fillClrLst>
+    <dgm:linClrLst meth="repeat">
+      <a:schemeClr val="lt1"/>
+    </dgm:linClrLst>
+    <dgm:effectClrLst/>
+    <dgm:txLinClrLst/>
+    <dgm:txFillClrLst/>
+    <dgm:txEffectClrLst/>
+  </dgm:styleLbl>
+  <dgm:styleLbl name="parChTrans2D4">
+    <dgm:fillClrLst meth="repeat">
+      <a:schemeClr val="accent5"/>
+    </dgm:fillClrLst>
+    <dgm:linClrLst meth="repeat">
+      <a:schemeClr val="lt1"/>
+    </dgm:linClrLst>
+    <dgm:effectClrLst/>
+    <dgm:txLinClrLst/>
+    <dgm:txFillClrLst meth="repeat">
+      <a:schemeClr val="lt1"/>
+    </dgm:txFillClrLst>
+    <dgm:txEffectClrLst/>
+  </dgm:styleLbl>
+  <dgm:styleLbl name="parChTrans1D1">
+    <dgm:fillClrLst meth="repeat">
+      <a:schemeClr val="accent2"/>
+    </dgm:fillClrLst>
+    <dgm:linClrLst meth="repeat">
+      <a:schemeClr val="accent2"/>
+    </dgm:linClrLst>
+    <dgm:effectClrLst/>
+    <dgm:txLinClrLst/>
+    <dgm:txFillClrLst meth="repeat">
+      <a:schemeClr val="tx1"/>
+    </dgm:txFillClrLst>
+    <dgm:txEffectClrLst/>
+  </dgm:styleLbl>
+  <dgm:styleLbl name="parChTrans1D2">
+    <dgm:fillClrLst meth="repeat">
+      <a:schemeClr val="accent2">
+        <a:tint val="90000"/>
+      </a:schemeClr>
+    </dgm:fillClrLst>
+    <dgm:linClrLst meth="repeat">
+      <a:schemeClr val="accent3"/>
+    </dgm:linClrLst>
+    <dgm:effectClrLst/>
+    <dgm:txLinClrLst/>
+    <dgm:txFillClrLst meth="repeat">
+      <a:schemeClr val="tx1"/>
+    </dgm:txFillClrLst>
+    <dgm:txEffectClrLst/>
+  </dgm:styleLbl>
+  <dgm:styleLbl name="parChTrans1D3">
+    <dgm:fillClrLst meth="repeat">
+      <a:schemeClr val="accent2">
+        <a:tint val="70000"/>
+      </a:schemeClr>
+    </dgm:fillClrLst>
+    <dgm:linClrLst meth="repeat">
+      <a:schemeClr val="accent4"/>
+    </dgm:linClrLst>
+    <dgm:effectClrLst/>
+    <dgm:txLinClrLst/>
+    <dgm:txFillClrLst meth="repeat">
+      <a:schemeClr val="tx1"/>
+    </dgm:txFillClrLst>
+    <dgm:txEffectClrLst/>
+  </dgm:styleLbl>
+  <dgm:styleLbl name="parChTrans1D4">
+    <dgm:fillClrLst meth="repeat">
+      <a:schemeClr val="accent2">
+        <a:tint val="50000"/>
+      </a:schemeClr>
+    </dgm:fillClrLst>
+    <dgm:linClrLst meth="repeat">
+      <a:schemeClr val="accent5"/>
+    </dgm:linClrLst>
+    <dgm:effectClrLst/>
+    <dgm:txLinClrLst/>
+    <dgm:txFillClrLst meth="repeat">
+      <a:schemeClr val="tx1"/>
+    </dgm:txFillClrLst>
+    <dgm:txEffectClrLst/>
+  </dgm:styleLbl>
+  <dgm:styleLbl name="fgAcc1">
+    <dgm:fillClrLst meth="repeat">
+      <a:schemeClr val="lt1">
+        <a:alpha val="90000"/>
+      </a:schemeClr>
+    </dgm:fillClrLst>
+    <dgm:linClrLst>
+      <a:schemeClr val="accent2"/>
+      <a:schemeClr val="accent3"/>
+    </dgm:linClrLst>
+    <dgm:effectClrLst/>
+    <dgm:txLinClrLst/>
+    <dgm:txFillClrLst meth="repeat">
+      <a:schemeClr val="dk1"/>
+    </dgm:txFillClrLst>
+    <dgm:txEffectClrLst/>
+  </dgm:styleLbl>
+  <dgm:styleLbl name="conFgAcc1">
+    <dgm:fillClrLst meth="repeat">
+      <a:schemeClr val="lt1">
+        <a:alpha val="90000"/>
+      </a:schemeClr>
+    </dgm:fillClrLst>
+    <dgm:linClrLst>
+      <a:schemeClr val="accent2"/>
+      <a:schemeClr val="accent3"/>
+    </dgm:linClrLst>
+    <dgm:effectClrLst/>
+    <dgm:txLinClrLst/>
+    <dgm:txFillClrLst meth="repeat">
+      <a:schemeClr val="dk1"/>
+    </dgm:txFillClrLst>
+    <dgm:txEffectClrLst/>
+  </dgm:styleLbl>
+  <dgm:styleLbl name="alignAcc1">
+    <dgm:fillClrLst meth="repeat">
+      <a:schemeClr val="lt1">
+        <a:alpha val="90000"/>
+      </a:schemeClr>
+    </dgm:fillClrLst>
+    <dgm:linClrLst>
+      <a:schemeClr val="accent2"/>
+      <a:schemeClr val="accent3"/>
+    </dgm:linClrLst>
+    <dgm:effectClrLst/>
+    <dgm:txLinClrLst/>
+    <dgm:txFillClrLst meth="repeat">
+      <a:schemeClr val="dk1"/>
+    </dgm:txFillClrLst>
+    <dgm:txEffectClrLst/>
+  </dgm:styleLbl>
+  <dgm:styleLbl name="trAlignAcc1">
+    <dgm:fillClrLst meth="repeat">
+      <a:schemeClr val="lt1">
+        <a:alpha val="40000"/>
+      </a:schemeClr>
+    </dgm:fillClrLst>
+    <dgm:linClrLst meth="repeat">
+      <a:schemeClr val="accent2"/>
+    </dgm:linClrLst>
+    <dgm:effectClrLst/>
+    <dgm:txLinClrLst/>
+    <dgm:txFillClrLst meth="repeat">
+      <a:schemeClr val="dk1"/>
+    </dgm:txFillClrLst>
+    <dgm:txEffectClrLst/>
+  </dgm:styleLbl>
+  <dgm:styleLbl name="bgAcc1">
+    <dgm:fillClrLst meth="repeat">
+      <a:schemeClr val="lt1">
+        <a:alpha val="90000"/>
+      </a:schemeClr>
+    </dgm:fillClrLst>
+    <dgm:linClrLst>
+      <a:schemeClr val="accent2"/>
+      <a:schemeClr val="accent3"/>
+    </dgm:linClrLst>
+    <dgm:effectClrLst/>
+    <dgm:txLinClrLst/>
+    <dgm:txFillClrLst meth="repeat">
+      <a:schemeClr val="dk1"/>
+    </dgm:txFillClrLst>
+    <dgm:txEffectClrLst/>
+  </dgm:styleLbl>
+  <dgm:styleLbl name="solidFgAcc1">
+    <dgm:fillClrLst meth="repeat">
+      <a:schemeClr val="lt1"/>
+    </dgm:fillClrLst>
+    <dgm:linClrLst>
+      <a:schemeClr val="accent2"/>
+      <a:schemeClr val="accent3"/>
+    </dgm:linClrLst>
+    <dgm:effectClrLst/>
+    <dgm:txLinClrLst/>
+    <dgm:txFillClrLst meth="repeat">
+      <a:schemeClr val="dk1"/>
+    </dgm:txFillClrLst>
+    <dgm:txEffectClrLst/>
+  </dgm:styleLbl>
+  <dgm:styleLbl name="solidAlignAcc1">
+    <dgm:fillClrLst meth="repeat">
+      <a:schemeClr val="lt1"/>
+    </dgm:fillClrLst>
+    <dgm:linClrLst>
+      <a:schemeClr val="accent2"/>
+      <a:schemeClr val="accent3"/>
+    </dgm:linClrLst>
+    <dgm:effectClrLst/>
+    <dgm:txLinClrLst/>
+    <dgm:txFillClrLst meth="repeat">
+      <a:schemeClr val="dk1"/>
+    </dgm:txFillClrLst>
+    <dgm:txEffectClrLst/>
+  </dgm:styleLbl>
+  <dgm:styleLbl name="solidBgAcc1">
+    <dgm:fillClrLst meth="repeat">
+      <a:schemeClr val="lt1"/>
+    </dgm:fillClrLst>
+    <dgm:linClrLst>
+      <a:schemeClr val="accent2"/>
+      <a:schemeClr val="accent3"/>
+    </dgm:linClrLst>
+    <dgm:effectClrLst/>
+    <dgm:txLinClrLst/>
+    <dgm:txFillClrLst meth="repeat">
+      <a:schemeClr val="dk1"/>
+    </dgm:txFillClrLst>
+    <dgm:txEffectClrLst/>
+  </dgm:styleLbl>
+  <dgm:styleLbl name="fgAccFollowNode1">
+    <dgm:fillClrLst>
+      <a:schemeClr val="accent2">
+        <a:tint val="40000"/>
+        <a:alpha val="90000"/>
+      </a:schemeClr>
+      <a:schemeClr val="accent3">
+        <a:tint val="40000"/>
+        <a:alpha val="90000"/>
+      </a:schemeClr>
+    </dgm:fillClrLst>
+    <dgm:linClrLst>
+      <a:schemeClr val="accent2">
+        <a:tint val="40000"/>
+        <a:alpha val="90000"/>
+      </a:schemeClr>
+      <a:schemeClr val="accent3">
+        <a:tint val="40000"/>
+        <a:alpha val="90000"/>
+      </a:schemeClr>
+    </dgm:linClrLst>
+    <dgm:effectClrLst/>
+    <dgm:txLinClrLst/>
+    <dgm:txFillClrLst meth="repeat">
+      <a:schemeClr val="dk1"/>
+    </dgm:txFillClrLst>
+    <dgm:txEffectClrLst/>
+  </dgm:styleLbl>
+  <dgm:styleLbl name="alignAccFollowNode1">
+    <dgm:fillClrLst>
+      <a:schemeClr val="accent2">
+        <a:tint val="40000"/>
+        <a:alpha val="90000"/>
+      </a:schemeClr>
+      <a:schemeClr val="accent3">
+        <a:tint val="40000"/>
+        <a:alpha val="90000"/>
+      </a:schemeClr>
+    </dgm:fillClrLst>
+    <dgm:linClrLst>
+      <a:schemeClr val="accent2">
+        <a:tint val="40000"/>
+        <a:alpha val="90000"/>
+      </a:schemeClr>
+      <a:schemeClr val="accent3">
+        <a:tint val="40000"/>
+        <a:alpha val="90000"/>
+      </a:schemeClr>
+    </dgm:linClrLst>
+    <dgm:effectClrLst/>
+    <dgm:txLinClrLst/>
+    <dgm:txFillClrLst meth="repeat">
+      <a:schemeClr val="dk1"/>
+    </dgm:txFillClrLst>
+    <dgm:txEffectClrLst/>
+  </dgm:styleLbl>
+  <dgm:styleLbl name="bgAccFollowNode1">
+    <dgm:fillClrLst>
+      <a:schemeClr val="accent2">
+        <a:tint val="40000"/>
+        <a:alpha val="90000"/>
+      </a:schemeClr>
+      <a:schemeClr val="accent3">
+        <a:tint val="40000"/>
+        <a:alpha val="90000"/>
+      </a:schemeClr>
+    </dgm:fillClrLst>
+    <dgm:linClrLst>
+      <a:schemeClr val="accent2">
+        <a:tint val="40000"/>
+        <a:alpha val="90000"/>
+      </a:schemeClr>
+      <a:schemeClr val="accent3">
+        <a:tint val="40000"/>
+        <a:alpha val="90000"/>
+      </a:schemeClr>
+    </dgm:linClrLst>
+    <dgm:effectClrLst/>
+    <dgm:txLinClrLst/>
+    <dgm:txFillClrLst meth="repeat">
+      <a:schemeClr val="dk1"/>
+    </dgm:txFillClrLst>
+    <dgm:txEffectClrLst/>
+  </dgm:styleLbl>
+  <dgm:styleLbl name="fgAcc0">
+    <dgm:fillClrLst meth="repeat">
+      <a:schemeClr val="lt1">
+        <a:alpha val="90000"/>
+      </a:schemeClr>
+    </dgm:fillClrLst>
+    <dgm:linClrLst>
+      <a:schemeClr val="accent1"/>
+    </dgm:linClrLst>
+    <dgm:effectClrLst/>
+    <dgm:txLinClrLst/>
+    <dgm:txFillClrLst meth="repeat">
+      <a:schemeClr val="dk1"/>
+    </dgm:txFillClrLst>
+    <dgm:txEffectClrLst/>
+  </dgm:styleLbl>
+  <dgm:styleLbl name="fgAcc2">
+    <dgm:fillClrLst meth="repeat">
+      <a:schemeClr val="lt1">
+        <a:alpha val="90000"/>
+      </a:schemeClr>
+    </dgm:fillClrLst>
+    <dgm:linClrLst>
+      <a:schemeClr val="accent3"/>
+    </dgm:linClrLst>
+    <dgm:effectClrLst/>
+    <dgm:txLinClrLst/>
+    <dgm:txFillClrLst meth="repeat">
+      <a:schemeClr val="dk1"/>
+    </dgm:txFillClrLst>
+    <dgm:txEffectClrLst/>
+  </dgm:styleLbl>
+  <dgm:styleLbl name="fgAcc3">
+    <dgm:fillClrLst meth="repeat">
+      <a:schemeClr val="lt1">
+        <a:alpha val="90000"/>
+      </a:schemeClr>
+    </dgm:fillClrLst>
+    <dgm:linClrLst>
+      <a:schemeClr val="accent4"/>
+    </dgm:linClrLst>
+    <dgm:effectClrLst/>
+    <dgm:txLinClrLst/>
+    <dgm:txFillClrLst meth="repeat">
+      <a:schemeClr val="dk1"/>
+    </dgm:txFillClrLst>
+    <dgm:txEffectClrLst/>
+  </dgm:styleLbl>
+  <dgm:styleLbl name="fgAcc4">
+    <dgm:fillClrLst meth="repeat">
+      <a:schemeClr val="lt1">
+        <a:alpha val="90000"/>
+      </a:schemeClr>
+    </dgm:fillClrLst>
+    <dgm:linClrLst>
+      <a:schemeClr val="accent5"/>
+    </dgm:linClrLst>
+    <dgm:effectClrLst/>
+    <dgm:txLinClrLst/>
+    <dgm:txFillClrLst meth="repeat">
+      <a:schemeClr val="dk1"/>
+    </dgm:txFillClrLst>
+    <dgm:txEffectClrLst/>
+  </dgm:styleLbl>
+  <dgm:styleLbl name="bgShp">
+    <dgm:fillClrLst meth="repeat">
+      <a:schemeClr val="accent2">
+        <a:tint val="40000"/>
+      </a:schemeClr>
+    </dgm:fillClrLst>
+    <dgm:linClrLst meth="repeat">
+      <a:schemeClr val="dk1"/>
+    </dgm:linClrLst>
+    <dgm:effectClrLst/>
+    <dgm:txLinClrLst/>
+    <dgm:txFillClrLst meth="repeat">
+      <a:schemeClr val="dk1"/>
+    </dgm:txFillClrLst>
+    <dgm:txEffectClrLst/>
+  </dgm:styleLbl>
+  <dgm:styleLbl name="dkBgShp">
+    <dgm:fillClrLst meth="repeat">
+      <a:schemeClr val="accent2">
+        <a:shade val="90000"/>
+      </a:schemeClr>
+    </dgm:fillClrLst>
+    <dgm:linClrLst meth="repeat">
+      <a:schemeClr val="dk1"/>
+    </dgm:linClrLst>
+    <dgm:effectClrLst/>
+    <dgm:txLinClrLst/>
+    <dgm:txFillClrLst meth="repeat">
+      <a:schemeClr val="lt1"/>
+    </dgm:txFillClrLst>
+    <dgm:txEffectClrLst/>
+  </dgm:styleLbl>
+  <dgm:styleLbl name="trBgShp">
+    <dgm:fillClrLst meth="repeat">
+      <a:schemeClr val="accent2">
+        <a:tint val="50000"/>
+        <a:alpha val="40000"/>
+      </a:schemeClr>
+    </dgm:fillClrLst>
+    <dgm:linClrLst meth="repeat">
+      <a:schemeClr val="accent2"/>
+    </dgm:linClrLst>
+    <dgm:effectClrLst/>
+    <dgm:txLinClrLst/>
+    <dgm:txFillClrLst meth="repeat">
+      <a:schemeClr val="lt1"/>
+    </dgm:txFillClrLst>
+    <dgm:txEffectClrLst/>
+  </dgm:styleLbl>
+  <dgm:styleLbl name="fgShp">
+    <dgm:fillClrLst meth="repeat">
+      <a:schemeClr val="accent2">
+        <a:tint val="40000"/>
+      </a:schemeClr>
+    </dgm:fillClrLst>
+    <dgm:linClrLst meth="repeat">
+      <a:schemeClr val="lt1"/>
+    </dgm:linClrLst>
+    <dgm:effectClrLst/>
+    <dgm:txLinClrLst/>
+    <dgm:txFillClrLst meth="repeat">
+      <a:schemeClr val="dk1"/>
+    </dgm:txFillClrLst>
+    <dgm:txEffectClrLst/>
+  </dgm:styleLbl>
+  <dgm:styleLbl name="revTx">
+    <dgm:fillClrLst meth="repeat">
+      <a:schemeClr val="lt1">
+        <a:alpha val="0"/>
+      </a:schemeClr>
+    </dgm:fillClrLst>
+    <dgm:linClrLst meth="repeat">
+      <a:schemeClr val="dk1">
+        <a:alpha val="0"/>
+      </a:schemeClr>
+    </dgm:linClrLst>
+    <dgm:effectClrLst/>
+    <dgm:txLinClrLst/>
+    <dgm:txFillClrLst meth="repeat">
+      <a:schemeClr val="tx1"/>
+    </dgm:txFillClrLst>
+    <dgm:txEffectClrLst/>
+  </dgm:styleLbl>
+</dgm:colorsDef>
+</file>
+
+<file path=ppt/diagrams/colors7.xml><?xml version="1.0" encoding="utf-8"?>
 <dgm:colorsDef xmlns:dgm="http://schemas.openxmlformats.org/drawingml/2006/diagram" xmlns:a="http://schemas.openxmlformats.org/drawingml/2006/main" uniqueId="urn:microsoft.com/office/officeart/2005/8/colors/colorful2">
   <dgm:title val=""/>
   <dgm:desc val=""/>
@@ -9596,6 +11203,267 @@
     <dgm:cxn modelId="{38F65346-37B0-4C0D-A04F-9D214FF6B42B}" type="presParOf" srcId="{CD0855C6-FCE2-438F-BF8E-A1DAF65396E9}" destId="{38ED92CD-A356-4B99-BCD9-7056EE8CED46}" srcOrd="3" destOrd="0" presId="urn:microsoft.com/office/officeart/2005/8/layout/vList2"/>
     <dgm:cxn modelId="{2DDE46A0-6B5D-4004-906B-5663D8FDA56D}" type="presParOf" srcId="{CD0855C6-FCE2-438F-BF8E-A1DAF65396E9}" destId="{68C311F4-4C9A-4C5A-8FD1-7717888F9875}" srcOrd="4" destOrd="0" presId="urn:microsoft.com/office/officeart/2005/8/layout/vList2"/>
     <dgm:cxn modelId="{7490A26E-E919-4850-96C0-3AB8B2D0267B}" type="presParOf" srcId="{CD0855C6-FCE2-438F-BF8E-A1DAF65396E9}" destId="{312D8B63-E871-42F6-978E-80C394462752}" srcOrd="5" destOrd="0" presId="urn:microsoft.com/office/officeart/2005/8/layout/vList2"/>
+  </dgm:cxnLst>
+  <dgm:bg/>
+  <dgm:whole/>
+  <dgm:extLst>
+    <a:ext uri="http://schemas.microsoft.com/office/drawing/2008/diagram">
+      <dsp:dataModelExt xmlns:dsp="http://schemas.microsoft.com/office/drawing/2008/diagram" relId="rId7" minVer="http://schemas.openxmlformats.org/drawingml/2006/diagram"/>
+    </a:ext>
+  </dgm:extLst>
+</dgm:dataModel>
+</file>
+
+<file path=ppt/diagrams/data7.xml><?xml version="1.0" encoding="utf-8"?>
+<dgm:dataModel xmlns:dgm="http://schemas.openxmlformats.org/drawingml/2006/diagram" xmlns:a="http://schemas.openxmlformats.org/drawingml/2006/main">
+  <dgm:ptLst>
+    <dgm:pt modelId="{4CD04B87-C07D-4C1F-A0FD-650A1E067F6E}" type="doc">
+      <dgm:prSet loTypeId="urn:microsoft.com/office/officeart/2005/8/layout/vList2" loCatId="list" qsTypeId="urn:microsoft.com/office/officeart/2005/8/quickstyle/simple1" qsCatId="simple" csTypeId="urn:microsoft.com/office/officeart/2005/8/colors/colorful2" csCatId="colorful" phldr="1"/>
+      <dgm:spPr/>
+      <dgm:t>
+        <a:bodyPr/>
+        <a:lstStyle/>
+        <a:p>
+          <a:endParaRPr lang="en-US"/>
+        </a:p>
+      </dgm:t>
+    </dgm:pt>
+    <dgm:pt modelId="{B3FF2878-46CD-4F74-9320-F6D1DAB4544A}">
+      <dgm:prSet/>
+      <dgm:spPr/>
+      <dgm:t>
+        <a:bodyPr/>
+        <a:lstStyle/>
+        <a:p>
+          <a:r>
+            <a:rPr lang="en-US" dirty="0"/>
+            <a:t>High Score: . 763</a:t>
+          </a:r>
+        </a:p>
+      </dgm:t>
+    </dgm:pt>
+    <dgm:pt modelId="{CC5D6313-8E86-4415-BB90-BBA2F750142D}" type="parTrans" cxnId="{3E702333-3ADB-4CEA-99CB-3B0589D47F19}">
+      <dgm:prSet/>
+      <dgm:spPr/>
+      <dgm:t>
+        <a:bodyPr/>
+        <a:lstStyle/>
+        <a:p>
+          <a:endParaRPr lang="en-US"/>
+        </a:p>
+      </dgm:t>
+    </dgm:pt>
+    <dgm:pt modelId="{2FCBFE81-F031-45D6-ACCA-7C3032EE3688}" type="sibTrans" cxnId="{3E702333-3ADB-4CEA-99CB-3B0589D47F19}">
+      <dgm:prSet/>
+      <dgm:spPr/>
+      <dgm:t>
+        <a:bodyPr/>
+        <a:lstStyle/>
+        <a:p>
+          <a:endParaRPr lang="en-US"/>
+        </a:p>
+      </dgm:t>
+    </dgm:pt>
+    <dgm:pt modelId="{22BBFC84-5F73-4ADF-8509-529D8D2BEC19}">
+      <dgm:prSet/>
+      <dgm:spPr/>
+      <dgm:t>
+        <a:bodyPr/>
+        <a:lstStyle/>
+        <a:p>
+          <a:r>
+            <a:rPr lang="en-US" dirty="0"/>
+            <a:t>Submission Scores:</a:t>
+          </a:r>
+        </a:p>
+      </dgm:t>
+    </dgm:pt>
+    <dgm:pt modelId="{EDD20E20-ED6D-430D-81D5-5877426753A5}" type="parTrans" cxnId="{E539D46F-7302-4DB4-967F-2C65FACD6133}">
+      <dgm:prSet/>
+      <dgm:spPr/>
+      <dgm:t>
+        <a:bodyPr/>
+        <a:lstStyle/>
+        <a:p>
+          <a:endParaRPr lang="en-US"/>
+        </a:p>
+      </dgm:t>
+    </dgm:pt>
+    <dgm:pt modelId="{4C21642A-D376-4A43-84AC-6FD1B4347935}" type="sibTrans" cxnId="{E539D46F-7302-4DB4-967F-2C65FACD6133}">
+      <dgm:prSet/>
+      <dgm:spPr/>
+      <dgm:t>
+        <a:bodyPr/>
+        <a:lstStyle/>
+        <a:p>
+          <a:endParaRPr lang="en-US"/>
+        </a:p>
+      </dgm:t>
+    </dgm:pt>
+    <dgm:pt modelId="{AB33386D-9ABA-499B-8A3F-BC439BFE93F5}">
+      <dgm:prSet/>
+      <dgm:spPr/>
+      <dgm:t>
+        <a:bodyPr/>
+        <a:lstStyle/>
+        <a:p>
+          <a:r>
+            <a:rPr lang="en-US" dirty="0"/>
+            <a:t>Logistic: .763</a:t>
+          </a:r>
+        </a:p>
+      </dgm:t>
+    </dgm:pt>
+    <dgm:pt modelId="{0AE7A1C1-A0A8-4E0E-8F68-B8E60242E195}" type="parTrans" cxnId="{40D7D545-8BCB-4596-B121-4AB9B88E2471}">
+      <dgm:prSet/>
+      <dgm:spPr/>
+      <dgm:t>
+        <a:bodyPr/>
+        <a:lstStyle/>
+        <a:p>
+          <a:endParaRPr lang="en-US"/>
+        </a:p>
+      </dgm:t>
+    </dgm:pt>
+    <dgm:pt modelId="{4E886815-A8EC-4054-8BC3-45F46B38ED2E}" type="sibTrans" cxnId="{40D7D545-8BCB-4596-B121-4AB9B88E2471}">
+      <dgm:prSet/>
+      <dgm:spPr/>
+      <dgm:t>
+        <a:bodyPr/>
+        <a:lstStyle/>
+        <a:p>
+          <a:endParaRPr lang="en-US"/>
+        </a:p>
+      </dgm:t>
+    </dgm:pt>
+    <dgm:pt modelId="{0CE0C585-CECB-47FF-A8FB-D5A7AB66528D}">
+      <dgm:prSet/>
+      <dgm:spPr/>
+      <dgm:t>
+        <a:bodyPr/>
+        <a:lstStyle/>
+        <a:p>
+          <a:r>
+            <a:rPr lang="en-US" dirty="0"/>
+            <a:t>MLP: .727</a:t>
+          </a:r>
+        </a:p>
+      </dgm:t>
+    </dgm:pt>
+    <dgm:pt modelId="{EDB96F14-823A-4BB7-BC86-FBB35A294CFE}" type="parTrans" cxnId="{D5B6032F-7C02-48CC-AD23-654C15251B05}">
+      <dgm:prSet/>
+      <dgm:spPr/>
+      <dgm:t>
+        <a:bodyPr/>
+        <a:lstStyle/>
+        <a:p>
+          <a:endParaRPr lang="en-US"/>
+        </a:p>
+      </dgm:t>
+    </dgm:pt>
+    <dgm:pt modelId="{0F1EA194-65F2-4737-97CD-9C5D3A893594}" type="sibTrans" cxnId="{D5B6032F-7C02-48CC-AD23-654C15251B05}">
+      <dgm:prSet/>
+      <dgm:spPr/>
+      <dgm:t>
+        <a:bodyPr/>
+        <a:lstStyle/>
+        <a:p>
+          <a:endParaRPr lang="en-US"/>
+        </a:p>
+      </dgm:t>
+    </dgm:pt>
+    <dgm:pt modelId="{36329FD0-3E4E-4EF6-AF87-54310BFEF909}">
+      <dgm:prSet/>
+      <dgm:spPr/>
+      <dgm:t>
+        <a:bodyPr/>
+        <a:lstStyle/>
+        <a:p>
+          <a:r>
+            <a:rPr lang="en-US" dirty="0"/>
+            <a:t>Lasso: .706</a:t>
+          </a:r>
+        </a:p>
+      </dgm:t>
+    </dgm:pt>
+    <dgm:pt modelId="{57189FDF-5AFF-4EAD-85B4-CF5012435A1C}" type="parTrans" cxnId="{8A240C47-90A9-4291-A7C0-8EAD6A5AF92B}">
+      <dgm:prSet/>
+      <dgm:spPr/>
+      <dgm:t>
+        <a:bodyPr/>
+        <a:lstStyle/>
+        <a:p>
+          <a:endParaRPr lang="en-US"/>
+        </a:p>
+      </dgm:t>
+    </dgm:pt>
+    <dgm:pt modelId="{92536071-AA39-45A1-BFFB-59F613954A95}" type="sibTrans" cxnId="{8A240C47-90A9-4291-A7C0-8EAD6A5AF92B}">
+      <dgm:prSet/>
+      <dgm:spPr/>
+      <dgm:t>
+        <a:bodyPr/>
+        <a:lstStyle/>
+        <a:p>
+          <a:endParaRPr lang="en-US"/>
+        </a:p>
+      </dgm:t>
+    </dgm:pt>
+    <dgm:pt modelId="{CD0855C6-FCE2-438F-BF8E-A1DAF65396E9}" type="pres">
+      <dgm:prSet presAssocID="{4CD04B87-C07D-4C1F-A0FD-650A1E067F6E}" presName="linear" presStyleCnt="0">
+        <dgm:presLayoutVars>
+          <dgm:animLvl val="lvl"/>
+          <dgm:resizeHandles val="exact"/>
+        </dgm:presLayoutVars>
+      </dgm:prSet>
+      <dgm:spPr/>
+    </dgm:pt>
+    <dgm:pt modelId="{838B2392-91DD-45A6-ACFD-8A980B7A4FD2}" type="pres">
+      <dgm:prSet presAssocID="{B3FF2878-46CD-4F74-9320-F6D1DAB4544A}" presName="parentText" presStyleLbl="node1" presStyleIdx="0" presStyleCnt="2">
+        <dgm:presLayoutVars>
+          <dgm:chMax val="0"/>
+          <dgm:bulletEnabled val="1"/>
+        </dgm:presLayoutVars>
+      </dgm:prSet>
+      <dgm:spPr/>
+    </dgm:pt>
+    <dgm:pt modelId="{023C5EAC-4545-4BF4-8C19-E6C8219E1771}" type="pres">
+      <dgm:prSet presAssocID="{2FCBFE81-F031-45D6-ACCA-7C3032EE3688}" presName="spacer" presStyleCnt="0"/>
+      <dgm:spPr/>
+    </dgm:pt>
+    <dgm:pt modelId="{E4EED816-EB5F-41B8-8579-BA139086A2A7}" type="pres">
+      <dgm:prSet presAssocID="{22BBFC84-5F73-4ADF-8509-529D8D2BEC19}" presName="parentText" presStyleLbl="node1" presStyleIdx="1" presStyleCnt="2">
+        <dgm:presLayoutVars>
+          <dgm:chMax val="0"/>
+          <dgm:bulletEnabled val="1"/>
+        </dgm:presLayoutVars>
+      </dgm:prSet>
+      <dgm:spPr/>
+    </dgm:pt>
+    <dgm:pt modelId="{38ED92CD-A356-4B99-BCD9-7056EE8CED46}" type="pres">
+      <dgm:prSet presAssocID="{22BBFC84-5F73-4ADF-8509-529D8D2BEC19}" presName="childText" presStyleLbl="revTx" presStyleIdx="0" presStyleCnt="1">
+        <dgm:presLayoutVars>
+          <dgm:bulletEnabled val="1"/>
+        </dgm:presLayoutVars>
+      </dgm:prSet>
+      <dgm:spPr/>
+    </dgm:pt>
+  </dgm:ptLst>
+  <dgm:cxnLst>
+    <dgm:cxn modelId="{BCB4AA0B-1666-441F-9FA0-58A48C724CB8}" type="presOf" srcId="{0CE0C585-CECB-47FF-A8FB-D5A7AB66528D}" destId="{38ED92CD-A356-4B99-BCD9-7056EE8CED46}" srcOrd="0" destOrd="2" presId="urn:microsoft.com/office/officeart/2005/8/layout/vList2"/>
+    <dgm:cxn modelId="{352E7C26-5172-4D22-9AEB-3522C961C3B0}" type="presOf" srcId="{36329FD0-3E4E-4EF6-AF87-54310BFEF909}" destId="{38ED92CD-A356-4B99-BCD9-7056EE8CED46}" srcOrd="0" destOrd="0" presId="urn:microsoft.com/office/officeart/2005/8/layout/vList2"/>
+    <dgm:cxn modelId="{D5B6032F-7C02-48CC-AD23-654C15251B05}" srcId="{22BBFC84-5F73-4ADF-8509-529D8D2BEC19}" destId="{0CE0C585-CECB-47FF-A8FB-D5A7AB66528D}" srcOrd="2" destOrd="0" parTransId="{EDB96F14-823A-4BB7-BC86-FBB35A294CFE}" sibTransId="{0F1EA194-65F2-4737-97CD-9C5D3A893594}"/>
+    <dgm:cxn modelId="{3E702333-3ADB-4CEA-99CB-3B0589D47F19}" srcId="{4CD04B87-C07D-4C1F-A0FD-650A1E067F6E}" destId="{B3FF2878-46CD-4F74-9320-F6D1DAB4544A}" srcOrd="0" destOrd="0" parTransId="{CC5D6313-8E86-4415-BB90-BBA2F750142D}" sibTransId="{2FCBFE81-F031-45D6-ACCA-7C3032EE3688}"/>
+    <dgm:cxn modelId="{40D7D545-8BCB-4596-B121-4AB9B88E2471}" srcId="{22BBFC84-5F73-4ADF-8509-529D8D2BEC19}" destId="{AB33386D-9ABA-499B-8A3F-BC439BFE93F5}" srcOrd="1" destOrd="0" parTransId="{0AE7A1C1-A0A8-4E0E-8F68-B8E60242E195}" sibTransId="{4E886815-A8EC-4054-8BC3-45F46B38ED2E}"/>
+    <dgm:cxn modelId="{8A240C47-90A9-4291-A7C0-8EAD6A5AF92B}" srcId="{22BBFC84-5F73-4ADF-8509-529D8D2BEC19}" destId="{36329FD0-3E4E-4EF6-AF87-54310BFEF909}" srcOrd="0" destOrd="0" parTransId="{57189FDF-5AFF-4EAD-85B4-CF5012435A1C}" sibTransId="{92536071-AA39-45A1-BFFB-59F613954A95}"/>
+    <dgm:cxn modelId="{E539D46F-7302-4DB4-967F-2C65FACD6133}" srcId="{4CD04B87-C07D-4C1F-A0FD-650A1E067F6E}" destId="{22BBFC84-5F73-4ADF-8509-529D8D2BEC19}" srcOrd="1" destOrd="0" parTransId="{EDD20E20-ED6D-430D-81D5-5877426753A5}" sibTransId="{4C21642A-D376-4A43-84AC-6FD1B4347935}"/>
+    <dgm:cxn modelId="{B45F8351-A16D-49B2-8730-0C3EB2BF1A1D}" type="presOf" srcId="{4CD04B87-C07D-4C1F-A0FD-650A1E067F6E}" destId="{CD0855C6-FCE2-438F-BF8E-A1DAF65396E9}" srcOrd="0" destOrd="0" presId="urn:microsoft.com/office/officeart/2005/8/layout/vList2"/>
+    <dgm:cxn modelId="{931A76BF-D7BF-4A5F-898E-5C7CBBD560C4}" type="presOf" srcId="{B3FF2878-46CD-4F74-9320-F6D1DAB4544A}" destId="{838B2392-91DD-45A6-ACFD-8A980B7A4FD2}" srcOrd="0" destOrd="0" presId="urn:microsoft.com/office/officeart/2005/8/layout/vList2"/>
+    <dgm:cxn modelId="{61C54DDD-677C-4B10-A179-7A828D2A1DEE}" type="presOf" srcId="{AB33386D-9ABA-499B-8A3F-BC439BFE93F5}" destId="{38ED92CD-A356-4B99-BCD9-7056EE8CED46}" srcOrd="0" destOrd="1" presId="urn:microsoft.com/office/officeart/2005/8/layout/vList2"/>
+    <dgm:cxn modelId="{7E923ADE-C33E-43DB-82AE-A253A1DCE56E}" type="presOf" srcId="{22BBFC84-5F73-4ADF-8509-529D8D2BEC19}" destId="{E4EED816-EB5F-41B8-8579-BA139086A2A7}" srcOrd="0" destOrd="0" presId="urn:microsoft.com/office/officeart/2005/8/layout/vList2"/>
+    <dgm:cxn modelId="{CAC3E84A-5767-4E16-BE31-20234F27C114}" type="presParOf" srcId="{CD0855C6-FCE2-438F-BF8E-A1DAF65396E9}" destId="{838B2392-91DD-45A6-ACFD-8A980B7A4FD2}" srcOrd="0" destOrd="0" presId="urn:microsoft.com/office/officeart/2005/8/layout/vList2"/>
+    <dgm:cxn modelId="{7D148434-70BD-4672-ACD2-B4B9CEAB42A0}" type="presParOf" srcId="{CD0855C6-FCE2-438F-BF8E-A1DAF65396E9}" destId="{023C5EAC-4545-4BF4-8C19-E6C8219E1771}" srcOrd="1" destOrd="0" presId="urn:microsoft.com/office/officeart/2005/8/layout/vList2"/>
+    <dgm:cxn modelId="{E7108FC4-5344-4073-9692-948F830C3AC8}" type="presParOf" srcId="{CD0855C6-FCE2-438F-BF8E-A1DAF65396E9}" destId="{E4EED816-EB5F-41B8-8579-BA139086A2A7}" srcOrd="2" destOrd="0" presId="urn:microsoft.com/office/officeart/2005/8/layout/vList2"/>
+    <dgm:cxn modelId="{38F65346-37B0-4C0D-A04F-9D214FF6B42B}" type="presParOf" srcId="{CD0855C6-FCE2-438F-BF8E-A1DAF65396E9}" destId="{38ED92CD-A356-4B99-BCD9-7056EE8CED46}" srcOrd="3" destOrd="0" presId="urn:microsoft.com/office/officeart/2005/8/layout/vList2"/>
   </dgm:cxnLst>
   <dgm:bg/>
   <dgm:whole/>
@@ -12074,6 +13942,268 @@
 </dsp:drawing>
 </file>
 
+<file path=ppt/diagrams/drawing7.xml><?xml version="1.0" encoding="utf-8"?>
+<dsp:drawing xmlns:dgm="http://schemas.openxmlformats.org/drawingml/2006/diagram" xmlns:dsp="http://schemas.microsoft.com/office/drawing/2008/diagram" xmlns:a="http://schemas.openxmlformats.org/drawingml/2006/main">
+  <dsp:spTree>
+    <dsp:nvGrpSpPr>
+      <dsp:cNvPr id="0" name=""/>
+      <dsp:cNvGrpSpPr/>
+    </dsp:nvGrpSpPr>
+    <dsp:grpSpPr/>
+    <dsp:sp modelId="{838B2392-91DD-45A6-ACFD-8A980B7A4FD2}">
+      <dsp:nvSpPr>
+        <dsp:cNvPr id="0" name=""/>
+        <dsp:cNvSpPr/>
+      </dsp:nvSpPr>
+      <dsp:spPr>
+        <a:xfrm>
+          <a:off x="0" y="17299"/>
+          <a:ext cx="6910387" cy="1319175"/>
+        </a:xfrm>
+        <a:prstGeom prst="roundRect">
+          <a:avLst/>
+        </a:prstGeom>
+        <a:solidFill>
+          <a:schemeClr val="accent2">
+            <a:hueOff val="0"/>
+            <a:satOff val="0"/>
+            <a:lumOff val="0"/>
+            <a:alphaOff val="0"/>
+          </a:schemeClr>
+        </a:solidFill>
+        <a:ln w="15875" cap="flat" cmpd="sng" algn="ctr">
+          <a:solidFill>
+            <a:schemeClr val="lt1">
+              <a:hueOff val="0"/>
+              <a:satOff val="0"/>
+              <a:lumOff val="0"/>
+              <a:alphaOff val="0"/>
+            </a:schemeClr>
+          </a:solidFill>
+          <a:prstDash val="solid"/>
+        </a:ln>
+        <a:effectLst/>
+      </dsp:spPr>
+      <dsp:style>
+        <a:lnRef idx="2">
+          <a:scrgbClr r="0" g="0" b="0"/>
+        </a:lnRef>
+        <a:fillRef idx="1">
+          <a:scrgbClr r="0" g="0" b="0"/>
+        </a:fillRef>
+        <a:effectRef idx="0">
+          <a:scrgbClr r="0" g="0" b="0"/>
+        </a:effectRef>
+        <a:fontRef idx="minor">
+          <a:schemeClr val="lt1"/>
+        </a:fontRef>
+      </dsp:style>
+      <dsp:txBody>
+        <a:bodyPr spcFirstLastPara="0" vert="horz" wrap="square" lIns="209550" tIns="209550" rIns="209550" bIns="209550" numCol="1" spcCol="1270" anchor="ctr" anchorCtr="0">
+          <a:noAutofit/>
+        </a:bodyPr>
+        <a:lstStyle/>
+        <a:p>
+          <a:pPr marL="0" lvl="0" indent="0" algn="l" defTabSz="2444750">
+            <a:lnSpc>
+              <a:spcPct val="90000"/>
+            </a:lnSpc>
+            <a:spcBef>
+              <a:spcPct val="0"/>
+            </a:spcBef>
+            <a:spcAft>
+              <a:spcPct val="35000"/>
+            </a:spcAft>
+            <a:buNone/>
+          </a:pPr>
+          <a:r>
+            <a:rPr lang="en-US" sz="5500" kern="1200" dirty="0"/>
+            <a:t>High Score: . 763</a:t>
+          </a:r>
+        </a:p>
+      </dsp:txBody>
+      <dsp:txXfrm>
+        <a:off x="64397" y="81696"/>
+        <a:ext cx="6781593" cy="1190381"/>
+      </dsp:txXfrm>
+    </dsp:sp>
+    <dsp:sp modelId="{E4EED816-EB5F-41B8-8579-BA139086A2A7}">
+      <dsp:nvSpPr>
+        <dsp:cNvPr id="0" name=""/>
+        <dsp:cNvSpPr/>
+      </dsp:nvSpPr>
+      <dsp:spPr>
+        <a:xfrm>
+          <a:off x="0" y="1494874"/>
+          <a:ext cx="6910387" cy="1319175"/>
+        </a:xfrm>
+        <a:prstGeom prst="roundRect">
+          <a:avLst/>
+        </a:prstGeom>
+        <a:solidFill>
+          <a:schemeClr val="accent2">
+            <a:hueOff val="39038"/>
+            <a:satOff val="-26876"/>
+            <a:lumOff val="-6863"/>
+            <a:alphaOff val="0"/>
+          </a:schemeClr>
+        </a:solidFill>
+        <a:ln w="15875" cap="flat" cmpd="sng" algn="ctr">
+          <a:solidFill>
+            <a:schemeClr val="lt1">
+              <a:hueOff val="0"/>
+              <a:satOff val="0"/>
+              <a:lumOff val="0"/>
+              <a:alphaOff val="0"/>
+            </a:schemeClr>
+          </a:solidFill>
+          <a:prstDash val="solid"/>
+        </a:ln>
+        <a:effectLst/>
+      </dsp:spPr>
+      <dsp:style>
+        <a:lnRef idx="2">
+          <a:scrgbClr r="0" g="0" b="0"/>
+        </a:lnRef>
+        <a:fillRef idx="1">
+          <a:scrgbClr r="0" g="0" b="0"/>
+        </a:fillRef>
+        <a:effectRef idx="0">
+          <a:scrgbClr r="0" g="0" b="0"/>
+        </a:effectRef>
+        <a:fontRef idx="minor">
+          <a:schemeClr val="lt1"/>
+        </a:fontRef>
+      </dsp:style>
+      <dsp:txBody>
+        <a:bodyPr spcFirstLastPara="0" vert="horz" wrap="square" lIns="209550" tIns="209550" rIns="209550" bIns="209550" numCol="1" spcCol="1270" anchor="ctr" anchorCtr="0">
+          <a:noAutofit/>
+        </a:bodyPr>
+        <a:lstStyle/>
+        <a:p>
+          <a:pPr marL="0" lvl="0" indent="0" algn="l" defTabSz="2444750">
+            <a:lnSpc>
+              <a:spcPct val="90000"/>
+            </a:lnSpc>
+            <a:spcBef>
+              <a:spcPct val="0"/>
+            </a:spcBef>
+            <a:spcAft>
+              <a:spcPct val="35000"/>
+            </a:spcAft>
+            <a:buNone/>
+          </a:pPr>
+          <a:r>
+            <a:rPr lang="en-US" sz="5500" kern="1200" dirty="0"/>
+            <a:t>Submission Scores:</a:t>
+          </a:r>
+        </a:p>
+      </dsp:txBody>
+      <dsp:txXfrm>
+        <a:off x="64397" y="1559271"/>
+        <a:ext cx="6781593" cy="1190381"/>
+      </dsp:txXfrm>
+    </dsp:sp>
+    <dsp:sp modelId="{38ED92CD-A356-4B99-BCD9-7056EE8CED46}">
+      <dsp:nvSpPr>
+        <dsp:cNvPr id="0" name=""/>
+        <dsp:cNvSpPr/>
+      </dsp:nvSpPr>
+      <dsp:spPr>
+        <a:xfrm>
+          <a:off x="0" y="2814050"/>
+          <a:ext cx="6910387" cy="2220075"/>
+        </a:xfrm>
+        <a:prstGeom prst="rect">
+          <a:avLst/>
+        </a:prstGeom>
+        <a:noFill/>
+        <a:ln>
+          <a:noFill/>
+        </a:ln>
+        <a:effectLst/>
+      </dsp:spPr>
+      <dsp:style>
+        <a:lnRef idx="0">
+          <a:scrgbClr r="0" g="0" b="0"/>
+        </a:lnRef>
+        <a:fillRef idx="0">
+          <a:scrgbClr r="0" g="0" b="0"/>
+        </a:fillRef>
+        <a:effectRef idx="0">
+          <a:scrgbClr r="0" g="0" b="0"/>
+        </a:effectRef>
+        <a:fontRef idx="minor"/>
+      </dsp:style>
+      <dsp:txBody>
+        <a:bodyPr spcFirstLastPara="0" vert="horz" wrap="square" lIns="219405" tIns="69850" rIns="391160" bIns="69850" numCol="1" spcCol="1270" anchor="t" anchorCtr="0">
+          <a:noAutofit/>
+        </a:bodyPr>
+        <a:lstStyle/>
+        <a:p>
+          <a:pPr marL="285750" lvl="1" indent="-285750" algn="l" defTabSz="1911350">
+            <a:lnSpc>
+              <a:spcPct val="90000"/>
+            </a:lnSpc>
+            <a:spcBef>
+              <a:spcPct val="0"/>
+            </a:spcBef>
+            <a:spcAft>
+              <a:spcPct val="20000"/>
+            </a:spcAft>
+            <a:buChar char="•"/>
+          </a:pPr>
+          <a:r>
+            <a:rPr lang="en-US" sz="4300" kern="1200" dirty="0"/>
+            <a:t>Lasso: .706</a:t>
+          </a:r>
+        </a:p>
+        <a:p>
+          <a:pPr marL="285750" lvl="1" indent="-285750" algn="l" defTabSz="1911350">
+            <a:lnSpc>
+              <a:spcPct val="90000"/>
+            </a:lnSpc>
+            <a:spcBef>
+              <a:spcPct val="0"/>
+            </a:spcBef>
+            <a:spcAft>
+              <a:spcPct val="20000"/>
+            </a:spcAft>
+            <a:buChar char="•"/>
+          </a:pPr>
+          <a:r>
+            <a:rPr lang="en-US" sz="4300" kern="1200" dirty="0"/>
+            <a:t>Logistic: .763</a:t>
+          </a:r>
+        </a:p>
+        <a:p>
+          <a:pPr marL="285750" lvl="1" indent="-285750" algn="l" defTabSz="1911350">
+            <a:lnSpc>
+              <a:spcPct val="90000"/>
+            </a:lnSpc>
+            <a:spcBef>
+              <a:spcPct val="0"/>
+            </a:spcBef>
+            <a:spcAft>
+              <a:spcPct val="20000"/>
+            </a:spcAft>
+            <a:buChar char="•"/>
+          </a:pPr>
+          <a:r>
+            <a:rPr lang="en-US" sz="4300" kern="1200" dirty="0"/>
+            <a:t>MLP: .727</a:t>
+          </a:r>
+        </a:p>
+      </dsp:txBody>
+      <dsp:txXfrm>
+        <a:off x="0" y="2814050"/>
+        <a:ext cx="6910387" cy="2220075"/>
+      </dsp:txXfrm>
+    </dsp:sp>
+  </dsp:spTree>
+</dsp:drawing>
+</file>
+
 <file path=ppt/diagrams/layout1.xml><?xml version="1.0" encoding="utf-8"?>
 <dgm:layoutDef xmlns:dgm="http://schemas.openxmlformats.org/drawingml/2006/diagram" xmlns:a="http://schemas.openxmlformats.org/drawingml/2006/main" uniqueId="urn:microsoft.com/office/officeart/2018/2/layout/IconLabelList">
   <dgm:title val="Icon Label List"/>
@@ -13165,6 +15295,173 @@
 </dgm:layoutDef>
 </file>
 
+<file path=ppt/diagrams/layout7.xml><?xml version="1.0" encoding="utf-8"?>
+<dgm:layoutDef xmlns:dgm="http://schemas.openxmlformats.org/drawingml/2006/diagram" xmlns:a="http://schemas.openxmlformats.org/drawingml/2006/main" uniqueId="urn:microsoft.com/office/officeart/2005/8/layout/vList2">
+  <dgm:title val=""/>
+  <dgm:desc val=""/>
+  <dgm:catLst>
+    <dgm:cat type="list" pri="3000"/>
+    <dgm:cat type="convert" pri="1000"/>
+  </dgm:catLst>
+  <dgm:sampData>
+    <dgm:dataModel>
+      <dgm:ptLst>
+        <dgm:pt modelId="0" type="doc"/>
+        <dgm:pt modelId="1">
+          <dgm:prSet phldr="1"/>
+        </dgm:pt>
+        <dgm:pt modelId="11">
+          <dgm:prSet phldr="1"/>
+        </dgm:pt>
+        <dgm:pt modelId="2">
+          <dgm:prSet phldr="1"/>
+        </dgm:pt>
+        <dgm:pt modelId="21">
+          <dgm:prSet phldr="1"/>
+        </dgm:pt>
+      </dgm:ptLst>
+      <dgm:cxnLst>
+        <dgm:cxn modelId="4" srcId="0" destId="1" srcOrd="0" destOrd="0"/>
+        <dgm:cxn modelId="5" srcId="0" destId="2" srcOrd="1" destOrd="0"/>
+        <dgm:cxn modelId="12" srcId="1" destId="11" srcOrd="0" destOrd="0"/>
+        <dgm:cxn modelId="23" srcId="2" destId="21" srcOrd="0" destOrd="0"/>
+      </dgm:cxnLst>
+      <dgm:bg/>
+      <dgm:whole/>
+    </dgm:dataModel>
+  </dgm:sampData>
+  <dgm:styleData>
+    <dgm:dataModel>
+      <dgm:ptLst>
+        <dgm:pt modelId="0" type="doc"/>
+        <dgm:pt modelId="1"/>
+        <dgm:pt modelId="2"/>
+      </dgm:ptLst>
+      <dgm:cxnLst>
+        <dgm:cxn modelId="3" srcId="0" destId="1" srcOrd="0" destOrd="0"/>
+        <dgm:cxn modelId="4" srcId="0" destId="2" srcOrd="1" destOrd="0"/>
+      </dgm:cxnLst>
+      <dgm:bg/>
+      <dgm:whole/>
+    </dgm:dataModel>
+  </dgm:styleData>
+  <dgm:clrData>
+    <dgm:dataModel>
+      <dgm:ptLst>
+        <dgm:pt modelId="0" type="doc"/>
+        <dgm:pt modelId="1"/>
+        <dgm:pt modelId="2"/>
+        <dgm:pt modelId="3"/>
+        <dgm:pt modelId="4"/>
+      </dgm:ptLst>
+      <dgm:cxnLst>
+        <dgm:cxn modelId="5" srcId="0" destId="1" srcOrd="0" destOrd="0"/>
+        <dgm:cxn modelId="6" srcId="0" destId="2" srcOrd="1" destOrd="0"/>
+        <dgm:cxn modelId="7" srcId="0" destId="3" srcOrd="2" destOrd="0"/>
+        <dgm:cxn modelId="8" srcId="0" destId="4" srcOrd="3" destOrd="0"/>
+      </dgm:cxnLst>
+      <dgm:bg/>
+      <dgm:whole/>
+    </dgm:dataModel>
+  </dgm:clrData>
+  <dgm:layoutNode name="linear">
+    <dgm:varLst>
+      <dgm:animLvl val="lvl"/>
+      <dgm:resizeHandles val="exact"/>
+    </dgm:varLst>
+    <dgm:alg type="lin">
+      <dgm:param type="linDir" val="fromT"/>
+      <dgm:param type="vertAlign" val="mid"/>
+    </dgm:alg>
+    <dgm:shape xmlns:r="http://schemas.openxmlformats.org/officeDocument/2006/relationships" r:blip="">
+      <dgm:adjLst/>
+    </dgm:shape>
+    <dgm:presOf/>
+    <dgm:constrLst>
+      <dgm:constr type="w" for="ch" forName="parentText" refType="w"/>
+      <dgm:constr type="h" for="ch" forName="parentText" refType="primFontSz" refFor="ch" refForName="parentText" fact="0.52"/>
+      <dgm:constr type="w" for="ch" forName="childText" refType="w"/>
+      <dgm:constr type="h" for="ch" forName="childText" refType="primFontSz" refFor="ch" refForName="parentText" fact="0.46"/>
+      <dgm:constr type="h" for="ch" forName="parentText" op="equ"/>
+      <dgm:constr type="primFontSz" for="ch" forName="parentText" op="equ" val="65"/>
+      <dgm:constr type="primFontSz" for="ch" forName="childText" refType="primFontSz" refFor="ch" refForName="parentText" op="equ"/>
+      <dgm:constr type="h" for="ch" forName="spacer" refType="primFontSz" refFor="ch" refForName="parentText" fact="0.08"/>
+    </dgm:constrLst>
+    <dgm:ruleLst>
+      <dgm:rule type="primFontSz" for="ch" forName="parentText" val="5" fact="NaN" max="NaN"/>
+    </dgm:ruleLst>
+    <dgm:forEach name="Name0" axis="ch" ptType="node">
+      <dgm:layoutNode name="parentText" styleLbl="node1">
+        <dgm:varLst>
+          <dgm:chMax val="0"/>
+          <dgm:bulletEnabled val="1"/>
+        </dgm:varLst>
+        <dgm:alg type="tx">
+          <dgm:param type="parTxLTRAlign" val="l"/>
+          <dgm:param type="parTxRTLAlign" val="r"/>
+        </dgm:alg>
+        <dgm:shape xmlns:r="http://schemas.openxmlformats.org/officeDocument/2006/relationships" type="roundRect" r:blip="">
+          <dgm:adjLst/>
+        </dgm:shape>
+        <dgm:presOf axis="self"/>
+        <dgm:constrLst>
+          <dgm:constr type="tMarg" refType="primFontSz" fact="0.3"/>
+          <dgm:constr type="bMarg" refType="primFontSz" fact="0.3"/>
+          <dgm:constr type="lMarg" refType="primFontSz" fact="0.3"/>
+          <dgm:constr type="rMarg" refType="primFontSz" fact="0.3"/>
+        </dgm:constrLst>
+        <dgm:ruleLst>
+          <dgm:rule type="h" val="INF" fact="NaN" max="NaN"/>
+        </dgm:ruleLst>
+      </dgm:layoutNode>
+      <dgm:choose name="Name1">
+        <dgm:if name="Name2" axis="ch" ptType="node" func="cnt" op="gte" val="1">
+          <dgm:layoutNode name="childText" styleLbl="revTx">
+            <dgm:varLst>
+              <dgm:bulletEnabled val="1"/>
+            </dgm:varLst>
+            <dgm:alg type="tx">
+              <dgm:param type="stBulletLvl" val="1"/>
+              <dgm:param type="lnSpAfChP" val="20"/>
+            </dgm:alg>
+            <dgm:shape xmlns:r="http://schemas.openxmlformats.org/officeDocument/2006/relationships" type="rect" r:blip="">
+              <dgm:adjLst/>
+            </dgm:shape>
+            <dgm:presOf axis="des" ptType="node"/>
+            <dgm:constrLst>
+              <dgm:constr type="tMarg" refType="primFontSz" fact="0.1"/>
+              <dgm:constr type="bMarg" refType="primFontSz" fact="0.1"/>
+              <dgm:constr type="lMarg" refType="w" fact="0.09"/>
+            </dgm:constrLst>
+            <dgm:ruleLst>
+              <dgm:rule type="h" val="INF" fact="NaN" max="NaN"/>
+            </dgm:ruleLst>
+          </dgm:layoutNode>
+        </dgm:if>
+        <dgm:else name="Name3">
+          <dgm:choose name="Name4">
+            <dgm:if name="Name5" axis="par ch" ptType="doc node" func="cnt" op="gte" val="2">
+              <dgm:forEach name="Name6" axis="followSib" ptType="sibTrans" cnt="1">
+                <dgm:layoutNode name="spacer">
+                  <dgm:alg type="sp"/>
+                  <dgm:shape xmlns:r="http://schemas.openxmlformats.org/officeDocument/2006/relationships" r:blip="">
+                    <dgm:adjLst/>
+                  </dgm:shape>
+                  <dgm:presOf/>
+                  <dgm:constrLst/>
+                  <dgm:ruleLst/>
+                </dgm:layoutNode>
+              </dgm:forEach>
+            </dgm:if>
+            <dgm:else name="Name7"/>
+          </dgm:choose>
+        </dgm:else>
+      </dgm:choose>
+    </dgm:forEach>
+  </dgm:layoutNode>
+</dgm:layoutDef>
+</file>
+
 <file path=ppt/diagrams/quickStyle1.xml><?xml version="1.0" encoding="utf-8"?>
 <dgm:styleDef xmlns:dgm="http://schemas.openxmlformats.org/drawingml/2006/diagram" xmlns:a="http://schemas.openxmlformats.org/drawingml/2006/main" uniqueId="urn:microsoft.com/office/officeart/2005/8/quickstyle/simple1">
   <dgm:title val=""/>
@@ -18336,6 +20633,1040 @@
 </file>
 
 <file path=ppt/diagrams/quickStyle6.xml><?xml version="1.0" encoding="utf-8"?>
+<dgm:styleDef xmlns:dgm="http://schemas.openxmlformats.org/drawingml/2006/diagram" xmlns:a="http://schemas.openxmlformats.org/drawingml/2006/main" uniqueId="urn:microsoft.com/office/officeart/2005/8/quickstyle/simple1">
+  <dgm:title val=""/>
+  <dgm:desc val=""/>
+  <dgm:catLst>
+    <dgm:cat type="simple" pri="10100"/>
+  </dgm:catLst>
+  <dgm:scene3d>
+    <a:camera prst="orthographicFront"/>
+    <a:lightRig rig="threePt" dir="t"/>
+  </dgm:scene3d>
+  <dgm:styleLbl name="node0">
+    <dgm:scene3d>
+      <a:camera prst="orthographicFront"/>
+      <a:lightRig rig="threePt" dir="t"/>
+    </dgm:scene3d>
+    <dgm:sp3d/>
+    <dgm:txPr/>
+    <dgm:style>
+      <a:lnRef idx="2">
+        <a:scrgbClr r="0" g="0" b="0"/>
+      </a:lnRef>
+      <a:fillRef idx="1">
+        <a:scrgbClr r="0" g="0" b="0"/>
+      </a:fillRef>
+      <a:effectRef idx="0">
+        <a:scrgbClr r="0" g="0" b="0"/>
+      </a:effectRef>
+      <a:fontRef idx="minor">
+        <a:schemeClr val="lt1"/>
+      </a:fontRef>
+    </dgm:style>
+  </dgm:styleLbl>
+  <dgm:styleLbl name="lnNode1">
+    <dgm:scene3d>
+      <a:camera prst="orthographicFront"/>
+      <a:lightRig rig="threePt" dir="t"/>
+    </dgm:scene3d>
+    <dgm:sp3d/>
+    <dgm:txPr/>
+    <dgm:style>
+      <a:lnRef idx="2">
+        <a:scrgbClr r="0" g="0" b="0"/>
+      </a:lnRef>
+      <a:fillRef idx="1">
+        <a:scrgbClr r="0" g="0" b="0"/>
+      </a:fillRef>
+      <a:effectRef idx="0">
+        <a:scrgbClr r="0" g="0" b="0"/>
+      </a:effectRef>
+      <a:fontRef idx="minor">
+        <a:schemeClr val="lt1"/>
+      </a:fontRef>
+    </dgm:style>
+  </dgm:styleLbl>
+  <dgm:styleLbl name="vennNode1">
+    <dgm:scene3d>
+      <a:camera prst="orthographicFront"/>
+      <a:lightRig rig="threePt" dir="t"/>
+    </dgm:scene3d>
+    <dgm:sp3d/>
+    <dgm:txPr/>
+    <dgm:style>
+      <a:lnRef idx="2">
+        <a:scrgbClr r="0" g="0" b="0"/>
+      </a:lnRef>
+      <a:fillRef idx="1">
+        <a:scrgbClr r="0" g="0" b="0"/>
+      </a:fillRef>
+      <a:effectRef idx="0">
+        <a:scrgbClr r="0" g="0" b="0"/>
+      </a:effectRef>
+      <a:fontRef idx="minor">
+        <a:schemeClr val="tx1"/>
+      </a:fontRef>
+    </dgm:style>
+  </dgm:styleLbl>
+  <dgm:styleLbl name="alignNode1">
+    <dgm:scene3d>
+      <a:camera prst="orthographicFront"/>
+      <a:lightRig rig="threePt" dir="t"/>
+    </dgm:scene3d>
+    <dgm:sp3d/>
+    <dgm:txPr/>
+    <dgm:style>
+      <a:lnRef idx="2">
+        <a:scrgbClr r="0" g="0" b="0"/>
+      </a:lnRef>
+      <a:fillRef idx="1">
+        <a:scrgbClr r="0" g="0" b="0"/>
+      </a:fillRef>
+      <a:effectRef idx="0">
+        <a:scrgbClr r="0" g="0" b="0"/>
+      </a:effectRef>
+      <a:fontRef idx="minor">
+        <a:schemeClr val="lt1"/>
+      </a:fontRef>
+    </dgm:style>
+  </dgm:styleLbl>
+  <dgm:styleLbl name="node1">
+    <dgm:scene3d>
+      <a:camera prst="orthographicFront"/>
+      <a:lightRig rig="threePt" dir="t"/>
+    </dgm:scene3d>
+    <dgm:sp3d/>
+    <dgm:txPr/>
+    <dgm:style>
+      <a:lnRef idx="2">
+        <a:scrgbClr r="0" g="0" b="0"/>
+      </a:lnRef>
+      <a:fillRef idx="1">
+        <a:scrgbClr r="0" g="0" b="0"/>
+      </a:fillRef>
+      <a:effectRef idx="0">
+        <a:scrgbClr r="0" g="0" b="0"/>
+      </a:effectRef>
+      <a:fontRef idx="minor">
+        <a:schemeClr val="lt1"/>
+      </a:fontRef>
+    </dgm:style>
+  </dgm:styleLbl>
+  <dgm:styleLbl name="node2">
+    <dgm:scene3d>
+      <a:camera prst="orthographicFront"/>
+      <a:lightRig rig="threePt" dir="t"/>
+    </dgm:scene3d>
+    <dgm:sp3d/>
+    <dgm:txPr/>
+    <dgm:style>
+      <a:lnRef idx="2">
+        <a:scrgbClr r="0" g="0" b="0"/>
+      </a:lnRef>
+      <a:fillRef idx="1">
+        <a:scrgbClr r="0" g="0" b="0"/>
+      </a:fillRef>
+      <a:effectRef idx="0">
+        <a:scrgbClr r="0" g="0" b="0"/>
+      </a:effectRef>
+      <a:fontRef idx="minor">
+        <a:schemeClr val="lt1"/>
+      </a:fontRef>
+    </dgm:style>
+  </dgm:styleLbl>
+  <dgm:styleLbl name="node3">
+    <dgm:scene3d>
+      <a:camera prst="orthographicFront"/>
+      <a:lightRig rig="threePt" dir="t"/>
+    </dgm:scene3d>
+    <dgm:sp3d/>
+    <dgm:txPr/>
+    <dgm:style>
+      <a:lnRef idx="2">
+        <a:scrgbClr r="0" g="0" b="0"/>
+      </a:lnRef>
+      <a:fillRef idx="1">
+        <a:scrgbClr r="0" g="0" b="0"/>
+      </a:fillRef>
+      <a:effectRef idx="0">
+        <a:scrgbClr r="0" g="0" b="0"/>
+      </a:effectRef>
+      <a:fontRef idx="minor">
+        <a:schemeClr val="lt1"/>
+      </a:fontRef>
+    </dgm:style>
+  </dgm:styleLbl>
+  <dgm:styleLbl name="node4">
+    <dgm:scene3d>
+      <a:camera prst="orthographicFront"/>
+      <a:lightRig rig="threePt" dir="t"/>
+    </dgm:scene3d>
+    <dgm:sp3d/>
+    <dgm:txPr/>
+    <dgm:style>
+      <a:lnRef idx="2">
+        <a:scrgbClr r="0" g="0" b="0"/>
+      </a:lnRef>
+      <a:fillRef idx="1">
+        <a:scrgbClr r="0" g="0" b="0"/>
+      </a:fillRef>
+      <a:effectRef idx="0">
+        <a:scrgbClr r="0" g="0" b="0"/>
+      </a:effectRef>
+      <a:fontRef idx="minor">
+        <a:schemeClr val="lt1"/>
+      </a:fontRef>
+    </dgm:style>
+  </dgm:styleLbl>
+  <dgm:styleLbl name="fgImgPlace1">
+    <dgm:scene3d>
+      <a:camera prst="orthographicFront"/>
+      <a:lightRig rig="threePt" dir="t"/>
+    </dgm:scene3d>
+    <dgm:sp3d/>
+    <dgm:txPr/>
+    <dgm:style>
+      <a:lnRef idx="2">
+        <a:scrgbClr r="0" g="0" b="0"/>
+      </a:lnRef>
+      <a:fillRef idx="1">
+        <a:scrgbClr r="0" g="0" b="0"/>
+      </a:fillRef>
+      <a:effectRef idx="0">
+        <a:scrgbClr r="0" g="0" b="0"/>
+      </a:effectRef>
+      <a:fontRef idx="minor"/>
+    </dgm:style>
+  </dgm:styleLbl>
+  <dgm:styleLbl name="alignImgPlace1">
+    <dgm:scene3d>
+      <a:camera prst="orthographicFront"/>
+      <a:lightRig rig="threePt" dir="t"/>
+    </dgm:scene3d>
+    <dgm:sp3d/>
+    <dgm:txPr/>
+    <dgm:style>
+      <a:lnRef idx="2">
+        <a:scrgbClr r="0" g="0" b="0"/>
+      </a:lnRef>
+      <a:fillRef idx="1">
+        <a:scrgbClr r="0" g="0" b="0"/>
+      </a:fillRef>
+      <a:effectRef idx="0">
+        <a:scrgbClr r="0" g="0" b="0"/>
+      </a:effectRef>
+      <a:fontRef idx="minor"/>
+    </dgm:style>
+  </dgm:styleLbl>
+  <dgm:styleLbl name="bgImgPlace1">
+    <dgm:scene3d>
+      <a:camera prst="orthographicFront"/>
+      <a:lightRig rig="threePt" dir="t"/>
+    </dgm:scene3d>
+    <dgm:sp3d/>
+    <dgm:txPr/>
+    <dgm:style>
+      <a:lnRef idx="2">
+        <a:scrgbClr r="0" g="0" b="0"/>
+      </a:lnRef>
+      <a:fillRef idx="1">
+        <a:scrgbClr r="0" g="0" b="0"/>
+      </a:fillRef>
+      <a:effectRef idx="0">
+        <a:scrgbClr r="0" g="0" b="0"/>
+      </a:effectRef>
+      <a:fontRef idx="minor"/>
+    </dgm:style>
+  </dgm:styleLbl>
+  <dgm:styleLbl name="sibTrans2D1">
+    <dgm:scene3d>
+      <a:camera prst="orthographicFront"/>
+      <a:lightRig rig="threePt" dir="t"/>
+    </dgm:scene3d>
+    <dgm:sp3d/>
+    <dgm:txPr/>
+    <dgm:style>
+      <a:lnRef idx="0">
+        <a:scrgbClr r="0" g="0" b="0"/>
+      </a:lnRef>
+      <a:fillRef idx="1">
+        <a:scrgbClr r="0" g="0" b="0"/>
+      </a:fillRef>
+      <a:effectRef idx="0">
+        <a:scrgbClr r="0" g="0" b="0"/>
+      </a:effectRef>
+      <a:fontRef idx="minor">
+        <a:schemeClr val="lt1"/>
+      </a:fontRef>
+    </dgm:style>
+  </dgm:styleLbl>
+  <dgm:styleLbl name="fgSibTrans2D1">
+    <dgm:scene3d>
+      <a:camera prst="orthographicFront"/>
+      <a:lightRig rig="threePt" dir="t"/>
+    </dgm:scene3d>
+    <dgm:sp3d/>
+    <dgm:txPr/>
+    <dgm:style>
+      <a:lnRef idx="0">
+        <a:scrgbClr r="0" g="0" b="0"/>
+      </a:lnRef>
+      <a:fillRef idx="1">
+        <a:scrgbClr r="0" g="0" b="0"/>
+      </a:fillRef>
+      <a:effectRef idx="0">
+        <a:scrgbClr r="0" g="0" b="0"/>
+      </a:effectRef>
+      <a:fontRef idx="minor">
+        <a:schemeClr val="lt1"/>
+      </a:fontRef>
+    </dgm:style>
+  </dgm:styleLbl>
+  <dgm:styleLbl name="bgSibTrans2D1">
+    <dgm:scene3d>
+      <a:camera prst="orthographicFront"/>
+      <a:lightRig rig="threePt" dir="t"/>
+    </dgm:scene3d>
+    <dgm:sp3d/>
+    <dgm:txPr/>
+    <dgm:style>
+      <a:lnRef idx="0">
+        <a:scrgbClr r="0" g="0" b="0"/>
+      </a:lnRef>
+      <a:fillRef idx="1">
+        <a:scrgbClr r="0" g="0" b="0"/>
+      </a:fillRef>
+      <a:effectRef idx="0">
+        <a:scrgbClr r="0" g="0" b="0"/>
+      </a:effectRef>
+      <a:fontRef idx="minor">
+        <a:schemeClr val="lt1"/>
+      </a:fontRef>
+    </dgm:style>
+  </dgm:styleLbl>
+  <dgm:styleLbl name="sibTrans1D1">
+    <dgm:scene3d>
+      <a:camera prst="orthographicFront"/>
+      <a:lightRig rig="threePt" dir="t"/>
+    </dgm:scene3d>
+    <dgm:sp3d/>
+    <dgm:txPr/>
+    <dgm:style>
+      <a:lnRef idx="1">
+        <a:scrgbClr r="0" g="0" b="0"/>
+      </a:lnRef>
+      <a:fillRef idx="0">
+        <a:scrgbClr r="0" g="0" b="0"/>
+      </a:fillRef>
+      <a:effectRef idx="0">
+        <a:scrgbClr r="0" g="0" b="0"/>
+      </a:effectRef>
+      <a:fontRef idx="minor"/>
+    </dgm:style>
+  </dgm:styleLbl>
+  <dgm:styleLbl name="callout">
+    <dgm:scene3d>
+      <a:camera prst="orthographicFront"/>
+      <a:lightRig rig="threePt" dir="t"/>
+    </dgm:scene3d>
+    <dgm:sp3d/>
+    <dgm:txPr/>
+    <dgm:style>
+      <a:lnRef idx="2">
+        <a:scrgbClr r="0" g="0" b="0"/>
+      </a:lnRef>
+      <a:fillRef idx="1">
+        <a:scrgbClr r="0" g="0" b="0"/>
+      </a:fillRef>
+      <a:effectRef idx="0">
+        <a:scrgbClr r="0" g="0" b="0"/>
+      </a:effectRef>
+      <a:fontRef idx="minor"/>
+    </dgm:style>
+  </dgm:styleLbl>
+  <dgm:styleLbl name="asst0">
+    <dgm:scene3d>
+      <a:camera prst="orthographicFront"/>
+      <a:lightRig rig="threePt" dir="t"/>
+    </dgm:scene3d>
+    <dgm:sp3d/>
+    <dgm:txPr/>
+    <dgm:style>
+      <a:lnRef idx="2">
+        <a:scrgbClr r="0" g="0" b="0"/>
+      </a:lnRef>
+      <a:fillRef idx="1">
+        <a:scrgbClr r="0" g="0" b="0"/>
+      </a:fillRef>
+      <a:effectRef idx="0">
+        <a:scrgbClr r="0" g="0" b="0"/>
+      </a:effectRef>
+      <a:fontRef idx="minor">
+        <a:schemeClr val="lt1"/>
+      </a:fontRef>
+    </dgm:style>
+  </dgm:styleLbl>
+  <dgm:styleLbl name="asst1">
+    <dgm:scene3d>
+      <a:camera prst="orthographicFront"/>
+      <a:lightRig rig="threePt" dir="t"/>
+    </dgm:scene3d>
+    <dgm:sp3d/>
+    <dgm:txPr/>
+    <dgm:style>
+      <a:lnRef idx="2">
+        <a:scrgbClr r="0" g="0" b="0"/>
+      </a:lnRef>
+      <a:fillRef idx="1">
+        <a:scrgbClr r="0" g="0" b="0"/>
+      </a:fillRef>
+      <a:effectRef idx="0">
+        <a:scrgbClr r="0" g="0" b="0"/>
+      </a:effectRef>
+      <a:fontRef idx="minor">
+        <a:schemeClr val="lt1"/>
+      </a:fontRef>
+    </dgm:style>
+  </dgm:styleLbl>
+  <dgm:styleLbl name="asst2">
+    <dgm:scene3d>
+      <a:camera prst="orthographicFront"/>
+      <a:lightRig rig="threePt" dir="t"/>
+    </dgm:scene3d>
+    <dgm:sp3d/>
+    <dgm:txPr/>
+    <dgm:style>
+      <a:lnRef idx="2">
+        <a:scrgbClr r="0" g="0" b="0"/>
+      </a:lnRef>
+      <a:fillRef idx="1">
+        <a:scrgbClr r="0" g="0" b="0"/>
+      </a:fillRef>
+      <a:effectRef idx="0">
+        <a:scrgbClr r="0" g="0" b="0"/>
+      </a:effectRef>
+      <a:fontRef idx="minor">
+        <a:schemeClr val="lt1"/>
+      </a:fontRef>
+    </dgm:style>
+  </dgm:styleLbl>
+  <dgm:styleLbl name="asst3">
+    <dgm:scene3d>
+      <a:camera prst="orthographicFront"/>
+      <a:lightRig rig="threePt" dir="t"/>
+    </dgm:scene3d>
+    <dgm:sp3d/>
+    <dgm:txPr/>
+    <dgm:style>
+      <a:lnRef idx="2">
+        <a:scrgbClr r="0" g="0" b="0"/>
+      </a:lnRef>
+      <a:fillRef idx="1">
+        <a:scrgbClr r="0" g="0" b="0"/>
+      </a:fillRef>
+      <a:effectRef idx="0">
+        <a:scrgbClr r="0" g="0" b="0"/>
+      </a:effectRef>
+      <a:fontRef idx="minor">
+        <a:schemeClr val="lt1"/>
+      </a:fontRef>
+    </dgm:style>
+  </dgm:styleLbl>
+  <dgm:styleLbl name="asst4">
+    <dgm:scene3d>
+      <a:camera prst="orthographicFront"/>
+      <a:lightRig rig="threePt" dir="t"/>
+    </dgm:scene3d>
+    <dgm:sp3d/>
+    <dgm:txPr/>
+    <dgm:style>
+      <a:lnRef idx="2">
+        <a:scrgbClr r="0" g="0" b="0"/>
+      </a:lnRef>
+      <a:fillRef idx="1">
+        <a:scrgbClr r="0" g="0" b="0"/>
+      </a:fillRef>
+      <a:effectRef idx="0">
+        <a:scrgbClr r="0" g="0" b="0"/>
+      </a:effectRef>
+      <a:fontRef idx="minor">
+        <a:schemeClr val="lt1"/>
+      </a:fontRef>
+    </dgm:style>
+  </dgm:styleLbl>
+  <dgm:styleLbl name="parChTrans2D1">
+    <dgm:scene3d>
+      <a:camera prst="orthographicFront"/>
+      <a:lightRig rig="threePt" dir="t"/>
+    </dgm:scene3d>
+    <dgm:sp3d/>
+    <dgm:txPr/>
+    <dgm:style>
+      <a:lnRef idx="2">
+        <a:scrgbClr r="0" g="0" b="0"/>
+      </a:lnRef>
+      <a:fillRef idx="1">
+        <a:scrgbClr r="0" g="0" b="0"/>
+      </a:fillRef>
+      <a:effectRef idx="0">
+        <a:scrgbClr r="0" g="0" b="0"/>
+      </a:effectRef>
+      <a:fontRef idx="minor">
+        <a:schemeClr val="lt1"/>
+      </a:fontRef>
+    </dgm:style>
+  </dgm:styleLbl>
+  <dgm:styleLbl name="parChTrans2D2">
+    <dgm:scene3d>
+      <a:camera prst="orthographicFront"/>
+      <a:lightRig rig="threePt" dir="t"/>
+    </dgm:scene3d>
+    <dgm:sp3d/>
+    <dgm:txPr/>
+    <dgm:style>
+      <a:lnRef idx="2">
+        <a:scrgbClr r="0" g="0" b="0"/>
+      </a:lnRef>
+      <a:fillRef idx="1">
+        <a:scrgbClr r="0" g="0" b="0"/>
+      </a:fillRef>
+      <a:effectRef idx="0">
+        <a:scrgbClr r="0" g="0" b="0"/>
+      </a:effectRef>
+      <a:fontRef idx="minor">
+        <a:schemeClr val="lt1"/>
+      </a:fontRef>
+    </dgm:style>
+  </dgm:styleLbl>
+  <dgm:styleLbl name="parChTrans2D3">
+    <dgm:scene3d>
+      <a:camera prst="orthographicFront"/>
+      <a:lightRig rig="threePt" dir="t"/>
+    </dgm:scene3d>
+    <dgm:sp3d/>
+    <dgm:txPr/>
+    <dgm:style>
+      <a:lnRef idx="2">
+        <a:scrgbClr r="0" g="0" b="0"/>
+      </a:lnRef>
+      <a:fillRef idx="1">
+        <a:scrgbClr r="0" g="0" b="0"/>
+      </a:fillRef>
+      <a:effectRef idx="0">
+        <a:scrgbClr r="0" g="0" b="0"/>
+      </a:effectRef>
+      <a:fontRef idx="minor">
+        <a:schemeClr val="lt1"/>
+      </a:fontRef>
+    </dgm:style>
+  </dgm:styleLbl>
+  <dgm:styleLbl name="parChTrans2D4">
+    <dgm:scene3d>
+      <a:camera prst="orthographicFront"/>
+      <a:lightRig rig="threePt" dir="t"/>
+    </dgm:scene3d>
+    <dgm:sp3d/>
+    <dgm:txPr/>
+    <dgm:style>
+      <a:lnRef idx="2">
+        <a:scrgbClr r="0" g="0" b="0"/>
+      </a:lnRef>
+      <a:fillRef idx="1">
+        <a:scrgbClr r="0" g="0" b="0"/>
+      </a:fillRef>
+      <a:effectRef idx="0">
+        <a:scrgbClr r="0" g="0" b="0"/>
+      </a:effectRef>
+      <a:fontRef idx="minor">
+        <a:schemeClr val="lt1"/>
+      </a:fontRef>
+    </dgm:style>
+  </dgm:styleLbl>
+  <dgm:styleLbl name="parChTrans1D1">
+    <dgm:scene3d>
+      <a:camera prst="orthographicFront"/>
+      <a:lightRig rig="threePt" dir="t"/>
+    </dgm:scene3d>
+    <dgm:sp3d/>
+    <dgm:txPr/>
+    <dgm:style>
+      <a:lnRef idx="2">
+        <a:scrgbClr r="0" g="0" b="0"/>
+      </a:lnRef>
+      <a:fillRef idx="0">
+        <a:scrgbClr r="0" g="0" b="0"/>
+      </a:fillRef>
+      <a:effectRef idx="0">
+        <a:scrgbClr r="0" g="0" b="0"/>
+      </a:effectRef>
+      <a:fontRef idx="minor"/>
+    </dgm:style>
+  </dgm:styleLbl>
+  <dgm:styleLbl name="parChTrans1D2">
+    <dgm:scene3d>
+      <a:camera prst="orthographicFront"/>
+      <a:lightRig rig="threePt" dir="t"/>
+    </dgm:scene3d>
+    <dgm:sp3d/>
+    <dgm:txPr/>
+    <dgm:style>
+      <a:lnRef idx="2">
+        <a:scrgbClr r="0" g="0" b="0"/>
+      </a:lnRef>
+      <a:fillRef idx="0">
+        <a:scrgbClr r="0" g="0" b="0"/>
+      </a:fillRef>
+      <a:effectRef idx="0">
+        <a:scrgbClr r="0" g="0" b="0"/>
+      </a:effectRef>
+      <a:fontRef idx="minor"/>
+    </dgm:style>
+  </dgm:styleLbl>
+  <dgm:styleLbl name="parChTrans1D3">
+    <dgm:scene3d>
+      <a:camera prst="orthographicFront"/>
+      <a:lightRig rig="threePt" dir="t"/>
+    </dgm:scene3d>
+    <dgm:sp3d/>
+    <dgm:txPr/>
+    <dgm:style>
+      <a:lnRef idx="2">
+        <a:scrgbClr r="0" g="0" b="0"/>
+      </a:lnRef>
+      <a:fillRef idx="0">
+        <a:scrgbClr r="0" g="0" b="0"/>
+      </a:fillRef>
+      <a:effectRef idx="0">
+        <a:scrgbClr r="0" g="0" b="0"/>
+      </a:effectRef>
+      <a:fontRef idx="minor"/>
+    </dgm:style>
+  </dgm:styleLbl>
+  <dgm:styleLbl name="parChTrans1D4">
+    <dgm:scene3d>
+      <a:camera prst="orthographicFront"/>
+      <a:lightRig rig="threePt" dir="t"/>
+    </dgm:scene3d>
+    <dgm:sp3d/>
+    <dgm:txPr/>
+    <dgm:style>
+      <a:lnRef idx="2">
+        <a:scrgbClr r="0" g="0" b="0"/>
+      </a:lnRef>
+      <a:fillRef idx="0">
+        <a:scrgbClr r="0" g="0" b="0"/>
+      </a:fillRef>
+      <a:effectRef idx="0">
+        <a:scrgbClr r="0" g="0" b="0"/>
+      </a:effectRef>
+      <a:fontRef idx="minor"/>
+    </dgm:style>
+  </dgm:styleLbl>
+  <dgm:styleLbl name="fgAcc1">
+    <dgm:scene3d>
+      <a:camera prst="orthographicFront"/>
+      <a:lightRig rig="threePt" dir="t"/>
+    </dgm:scene3d>
+    <dgm:sp3d/>
+    <dgm:txPr/>
+    <dgm:style>
+      <a:lnRef idx="2">
+        <a:scrgbClr r="0" g="0" b="0"/>
+      </a:lnRef>
+      <a:fillRef idx="1">
+        <a:scrgbClr r="0" g="0" b="0"/>
+      </a:fillRef>
+      <a:effectRef idx="0">
+        <a:scrgbClr r="0" g="0" b="0"/>
+      </a:effectRef>
+      <a:fontRef idx="minor"/>
+    </dgm:style>
+  </dgm:styleLbl>
+  <dgm:styleLbl name="conFgAcc1">
+    <dgm:scene3d>
+      <a:camera prst="orthographicFront"/>
+      <a:lightRig rig="threePt" dir="t"/>
+    </dgm:scene3d>
+    <dgm:sp3d/>
+    <dgm:txPr/>
+    <dgm:style>
+      <a:lnRef idx="2">
+        <a:scrgbClr r="0" g="0" b="0"/>
+      </a:lnRef>
+      <a:fillRef idx="1">
+        <a:scrgbClr r="0" g="0" b="0"/>
+      </a:fillRef>
+      <a:effectRef idx="0">
+        <a:scrgbClr r="0" g="0" b="0"/>
+      </a:effectRef>
+      <a:fontRef idx="minor"/>
+    </dgm:style>
+  </dgm:styleLbl>
+  <dgm:styleLbl name="alignAcc1">
+    <dgm:scene3d>
+      <a:camera prst="orthographicFront"/>
+      <a:lightRig rig="threePt" dir="t"/>
+    </dgm:scene3d>
+    <dgm:sp3d/>
+    <dgm:txPr/>
+    <dgm:style>
+      <a:lnRef idx="2">
+        <a:scrgbClr r="0" g="0" b="0"/>
+      </a:lnRef>
+      <a:fillRef idx="1">
+        <a:scrgbClr r="0" g="0" b="0"/>
+      </a:fillRef>
+      <a:effectRef idx="0">
+        <a:scrgbClr r="0" g="0" b="0"/>
+      </a:effectRef>
+      <a:fontRef idx="minor"/>
+    </dgm:style>
+  </dgm:styleLbl>
+  <dgm:styleLbl name="trAlignAcc1">
+    <dgm:scene3d>
+      <a:camera prst="orthographicFront"/>
+      <a:lightRig rig="threePt" dir="t"/>
+    </dgm:scene3d>
+    <dgm:sp3d/>
+    <dgm:txPr/>
+    <dgm:style>
+      <a:lnRef idx="1">
+        <a:scrgbClr r="0" g="0" b="0"/>
+      </a:lnRef>
+      <a:fillRef idx="1">
+        <a:scrgbClr r="0" g="0" b="0"/>
+      </a:fillRef>
+      <a:effectRef idx="0">
+        <a:scrgbClr r="0" g="0" b="0"/>
+      </a:effectRef>
+      <a:fontRef idx="minor"/>
+    </dgm:style>
+  </dgm:styleLbl>
+  <dgm:styleLbl name="bgAcc1">
+    <dgm:scene3d>
+      <a:camera prst="orthographicFront"/>
+      <a:lightRig rig="threePt" dir="t"/>
+    </dgm:scene3d>
+    <dgm:sp3d/>
+    <dgm:txPr/>
+    <dgm:style>
+      <a:lnRef idx="2">
+        <a:scrgbClr r="0" g="0" b="0"/>
+      </a:lnRef>
+      <a:fillRef idx="1">
+        <a:scrgbClr r="0" g="0" b="0"/>
+      </a:fillRef>
+      <a:effectRef idx="0">
+        <a:scrgbClr r="0" g="0" b="0"/>
+      </a:effectRef>
+      <a:fontRef idx="minor"/>
+    </dgm:style>
+  </dgm:styleLbl>
+  <dgm:styleLbl name="solidFgAcc1">
+    <dgm:scene3d>
+      <a:camera prst="orthographicFront"/>
+      <a:lightRig rig="threePt" dir="t"/>
+    </dgm:scene3d>
+    <dgm:sp3d/>
+    <dgm:txPr/>
+    <dgm:style>
+      <a:lnRef idx="2">
+        <a:scrgbClr r="0" g="0" b="0"/>
+      </a:lnRef>
+      <a:fillRef idx="1">
+        <a:scrgbClr r="0" g="0" b="0"/>
+      </a:fillRef>
+      <a:effectRef idx="0">
+        <a:scrgbClr r="0" g="0" b="0"/>
+      </a:effectRef>
+      <a:fontRef idx="minor"/>
+    </dgm:style>
+  </dgm:styleLbl>
+  <dgm:styleLbl name="solidAlignAcc1">
+    <dgm:scene3d>
+      <a:camera prst="orthographicFront"/>
+      <a:lightRig rig="threePt" dir="t"/>
+    </dgm:scene3d>
+    <dgm:sp3d/>
+    <dgm:txPr/>
+    <dgm:style>
+      <a:lnRef idx="2">
+        <a:scrgbClr r="0" g="0" b="0"/>
+      </a:lnRef>
+      <a:fillRef idx="1">
+        <a:scrgbClr r="0" g="0" b="0"/>
+      </a:fillRef>
+      <a:effectRef idx="0">
+        <a:scrgbClr r="0" g="0" b="0"/>
+      </a:effectRef>
+      <a:fontRef idx="minor"/>
+    </dgm:style>
+  </dgm:styleLbl>
+  <dgm:styleLbl name="solidBgAcc1">
+    <dgm:scene3d>
+      <a:camera prst="orthographicFront"/>
+      <a:lightRig rig="threePt" dir="t"/>
+    </dgm:scene3d>
+    <dgm:sp3d/>
+    <dgm:txPr/>
+    <dgm:style>
+      <a:lnRef idx="2">
+        <a:scrgbClr r="0" g="0" b="0"/>
+      </a:lnRef>
+      <a:fillRef idx="1">
+        <a:scrgbClr r="0" g="0" b="0"/>
+      </a:fillRef>
+      <a:effectRef idx="0">
+        <a:scrgbClr r="0" g="0" b="0"/>
+      </a:effectRef>
+      <a:fontRef idx="minor"/>
+    </dgm:style>
+  </dgm:styleLbl>
+  <dgm:styleLbl name="fgAccFollowNode1">
+    <dgm:scene3d>
+      <a:camera prst="orthographicFront"/>
+      <a:lightRig rig="threePt" dir="t"/>
+    </dgm:scene3d>
+    <dgm:sp3d/>
+    <dgm:txPr/>
+    <dgm:style>
+      <a:lnRef idx="2">
+        <a:scrgbClr r="0" g="0" b="0"/>
+      </a:lnRef>
+      <a:fillRef idx="1">
+        <a:scrgbClr r="0" g="0" b="0"/>
+      </a:fillRef>
+      <a:effectRef idx="0">
+        <a:scrgbClr r="0" g="0" b="0"/>
+      </a:effectRef>
+      <a:fontRef idx="minor"/>
+    </dgm:style>
+  </dgm:styleLbl>
+  <dgm:styleLbl name="alignAccFollowNode1">
+    <dgm:scene3d>
+      <a:camera prst="orthographicFront"/>
+      <a:lightRig rig="threePt" dir="t"/>
+    </dgm:scene3d>
+    <dgm:sp3d/>
+    <dgm:txPr/>
+    <dgm:style>
+      <a:lnRef idx="2">
+        <a:scrgbClr r="0" g="0" b="0"/>
+      </a:lnRef>
+      <a:fillRef idx="1">
+        <a:scrgbClr r="0" g="0" b="0"/>
+      </a:fillRef>
+      <a:effectRef idx="0">
+        <a:scrgbClr r="0" g="0" b="0"/>
+      </a:effectRef>
+      <a:fontRef idx="minor"/>
+    </dgm:style>
+  </dgm:styleLbl>
+  <dgm:styleLbl name="bgAccFollowNode1">
+    <dgm:scene3d>
+      <a:camera prst="orthographicFront"/>
+      <a:lightRig rig="threePt" dir="t"/>
+    </dgm:scene3d>
+    <dgm:sp3d/>
+    <dgm:txPr/>
+    <dgm:style>
+      <a:lnRef idx="2">
+        <a:scrgbClr r="0" g="0" b="0"/>
+      </a:lnRef>
+      <a:fillRef idx="1">
+        <a:scrgbClr r="0" g="0" b="0"/>
+      </a:fillRef>
+      <a:effectRef idx="0">
+        <a:scrgbClr r="0" g="0" b="0"/>
+      </a:effectRef>
+      <a:fontRef idx="minor"/>
+    </dgm:style>
+  </dgm:styleLbl>
+  <dgm:styleLbl name="fgAcc0">
+    <dgm:scene3d>
+      <a:camera prst="orthographicFront"/>
+      <a:lightRig rig="threePt" dir="t"/>
+    </dgm:scene3d>
+    <dgm:sp3d/>
+    <dgm:txPr/>
+    <dgm:style>
+      <a:lnRef idx="2">
+        <a:scrgbClr r="0" g="0" b="0"/>
+      </a:lnRef>
+      <a:fillRef idx="1">
+        <a:scrgbClr r="0" g="0" b="0"/>
+      </a:fillRef>
+      <a:effectRef idx="0">
+        <a:scrgbClr r="0" g="0" b="0"/>
+      </a:effectRef>
+      <a:fontRef idx="minor"/>
+    </dgm:style>
+  </dgm:styleLbl>
+  <dgm:styleLbl name="fgAcc2">
+    <dgm:scene3d>
+      <a:camera prst="orthographicFront"/>
+      <a:lightRig rig="threePt" dir="t"/>
+    </dgm:scene3d>
+    <dgm:sp3d/>
+    <dgm:txPr/>
+    <dgm:style>
+      <a:lnRef idx="2">
+        <a:scrgbClr r="0" g="0" b="0"/>
+      </a:lnRef>
+      <a:fillRef idx="1">
+        <a:scrgbClr r="0" g="0" b="0"/>
+      </a:fillRef>
+      <a:effectRef idx="0">
+        <a:scrgbClr r="0" g="0" b="0"/>
+      </a:effectRef>
+      <a:fontRef idx="minor"/>
+    </dgm:style>
+  </dgm:styleLbl>
+  <dgm:styleLbl name="fgAcc3">
+    <dgm:scene3d>
+      <a:camera prst="orthographicFront"/>
+      <a:lightRig rig="threePt" dir="t"/>
+    </dgm:scene3d>
+    <dgm:sp3d/>
+    <dgm:txPr/>
+    <dgm:style>
+      <a:lnRef idx="2">
+        <a:scrgbClr r="0" g="0" b="0"/>
+      </a:lnRef>
+      <a:fillRef idx="1">
+        <a:scrgbClr r="0" g="0" b="0"/>
+      </a:fillRef>
+      <a:effectRef idx="0">
+        <a:scrgbClr r="0" g="0" b="0"/>
+      </a:effectRef>
+      <a:fontRef idx="minor"/>
+    </dgm:style>
+  </dgm:styleLbl>
+  <dgm:styleLbl name="fgAcc4">
+    <dgm:scene3d>
+      <a:camera prst="orthographicFront"/>
+      <a:lightRig rig="threePt" dir="t"/>
+    </dgm:scene3d>
+    <dgm:sp3d/>
+    <dgm:txPr/>
+    <dgm:style>
+      <a:lnRef idx="2">
+        <a:scrgbClr r="0" g="0" b="0"/>
+      </a:lnRef>
+      <a:fillRef idx="1">
+        <a:scrgbClr r="0" g="0" b="0"/>
+      </a:fillRef>
+      <a:effectRef idx="0">
+        <a:scrgbClr r="0" g="0" b="0"/>
+      </a:effectRef>
+      <a:fontRef idx="minor"/>
+    </dgm:style>
+  </dgm:styleLbl>
+  <dgm:styleLbl name="bgShp">
+    <dgm:scene3d>
+      <a:camera prst="orthographicFront"/>
+      <a:lightRig rig="threePt" dir="t"/>
+    </dgm:scene3d>
+    <dgm:sp3d/>
+    <dgm:txPr/>
+    <dgm:style>
+      <a:lnRef idx="0">
+        <a:scrgbClr r="0" g="0" b="0"/>
+      </a:lnRef>
+      <a:fillRef idx="1">
+        <a:scrgbClr r="0" g="0" b="0"/>
+      </a:fillRef>
+      <a:effectRef idx="0">
+        <a:scrgbClr r="0" g="0" b="0"/>
+      </a:effectRef>
+      <a:fontRef idx="minor"/>
+    </dgm:style>
+  </dgm:styleLbl>
+  <dgm:styleLbl name="dkBgShp">
+    <dgm:scene3d>
+      <a:camera prst="orthographicFront"/>
+      <a:lightRig rig="threePt" dir="t"/>
+    </dgm:scene3d>
+    <dgm:sp3d/>
+    <dgm:txPr/>
+    <dgm:style>
+      <a:lnRef idx="0">
+        <a:scrgbClr r="0" g="0" b="0"/>
+      </a:lnRef>
+      <a:fillRef idx="1">
+        <a:scrgbClr r="0" g="0" b="0"/>
+      </a:fillRef>
+      <a:effectRef idx="0">
+        <a:scrgbClr r="0" g="0" b="0"/>
+      </a:effectRef>
+      <a:fontRef idx="minor"/>
+    </dgm:style>
+  </dgm:styleLbl>
+  <dgm:styleLbl name="trBgShp">
+    <dgm:scene3d>
+      <a:camera prst="orthographicFront"/>
+      <a:lightRig rig="threePt" dir="t"/>
+    </dgm:scene3d>
+    <dgm:sp3d/>
+    <dgm:txPr/>
+    <dgm:style>
+      <a:lnRef idx="0">
+        <a:scrgbClr r="0" g="0" b="0"/>
+      </a:lnRef>
+      <a:fillRef idx="1">
+        <a:scrgbClr r="0" g="0" b="0"/>
+      </a:fillRef>
+      <a:effectRef idx="0">
+        <a:scrgbClr r="0" g="0" b="0"/>
+      </a:effectRef>
+      <a:fontRef idx="minor"/>
+    </dgm:style>
+  </dgm:styleLbl>
+  <dgm:styleLbl name="fgShp">
+    <dgm:scene3d>
+      <a:camera prst="orthographicFront"/>
+      <a:lightRig rig="threePt" dir="t"/>
+    </dgm:scene3d>
+    <dgm:sp3d/>
+    <dgm:txPr/>
+    <dgm:style>
+      <a:lnRef idx="2">
+        <a:scrgbClr r="0" g="0" b="0"/>
+      </a:lnRef>
+      <a:fillRef idx="1">
+        <a:scrgbClr r="0" g="0" b="0"/>
+      </a:fillRef>
+      <a:effectRef idx="0">
+        <a:scrgbClr r="0" g="0" b="0"/>
+      </a:effectRef>
+      <a:fontRef idx="minor"/>
+    </dgm:style>
+  </dgm:styleLbl>
+  <dgm:styleLbl name="revTx">
+    <dgm:scene3d>
+      <a:camera prst="orthographicFront"/>
+      <a:lightRig rig="threePt" dir="t"/>
+    </dgm:scene3d>
+    <dgm:sp3d/>
+    <dgm:txPr/>
+    <dgm:style>
+      <a:lnRef idx="0">
+        <a:scrgbClr r="0" g="0" b="0"/>
+      </a:lnRef>
+      <a:fillRef idx="0">
+        <a:scrgbClr r="0" g="0" b="0"/>
+      </a:fillRef>
+      <a:effectRef idx="0">
+        <a:scrgbClr r="0" g="0" b="0"/>
+      </a:effectRef>
+      <a:fontRef idx="minor"/>
+    </dgm:style>
+  </dgm:styleLbl>
+</dgm:styleDef>
+</file>
+
+<file path=ppt/diagrams/quickStyle7.xml><?xml version="1.0" encoding="utf-8"?>
 <dgm:styleDef xmlns:dgm="http://schemas.openxmlformats.org/drawingml/2006/diagram" xmlns:a="http://schemas.openxmlformats.org/drawingml/2006/main" uniqueId="urn:microsoft.com/office/officeart/2005/8/quickstyle/simple1">
   <dgm:title val=""/>
   <dgm:desc val=""/>
@@ -20240,6 +23571,111 @@
     <p:extLst>
       <p:ext uri="{BB962C8B-B14F-4D97-AF65-F5344CB8AC3E}">
         <p14:creationId xmlns:p14="http://schemas.microsoft.com/office/powerpoint/2010/main" val="1767303447"/>
+      </p:ext>
+    </p:extLst>
+  </p:cSld>
+  <p:clrMapOvr>
+    <a:masterClrMapping/>
+  </p:clrMapOvr>
+</p:notes>
+</file>
+
+<file path=ppt/notesSlides/notesSlide7.xml><?xml version="1.0" encoding="utf-8"?>
+<p:notes xmlns:a="http://schemas.openxmlformats.org/drawingml/2006/main" xmlns:r="http://schemas.openxmlformats.org/officeDocument/2006/relationships" xmlns:p="http://schemas.openxmlformats.org/presentationml/2006/main">
+  <p:cSld>
+    <p:spTree>
+      <p:nvGrpSpPr>
+        <p:cNvPr id="1" name=""/>
+        <p:cNvGrpSpPr/>
+        <p:nvPr/>
+      </p:nvGrpSpPr>
+      <p:grpSpPr>
+        <a:xfrm>
+          <a:off x="0" y="0"/>
+          <a:ext cx="0" cy="0"/>
+          <a:chOff x="0" y="0"/>
+          <a:chExt cx="0" cy="0"/>
+        </a:xfrm>
+      </p:grpSpPr>
+      <p:sp>
+        <p:nvSpPr>
+          <p:cNvPr id="2" name="Slide Image Placeholder 1"/>
+          <p:cNvSpPr>
+            <a:spLocks noGrp="1" noRot="1" noChangeAspect="1"/>
+          </p:cNvSpPr>
+          <p:nvPr>
+            <p:ph type="sldImg"/>
+          </p:nvPr>
+        </p:nvSpPr>
+        <p:spPr/>
+      </p:sp>
+      <p:sp>
+        <p:nvSpPr>
+          <p:cNvPr id="3" name="Notes Placeholder 2"/>
+          <p:cNvSpPr>
+            <a:spLocks noGrp="1"/>
+          </p:cNvSpPr>
+          <p:nvPr>
+            <p:ph type="body" idx="1"/>
+          </p:nvPr>
+        </p:nvSpPr>
+        <p:spPr/>
+        <p:txBody>
+          <a:bodyPr/>
+          <a:lstStyle/>
+          <a:p>
+            <a:r>
+              <a:rPr lang="en-US" dirty="0"/>
+              <a:t>https://scikit-learn.org/stable/modules/generated/sklearn.linear_model.LogisticRegression.html </a:t>
+            </a:r>
+          </a:p>
+          <a:p>
+            <a:endParaRPr lang="en-US" dirty="0"/>
+          </a:p>
+          <a:p>
+            <a:r>
+              <a:rPr lang="en-US" dirty="0"/>
+              <a:t>https://scikit-learn.org/stable/modules/generated/sklearn.linear_model.LogisticRegression.html</a:t>
+            </a:r>
+          </a:p>
+          <a:p>
+            <a:endParaRPr lang="en-US" dirty="0"/>
+          </a:p>
+          <a:p>
+            <a:r>
+              <a:rPr lang="en-US" dirty="0"/>
+              <a:t>https://scikit-learn.org/stable/auto_examples/linear_model/plot_logistic_l1_l2_sparsity.html#sphx-glr-auto-examples-linear-model-plot-logistic-l1-l2-sparsity-py</a:t>
+            </a:r>
+          </a:p>
+        </p:txBody>
+      </p:sp>
+      <p:sp>
+        <p:nvSpPr>
+          <p:cNvPr id="4" name="Slide Number Placeholder 3"/>
+          <p:cNvSpPr>
+            <a:spLocks noGrp="1"/>
+          </p:cNvSpPr>
+          <p:nvPr>
+            <p:ph type="sldNum" sz="quarter" idx="5"/>
+          </p:nvPr>
+        </p:nvSpPr>
+        <p:spPr/>
+        <p:txBody>
+          <a:bodyPr/>
+          <a:lstStyle/>
+          <a:p>
+            <a:fld id="{297A166E-ACF1-4C2F-AD43-1E0B732BAB04}" type="slidenum">
+              <a:rPr lang="en-US" smtClean="0"/>
+              <a:t>13</a:t>
+            </a:fld>
+            <a:endParaRPr lang="en-US"/>
+          </a:p>
+        </p:txBody>
+      </p:sp>
+    </p:spTree>
+    <p:extLst>
+      <p:ext uri="{BB962C8B-B14F-4D97-AF65-F5344CB8AC3E}">
+        <p14:creationId xmlns:p14="http://schemas.microsoft.com/office/powerpoint/2010/main" val="4083367248"/>
       </p:ext>
     </p:extLst>
   </p:cSld>
@@ -24416,7 +27852,7 @@
           <a:p>
             <a:r>
               <a:rPr lang="en-US" dirty="0"/>
-              <a:t>Submission Results</a:t>
+              <a:t>Submission Results (Decimal)</a:t>
             </a:r>
           </a:p>
         </p:txBody>
@@ -24602,7 +28038,7 @@
             <p:ph idx="1"/>
             <p:extLst>
               <p:ext uri="{D42A27DB-BD31-4B8C-83A1-F6EECF244321}">
-                <p14:modId xmlns:p14="http://schemas.microsoft.com/office/powerpoint/2010/main" val="2665281965"/>
+                <p14:modId xmlns:p14="http://schemas.microsoft.com/office/powerpoint/2010/main" val="503659319"/>
               </p:ext>
             </p:extLst>
           </p:nvPr>
@@ -24736,6 +28172,371 @@
           <p:cNvPr id="2" name="Titel 1">
             <a:extLst>
               <a:ext uri="{FF2B5EF4-FFF2-40B4-BE49-F238E27FC236}">
+                <a16:creationId xmlns:a16="http://schemas.microsoft.com/office/drawing/2014/main" id="{0425B7AA-8A86-45B1-8E9D-D0F0F867BC1F}"/>
+              </a:ext>
+            </a:extLst>
+          </p:cNvPr>
+          <p:cNvSpPr>
+            <a:spLocks noGrp="1"/>
+          </p:cNvSpPr>
+          <p:nvPr>
+            <p:ph type="title"/>
+          </p:nvPr>
+        </p:nvSpPr>
+        <p:spPr>
+          <a:xfrm>
+            <a:off x="8177212" y="634946"/>
+            <a:ext cx="3372529" cy="5055904"/>
+          </a:xfrm>
+        </p:spPr>
+        <p:txBody>
+          <a:bodyPr anchor="ctr">
+            <a:normAutofit/>
+          </a:bodyPr>
+          <a:lstStyle/>
+          <a:p>
+            <a:r>
+              <a:rPr lang="en-US" sz="4400" dirty="0"/>
+              <a:t>Submission Results (Classified 0,1)</a:t>
+            </a:r>
+          </a:p>
+        </p:txBody>
+      </p:sp>
+      <p:graphicFrame>
+        <p:nvGraphicFramePr>
+          <p:cNvPr id="5" name="Inhaltsplatzhalter 2">
+            <a:extLst>
+              <a:ext uri="{FF2B5EF4-FFF2-40B4-BE49-F238E27FC236}">
+                <a16:creationId xmlns:a16="http://schemas.microsoft.com/office/drawing/2014/main" id="{BA8750D3-1476-400B-A954-0C8C505F9FC1}"/>
+              </a:ext>
+            </a:extLst>
+          </p:cNvPr>
+          <p:cNvGraphicFramePr>
+            <a:graphicFrameLocks noGrp="1"/>
+          </p:cNvGraphicFramePr>
+          <p:nvPr>
+            <p:ph idx="1"/>
+            <p:extLst>
+              <p:ext uri="{D42A27DB-BD31-4B8C-83A1-F6EECF244321}">
+                <p14:modId xmlns:p14="http://schemas.microsoft.com/office/powerpoint/2010/main" val="1210594780"/>
+              </p:ext>
+            </p:extLst>
+          </p:nvPr>
+        </p:nvGraphicFramePr>
+        <p:xfrm>
+          <a:off x="633413" y="639763"/>
+          <a:ext cx="6910387" cy="5051425"/>
+        </p:xfrm>
+        <a:graphic>
+          <a:graphicData uri="http://schemas.openxmlformats.org/drawingml/2006/diagram">
+            <dgm:relIds xmlns:dgm="http://schemas.openxmlformats.org/drawingml/2006/diagram" xmlns:r="http://schemas.openxmlformats.org/officeDocument/2006/relationships" r:dm="rId3" r:lo="rId4" r:qs="rId5" r:cs="rId6"/>
+          </a:graphicData>
+        </a:graphic>
+      </p:graphicFrame>
+    </p:spTree>
+    <p:extLst>
+      <p:ext uri="{BB962C8B-B14F-4D97-AF65-F5344CB8AC3E}">
+        <p14:creationId xmlns:p14="http://schemas.microsoft.com/office/powerpoint/2010/main" val="2552495198"/>
+      </p:ext>
+    </p:extLst>
+  </p:cSld>
+  <p:clrMapOvr>
+    <a:masterClrMapping/>
+  </p:clrMapOvr>
+</p:sld>
+</file>
+
+<file path=ppt/slides/slide14.xml><?xml version="1.0" encoding="utf-8"?>
+<p:sld xmlns:a="http://schemas.openxmlformats.org/drawingml/2006/main" xmlns:r="http://schemas.openxmlformats.org/officeDocument/2006/relationships" xmlns:p="http://schemas.openxmlformats.org/presentationml/2006/main">
+  <p:cSld>
+    <p:spTree>
+      <p:nvGrpSpPr>
+        <p:cNvPr id="1" name=""/>
+        <p:cNvGrpSpPr/>
+        <p:nvPr/>
+      </p:nvGrpSpPr>
+      <p:grpSpPr>
+        <a:xfrm>
+          <a:off x="0" y="0"/>
+          <a:ext cx="0" cy="0"/>
+          <a:chOff x="0" y="0"/>
+          <a:chExt cx="0" cy="0"/>
+        </a:xfrm>
+      </p:grpSpPr>
+      <p:sp>
+        <p:nvSpPr>
+          <p:cNvPr id="2" name="Title 1">
+            <a:extLst>
+              <a:ext uri="{FF2B5EF4-FFF2-40B4-BE49-F238E27FC236}">
+                <a16:creationId xmlns:a16="http://schemas.microsoft.com/office/drawing/2014/main" id="{81172F15-0533-44BB-B460-DF7AED1E2B33}"/>
+              </a:ext>
+            </a:extLst>
+          </p:cNvPr>
+          <p:cNvSpPr>
+            <a:spLocks noGrp="1"/>
+          </p:cNvSpPr>
+          <p:nvPr>
+            <p:ph type="title"/>
+          </p:nvPr>
+        </p:nvSpPr>
+        <p:spPr/>
+        <p:txBody>
+          <a:bodyPr/>
+          <a:lstStyle/>
+          <a:p>
+            <a:r>
+              <a:rPr lang="en-US" dirty="0"/>
+              <a:t>Submission Results Graph</a:t>
+            </a:r>
+          </a:p>
+        </p:txBody>
+      </p:sp>
+      <p:graphicFrame>
+        <p:nvGraphicFramePr>
+          <p:cNvPr id="6" name="Content Placeholder 5">
+            <a:extLst>
+              <a:ext uri="{FF2B5EF4-FFF2-40B4-BE49-F238E27FC236}">
+                <a16:creationId xmlns:a16="http://schemas.microsoft.com/office/drawing/2014/main" id="{1317FF5D-38F5-4D8B-BB93-E68810449B46}"/>
+              </a:ext>
+            </a:extLst>
+          </p:cNvPr>
+          <p:cNvGraphicFramePr>
+            <a:graphicFrameLocks noGrp="1"/>
+          </p:cNvGraphicFramePr>
+          <p:nvPr>
+            <p:ph idx="1"/>
+          </p:nvPr>
+        </p:nvGraphicFramePr>
+        <p:xfrm>
+          <a:off x="1096963" y="1846263"/>
+          <a:ext cx="10058400" cy="4022725"/>
+        </p:xfrm>
+        <a:graphic>
+          <a:graphicData uri="http://schemas.openxmlformats.org/drawingml/2006/chart">
+            <c:chart xmlns:c="http://schemas.openxmlformats.org/drawingml/2006/chart" xmlns:r="http://schemas.openxmlformats.org/officeDocument/2006/relationships" r:id="rId2"/>
+          </a:graphicData>
+        </a:graphic>
+      </p:graphicFrame>
+    </p:spTree>
+    <p:extLst>
+      <p:ext uri="{BB962C8B-B14F-4D97-AF65-F5344CB8AC3E}">
+        <p14:creationId xmlns:p14="http://schemas.microsoft.com/office/powerpoint/2010/main" val="456852603"/>
+      </p:ext>
+    </p:extLst>
+  </p:cSld>
+  <p:clrMapOvr>
+    <a:masterClrMapping/>
+  </p:clrMapOvr>
+</p:sld>
+</file>
+
+<file path=ppt/slides/slide15.xml><?xml version="1.0" encoding="utf-8"?>
+<p:sld xmlns:a="http://schemas.openxmlformats.org/drawingml/2006/main" xmlns:r="http://schemas.openxmlformats.org/officeDocument/2006/relationships" xmlns:p="http://schemas.openxmlformats.org/presentationml/2006/main">
+  <p:cSld>
+    <p:spTree>
+      <p:nvGrpSpPr>
+        <p:cNvPr id="1" name=""/>
+        <p:cNvGrpSpPr/>
+        <p:nvPr/>
+      </p:nvGrpSpPr>
+      <p:grpSpPr>
+        <a:xfrm>
+          <a:off x="0" y="0"/>
+          <a:ext cx="0" cy="0"/>
+          <a:chOff x="0" y="0"/>
+          <a:chExt cx="0" cy="0"/>
+        </a:xfrm>
+      </p:grpSpPr>
+      <p:sp>
+        <p:nvSpPr>
+          <p:cNvPr id="2" name="Title 1">
+            <a:extLst>
+              <a:ext uri="{FF2B5EF4-FFF2-40B4-BE49-F238E27FC236}">
+                <a16:creationId xmlns:a16="http://schemas.microsoft.com/office/drawing/2014/main" id="{A577CB0E-4A28-4446-8D2B-22457C0581EC}"/>
+              </a:ext>
+            </a:extLst>
+          </p:cNvPr>
+          <p:cNvSpPr>
+            <a:spLocks noGrp="1"/>
+          </p:cNvSpPr>
+          <p:nvPr>
+            <p:ph type="title"/>
+          </p:nvPr>
+        </p:nvSpPr>
+        <p:spPr/>
+        <p:txBody>
+          <a:bodyPr/>
+          <a:lstStyle/>
+          <a:p>
+            <a:r>
+              <a:rPr lang="en-US" dirty="0"/>
+              <a:t>How AUC (Area Under the Curve) Scores</a:t>
+            </a:r>
+          </a:p>
+        </p:txBody>
+      </p:sp>
+      <p:sp>
+        <p:nvSpPr>
+          <p:cNvPr id="3" name="Content Placeholder 2">
+            <a:extLst>
+              <a:ext uri="{FF2B5EF4-FFF2-40B4-BE49-F238E27FC236}">
+                <a16:creationId xmlns:a16="http://schemas.microsoft.com/office/drawing/2014/main" id="{9519247F-D946-4F6B-81B8-1381AE6FE987}"/>
+              </a:ext>
+            </a:extLst>
+          </p:cNvPr>
+          <p:cNvSpPr>
+            <a:spLocks noGrp="1"/>
+          </p:cNvSpPr>
+          <p:nvPr>
+            <p:ph idx="1"/>
+          </p:nvPr>
+        </p:nvSpPr>
+        <p:spPr/>
+        <p:txBody>
+          <a:bodyPr/>
+          <a:lstStyle/>
+          <a:p>
+            <a:r>
+              <a:rPr lang="en-US" dirty="0"/>
+              <a:t>- AUC takes the total sum of 0 and 1 differences.</a:t>
+            </a:r>
+          </a:p>
+          <a:p>
+            <a:r>
+              <a:rPr lang="en-US" dirty="0"/>
+              <a:t>- Predicting with Regression/Probabilities boosts score</a:t>
+            </a:r>
+          </a:p>
+          <a:p>
+            <a:r>
+              <a:rPr lang="en-US" dirty="0"/>
+              <a:t>- Predicting with only 0 and 1’s creates larger differences (detrimental to score)</a:t>
+            </a:r>
+          </a:p>
+        </p:txBody>
+      </p:sp>
+    </p:spTree>
+    <p:extLst>
+      <p:ext uri="{BB962C8B-B14F-4D97-AF65-F5344CB8AC3E}">
+        <p14:creationId xmlns:p14="http://schemas.microsoft.com/office/powerpoint/2010/main" val="1109481975"/>
+      </p:ext>
+    </p:extLst>
+  </p:cSld>
+  <p:clrMapOvr>
+    <a:masterClrMapping/>
+  </p:clrMapOvr>
+</p:sld>
+</file>
+
+<file path=ppt/slides/slide16.xml><?xml version="1.0" encoding="utf-8"?>
+<p:sld xmlns:a="http://schemas.openxmlformats.org/drawingml/2006/main" xmlns:r="http://schemas.openxmlformats.org/officeDocument/2006/relationships" xmlns:p="http://schemas.openxmlformats.org/presentationml/2006/main">
+  <p:cSld>
+    <p:spTree>
+      <p:nvGrpSpPr>
+        <p:cNvPr id="1" name=""/>
+        <p:cNvGrpSpPr/>
+        <p:nvPr/>
+      </p:nvGrpSpPr>
+      <p:grpSpPr>
+        <a:xfrm>
+          <a:off x="0" y="0"/>
+          <a:ext cx="0" cy="0"/>
+          <a:chOff x="0" y="0"/>
+          <a:chExt cx="0" cy="0"/>
+        </a:xfrm>
+      </p:grpSpPr>
+      <p:sp>
+        <p:nvSpPr>
+          <p:cNvPr id="2" name="Title 1">
+            <a:extLst>
+              <a:ext uri="{FF2B5EF4-FFF2-40B4-BE49-F238E27FC236}">
+                <a16:creationId xmlns:a16="http://schemas.microsoft.com/office/drawing/2014/main" id="{F24D189B-30A4-42FB-BF84-AD9C0CF9BEB7}"/>
+              </a:ext>
+            </a:extLst>
+          </p:cNvPr>
+          <p:cNvSpPr>
+            <a:spLocks noGrp="1"/>
+          </p:cNvSpPr>
+          <p:nvPr>
+            <p:ph type="title"/>
+          </p:nvPr>
+        </p:nvSpPr>
+        <p:spPr/>
+        <p:txBody>
+          <a:bodyPr/>
+          <a:lstStyle/>
+          <a:p>
+            <a:r>
+              <a:rPr lang="en-US" dirty="0"/>
+              <a:t>Thanks</a:t>
+            </a:r>
+          </a:p>
+        </p:txBody>
+      </p:sp>
+      <p:sp>
+        <p:nvSpPr>
+          <p:cNvPr id="3" name="Content Placeholder 2">
+            <a:extLst>
+              <a:ext uri="{FF2B5EF4-FFF2-40B4-BE49-F238E27FC236}">
+                <a16:creationId xmlns:a16="http://schemas.microsoft.com/office/drawing/2014/main" id="{75D8E33A-D1CE-4F11-9C16-B54A677DFDE9}"/>
+              </a:ext>
+            </a:extLst>
+          </p:cNvPr>
+          <p:cNvSpPr>
+            <a:spLocks noGrp="1"/>
+          </p:cNvSpPr>
+          <p:nvPr>
+            <p:ph idx="1"/>
+          </p:nvPr>
+        </p:nvSpPr>
+        <p:spPr/>
+        <p:txBody>
+          <a:bodyPr/>
+          <a:lstStyle/>
+          <a:p>
+            <a:r>
+              <a:rPr lang="en-US"/>
+              <a:t>Questions</a:t>
+            </a:r>
+            <a:endParaRPr lang="en-US" dirty="0"/>
+          </a:p>
+        </p:txBody>
+      </p:sp>
+    </p:spTree>
+    <p:extLst>
+      <p:ext uri="{BB962C8B-B14F-4D97-AF65-F5344CB8AC3E}">
+        <p14:creationId xmlns:p14="http://schemas.microsoft.com/office/powerpoint/2010/main" val="3071410976"/>
+      </p:ext>
+    </p:extLst>
+  </p:cSld>
+  <p:clrMapOvr>
+    <a:masterClrMapping/>
+  </p:clrMapOvr>
+</p:sld>
+</file>
+
+<file path=ppt/slides/slide17.xml><?xml version="1.0" encoding="utf-8"?>
+<p:sld xmlns:a="http://schemas.openxmlformats.org/drawingml/2006/main" xmlns:r="http://schemas.openxmlformats.org/officeDocument/2006/relationships" xmlns:p="http://schemas.openxmlformats.org/presentationml/2006/main">
+  <p:cSld>
+    <p:spTree>
+      <p:nvGrpSpPr>
+        <p:cNvPr id="1" name=""/>
+        <p:cNvGrpSpPr/>
+        <p:nvPr/>
+      </p:nvGrpSpPr>
+      <p:grpSpPr>
+        <a:xfrm>
+          <a:off x="0" y="0"/>
+          <a:ext cx="0" cy="0"/>
+          <a:chOff x="0" y="0"/>
+          <a:chExt cx="0" cy="0"/>
+        </a:xfrm>
+      </p:grpSpPr>
+      <p:sp>
+        <p:nvSpPr>
+          <p:cNvPr id="2" name="Titel 1">
+            <a:extLst>
+              <a:ext uri="{FF2B5EF4-FFF2-40B4-BE49-F238E27FC236}">
                 <a16:creationId xmlns:a16="http://schemas.microsoft.com/office/drawing/2014/main" id="{1762BE5A-FA6C-4B1D-BB06-E300012F84BC}"/>
               </a:ext>
             </a:extLst>
@@ -24814,7 +28615,7 @@
 </p:sld>
 </file>
 
-<file path=ppt/slides/slide14.xml><?xml version="1.0" encoding="utf-8"?>
+<file path=ppt/slides/slide18.xml><?xml version="1.0" encoding="utf-8"?>
 <p:sld xmlns:a="http://schemas.openxmlformats.org/drawingml/2006/main" xmlns:r="http://schemas.openxmlformats.org/officeDocument/2006/relationships" xmlns:p="http://schemas.openxmlformats.org/presentationml/2006/main">
   <p:cSld>
     <p:spTree>

--- a/Presentation.pptx
+++ b/Presentation.pptx
@@ -5,7 +5,7 @@
     <p:sldMasterId id="2147483660" r:id="rId1"/>
   </p:sldMasterIdLst>
   <p:notesMasterIdLst>
-    <p:notesMasterId r:id="rId16"/>
+    <p:notesMasterId r:id="rId20"/>
   </p:notesMasterIdLst>
   <p:sldIdLst>
     <p:sldId id="256" r:id="rId2"/>
@@ -20,8 +20,12 @@
     <p:sldId id="278" r:id="rId11"/>
     <p:sldId id="279" r:id="rId12"/>
     <p:sldId id="281" r:id="rId13"/>
-    <p:sldId id="266" r:id="rId14"/>
-    <p:sldId id="273" r:id="rId15"/>
+    <p:sldId id="282" r:id="rId14"/>
+    <p:sldId id="283" r:id="rId15"/>
+    <p:sldId id="284" r:id="rId16"/>
+    <p:sldId id="285" r:id="rId17"/>
+    <p:sldId id="266" r:id="rId18"/>
+    <p:sldId id="273" r:id="rId19"/>
   </p:sldIdLst>
   <p:sldSz cx="12192000" cy="6858000"/>
   <p:notesSz cx="6858000" cy="9144000"/>
@@ -131,7 +135,7 @@
 <file path=ppt/charts/chart1.xml><?xml version="1.0" encoding="utf-8"?>
 <c:chartSpace xmlns:c="http://schemas.openxmlformats.org/drawingml/2006/chart" xmlns:a="http://schemas.openxmlformats.org/drawingml/2006/main" xmlns:r="http://schemas.openxmlformats.org/officeDocument/2006/relationships" xmlns:c16r2="http://schemas.microsoft.com/office/drawing/2015/06/chart">
   <c:date1904 val="0"/>
-  <c:lang val="de-DE"/>
+  <c:lang val="en-US"/>
   <c:roundedCorners val="0"/>
   <mc:AlternateContent xmlns:mc="http://schemas.openxmlformats.org/markup-compatibility/2006">
     <mc:Choice xmlns:c14="http://schemas.microsoft.com/office/drawing/2007/8/2/chart" Requires="c14">
@@ -452,7 +456,7 @@
 <file path=ppt/charts/chart2.xml><?xml version="1.0" encoding="utf-8"?>
 <c:chartSpace xmlns:c="http://schemas.openxmlformats.org/drawingml/2006/chart" xmlns:a="http://schemas.openxmlformats.org/drawingml/2006/main" xmlns:r="http://schemas.openxmlformats.org/officeDocument/2006/relationships" xmlns:c16r2="http://schemas.microsoft.com/office/drawing/2015/06/chart">
   <c:date1904 val="0"/>
-  <c:lang val="de-DE"/>
+  <c:lang val="en-US"/>
   <c:roundedCorners val="0"/>
   <mc:AlternateContent xmlns:mc="http://schemas.openxmlformats.org/markup-compatibility/2006">
     <mc:Choice xmlns:c14="http://schemas.microsoft.com/office/drawing/2007/8/2/chart" Requires="c14">
@@ -736,7 +740,285 @@
 <file path=ppt/charts/chart3.xml><?xml version="1.0" encoding="utf-8"?>
 <c:chartSpace xmlns:c="http://schemas.openxmlformats.org/drawingml/2006/chart" xmlns:a="http://schemas.openxmlformats.org/drawingml/2006/main" xmlns:r="http://schemas.openxmlformats.org/officeDocument/2006/relationships" xmlns:c16r2="http://schemas.microsoft.com/office/drawing/2015/06/chart">
   <c:date1904 val="0"/>
-  <c:lang val="de-DE"/>
+  <c:lang val="en-US"/>
+  <c:roundedCorners val="0"/>
+  <mc:AlternateContent xmlns:mc="http://schemas.openxmlformats.org/markup-compatibility/2006">
+    <mc:Choice xmlns:c14="http://schemas.microsoft.com/office/drawing/2007/8/2/chart" Requires="c14">
+      <c14:style val="102"/>
+    </mc:Choice>
+    <mc:Fallback>
+      <c:style val="2"/>
+    </mc:Fallback>
+  </mc:AlternateContent>
+  <c:chart>
+    <c:title>
+      <c:overlay val="0"/>
+      <c:spPr>
+        <a:noFill/>
+        <a:ln>
+          <a:noFill/>
+        </a:ln>
+        <a:effectLst/>
+      </c:spPr>
+      <c:txPr>
+        <a:bodyPr rot="0" spcFirstLastPara="1" vertOverflow="ellipsis" vert="horz" wrap="square" anchor="ctr" anchorCtr="1"/>
+        <a:lstStyle/>
+        <a:p>
+          <a:pPr>
+            <a:defRPr sz="1400" b="0" i="0" u="none" strike="noStrike" kern="1200" spc="0" baseline="0">
+              <a:solidFill>
+                <a:schemeClr val="tx1">
+                  <a:lumMod val="65000"/>
+                  <a:lumOff val="35000"/>
+                </a:schemeClr>
+              </a:solidFill>
+              <a:latin typeface="+mn-lt"/>
+              <a:ea typeface="+mn-ea"/>
+              <a:cs typeface="+mn-cs"/>
+            </a:defRPr>
+          </a:pPr>
+          <a:endParaRPr lang="en-US"/>
+        </a:p>
+      </c:txPr>
+    </c:title>
+    <c:autoTitleDeleted val="0"/>
+    <c:plotArea>
+      <c:layout/>
+      <c:barChart>
+        <c:barDir val="col"/>
+        <c:grouping val="clustered"/>
+        <c:varyColors val="0"/>
+        <c:ser>
+          <c:idx val="0"/>
+          <c:order val="0"/>
+          <c:tx>
+            <c:strRef>
+              <c:f>Sheet4!$B$1</c:f>
+              <c:strCache>
+                <c:ptCount val="1"/>
+                <c:pt idx="0">
+                  <c:v>Score</c:v>
+                </c:pt>
+              </c:strCache>
+            </c:strRef>
+          </c:tx>
+          <c:spPr>
+            <a:solidFill>
+              <a:schemeClr val="accent1"/>
+            </a:solidFill>
+            <a:ln>
+              <a:noFill/>
+            </a:ln>
+            <a:effectLst/>
+          </c:spPr>
+          <c:invertIfNegative val="0"/>
+          <c:cat>
+            <c:strRef>
+              <c:f>Sheet4!$A$2:$A$4</c:f>
+              <c:strCache>
+                <c:ptCount val="3"/>
+                <c:pt idx="0">
+                  <c:v>Logistic Regression</c:v>
+                </c:pt>
+                <c:pt idx="1">
+                  <c:v>Neural Network MLP Classification</c:v>
+                </c:pt>
+                <c:pt idx="2">
+                  <c:v>Lasso Regression</c:v>
+                </c:pt>
+              </c:strCache>
+            </c:strRef>
+          </c:cat>
+          <c:val>
+            <c:numRef>
+              <c:f>Sheet4!$B$2:$B$4</c:f>
+              <c:numCache>
+                <c:formatCode>0.00%</c:formatCode>
+                <c:ptCount val="3"/>
+                <c:pt idx="0">
+                  <c:v>0.76300000000000001</c:v>
+                </c:pt>
+                <c:pt idx="1">
+                  <c:v>0.72699999999999998</c:v>
+                </c:pt>
+                <c:pt idx="2">
+                  <c:v>0.70599999999999996</c:v>
+                </c:pt>
+              </c:numCache>
+            </c:numRef>
+          </c:val>
+          <c:extLst>
+            <c:ext xmlns:c16="http://schemas.microsoft.com/office/drawing/2014/chart" uri="{C3380CC4-5D6E-409C-BE32-E72D297353CC}">
+              <c16:uniqueId val="{00000000-82B4-4F5B-BDFB-8E33BCB916CA}"/>
+            </c:ext>
+          </c:extLst>
+        </c:ser>
+        <c:dLbls>
+          <c:showLegendKey val="0"/>
+          <c:showVal val="0"/>
+          <c:showCatName val="0"/>
+          <c:showSerName val="0"/>
+          <c:showPercent val="0"/>
+          <c:showBubbleSize val="0"/>
+        </c:dLbls>
+        <c:gapWidth val="219"/>
+        <c:overlap val="-27"/>
+        <c:axId val="1727077360"/>
+        <c:axId val="1634035584"/>
+      </c:barChart>
+      <c:catAx>
+        <c:axId val="1727077360"/>
+        <c:scaling>
+          <c:orientation val="minMax"/>
+        </c:scaling>
+        <c:delete val="0"/>
+        <c:axPos val="b"/>
+        <c:numFmt formatCode="General" sourceLinked="1"/>
+        <c:majorTickMark val="none"/>
+        <c:minorTickMark val="none"/>
+        <c:tickLblPos val="nextTo"/>
+        <c:spPr>
+          <a:noFill/>
+          <a:ln w="9525" cap="flat" cmpd="sng" algn="ctr">
+            <a:solidFill>
+              <a:schemeClr val="tx1">
+                <a:lumMod val="15000"/>
+                <a:lumOff val="85000"/>
+              </a:schemeClr>
+            </a:solidFill>
+            <a:round/>
+          </a:ln>
+          <a:effectLst/>
+        </c:spPr>
+        <c:txPr>
+          <a:bodyPr rot="-60000000" spcFirstLastPara="1" vertOverflow="ellipsis" vert="horz" wrap="square" anchor="ctr" anchorCtr="1"/>
+          <a:lstStyle/>
+          <a:p>
+            <a:pPr>
+              <a:defRPr sz="900" b="0" i="0" u="none" strike="noStrike" kern="1200" baseline="0">
+                <a:solidFill>
+                  <a:schemeClr val="tx1">
+                    <a:lumMod val="65000"/>
+                    <a:lumOff val="35000"/>
+                  </a:schemeClr>
+                </a:solidFill>
+                <a:latin typeface="+mn-lt"/>
+                <a:ea typeface="+mn-ea"/>
+                <a:cs typeface="+mn-cs"/>
+              </a:defRPr>
+            </a:pPr>
+            <a:endParaRPr lang="en-US"/>
+          </a:p>
+        </c:txPr>
+        <c:crossAx val="1634035584"/>
+        <c:crosses val="autoZero"/>
+        <c:auto val="1"/>
+        <c:lblAlgn val="ctr"/>
+        <c:lblOffset val="100"/>
+        <c:noMultiLvlLbl val="0"/>
+      </c:catAx>
+      <c:valAx>
+        <c:axId val="1634035584"/>
+        <c:scaling>
+          <c:orientation val="minMax"/>
+        </c:scaling>
+        <c:delete val="0"/>
+        <c:axPos val="l"/>
+        <c:majorGridlines>
+          <c:spPr>
+            <a:ln w="9525" cap="flat" cmpd="sng" algn="ctr">
+              <a:solidFill>
+                <a:schemeClr val="tx1">
+                  <a:lumMod val="15000"/>
+                  <a:lumOff val="85000"/>
+                </a:schemeClr>
+              </a:solidFill>
+              <a:round/>
+            </a:ln>
+            <a:effectLst/>
+          </c:spPr>
+        </c:majorGridlines>
+        <c:numFmt formatCode="0.00%" sourceLinked="1"/>
+        <c:majorTickMark val="none"/>
+        <c:minorTickMark val="none"/>
+        <c:tickLblPos val="nextTo"/>
+        <c:spPr>
+          <a:noFill/>
+          <a:ln>
+            <a:noFill/>
+          </a:ln>
+          <a:effectLst/>
+        </c:spPr>
+        <c:txPr>
+          <a:bodyPr rot="-60000000" spcFirstLastPara="1" vertOverflow="ellipsis" vert="horz" wrap="square" anchor="ctr" anchorCtr="1"/>
+          <a:lstStyle/>
+          <a:p>
+            <a:pPr>
+              <a:defRPr sz="900" b="0" i="0" u="none" strike="noStrike" kern="1200" baseline="0">
+                <a:solidFill>
+                  <a:schemeClr val="tx1">
+                    <a:lumMod val="65000"/>
+                    <a:lumOff val="35000"/>
+                  </a:schemeClr>
+                </a:solidFill>
+                <a:latin typeface="+mn-lt"/>
+                <a:ea typeface="+mn-ea"/>
+                <a:cs typeface="+mn-cs"/>
+              </a:defRPr>
+            </a:pPr>
+            <a:endParaRPr lang="en-US"/>
+          </a:p>
+        </c:txPr>
+        <c:crossAx val="1727077360"/>
+        <c:crosses val="autoZero"/>
+        <c:crossBetween val="between"/>
+      </c:valAx>
+      <c:spPr>
+        <a:noFill/>
+        <a:ln>
+          <a:noFill/>
+        </a:ln>
+        <a:effectLst/>
+      </c:spPr>
+    </c:plotArea>
+    <c:plotVisOnly val="1"/>
+    <c:dispBlanksAs val="gap"/>
+    <c:extLst>
+      <c:ext xmlns:c16r3="http://schemas.microsoft.com/office/drawing/2017/03/chart" uri="{56B9EC1D-385E-4148-901F-78D8002777C0}">
+        <c16r3:dataDisplayOptions16>
+          <c16r3:dispNaAsBlank val="1"/>
+        </c16r3:dataDisplayOptions16>
+      </c:ext>
+    </c:extLst>
+    <c:showDLblsOverMax val="0"/>
+  </c:chart>
+  <c:spPr>
+    <a:noFill/>
+    <a:ln>
+      <a:noFill/>
+    </a:ln>
+    <a:effectLst/>
+  </c:spPr>
+  <c:txPr>
+    <a:bodyPr/>
+    <a:lstStyle/>
+    <a:p>
+      <a:pPr>
+        <a:defRPr/>
+      </a:pPr>
+      <a:endParaRPr lang="en-US"/>
+    </a:p>
+  </c:txPr>
+  <c:externalData r:id="rId3">
+    <c:autoUpdate val="0"/>
+  </c:externalData>
+</c:chartSpace>
+</file>
+
+<file path=ppt/charts/chart4.xml><?xml version="1.0" encoding="utf-8"?>
+<c:chartSpace xmlns:c="http://schemas.openxmlformats.org/drawingml/2006/chart" xmlns:a="http://schemas.openxmlformats.org/drawingml/2006/main" xmlns:r="http://schemas.openxmlformats.org/officeDocument/2006/relationships" xmlns:c16r2="http://schemas.microsoft.com/office/drawing/2015/06/chart">
+  <c:date1904 val="0"/>
+  <c:lang val="en-US"/>
   <c:roundedCorners val="0"/>
   <mc:AlternateContent xmlns:mc="http://schemas.openxmlformats.org/markup-compatibility/2006">
     <mc:Choice xmlns:c14="http://schemas.microsoft.com/office/drawing/2007/8/2/chart" Requires="c14">
@@ -1204,6 +1486,46 @@
 </cs:colorStyle>
 </file>
 
+<file path=ppt/charts/colors4.xml><?xml version="1.0" encoding="utf-8"?>
+<cs:colorStyle xmlns:cs="http://schemas.microsoft.com/office/drawing/2012/chartStyle" xmlns:a="http://schemas.openxmlformats.org/drawingml/2006/main" meth="cycle" id="10">
+  <a:schemeClr val="accent1"/>
+  <a:schemeClr val="accent2"/>
+  <a:schemeClr val="accent3"/>
+  <a:schemeClr val="accent4"/>
+  <a:schemeClr val="accent5"/>
+  <a:schemeClr val="accent6"/>
+  <cs:variation/>
+  <cs:variation>
+    <a:lumMod val="60000"/>
+  </cs:variation>
+  <cs:variation>
+    <a:lumMod val="80000"/>
+    <a:lumOff val="20000"/>
+  </cs:variation>
+  <cs:variation>
+    <a:lumMod val="80000"/>
+  </cs:variation>
+  <cs:variation>
+    <a:lumMod val="60000"/>
+    <a:lumOff val="40000"/>
+  </cs:variation>
+  <cs:variation>
+    <a:lumMod val="50000"/>
+  </cs:variation>
+  <cs:variation>
+    <a:lumMod val="70000"/>
+    <a:lumOff val="30000"/>
+  </cs:variation>
+  <cs:variation>
+    <a:lumMod val="70000"/>
+  </cs:variation>
+  <cs:variation>
+    <a:lumMod val="50000"/>
+    <a:lumOff val="50000"/>
+  </cs:variation>
+</cs:colorStyle>
+</file>
+
 <file path=ppt/charts/style1.xml><?xml version="1.0" encoding="utf-8"?>
 <cs:chartStyle xmlns:cs="http://schemas.microsoft.com/office/drawing/2012/chartStyle" xmlns:a="http://schemas.openxmlformats.org/drawingml/2006/main" id="201">
   <cs:axisTitle>
@@ -2713,6 +3035,509 @@
 </cs:chartStyle>
 </file>
 
+<file path=ppt/charts/style4.xml><?xml version="1.0" encoding="utf-8"?>
+<cs:chartStyle xmlns:cs="http://schemas.microsoft.com/office/drawing/2012/chartStyle" xmlns:a="http://schemas.openxmlformats.org/drawingml/2006/main" id="201">
+  <cs:axisTitle>
+    <cs:lnRef idx="0"/>
+    <cs:fillRef idx="0"/>
+    <cs:effectRef idx="0"/>
+    <cs:fontRef idx="minor">
+      <a:schemeClr val="tx1">
+        <a:lumMod val="65000"/>
+        <a:lumOff val="35000"/>
+      </a:schemeClr>
+    </cs:fontRef>
+    <cs:defRPr sz="1000" kern="1200"/>
+  </cs:axisTitle>
+  <cs:categoryAxis>
+    <cs:lnRef idx="0"/>
+    <cs:fillRef idx="0"/>
+    <cs:effectRef idx="0"/>
+    <cs:fontRef idx="minor">
+      <a:schemeClr val="tx1">
+        <a:lumMod val="65000"/>
+        <a:lumOff val="35000"/>
+      </a:schemeClr>
+    </cs:fontRef>
+    <cs:spPr>
+      <a:ln w="9525" cap="flat" cmpd="sng" algn="ctr">
+        <a:solidFill>
+          <a:schemeClr val="tx1">
+            <a:lumMod val="15000"/>
+            <a:lumOff val="85000"/>
+          </a:schemeClr>
+        </a:solidFill>
+        <a:round/>
+      </a:ln>
+    </cs:spPr>
+    <cs:defRPr sz="900" kern="1200"/>
+  </cs:categoryAxis>
+  <cs:chartArea mods="allowNoFillOverride allowNoLineOverride">
+    <cs:lnRef idx="0"/>
+    <cs:fillRef idx="0"/>
+    <cs:effectRef idx="0"/>
+    <cs:fontRef idx="minor">
+      <a:schemeClr val="tx1"/>
+    </cs:fontRef>
+    <cs:spPr>
+      <a:solidFill>
+        <a:schemeClr val="bg1"/>
+      </a:solidFill>
+      <a:ln w="9525" cap="flat" cmpd="sng" algn="ctr">
+        <a:solidFill>
+          <a:schemeClr val="tx1">
+            <a:lumMod val="15000"/>
+            <a:lumOff val="85000"/>
+          </a:schemeClr>
+        </a:solidFill>
+        <a:round/>
+      </a:ln>
+    </cs:spPr>
+    <cs:defRPr sz="1000" kern="1200"/>
+  </cs:chartArea>
+  <cs:dataLabel>
+    <cs:lnRef idx="0"/>
+    <cs:fillRef idx="0"/>
+    <cs:effectRef idx="0"/>
+    <cs:fontRef idx="minor">
+      <a:schemeClr val="tx1">
+        <a:lumMod val="75000"/>
+        <a:lumOff val="25000"/>
+      </a:schemeClr>
+    </cs:fontRef>
+    <cs:defRPr sz="900" kern="1200"/>
+  </cs:dataLabel>
+  <cs:dataLabelCallout>
+    <cs:lnRef idx="0"/>
+    <cs:fillRef idx="0"/>
+    <cs:effectRef idx="0"/>
+    <cs:fontRef idx="minor">
+      <a:schemeClr val="dk1">
+        <a:lumMod val="65000"/>
+        <a:lumOff val="35000"/>
+      </a:schemeClr>
+    </cs:fontRef>
+    <cs:spPr>
+      <a:solidFill>
+        <a:schemeClr val="lt1"/>
+      </a:solidFill>
+      <a:ln>
+        <a:solidFill>
+          <a:schemeClr val="dk1">
+            <a:lumMod val="25000"/>
+            <a:lumOff val="75000"/>
+          </a:schemeClr>
+        </a:solidFill>
+      </a:ln>
+    </cs:spPr>
+    <cs:defRPr sz="900" kern="1200"/>
+    <cs:bodyPr rot="0" spcFirstLastPara="1" vertOverflow="clip" horzOverflow="clip" vert="horz" wrap="square" lIns="36576" tIns="18288" rIns="36576" bIns="18288" anchor="ctr" anchorCtr="1">
+      <a:spAutoFit/>
+    </cs:bodyPr>
+  </cs:dataLabelCallout>
+  <cs:dataPoint>
+    <cs:lnRef idx="0"/>
+    <cs:fillRef idx="1">
+      <cs:styleClr val="auto"/>
+    </cs:fillRef>
+    <cs:effectRef idx="0"/>
+    <cs:fontRef idx="minor">
+      <a:schemeClr val="tx1"/>
+    </cs:fontRef>
+  </cs:dataPoint>
+  <cs:dataPoint3D>
+    <cs:lnRef idx="0"/>
+    <cs:fillRef idx="1">
+      <cs:styleClr val="auto"/>
+    </cs:fillRef>
+    <cs:effectRef idx="0"/>
+    <cs:fontRef idx="minor">
+      <a:schemeClr val="tx1"/>
+    </cs:fontRef>
+  </cs:dataPoint3D>
+  <cs:dataPointLine>
+    <cs:lnRef idx="0">
+      <cs:styleClr val="auto"/>
+    </cs:lnRef>
+    <cs:fillRef idx="1"/>
+    <cs:effectRef idx="0"/>
+    <cs:fontRef idx="minor">
+      <a:schemeClr val="tx1"/>
+    </cs:fontRef>
+    <cs:spPr>
+      <a:ln w="28575" cap="rnd">
+        <a:solidFill>
+          <a:schemeClr val="phClr"/>
+        </a:solidFill>
+        <a:round/>
+      </a:ln>
+    </cs:spPr>
+  </cs:dataPointLine>
+  <cs:dataPointMarker>
+    <cs:lnRef idx="0">
+      <cs:styleClr val="auto"/>
+    </cs:lnRef>
+    <cs:fillRef idx="1">
+      <cs:styleClr val="auto"/>
+    </cs:fillRef>
+    <cs:effectRef idx="0"/>
+    <cs:fontRef idx="minor">
+      <a:schemeClr val="tx1"/>
+    </cs:fontRef>
+    <cs:spPr>
+      <a:ln w="9525">
+        <a:solidFill>
+          <a:schemeClr val="phClr"/>
+        </a:solidFill>
+      </a:ln>
+    </cs:spPr>
+  </cs:dataPointMarker>
+  <cs:dataPointMarkerLayout symbol="circle" size="5"/>
+  <cs:dataPointWireframe>
+    <cs:lnRef idx="0">
+      <cs:styleClr val="auto"/>
+    </cs:lnRef>
+    <cs:fillRef idx="1"/>
+    <cs:effectRef idx="0"/>
+    <cs:fontRef idx="minor">
+      <a:schemeClr val="tx1"/>
+    </cs:fontRef>
+    <cs:spPr>
+      <a:ln w="9525" cap="rnd">
+        <a:solidFill>
+          <a:schemeClr val="phClr"/>
+        </a:solidFill>
+        <a:round/>
+      </a:ln>
+    </cs:spPr>
+  </cs:dataPointWireframe>
+  <cs:dataTable>
+    <cs:lnRef idx="0"/>
+    <cs:fillRef idx="0"/>
+    <cs:effectRef idx="0"/>
+    <cs:fontRef idx="minor">
+      <a:schemeClr val="tx1">
+        <a:lumMod val="65000"/>
+        <a:lumOff val="35000"/>
+      </a:schemeClr>
+    </cs:fontRef>
+    <cs:spPr>
+      <a:noFill/>
+      <a:ln w="9525" cap="flat" cmpd="sng" algn="ctr">
+        <a:solidFill>
+          <a:schemeClr val="tx1">
+            <a:lumMod val="15000"/>
+            <a:lumOff val="85000"/>
+          </a:schemeClr>
+        </a:solidFill>
+        <a:round/>
+      </a:ln>
+    </cs:spPr>
+    <cs:defRPr sz="900" kern="1200"/>
+  </cs:dataTable>
+  <cs:downBar>
+    <cs:lnRef idx="0"/>
+    <cs:fillRef idx="0"/>
+    <cs:effectRef idx="0"/>
+    <cs:fontRef idx="minor">
+      <a:schemeClr val="dk1"/>
+    </cs:fontRef>
+    <cs:spPr>
+      <a:solidFill>
+        <a:schemeClr val="dk1">
+          <a:lumMod val="65000"/>
+          <a:lumOff val="35000"/>
+        </a:schemeClr>
+      </a:solidFill>
+      <a:ln w="9525">
+        <a:solidFill>
+          <a:schemeClr val="tx1">
+            <a:lumMod val="65000"/>
+            <a:lumOff val="35000"/>
+          </a:schemeClr>
+        </a:solidFill>
+      </a:ln>
+    </cs:spPr>
+  </cs:downBar>
+  <cs:dropLine>
+    <cs:lnRef idx="0"/>
+    <cs:fillRef idx="0"/>
+    <cs:effectRef idx="0"/>
+    <cs:fontRef idx="minor">
+      <a:schemeClr val="tx1"/>
+    </cs:fontRef>
+    <cs:spPr>
+      <a:ln w="9525" cap="flat" cmpd="sng" algn="ctr">
+        <a:solidFill>
+          <a:schemeClr val="tx1">
+            <a:lumMod val="35000"/>
+            <a:lumOff val="65000"/>
+          </a:schemeClr>
+        </a:solidFill>
+        <a:round/>
+      </a:ln>
+    </cs:spPr>
+  </cs:dropLine>
+  <cs:errorBar>
+    <cs:lnRef idx="0"/>
+    <cs:fillRef idx="0"/>
+    <cs:effectRef idx="0"/>
+    <cs:fontRef idx="minor">
+      <a:schemeClr val="tx1"/>
+    </cs:fontRef>
+    <cs:spPr>
+      <a:ln w="9525" cap="flat" cmpd="sng" algn="ctr">
+        <a:solidFill>
+          <a:schemeClr val="tx1">
+            <a:lumMod val="65000"/>
+            <a:lumOff val="35000"/>
+          </a:schemeClr>
+        </a:solidFill>
+        <a:round/>
+      </a:ln>
+    </cs:spPr>
+  </cs:errorBar>
+  <cs:floor>
+    <cs:lnRef idx="0"/>
+    <cs:fillRef idx="0"/>
+    <cs:effectRef idx="0"/>
+    <cs:fontRef idx="minor">
+      <a:schemeClr val="tx1"/>
+    </cs:fontRef>
+    <cs:spPr>
+      <a:noFill/>
+      <a:ln>
+        <a:noFill/>
+      </a:ln>
+    </cs:spPr>
+  </cs:floor>
+  <cs:gridlineMajor>
+    <cs:lnRef idx="0"/>
+    <cs:fillRef idx="0"/>
+    <cs:effectRef idx="0"/>
+    <cs:fontRef idx="minor">
+      <a:schemeClr val="tx1"/>
+    </cs:fontRef>
+    <cs:spPr>
+      <a:ln w="9525" cap="flat" cmpd="sng" algn="ctr">
+        <a:solidFill>
+          <a:schemeClr val="tx1">
+            <a:lumMod val="15000"/>
+            <a:lumOff val="85000"/>
+          </a:schemeClr>
+        </a:solidFill>
+        <a:round/>
+      </a:ln>
+    </cs:spPr>
+  </cs:gridlineMajor>
+  <cs:gridlineMinor>
+    <cs:lnRef idx="0"/>
+    <cs:fillRef idx="0"/>
+    <cs:effectRef idx="0"/>
+    <cs:fontRef idx="minor">
+      <a:schemeClr val="tx1"/>
+    </cs:fontRef>
+    <cs:spPr>
+      <a:ln w="9525" cap="flat" cmpd="sng" algn="ctr">
+        <a:solidFill>
+          <a:schemeClr val="tx1">
+            <a:lumMod val="5000"/>
+            <a:lumOff val="95000"/>
+          </a:schemeClr>
+        </a:solidFill>
+        <a:round/>
+      </a:ln>
+    </cs:spPr>
+  </cs:gridlineMinor>
+  <cs:hiLoLine>
+    <cs:lnRef idx="0"/>
+    <cs:fillRef idx="0"/>
+    <cs:effectRef idx="0"/>
+    <cs:fontRef idx="minor">
+      <a:schemeClr val="tx1"/>
+    </cs:fontRef>
+    <cs:spPr>
+      <a:ln w="9525" cap="flat" cmpd="sng" algn="ctr">
+        <a:solidFill>
+          <a:schemeClr val="tx1">
+            <a:lumMod val="75000"/>
+            <a:lumOff val="25000"/>
+          </a:schemeClr>
+        </a:solidFill>
+        <a:round/>
+      </a:ln>
+    </cs:spPr>
+  </cs:hiLoLine>
+  <cs:leaderLine>
+    <cs:lnRef idx="0"/>
+    <cs:fillRef idx="0"/>
+    <cs:effectRef idx="0"/>
+    <cs:fontRef idx="minor">
+      <a:schemeClr val="tx1"/>
+    </cs:fontRef>
+    <cs:spPr>
+      <a:ln w="9525" cap="flat" cmpd="sng" algn="ctr">
+        <a:solidFill>
+          <a:schemeClr val="tx1">
+            <a:lumMod val="35000"/>
+            <a:lumOff val="65000"/>
+          </a:schemeClr>
+        </a:solidFill>
+        <a:round/>
+      </a:ln>
+    </cs:spPr>
+  </cs:leaderLine>
+  <cs:legend>
+    <cs:lnRef idx="0"/>
+    <cs:fillRef idx="0"/>
+    <cs:effectRef idx="0"/>
+    <cs:fontRef idx="minor">
+      <a:schemeClr val="tx1">
+        <a:lumMod val="65000"/>
+        <a:lumOff val="35000"/>
+      </a:schemeClr>
+    </cs:fontRef>
+    <cs:defRPr sz="900" kern="1200"/>
+  </cs:legend>
+  <cs:plotArea mods="allowNoFillOverride allowNoLineOverride">
+    <cs:lnRef idx="0"/>
+    <cs:fillRef idx="0"/>
+    <cs:effectRef idx="0"/>
+    <cs:fontRef idx="minor">
+      <a:schemeClr val="tx1"/>
+    </cs:fontRef>
+  </cs:plotArea>
+  <cs:plotArea3D mods="allowNoFillOverride allowNoLineOverride">
+    <cs:lnRef idx="0"/>
+    <cs:fillRef idx="0"/>
+    <cs:effectRef idx="0"/>
+    <cs:fontRef idx="minor">
+      <a:schemeClr val="tx1"/>
+    </cs:fontRef>
+  </cs:plotArea3D>
+  <cs:seriesAxis>
+    <cs:lnRef idx="0"/>
+    <cs:fillRef idx="0"/>
+    <cs:effectRef idx="0"/>
+    <cs:fontRef idx="minor">
+      <a:schemeClr val="tx1">
+        <a:lumMod val="65000"/>
+        <a:lumOff val="35000"/>
+      </a:schemeClr>
+    </cs:fontRef>
+    <cs:defRPr sz="900" kern="1200"/>
+  </cs:seriesAxis>
+  <cs:seriesLine>
+    <cs:lnRef idx="0"/>
+    <cs:fillRef idx="0"/>
+    <cs:effectRef idx="0"/>
+    <cs:fontRef idx="minor">
+      <a:schemeClr val="tx1"/>
+    </cs:fontRef>
+    <cs:spPr>
+      <a:ln w="9525" cap="flat" cmpd="sng" algn="ctr">
+        <a:solidFill>
+          <a:schemeClr val="tx1">
+            <a:lumMod val="35000"/>
+            <a:lumOff val="65000"/>
+          </a:schemeClr>
+        </a:solidFill>
+        <a:round/>
+      </a:ln>
+    </cs:spPr>
+  </cs:seriesLine>
+  <cs:title>
+    <cs:lnRef idx="0"/>
+    <cs:fillRef idx="0"/>
+    <cs:effectRef idx="0"/>
+    <cs:fontRef idx="minor">
+      <a:schemeClr val="tx1">
+        <a:lumMod val="65000"/>
+        <a:lumOff val="35000"/>
+      </a:schemeClr>
+    </cs:fontRef>
+    <cs:defRPr sz="1400" b="0" kern="1200" spc="0" baseline="0"/>
+  </cs:title>
+  <cs:trendline>
+    <cs:lnRef idx="0">
+      <cs:styleClr val="auto"/>
+    </cs:lnRef>
+    <cs:fillRef idx="0"/>
+    <cs:effectRef idx="0"/>
+    <cs:fontRef idx="minor">
+      <a:schemeClr val="tx1"/>
+    </cs:fontRef>
+    <cs:spPr>
+      <a:ln w="19050" cap="rnd">
+        <a:solidFill>
+          <a:schemeClr val="phClr"/>
+        </a:solidFill>
+        <a:prstDash val="sysDot"/>
+      </a:ln>
+    </cs:spPr>
+  </cs:trendline>
+  <cs:trendlineLabel>
+    <cs:lnRef idx="0"/>
+    <cs:fillRef idx="0"/>
+    <cs:effectRef idx="0"/>
+    <cs:fontRef idx="minor">
+      <a:schemeClr val="tx1">
+        <a:lumMod val="65000"/>
+        <a:lumOff val="35000"/>
+      </a:schemeClr>
+    </cs:fontRef>
+    <cs:defRPr sz="900" kern="1200"/>
+  </cs:trendlineLabel>
+  <cs:upBar>
+    <cs:lnRef idx="0"/>
+    <cs:fillRef idx="0"/>
+    <cs:effectRef idx="0"/>
+    <cs:fontRef idx="minor">
+      <a:schemeClr val="dk1"/>
+    </cs:fontRef>
+    <cs:spPr>
+      <a:solidFill>
+        <a:schemeClr val="lt1"/>
+      </a:solidFill>
+      <a:ln w="9525">
+        <a:solidFill>
+          <a:schemeClr val="tx1">
+            <a:lumMod val="15000"/>
+            <a:lumOff val="85000"/>
+          </a:schemeClr>
+        </a:solidFill>
+      </a:ln>
+    </cs:spPr>
+  </cs:upBar>
+  <cs:valueAxis>
+    <cs:lnRef idx="0"/>
+    <cs:fillRef idx="0"/>
+    <cs:effectRef idx="0"/>
+    <cs:fontRef idx="minor">
+      <a:schemeClr val="tx1">
+        <a:lumMod val="65000"/>
+        <a:lumOff val="35000"/>
+      </a:schemeClr>
+    </cs:fontRef>
+    <cs:defRPr sz="900" kern="1200"/>
+  </cs:valueAxis>
+  <cs:wall>
+    <cs:lnRef idx="0"/>
+    <cs:fillRef idx="0"/>
+    <cs:effectRef idx="0"/>
+    <cs:fontRef idx="minor">
+      <a:schemeClr val="tx1"/>
+    </cs:fontRef>
+    <cs:spPr>
+      <a:noFill/>
+      <a:ln>
+        <a:noFill/>
+      </a:ln>
+    </cs:spPr>
+  </cs:wall>
+</cs:chartStyle>
+</file>
+
 <file path=ppt/diagrams/colors1.xml><?xml version="1.0" encoding="utf-8"?>
 <dgm:colorsDef xmlns:dgm="http://schemas.openxmlformats.org/drawingml/2006/diagram" xmlns:a="http://schemas.openxmlformats.org/drawingml/2006/main" uniqueId="urn:microsoft.com/office/officeart/2018/5/colors/Iconchunking_neutralbg_colorful1">
   <dgm:title val=""/>
@@ -6763,6 +7588,788 @@
 </file>
 
 <file path=ppt/diagrams/colors6.xml><?xml version="1.0" encoding="utf-8"?>
+<dgm:colorsDef xmlns:dgm="http://schemas.openxmlformats.org/drawingml/2006/diagram" xmlns:a="http://schemas.openxmlformats.org/drawingml/2006/main" uniqueId="urn:microsoft.com/office/officeart/2005/8/colors/colorful2">
+  <dgm:title val=""/>
+  <dgm:desc val=""/>
+  <dgm:catLst>
+    <dgm:cat type="colorful" pri="10200"/>
+  </dgm:catLst>
+  <dgm:styleLbl name="node0">
+    <dgm:fillClrLst meth="repeat">
+      <a:schemeClr val="accent1"/>
+    </dgm:fillClrLst>
+    <dgm:linClrLst meth="repeat">
+      <a:schemeClr val="lt1"/>
+    </dgm:linClrLst>
+    <dgm:effectClrLst/>
+    <dgm:txLinClrLst/>
+    <dgm:txFillClrLst/>
+    <dgm:txEffectClrLst/>
+  </dgm:styleLbl>
+  <dgm:styleLbl name="node1">
+    <dgm:fillClrLst>
+      <a:schemeClr val="accent2"/>
+      <a:schemeClr val="accent3"/>
+    </dgm:fillClrLst>
+    <dgm:linClrLst meth="repeat">
+      <a:schemeClr val="lt1"/>
+    </dgm:linClrLst>
+    <dgm:effectClrLst/>
+    <dgm:txLinClrLst/>
+    <dgm:txFillClrLst/>
+    <dgm:txEffectClrLst/>
+  </dgm:styleLbl>
+  <dgm:styleLbl name="alignNode1">
+    <dgm:fillClrLst>
+      <a:schemeClr val="accent2"/>
+      <a:schemeClr val="accent3"/>
+    </dgm:fillClrLst>
+    <dgm:linClrLst>
+      <a:schemeClr val="accent2"/>
+      <a:schemeClr val="accent3"/>
+    </dgm:linClrLst>
+    <dgm:effectClrLst/>
+    <dgm:txLinClrLst/>
+    <dgm:txFillClrLst/>
+    <dgm:txEffectClrLst/>
+  </dgm:styleLbl>
+  <dgm:styleLbl name="lnNode1">
+    <dgm:fillClrLst>
+      <a:schemeClr val="accent2"/>
+      <a:schemeClr val="accent3"/>
+    </dgm:fillClrLst>
+    <dgm:linClrLst meth="repeat">
+      <a:schemeClr val="lt1"/>
+    </dgm:linClrLst>
+    <dgm:effectClrLst/>
+    <dgm:txLinClrLst/>
+    <dgm:txFillClrLst/>
+    <dgm:txEffectClrLst/>
+  </dgm:styleLbl>
+  <dgm:styleLbl name="vennNode1">
+    <dgm:fillClrLst>
+      <a:schemeClr val="accent2">
+        <a:alpha val="50000"/>
+      </a:schemeClr>
+      <a:schemeClr val="accent3">
+        <a:alpha val="50000"/>
+      </a:schemeClr>
+    </dgm:fillClrLst>
+    <dgm:linClrLst meth="repeat">
+      <a:schemeClr val="lt1"/>
+    </dgm:linClrLst>
+    <dgm:effectClrLst/>
+    <dgm:txLinClrLst/>
+    <dgm:txFillClrLst/>
+    <dgm:txEffectClrLst/>
+  </dgm:styleLbl>
+  <dgm:styleLbl name="node2">
+    <dgm:fillClrLst>
+      <a:schemeClr val="accent3"/>
+    </dgm:fillClrLst>
+    <dgm:linClrLst meth="repeat">
+      <a:schemeClr val="lt1"/>
+    </dgm:linClrLst>
+    <dgm:effectClrLst/>
+    <dgm:txLinClrLst/>
+    <dgm:txFillClrLst/>
+    <dgm:txEffectClrLst/>
+  </dgm:styleLbl>
+  <dgm:styleLbl name="node3">
+    <dgm:fillClrLst>
+      <a:schemeClr val="accent4"/>
+    </dgm:fillClrLst>
+    <dgm:linClrLst meth="repeat">
+      <a:schemeClr val="lt1"/>
+    </dgm:linClrLst>
+    <dgm:effectClrLst/>
+    <dgm:txLinClrLst/>
+    <dgm:txFillClrLst/>
+    <dgm:txEffectClrLst/>
+  </dgm:styleLbl>
+  <dgm:styleLbl name="node4">
+    <dgm:fillClrLst>
+      <a:schemeClr val="accent5"/>
+    </dgm:fillClrLst>
+    <dgm:linClrLst meth="repeat">
+      <a:schemeClr val="lt1"/>
+    </dgm:linClrLst>
+    <dgm:effectClrLst/>
+    <dgm:txLinClrLst/>
+    <dgm:txFillClrLst/>
+    <dgm:txEffectClrLst/>
+  </dgm:styleLbl>
+  <dgm:styleLbl name="fgImgPlace1">
+    <dgm:fillClrLst>
+      <a:schemeClr val="accent2">
+        <a:tint val="50000"/>
+      </a:schemeClr>
+      <a:schemeClr val="accent3">
+        <a:tint val="50000"/>
+      </a:schemeClr>
+    </dgm:fillClrLst>
+    <dgm:linClrLst meth="repeat">
+      <a:schemeClr val="lt1"/>
+    </dgm:linClrLst>
+    <dgm:effectClrLst/>
+    <dgm:txLinClrLst/>
+    <dgm:txFillClrLst meth="repeat">
+      <a:schemeClr val="lt1"/>
+    </dgm:txFillClrLst>
+    <dgm:txEffectClrLst/>
+  </dgm:styleLbl>
+  <dgm:styleLbl name="alignImgPlace1">
+    <dgm:fillClrLst>
+      <a:schemeClr val="accent2">
+        <a:tint val="50000"/>
+      </a:schemeClr>
+      <a:schemeClr val="accent3">
+        <a:tint val="20000"/>
+      </a:schemeClr>
+    </dgm:fillClrLst>
+    <dgm:linClrLst meth="repeat">
+      <a:schemeClr val="lt1"/>
+    </dgm:linClrLst>
+    <dgm:effectClrLst/>
+    <dgm:txLinClrLst/>
+    <dgm:txFillClrLst meth="repeat">
+      <a:schemeClr val="lt1"/>
+    </dgm:txFillClrLst>
+    <dgm:txEffectClrLst/>
+  </dgm:styleLbl>
+  <dgm:styleLbl name="bgImgPlace1">
+    <dgm:fillClrLst>
+      <a:schemeClr val="accent2">
+        <a:tint val="50000"/>
+      </a:schemeClr>
+      <a:schemeClr val="accent3">
+        <a:tint val="20000"/>
+      </a:schemeClr>
+    </dgm:fillClrLst>
+    <dgm:linClrLst meth="repeat">
+      <a:schemeClr val="lt1"/>
+    </dgm:linClrLst>
+    <dgm:effectClrLst/>
+    <dgm:txLinClrLst/>
+    <dgm:txFillClrLst meth="repeat">
+      <a:schemeClr val="lt1"/>
+    </dgm:txFillClrLst>
+    <dgm:txEffectClrLst/>
+  </dgm:styleLbl>
+  <dgm:styleLbl name="sibTrans2D1">
+    <dgm:fillClrLst>
+      <a:schemeClr val="accent2"/>
+      <a:schemeClr val="accent3"/>
+    </dgm:fillClrLst>
+    <dgm:linClrLst meth="repeat">
+      <a:schemeClr val="lt1"/>
+    </dgm:linClrLst>
+    <dgm:effectClrLst/>
+    <dgm:txLinClrLst/>
+    <dgm:txFillClrLst/>
+    <dgm:txEffectClrLst/>
+  </dgm:styleLbl>
+  <dgm:styleLbl name="fgSibTrans2D1">
+    <dgm:fillClrLst>
+      <a:schemeClr val="accent2"/>
+      <a:schemeClr val="accent3"/>
+    </dgm:fillClrLst>
+    <dgm:linClrLst meth="repeat">
+      <a:schemeClr val="lt1"/>
+    </dgm:linClrLst>
+    <dgm:effectClrLst/>
+    <dgm:txLinClrLst/>
+    <dgm:txFillClrLst meth="repeat">
+      <a:schemeClr val="lt1"/>
+    </dgm:txFillClrLst>
+    <dgm:txEffectClrLst/>
+  </dgm:styleLbl>
+  <dgm:styleLbl name="bgSibTrans2D1">
+    <dgm:fillClrLst>
+      <a:schemeClr val="accent2"/>
+      <a:schemeClr val="accent3"/>
+    </dgm:fillClrLst>
+    <dgm:linClrLst meth="repeat">
+      <a:schemeClr val="lt1"/>
+    </dgm:linClrLst>
+    <dgm:effectClrLst/>
+    <dgm:txLinClrLst/>
+    <dgm:txFillClrLst meth="repeat">
+      <a:schemeClr val="lt1"/>
+    </dgm:txFillClrLst>
+    <dgm:txEffectClrLst/>
+  </dgm:styleLbl>
+  <dgm:styleLbl name="sibTrans1D1">
+    <dgm:fillClrLst/>
+    <dgm:linClrLst>
+      <a:schemeClr val="accent2"/>
+      <a:schemeClr val="accent3"/>
+    </dgm:linClrLst>
+    <dgm:effectClrLst/>
+    <dgm:txLinClrLst/>
+    <dgm:txFillClrLst meth="repeat">
+      <a:schemeClr val="tx1"/>
+    </dgm:txFillClrLst>
+    <dgm:txEffectClrLst/>
+  </dgm:styleLbl>
+  <dgm:styleLbl name="callout">
+    <dgm:fillClrLst meth="repeat">
+      <a:schemeClr val="accent2"/>
+    </dgm:fillClrLst>
+    <dgm:linClrLst meth="repeat">
+      <a:schemeClr val="accent2">
+        <a:tint val="50000"/>
+      </a:schemeClr>
+    </dgm:linClrLst>
+    <dgm:effectClrLst/>
+    <dgm:txLinClrLst/>
+    <dgm:txFillClrLst meth="repeat">
+      <a:schemeClr val="tx1"/>
+    </dgm:txFillClrLst>
+    <dgm:txEffectClrLst/>
+  </dgm:styleLbl>
+  <dgm:styleLbl name="asst0">
+    <dgm:fillClrLst meth="repeat">
+      <a:schemeClr val="accent2"/>
+    </dgm:fillClrLst>
+    <dgm:linClrLst meth="repeat">
+      <a:schemeClr val="lt1">
+        <a:shade val="80000"/>
+      </a:schemeClr>
+    </dgm:linClrLst>
+    <dgm:effectClrLst/>
+    <dgm:txLinClrLst/>
+    <dgm:txFillClrLst/>
+    <dgm:txEffectClrLst/>
+  </dgm:styleLbl>
+  <dgm:styleLbl name="asst1">
+    <dgm:fillClrLst meth="repeat">
+      <a:schemeClr val="accent3"/>
+    </dgm:fillClrLst>
+    <dgm:linClrLst meth="repeat">
+      <a:schemeClr val="lt1">
+        <a:shade val="80000"/>
+      </a:schemeClr>
+    </dgm:linClrLst>
+    <dgm:effectClrLst/>
+    <dgm:txLinClrLst/>
+    <dgm:txFillClrLst/>
+    <dgm:txEffectClrLst/>
+  </dgm:styleLbl>
+  <dgm:styleLbl name="asst2">
+    <dgm:fillClrLst>
+      <a:schemeClr val="accent4"/>
+    </dgm:fillClrLst>
+    <dgm:linClrLst meth="repeat">
+      <a:schemeClr val="lt1"/>
+    </dgm:linClrLst>
+    <dgm:effectClrLst/>
+    <dgm:txLinClrLst/>
+    <dgm:txFillClrLst/>
+    <dgm:txEffectClrLst/>
+  </dgm:styleLbl>
+  <dgm:styleLbl name="asst3">
+    <dgm:fillClrLst>
+      <a:schemeClr val="accent5"/>
+    </dgm:fillClrLst>
+    <dgm:linClrLst meth="repeat">
+      <a:schemeClr val="lt1"/>
+    </dgm:linClrLst>
+    <dgm:effectClrLst/>
+    <dgm:txLinClrLst/>
+    <dgm:txFillClrLst/>
+    <dgm:txEffectClrLst/>
+  </dgm:styleLbl>
+  <dgm:styleLbl name="asst4">
+    <dgm:fillClrLst>
+      <a:schemeClr val="accent6"/>
+    </dgm:fillClrLst>
+    <dgm:linClrLst meth="repeat">
+      <a:schemeClr val="lt1"/>
+    </dgm:linClrLst>
+    <dgm:effectClrLst/>
+    <dgm:txLinClrLst/>
+    <dgm:txFillClrLst/>
+    <dgm:txEffectClrLst/>
+  </dgm:styleLbl>
+  <dgm:styleLbl name="parChTrans2D1">
+    <dgm:fillClrLst meth="repeat">
+      <a:schemeClr val="accent2"/>
+    </dgm:fillClrLst>
+    <dgm:linClrLst meth="repeat">
+      <a:schemeClr val="lt1"/>
+    </dgm:linClrLst>
+    <dgm:effectClrLst/>
+    <dgm:txLinClrLst/>
+    <dgm:txFillClrLst meth="repeat">
+      <a:schemeClr val="lt1"/>
+    </dgm:txFillClrLst>
+    <dgm:txEffectClrLst/>
+  </dgm:styleLbl>
+  <dgm:styleLbl name="parChTrans2D2">
+    <dgm:fillClrLst meth="repeat">
+      <a:schemeClr val="accent3"/>
+    </dgm:fillClrLst>
+    <dgm:linClrLst meth="repeat">
+      <a:schemeClr val="lt1"/>
+    </dgm:linClrLst>
+    <dgm:effectClrLst/>
+    <dgm:txLinClrLst/>
+    <dgm:txFillClrLst/>
+    <dgm:txEffectClrLst/>
+  </dgm:styleLbl>
+  <dgm:styleLbl name="parChTrans2D3">
+    <dgm:fillClrLst meth="repeat">
+      <a:schemeClr val="accent4"/>
+    </dgm:fillClrLst>
+    <dgm:linClrLst meth="repeat">
+      <a:schemeClr val="lt1"/>
+    </dgm:linClrLst>
+    <dgm:effectClrLst/>
+    <dgm:txLinClrLst/>
+    <dgm:txFillClrLst/>
+    <dgm:txEffectClrLst/>
+  </dgm:styleLbl>
+  <dgm:styleLbl name="parChTrans2D4">
+    <dgm:fillClrLst meth="repeat">
+      <a:schemeClr val="accent5"/>
+    </dgm:fillClrLst>
+    <dgm:linClrLst meth="repeat">
+      <a:schemeClr val="lt1"/>
+    </dgm:linClrLst>
+    <dgm:effectClrLst/>
+    <dgm:txLinClrLst/>
+    <dgm:txFillClrLst meth="repeat">
+      <a:schemeClr val="lt1"/>
+    </dgm:txFillClrLst>
+    <dgm:txEffectClrLst/>
+  </dgm:styleLbl>
+  <dgm:styleLbl name="parChTrans1D1">
+    <dgm:fillClrLst meth="repeat">
+      <a:schemeClr val="accent2"/>
+    </dgm:fillClrLst>
+    <dgm:linClrLst meth="repeat">
+      <a:schemeClr val="accent2"/>
+    </dgm:linClrLst>
+    <dgm:effectClrLst/>
+    <dgm:txLinClrLst/>
+    <dgm:txFillClrLst meth="repeat">
+      <a:schemeClr val="tx1"/>
+    </dgm:txFillClrLst>
+    <dgm:txEffectClrLst/>
+  </dgm:styleLbl>
+  <dgm:styleLbl name="parChTrans1D2">
+    <dgm:fillClrLst meth="repeat">
+      <a:schemeClr val="accent2">
+        <a:tint val="90000"/>
+      </a:schemeClr>
+    </dgm:fillClrLst>
+    <dgm:linClrLst meth="repeat">
+      <a:schemeClr val="accent3"/>
+    </dgm:linClrLst>
+    <dgm:effectClrLst/>
+    <dgm:txLinClrLst/>
+    <dgm:txFillClrLst meth="repeat">
+      <a:schemeClr val="tx1"/>
+    </dgm:txFillClrLst>
+    <dgm:txEffectClrLst/>
+  </dgm:styleLbl>
+  <dgm:styleLbl name="parChTrans1D3">
+    <dgm:fillClrLst meth="repeat">
+      <a:schemeClr val="accent2">
+        <a:tint val="70000"/>
+      </a:schemeClr>
+    </dgm:fillClrLst>
+    <dgm:linClrLst meth="repeat">
+      <a:schemeClr val="accent4"/>
+    </dgm:linClrLst>
+    <dgm:effectClrLst/>
+    <dgm:txLinClrLst/>
+    <dgm:txFillClrLst meth="repeat">
+      <a:schemeClr val="tx1"/>
+    </dgm:txFillClrLst>
+    <dgm:txEffectClrLst/>
+  </dgm:styleLbl>
+  <dgm:styleLbl name="parChTrans1D4">
+    <dgm:fillClrLst meth="repeat">
+      <a:schemeClr val="accent2">
+        <a:tint val="50000"/>
+      </a:schemeClr>
+    </dgm:fillClrLst>
+    <dgm:linClrLst meth="repeat">
+      <a:schemeClr val="accent5"/>
+    </dgm:linClrLst>
+    <dgm:effectClrLst/>
+    <dgm:txLinClrLst/>
+    <dgm:txFillClrLst meth="repeat">
+      <a:schemeClr val="tx1"/>
+    </dgm:txFillClrLst>
+    <dgm:txEffectClrLst/>
+  </dgm:styleLbl>
+  <dgm:styleLbl name="fgAcc1">
+    <dgm:fillClrLst meth="repeat">
+      <a:schemeClr val="lt1">
+        <a:alpha val="90000"/>
+      </a:schemeClr>
+    </dgm:fillClrLst>
+    <dgm:linClrLst>
+      <a:schemeClr val="accent2"/>
+      <a:schemeClr val="accent3"/>
+    </dgm:linClrLst>
+    <dgm:effectClrLst/>
+    <dgm:txLinClrLst/>
+    <dgm:txFillClrLst meth="repeat">
+      <a:schemeClr val="dk1"/>
+    </dgm:txFillClrLst>
+    <dgm:txEffectClrLst/>
+  </dgm:styleLbl>
+  <dgm:styleLbl name="conFgAcc1">
+    <dgm:fillClrLst meth="repeat">
+      <a:schemeClr val="lt1">
+        <a:alpha val="90000"/>
+      </a:schemeClr>
+    </dgm:fillClrLst>
+    <dgm:linClrLst>
+      <a:schemeClr val="accent2"/>
+      <a:schemeClr val="accent3"/>
+    </dgm:linClrLst>
+    <dgm:effectClrLst/>
+    <dgm:txLinClrLst/>
+    <dgm:txFillClrLst meth="repeat">
+      <a:schemeClr val="dk1"/>
+    </dgm:txFillClrLst>
+    <dgm:txEffectClrLst/>
+  </dgm:styleLbl>
+  <dgm:styleLbl name="alignAcc1">
+    <dgm:fillClrLst meth="repeat">
+      <a:schemeClr val="lt1">
+        <a:alpha val="90000"/>
+      </a:schemeClr>
+    </dgm:fillClrLst>
+    <dgm:linClrLst>
+      <a:schemeClr val="accent2"/>
+      <a:schemeClr val="accent3"/>
+    </dgm:linClrLst>
+    <dgm:effectClrLst/>
+    <dgm:txLinClrLst/>
+    <dgm:txFillClrLst meth="repeat">
+      <a:schemeClr val="dk1"/>
+    </dgm:txFillClrLst>
+    <dgm:txEffectClrLst/>
+  </dgm:styleLbl>
+  <dgm:styleLbl name="trAlignAcc1">
+    <dgm:fillClrLst meth="repeat">
+      <a:schemeClr val="lt1">
+        <a:alpha val="40000"/>
+      </a:schemeClr>
+    </dgm:fillClrLst>
+    <dgm:linClrLst meth="repeat">
+      <a:schemeClr val="accent2"/>
+    </dgm:linClrLst>
+    <dgm:effectClrLst/>
+    <dgm:txLinClrLst/>
+    <dgm:txFillClrLst meth="repeat">
+      <a:schemeClr val="dk1"/>
+    </dgm:txFillClrLst>
+    <dgm:txEffectClrLst/>
+  </dgm:styleLbl>
+  <dgm:styleLbl name="bgAcc1">
+    <dgm:fillClrLst meth="repeat">
+      <a:schemeClr val="lt1">
+        <a:alpha val="90000"/>
+      </a:schemeClr>
+    </dgm:fillClrLst>
+    <dgm:linClrLst>
+      <a:schemeClr val="accent2"/>
+      <a:schemeClr val="accent3"/>
+    </dgm:linClrLst>
+    <dgm:effectClrLst/>
+    <dgm:txLinClrLst/>
+    <dgm:txFillClrLst meth="repeat">
+      <a:schemeClr val="dk1"/>
+    </dgm:txFillClrLst>
+    <dgm:txEffectClrLst/>
+  </dgm:styleLbl>
+  <dgm:styleLbl name="solidFgAcc1">
+    <dgm:fillClrLst meth="repeat">
+      <a:schemeClr val="lt1"/>
+    </dgm:fillClrLst>
+    <dgm:linClrLst>
+      <a:schemeClr val="accent2"/>
+      <a:schemeClr val="accent3"/>
+    </dgm:linClrLst>
+    <dgm:effectClrLst/>
+    <dgm:txLinClrLst/>
+    <dgm:txFillClrLst meth="repeat">
+      <a:schemeClr val="dk1"/>
+    </dgm:txFillClrLst>
+    <dgm:txEffectClrLst/>
+  </dgm:styleLbl>
+  <dgm:styleLbl name="solidAlignAcc1">
+    <dgm:fillClrLst meth="repeat">
+      <a:schemeClr val="lt1"/>
+    </dgm:fillClrLst>
+    <dgm:linClrLst>
+      <a:schemeClr val="accent2"/>
+      <a:schemeClr val="accent3"/>
+    </dgm:linClrLst>
+    <dgm:effectClrLst/>
+    <dgm:txLinClrLst/>
+    <dgm:txFillClrLst meth="repeat">
+      <a:schemeClr val="dk1"/>
+    </dgm:txFillClrLst>
+    <dgm:txEffectClrLst/>
+  </dgm:styleLbl>
+  <dgm:styleLbl name="solidBgAcc1">
+    <dgm:fillClrLst meth="repeat">
+      <a:schemeClr val="lt1"/>
+    </dgm:fillClrLst>
+    <dgm:linClrLst>
+      <a:schemeClr val="accent2"/>
+      <a:schemeClr val="accent3"/>
+    </dgm:linClrLst>
+    <dgm:effectClrLst/>
+    <dgm:txLinClrLst/>
+    <dgm:txFillClrLst meth="repeat">
+      <a:schemeClr val="dk1"/>
+    </dgm:txFillClrLst>
+    <dgm:txEffectClrLst/>
+  </dgm:styleLbl>
+  <dgm:styleLbl name="fgAccFollowNode1">
+    <dgm:fillClrLst>
+      <a:schemeClr val="accent2">
+        <a:tint val="40000"/>
+        <a:alpha val="90000"/>
+      </a:schemeClr>
+      <a:schemeClr val="accent3">
+        <a:tint val="40000"/>
+        <a:alpha val="90000"/>
+      </a:schemeClr>
+    </dgm:fillClrLst>
+    <dgm:linClrLst>
+      <a:schemeClr val="accent2">
+        <a:tint val="40000"/>
+        <a:alpha val="90000"/>
+      </a:schemeClr>
+      <a:schemeClr val="accent3">
+        <a:tint val="40000"/>
+        <a:alpha val="90000"/>
+      </a:schemeClr>
+    </dgm:linClrLst>
+    <dgm:effectClrLst/>
+    <dgm:txLinClrLst/>
+    <dgm:txFillClrLst meth="repeat">
+      <a:schemeClr val="dk1"/>
+    </dgm:txFillClrLst>
+    <dgm:txEffectClrLst/>
+  </dgm:styleLbl>
+  <dgm:styleLbl name="alignAccFollowNode1">
+    <dgm:fillClrLst>
+      <a:schemeClr val="accent2">
+        <a:tint val="40000"/>
+        <a:alpha val="90000"/>
+      </a:schemeClr>
+      <a:schemeClr val="accent3">
+        <a:tint val="40000"/>
+        <a:alpha val="90000"/>
+      </a:schemeClr>
+    </dgm:fillClrLst>
+    <dgm:linClrLst>
+      <a:schemeClr val="accent2">
+        <a:tint val="40000"/>
+        <a:alpha val="90000"/>
+      </a:schemeClr>
+      <a:schemeClr val="accent3">
+        <a:tint val="40000"/>
+        <a:alpha val="90000"/>
+      </a:schemeClr>
+    </dgm:linClrLst>
+    <dgm:effectClrLst/>
+    <dgm:txLinClrLst/>
+    <dgm:txFillClrLst meth="repeat">
+      <a:schemeClr val="dk1"/>
+    </dgm:txFillClrLst>
+    <dgm:txEffectClrLst/>
+  </dgm:styleLbl>
+  <dgm:styleLbl name="bgAccFollowNode1">
+    <dgm:fillClrLst>
+      <a:schemeClr val="accent2">
+        <a:tint val="40000"/>
+        <a:alpha val="90000"/>
+      </a:schemeClr>
+      <a:schemeClr val="accent3">
+        <a:tint val="40000"/>
+        <a:alpha val="90000"/>
+      </a:schemeClr>
+    </dgm:fillClrLst>
+    <dgm:linClrLst>
+      <a:schemeClr val="accent2">
+        <a:tint val="40000"/>
+        <a:alpha val="90000"/>
+      </a:schemeClr>
+      <a:schemeClr val="accent3">
+        <a:tint val="40000"/>
+        <a:alpha val="90000"/>
+      </a:schemeClr>
+    </dgm:linClrLst>
+    <dgm:effectClrLst/>
+    <dgm:txLinClrLst/>
+    <dgm:txFillClrLst meth="repeat">
+      <a:schemeClr val="dk1"/>
+    </dgm:txFillClrLst>
+    <dgm:txEffectClrLst/>
+  </dgm:styleLbl>
+  <dgm:styleLbl name="fgAcc0">
+    <dgm:fillClrLst meth="repeat">
+      <a:schemeClr val="lt1">
+        <a:alpha val="90000"/>
+      </a:schemeClr>
+    </dgm:fillClrLst>
+    <dgm:linClrLst>
+      <a:schemeClr val="accent1"/>
+    </dgm:linClrLst>
+    <dgm:effectClrLst/>
+    <dgm:txLinClrLst/>
+    <dgm:txFillClrLst meth="repeat">
+      <a:schemeClr val="dk1"/>
+    </dgm:txFillClrLst>
+    <dgm:txEffectClrLst/>
+  </dgm:styleLbl>
+  <dgm:styleLbl name="fgAcc2">
+    <dgm:fillClrLst meth="repeat">
+      <a:schemeClr val="lt1">
+        <a:alpha val="90000"/>
+      </a:schemeClr>
+    </dgm:fillClrLst>
+    <dgm:linClrLst>
+      <a:schemeClr val="accent3"/>
+    </dgm:linClrLst>
+    <dgm:effectClrLst/>
+    <dgm:txLinClrLst/>
+    <dgm:txFillClrLst meth="repeat">
+      <a:schemeClr val="dk1"/>
+    </dgm:txFillClrLst>
+    <dgm:txEffectClrLst/>
+  </dgm:styleLbl>
+  <dgm:styleLbl name="fgAcc3">
+    <dgm:fillClrLst meth="repeat">
+      <a:schemeClr val="lt1">
+        <a:alpha val="90000"/>
+      </a:schemeClr>
+    </dgm:fillClrLst>
+    <dgm:linClrLst>
+      <a:schemeClr val="accent4"/>
+    </dgm:linClrLst>
+    <dgm:effectClrLst/>
+    <dgm:txLinClrLst/>
+    <dgm:txFillClrLst meth="repeat">
+      <a:schemeClr val="dk1"/>
+    </dgm:txFillClrLst>
+    <dgm:txEffectClrLst/>
+  </dgm:styleLbl>
+  <dgm:styleLbl name="fgAcc4">
+    <dgm:fillClrLst meth="repeat">
+      <a:schemeClr val="lt1">
+        <a:alpha val="90000"/>
+      </a:schemeClr>
+    </dgm:fillClrLst>
+    <dgm:linClrLst>
+      <a:schemeClr val="accent5"/>
+    </dgm:linClrLst>
+    <dgm:effectClrLst/>
+    <dgm:txLinClrLst/>
+    <dgm:txFillClrLst meth="repeat">
+      <a:schemeClr val="dk1"/>
+    </dgm:txFillClrLst>
+    <dgm:txEffectClrLst/>
+  </dgm:styleLbl>
+  <dgm:styleLbl name="bgShp">
+    <dgm:fillClrLst meth="repeat">
+      <a:schemeClr val="accent2">
+        <a:tint val="40000"/>
+      </a:schemeClr>
+    </dgm:fillClrLst>
+    <dgm:linClrLst meth="repeat">
+      <a:schemeClr val="dk1"/>
+    </dgm:linClrLst>
+    <dgm:effectClrLst/>
+    <dgm:txLinClrLst/>
+    <dgm:txFillClrLst meth="repeat">
+      <a:schemeClr val="dk1"/>
+    </dgm:txFillClrLst>
+    <dgm:txEffectClrLst/>
+  </dgm:styleLbl>
+  <dgm:styleLbl name="dkBgShp">
+    <dgm:fillClrLst meth="repeat">
+      <a:schemeClr val="accent2">
+        <a:shade val="90000"/>
+      </a:schemeClr>
+    </dgm:fillClrLst>
+    <dgm:linClrLst meth="repeat">
+      <a:schemeClr val="dk1"/>
+    </dgm:linClrLst>
+    <dgm:effectClrLst/>
+    <dgm:txLinClrLst/>
+    <dgm:txFillClrLst meth="repeat">
+      <a:schemeClr val="lt1"/>
+    </dgm:txFillClrLst>
+    <dgm:txEffectClrLst/>
+  </dgm:styleLbl>
+  <dgm:styleLbl name="trBgShp">
+    <dgm:fillClrLst meth="repeat">
+      <a:schemeClr val="accent2">
+        <a:tint val="50000"/>
+        <a:alpha val="40000"/>
+      </a:schemeClr>
+    </dgm:fillClrLst>
+    <dgm:linClrLst meth="repeat">
+      <a:schemeClr val="accent2"/>
+    </dgm:linClrLst>
+    <dgm:effectClrLst/>
+    <dgm:txLinClrLst/>
+    <dgm:txFillClrLst meth="repeat">
+      <a:schemeClr val="lt1"/>
+    </dgm:txFillClrLst>
+    <dgm:txEffectClrLst/>
+  </dgm:styleLbl>
+  <dgm:styleLbl name="fgShp">
+    <dgm:fillClrLst meth="repeat">
+      <a:schemeClr val="accent2">
+        <a:tint val="40000"/>
+      </a:schemeClr>
+    </dgm:fillClrLst>
+    <dgm:linClrLst meth="repeat">
+      <a:schemeClr val="lt1"/>
+    </dgm:linClrLst>
+    <dgm:effectClrLst/>
+    <dgm:txLinClrLst/>
+    <dgm:txFillClrLst meth="repeat">
+      <a:schemeClr val="dk1"/>
+    </dgm:txFillClrLst>
+    <dgm:txEffectClrLst/>
+  </dgm:styleLbl>
+  <dgm:styleLbl name="revTx">
+    <dgm:fillClrLst meth="repeat">
+      <a:schemeClr val="lt1">
+        <a:alpha val="0"/>
+      </a:schemeClr>
+    </dgm:fillClrLst>
+    <dgm:linClrLst meth="repeat">
+      <a:schemeClr val="dk1">
+        <a:alpha val="0"/>
+      </a:schemeClr>
+    </dgm:linClrLst>
+    <dgm:effectClrLst/>
+    <dgm:txLinClrLst/>
+    <dgm:txFillClrLst meth="repeat">
+      <a:schemeClr val="tx1"/>
+    </dgm:txFillClrLst>
+    <dgm:txEffectClrLst/>
+  </dgm:styleLbl>
+</dgm:colorsDef>
+</file>
+
+<file path=ppt/diagrams/colors7.xml><?xml version="1.0" encoding="utf-8"?>
 <dgm:colorsDef xmlns:dgm="http://schemas.openxmlformats.org/drawingml/2006/diagram" xmlns:a="http://schemas.openxmlformats.org/drawingml/2006/main" uniqueId="urn:microsoft.com/office/officeart/2005/8/colors/colorful2">
   <dgm:title val=""/>
   <dgm:desc val=""/>
@@ -9596,6 +11203,267 @@
     <dgm:cxn modelId="{38F65346-37B0-4C0D-A04F-9D214FF6B42B}" type="presParOf" srcId="{CD0855C6-FCE2-438F-BF8E-A1DAF65396E9}" destId="{38ED92CD-A356-4B99-BCD9-7056EE8CED46}" srcOrd="3" destOrd="0" presId="urn:microsoft.com/office/officeart/2005/8/layout/vList2"/>
     <dgm:cxn modelId="{2DDE46A0-6B5D-4004-906B-5663D8FDA56D}" type="presParOf" srcId="{CD0855C6-FCE2-438F-BF8E-A1DAF65396E9}" destId="{68C311F4-4C9A-4C5A-8FD1-7717888F9875}" srcOrd="4" destOrd="0" presId="urn:microsoft.com/office/officeart/2005/8/layout/vList2"/>
     <dgm:cxn modelId="{7490A26E-E919-4850-96C0-3AB8B2D0267B}" type="presParOf" srcId="{CD0855C6-FCE2-438F-BF8E-A1DAF65396E9}" destId="{312D8B63-E871-42F6-978E-80C394462752}" srcOrd="5" destOrd="0" presId="urn:microsoft.com/office/officeart/2005/8/layout/vList2"/>
+  </dgm:cxnLst>
+  <dgm:bg/>
+  <dgm:whole/>
+  <dgm:extLst>
+    <a:ext uri="http://schemas.microsoft.com/office/drawing/2008/diagram">
+      <dsp:dataModelExt xmlns:dsp="http://schemas.microsoft.com/office/drawing/2008/diagram" relId="rId7" minVer="http://schemas.openxmlformats.org/drawingml/2006/diagram"/>
+    </a:ext>
+  </dgm:extLst>
+</dgm:dataModel>
+</file>
+
+<file path=ppt/diagrams/data7.xml><?xml version="1.0" encoding="utf-8"?>
+<dgm:dataModel xmlns:dgm="http://schemas.openxmlformats.org/drawingml/2006/diagram" xmlns:a="http://schemas.openxmlformats.org/drawingml/2006/main">
+  <dgm:ptLst>
+    <dgm:pt modelId="{4CD04B87-C07D-4C1F-A0FD-650A1E067F6E}" type="doc">
+      <dgm:prSet loTypeId="urn:microsoft.com/office/officeart/2005/8/layout/vList2" loCatId="list" qsTypeId="urn:microsoft.com/office/officeart/2005/8/quickstyle/simple1" qsCatId="simple" csTypeId="urn:microsoft.com/office/officeart/2005/8/colors/colorful2" csCatId="colorful" phldr="1"/>
+      <dgm:spPr/>
+      <dgm:t>
+        <a:bodyPr/>
+        <a:lstStyle/>
+        <a:p>
+          <a:endParaRPr lang="en-US"/>
+        </a:p>
+      </dgm:t>
+    </dgm:pt>
+    <dgm:pt modelId="{B3FF2878-46CD-4F74-9320-F6D1DAB4544A}">
+      <dgm:prSet/>
+      <dgm:spPr/>
+      <dgm:t>
+        <a:bodyPr/>
+        <a:lstStyle/>
+        <a:p>
+          <a:r>
+            <a:rPr lang="en-US" dirty="0"/>
+            <a:t>High Score: . 763</a:t>
+          </a:r>
+        </a:p>
+      </dgm:t>
+    </dgm:pt>
+    <dgm:pt modelId="{CC5D6313-8E86-4415-BB90-BBA2F750142D}" type="parTrans" cxnId="{3E702333-3ADB-4CEA-99CB-3B0589D47F19}">
+      <dgm:prSet/>
+      <dgm:spPr/>
+      <dgm:t>
+        <a:bodyPr/>
+        <a:lstStyle/>
+        <a:p>
+          <a:endParaRPr lang="en-US"/>
+        </a:p>
+      </dgm:t>
+    </dgm:pt>
+    <dgm:pt modelId="{2FCBFE81-F031-45D6-ACCA-7C3032EE3688}" type="sibTrans" cxnId="{3E702333-3ADB-4CEA-99CB-3B0589D47F19}">
+      <dgm:prSet/>
+      <dgm:spPr/>
+      <dgm:t>
+        <a:bodyPr/>
+        <a:lstStyle/>
+        <a:p>
+          <a:endParaRPr lang="en-US"/>
+        </a:p>
+      </dgm:t>
+    </dgm:pt>
+    <dgm:pt modelId="{22BBFC84-5F73-4ADF-8509-529D8D2BEC19}">
+      <dgm:prSet/>
+      <dgm:spPr/>
+      <dgm:t>
+        <a:bodyPr/>
+        <a:lstStyle/>
+        <a:p>
+          <a:r>
+            <a:rPr lang="en-US" dirty="0"/>
+            <a:t>Submission Scores:</a:t>
+          </a:r>
+        </a:p>
+      </dgm:t>
+    </dgm:pt>
+    <dgm:pt modelId="{EDD20E20-ED6D-430D-81D5-5877426753A5}" type="parTrans" cxnId="{E539D46F-7302-4DB4-967F-2C65FACD6133}">
+      <dgm:prSet/>
+      <dgm:spPr/>
+      <dgm:t>
+        <a:bodyPr/>
+        <a:lstStyle/>
+        <a:p>
+          <a:endParaRPr lang="en-US"/>
+        </a:p>
+      </dgm:t>
+    </dgm:pt>
+    <dgm:pt modelId="{4C21642A-D376-4A43-84AC-6FD1B4347935}" type="sibTrans" cxnId="{E539D46F-7302-4DB4-967F-2C65FACD6133}">
+      <dgm:prSet/>
+      <dgm:spPr/>
+      <dgm:t>
+        <a:bodyPr/>
+        <a:lstStyle/>
+        <a:p>
+          <a:endParaRPr lang="en-US"/>
+        </a:p>
+      </dgm:t>
+    </dgm:pt>
+    <dgm:pt modelId="{AB33386D-9ABA-499B-8A3F-BC439BFE93F5}">
+      <dgm:prSet/>
+      <dgm:spPr/>
+      <dgm:t>
+        <a:bodyPr/>
+        <a:lstStyle/>
+        <a:p>
+          <a:r>
+            <a:rPr lang="en-US" dirty="0"/>
+            <a:t>Logistic: .763</a:t>
+          </a:r>
+        </a:p>
+      </dgm:t>
+    </dgm:pt>
+    <dgm:pt modelId="{0AE7A1C1-A0A8-4E0E-8F68-B8E60242E195}" type="parTrans" cxnId="{40D7D545-8BCB-4596-B121-4AB9B88E2471}">
+      <dgm:prSet/>
+      <dgm:spPr/>
+      <dgm:t>
+        <a:bodyPr/>
+        <a:lstStyle/>
+        <a:p>
+          <a:endParaRPr lang="en-US"/>
+        </a:p>
+      </dgm:t>
+    </dgm:pt>
+    <dgm:pt modelId="{4E886815-A8EC-4054-8BC3-45F46B38ED2E}" type="sibTrans" cxnId="{40D7D545-8BCB-4596-B121-4AB9B88E2471}">
+      <dgm:prSet/>
+      <dgm:spPr/>
+      <dgm:t>
+        <a:bodyPr/>
+        <a:lstStyle/>
+        <a:p>
+          <a:endParaRPr lang="en-US"/>
+        </a:p>
+      </dgm:t>
+    </dgm:pt>
+    <dgm:pt modelId="{0CE0C585-CECB-47FF-A8FB-D5A7AB66528D}">
+      <dgm:prSet/>
+      <dgm:spPr/>
+      <dgm:t>
+        <a:bodyPr/>
+        <a:lstStyle/>
+        <a:p>
+          <a:r>
+            <a:rPr lang="en-US" dirty="0"/>
+            <a:t>MLP: .727</a:t>
+          </a:r>
+        </a:p>
+      </dgm:t>
+    </dgm:pt>
+    <dgm:pt modelId="{EDB96F14-823A-4BB7-BC86-FBB35A294CFE}" type="parTrans" cxnId="{D5B6032F-7C02-48CC-AD23-654C15251B05}">
+      <dgm:prSet/>
+      <dgm:spPr/>
+      <dgm:t>
+        <a:bodyPr/>
+        <a:lstStyle/>
+        <a:p>
+          <a:endParaRPr lang="en-US"/>
+        </a:p>
+      </dgm:t>
+    </dgm:pt>
+    <dgm:pt modelId="{0F1EA194-65F2-4737-97CD-9C5D3A893594}" type="sibTrans" cxnId="{D5B6032F-7C02-48CC-AD23-654C15251B05}">
+      <dgm:prSet/>
+      <dgm:spPr/>
+      <dgm:t>
+        <a:bodyPr/>
+        <a:lstStyle/>
+        <a:p>
+          <a:endParaRPr lang="en-US"/>
+        </a:p>
+      </dgm:t>
+    </dgm:pt>
+    <dgm:pt modelId="{36329FD0-3E4E-4EF6-AF87-54310BFEF909}">
+      <dgm:prSet/>
+      <dgm:spPr/>
+      <dgm:t>
+        <a:bodyPr/>
+        <a:lstStyle/>
+        <a:p>
+          <a:r>
+            <a:rPr lang="en-US" dirty="0"/>
+            <a:t>Lasso: .706</a:t>
+          </a:r>
+        </a:p>
+      </dgm:t>
+    </dgm:pt>
+    <dgm:pt modelId="{57189FDF-5AFF-4EAD-85B4-CF5012435A1C}" type="parTrans" cxnId="{8A240C47-90A9-4291-A7C0-8EAD6A5AF92B}">
+      <dgm:prSet/>
+      <dgm:spPr/>
+      <dgm:t>
+        <a:bodyPr/>
+        <a:lstStyle/>
+        <a:p>
+          <a:endParaRPr lang="en-US"/>
+        </a:p>
+      </dgm:t>
+    </dgm:pt>
+    <dgm:pt modelId="{92536071-AA39-45A1-BFFB-59F613954A95}" type="sibTrans" cxnId="{8A240C47-90A9-4291-A7C0-8EAD6A5AF92B}">
+      <dgm:prSet/>
+      <dgm:spPr/>
+      <dgm:t>
+        <a:bodyPr/>
+        <a:lstStyle/>
+        <a:p>
+          <a:endParaRPr lang="en-US"/>
+        </a:p>
+      </dgm:t>
+    </dgm:pt>
+    <dgm:pt modelId="{CD0855C6-FCE2-438F-BF8E-A1DAF65396E9}" type="pres">
+      <dgm:prSet presAssocID="{4CD04B87-C07D-4C1F-A0FD-650A1E067F6E}" presName="linear" presStyleCnt="0">
+        <dgm:presLayoutVars>
+          <dgm:animLvl val="lvl"/>
+          <dgm:resizeHandles val="exact"/>
+        </dgm:presLayoutVars>
+      </dgm:prSet>
+      <dgm:spPr/>
+    </dgm:pt>
+    <dgm:pt modelId="{838B2392-91DD-45A6-ACFD-8A980B7A4FD2}" type="pres">
+      <dgm:prSet presAssocID="{B3FF2878-46CD-4F74-9320-F6D1DAB4544A}" presName="parentText" presStyleLbl="node1" presStyleIdx="0" presStyleCnt="2">
+        <dgm:presLayoutVars>
+          <dgm:chMax val="0"/>
+          <dgm:bulletEnabled val="1"/>
+        </dgm:presLayoutVars>
+      </dgm:prSet>
+      <dgm:spPr/>
+    </dgm:pt>
+    <dgm:pt modelId="{023C5EAC-4545-4BF4-8C19-E6C8219E1771}" type="pres">
+      <dgm:prSet presAssocID="{2FCBFE81-F031-45D6-ACCA-7C3032EE3688}" presName="spacer" presStyleCnt="0"/>
+      <dgm:spPr/>
+    </dgm:pt>
+    <dgm:pt modelId="{E4EED816-EB5F-41B8-8579-BA139086A2A7}" type="pres">
+      <dgm:prSet presAssocID="{22BBFC84-5F73-4ADF-8509-529D8D2BEC19}" presName="parentText" presStyleLbl="node1" presStyleIdx="1" presStyleCnt="2">
+        <dgm:presLayoutVars>
+          <dgm:chMax val="0"/>
+          <dgm:bulletEnabled val="1"/>
+        </dgm:presLayoutVars>
+      </dgm:prSet>
+      <dgm:spPr/>
+    </dgm:pt>
+    <dgm:pt modelId="{38ED92CD-A356-4B99-BCD9-7056EE8CED46}" type="pres">
+      <dgm:prSet presAssocID="{22BBFC84-5F73-4ADF-8509-529D8D2BEC19}" presName="childText" presStyleLbl="revTx" presStyleIdx="0" presStyleCnt="1">
+        <dgm:presLayoutVars>
+          <dgm:bulletEnabled val="1"/>
+        </dgm:presLayoutVars>
+      </dgm:prSet>
+      <dgm:spPr/>
+    </dgm:pt>
+  </dgm:ptLst>
+  <dgm:cxnLst>
+    <dgm:cxn modelId="{BCB4AA0B-1666-441F-9FA0-58A48C724CB8}" type="presOf" srcId="{0CE0C585-CECB-47FF-A8FB-D5A7AB66528D}" destId="{38ED92CD-A356-4B99-BCD9-7056EE8CED46}" srcOrd="0" destOrd="2" presId="urn:microsoft.com/office/officeart/2005/8/layout/vList2"/>
+    <dgm:cxn modelId="{352E7C26-5172-4D22-9AEB-3522C961C3B0}" type="presOf" srcId="{36329FD0-3E4E-4EF6-AF87-54310BFEF909}" destId="{38ED92CD-A356-4B99-BCD9-7056EE8CED46}" srcOrd="0" destOrd="0" presId="urn:microsoft.com/office/officeart/2005/8/layout/vList2"/>
+    <dgm:cxn modelId="{D5B6032F-7C02-48CC-AD23-654C15251B05}" srcId="{22BBFC84-5F73-4ADF-8509-529D8D2BEC19}" destId="{0CE0C585-CECB-47FF-A8FB-D5A7AB66528D}" srcOrd="2" destOrd="0" parTransId="{EDB96F14-823A-4BB7-BC86-FBB35A294CFE}" sibTransId="{0F1EA194-65F2-4737-97CD-9C5D3A893594}"/>
+    <dgm:cxn modelId="{3E702333-3ADB-4CEA-99CB-3B0589D47F19}" srcId="{4CD04B87-C07D-4C1F-A0FD-650A1E067F6E}" destId="{B3FF2878-46CD-4F74-9320-F6D1DAB4544A}" srcOrd="0" destOrd="0" parTransId="{CC5D6313-8E86-4415-BB90-BBA2F750142D}" sibTransId="{2FCBFE81-F031-45D6-ACCA-7C3032EE3688}"/>
+    <dgm:cxn modelId="{40D7D545-8BCB-4596-B121-4AB9B88E2471}" srcId="{22BBFC84-5F73-4ADF-8509-529D8D2BEC19}" destId="{AB33386D-9ABA-499B-8A3F-BC439BFE93F5}" srcOrd="1" destOrd="0" parTransId="{0AE7A1C1-A0A8-4E0E-8F68-B8E60242E195}" sibTransId="{4E886815-A8EC-4054-8BC3-45F46B38ED2E}"/>
+    <dgm:cxn modelId="{8A240C47-90A9-4291-A7C0-8EAD6A5AF92B}" srcId="{22BBFC84-5F73-4ADF-8509-529D8D2BEC19}" destId="{36329FD0-3E4E-4EF6-AF87-54310BFEF909}" srcOrd="0" destOrd="0" parTransId="{57189FDF-5AFF-4EAD-85B4-CF5012435A1C}" sibTransId="{92536071-AA39-45A1-BFFB-59F613954A95}"/>
+    <dgm:cxn modelId="{E539D46F-7302-4DB4-967F-2C65FACD6133}" srcId="{4CD04B87-C07D-4C1F-A0FD-650A1E067F6E}" destId="{22BBFC84-5F73-4ADF-8509-529D8D2BEC19}" srcOrd="1" destOrd="0" parTransId="{EDD20E20-ED6D-430D-81D5-5877426753A5}" sibTransId="{4C21642A-D376-4A43-84AC-6FD1B4347935}"/>
+    <dgm:cxn modelId="{B45F8351-A16D-49B2-8730-0C3EB2BF1A1D}" type="presOf" srcId="{4CD04B87-C07D-4C1F-A0FD-650A1E067F6E}" destId="{CD0855C6-FCE2-438F-BF8E-A1DAF65396E9}" srcOrd="0" destOrd="0" presId="urn:microsoft.com/office/officeart/2005/8/layout/vList2"/>
+    <dgm:cxn modelId="{931A76BF-D7BF-4A5F-898E-5C7CBBD560C4}" type="presOf" srcId="{B3FF2878-46CD-4F74-9320-F6D1DAB4544A}" destId="{838B2392-91DD-45A6-ACFD-8A980B7A4FD2}" srcOrd="0" destOrd="0" presId="urn:microsoft.com/office/officeart/2005/8/layout/vList2"/>
+    <dgm:cxn modelId="{61C54DDD-677C-4B10-A179-7A828D2A1DEE}" type="presOf" srcId="{AB33386D-9ABA-499B-8A3F-BC439BFE93F5}" destId="{38ED92CD-A356-4B99-BCD9-7056EE8CED46}" srcOrd="0" destOrd="1" presId="urn:microsoft.com/office/officeart/2005/8/layout/vList2"/>
+    <dgm:cxn modelId="{7E923ADE-C33E-43DB-82AE-A253A1DCE56E}" type="presOf" srcId="{22BBFC84-5F73-4ADF-8509-529D8D2BEC19}" destId="{E4EED816-EB5F-41B8-8579-BA139086A2A7}" srcOrd="0" destOrd="0" presId="urn:microsoft.com/office/officeart/2005/8/layout/vList2"/>
+    <dgm:cxn modelId="{CAC3E84A-5767-4E16-BE31-20234F27C114}" type="presParOf" srcId="{CD0855C6-FCE2-438F-BF8E-A1DAF65396E9}" destId="{838B2392-91DD-45A6-ACFD-8A980B7A4FD2}" srcOrd="0" destOrd="0" presId="urn:microsoft.com/office/officeart/2005/8/layout/vList2"/>
+    <dgm:cxn modelId="{7D148434-70BD-4672-ACD2-B4B9CEAB42A0}" type="presParOf" srcId="{CD0855C6-FCE2-438F-BF8E-A1DAF65396E9}" destId="{023C5EAC-4545-4BF4-8C19-E6C8219E1771}" srcOrd="1" destOrd="0" presId="urn:microsoft.com/office/officeart/2005/8/layout/vList2"/>
+    <dgm:cxn modelId="{E7108FC4-5344-4073-9692-948F830C3AC8}" type="presParOf" srcId="{CD0855C6-FCE2-438F-BF8E-A1DAF65396E9}" destId="{E4EED816-EB5F-41B8-8579-BA139086A2A7}" srcOrd="2" destOrd="0" presId="urn:microsoft.com/office/officeart/2005/8/layout/vList2"/>
+    <dgm:cxn modelId="{38F65346-37B0-4C0D-A04F-9D214FF6B42B}" type="presParOf" srcId="{CD0855C6-FCE2-438F-BF8E-A1DAF65396E9}" destId="{38ED92CD-A356-4B99-BCD9-7056EE8CED46}" srcOrd="3" destOrd="0" presId="urn:microsoft.com/office/officeart/2005/8/layout/vList2"/>
   </dgm:cxnLst>
   <dgm:bg/>
   <dgm:whole/>
@@ -12074,6 +13942,268 @@
 </dsp:drawing>
 </file>
 
+<file path=ppt/diagrams/drawing7.xml><?xml version="1.0" encoding="utf-8"?>
+<dsp:drawing xmlns:dgm="http://schemas.openxmlformats.org/drawingml/2006/diagram" xmlns:dsp="http://schemas.microsoft.com/office/drawing/2008/diagram" xmlns:a="http://schemas.openxmlformats.org/drawingml/2006/main">
+  <dsp:spTree>
+    <dsp:nvGrpSpPr>
+      <dsp:cNvPr id="0" name=""/>
+      <dsp:cNvGrpSpPr/>
+    </dsp:nvGrpSpPr>
+    <dsp:grpSpPr/>
+    <dsp:sp modelId="{838B2392-91DD-45A6-ACFD-8A980B7A4FD2}">
+      <dsp:nvSpPr>
+        <dsp:cNvPr id="0" name=""/>
+        <dsp:cNvSpPr/>
+      </dsp:nvSpPr>
+      <dsp:spPr>
+        <a:xfrm>
+          <a:off x="0" y="17299"/>
+          <a:ext cx="6910387" cy="1319175"/>
+        </a:xfrm>
+        <a:prstGeom prst="roundRect">
+          <a:avLst/>
+        </a:prstGeom>
+        <a:solidFill>
+          <a:schemeClr val="accent2">
+            <a:hueOff val="0"/>
+            <a:satOff val="0"/>
+            <a:lumOff val="0"/>
+            <a:alphaOff val="0"/>
+          </a:schemeClr>
+        </a:solidFill>
+        <a:ln w="15875" cap="flat" cmpd="sng" algn="ctr">
+          <a:solidFill>
+            <a:schemeClr val="lt1">
+              <a:hueOff val="0"/>
+              <a:satOff val="0"/>
+              <a:lumOff val="0"/>
+              <a:alphaOff val="0"/>
+            </a:schemeClr>
+          </a:solidFill>
+          <a:prstDash val="solid"/>
+        </a:ln>
+        <a:effectLst/>
+      </dsp:spPr>
+      <dsp:style>
+        <a:lnRef idx="2">
+          <a:scrgbClr r="0" g="0" b="0"/>
+        </a:lnRef>
+        <a:fillRef idx="1">
+          <a:scrgbClr r="0" g="0" b="0"/>
+        </a:fillRef>
+        <a:effectRef idx="0">
+          <a:scrgbClr r="0" g="0" b="0"/>
+        </a:effectRef>
+        <a:fontRef idx="minor">
+          <a:schemeClr val="lt1"/>
+        </a:fontRef>
+      </dsp:style>
+      <dsp:txBody>
+        <a:bodyPr spcFirstLastPara="0" vert="horz" wrap="square" lIns="209550" tIns="209550" rIns="209550" bIns="209550" numCol="1" spcCol="1270" anchor="ctr" anchorCtr="0">
+          <a:noAutofit/>
+        </a:bodyPr>
+        <a:lstStyle/>
+        <a:p>
+          <a:pPr marL="0" lvl="0" indent="0" algn="l" defTabSz="2444750">
+            <a:lnSpc>
+              <a:spcPct val="90000"/>
+            </a:lnSpc>
+            <a:spcBef>
+              <a:spcPct val="0"/>
+            </a:spcBef>
+            <a:spcAft>
+              <a:spcPct val="35000"/>
+            </a:spcAft>
+            <a:buNone/>
+          </a:pPr>
+          <a:r>
+            <a:rPr lang="en-US" sz="5500" kern="1200" dirty="0"/>
+            <a:t>High Score: . 763</a:t>
+          </a:r>
+        </a:p>
+      </dsp:txBody>
+      <dsp:txXfrm>
+        <a:off x="64397" y="81696"/>
+        <a:ext cx="6781593" cy="1190381"/>
+      </dsp:txXfrm>
+    </dsp:sp>
+    <dsp:sp modelId="{E4EED816-EB5F-41B8-8579-BA139086A2A7}">
+      <dsp:nvSpPr>
+        <dsp:cNvPr id="0" name=""/>
+        <dsp:cNvSpPr/>
+      </dsp:nvSpPr>
+      <dsp:spPr>
+        <a:xfrm>
+          <a:off x="0" y="1494874"/>
+          <a:ext cx="6910387" cy="1319175"/>
+        </a:xfrm>
+        <a:prstGeom prst="roundRect">
+          <a:avLst/>
+        </a:prstGeom>
+        <a:solidFill>
+          <a:schemeClr val="accent2">
+            <a:hueOff val="39038"/>
+            <a:satOff val="-26876"/>
+            <a:lumOff val="-6863"/>
+            <a:alphaOff val="0"/>
+          </a:schemeClr>
+        </a:solidFill>
+        <a:ln w="15875" cap="flat" cmpd="sng" algn="ctr">
+          <a:solidFill>
+            <a:schemeClr val="lt1">
+              <a:hueOff val="0"/>
+              <a:satOff val="0"/>
+              <a:lumOff val="0"/>
+              <a:alphaOff val="0"/>
+            </a:schemeClr>
+          </a:solidFill>
+          <a:prstDash val="solid"/>
+        </a:ln>
+        <a:effectLst/>
+      </dsp:spPr>
+      <dsp:style>
+        <a:lnRef idx="2">
+          <a:scrgbClr r="0" g="0" b="0"/>
+        </a:lnRef>
+        <a:fillRef idx="1">
+          <a:scrgbClr r="0" g="0" b="0"/>
+        </a:fillRef>
+        <a:effectRef idx="0">
+          <a:scrgbClr r="0" g="0" b="0"/>
+        </a:effectRef>
+        <a:fontRef idx="minor">
+          <a:schemeClr val="lt1"/>
+        </a:fontRef>
+      </dsp:style>
+      <dsp:txBody>
+        <a:bodyPr spcFirstLastPara="0" vert="horz" wrap="square" lIns="209550" tIns="209550" rIns="209550" bIns="209550" numCol="1" spcCol="1270" anchor="ctr" anchorCtr="0">
+          <a:noAutofit/>
+        </a:bodyPr>
+        <a:lstStyle/>
+        <a:p>
+          <a:pPr marL="0" lvl="0" indent="0" algn="l" defTabSz="2444750">
+            <a:lnSpc>
+              <a:spcPct val="90000"/>
+            </a:lnSpc>
+            <a:spcBef>
+              <a:spcPct val="0"/>
+            </a:spcBef>
+            <a:spcAft>
+              <a:spcPct val="35000"/>
+            </a:spcAft>
+            <a:buNone/>
+          </a:pPr>
+          <a:r>
+            <a:rPr lang="en-US" sz="5500" kern="1200" dirty="0"/>
+            <a:t>Submission Scores:</a:t>
+          </a:r>
+        </a:p>
+      </dsp:txBody>
+      <dsp:txXfrm>
+        <a:off x="64397" y="1559271"/>
+        <a:ext cx="6781593" cy="1190381"/>
+      </dsp:txXfrm>
+    </dsp:sp>
+    <dsp:sp modelId="{38ED92CD-A356-4B99-BCD9-7056EE8CED46}">
+      <dsp:nvSpPr>
+        <dsp:cNvPr id="0" name=""/>
+        <dsp:cNvSpPr/>
+      </dsp:nvSpPr>
+      <dsp:spPr>
+        <a:xfrm>
+          <a:off x="0" y="2814050"/>
+          <a:ext cx="6910387" cy="2220075"/>
+        </a:xfrm>
+        <a:prstGeom prst="rect">
+          <a:avLst/>
+        </a:prstGeom>
+        <a:noFill/>
+        <a:ln>
+          <a:noFill/>
+        </a:ln>
+        <a:effectLst/>
+      </dsp:spPr>
+      <dsp:style>
+        <a:lnRef idx="0">
+          <a:scrgbClr r="0" g="0" b="0"/>
+        </a:lnRef>
+        <a:fillRef idx="0">
+          <a:scrgbClr r="0" g="0" b="0"/>
+        </a:fillRef>
+        <a:effectRef idx="0">
+          <a:scrgbClr r="0" g="0" b="0"/>
+        </a:effectRef>
+        <a:fontRef idx="minor"/>
+      </dsp:style>
+      <dsp:txBody>
+        <a:bodyPr spcFirstLastPara="0" vert="horz" wrap="square" lIns="219405" tIns="69850" rIns="391160" bIns="69850" numCol="1" spcCol="1270" anchor="t" anchorCtr="0">
+          <a:noAutofit/>
+        </a:bodyPr>
+        <a:lstStyle/>
+        <a:p>
+          <a:pPr marL="285750" lvl="1" indent="-285750" algn="l" defTabSz="1911350">
+            <a:lnSpc>
+              <a:spcPct val="90000"/>
+            </a:lnSpc>
+            <a:spcBef>
+              <a:spcPct val="0"/>
+            </a:spcBef>
+            <a:spcAft>
+              <a:spcPct val="20000"/>
+            </a:spcAft>
+            <a:buChar char="•"/>
+          </a:pPr>
+          <a:r>
+            <a:rPr lang="en-US" sz="4300" kern="1200" dirty="0"/>
+            <a:t>Lasso: .706</a:t>
+          </a:r>
+        </a:p>
+        <a:p>
+          <a:pPr marL="285750" lvl="1" indent="-285750" algn="l" defTabSz="1911350">
+            <a:lnSpc>
+              <a:spcPct val="90000"/>
+            </a:lnSpc>
+            <a:spcBef>
+              <a:spcPct val="0"/>
+            </a:spcBef>
+            <a:spcAft>
+              <a:spcPct val="20000"/>
+            </a:spcAft>
+            <a:buChar char="•"/>
+          </a:pPr>
+          <a:r>
+            <a:rPr lang="en-US" sz="4300" kern="1200" dirty="0"/>
+            <a:t>Logistic: .763</a:t>
+          </a:r>
+        </a:p>
+        <a:p>
+          <a:pPr marL="285750" lvl="1" indent="-285750" algn="l" defTabSz="1911350">
+            <a:lnSpc>
+              <a:spcPct val="90000"/>
+            </a:lnSpc>
+            <a:spcBef>
+              <a:spcPct val="0"/>
+            </a:spcBef>
+            <a:spcAft>
+              <a:spcPct val="20000"/>
+            </a:spcAft>
+            <a:buChar char="•"/>
+          </a:pPr>
+          <a:r>
+            <a:rPr lang="en-US" sz="4300" kern="1200" dirty="0"/>
+            <a:t>MLP: .727</a:t>
+          </a:r>
+        </a:p>
+      </dsp:txBody>
+      <dsp:txXfrm>
+        <a:off x="0" y="2814050"/>
+        <a:ext cx="6910387" cy="2220075"/>
+      </dsp:txXfrm>
+    </dsp:sp>
+  </dsp:spTree>
+</dsp:drawing>
+</file>
+
 <file path=ppt/diagrams/layout1.xml><?xml version="1.0" encoding="utf-8"?>
 <dgm:layoutDef xmlns:dgm="http://schemas.openxmlformats.org/drawingml/2006/diagram" xmlns:a="http://schemas.openxmlformats.org/drawingml/2006/main" uniqueId="urn:microsoft.com/office/officeart/2018/2/layout/IconLabelList">
   <dgm:title val="Icon Label List"/>
@@ -13165,6 +15295,173 @@
 </dgm:layoutDef>
 </file>
 
+<file path=ppt/diagrams/layout7.xml><?xml version="1.0" encoding="utf-8"?>
+<dgm:layoutDef xmlns:dgm="http://schemas.openxmlformats.org/drawingml/2006/diagram" xmlns:a="http://schemas.openxmlformats.org/drawingml/2006/main" uniqueId="urn:microsoft.com/office/officeart/2005/8/layout/vList2">
+  <dgm:title val=""/>
+  <dgm:desc val=""/>
+  <dgm:catLst>
+    <dgm:cat type="list" pri="3000"/>
+    <dgm:cat type="convert" pri="1000"/>
+  </dgm:catLst>
+  <dgm:sampData>
+    <dgm:dataModel>
+      <dgm:ptLst>
+        <dgm:pt modelId="0" type="doc"/>
+        <dgm:pt modelId="1">
+          <dgm:prSet phldr="1"/>
+        </dgm:pt>
+        <dgm:pt modelId="11">
+          <dgm:prSet phldr="1"/>
+        </dgm:pt>
+        <dgm:pt modelId="2">
+          <dgm:prSet phldr="1"/>
+        </dgm:pt>
+        <dgm:pt modelId="21">
+          <dgm:prSet phldr="1"/>
+        </dgm:pt>
+      </dgm:ptLst>
+      <dgm:cxnLst>
+        <dgm:cxn modelId="4" srcId="0" destId="1" srcOrd="0" destOrd="0"/>
+        <dgm:cxn modelId="5" srcId="0" destId="2" srcOrd="1" destOrd="0"/>
+        <dgm:cxn modelId="12" srcId="1" destId="11" srcOrd="0" destOrd="0"/>
+        <dgm:cxn modelId="23" srcId="2" destId="21" srcOrd="0" destOrd="0"/>
+      </dgm:cxnLst>
+      <dgm:bg/>
+      <dgm:whole/>
+    </dgm:dataModel>
+  </dgm:sampData>
+  <dgm:styleData>
+    <dgm:dataModel>
+      <dgm:ptLst>
+        <dgm:pt modelId="0" type="doc"/>
+        <dgm:pt modelId="1"/>
+        <dgm:pt modelId="2"/>
+      </dgm:ptLst>
+      <dgm:cxnLst>
+        <dgm:cxn modelId="3" srcId="0" destId="1" srcOrd="0" destOrd="0"/>
+        <dgm:cxn modelId="4" srcId="0" destId="2" srcOrd="1" destOrd="0"/>
+      </dgm:cxnLst>
+      <dgm:bg/>
+      <dgm:whole/>
+    </dgm:dataModel>
+  </dgm:styleData>
+  <dgm:clrData>
+    <dgm:dataModel>
+      <dgm:ptLst>
+        <dgm:pt modelId="0" type="doc"/>
+        <dgm:pt modelId="1"/>
+        <dgm:pt modelId="2"/>
+        <dgm:pt modelId="3"/>
+        <dgm:pt modelId="4"/>
+      </dgm:ptLst>
+      <dgm:cxnLst>
+        <dgm:cxn modelId="5" srcId="0" destId="1" srcOrd="0" destOrd="0"/>
+        <dgm:cxn modelId="6" srcId="0" destId="2" srcOrd="1" destOrd="0"/>
+        <dgm:cxn modelId="7" srcId="0" destId="3" srcOrd="2" destOrd="0"/>
+        <dgm:cxn modelId="8" srcId="0" destId="4" srcOrd="3" destOrd="0"/>
+      </dgm:cxnLst>
+      <dgm:bg/>
+      <dgm:whole/>
+    </dgm:dataModel>
+  </dgm:clrData>
+  <dgm:layoutNode name="linear">
+    <dgm:varLst>
+      <dgm:animLvl val="lvl"/>
+      <dgm:resizeHandles val="exact"/>
+    </dgm:varLst>
+    <dgm:alg type="lin">
+      <dgm:param type="linDir" val="fromT"/>
+      <dgm:param type="vertAlign" val="mid"/>
+    </dgm:alg>
+    <dgm:shape xmlns:r="http://schemas.openxmlformats.org/officeDocument/2006/relationships" r:blip="">
+      <dgm:adjLst/>
+    </dgm:shape>
+    <dgm:presOf/>
+    <dgm:constrLst>
+      <dgm:constr type="w" for="ch" forName="parentText" refType="w"/>
+      <dgm:constr type="h" for="ch" forName="parentText" refType="primFontSz" refFor="ch" refForName="parentText" fact="0.52"/>
+      <dgm:constr type="w" for="ch" forName="childText" refType="w"/>
+      <dgm:constr type="h" for="ch" forName="childText" refType="primFontSz" refFor="ch" refForName="parentText" fact="0.46"/>
+      <dgm:constr type="h" for="ch" forName="parentText" op="equ"/>
+      <dgm:constr type="primFontSz" for="ch" forName="parentText" op="equ" val="65"/>
+      <dgm:constr type="primFontSz" for="ch" forName="childText" refType="primFontSz" refFor="ch" refForName="parentText" op="equ"/>
+      <dgm:constr type="h" for="ch" forName="spacer" refType="primFontSz" refFor="ch" refForName="parentText" fact="0.08"/>
+    </dgm:constrLst>
+    <dgm:ruleLst>
+      <dgm:rule type="primFontSz" for="ch" forName="parentText" val="5" fact="NaN" max="NaN"/>
+    </dgm:ruleLst>
+    <dgm:forEach name="Name0" axis="ch" ptType="node">
+      <dgm:layoutNode name="parentText" styleLbl="node1">
+        <dgm:varLst>
+          <dgm:chMax val="0"/>
+          <dgm:bulletEnabled val="1"/>
+        </dgm:varLst>
+        <dgm:alg type="tx">
+          <dgm:param type="parTxLTRAlign" val="l"/>
+          <dgm:param type="parTxRTLAlign" val="r"/>
+        </dgm:alg>
+        <dgm:shape xmlns:r="http://schemas.openxmlformats.org/officeDocument/2006/relationships" type="roundRect" r:blip="">
+          <dgm:adjLst/>
+        </dgm:shape>
+        <dgm:presOf axis="self"/>
+        <dgm:constrLst>
+          <dgm:constr type="tMarg" refType="primFontSz" fact="0.3"/>
+          <dgm:constr type="bMarg" refType="primFontSz" fact="0.3"/>
+          <dgm:constr type="lMarg" refType="primFontSz" fact="0.3"/>
+          <dgm:constr type="rMarg" refType="primFontSz" fact="0.3"/>
+        </dgm:constrLst>
+        <dgm:ruleLst>
+          <dgm:rule type="h" val="INF" fact="NaN" max="NaN"/>
+        </dgm:ruleLst>
+      </dgm:layoutNode>
+      <dgm:choose name="Name1">
+        <dgm:if name="Name2" axis="ch" ptType="node" func="cnt" op="gte" val="1">
+          <dgm:layoutNode name="childText" styleLbl="revTx">
+            <dgm:varLst>
+              <dgm:bulletEnabled val="1"/>
+            </dgm:varLst>
+            <dgm:alg type="tx">
+              <dgm:param type="stBulletLvl" val="1"/>
+              <dgm:param type="lnSpAfChP" val="20"/>
+            </dgm:alg>
+            <dgm:shape xmlns:r="http://schemas.openxmlformats.org/officeDocument/2006/relationships" type="rect" r:blip="">
+              <dgm:adjLst/>
+            </dgm:shape>
+            <dgm:presOf axis="des" ptType="node"/>
+            <dgm:constrLst>
+              <dgm:constr type="tMarg" refType="primFontSz" fact="0.1"/>
+              <dgm:constr type="bMarg" refType="primFontSz" fact="0.1"/>
+              <dgm:constr type="lMarg" refType="w" fact="0.09"/>
+            </dgm:constrLst>
+            <dgm:ruleLst>
+              <dgm:rule type="h" val="INF" fact="NaN" max="NaN"/>
+            </dgm:ruleLst>
+          </dgm:layoutNode>
+        </dgm:if>
+        <dgm:else name="Name3">
+          <dgm:choose name="Name4">
+            <dgm:if name="Name5" axis="par ch" ptType="doc node" func="cnt" op="gte" val="2">
+              <dgm:forEach name="Name6" axis="followSib" ptType="sibTrans" cnt="1">
+                <dgm:layoutNode name="spacer">
+                  <dgm:alg type="sp"/>
+                  <dgm:shape xmlns:r="http://schemas.openxmlformats.org/officeDocument/2006/relationships" r:blip="">
+                    <dgm:adjLst/>
+                  </dgm:shape>
+                  <dgm:presOf/>
+                  <dgm:constrLst/>
+                  <dgm:ruleLst/>
+                </dgm:layoutNode>
+              </dgm:forEach>
+            </dgm:if>
+            <dgm:else name="Name7"/>
+          </dgm:choose>
+        </dgm:else>
+      </dgm:choose>
+    </dgm:forEach>
+  </dgm:layoutNode>
+</dgm:layoutDef>
+</file>
+
 <file path=ppt/diagrams/quickStyle1.xml><?xml version="1.0" encoding="utf-8"?>
 <dgm:styleDef xmlns:dgm="http://schemas.openxmlformats.org/drawingml/2006/diagram" xmlns:a="http://schemas.openxmlformats.org/drawingml/2006/main" uniqueId="urn:microsoft.com/office/officeart/2005/8/quickstyle/simple1">
   <dgm:title val=""/>
@@ -18336,6 +20633,1040 @@
 </file>
 
 <file path=ppt/diagrams/quickStyle6.xml><?xml version="1.0" encoding="utf-8"?>
+<dgm:styleDef xmlns:dgm="http://schemas.openxmlformats.org/drawingml/2006/diagram" xmlns:a="http://schemas.openxmlformats.org/drawingml/2006/main" uniqueId="urn:microsoft.com/office/officeart/2005/8/quickstyle/simple1">
+  <dgm:title val=""/>
+  <dgm:desc val=""/>
+  <dgm:catLst>
+    <dgm:cat type="simple" pri="10100"/>
+  </dgm:catLst>
+  <dgm:scene3d>
+    <a:camera prst="orthographicFront"/>
+    <a:lightRig rig="threePt" dir="t"/>
+  </dgm:scene3d>
+  <dgm:styleLbl name="node0">
+    <dgm:scene3d>
+      <a:camera prst="orthographicFront"/>
+      <a:lightRig rig="threePt" dir="t"/>
+    </dgm:scene3d>
+    <dgm:sp3d/>
+    <dgm:txPr/>
+    <dgm:style>
+      <a:lnRef idx="2">
+        <a:scrgbClr r="0" g="0" b="0"/>
+      </a:lnRef>
+      <a:fillRef idx="1">
+        <a:scrgbClr r="0" g="0" b="0"/>
+      </a:fillRef>
+      <a:effectRef idx="0">
+        <a:scrgbClr r="0" g="0" b="0"/>
+      </a:effectRef>
+      <a:fontRef idx="minor">
+        <a:schemeClr val="lt1"/>
+      </a:fontRef>
+    </dgm:style>
+  </dgm:styleLbl>
+  <dgm:styleLbl name="lnNode1">
+    <dgm:scene3d>
+      <a:camera prst="orthographicFront"/>
+      <a:lightRig rig="threePt" dir="t"/>
+    </dgm:scene3d>
+    <dgm:sp3d/>
+    <dgm:txPr/>
+    <dgm:style>
+      <a:lnRef idx="2">
+        <a:scrgbClr r="0" g="0" b="0"/>
+      </a:lnRef>
+      <a:fillRef idx="1">
+        <a:scrgbClr r="0" g="0" b="0"/>
+      </a:fillRef>
+      <a:effectRef idx="0">
+        <a:scrgbClr r="0" g="0" b="0"/>
+      </a:effectRef>
+      <a:fontRef idx="minor">
+        <a:schemeClr val="lt1"/>
+      </a:fontRef>
+    </dgm:style>
+  </dgm:styleLbl>
+  <dgm:styleLbl name="vennNode1">
+    <dgm:scene3d>
+      <a:camera prst="orthographicFront"/>
+      <a:lightRig rig="threePt" dir="t"/>
+    </dgm:scene3d>
+    <dgm:sp3d/>
+    <dgm:txPr/>
+    <dgm:style>
+      <a:lnRef idx="2">
+        <a:scrgbClr r="0" g="0" b="0"/>
+      </a:lnRef>
+      <a:fillRef idx="1">
+        <a:scrgbClr r="0" g="0" b="0"/>
+      </a:fillRef>
+      <a:effectRef idx="0">
+        <a:scrgbClr r="0" g="0" b="0"/>
+      </a:effectRef>
+      <a:fontRef idx="minor">
+        <a:schemeClr val="tx1"/>
+      </a:fontRef>
+    </dgm:style>
+  </dgm:styleLbl>
+  <dgm:styleLbl name="alignNode1">
+    <dgm:scene3d>
+      <a:camera prst="orthographicFront"/>
+      <a:lightRig rig="threePt" dir="t"/>
+    </dgm:scene3d>
+    <dgm:sp3d/>
+    <dgm:txPr/>
+    <dgm:style>
+      <a:lnRef idx="2">
+        <a:scrgbClr r="0" g="0" b="0"/>
+      </a:lnRef>
+      <a:fillRef idx="1">
+        <a:scrgbClr r="0" g="0" b="0"/>
+      </a:fillRef>
+      <a:effectRef idx="0">
+        <a:scrgbClr r="0" g="0" b="0"/>
+      </a:effectRef>
+      <a:fontRef idx="minor">
+        <a:schemeClr val="lt1"/>
+      </a:fontRef>
+    </dgm:style>
+  </dgm:styleLbl>
+  <dgm:styleLbl name="node1">
+    <dgm:scene3d>
+      <a:camera prst="orthographicFront"/>
+      <a:lightRig rig="threePt" dir="t"/>
+    </dgm:scene3d>
+    <dgm:sp3d/>
+    <dgm:txPr/>
+    <dgm:style>
+      <a:lnRef idx="2">
+        <a:scrgbClr r="0" g="0" b="0"/>
+      </a:lnRef>
+      <a:fillRef idx="1">
+        <a:scrgbClr r="0" g="0" b="0"/>
+      </a:fillRef>
+      <a:effectRef idx="0">
+        <a:scrgbClr r="0" g="0" b="0"/>
+      </a:effectRef>
+      <a:fontRef idx="minor">
+        <a:schemeClr val="lt1"/>
+      </a:fontRef>
+    </dgm:style>
+  </dgm:styleLbl>
+  <dgm:styleLbl name="node2">
+    <dgm:scene3d>
+      <a:camera prst="orthographicFront"/>
+      <a:lightRig rig="threePt" dir="t"/>
+    </dgm:scene3d>
+    <dgm:sp3d/>
+    <dgm:txPr/>
+    <dgm:style>
+      <a:lnRef idx="2">
+        <a:scrgbClr r="0" g="0" b="0"/>
+      </a:lnRef>
+      <a:fillRef idx="1">
+        <a:scrgbClr r="0" g="0" b="0"/>
+      </a:fillRef>
+      <a:effectRef idx="0">
+        <a:scrgbClr r="0" g="0" b="0"/>
+      </a:effectRef>
+      <a:fontRef idx="minor">
+        <a:schemeClr val="lt1"/>
+      </a:fontRef>
+    </dgm:style>
+  </dgm:styleLbl>
+  <dgm:styleLbl name="node3">
+    <dgm:scene3d>
+      <a:camera prst="orthographicFront"/>
+      <a:lightRig rig="threePt" dir="t"/>
+    </dgm:scene3d>
+    <dgm:sp3d/>
+    <dgm:txPr/>
+    <dgm:style>
+      <a:lnRef idx="2">
+        <a:scrgbClr r="0" g="0" b="0"/>
+      </a:lnRef>
+      <a:fillRef idx="1">
+        <a:scrgbClr r="0" g="0" b="0"/>
+      </a:fillRef>
+      <a:effectRef idx="0">
+        <a:scrgbClr r="0" g="0" b="0"/>
+      </a:effectRef>
+      <a:fontRef idx="minor">
+        <a:schemeClr val="lt1"/>
+      </a:fontRef>
+    </dgm:style>
+  </dgm:styleLbl>
+  <dgm:styleLbl name="node4">
+    <dgm:scene3d>
+      <a:camera prst="orthographicFront"/>
+      <a:lightRig rig="threePt" dir="t"/>
+    </dgm:scene3d>
+    <dgm:sp3d/>
+    <dgm:txPr/>
+    <dgm:style>
+      <a:lnRef idx="2">
+        <a:scrgbClr r="0" g="0" b="0"/>
+      </a:lnRef>
+      <a:fillRef idx="1">
+        <a:scrgbClr r="0" g="0" b="0"/>
+      </a:fillRef>
+      <a:effectRef idx="0">
+        <a:scrgbClr r="0" g="0" b="0"/>
+      </a:effectRef>
+      <a:fontRef idx="minor">
+        <a:schemeClr val="lt1"/>
+      </a:fontRef>
+    </dgm:style>
+  </dgm:styleLbl>
+  <dgm:styleLbl name="fgImgPlace1">
+    <dgm:scene3d>
+      <a:camera prst="orthographicFront"/>
+      <a:lightRig rig="threePt" dir="t"/>
+    </dgm:scene3d>
+    <dgm:sp3d/>
+    <dgm:txPr/>
+    <dgm:style>
+      <a:lnRef idx="2">
+        <a:scrgbClr r="0" g="0" b="0"/>
+      </a:lnRef>
+      <a:fillRef idx="1">
+        <a:scrgbClr r="0" g="0" b="0"/>
+      </a:fillRef>
+      <a:effectRef idx="0">
+        <a:scrgbClr r="0" g="0" b="0"/>
+      </a:effectRef>
+      <a:fontRef idx="minor"/>
+    </dgm:style>
+  </dgm:styleLbl>
+  <dgm:styleLbl name="alignImgPlace1">
+    <dgm:scene3d>
+      <a:camera prst="orthographicFront"/>
+      <a:lightRig rig="threePt" dir="t"/>
+    </dgm:scene3d>
+    <dgm:sp3d/>
+    <dgm:txPr/>
+    <dgm:style>
+      <a:lnRef idx="2">
+        <a:scrgbClr r="0" g="0" b="0"/>
+      </a:lnRef>
+      <a:fillRef idx="1">
+        <a:scrgbClr r="0" g="0" b="0"/>
+      </a:fillRef>
+      <a:effectRef idx="0">
+        <a:scrgbClr r="0" g="0" b="0"/>
+      </a:effectRef>
+      <a:fontRef idx="minor"/>
+    </dgm:style>
+  </dgm:styleLbl>
+  <dgm:styleLbl name="bgImgPlace1">
+    <dgm:scene3d>
+      <a:camera prst="orthographicFront"/>
+      <a:lightRig rig="threePt" dir="t"/>
+    </dgm:scene3d>
+    <dgm:sp3d/>
+    <dgm:txPr/>
+    <dgm:style>
+      <a:lnRef idx="2">
+        <a:scrgbClr r="0" g="0" b="0"/>
+      </a:lnRef>
+      <a:fillRef idx="1">
+        <a:scrgbClr r="0" g="0" b="0"/>
+      </a:fillRef>
+      <a:effectRef idx="0">
+        <a:scrgbClr r="0" g="0" b="0"/>
+      </a:effectRef>
+      <a:fontRef idx="minor"/>
+    </dgm:style>
+  </dgm:styleLbl>
+  <dgm:styleLbl name="sibTrans2D1">
+    <dgm:scene3d>
+      <a:camera prst="orthographicFront"/>
+      <a:lightRig rig="threePt" dir="t"/>
+    </dgm:scene3d>
+    <dgm:sp3d/>
+    <dgm:txPr/>
+    <dgm:style>
+      <a:lnRef idx="0">
+        <a:scrgbClr r="0" g="0" b="0"/>
+      </a:lnRef>
+      <a:fillRef idx="1">
+        <a:scrgbClr r="0" g="0" b="0"/>
+      </a:fillRef>
+      <a:effectRef idx="0">
+        <a:scrgbClr r="0" g="0" b="0"/>
+      </a:effectRef>
+      <a:fontRef idx="minor">
+        <a:schemeClr val="lt1"/>
+      </a:fontRef>
+    </dgm:style>
+  </dgm:styleLbl>
+  <dgm:styleLbl name="fgSibTrans2D1">
+    <dgm:scene3d>
+      <a:camera prst="orthographicFront"/>
+      <a:lightRig rig="threePt" dir="t"/>
+    </dgm:scene3d>
+    <dgm:sp3d/>
+    <dgm:txPr/>
+    <dgm:style>
+      <a:lnRef idx="0">
+        <a:scrgbClr r="0" g="0" b="0"/>
+      </a:lnRef>
+      <a:fillRef idx="1">
+        <a:scrgbClr r="0" g="0" b="0"/>
+      </a:fillRef>
+      <a:effectRef idx="0">
+        <a:scrgbClr r="0" g="0" b="0"/>
+      </a:effectRef>
+      <a:fontRef idx="minor">
+        <a:schemeClr val="lt1"/>
+      </a:fontRef>
+    </dgm:style>
+  </dgm:styleLbl>
+  <dgm:styleLbl name="bgSibTrans2D1">
+    <dgm:scene3d>
+      <a:camera prst="orthographicFront"/>
+      <a:lightRig rig="threePt" dir="t"/>
+    </dgm:scene3d>
+    <dgm:sp3d/>
+    <dgm:txPr/>
+    <dgm:style>
+      <a:lnRef idx="0">
+        <a:scrgbClr r="0" g="0" b="0"/>
+      </a:lnRef>
+      <a:fillRef idx="1">
+        <a:scrgbClr r="0" g="0" b="0"/>
+      </a:fillRef>
+      <a:effectRef idx="0">
+        <a:scrgbClr r="0" g="0" b="0"/>
+      </a:effectRef>
+      <a:fontRef idx="minor">
+        <a:schemeClr val="lt1"/>
+      </a:fontRef>
+    </dgm:style>
+  </dgm:styleLbl>
+  <dgm:styleLbl name="sibTrans1D1">
+    <dgm:scene3d>
+      <a:camera prst="orthographicFront"/>
+      <a:lightRig rig="threePt" dir="t"/>
+    </dgm:scene3d>
+    <dgm:sp3d/>
+    <dgm:txPr/>
+    <dgm:style>
+      <a:lnRef idx="1">
+        <a:scrgbClr r="0" g="0" b="0"/>
+      </a:lnRef>
+      <a:fillRef idx="0">
+        <a:scrgbClr r="0" g="0" b="0"/>
+      </a:fillRef>
+      <a:effectRef idx="0">
+        <a:scrgbClr r="0" g="0" b="0"/>
+      </a:effectRef>
+      <a:fontRef idx="minor"/>
+    </dgm:style>
+  </dgm:styleLbl>
+  <dgm:styleLbl name="callout">
+    <dgm:scene3d>
+      <a:camera prst="orthographicFront"/>
+      <a:lightRig rig="threePt" dir="t"/>
+    </dgm:scene3d>
+    <dgm:sp3d/>
+    <dgm:txPr/>
+    <dgm:style>
+      <a:lnRef idx="2">
+        <a:scrgbClr r="0" g="0" b="0"/>
+      </a:lnRef>
+      <a:fillRef idx="1">
+        <a:scrgbClr r="0" g="0" b="0"/>
+      </a:fillRef>
+      <a:effectRef idx="0">
+        <a:scrgbClr r="0" g="0" b="0"/>
+      </a:effectRef>
+      <a:fontRef idx="minor"/>
+    </dgm:style>
+  </dgm:styleLbl>
+  <dgm:styleLbl name="asst0">
+    <dgm:scene3d>
+      <a:camera prst="orthographicFront"/>
+      <a:lightRig rig="threePt" dir="t"/>
+    </dgm:scene3d>
+    <dgm:sp3d/>
+    <dgm:txPr/>
+    <dgm:style>
+      <a:lnRef idx="2">
+        <a:scrgbClr r="0" g="0" b="0"/>
+      </a:lnRef>
+      <a:fillRef idx="1">
+        <a:scrgbClr r="0" g="0" b="0"/>
+      </a:fillRef>
+      <a:effectRef idx="0">
+        <a:scrgbClr r="0" g="0" b="0"/>
+      </a:effectRef>
+      <a:fontRef idx="minor">
+        <a:schemeClr val="lt1"/>
+      </a:fontRef>
+    </dgm:style>
+  </dgm:styleLbl>
+  <dgm:styleLbl name="asst1">
+    <dgm:scene3d>
+      <a:camera prst="orthographicFront"/>
+      <a:lightRig rig="threePt" dir="t"/>
+    </dgm:scene3d>
+    <dgm:sp3d/>
+    <dgm:txPr/>
+    <dgm:style>
+      <a:lnRef idx="2">
+        <a:scrgbClr r="0" g="0" b="0"/>
+      </a:lnRef>
+      <a:fillRef idx="1">
+        <a:scrgbClr r="0" g="0" b="0"/>
+      </a:fillRef>
+      <a:effectRef idx="0">
+        <a:scrgbClr r="0" g="0" b="0"/>
+      </a:effectRef>
+      <a:fontRef idx="minor">
+        <a:schemeClr val="lt1"/>
+      </a:fontRef>
+    </dgm:style>
+  </dgm:styleLbl>
+  <dgm:styleLbl name="asst2">
+    <dgm:scene3d>
+      <a:camera prst="orthographicFront"/>
+      <a:lightRig rig="threePt" dir="t"/>
+    </dgm:scene3d>
+    <dgm:sp3d/>
+    <dgm:txPr/>
+    <dgm:style>
+      <a:lnRef idx="2">
+        <a:scrgbClr r="0" g="0" b="0"/>
+      </a:lnRef>
+      <a:fillRef idx="1">
+        <a:scrgbClr r="0" g="0" b="0"/>
+      </a:fillRef>
+      <a:effectRef idx="0">
+        <a:scrgbClr r="0" g="0" b="0"/>
+      </a:effectRef>
+      <a:fontRef idx="minor">
+        <a:schemeClr val="lt1"/>
+      </a:fontRef>
+    </dgm:style>
+  </dgm:styleLbl>
+  <dgm:styleLbl name="asst3">
+    <dgm:scene3d>
+      <a:camera prst="orthographicFront"/>
+      <a:lightRig rig="threePt" dir="t"/>
+    </dgm:scene3d>
+    <dgm:sp3d/>
+    <dgm:txPr/>
+    <dgm:style>
+      <a:lnRef idx="2">
+        <a:scrgbClr r="0" g="0" b="0"/>
+      </a:lnRef>
+      <a:fillRef idx="1">
+        <a:scrgbClr r="0" g="0" b="0"/>
+      </a:fillRef>
+      <a:effectRef idx="0">
+        <a:scrgbClr r="0" g="0" b="0"/>
+      </a:effectRef>
+      <a:fontRef idx="minor">
+        <a:schemeClr val="lt1"/>
+      </a:fontRef>
+    </dgm:style>
+  </dgm:styleLbl>
+  <dgm:styleLbl name="asst4">
+    <dgm:scene3d>
+      <a:camera prst="orthographicFront"/>
+      <a:lightRig rig="threePt" dir="t"/>
+    </dgm:scene3d>
+    <dgm:sp3d/>
+    <dgm:txPr/>
+    <dgm:style>
+      <a:lnRef idx="2">
+        <a:scrgbClr r="0" g="0" b="0"/>
+      </a:lnRef>
+      <a:fillRef idx="1">
+        <a:scrgbClr r="0" g="0" b="0"/>
+      </a:fillRef>
+      <a:effectRef idx="0">
+        <a:scrgbClr r="0" g="0" b="0"/>
+      </a:effectRef>
+      <a:fontRef idx="minor">
+        <a:schemeClr val="lt1"/>
+      </a:fontRef>
+    </dgm:style>
+  </dgm:styleLbl>
+  <dgm:styleLbl name="parChTrans2D1">
+    <dgm:scene3d>
+      <a:camera prst="orthographicFront"/>
+      <a:lightRig rig="threePt" dir="t"/>
+    </dgm:scene3d>
+    <dgm:sp3d/>
+    <dgm:txPr/>
+    <dgm:style>
+      <a:lnRef idx="2">
+        <a:scrgbClr r="0" g="0" b="0"/>
+      </a:lnRef>
+      <a:fillRef idx="1">
+        <a:scrgbClr r="0" g="0" b="0"/>
+      </a:fillRef>
+      <a:effectRef idx="0">
+        <a:scrgbClr r="0" g="0" b="0"/>
+      </a:effectRef>
+      <a:fontRef idx="minor">
+        <a:schemeClr val="lt1"/>
+      </a:fontRef>
+    </dgm:style>
+  </dgm:styleLbl>
+  <dgm:styleLbl name="parChTrans2D2">
+    <dgm:scene3d>
+      <a:camera prst="orthographicFront"/>
+      <a:lightRig rig="threePt" dir="t"/>
+    </dgm:scene3d>
+    <dgm:sp3d/>
+    <dgm:txPr/>
+    <dgm:style>
+      <a:lnRef idx="2">
+        <a:scrgbClr r="0" g="0" b="0"/>
+      </a:lnRef>
+      <a:fillRef idx="1">
+        <a:scrgbClr r="0" g="0" b="0"/>
+      </a:fillRef>
+      <a:effectRef idx="0">
+        <a:scrgbClr r="0" g="0" b="0"/>
+      </a:effectRef>
+      <a:fontRef idx="minor">
+        <a:schemeClr val="lt1"/>
+      </a:fontRef>
+    </dgm:style>
+  </dgm:styleLbl>
+  <dgm:styleLbl name="parChTrans2D3">
+    <dgm:scene3d>
+      <a:camera prst="orthographicFront"/>
+      <a:lightRig rig="threePt" dir="t"/>
+    </dgm:scene3d>
+    <dgm:sp3d/>
+    <dgm:txPr/>
+    <dgm:style>
+      <a:lnRef idx="2">
+        <a:scrgbClr r="0" g="0" b="0"/>
+      </a:lnRef>
+      <a:fillRef idx="1">
+        <a:scrgbClr r="0" g="0" b="0"/>
+      </a:fillRef>
+      <a:effectRef idx="0">
+        <a:scrgbClr r="0" g="0" b="0"/>
+      </a:effectRef>
+      <a:fontRef idx="minor">
+        <a:schemeClr val="lt1"/>
+      </a:fontRef>
+    </dgm:style>
+  </dgm:styleLbl>
+  <dgm:styleLbl name="parChTrans2D4">
+    <dgm:scene3d>
+      <a:camera prst="orthographicFront"/>
+      <a:lightRig rig="threePt" dir="t"/>
+    </dgm:scene3d>
+    <dgm:sp3d/>
+    <dgm:txPr/>
+    <dgm:style>
+      <a:lnRef idx="2">
+        <a:scrgbClr r="0" g="0" b="0"/>
+      </a:lnRef>
+      <a:fillRef idx="1">
+        <a:scrgbClr r="0" g="0" b="0"/>
+      </a:fillRef>
+      <a:effectRef idx="0">
+        <a:scrgbClr r="0" g="0" b="0"/>
+      </a:effectRef>
+      <a:fontRef idx="minor">
+        <a:schemeClr val="lt1"/>
+      </a:fontRef>
+    </dgm:style>
+  </dgm:styleLbl>
+  <dgm:styleLbl name="parChTrans1D1">
+    <dgm:scene3d>
+      <a:camera prst="orthographicFront"/>
+      <a:lightRig rig="threePt" dir="t"/>
+    </dgm:scene3d>
+    <dgm:sp3d/>
+    <dgm:txPr/>
+    <dgm:style>
+      <a:lnRef idx="2">
+        <a:scrgbClr r="0" g="0" b="0"/>
+      </a:lnRef>
+      <a:fillRef idx="0">
+        <a:scrgbClr r="0" g="0" b="0"/>
+      </a:fillRef>
+      <a:effectRef idx="0">
+        <a:scrgbClr r="0" g="0" b="0"/>
+      </a:effectRef>
+      <a:fontRef idx="minor"/>
+    </dgm:style>
+  </dgm:styleLbl>
+  <dgm:styleLbl name="parChTrans1D2">
+    <dgm:scene3d>
+      <a:camera prst="orthographicFront"/>
+      <a:lightRig rig="threePt" dir="t"/>
+    </dgm:scene3d>
+    <dgm:sp3d/>
+    <dgm:txPr/>
+    <dgm:style>
+      <a:lnRef idx="2">
+        <a:scrgbClr r="0" g="0" b="0"/>
+      </a:lnRef>
+      <a:fillRef idx="0">
+        <a:scrgbClr r="0" g="0" b="0"/>
+      </a:fillRef>
+      <a:effectRef idx="0">
+        <a:scrgbClr r="0" g="0" b="0"/>
+      </a:effectRef>
+      <a:fontRef idx="minor"/>
+    </dgm:style>
+  </dgm:styleLbl>
+  <dgm:styleLbl name="parChTrans1D3">
+    <dgm:scene3d>
+      <a:camera prst="orthographicFront"/>
+      <a:lightRig rig="threePt" dir="t"/>
+    </dgm:scene3d>
+    <dgm:sp3d/>
+    <dgm:txPr/>
+    <dgm:style>
+      <a:lnRef idx="2">
+        <a:scrgbClr r="0" g="0" b="0"/>
+      </a:lnRef>
+      <a:fillRef idx="0">
+        <a:scrgbClr r="0" g="0" b="0"/>
+      </a:fillRef>
+      <a:effectRef idx="0">
+        <a:scrgbClr r="0" g="0" b="0"/>
+      </a:effectRef>
+      <a:fontRef idx="minor"/>
+    </dgm:style>
+  </dgm:styleLbl>
+  <dgm:styleLbl name="parChTrans1D4">
+    <dgm:scene3d>
+      <a:camera prst="orthographicFront"/>
+      <a:lightRig rig="threePt" dir="t"/>
+    </dgm:scene3d>
+    <dgm:sp3d/>
+    <dgm:txPr/>
+    <dgm:style>
+      <a:lnRef idx="2">
+        <a:scrgbClr r="0" g="0" b="0"/>
+      </a:lnRef>
+      <a:fillRef idx="0">
+        <a:scrgbClr r="0" g="0" b="0"/>
+      </a:fillRef>
+      <a:effectRef idx="0">
+        <a:scrgbClr r="0" g="0" b="0"/>
+      </a:effectRef>
+      <a:fontRef idx="minor"/>
+    </dgm:style>
+  </dgm:styleLbl>
+  <dgm:styleLbl name="fgAcc1">
+    <dgm:scene3d>
+      <a:camera prst="orthographicFront"/>
+      <a:lightRig rig="threePt" dir="t"/>
+    </dgm:scene3d>
+    <dgm:sp3d/>
+    <dgm:txPr/>
+    <dgm:style>
+      <a:lnRef idx="2">
+        <a:scrgbClr r="0" g="0" b="0"/>
+      </a:lnRef>
+      <a:fillRef idx="1">
+        <a:scrgbClr r="0" g="0" b="0"/>
+      </a:fillRef>
+      <a:effectRef idx="0">
+        <a:scrgbClr r="0" g="0" b="0"/>
+      </a:effectRef>
+      <a:fontRef idx="minor"/>
+    </dgm:style>
+  </dgm:styleLbl>
+  <dgm:styleLbl name="conFgAcc1">
+    <dgm:scene3d>
+      <a:camera prst="orthographicFront"/>
+      <a:lightRig rig="threePt" dir="t"/>
+    </dgm:scene3d>
+    <dgm:sp3d/>
+    <dgm:txPr/>
+    <dgm:style>
+      <a:lnRef idx="2">
+        <a:scrgbClr r="0" g="0" b="0"/>
+      </a:lnRef>
+      <a:fillRef idx="1">
+        <a:scrgbClr r="0" g="0" b="0"/>
+      </a:fillRef>
+      <a:effectRef idx="0">
+        <a:scrgbClr r="0" g="0" b="0"/>
+      </a:effectRef>
+      <a:fontRef idx="minor"/>
+    </dgm:style>
+  </dgm:styleLbl>
+  <dgm:styleLbl name="alignAcc1">
+    <dgm:scene3d>
+      <a:camera prst="orthographicFront"/>
+      <a:lightRig rig="threePt" dir="t"/>
+    </dgm:scene3d>
+    <dgm:sp3d/>
+    <dgm:txPr/>
+    <dgm:style>
+      <a:lnRef idx="2">
+        <a:scrgbClr r="0" g="0" b="0"/>
+      </a:lnRef>
+      <a:fillRef idx="1">
+        <a:scrgbClr r="0" g="0" b="0"/>
+      </a:fillRef>
+      <a:effectRef idx="0">
+        <a:scrgbClr r="0" g="0" b="0"/>
+      </a:effectRef>
+      <a:fontRef idx="minor"/>
+    </dgm:style>
+  </dgm:styleLbl>
+  <dgm:styleLbl name="trAlignAcc1">
+    <dgm:scene3d>
+      <a:camera prst="orthographicFront"/>
+      <a:lightRig rig="threePt" dir="t"/>
+    </dgm:scene3d>
+    <dgm:sp3d/>
+    <dgm:txPr/>
+    <dgm:style>
+      <a:lnRef idx="1">
+        <a:scrgbClr r="0" g="0" b="0"/>
+      </a:lnRef>
+      <a:fillRef idx="1">
+        <a:scrgbClr r="0" g="0" b="0"/>
+      </a:fillRef>
+      <a:effectRef idx="0">
+        <a:scrgbClr r="0" g="0" b="0"/>
+      </a:effectRef>
+      <a:fontRef idx="minor"/>
+    </dgm:style>
+  </dgm:styleLbl>
+  <dgm:styleLbl name="bgAcc1">
+    <dgm:scene3d>
+      <a:camera prst="orthographicFront"/>
+      <a:lightRig rig="threePt" dir="t"/>
+    </dgm:scene3d>
+    <dgm:sp3d/>
+    <dgm:txPr/>
+    <dgm:style>
+      <a:lnRef idx="2">
+        <a:scrgbClr r="0" g="0" b="0"/>
+      </a:lnRef>
+      <a:fillRef idx="1">
+        <a:scrgbClr r="0" g="0" b="0"/>
+      </a:fillRef>
+      <a:effectRef idx="0">
+        <a:scrgbClr r="0" g="0" b="0"/>
+      </a:effectRef>
+      <a:fontRef idx="minor"/>
+    </dgm:style>
+  </dgm:styleLbl>
+  <dgm:styleLbl name="solidFgAcc1">
+    <dgm:scene3d>
+      <a:camera prst="orthographicFront"/>
+      <a:lightRig rig="threePt" dir="t"/>
+    </dgm:scene3d>
+    <dgm:sp3d/>
+    <dgm:txPr/>
+    <dgm:style>
+      <a:lnRef idx="2">
+        <a:scrgbClr r="0" g="0" b="0"/>
+      </a:lnRef>
+      <a:fillRef idx="1">
+        <a:scrgbClr r="0" g="0" b="0"/>
+      </a:fillRef>
+      <a:effectRef idx="0">
+        <a:scrgbClr r="0" g="0" b="0"/>
+      </a:effectRef>
+      <a:fontRef idx="minor"/>
+    </dgm:style>
+  </dgm:styleLbl>
+  <dgm:styleLbl name="solidAlignAcc1">
+    <dgm:scene3d>
+      <a:camera prst="orthographicFront"/>
+      <a:lightRig rig="threePt" dir="t"/>
+    </dgm:scene3d>
+    <dgm:sp3d/>
+    <dgm:txPr/>
+    <dgm:style>
+      <a:lnRef idx="2">
+        <a:scrgbClr r="0" g="0" b="0"/>
+      </a:lnRef>
+      <a:fillRef idx="1">
+        <a:scrgbClr r="0" g="0" b="0"/>
+      </a:fillRef>
+      <a:effectRef idx="0">
+        <a:scrgbClr r="0" g="0" b="0"/>
+      </a:effectRef>
+      <a:fontRef idx="minor"/>
+    </dgm:style>
+  </dgm:styleLbl>
+  <dgm:styleLbl name="solidBgAcc1">
+    <dgm:scene3d>
+      <a:camera prst="orthographicFront"/>
+      <a:lightRig rig="threePt" dir="t"/>
+    </dgm:scene3d>
+    <dgm:sp3d/>
+    <dgm:txPr/>
+    <dgm:style>
+      <a:lnRef idx="2">
+        <a:scrgbClr r="0" g="0" b="0"/>
+      </a:lnRef>
+      <a:fillRef idx="1">
+        <a:scrgbClr r="0" g="0" b="0"/>
+      </a:fillRef>
+      <a:effectRef idx="0">
+        <a:scrgbClr r="0" g="0" b="0"/>
+      </a:effectRef>
+      <a:fontRef idx="minor"/>
+    </dgm:style>
+  </dgm:styleLbl>
+  <dgm:styleLbl name="fgAccFollowNode1">
+    <dgm:scene3d>
+      <a:camera prst="orthographicFront"/>
+      <a:lightRig rig="threePt" dir="t"/>
+    </dgm:scene3d>
+    <dgm:sp3d/>
+    <dgm:txPr/>
+    <dgm:style>
+      <a:lnRef idx="2">
+        <a:scrgbClr r="0" g="0" b="0"/>
+      </a:lnRef>
+      <a:fillRef idx="1">
+        <a:scrgbClr r="0" g="0" b="0"/>
+      </a:fillRef>
+      <a:effectRef idx="0">
+        <a:scrgbClr r="0" g="0" b="0"/>
+      </a:effectRef>
+      <a:fontRef idx="minor"/>
+    </dgm:style>
+  </dgm:styleLbl>
+  <dgm:styleLbl name="alignAccFollowNode1">
+    <dgm:scene3d>
+      <a:camera prst="orthographicFront"/>
+      <a:lightRig rig="threePt" dir="t"/>
+    </dgm:scene3d>
+    <dgm:sp3d/>
+    <dgm:txPr/>
+    <dgm:style>
+      <a:lnRef idx="2">
+        <a:scrgbClr r="0" g="0" b="0"/>
+      </a:lnRef>
+      <a:fillRef idx="1">
+        <a:scrgbClr r="0" g="0" b="0"/>
+      </a:fillRef>
+      <a:effectRef idx="0">
+        <a:scrgbClr r="0" g="0" b="0"/>
+      </a:effectRef>
+      <a:fontRef idx="minor"/>
+    </dgm:style>
+  </dgm:styleLbl>
+  <dgm:styleLbl name="bgAccFollowNode1">
+    <dgm:scene3d>
+      <a:camera prst="orthographicFront"/>
+      <a:lightRig rig="threePt" dir="t"/>
+    </dgm:scene3d>
+    <dgm:sp3d/>
+    <dgm:txPr/>
+    <dgm:style>
+      <a:lnRef idx="2">
+        <a:scrgbClr r="0" g="0" b="0"/>
+      </a:lnRef>
+      <a:fillRef idx="1">
+        <a:scrgbClr r="0" g="0" b="0"/>
+      </a:fillRef>
+      <a:effectRef idx="0">
+        <a:scrgbClr r="0" g="0" b="0"/>
+      </a:effectRef>
+      <a:fontRef idx="minor"/>
+    </dgm:style>
+  </dgm:styleLbl>
+  <dgm:styleLbl name="fgAcc0">
+    <dgm:scene3d>
+      <a:camera prst="orthographicFront"/>
+      <a:lightRig rig="threePt" dir="t"/>
+    </dgm:scene3d>
+    <dgm:sp3d/>
+    <dgm:txPr/>
+    <dgm:style>
+      <a:lnRef idx="2">
+        <a:scrgbClr r="0" g="0" b="0"/>
+      </a:lnRef>
+      <a:fillRef idx="1">
+        <a:scrgbClr r="0" g="0" b="0"/>
+      </a:fillRef>
+      <a:effectRef idx="0">
+        <a:scrgbClr r="0" g="0" b="0"/>
+      </a:effectRef>
+      <a:fontRef idx="minor"/>
+    </dgm:style>
+  </dgm:styleLbl>
+  <dgm:styleLbl name="fgAcc2">
+    <dgm:scene3d>
+      <a:camera prst="orthographicFront"/>
+      <a:lightRig rig="threePt" dir="t"/>
+    </dgm:scene3d>
+    <dgm:sp3d/>
+    <dgm:txPr/>
+    <dgm:style>
+      <a:lnRef idx="2">
+        <a:scrgbClr r="0" g="0" b="0"/>
+      </a:lnRef>
+      <a:fillRef idx="1">
+        <a:scrgbClr r="0" g="0" b="0"/>
+      </a:fillRef>
+      <a:effectRef idx="0">
+        <a:scrgbClr r="0" g="0" b="0"/>
+      </a:effectRef>
+      <a:fontRef idx="minor"/>
+    </dgm:style>
+  </dgm:styleLbl>
+  <dgm:styleLbl name="fgAcc3">
+    <dgm:scene3d>
+      <a:camera prst="orthographicFront"/>
+      <a:lightRig rig="threePt" dir="t"/>
+    </dgm:scene3d>
+    <dgm:sp3d/>
+    <dgm:txPr/>
+    <dgm:style>
+      <a:lnRef idx="2">
+        <a:scrgbClr r="0" g="0" b="0"/>
+      </a:lnRef>
+      <a:fillRef idx="1">
+        <a:scrgbClr r="0" g="0" b="0"/>
+      </a:fillRef>
+      <a:effectRef idx="0">
+        <a:scrgbClr r="0" g="0" b="0"/>
+      </a:effectRef>
+      <a:fontRef idx="minor"/>
+    </dgm:style>
+  </dgm:styleLbl>
+  <dgm:styleLbl name="fgAcc4">
+    <dgm:scene3d>
+      <a:camera prst="orthographicFront"/>
+      <a:lightRig rig="threePt" dir="t"/>
+    </dgm:scene3d>
+    <dgm:sp3d/>
+    <dgm:txPr/>
+    <dgm:style>
+      <a:lnRef idx="2">
+        <a:scrgbClr r="0" g="0" b="0"/>
+      </a:lnRef>
+      <a:fillRef idx="1">
+        <a:scrgbClr r="0" g="0" b="0"/>
+      </a:fillRef>
+      <a:effectRef idx="0">
+        <a:scrgbClr r="0" g="0" b="0"/>
+      </a:effectRef>
+      <a:fontRef idx="minor"/>
+    </dgm:style>
+  </dgm:styleLbl>
+  <dgm:styleLbl name="bgShp">
+    <dgm:scene3d>
+      <a:camera prst="orthographicFront"/>
+      <a:lightRig rig="threePt" dir="t"/>
+    </dgm:scene3d>
+    <dgm:sp3d/>
+    <dgm:txPr/>
+    <dgm:style>
+      <a:lnRef idx="0">
+        <a:scrgbClr r="0" g="0" b="0"/>
+      </a:lnRef>
+      <a:fillRef idx="1">
+        <a:scrgbClr r="0" g="0" b="0"/>
+      </a:fillRef>
+      <a:effectRef idx="0">
+        <a:scrgbClr r="0" g="0" b="0"/>
+      </a:effectRef>
+      <a:fontRef idx="minor"/>
+    </dgm:style>
+  </dgm:styleLbl>
+  <dgm:styleLbl name="dkBgShp">
+    <dgm:scene3d>
+      <a:camera prst="orthographicFront"/>
+      <a:lightRig rig="threePt" dir="t"/>
+    </dgm:scene3d>
+    <dgm:sp3d/>
+    <dgm:txPr/>
+    <dgm:style>
+      <a:lnRef idx="0">
+        <a:scrgbClr r="0" g="0" b="0"/>
+      </a:lnRef>
+      <a:fillRef idx="1">
+        <a:scrgbClr r="0" g="0" b="0"/>
+      </a:fillRef>
+      <a:effectRef idx="0">
+        <a:scrgbClr r="0" g="0" b="0"/>
+      </a:effectRef>
+      <a:fontRef idx="minor"/>
+    </dgm:style>
+  </dgm:styleLbl>
+  <dgm:styleLbl name="trBgShp">
+    <dgm:scene3d>
+      <a:camera prst="orthographicFront"/>
+      <a:lightRig rig="threePt" dir="t"/>
+    </dgm:scene3d>
+    <dgm:sp3d/>
+    <dgm:txPr/>
+    <dgm:style>
+      <a:lnRef idx="0">
+        <a:scrgbClr r="0" g="0" b="0"/>
+      </a:lnRef>
+      <a:fillRef idx="1">
+        <a:scrgbClr r="0" g="0" b="0"/>
+      </a:fillRef>
+      <a:effectRef idx="0">
+        <a:scrgbClr r="0" g="0" b="0"/>
+      </a:effectRef>
+      <a:fontRef idx="minor"/>
+    </dgm:style>
+  </dgm:styleLbl>
+  <dgm:styleLbl name="fgShp">
+    <dgm:scene3d>
+      <a:camera prst="orthographicFront"/>
+      <a:lightRig rig="threePt" dir="t"/>
+    </dgm:scene3d>
+    <dgm:sp3d/>
+    <dgm:txPr/>
+    <dgm:style>
+      <a:lnRef idx="2">
+        <a:scrgbClr r="0" g="0" b="0"/>
+      </a:lnRef>
+      <a:fillRef idx="1">
+        <a:scrgbClr r="0" g="0" b="0"/>
+      </a:fillRef>
+      <a:effectRef idx="0">
+        <a:scrgbClr r="0" g="0" b="0"/>
+      </a:effectRef>
+      <a:fontRef idx="minor"/>
+    </dgm:style>
+  </dgm:styleLbl>
+  <dgm:styleLbl name="revTx">
+    <dgm:scene3d>
+      <a:camera prst="orthographicFront"/>
+      <a:lightRig rig="threePt" dir="t"/>
+    </dgm:scene3d>
+    <dgm:sp3d/>
+    <dgm:txPr/>
+    <dgm:style>
+      <a:lnRef idx="0">
+        <a:scrgbClr r="0" g="0" b="0"/>
+      </a:lnRef>
+      <a:fillRef idx="0">
+        <a:scrgbClr r="0" g="0" b="0"/>
+      </a:fillRef>
+      <a:effectRef idx="0">
+        <a:scrgbClr r="0" g="0" b="0"/>
+      </a:effectRef>
+      <a:fontRef idx="minor"/>
+    </dgm:style>
+  </dgm:styleLbl>
+</dgm:styleDef>
+</file>
+
+<file path=ppt/diagrams/quickStyle7.xml><?xml version="1.0" encoding="utf-8"?>
 <dgm:styleDef xmlns:dgm="http://schemas.openxmlformats.org/drawingml/2006/diagram" xmlns:a="http://schemas.openxmlformats.org/drawingml/2006/main" uniqueId="urn:microsoft.com/office/officeart/2005/8/quickstyle/simple1">
   <dgm:title val=""/>
   <dgm:desc val=""/>
@@ -19609,7 +22940,7 @@
           <a:p>
             <a:fld id="{297A166E-ACF1-4C2F-AD43-1E0B732BAB04}" type="slidenum">
               <a:rPr lang="en-US" smtClean="0"/>
-              <a:t>‹Nr.›</a:t>
+              <a:t>‹#›</a:t>
             </a:fld>
             <a:endParaRPr lang="en-US"/>
           </a:p>
@@ -20249,6 +23580,111 @@
 </p:notes>
 </file>
 
+<file path=ppt/notesSlides/notesSlide7.xml><?xml version="1.0" encoding="utf-8"?>
+<p:notes xmlns:a="http://schemas.openxmlformats.org/drawingml/2006/main" xmlns:r="http://schemas.openxmlformats.org/officeDocument/2006/relationships" xmlns:p="http://schemas.openxmlformats.org/presentationml/2006/main">
+  <p:cSld>
+    <p:spTree>
+      <p:nvGrpSpPr>
+        <p:cNvPr id="1" name=""/>
+        <p:cNvGrpSpPr/>
+        <p:nvPr/>
+      </p:nvGrpSpPr>
+      <p:grpSpPr>
+        <a:xfrm>
+          <a:off x="0" y="0"/>
+          <a:ext cx="0" cy="0"/>
+          <a:chOff x="0" y="0"/>
+          <a:chExt cx="0" cy="0"/>
+        </a:xfrm>
+      </p:grpSpPr>
+      <p:sp>
+        <p:nvSpPr>
+          <p:cNvPr id="2" name="Slide Image Placeholder 1"/>
+          <p:cNvSpPr>
+            <a:spLocks noGrp="1" noRot="1" noChangeAspect="1"/>
+          </p:cNvSpPr>
+          <p:nvPr>
+            <p:ph type="sldImg"/>
+          </p:nvPr>
+        </p:nvSpPr>
+        <p:spPr/>
+      </p:sp>
+      <p:sp>
+        <p:nvSpPr>
+          <p:cNvPr id="3" name="Notes Placeholder 2"/>
+          <p:cNvSpPr>
+            <a:spLocks noGrp="1"/>
+          </p:cNvSpPr>
+          <p:nvPr>
+            <p:ph type="body" idx="1"/>
+          </p:nvPr>
+        </p:nvSpPr>
+        <p:spPr/>
+        <p:txBody>
+          <a:bodyPr/>
+          <a:lstStyle/>
+          <a:p>
+            <a:r>
+              <a:rPr lang="en-US" dirty="0"/>
+              <a:t>https://scikit-learn.org/stable/modules/generated/sklearn.linear_model.LogisticRegression.html </a:t>
+            </a:r>
+          </a:p>
+          <a:p>
+            <a:endParaRPr lang="en-US" dirty="0"/>
+          </a:p>
+          <a:p>
+            <a:r>
+              <a:rPr lang="en-US" dirty="0"/>
+              <a:t>https://scikit-learn.org/stable/modules/generated/sklearn.linear_model.LogisticRegression.html</a:t>
+            </a:r>
+          </a:p>
+          <a:p>
+            <a:endParaRPr lang="en-US" dirty="0"/>
+          </a:p>
+          <a:p>
+            <a:r>
+              <a:rPr lang="en-US" dirty="0"/>
+              <a:t>https://scikit-learn.org/stable/auto_examples/linear_model/plot_logistic_l1_l2_sparsity.html#sphx-glr-auto-examples-linear-model-plot-logistic-l1-l2-sparsity-py</a:t>
+            </a:r>
+          </a:p>
+        </p:txBody>
+      </p:sp>
+      <p:sp>
+        <p:nvSpPr>
+          <p:cNvPr id="4" name="Slide Number Placeholder 3"/>
+          <p:cNvSpPr>
+            <a:spLocks noGrp="1"/>
+          </p:cNvSpPr>
+          <p:nvPr>
+            <p:ph type="sldNum" sz="quarter" idx="5"/>
+          </p:nvPr>
+        </p:nvSpPr>
+        <p:spPr/>
+        <p:txBody>
+          <a:bodyPr/>
+          <a:lstStyle/>
+          <a:p>
+            <a:fld id="{297A166E-ACF1-4C2F-AD43-1E0B732BAB04}" type="slidenum">
+              <a:rPr lang="en-US" smtClean="0"/>
+              <a:t>13</a:t>
+            </a:fld>
+            <a:endParaRPr lang="en-US"/>
+          </a:p>
+        </p:txBody>
+      </p:sp>
+    </p:spTree>
+    <p:extLst>
+      <p:ext uri="{BB962C8B-B14F-4D97-AF65-F5344CB8AC3E}">
+        <p14:creationId xmlns:p14="http://schemas.microsoft.com/office/powerpoint/2010/main" val="4083367248"/>
+      </p:ext>
+    </p:extLst>
+  </p:cSld>
+  <p:clrMapOvr>
+    <a:masterClrMapping/>
+  </p:clrMapOvr>
+</p:notes>
+</file>
+
 <file path=ppt/slideLayouts/slideLayout1.xml><?xml version="1.0" encoding="utf-8"?>
 <p:sldLayout xmlns:a="http://schemas.openxmlformats.org/drawingml/2006/main" xmlns:r="http://schemas.openxmlformats.org/officeDocument/2006/relationships" xmlns:p="http://schemas.openxmlformats.org/presentationml/2006/main" showMasterSp="0" type="title" preserve="1">
   <p:cSld name="Title Slide">
@@ -20517,7 +23953,7 @@
           <a:p>
             <a:fld id="{07F4A872-BB05-448F-BC49-4E19CC5041AD}" type="slidenum">
               <a:rPr lang="en-US" smtClean="0"/>
-              <a:t>‹Nr.›</a:t>
+              <a:t>‹#›</a:t>
             </a:fld>
             <a:endParaRPr lang="en-US"/>
           </a:p>
@@ -20725,7 +24161,7 @@
           <a:p>
             <a:fld id="{07F4A872-BB05-448F-BC49-4E19CC5041AD}" type="slidenum">
               <a:rPr lang="en-US" smtClean="0"/>
-              <a:t>‹Nr.›</a:t>
+              <a:t>‹#›</a:t>
             </a:fld>
             <a:endParaRPr lang="en-US"/>
           </a:p>
@@ -20981,7 +24417,7 @@
           <a:p>
             <a:fld id="{07F4A872-BB05-448F-BC49-4E19CC5041AD}" type="slidenum">
               <a:rPr lang="en-US" smtClean="0"/>
-              <a:t>‹Nr.›</a:t>
+              <a:t>‹#›</a:t>
             </a:fld>
             <a:endParaRPr lang="en-US"/>
           </a:p>
@@ -21155,7 +24591,7 @@
           <a:p>
             <a:fld id="{07F4A872-BB05-448F-BC49-4E19CC5041AD}" type="slidenum">
               <a:rPr lang="en-US" smtClean="0"/>
-              <a:t>‹Nr.›</a:t>
+              <a:t>‹#›</a:t>
             </a:fld>
             <a:endParaRPr lang="en-US"/>
           </a:p>
@@ -21498,7 +24934,7 @@
           <a:p>
             <a:fld id="{07F4A872-BB05-448F-BC49-4E19CC5041AD}" type="slidenum">
               <a:rPr lang="en-US" smtClean="0"/>
-              <a:t>‹Nr.›</a:t>
+              <a:t>‹#›</a:t>
             </a:fld>
             <a:endParaRPr lang="en-US"/>
           </a:p>
@@ -21773,7 +25209,7 @@
           <a:p>
             <a:fld id="{07F4A872-BB05-448F-BC49-4E19CC5041AD}" type="slidenum">
               <a:rPr lang="en-US" smtClean="0"/>
-              <a:t>‹Nr.›</a:t>
+              <a:t>‹#›</a:t>
             </a:fld>
             <a:endParaRPr lang="en-US"/>
           </a:p>
@@ -22152,7 +25588,7 @@
           <a:p>
             <a:fld id="{07F4A872-BB05-448F-BC49-4E19CC5041AD}" type="slidenum">
               <a:rPr lang="en-US" smtClean="0"/>
-              <a:t>‹Nr.›</a:t>
+              <a:t>‹#›</a:t>
             </a:fld>
             <a:endParaRPr lang="en-US"/>
           </a:p>
@@ -22270,7 +25706,7 @@
           <a:p>
             <a:fld id="{07F4A872-BB05-448F-BC49-4E19CC5041AD}" type="slidenum">
               <a:rPr lang="en-US" smtClean="0"/>
-              <a:t>‹Nr.›</a:t>
+              <a:t>‹#›</a:t>
             </a:fld>
             <a:endParaRPr lang="en-US"/>
           </a:p>
@@ -22449,7 +25885,7 @@
           <a:p>
             <a:fld id="{07F4A872-BB05-448F-BC49-4E19CC5041AD}" type="slidenum">
               <a:rPr lang="en-US" smtClean="0"/>
-              <a:t>‹Nr.›</a:t>
+              <a:t>‹#›</a:t>
             </a:fld>
             <a:endParaRPr lang="en-US"/>
           </a:p>
@@ -22816,7 +26252,7 @@
           <a:p>
             <a:fld id="{07F4A872-BB05-448F-BC49-4E19CC5041AD}" type="slidenum">
               <a:rPr lang="en-US" smtClean="0"/>
-              <a:t>‹Nr.›</a:t>
+              <a:t>‹#›</a:t>
             </a:fld>
             <a:endParaRPr lang="en-US"/>
           </a:p>
@@ -23177,7 +26613,7 @@
           <a:p>
             <a:fld id="{07F4A872-BB05-448F-BC49-4E19CC5041AD}" type="slidenum">
               <a:rPr lang="en-US" smtClean="0"/>
-              <a:t>‹Nr.›</a:t>
+              <a:t>‹#›</a:t>
             </a:fld>
             <a:endParaRPr lang="en-US"/>
           </a:p>
@@ -23496,7 +26932,7 @@
           <a:p>
             <a:fld id="{07F4A872-BB05-448F-BC49-4E19CC5041AD}" type="slidenum">
               <a:rPr lang="en-US" smtClean="0"/>
-              <a:t>‹Nr.›</a:t>
+              <a:t>‹#›</a:t>
             </a:fld>
             <a:endParaRPr lang="en-US"/>
           </a:p>
@@ -24416,7 +27852,7 @@
           <a:p>
             <a:r>
               <a:rPr lang="en-US" dirty="0"/>
-              <a:t>Submission Results</a:t>
+              <a:t>Submission Results (Decimal)</a:t>
             </a:r>
           </a:p>
         </p:txBody>
@@ -24602,7 +28038,7 @@
             <p:ph idx="1"/>
             <p:extLst>
               <p:ext uri="{D42A27DB-BD31-4B8C-83A1-F6EECF244321}">
-                <p14:modId xmlns:p14="http://schemas.microsoft.com/office/powerpoint/2010/main" val="2665281965"/>
+                <p14:modId xmlns:p14="http://schemas.microsoft.com/office/powerpoint/2010/main" val="503659319"/>
               </p:ext>
             </p:extLst>
           </p:nvPr>
@@ -24736,6 +28172,371 @@
           <p:cNvPr id="2" name="Titel 1">
             <a:extLst>
               <a:ext uri="{FF2B5EF4-FFF2-40B4-BE49-F238E27FC236}">
+                <a16:creationId xmlns:a16="http://schemas.microsoft.com/office/drawing/2014/main" id="{0425B7AA-8A86-45B1-8E9D-D0F0F867BC1F}"/>
+              </a:ext>
+            </a:extLst>
+          </p:cNvPr>
+          <p:cNvSpPr>
+            <a:spLocks noGrp="1"/>
+          </p:cNvSpPr>
+          <p:nvPr>
+            <p:ph type="title"/>
+          </p:nvPr>
+        </p:nvSpPr>
+        <p:spPr>
+          <a:xfrm>
+            <a:off x="8177212" y="634946"/>
+            <a:ext cx="3372529" cy="5055904"/>
+          </a:xfrm>
+        </p:spPr>
+        <p:txBody>
+          <a:bodyPr anchor="ctr">
+            <a:normAutofit/>
+          </a:bodyPr>
+          <a:lstStyle/>
+          <a:p>
+            <a:r>
+              <a:rPr lang="en-US" sz="4400" dirty="0"/>
+              <a:t>Submission Results (Classified 0,1)</a:t>
+            </a:r>
+          </a:p>
+        </p:txBody>
+      </p:sp>
+      <p:graphicFrame>
+        <p:nvGraphicFramePr>
+          <p:cNvPr id="5" name="Inhaltsplatzhalter 2">
+            <a:extLst>
+              <a:ext uri="{FF2B5EF4-FFF2-40B4-BE49-F238E27FC236}">
+                <a16:creationId xmlns:a16="http://schemas.microsoft.com/office/drawing/2014/main" id="{BA8750D3-1476-400B-A954-0C8C505F9FC1}"/>
+              </a:ext>
+            </a:extLst>
+          </p:cNvPr>
+          <p:cNvGraphicFramePr>
+            <a:graphicFrameLocks noGrp="1"/>
+          </p:cNvGraphicFramePr>
+          <p:nvPr>
+            <p:ph idx="1"/>
+            <p:extLst>
+              <p:ext uri="{D42A27DB-BD31-4B8C-83A1-F6EECF244321}">
+                <p14:modId xmlns:p14="http://schemas.microsoft.com/office/powerpoint/2010/main" val="1210594780"/>
+              </p:ext>
+            </p:extLst>
+          </p:nvPr>
+        </p:nvGraphicFramePr>
+        <p:xfrm>
+          <a:off x="633413" y="639763"/>
+          <a:ext cx="6910387" cy="5051425"/>
+        </p:xfrm>
+        <a:graphic>
+          <a:graphicData uri="http://schemas.openxmlformats.org/drawingml/2006/diagram">
+            <dgm:relIds xmlns:dgm="http://schemas.openxmlformats.org/drawingml/2006/diagram" xmlns:r="http://schemas.openxmlformats.org/officeDocument/2006/relationships" r:dm="rId3" r:lo="rId4" r:qs="rId5" r:cs="rId6"/>
+          </a:graphicData>
+        </a:graphic>
+      </p:graphicFrame>
+    </p:spTree>
+    <p:extLst>
+      <p:ext uri="{BB962C8B-B14F-4D97-AF65-F5344CB8AC3E}">
+        <p14:creationId xmlns:p14="http://schemas.microsoft.com/office/powerpoint/2010/main" val="2552495198"/>
+      </p:ext>
+    </p:extLst>
+  </p:cSld>
+  <p:clrMapOvr>
+    <a:masterClrMapping/>
+  </p:clrMapOvr>
+</p:sld>
+</file>
+
+<file path=ppt/slides/slide14.xml><?xml version="1.0" encoding="utf-8"?>
+<p:sld xmlns:a="http://schemas.openxmlformats.org/drawingml/2006/main" xmlns:r="http://schemas.openxmlformats.org/officeDocument/2006/relationships" xmlns:p="http://schemas.openxmlformats.org/presentationml/2006/main">
+  <p:cSld>
+    <p:spTree>
+      <p:nvGrpSpPr>
+        <p:cNvPr id="1" name=""/>
+        <p:cNvGrpSpPr/>
+        <p:nvPr/>
+      </p:nvGrpSpPr>
+      <p:grpSpPr>
+        <a:xfrm>
+          <a:off x="0" y="0"/>
+          <a:ext cx="0" cy="0"/>
+          <a:chOff x="0" y="0"/>
+          <a:chExt cx="0" cy="0"/>
+        </a:xfrm>
+      </p:grpSpPr>
+      <p:sp>
+        <p:nvSpPr>
+          <p:cNvPr id="2" name="Title 1">
+            <a:extLst>
+              <a:ext uri="{FF2B5EF4-FFF2-40B4-BE49-F238E27FC236}">
+                <a16:creationId xmlns:a16="http://schemas.microsoft.com/office/drawing/2014/main" id="{81172F15-0533-44BB-B460-DF7AED1E2B33}"/>
+              </a:ext>
+            </a:extLst>
+          </p:cNvPr>
+          <p:cNvSpPr>
+            <a:spLocks noGrp="1"/>
+          </p:cNvSpPr>
+          <p:nvPr>
+            <p:ph type="title"/>
+          </p:nvPr>
+        </p:nvSpPr>
+        <p:spPr/>
+        <p:txBody>
+          <a:bodyPr/>
+          <a:lstStyle/>
+          <a:p>
+            <a:r>
+              <a:rPr lang="en-US" dirty="0"/>
+              <a:t>Submission Results Graph</a:t>
+            </a:r>
+          </a:p>
+        </p:txBody>
+      </p:sp>
+      <p:graphicFrame>
+        <p:nvGraphicFramePr>
+          <p:cNvPr id="6" name="Content Placeholder 5">
+            <a:extLst>
+              <a:ext uri="{FF2B5EF4-FFF2-40B4-BE49-F238E27FC236}">
+                <a16:creationId xmlns:a16="http://schemas.microsoft.com/office/drawing/2014/main" id="{1317FF5D-38F5-4D8B-BB93-E68810449B46}"/>
+              </a:ext>
+            </a:extLst>
+          </p:cNvPr>
+          <p:cNvGraphicFramePr>
+            <a:graphicFrameLocks noGrp="1"/>
+          </p:cNvGraphicFramePr>
+          <p:nvPr>
+            <p:ph idx="1"/>
+          </p:nvPr>
+        </p:nvGraphicFramePr>
+        <p:xfrm>
+          <a:off x="1096963" y="1846263"/>
+          <a:ext cx="10058400" cy="4022725"/>
+        </p:xfrm>
+        <a:graphic>
+          <a:graphicData uri="http://schemas.openxmlformats.org/drawingml/2006/chart">
+            <c:chart xmlns:c="http://schemas.openxmlformats.org/drawingml/2006/chart" xmlns:r="http://schemas.openxmlformats.org/officeDocument/2006/relationships" r:id="rId2"/>
+          </a:graphicData>
+        </a:graphic>
+      </p:graphicFrame>
+    </p:spTree>
+    <p:extLst>
+      <p:ext uri="{BB962C8B-B14F-4D97-AF65-F5344CB8AC3E}">
+        <p14:creationId xmlns:p14="http://schemas.microsoft.com/office/powerpoint/2010/main" val="456852603"/>
+      </p:ext>
+    </p:extLst>
+  </p:cSld>
+  <p:clrMapOvr>
+    <a:masterClrMapping/>
+  </p:clrMapOvr>
+</p:sld>
+</file>
+
+<file path=ppt/slides/slide15.xml><?xml version="1.0" encoding="utf-8"?>
+<p:sld xmlns:a="http://schemas.openxmlformats.org/drawingml/2006/main" xmlns:r="http://schemas.openxmlformats.org/officeDocument/2006/relationships" xmlns:p="http://schemas.openxmlformats.org/presentationml/2006/main">
+  <p:cSld>
+    <p:spTree>
+      <p:nvGrpSpPr>
+        <p:cNvPr id="1" name=""/>
+        <p:cNvGrpSpPr/>
+        <p:nvPr/>
+      </p:nvGrpSpPr>
+      <p:grpSpPr>
+        <a:xfrm>
+          <a:off x="0" y="0"/>
+          <a:ext cx="0" cy="0"/>
+          <a:chOff x="0" y="0"/>
+          <a:chExt cx="0" cy="0"/>
+        </a:xfrm>
+      </p:grpSpPr>
+      <p:sp>
+        <p:nvSpPr>
+          <p:cNvPr id="2" name="Title 1">
+            <a:extLst>
+              <a:ext uri="{FF2B5EF4-FFF2-40B4-BE49-F238E27FC236}">
+                <a16:creationId xmlns:a16="http://schemas.microsoft.com/office/drawing/2014/main" id="{A577CB0E-4A28-4446-8D2B-22457C0581EC}"/>
+              </a:ext>
+            </a:extLst>
+          </p:cNvPr>
+          <p:cNvSpPr>
+            <a:spLocks noGrp="1"/>
+          </p:cNvSpPr>
+          <p:nvPr>
+            <p:ph type="title"/>
+          </p:nvPr>
+        </p:nvSpPr>
+        <p:spPr/>
+        <p:txBody>
+          <a:bodyPr/>
+          <a:lstStyle/>
+          <a:p>
+            <a:r>
+              <a:rPr lang="en-US" dirty="0"/>
+              <a:t>How AUC (Area Under the Curve) Scores</a:t>
+            </a:r>
+          </a:p>
+        </p:txBody>
+      </p:sp>
+      <p:sp>
+        <p:nvSpPr>
+          <p:cNvPr id="3" name="Content Placeholder 2">
+            <a:extLst>
+              <a:ext uri="{FF2B5EF4-FFF2-40B4-BE49-F238E27FC236}">
+                <a16:creationId xmlns:a16="http://schemas.microsoft.com/office/drawing/2014/main" id="{9519247F-D946-4F6B-81B8-1381AE6FE987}"/>
+              </a:ext>
+            </a:extLst>
+          </p:cNvPr>
+          <p:cNvSpPr>
+            <a:spLocks noGrp="1"/>
+          </p:cNvSpPr>
+          <p:nvPr>
+            <p:ph idx="1"/>
+          </p:nvPr>
+        </p:nvSpPr>
+        <p:spPr/>
+        <p:txBody>
+          <a:bodyPr/>
+          <a:lstStyle/>
+          <a:p>
+            <a:r>
+              <a:rPr lang="en-US" dirty="0"/>
+              <a:t>- AUC takes the total sum of 0 and 1 differences.</a:t>
+            </a:r>
+          </a:p>
+          <a:p>
+            <a:r>
+              <a:rPr lang="en-US" dirty="0"/>
+              <a:t>- Predicting with Regression/Probabilities boosts score</a:t>
+            </a:r>
+          </a:p>
+          <a:p>
+            <a:r>
+              <a:rPr lang="en-US" dirty="0"/>
+              <a:t>- Predicting with only 0 and 1’s creates larger differences (detrimental to score)</a:t>
+            </a:r>
+          </a:p>
+        </p:txBody>
+      </p:sp>
+    </p:spTree>
+    <p:extLst>
+      <p:ext uri="{BB962C8B-B14F-4D97-AF65-F5344CB8AC3E}">
+        <p14:creationId xmlns:p14="http://schemas.microsoft.com/office/powerpoint/2010/main" val="1109481975"/>
+      </p:ext>
+    </p:extLst>
+  </p:cSld>
+  <p:clrMapOvr>
+    <a:masterClrMapping/>
+  </p:clrMapOvr>
+</p:sld>
+</file>
+
+<file path=ppt/slides/slide16.xml><?xml version="1.0" encoding="utf-8"?>
+<p:sld xmlns:a="http://schemas.openxmlformats.org/drawingml/2006/main" xmlns:r="http://schemas.openxmlformats.org/officeDocument/2006/relationships" xmlns:p="http://schemas.openxmlformats.org/presentationml/2006/main">
+  <p:cSld>
+    <p:spTree>
+      <p:nvGrpSpPr>
+        <p:cNvPr id="1" name=""/>
+        <p:cNvGrpSpPr/>
+        <p:nvPr/>
+      </p:nvGrpSpPr>
+      <p:grpSpPr>
+        <a:xfrm>
+          <a:off x="0" y="0"/>
+          <a:ext cx="0" cy="0"/>
+          <a:chOff x="0" y="0"/>
+          <a:chExt cx="0" cy="0"/>
+        </a:xfrm>
+      </p:grpSpPr>
+      <p:sp>
+        <p:nvSpPr>
+          <p:cNvPr id="2" name="Title 1">
+            <a:extLst>
+              <a:ext uri="{FF2B5EF4-FFF2-40B4-BE49-F238E27FC236}">
+                <a16:creationId xmlns:a16="http://schemas.microsoft.com/office/drawing/2014/main" id="{F24D189B-30A4-42FB-BF84-AD9C0CF9BEB7}"/>
+              </a:ext>
+            </a:extLst>
+          </p:cNvPr>
+          <p:cNvSpPr>
+            <a:spLocks noGrp="1"/>
+          </p:cNvSpPr>
+          <p:nvPr>
+            <p:ph type="title"/>
+          </p:nvPr>
+        </p:nvSpPr>
+        <p:spPr/>
+        <p:txBody>
+          <a:bodyPr/>
+          <a:lstStyle/>
+          <a:p>
+            <a:r>
+              <a:rPr lang="en-US" dirty="0"/>
+              <a:t>Thanks</a:t>
+            </a:r>
+          </a:p>
+        </p:txBody>
+      </p:sp>
+      <p:sp>
+        <p:nvSpPr>
+          <p:cNvPr id="3" name="Content Placeholder 2">
+            <a:extLst>
+              <a:ext uri="{FF2B5EF4-FFF2-40B4-BE49-F238E27FC236}">
+                <a16:creationId xmlns:a16="http://schemas.microsoft.com/office/drawing/2014/main" id="{75D8E33A-D1CE-4F11-9C16-B54A677DFDE9}"/>
+              </a:ext>
+            </a:extLst>
+          </p:cNvPr>
+          <p:cNvSpPr>
+            <a:spLocks noGrp="1"/>
+          </p:cNvSpPr>
+          <p:nvPr>
+            <p:ph idx="1"/>
+          </p:nvPr>
+        </p:nvSpPr>
+        <p:spPr/>
+        <p:txBody>
+          <a:bodyPr/>
+          <a:lstStyle/>
+          <a:p>
+            <a:r>
+              <a:rPr lang="en-US"/>
+              <a:t>Questions</a:t>
+            </a:r>
+            <a:endParaRPr lang="en-US" dirty="0"/>
+          </a:p>
+        </p:txBody>
+      </p:sp>
+    </p:spTree>
+    <p:extLst>
+      <p:ext uri="{BB962C8B-B14F-4D97-AF65-F5344CB8AC3E}">
+        <p14:creationId xmlns:p14="http://schemas.microsoft.com/office/powerpoint/2010/main" val="3071410976"/>
+      </p:ext>
+    </p:extLst>
+  </p:cSld>
+  <p:clrMapOvr>
+    <a:masterClrMapping/>
+  </p:clrMapOvr>
+</p:sld>
+</file>
+
+<file path=ppt/slides/slide17.xml><?xml version="1.0" encoding="utf-8"?>
+<p:sld xmlns:a="http://schemas.openxmlformats.org/drawingml/2006/main" xmlns:r="http://schemas.openxmlformats.org/officeDocument/2006/relationships" xmlns:p="http://schemas.openxmlformats.org/presentationml/2006/main">
+  <p:cSld>
+    <p:spTree>
+      <p:nvGrpSpPr>
+        <p:cNvPr id="1" name=""/>
+        <p:cNvGrpSpPr/>
+        <p:nvPr/>
+      </p:nvGrpSpPr>
+      <p:grpSpPr>
+        <a:xfrm>
+          <a:off x="0" y="0"/>
+          <a:ext cx="0" cy="0"/>
+          <a:chOff x="0" y="0"/>
+          <a:chExt cx="0" cy="0"/>
+        </a:xfrm>
+      </p:grpSpPr>
+      <p:sp>
+        <p:nvSpPr>
+          <p:cNvPr id="2" name="Titel 1">
+            <a:extLst>
+              <a:ext uri="{FF2B5EF4-FFF2-40B4-BE49-F238E27FC236}">
                 <a16:creationId xmlns:a16="http://schemas.microsoft.com/office/drawing/2014/main" id="{1762BE5A-FA6C-4B1D-BB06-E300012F84BC}"/>
               </a:ext>
             </a:extLst>
@@ -24814,7 +28615,7 @@
 </p:sld>
 </file>
 
-<file path=ppt/slides/slide14.xml><?xml version="1.0" encoding="utf-8"?>
+<file path=ppt/slides/slide18.xml><?xml version="1.0" encoding="utf-8"?>
 <p:sld xmlns:a="http://schemas.openxmlformats.org/drawingml/2006/main" xmlns:r="http://schemas.openxmlformats.org/officeDocument/2006/relationships" xmlns:p="http://schemas.openxmlformats.org/presentationml/2006/main">
   <p:cSld>
     <p:spTree>
@@ -26248,7 +30049,7 @@
         </p:blipFill>
         <p:spPr>
           <a:xfrm>
-            <a:off x="6096000" y="3297621"/>
+            <a:off x="6096000" y="3686412"/>
             <a:ext cx="3980186" cy="2960264"/>
           </a:xfrm>
           <a:prstGeom prst="rect">
@@ -26289,7 +30090,7 @@
         </p:blipFill>
         <p:spPr>
           <a:xfrm>
-            <a:off x="1524485" y="3297621"/>
+            <a:off x="1606547" y="3686412"/>
             <a:ext cx="3980187" cy="2960264"/>
           </a:xfrm>
           <a:prstGeom prst="rect">

--- a/Presentation.pptx
+++ b/Presentation.pptx
@@ -12894,8 +12894,8 @@
       </dsp:nvSpPr>
       <dsp:spPr>
         <a:xfrm rot="5400000">
-          <a:off x="6100982" y="-2295230"/>
-          <a:ext cx="1477458" cy="6437376"/>
+          <a:off x="6291245" y="-2686381"/>
+          <a:ext cx="703563" cy="6252260"/>
         </a:xfrm>
         <a:prstGeom prst="round2SameRect">
           <a:avLst/>
@@ -12938,12 +12938,12 @@
         <a:fontRef idx="minor"/>
       </dsp:style>
       <dsp:txBody>
-        <a:bodyPr spcFirstLastPara="0" vert="horz" wrap="square" lIns="160020" tIns="80010" rIns="160020" bIns="80010" numCol="1" spcCol="1270" anchor="ctr" anchorCtr="0">
+        <a:bodyPr spcFirstLastPara="0" vert="horz" wrap="square" lIns="114300" tIns="57150" rIns="114300" bIns="57150" numCol="1" spcCol="1270" anchor="ctr" anchorCtr="0">
           <a:noAutofit/>
         </a:bodyPr>
         <a:lstStyle/>
         <a:p>
-          <a:pPr marL="285750" lvl="1" indent="-285750" algn="l" defTabSz="1866900">
+          <a:pPr marL="285750" lvl="1" indent="-285750" algn="l" defTabSz="1333500">
             <a:lnSpc>
               <a:spcPct val="90000"/>
             </a:lnSpc>
@@ -12956,14 +12956,14 @@
             <a:buChar char="•"/>
           </a:pPr>
           <a:r>
-            <a:rPr lang="en-US" sz="4200" kern="1200" dirty="0"/>
+            <a:rPr lang="en-US" sz="3000" kern="1200" dirty="0"/>
             <a:t>Constant that multiplies the L1 term</a:t>
           </a:r>
         </a:p>
       </dsp:txBody>
       <dsp:txXfrm rot="-5400000">
-        <a:off x="3621023" y="256853"/>
-        <a:ext cx="6365252" cy="1333210"/>
+        <a:off x="3516897" y="122312"/>
+        <a:ext cx="6217915" cy="634873"/>
       </dsp:txXfrm>
     </dsp:sp>
     <dsp:sp modelId="{B976DC7D-4135-4E72-A3BF-A8912CBA41E1}">
@@ -12973,8 +12973,8 @@
       </dsp:nvSpPr>
       <dsp:spPr>
         <a:xfrm>
-          <a:off x="0" y="46"/>
-          <a:ext cx="3621024" cy="1846823"/>
+          <a:off x="0" y="22"/>
+          <a:ext cx="3516896" cy="879454"/>
         </a:xfrm>
         <a:prstGeom prst="roundRect">
           <a:avLst/>
@@ -13015,12 +13015,12 @@
         </a:fontRef>
       </dsp:style>
       <dsp:txBody>
-        <a:bodyPr spcFirstLastPara="0" vert="horz" wrap="square" lIns="198120" tIns="99060" rIns="198120" bIns="99060" numCol="1" spcCol="1270" anchor="ctr" anchorCtr="0">
+        <a:bodyPr spcFirstLastPara="0" vert="horz" wrap="square" lIns="167640" tIns="83820" rIns="167640" bIns="83820" numCol="1" spcCol="1270" anchor="ctr" anchorCtr="0">
           <a:noAutofit/>
         </a:bodyPr>
         <a:lstStyle/>
         <a:p>
-          <a:pPr marL="0" lvl="0" indent="0" algn="ctr" defTabSz="2311400">
+          <a:pPr marL="0" lvl="0" indent="0" algn="ctr" defTabSz="1955800">
             <a:lnSpc>
               <a:spcPct val="90000"/>
             </a:lnSpc>
@@ -13033,14 +13033,14 @@
             <a:buNone/>
           </a:pPr>
           <a:r>
-            <a:rPr lang="en-US" sz="5200" kern="1200" dirty="0"/>
+            <a:rPr lang="en-US" sz="4400" kern="1200" dirty="0"/>
             <a:t>Alpha = 0.03</a:t>
           </a:r>
         </a:p>
       </dsp:txBody>
       <dsp:txXfrm>
-        <a:off x="90154" y="90200"/>
-        <a:ext cx="3440716" cy="1666515"/>
+        <a:off x="42931" y="42953"/>
+        <a:ext cx="3431034" cy="793592"/>
       </dsp:txXfrm>
     </dsp:sp>
     <dsp:sp modelId="{79CA73BC-09E8-4230-8F38-FDB274B1A3D4}">
@@ -13050,8 +13050,8 @@
       </dsp:nvSpPr>
       <dsp:spPr>
         <a:xfrm rot="5400000">
-          <a:off x="6100982" y="-356065"/>
-          <a:ext cx="1477458" cy="6437376"/>
+          <a:off x="6291245" y="-1762954"/>
+          <a:ext cx="703563" cy="6252260"/>
         </a:xfrm>
         <a:prstGeom prst="round2SameRect">
           <a:avLst/>
@@ -13094,12 +13094,12 @@
         <a:fontRef idx="minor"/>
       </dsp:style>
       <dsp:txBody>
-        <a:bodyPr spcFirstLastPara="0" vert="horz" wrap="square" lIns="160020" tIns="80010" rIns="160020" bIns="80010" numCol="1" spcCol="1270" anchor="ctr" anchorCtr="0">
+        <a:bodyPr spcFirstLastPara="0" vert="horz" wrap="square" lIns="114300" tIns="57150" rIns="114300" bIns="57150" numCol="1" spcCol="1270" anchor="ctr" anchorCtr="0">
           <a:noAutofit/>
         </a:bodyPr>
         <a:lstStyle/>
         <a:p>
-          <a:pPr marL="285750" lvl="1" indent="-285750" algn="l" defTabSz="1866900">
+          <a:pPr marL="285750" lvl="1" indent="-285750" algn="l" defTabSz="1333500">
             <a:lnSpc>
               <a:spcPct val="90000"/>
             </a:lnSpc>
@@ -13112,14 +13112,14 @@
             <a:buChar char="•"/>
           </a:pPr>
           <a:r>
-            <a:rPr lang="en-US" sz="4200" kern="1200" dirty="0"/>
+            <a:rPr lang="en-US" sz="3000" kern="1200" dirty="0"/>
             <a:t>Stopping point for optimization</a:t>
           </a:r>
         </a:p>
       </dsp:txBody>
       <dsp:txXfrm rot="-5400000">
-        <a:off x="3621023" y="2196018"/>
-        <a:ext cx="6365252" cy="1333210"/>
+        <a:off x="3516897" y="1045739"/>
+        <a:ext cx="6217915" cy="634873"/>
       </dsp:txXfrm>
     </dsp:sp>
     <dsp:sp modelId="{FD699906-6852-46B0-9438-E75740076D22}">
@@ -13129,8 +13129,8 @@
       </dsp:nvSpPr>
       <dsp:spPr>
         <a:xfrm>
-          <a:off x="0" y="1939210"/>
-          <a:ext cx="3621024" cy="1846823"/>
+          <a:off x="0" y="923448"/>
+          <a:ext cx="3516896" cy="879454"/>
         </a:xfrm>
         <a:prstGeom prst="roundRect">
           <a:avLst/>
@@ -13171,12 +13171,12 @@
         </a:fontRef>
       </dsp:style>
       <dsp:txBody>
-        <a:bodyPr spcFirstLastPara="0" vert="horz" wrap="square" lIns="198120" tIns="99060" rIns="198120" bIns="99060" numCol="1" spcCol="1270" anchor="ctr" anchorCtr="0">
+        <a:bodyPr spcFirstLastPara="0" vert="horz" wrap="square" lIns="167640" tIns="83820" rIns="167640" bIns="83820" numCol="1" spcCol="1270" anchor="ctr" anchorCtr="0">
           <a:noAutofit/>
         </a:bodyPr>
         <a:lstStyle/>
         <a:p>
-          <a:pPr marL="0" lvl="0" indent="0" algn="ctr" defTabSz="2311400">
+          <a:pPr marL="0" lvl="0" indent="0" algn="ctr" defTabSz="1955800">
             <a:lnSpc>
               <a:spcPct val="90000"/>
             </a:lnSpc>
@@ -13189,14 +13189,14 @@
             <a:buNone/>
           </a:pPr>
           <a:r>
-            <a:rPr lang="en-US" sz="5200" kern="1200" dirty="0"/>
+            <a:rPr lang="en-US" sz="4400" kern="1200" dirty="0"/>
             <a:t>Tol = 0.01</a:t>
           </a:r>
         </a:p>
       </dsp:txBody>
       <dsp:txXfrm>
-        <a:off x="90154" y="2029364"/>
-        <a:ext cx="3440716" cy="1666515"/>
+        <a:off x="42931" y="966379"/>
+        <a:ext cx="3431034" cy="793592"/>
       </dsp:txXfrm>
     </dsp:sp>
   </dsp:spTree>
@@ -29959,7 +29959,7 @@
           <a:p>
             <a:r>
               <a:rPr lang="en-US" dirty="0"/>
-              <a:t>Feature Selection (Lasso/Logistic Model)</a:t>
+              <a:t>Feature Selection (Lasso)</a:t>
             </a:r>
           </a:p>
         </p:txBody>
@@ -30023,10 +30023,10 @@
       </p:sp>
       <p:pic>
         <p:nvPicPr>
-          <p:cNvPr id="7" name="Picture 6" descr="A screenshot of a cell phone&#10;&#10;Description automatically generated">
+          <p:cNvPr id="6" name="Picture 5" descr="A screenshot of a cell phone&#10;&#10;Description automatically generated">
             <a:extLst>
               <a:ext uri="{FF2B5EF4-FFF2-40B4-BE49-F238E27FC236}">
-                <a16:creationId xmlns:a16="http://schemas.microsoft.com/office/drawing/2014/main" id="{70E5D0F1-C82B-4EC0-B8B9-A73D890431C6}"/>
+                <a16:creationId xmlns:a16="http://schemas.microsoft.com/office/drawing/2014/main" id="{AAE2251A-A931-4EEF-B6A3-42CDBB40ABA9}"/>
               </a:ext>
             </a:extLst>
           </p:cNvPr>
@@ -30049,49 +30049,8 @@
         </p:blipFill>
         <p:spPr>
           <a:xfrm>
-            <a:off x="6096000" y="3686412"/>
-            <a:ext cx="3980186" cy="2960264"/>
-          </a:xfrm>
-          <a:prstGeom prst="rect">
-            <a:avLst/>
-          </a:prstGeom>
-          <a:ln>
-            <a:solidFill>
-              <a:schemeClr val="accent1"/>
-            </a:solidFill>
-          </a:ln>
-        </p:spPr>
-      </p:pic>
-      <p:pic>
-        <p:nvPicPr>
-          <p:cNvPr id="6" name="Picture 5" descr="A screenshot of a cell phone&#10;&#10;Description automatically generated">
-            <a:extLst>
-              <a:ext uri="{FF2B5EF4-FFF2-40B4-BE49-F238E27FC236}">
-                <a16:creationId xmlns:a16="http://schemas.microsoft.com/office/drawing/2014/main" id="{AAE2251A-A931-4EEF-B6A3-42CDBB40ABA9}"/>
-              </a:ext>
-            </a:extLst>
-          </p:cNvPr>
-          <p:cNvPicPr>
-            <a:picLocks noChangeAspect="1"/>
-          </p:cNvPicPr>
-          <p:nvPr/>
-        </p:nvPicPr>
-        <p:blipFill>
-          <a:blip r:embed="rId3">
-            <a:extLst>
-              <a:ext uri="{28A0092B-C50C-407E-A947-70E740481C1C}">
-                <a14:useLocalDpi xmlns:a14="http://schemas.microsoft.com/office/drawing/2010/main" val="0"/>
-              </a:ext>
-            </a:extLst>
-          </a:blip>
-          <a:stretch>
-            <a:fillRect/>
-          </a:stretch>
-        </p:blipFill>
-        <p:spPr>
-          <a:xfrm>
-            <a:off x="1606547" y="3686412"/>
-            <a:ext cx="3980187" cy="2960264"/>
+            <a:off x="7101841" y="2428050"/>
+            <a:ext cx="4626614" cy="3441044"/>
           </a:xfrm>
           <a:prstGeom prst="rect">
             <a:avLst/>
@@ -30184,14 +30143,14 @@
             <p:ph idx="1"/>
             <p:extLst>
               <p:ext uri="{D42A27DB-BD31-4B8C-83A1-F6EECF244321}">
-                <p14:modId xmlns:p14="http://schemas.microsoft.com/office/powerpoint/2010/main" val="1198151128"/>
+                <p14:modId xmlns:p14="http://schemas.microsoft.com/office/powerpoint/2010/main" val="1442412406"/>
               </p:ext>
             </p:extLst>
           </p:nvPr>
         </p:nvGraphicFramePr>
         <p:xfrm>
           <a:off x="1096963" y="2098515"/>
-          <a:ext cx="10058400" cy="3786080"/>
+          <a:ext cx="9769157" cy="1802925"/>
         </p:xfrm>
         <a:graphic>
           <a:graphicData uri="http://schemas.openxmlformats.org/drawingml/2006/diagram">
@@ -30199,6 +30158,88 @@
           </a:graphicData>
         </a:graphic>
       </p:graphicFrame>
+      <p:pic>
+        <p:nvPicPr>
+          <p:cNvPr id="4" name="Picture 3" descr="A screenshot of a cell phone&#10;&#10;Description automatically generated">
+            <a:extLst>
+              <a:ext uri="{FF2B5EF4-FFF2-40B4-BE49-F238E27FC236}">
+                <a16:creationId xmlns:a16="http://schemas.microsoft.com/office/drawing/2014/main" id="{31418438-4840-445F-9BB6-CFACCE74F7AC}"/>
+              </a:ext>
+            </a:extLst>
+          </p:cNvPr>
+          <p:cNvPicPr>
+            <a:picLocks noChangeAspect="1"/>
+          </p:cNvPicPr>
+          <p:nvPr/>
+        </p:nvPicPr>
+        <p:blipFill>
+          <a:blip r:embed="rId8">
+            <a:extLst>
+              <a:ext uri="{28A0092B-C50C-407E-A947-70E740481C1C}">
+                <a14:useLocalDpi xmlns:a14="http://schemas.microsoft.com/office/drawing/2010/main" val="0"/>
+              </a:ext>
+            </a:extLst>
+          </a:blip>
+          <a:stretch>
+            <a:fillRect/>
+          </a:stretch>
+        </p:blipFill>
+        <p:spPr>
+          <a:xfrm>
+            <a:off x="2736028" y="3901439"/>
+            <a:ext cx="3100898" cy="2306293"/>
+          </a:xfrm>
+          <a:prstGeom prst="rect">
+            <a:avLst/>
+          </a:prstGeom>
+          <a:ln>
+            <a:solidFill>
+              <a:schemeClr val="accent1"/>
+            </a:solidFill>
+          </a:ln>
+        </p:spPr>
+      </p:pic>
+      <p:pic>
+        <p:nvPicPr>
+          <p:cNvPr id="7" name="Picture 6" descr="A screenshot of a social media post&#10;&#10;Description automatically generated">
+            <a:extLst>
+              <a:ext uri="{FF2B5EF4-FFF2-40B4-BE49-F238E27FC236}">
+                <a16:creationId xmlns:a16="http://schemas.microsoft.com/office/drawing/2014/main" id="{A060C59A-AF57-4F13-9023-205C2DB9F26F}"/>
+              </a:ext>
+            </a:extLst>
+          </p:cNvPr>
+          <p:cNvPicPr>
+            <a:picLocks noChangeAspect="1"/>
+          </p:cNvPicPr>
+          <p:nvPr/>
+        </p:nvPicPr>
+        <p:blipFill>
+          <a:blip r:embed="rId9">
+            <a:extLst>
+              <a:ext uri="{28A0092B-C50C-407E-A947-70E740481C1C}">
+                <a14:useLocalDpi xmlns:a14="http://schemas.microsoft.com/office/drawing/2010/main" val="0"/>
+              </a:ext>
+            </a:extLst>
+          </a:blip>
+          <a:stretch>
+            <a:fillRect/>
+          </a:stretch>
+        </p:blipFill>
+        <p:spPr>
+          <a:xfrm>
+            <a:off x="8054782" y="3901440"/>
+            <a:ext cx="3100898" cy="2306293"/>
+          </a:xfrm>
+          <a:prstGeom prst="rect">
+            <a:avLst/>
+          </a:prstGeom>
+          <a:ln>
+            <a:solidFill>
+              <a:schemeClr val="accent1"/>
+            </a:solidFill>
+          </a:ln>
+        </p:spPr>
+      </p:pic>
     </p:spTree>
     <p:extLst>
       <p:ext uri="{BB962C8B-B14F-4D97-AF65-F5344CB8AC3E}">

--- a/Presentation.pptx
+++ b/Presentation.pptx
@@ -10303,14 +10303,14 @@
       </dgm:t>
     </dgm:pt>
     <dgm:pt modelId="{6AC3D095-5DFE-415A-A934-935527597637}">
-      <dgm:prSet/>
+      <dgm:prSet custT="1"/>
       <dgm:spPr/>
       <dgm:t>
         <a:bodyPr/>
         <a:lstStyle/>
         <a:p>
           <a:r>
-            <a:rPr lang="en-US" dirty="0"/>
+            <a:rPr lang="en-US" sz="2800" dirty="0"/>
             <a:t>Alpha = 0.03</a:t>
           </a:r>
         </a:p>
@@ -10375,14 +10375,14 @@
       </dgm:t>
     </dgm:pt>
     <dgm:pt modelId="{07F52ADF-62E0-4354-9531-6ED965911416}">
-      <dgm:prSet/>
+      <dgm:prSet custT="1"/>
       <dgm:spPr/>
       <dgm:t>
         <a:bodyPr/>
         <a:lstStyle/>
         <a:p>
           <a:r>
-            <a:rPr lang="en-US" dirty="0"/>
+            <a:rPr lang="en-US" sz="2800" dirty="0"/>
             <a:t>Tol = 0.01</a:t>
           </a:r>
         </a:p>
@@ -10436,6 +10436,78 @@
       </dgm:t>
     </dgm:pt>
     <dgm:pt modelId="{4A3469C3-6988-4C05-BB39-A31143169AA5}" type="sibTrans" cxnId="{B7B8EF18-0AB1-44B9-A15A-223414ECF3BB}">
+      <dgm:prSet/>
+      <dgm:spPr/>
+      <dgm:t>
+        <a:bodyPr/>
+        <a:lstStyle/>
+        <a:p>
+          <a:endParaRPr lang="en-US"/>
+        </a:p>
+      </dgm:t>
+    </dgm:pt>
+    <dgm:pt modelId="{AE7EE5D7-6085-46BC-8797-9C1D2580EE2B}">
+      <dgm:prSet/>
+      <dgm:spPr/>
+      <dgm:t>
+        <a:bodyPr/>
+        <a:lstStyle/>
+        <a:p>
+          <a:r>
+            <a:rPr lang="en-US" dirty="0"/>
+            <a:t>Modifies the number of parameters that are selected</a:t>
+          </a:r>
+        </a:p>
+      </dgm:t>
+    </dgm:pt>
+    <dgm:pt modelId="{4C7CBB7F-0051-4CEE-A7AA-FDE6695A28E9}" type="parTrans" cxnId="{7A344852-B5A1-4120-AD5F-925CCDD56147}">
+      <dgm:prSet/>
+      <dgm:spPr/>
+      <dgm:t>
+        <a:bodyPr/>
+        <a:lstStyle/>
+        <a:p>
+          <a:endParaRPr lang="en-US"/>
+        </a:p>
+      </dgm:t>
+    </dgm:pt>
+    <dgm:pt modelId="{3D3C3DF2-B015-4678-B2F4-357E5F968FE6}" type="sibTrans" cxnId="{7A344852-B5A1-4120-AD5F-925CCDD56147}">
+      <dgm:prSet/>
+      <dgm:spPr/>
+      <dgm:t>
+        <a:bodyPr/>
+        <a:lstStyle/>
+        <a:p>
+          <a:endParaRPr lang="en-US"/>
+        </a:p>
+      </dgm:t>
+    </dgm:pt>
+    <dgm:pt modelId="{A5E073CB-4F2F-4640-8192-7CE0655849B7}">
+      <dgm:prSet/>
+      <dgm:spPr/>
+      <dgm:t>
+        <a:bodyPr/>
+        <a:lstStyle/>
+        <a:p>
+          <a:r>
+            <a:rPr lang="en-US" dirty="0"/>
+            <a:t>When specified number is reached, regression is stopped</a:t>
+          </a:r>
+        </a:p>
+      </dgm:t>
+    </dgm:pt>
+    <dgm:pt modelId="{BA1EA0E9-5821-418D-AC57-8122F9828672}" type="parTrans" cxnId="{0EEDAB0F-B393-4B69-BA58-2DD19390EA2D}">
+      <dgm:prSet/>
+      <dgm:spPr/>
+      <dgm:t>
+        <a:bodyPr/>
+        <a:lstStyle/>
+        <a:p>
+          <a:endParaRPr lang="en-US"/>
+        </a:p>
+      </dgm:t>
+    </dgm:pt>
+    <dgm:pt modelId="{22C78C78-ACA2-4304-8810-922BC46C94CB}" type="sibTrans" cxnId="{0EEDAB0F-B393-4B69-BA58-2DD19390EA2D}">
       <dgm:prSet/>
       <dgm:spPr/>
       <dgm:t>
@@ -10504,11 +10576,15 @@
     </dgm:pt>
   </dgm:ptLst>
   <dgm:cxnLst>
+    <dgm:cxn modelId="{01D79606-87F6-4199-A7BE-82FC45775C8F}" type="presOf" srcId="{AE7EE5D7-6085-46BC-8797-9C1D2580EE2B}" destId="{7FE38C19-5E1D-4CE1-BB70-B050515E3021}" srcOrd="0" destOrd="1" presId="urn:microsoft.com/office/officeart/2005/8/layout/vList5"/>
+    <dgm:cxn modelId="{0EEDAB0F-B393-4B69-BA58-2DD19390EA2D}" srcId="{07F52ADF-62E0-4354-9531-6ED965911416}" destId="{A5E073CB-4F2F-4640-8192-7CE0655849B7}" srcOrd="1" destOrd="0" parTransId="{BA1EA0E9-5821-418D-AC57-8122F9828672}" sibTransId="{22C78C78-ACA2-4304-8810-922BC46C94CB}"/>
     <dgm:cxn modelId="{6962C110-F9E4-4845-9A54-F986EBD0910A}" type="presOf" srcId="{B9C47E92-8921-4424-A55D-38F615131548}" destId="{79CA73BC-09E8-4230-8F38-FDB274B1A3D4}" srcOrd="0" destOrd="0" presId="urn:microsoft.com/office/officeart/2005/8/layout/vList5"/>
     <dgm:cxn modelId="{B7B8EF18-0AB1-44B9-A15A-223414ECF3BB}" srcId="{07F52ADF-62E0-4354-9531-6ED965911416}" destId="{B9C47E92-8921-4424-A55D-38F615131548}" srcOrd="0" destOrd="0" parTransId="{D82A3C91-7E6D-4A19-A278-A419A3DB5B2F}" sibTransId="{4A3469C3-6988-4C05-BB39-A31143169AA5}"/>
     <dgm:cxn modelId="{1D4B6F3E-CABE-4360-8753-C406CD82F416}" srcId="{B8FDDA35-78CB-4101-98B5-BB8EA10A3CBC}" destId="{07F52ADF-62E0-4354-9531-6ED965911416}" srcOrd="1" destOrd="0" parTransId="{4D2CBEC2-5400-4E14-A009-7774EBD74DFE}" sibTransId="{B4C1A31E-4061-4A3F-8F95-8740B7F8E13E}"/>
     <dgm:cxn modelId="{DAC0774A-DD71-447D-9D9B-B53167CC737A}" srcId="{B8FDDA35-78CB-4101-98B5-BB8EA10A3CBC}" destId="{6AC3D095-5DFE-415A-A934-935527597637}" srcOrd="0" destOrd="0" parTransId="{FF95B982-9EB7-4DA4-BB35-EEB27A2E947A}" sibTransId="{C088D78A-91A4-4B33-909D-9B22E4A5C80D}"/>
+    <dgm:cxn modelId="{7A344852-B5A1-4120-AD5F-925CCDD56147}" srcId="{6AC3D095-5DFE-415A-A934-935527597637}" destId="{AE7EE5D7-6085-46BC-8797-9C1D2580EE2B}" srcOrd="1" destOrd="0" parTransId="{4C7CBB7F-0051-4CEE-A7AA-FDE6695A28E9}" sibTransId="{3D3C3DF2-B015-4678-B2F4-357E5F968FE6}"/>
     <dgm:cxn modelId="{E9576FB1-6789-4D8F-A649-7B5F8532AA64}" srcId="{6AC3D095-5DFE-415A-A934-935527597637}" destId="{5D27B477-9C5E-41CB-962A-D8FC7BBE5185}" srcOrd="0" destOrd="0" parTransId="{352D04C3-FFBC-48F2-9BAE-14EC0FF4DD79}" sibTransId="{07ED7F11-47B4-40FC-973D-261205971E8D}"/>
+    <dgm:cxn modelId="{03C7CCB9-DF37-432E-BE39-587533BEE815}" type="presOf" srcId="{A5E073CB-4F2F-4640-8192-7CE0655849B7}" destId="{79CA73BC-09E8-4230-8F38-FDB274B1A3D4}" srcOrd="0" destOrd="1" presId="urn:microsoft.com/office/officeart/2005/8/layout/vList5"/>
     <dgm:cxn modelId="{8E408DBC-90B5-4690-A2C0-582E3B4FDAAE}" type="presOf" srcId="{07F52ADF-62E0-4354-9531-6ED965911416}" destId="{FD699906-6852-46B0-9438-E75740076D22}" srcOrd="0" destOrd="0" presId="urn:microsoft.com/office/officeart/2005/8/layout/vList5"/>
     <dgm:cxn modelId="{F4DDE5BD-AD51-4CD1-8814-A4F18F9CD973}" type="presOf" srcId="{B8FDDA35-78CB-4101-98B5-BB8EA10A3CBC}" destId="{05A8050B-1EB3-4142-B6BB-96D467F42BD6}" srcOrd="0" destOrd="0" presId="urn:microsoft.com/office/officeart/2005/8/layout/vList5"/>
     <dgm:cxn modelId="{A51D29C1-01F2-413B-AAF8-06A127EA092D}" type="presOf" srcId="{5D27B477-9C5E-41CB-962A-D8FC7BBE5185}" destId="{7FE38C19-5E1D-4CE1-BB70-B050515E3021}" srcOrd="0" destOrd="0" presId="urn:microsoft.com/office/officeart/2005/8/layout/vList5"/>
@@ -12894,8 +12970,8 @@
       </dsp:nvSpPr>
       <dsp:spPr>
         <a:xfrm rot="5400000">
-          <a:off x="6291245" y="-2686381"/>
-          <a:ext cx="703563" cy="6252260"/>
+          <a:off x="3923953" y="-1294221"/>
+          <a:ext cx="1417223" cy="4360062"/>
         </a:xfrm>
         <a:prstGeom prst="round2SameRect">
           <a:avLst/>
@@ -12938,12 +13014,12 @@
         <a:fontRef idx="minor"/>
       </dsp:style>
       <dsp:txBody>
-        <a:bodyPr spcFirstLastPara="0" vert="horz" wrap="square" lIns="114300" tIns="57150" rIns="114300" bIns="57150" numCol="1" spcCol="1270" anchor="ctr" anchorCtr="0">
+        <a:bodyPr spcFirstLastPara="0" vert="horz" wrap="square" lIns="76200" tIns="38100" rIns="76200" bIns="38100" numCol="1" spcCol="1270" anchor="ctr" anchorCtr="0">
           <a:noAutofit/>
         </a:bodyPr>
         <a:lstStyle/>
         <a:p>
-          <a:pPr marL="285750" lvl="1" indent="-285750" algn="l" defTabSz="1333500">
+          <a:pPr marL="228600" lvl="1" indent="-228600" algn="l" defTabSz="889000">
             <a:lnSpc>
               <a:spcPct val="90000"/>
             </a:lnSpc>
@@ -12956,14 +13032,32 @@
             <a:buChar char="•"/>
           </a:pPr>
           <a:r>
-            <a:rPr lang="en-US" sz="3000" kern="1200" dirty="0"/>
+            <a:rPr lang="en-US" sz="2000" kern="1200" dirty="0"/>
             <a:t>Constant that multiplies the L1 term</a:t>
+          </a:r>
+        </a:p>
+        <a:p>
+          <a:pPr marL="228600" lvl="1" indent="-228600" algn="l" defTabSz="889000">
+            <a:lnSpc>
+              <a:spcPct val="90000"/>
+            </a:lnSpc>
+            <a:spcBef>
+              <a:spcPct val="0"/>
+            </a:spcBef>
+            <a:spcAft>
+              <a:spcPct val="15000"/>
+            </a:spcAft>
+            <a:buChar char="•"/>
+          </a:pPr>
+          <a:r>
+            <a:rPr lang="en-US" sz="2000" kern="1200" dirty="0"/>
+            <a:t>Modifies the number of parameters that are selected</a:t>
           </a:r>
         </a:p>
       </dsp:txBody>
       <dsp:txXfrm rot="-5400000">
-        <a:off x="3516897" y="122312"/>
-        <a:ext cx="6217915" cy="634873"/>
+        <a:off x="2452534" y="246381"/>
+        <a:ext cx="4290879" cy="1278857"/>
       </dsp:txXfrm>
     </dsp:sp>
     <dsp:sp modelId="{B976DC7D-4135-4E72-A3BF-A8912CBA41E1}">
@@ -12973,8 +13067,8 @@
       </dsp:nvSpPr>
       <dsp:spPr>
         <a:xfrm>
-          <a:off x="0" y="22"/>
-          <a:ext cx="3516896" cy="879454"/>
+          <a:off x="0" y="44"/>
+          <a:ext cx="2452534" cy="1771529"/>
         </a:xfrm>
         <a:prstGeom prst="roundRect">
           <a:avLst/>
@@ -13015,12 +13109,12 @@
         </a:fontRef>
       </dsp:style>
       <dsp:txBody>
-        <a:bodyPr spcFirstLastPara="0" vert="horz" wrap="square" lIns="167640" tIns="83820" rIns="167640" bIns="83820" numCol="1" spcCol="1270" anchor="ctr" anchorCtr="0">
+        <a:bodyPr spcFirstLastPara="0" vert="horz" wrap="square" lIns="106680" tIns="53340" rIns="106680" bIns="53340" numCol="1" spcCol="1270" anchor="ctr" anchorCtr="0">
           <a:noAutofit/>
         </a:bodyPr>
         <a:lstStyle/>
         <a:p>
-          <a:pPr marL="0" lvl="0" indent="0" algn="ctr" defTabSz="1955800">
+          <a:pPr marL="0" lvl="0" indent="0" algn="ctr" defTabSz="1244600">
             <a:lnSpc>
               <a:spcPct val="90000"/>
             </a:lnSpc>
@@ -13033,14 +13127,14 @@
             <a:buNone/>
           </a:pPr>
           <a:r>
-            <a:rPr lang="en-US" sz="4400" kern="1200" dirty="0"/>
+            <a:rPr lang="en-US" sz="2800" kern="1200" dirty="0"/>
             <a:t>Alpha = 0.03</a:t>
           </a:r>
         </a:p>
       </dsp:txBody>
       <dsp:txXfrm>
-        <a:off x="42931" y="42953"/>
-        <a:ext cx="3431034" cy="793592"/>
+        <a:off x="86479" y="86523"/>
+        <a:ext cx="2279576" cy="1598571"/>
       </dsp:txXfrm>
     </dsp:sp>
     <dsp:sp modelId="{79CA73BC-09E8-4230-8F38-FDB274B1A3D4}">
@@ -13050,8 +13144,8 @@
       </dsp:nvSpPr>
       <dsp:spPr>
         <a:xfrm rot="5400000">
-          <a:off x="6291245" y="-1762954"/>
-          <a:ext cx="703563" cy="6252260"/>
+          <a:off x="3923953" y="565884"/>
+          <a:ext cx="1417223" cy="4360062"/>
         </a:xfrm>
         <a:prstGeom prst="round2SameRect">
           <a:avLst/>
@@ -13094,12 +13188,12 @@
         <a:fontRef idx="minor"/>
       </dsp:style>
       <dsp:txBody>
-        <a:bodyPr spcFirstLastPara="0" vert="horz" wrap="square" lIns="114300" tIns="57150" rIns="114300" bIns="57150" numCol="1" spcCol="1270" anchor="ctr" anchorCtr="0">
+        <a:bodyPr spcFirstLastPara="0" vert="horz" wrap="square" lIns="76200" tIns="38100" rIns="76200" bIns="38100" numCol="1" spcCol="1270" anchor="ctr" anchorCtr="0">
           <a:noAutofit/>
         </a:bodyPr>
         <a:lstStyle/>
         <a:p>
-          <a:pPr marL="285750" lvl="1" indent="-285750" algn="l" defTabSz="1333500">
+          <a:pPr marL="228600" lvl="1" indent="-228600" algn="l" defTabSz="889000">
             <a:lnSpc>
               <a:spcPct val="90000"/>
             </a:lnSpc>
@@ -13112,14 +13206,32 @@
             <a:buChar char="•"/>
           </a:pPr>
           <a:r>
-            <a:rPr lang="en-US" sz="3000" kern="1200" dirty="0"/>
+            <a:rPr lang="en-US" sz="2000" kern="1200" dirty="0"/>
             <a:t>Stopping point for optimization</a:t>
+          </a:r>
+        </a:p>
+        <a:p>
+          <a:pPr marL="228600" lvl="1" indent="-228600" algn="l" defTabSz="889000">
+            <a:lnSpc>
+              <a:spcPct val="90000"/>
+            </a:lnSpc>
+            <a:spcBef>
+              <a:spcPct val="0"/>
+            </a:spcBef>
+            <a:spcAft>
+              <a:spcPct val="15000"/>
+            </a:spcAft>
+            <a:buChar char="•"/>
+          </a:pPr>
+          <a:r>
+            <a:rPr lang="en-US" sz="2000" kern="1200" dirty="0"/>
+            <a:t>When specified number is reached, regression is stopped</a:t>
           </a:r>
         </a:p>
       </dsp:txBody>
       <dsp:txXfrm rot="-5400000">
-        <a:off x="3516897" y="1045739"/>
-        <a:ext cx="6217915" cy="634873"/>
+        <a:off x="2452534" y="2106487"/>
+        <a:ext cx="4290879" cy="1278857"/>
       </dsp:txXfrm>
     </dsp:sp>
     <dsp:sp modelId="{FD699906-6852-46B0-9438-E75740076D22}">
@@ -13129,8 +13241,8 @@
       </dsp:nvSpPr>
       <dsp:spPr>
         <a:xfrm>
-          <a:off x="0" y="923448"/>
-          <a:ext cx="3516896" cy="879454"/>
+          <a:off x="0" y="1860150"/>
+          <a:ext cx="2452534" cy="1771529"/>
         </a:xfrm>
         <a:prstGeom prst="roundRect">
           <a:avLst/>
@@ -13171,12 +13283,12 @@
         </a:fontRef>
       </dsp:style>
       <dsp:txBody>
-        <a:bodyPr spcFirstLastPara="0" vert="horz" wrap="square" lIns="167640" tIns="83820" rIns="167640" bIns="83820" numCol="1" spcCol="1270" anchor="ctr" anchorCtr="0">
+        <a:bodyPr spcFirstLastPara="0" vert="horz" wrap="square" lIns="106680" tIns="53340" rIns="106680" bIns="53340" numCol="1" spcCol="1270" anchor="ctr" anchorCtr="0">
           <a:noAutofit/>
         </a:bodyPr>
         <a:lstStyle/>
         <a:p>
-          <a:pPr marL="0" lvl="0" indent="0" algn="ctr" defTabSz="1955800">
+          <a:pPr marL="0" lvl="0" indent="0" algn="ctr" defTabSz="1244600">
             <a:lnSpc>
               <a:spcPct val="90000"/>
             </a:lnSpc>
@@ -13189,14 +13301,14 @@
             <a:buNone/>
           </a:pPr>
           <a:r>
-            <a:rPr lang="en-US" sz="4400" kern="1200" dirty="0"/>
+            <a:rPr lang="en-US" sz="2800" kern="1200" dirty="0"/>
             <a:t>Tol = 0.01</a:t>
           </a:r>
         </a:p>
       </dsp:txBody>
       <dsp:txXfrm>
-        <a:off x="42931" y="966379"/>
-        <a:ext cx="3431034" cy="793592"/>
+        <a:off x="86479" y="1946629"/>
+        <a:ext cx="2279576" cy="1598571"/>
       </dsp:txXfrm>
     </dsp:sp>
   </dsp:spTree>
@@ -22782,7 +22894,7 @@
           <a:p>
             <a:fld id="{73725B04-4458-4150-9CFF-8486B58F8074}" type="datetimeFigureOut">
               <a:rPr lang="en-US" smtClean="0"/>
-              <a:t>11/12/2019</a:t>
+              <a:t>11/13/2019</a:t>
             </a:fld>
             <a:endParaRPr lang="en-US"/>
           </a:p>
@@ -23911,7 +24023,7 @@
           <a:p>
             <a:fld id="{FBA2DA08-F561-4012-B600-F674700837C3}" type="datetimeFigureOut">
               <a:rPr lang="en-US" smtClean="0"/>
-              <a:t>11/12/2019</a:t>
+              <a:t>11/13/2019</a:t>
             </a:fld>
             <a:endParaRPr lang="en-US"/>
           </a:p>
@@ -24119,7 +24231,7 @@
           <a:p>
             <a:fld id="{FBA2DA08-F561-4012-B600-F674700837C3}" type="datetimeFigureOut">
               <a:rPr lang="en-US" smtClean="0"/>
-              <a:t>11/12/2019</a:t>
+              <a:t>11/13/2019</a:t>
             </a:fld>
             <a:endParaRPr lang="en-US"/>
           </a:p>
@@ -24375,7 +24487,7 @@
           <a:p>
             <a:fld id="{FBA2DA08-F561-4012-B600-F674700837C3}" type="datetimeFigureOut">
               <a:rPr lang="en-US" smtClean="0"/>
-              <a:t>11/12/2019</a:t>
+              <a:t>11/13/2019</a:t>
             </a:fld>
             <a:endParaRPr lang="en-US"/>
           </a:p>
@@ -24549,7 +24661,7 @@
           <a:p>
             <a:fld id="{FBA2DA08-F561-4012-B600-F674700837C3}" type="datetimeFigureOut">
               <a:rPr lang="en-US" smtClean="0"/>
-              <a:t>11/12/2019</a:t>
+              <a:t>11/13/2019</a:t>
             </a:fld>
             <a:endParaRPr lang="en-US"/>
           </a:p>
@@ -24892,7 +25004,7 @@
           <a:p>
             <a:fld id="{FBA2DA08-F561-4012-B600-F674700837C3}" type="datetimeFigureOut">
               <a:rPr lang="en-US" smtClean="0"/>
-              <a:t>11/12/2019</a:t>
+              <a:t>11/13/2019</a:t>
             </a:fld>
             <a:endParaRPr lang="en-US"/>
           </a:p>
@@ -25167,7 +25279,7 @@
           <a:p>
             <a:fld id="{FBA2DA08-F561-4012-B600-F674700837C3}" type="datetimeFigureOut">
               <a:rPr lang="en-US" smtClean="0"/>
-              <a:t>11/12/2019</a:t>
+              <a:t>11/13/2019</a:t>
             </a:fld>
             <a:endParaRPr lang="en-US"/>
           </a:p>
@@ -25546,7 +25658,7 @@
           <a:p>
             <a:fld id="{FBA2DA08-F561-4012-B600-F674700837C3}" type="datetimeFigureOut">
               <a:rPr lang="en-US" smtClean="0"/>
-              <a:t>11/12/2019</a:t>
+              <a:t>11/13/2019</a:t>
             </a:fld>
             <a:endParaRPr lang="en-US"/>
           </a:p>
@@ -25664,7 +25776,7 @@
           <a:p>
             <a:fld id="{FBA2DA08-F561-4012-B600-F674700837C3}" type="datetimeFigureOut">
               <a:rPr lang="en-US" smtClean="0"/>
-              <a:t>11/12/2019</a:t>
+              <a:t>11/13/2019</a:t>
             </a:fld>
             <a:endParaRPr lang="en-US"/>
           </a:p>
@@ -25835,7 +25947,7 @@
           <a:p>
             <a:fld id="{FBA2DA08-F561-4012-B600-F674700837C3}" type="datetimeFigureOut">
               <a:rPr lang="en-US" smtClean="0"/>
-              <a:t>11/12/2019</a:t>
+              <a:t>11/13/2019</a:t>
             </a:fld>
             <a:endParaRPr lang="en-US"/>
           </a:p>
@@ -26189,7 +26301,7 @@
           <a:p>
             <a:fld id="{FBA2DA08-F561-4012-B600-F674700837C3}" type="datetimeFigureOut">
               <a:rPr lang="en-US" smtClean="0"/>
-              <a:t>11/12/2019</a:t>
+              <a:t>11/13/2019</a:t>
             </a:fld>
             <a:endParaRPr lang="en-US"/>
           </a:p>
@@ -26571,7 +26683,7 @@
           <a:p>
             <a:fld id="{FBA2DA08-F561-4012-B600-F674700837C3}" type="datetimeFigureOut">
               <a:rPr lang="en-US" smtClean="0"/>
-              <a:t>11/12/2019</a:t>
+              <a:t>11/13/2019</a:t>
             </a:fld>
             <a:endParaRPr lang="en-US"/>
           </a:p>
@@ -26858,7 +26970,7 @@
           <a:p>
             <a:fld id="{FBA2DA08-F561-4012-B600-F674700837C3}" type="datetimeFigureOut">
               <a:rPr lang="en-US" smtClean="0"/>
-              <a:t>11/12/2019</a:t>
+              <a:t>11/13/2019</a:t>
             </a:fld>
             <a:endParaRPr lang="en-US"/>
           </a:p>
@@ -28466,9 +28578,10 @@
           <a:bodyPr/>
           <a:lstStyle/>
           <a:p>
+            <a:pPr algn="ctr"/>
             <a:r>
               <a:rPr lang="en-US" dirty="0"/>
-              <a:t>Thanks</a:t>
+              <a:t>Thank You</a:t>
             </a:r>
           </a:p>
         </p:txBody>
@@ -28489,16 +28602,23 @@
             <p:ph idx="1"/>
           </p:nvPr>
         </p:nvSpPr>
-        <p:spPr/>
+        <p:spPr>
+          <a:xfrm>
+            <a:off x="1097280" y="3429000"/>
+            <a:ext cx="10058400" cy="2440094"/>
+          </a:xfrm>
+        </p:spPr>
         <p:txBody>
-          <a:bodyPr/>
+          <a:bodyPr>
+            <a:normAutofit/>
+          </a:bodyPr>
           <a:lstStyle/>
           <a:p>
+            <a:pPr algn="ctr"/>
             <a:r>
-              <a:rPr lang="en-US"/>
-              <a:t>Questions</a:t>
+              <a:rPr lang="en-US" sz="6000" dirty="0"/>
+              <a:t>Questions?</a:t>
             </a:r>
-            <a:endParaRPr lang="en-US" dirty="0"/>
           </a:p>
         </p:txBody>
       </p:sp>
@@ -30143,14 +30263,14 @@
             <p:ph idx="1"/>
             <p:extLst>
               <p:ext uri="{D42A27DB-BD31-4B8C-83A1-F6EECF244321}">
-                <p14:modId xmlns:p14="http://schemas.microsoft.com/office/powerpoint/2010/main" val="1442412406"/>
+                <p14:modId xmlns:p14="http://schemas.microsoft.com/office/powerpoint/2010/main" val="117965633"/>
               </p:ext>
             </p:extLst>
           </p:nvPr>
         </p:nvGraphicFramePr>
         <p:xfrm>
           <a:off x="1096963" y="2098515"/>
-          <a:ext cx="9769157" cy="1802925"/>
+          <a:ext cx="6812597" cy="3631725"/>
         </p:xfrm>
         <a:graphic>
           <a:graphicData uri="http://schemas.openxmlformats.org/drawingml/2006/diagram">
@@ -30186,7 +30306,7 @@
         </p:blipFill>
         <p:spPr>
           <a:xfrm>
-            <a:off x="2736028" y="3901439"/>
+            <a:off x="8054782" y="1666254"/>
             <a:ext cx="3100898" cy="2306293"/>
           </a:xfrm>
           <a:prstGeom prst="rect">
@@ -30227,7 +30347,7 @@
         </p:blipFill>
         <p:spPr>
           <a:xfrm>
-            <a:off x="8054782" y="3901440"/>
+            <a:off x="8054782" y="4038599"/>
             <a:ext cx="3100898" cy="2306293"/>
           </a:xfrm>
           <a:prstGeom prst="rect">

--- a/Presentation.pptx
+++ b/Presentation.pptx
@@ -8370,6 +8370,788 @@
 </file>
 
 <file path=ppt/diagrams/colors7.xml><?xml version="1.0" encoding="utf-8"?>
+<dgm:colorsDef xmlns:dgm="http://schemas.openxmlformats.org/drawingml/2006/diagram" xmlns:a="http://schemas.openxmlformats.org/drawingml/2006/main" uniqueId="urn:microsoft.com/office/officeart/2005/8/colors/colorful2">
+  <dgm:title val=""/>
+  <dgm:desc val=""/>
+  <dgm:catLst>
+    <dgm:cat type="colorful" pri="10200"/>
+  </dgm:catLst>
+  <dgm:styleLbl name="node0">
+    <dgm:fillClrLst meth="repeat">
+      <a:schemeClr val="accent1"/>
+    </dgm:fillClrLst>
+    <dgm:linClrLst meth="repeat">
+      <a:schemeClr val="lt1"/>
+    </dgm:linClrLst>
+    <dgm:effectClrLst/>
+    <dgm:txLinClrLst/>
+    <dgm:txFillClrLst/>
+    <dgm:txEffectClrLst/>
+  </dgm:styleLbl>
+  <dgm:styleLbl name="node1">
+    <dgm:fillClrLst>
+      <a:schemeClr val="accent2"/>
+      <a:schemeClr val="accent3"/>
+    </dgm:fillClrLst>
+    <dgm:linClrLst meth="repeat">
+      <a:schemeClr val="lt1"/>
+    </dgm:linClrLst>
+    <dgm:effectClrLst/>
+    <dgm:txLinClrLst/>
+    <dgm:txFillClrLst/>
+    <dgm:txEffectClrLst/>
+  </dgm:styleLbl>
+  <dgm:styleLbl name="alignNode1">
+    <dgm:fillClrLst>
+      <a:schemeClr val="accent2"/>
+      <a:schemeClr val="accent3"/>
+    </dgm:fillClrLst>
+    <dgm:linClrLst>
+      <a:schemeClr val="accent2"/>
+      <a:schemeClr val="accent3"/>
+    </dgm:linClrLst>
+    <dgm:effectClrLst/>
+    <dgm:txLinClrLst/>
+    <dgm:txFillClrLst/>
+    <dgm:txEffectClrLst/>
+  </dgm:styleLbl>
+  <dgm:styleLbl name="lnNode1">
+    <dgm:fillClrLst>
+      <a:schemeClr val="accent2"/>
+      <a:schemeClr val="accent3"/>
+    </dgm:fillClrLst>
+    <dgm:linClrLst meth="repeat">
+      <a:schemeClr val="lt1"/>
+    </dgm:linClrLst>
+    <dgm:effectClrLst/>
+    <dgm:txLinClrLst/>
+    <dgm:txFillClrLst/>
+    <dgm:txEffectClrLst/>
+  </dgm:styleLbl>
+  <dgm:styleLbl name="vennNode1">
+    <dgm:fillClrLst>
+      <a:schemeClr val="accent2">
+        <a:alpha val="50000"/>
+      </a:schemeClr>
+      <a:schemeClr val="accent3">
+        <a:alpha val="50000"/>
+      </a:schemeClr>
+    </dgm:fillClrLst>
+    <dgm:linClrLst meth="repeat">
+      <a:schemeClr val="lt1"/>
+    </dgm:linClrLst>
+    <dgm:effectClrLst/>
+    <dgm:txLinClrLst/>
+    <dgm:txFillClrLst/>
+    <dgm:txEffectClrLst/>
+  </dgm:styleLbl>
+  <dgm:styleLbl name="node2">
+    <dgm:fillClrLst>
+      <a:schemeClr val="accent3"/>
+    </dgm:fillClrLst>
+    <dgm:linClrLst meth="repeat">
+      <a:schemeClr val="lt1"/>
+    </dgm:linClrLst>
+    <dgm:effectClrLst/>
+    <dgm:txLinClrLst/>
+    <dgm:txFillClrLst/>
+    <dgm:txEffectClrLst/>
+  </dgm:styleLbl>
+  <dgm:styleLbl name="node3">
+    <dgm:fillClrLst>
+      <a:schemeClr val="accent4"/>
+    </dgm:fillClrLst>
+    <dgm:linClrLst meth="repeat">
+      <a:schemeClr val="lt1"/>
+    </dgm:linClrLst>
+    <dgm:effectClrLst/>
+    <dgm:txLinClrLst/>
+    <dgm:txFillClrLst/>
+    <dgm:txEffectClrLst/>
+  </dgm:styleLbl>
+  <dgm:styleLbl name="node4">
+    <dgm:fillClrLst>
+      <a:schemeClr val="accent5"/>
+    </dgm:fillClrLst>
+    <dgm:linClrLst meth="repeat">
+      <a:schemeClr val="lt1"/>
+    </dgm:linClrLst>
+    <dgm:effectClrLst/>
+    <dgm:txLinClrLst/>
+    <dgm:txFillClrLst/>
+    <dgm:txEffectClrLst/>
+  </dgm:styleLbl>
+  <dgm:styleLbl name="fgImgPlace1">
+    <dgm:fillClrLst>
+      <a:schemeClr val="accent2">
+        <a:tint val="50000"/>
+      </a:schemeClr>
+      <a:schemeClr val="accent3">
+        <a:tint val="50000"/>
+      </a:schemeClr>
+    </dgm:fillClrLst>
+    <dgm:linClrLst meth="repeat">
+      <a:schemeClr val="lt1"/>
+    </dgm:linClrLst>
+    <dgm:effectClrLst/>
+    <dgm:txLinClrLst/>
+    <dgm:txFillClrLst meth="repeat">
+      <a:schemeClr val="lt1"/>
+    </dgm:txFillClrLst>
+    <dgm:txEffectClrLst/>
+  </dgm:styleLbl>
+  <dgm:styleLbl name="alignImgPlace1">
+    <dgm:fillClrLst>
+      <a:schemeClr val="accent2">
+        <a:tint val="50000"/>
+      </a:schemeClr>
+      <a:schemeClr val="accent3">
+        <a:tint val="20000"/>
+      </a:schemeClr>
+    </dgm:fillClrLst>
+    <dgm:linClrLst meth="repeat">
+      <a:schemeClr val="lt1"/>
+    </dgm:linClrLst>
+    <dgm:effectClrLst/>
+    <dgm:txLinClrLst/>
+    <dgm:txFillClrLst meth="repeat">
+      <a:schemeClr val="lt1"/>
+    </dgm:txFillClrLst>
+    <dgm:txEffectClrLst/>
+  </dgm:styleLbl>
+  <dgm:styleLbl name="bgImgPlace1">
+    <dgm:fillClrLst>
+      <a:schemeClr val="accent2">
+        <a:tint val="50000"/>
+      </a:schemeClr>
+      <a:schemeClr val="accent3">
+        <a:tint val="20000"/>
+      </a:schemeClr>
+    </dgm:fillClrLst>
+    <dgm:linClrLst meth="repeat">
+      <a:schemeClr val="lt1"/>
+    </dgm:linClrLst>
+    <dgm:effectClrLst/>
+    <dgm:txLinClrLst/>
+    <dgm:txFillClrLst meth="repeat">
+      <a:schemeClr val="lt1"/>
+    </dgm:txFillClrLst>
+    <dgm:txEffectClrLst/>
+  </dgm:styleLbl>
+  <dgm:styleLbl name="sibTrans2D1">
+    <dgm:fillClrLst>
+      <a:schemeClr val="accent2"/>
+      <a:schemeClr val="accent3"/>
+    </dgm:fillClrLst>
+    <dgm:linClrLst meth="repeat">
+      <a:schemeClr val="lt1"/>
+    </dgm:linClrLst>
+    <dgm:effectClrLst/>
+    <dgm:txLinClrLst/>
+    <dgm:txFillClrLst/>
+    <dgm:txEffectClrLst/>
+  </dgm:styleLbl>
+  <dgm:styleLbl name="fgSibTrans2D1">
+    <dgm:fillClrLst>
+      <a:schemeClr val="accent2"/>
+      <a:schemeClr val="accent3"/>
+    </dgm:fillClrLst>
+    <dgm:linClrLst meth="repeat">
+      <a:schemeClr val="lt1"/>
+    </dgm:linClrLst>
+    <dgm:effectClrLst/>
+    <dgm:txLinClrLst/>
+    <dgm:txFillClrLst meth="repeat">
+      <a:schemeClr val="lt1"/>
+    </dgm:txFillClrLst>
+    <dgm:txEffectClrLst/>
+  </dgm:styleLbl>
+  <dgm:styleLbl name="bgSibTrans2D1">
+    <dgm:fillClrLst>
+      <a:schemeClr val="accent2"/>
+      <a:schemeClr val="accent3"/>
+    </dgm:fillClrLst>
+    <dgm:linClrLst meth="repeat">
+      <a:schemeClr val="lt1"/>
+    </dgm:linClrLst>
+    <dgm:effectClrLst/>
+    <dgm:txLinClrLst/>
+    <dgm:txFillClrLst meth="repeat">
+      <a:schemeClr val="lt1"/>
+    </dgm:txFillClrLst>
+    <dgm:txEffectClrLst/>
+  </dgm:styleLbl>
+  <dgm:styleLbl name="sibTrans1D1">
+    <dgm:fillClrLst/>
+    <dgm:linClrLst>
+      <a:schemeClr val="accent2"/>
+      <a:schemeClr val="accent3"/>
+    </dgm:linClrLst>
+    <dgm:effectClrLst/>
+    <dgm:txLinClrLst/>
+    <dgm:txFillClrLst meth="repeat">
+      <a:schemeClr val="tx1"/>
+    </dgm:txFillClrLst>
+    <dgm:txEffectClrLst/>
+  </dgm:styleLbl>
+  <dgm:styleLbl name="callout">
+    <dgm:fillClrLst meth="repeat">
+      <a:schemeClr val="accent2"/>
+    </dgm:fillClrLst>
+    <dgm:linClrLst meth="repeat">
+      <a:schemeClr val="accent2">
+        <a:tint val="50000"/>
+      </a:schemeClr>
+    </dgm:linClrLst>
+    <dgm:effectClrLst/>
+    <dgm:txLinClrLst/>
+    <dgm:txFillClrLst meth="repeat">
+      <a:schemeClr val="tx1"/>
+    </dgm:txFillClrLst>
+    <dgm:txEffectClrLst/>
+  </dgm:styleLbl>
+  <dgm:styleLbl name="asst0">
+    <dgm:fillClrLst meth="repeat">
+      <a:schemeClr val="accent2"/>
+    </dgm:fillClrLst>
+    <dgm:linClrLst meth="repeat">
+      <a:schemeClr val="lt1">
+        <a:shade val="80000"/>
+      </a:schemeClr>
+    </dgm:linClrLst>
+    <dgm:effectClrLst/>
+    <dgm:txLinClrLst/>
+    <dgm:txFillClrLst/>
+    <dgm:txEffectClrLst/>
+  </dgm:styleLbl>
+  <dgm:styleLbl name="asst1">
+    <dgm:fillClrLst meth="repeat">
+      <a:schemeClr val="accent3"/>
+    </dgm:fillClrLst>
+    <dgm:linClrLst meth="repeat">
+      <a:schemeClr val="lt1">
+        <a:shade val="80000"/>
+      </a:schemeClr>
+    </dgm:linClrLst>
+    <dgm:effectClrLst/>
+    <dgm:txLinClrLst/>
+    <dgm:txFillClrLst/>
+    <dgm:txEffectClrLst/>
+  </dgm:styleLbl>
+  <dgm:styleLbl name="asst2">
+    <dgm:fillClrLst>
+      <a:schemeClr val="accent4"/>
+    </dgm:fillClrLst>
+    <dgm:linClrLst meth="repeat">
+      <a:schemeClr val="lt1"/>
+    </dgm:linClrLst>
+    <dgm:effectClrLst/>
+    <dgm:txLinClrLst/>
+    <dgm:txFillClrLst/>
+    <dgm:txEffectClrLst/>
+  </dgm:styleLbl>
+  <dgm:styleLbl name="asst3">
+    <dgm:fillClrLst>
+      <a:schemeClr val="accent5"/>
+    </dgm:fillClrLst>
+    <dgm:linClrLst meth="repeat">
+      <a:schemeClr val="lt1"/>
+    </dgm:linClrLst>
+    <dgm:effectClrLst/>
+    <dgm:txLinClrLst/>
+    <dgm:txFillClrLst/>
+    <dgm:txEffectClrLst/>
+  </dgm:styleLbl>
+  <dgm:styleLbl name="asst4">
+    <dgm:fillClrLst>
+      <a:schemeClr val="accent6"/>
+    </dgm:fillClrLst>
+    <dgm:linClrLst meth="repeat">
+      <a:schemeClr val="lt1"/>
+    </dgm:linClrLst>
+    <dgm:effectClrLst/>
+    <dgm:txLinClrLst/>
+    <dgm:txFillClrLst/>
+    <dgm:txEffectClrLst/>
+  </dgm:styleLbl>
+  <dgm:styleLbl name="parChTrans2D1">
+    <dgm:fillClrLst meth="repeat">
+      <a:schemeClr val="accent2"/>
+    </dgm:fillClrLst>
+    <dgm:linClrLst meth="repeat">
+      <a:schemeClr val="lt1"/>
+    </dgm:linClrLst>
+    <dgm:effectClrLst/>
+    <dgm:txLinClrLst/>
+    <dgm:txFillClrLst meth="repeat">
+      <a:schemeClr val="lt1"/>
+    </dgm:txFillClrLst>
+    <dgm:txEffectClrLst/>
+  </dgm:styleLbl>
+  <dgm:styleLbl name="parChTrans2D2">
+    <dgm:fillClrLst meth="repeat">
+      <a:schemeClr val="accent3"/>
+    </dgm:fillClrLst>
+    <dgm:linClrLst meth="repeat">
+      <a:schemeClr val="lt1"/>
+    </dgm:linClrLst>
+    <dgm:effectClrLst/>
+    <dgm:txLinClrLst/>
+    <dgm:txFillClrLst/>
+    <dgm:txEffectClrLst/>
+  </dgm:styleLbl>
+  <dgm:styleLbl name="parChTrans2D3">
+    <dgm:fillClrLst meth="repeat">
+      <a:schemeClr val="accent4"/>
+    </dgm:fillClrLst>
+    <dgm:linClrLst meth="repeat">
+      <a:schemeClr val="lt1"/>
+    </dgm:linClrLst>
+    <dgm:effectClrLst/>
+    <dgm:txLinClrLst/>
+    <dgm:txFillClrLst/>
+    <dgm:txEffectClrLst/>
+  </dgm:styleLbl>
+  <dgm:styleLbl name="parChTrans2D4">
+    <dgm:fillClrLst meth="repeat">
+      <a:schemeClr val="accent5"/>
+    </dgm:fillClrLst>
+    <dgm:linClrLst meth="repeat">
+      <a:schemeClr val="lt1"/>
+    </dgm:linClrLst>
+    <dgm:effectClrLst/>
+    <dgm:txLinClrLst/>
+    <dgm:txFillClrLst meth="repeat">
+      <a:schemeClr val="lt1"/>
+    </dgm:txFillClrLst>
+    <dgm:txEffectClrLst/>
+  </dgm:styleLbl>
+  <dgm:styleLbl name="parChTrans1D1">
+    <dgm:fillClrLst meth="repeat">
+      <a:schemeClr val="accent2"/>
+    </dgm:fillClrLst>
+    <dgm:linClrLst meth="repeat">
+      <a:schemeClr val="accent2"/>
+    </dgm:linClrLst>
+    <dgm:effectClrLst/>
+    <dgm:txLinClrLst/>
+    <dgm:txFillClrLst meth="repeat">
+      <a:schemeClr val="tx1"/>
+    </dgm:txFillClrLst>
+    <dgm:txEffectClrLst/>
+  </dgm:styleLbl>
+  <dgm:styleLbl name="parChTrans1D2">
+    <dgm:fillClrLst meth="repeat">
+      <a:schemeClr val="accent2">
+        <a:tint val="90000"/>
+      </a:schemeClr>
+    </dgm:fillClrLst>
+    <dgm:linClrLst meth="repeat">
+      <a:schemeClr val="accent3"/>
+    </dgm:linClrLst>
+    <dgm:effectClrLst/>
+    <dgm:txLinClrLst/>
+    <dgm:txFillClrLst meth="repeat">
+      <a:schemeClr val="tx1"/>
+    </dgm:txFillClrLst>
+    <dgm:txEffectClrLst/>
+  </dgm:styleLbl>
+  <dgm:styleLbl name="parChTrans1D3">
+    <dgm:fillClrLst meth="repeat">
+      <a:schemeClr val="accent2">
+        <a:tint val="70000"/>
+      </a:schemeClr>
+    </dgm:fillClrLst>
+    <dgm:linClrLst meth="repeat">
+      <a:schemeClr val="accent4"/>
+    </dgm:linClrLst>
+    <dgm:effectClrLst/>
+    <dgm:txLinClrLst/>
+    <dgm:txFillClrLst meth="repeat">
+      <a:schemeClr val="tx1"/>
+    </dgm:txFillClrLst>
+    <dgm:txEffectClrLst/>
+  </dgm:styleLbl>
+  <dgm:styleLbl name="parChTrans1D4">
+    <dgm:fillClrLst meth="repeat">
+      <a:schemeClr val="accent2">
+        <a:tint val="50000"/>
+      </a:schemeClr>
+    </dgm:fillClrLst>
+    <dgm:linClrLst meth="repeat">
+      <a:schemeClr val="accent5"/>
+    </dgm:linClrLst>
+    <dgm:effectClrLst/>
+    <dgm:txLinClrLst/>
+    <dgm:txFillClrLst meth="repeat">
+      <a:schemeClr val="tx1"/>
+    </dgm:txFillClrLst>
+    <dgm:txEffectClrLst/>
+  </dgm:styleLbl>
+  <dgm:styleLbl name="fgAcc1">
+    <dgm:fillClrLst meth="repeat">
+      <a:schemeClr val="lt1">
+        <a:alpha val="90000"/>
+      </a:schemeClr>
+    </dgm:fillClrLst>
+    <dgm:linClrLst>
+      <a:schemeClr val="accent2"/>
+      <a:schemeClr val="accent3"/>
+    </dgm:linClrLst>
+    <dgm:effectClrLst/>
+    <dgm:txLinClrLst/>
+    <dgm:txFillClrLst meth="repeat">
+      <a:schemeClr val="dk1"/>
+    </dgm:txFillClrLst>
+    <dgm:txEffectClrLst/>
+  </dgm:styleLbl>
+  <dgm:styleLbl name="conFgAcc1">
+    <dgm:fillClrLst meth="repeat">
+      <a:schemeClr val="lt1">
+        <a:alpha val="90000"/>
+      </a:schemeClr>
+    </dgm:fillClrLst>
+    <dgm:linClrLst>
+      <a:schemeClr val="accent2"/>
+      <a:schemeClr val="accent3"/>
+    </dgm:linClrLst>
+    <dgm:effectClrLst/>
+    <dgm:txLinClrLst/>
+    <dgm:txFillClrLst meth="repeat">
+      <a:schemeClr val="dk1"/>
+    </dgm:txFillClrLst>
+    <dgm:txEffectClrLst/>
+  </dgm:styleLbl>
+  <dgm:styleLbl name="alignAcc1">
+    <dgm:fillClrLst meth="repeat">
+      <a:schemeClr val="lt1">
+        <a:alpha val="90000"/>
+      </a:schemeClr>
+    </dgm:fillClrLst>
+    <dgm:linClrLst>
+      <a:schemeClr val="accent2"/>
+      <a:schemeClr val="accent3"/>
+    </dgm:linClrLst>
+    <dgm:effectClrLst/>
+    <dgm:txLinClrLst/>
+    <dgm:txFillClrLst meth="repeat">
+      <a:schemeClr val="dk1"/>
+    </dgm:txFillClrLst>
+    <dgm:txEffectClrLst/>
+  </dgm:styleLbl>
+  <dgm:styleLbl name="trAlignAcc1">
+    <dgm:fillClrLst meth="repeat">
+      <a:schemeClr val="lt1">
+        <a:alpha val="40000"/>
+      </a:schemeClr>
+    </dgm:fillClrLst>
+    <dgm:linClrLst meth="repeat">
+      <a:schemeClr val="accent2"/>
+    </dgm:linClrLst>
+    <dgm:effectClrLst/>
+    <dgm:txLinClrLst/>
+    <dgm:txFillClrLst meth="repeat">
+      <a:schemeClr val="dk1"/>
+    </dgm:txFillClrLst>
+    <dgm:txEffectClrLst/>
+  </dgm:styleLbl>
+  <dgm:styleLbl name="bgAcc1">
+    <dgm:fillClrLst meth="repeat">
+      <a:schemeClr val="lt1">
+        <a:alpha val="90000"/>
+      </a:schemeClr>
+    </dgm:fillClrLst>
+    <dgm:linClrLst>
+      <a:schemeClr val="accent2"/>
+      <a:schemeClr val="accent3"/>
+    </dgm:linClrLst>
+    <dgm:effectClrLst/>
+    <dgm:txLinClrLst/>
+    <dgm:txFillClrLst meth="repeat">
+      <a:schemeClr val="dk1"/>
+    </dgm:txFillClrLst>
+    <dgm:txEffectClrLst/>
+  </dgm:styleLbl>
+  <dgm:styleLbl name="solidFgAcc1">
+    <dgm:fillClrLst meth="repeat">
+      <a:schemeClr val="lt1"/>
+    </dgm:fillClrLst>
+    <dgm:linClrLst>
+      <a:schemeClr val="accent2"/>
+      <a:schemeClr val="accent3"/>
+    </dgm:linClrLst>
+    <dgm:effectClrLst/>
+    <dgm:txLinClrLst/>
+    <dgm:txFillClrLst meth="repeat">
+      <a:schemeClr val="dk1"/>
+    </dgm:txFillClrLst>
+    <dgm:txEffectClrLst/>
+  </dgm:styleLbl>
+  <dgm:styleLbl name="solidAlignAcc1">
+    <dgm:fillClrLst meth="repeat">
+      <a:schemeClr val="lt1"/>
+    </dgm:fillClrLst>
+    <dgm:linClrLst>
+      <a:schemeClr val="accent2"/>
+      <a:schemeClr val="accent3"/>
+    </dgm:linClrLst>
+    <dgm:effectClrLst/>
+    <dgm:txLinClrLst/>
+    <dgm:txFillClrLst meth="repeat">
+      <a:schemeClr val="dk1"/>
+    </dgm:txFillClrLst>
+    <dgm:txEffectClrLst/>
+  </dgm:styleLbl>
+  <dgm:styleLbl name="solidBgAcc1">
+    <dgm:fillClrLst meth="repeat">
+      <a:schemeClr val="lt1"/>
+    </dgm:fillClrLst>
+    <dgm:linClrLst>
+      <a:schemeClr val="accent2"/>
+      <a:schemeClr val="accent3"/>
+    </dgm:linClrLst>
+    <dgm:effectClrLst/>
+    <dgm:txLinClrLst/>
+    <dgm:txFillClrLst meth="repeat">
+      <a:schemeClr val="dk1"/>
+    </dgm:txFillClrLst>
+    <dgm:txEffectClrLst/>
+  </dgm:styleLbl>
+  <dgm:styleLbl name="fgAccFollowNode1">
+    <dgm:fillClrLst>
+      <a:schemeClr val="accent2">
+        <a:tint val="40000"/>
+        <a:alpha val="90000"/>
+      </a:schemeClr>
+      <a:schemeClr val="accent3">
+        <a:tint val="40000"/>
+        <a:alpha val="90000"/>
+      </a:schemeClr>
+    </dgm:fillClrLst>
+    <dgm:linClrLst>
+      <a:schemeClr val="accent2">
+        <a:tint val="40000"/>
+        <a:alpha val="90000"/>
+      </a:schemeClr>
+      <a:schemeClr val="accent3">
+        <a:tint val="40000"/>
+        <a:alpha val="90000"/>
+      </a:schemeClr>
+    </dgm:linClrLst>
+    <dgm:effectClrLst/>
+    <dgm:txLinClrLst/>
+    <dgm:txFillClrLst meth="repeat">
+      <a:schemeClr val="dk1"/>
+    </dgm:txFillClrLst>
+    <dgm:txEffectClrLst/>
+  </dgm:styleLbl>
+  <dgm:styleLbl name="alignAccFollowNode1">
+    <dgm:fillClrLst>
+      <a:schemeClr val="accent2">
+        <a:tint val="40000"/>
+        <a:alpha val="90000"/>
+      </a:schemeClr>
+      <a:schemeClr val="accent3">
+        <a:tint val="40000"/>
+        <a:alpha val="90000"/>
+      </a:schemeClr>
+    </dgm:fillClrLst>
+    <dgm:linClrLst>
+      <a:schemeClr val="accent2">
+        <a:tint val="40000"/>
+        <a:alpha val="90000"/>
+      </a:schemeClr>
+      <a:schemeClr val="accent3">
+        <a:tint val="40000"/>
+        <a:alpha val="90000"/>
+      </a:schemeClr>
+    </dgm:linClrLst>
+    <dgm:effectClrLst/>
+    <dgm:txLinClrLst/>
+    <dgm:txFillClrLst meth="repeat">
+      <a:schemeClr val="dk1"/>
+    </dgm:txFillClrLst>
+    <dgm:txEffectClrLst/>
+  </dgm:styleLbl>
+  <dgm:styleLbl name="bgAccFollowNode1">
+    <dgm:fillClrLst>
+      <a:schemeClr val="accent2">
+        <a:tint val="40000"/>
+        <a:alpha val="90000"/>
+      </a:schemeClr>
+      <a:schemeClr val="accent3">
+        <a:tint val="40000"/>
+        <a:alpha val="90000"/>
+      </a:schemeClr>
+    </dgm:fillClrLst>
+    <dgm:linClrLst>
+      <a:schemeClr val="accent2">
+        <a:tint val="40000"/>
+        <a:alpha val="90000"/>
+      </a:schemeClr>
+      <a:schemeClr val="accent3">
+        <a:tint val="40000"/>
+        <a:alpha val="90000"/>
+      </a:schemeClr>
+    </dgm:linClrLst>
+    <dgm:effectClrLst/>
+    <dgm:txLinClrLst/>
+    <dgm:txFillClrLst meth="repeat">
+      <a:schemeClr val="dk1"/>
+    </dgm:txFillClrLst>
+    <dgm:txEffectClrLst/>
+  </dgm:styleLbl>
+  <dgm:styleLbl name="fgAcc0">
+    <dgm:fillClrLst meth="repeat">
+      <a:schemeClr val="lt1">
+        <a:alpha val="90000"/>
+      </a:schemeClr>
+    </dgm:fillClrLst>
+    <dgm:linClrLst>
+      <a:schemeClr val="accent1"/>
+    </dgm:linClrLst>
+    <dgm:effectClrLst/>
+    <dgm:txLinClrLst/>
+    <dgm:txFillClrLst meth="repeat">
+      <a:schemeClr val="dk1"/>
+    </dgm:txFillClrLst>
+    <dgm:txEffectClrLst/>
+  </dgm:styleLbl>
+  <dgm:styleLbl name="fgAcc2">
+    <dgm:fillClrLst meth="repeat">
+      <a:schemeClr val="lt1">
+        <a:alpha val="90000"/>
+      </a:schemeClr>
+    </dgm:fillClrLst>
+    <dgm:linClrLst>
+      <a:schemeClr val="accent3"/>
+    </dgm:linClrLst>
+    <dgm:effectClrLst/>
+    <dgm:txLinClrLst/>
+    <dgm:txFillClrLst meth="repeat">
+      <a:schemeClr val="dk1"/>
+    </dgm:txFillClrLst>
+    <dgm:txEffectClrLst/>
+  </dgm:styleLbl>
+  <dgm:styleLbl name="fgAcc3">
+    <dgm:fillClrLst meth="repeat">
+      <a:schemeClr val="lt1">
+        <a:alpha val="90000"/>
+      </a:schemeClr>
+    </dgm:fillClrLst>
+    <dgm:linClrLst>
+      <a:schemeClr val="accent4"/>
+    </dgm:linClrLst>
+    <dgm:effectClrLst/>
+    <dgm:txLinClrLst/>
+    <dgm:txFillClrLst meth="repeat">
+      <a:schemeClr val="dk1"/>
+    </dgm:txFillClrLst>
+    <dgm:txEffectClrLst/>
+  </dgm:styleLbl>
+  <dgm:styleLbl name="fgAcc4">
+    <dgm:fillClrLst meth="repeat">
+      <a:schemeClr val="lt1">
+        <a:alpha val="90000"/>
+      </a:schemeClr>
+    </dgm:fillClrLst>
+    <dgm:linClrLst>
+      <a:schemeClr val="accent5"/>
+    </dgm:linClrLst>
+    <dgm:effectClrLst/>
+    <dgm:txLinClrLst/>
+    <dgm:txFillClrLst meth="repeat">
+      <a:schemeClr val="dk1"/>
+    </dgm:txFillClrLst>
+    <dgm:txEffectClrLst/>
+  </dgm:styleLbl>
+  <dgm:styleLbl name="bgShp">
+    <dgm:fillClrLst meth="repeat">
+      <a:schemeClr val="accent2">
+        <a:tint val="40000"/>
+      </a:schemeClr>
+    </dgm:fillClrLst>
+    <dgm:linClrLst meth="repeat">
+      <a:schemeClr val="dk1"/>
+    </dgm:linClrLst>
+    <dgm:effectClrLst/>
+    <dgm:txLinClrLst/>
+    <dgm:txFillClrLst meth="repeat">
+      <a:schemeClr val="dk1"/>
+    </dgm:txFillClrLst>
+    <dgm:txEffectClrLst/>
+  </dgm:styleLbl>
+  <dgm:styleLbl name="dkBgShp">
+    <dgm:fillClrLst meth="repeat">
+      <a:schemeClr val="accent2">
+        <a:shade val="90000"/>
+      </a:schemeClr>
+    </dgm:fillClrLst>
+    <dgm:linClrLst meth="repeat">
+      <a:schemeClr val="dk1"/>
+    </dgm:linClrLst>
+    <dgm:effectClrLst/>
+    <dgm:txLinClrLst/>
+    <dgm:txFillClrLst meth="repeat">
+      <a:schemeClr val="lt1"/>
+    </dgm:txFillClrLst>
+    <dgm:txEffectClrLst/>
+  </dgm:styleLbl>
+  <dgm:styleLbl name="trBgShp">
+    <dgm:fillClrLst meth="repeat">
+      <a:schemeClr val="accent2">
+        <a:tint val="50000"/>
+        <a:alpha val="40000"/>
+      </a:schemeClr>
+    </dgm:fillClrLst>
+    <dgm:linClrLst meth="repeat">
+      <a:schemeClr val="accent2"/>
+    </dgm:linClrLst>
+    <dgm:effectClrLst/>
+    <dgm:txLinClrLst/>
+    <dgm:txFillClrLst meth="repeat">
+      <a:schemeClr val="lt1"/>
+    </dgm:txFillClrLst>
+    <dgm:txEffectClrLst/>
+  </dgm:styleLbl>
+  <dgm:styleLbl name="fgShp">
+    <dgm:fillClrLst meth="repeat">
+      <a:schemeClr val="accent2">
+        <a:tint val="40000"/>
+      </a:schemeClr>
+    </dgm:fillClrLst>
+    <dgm:linClrLst meth="repeat">
+      <a:schemeClr val="lt1"/>
+    </dgm:linClrLst>
+    <dgm:effectClrLst/>
+    <dgm:txLinClrLst/>
+    <dgm:txFillClrLst meth="repeat">
+      <a:schemeClr val="dk1"/>
+    </dgm:txFillClrLst>
+    <dgm:txEffectClrLst/>
+  </dgm:styleLbl>
+  <dgm:styleLbl name="revTx">
+    <dgm:fillClrLst meth="repeat">
+      <a:schemeClr val="lt1">
+        <a:alpha val="0"/>
+      </a:schemeClr>
+    </dgm:fillClrLst>
+    <dgm:linClrLst meth="repeat">
+      <a:schemeClr val="dk1">
+        <a:alpha val="0"/>
+      </a:schemeClr>
+    </dgm:linClrLst>
+    <dgm:effectClrLst/>
+    <dgm:txLinClrLst/>
+    <dgm:txFillClrLst meth="repeat">
+      <a:schemeClr val="tx1"/>
+    </dgm:txFillClrLst>
+    <dgm:txEffectClrLst/>
+  </dgm:styleLbl>
+</dgm:colorsDef>
+</file>
+
+<file path=ppt/diagrams/colors8.xml><?xml version="1.0" encoding="utf-8"?>
 <dgm:colorsDef xmlns:dgm="http://schemas.openxmlformats.org/drawingml/2006/diagram" xmlns:a="http://schemas.openxmlformats.org/drawingml/2006/main" uniqueId="urn:microsoft.com/office/officeart/2005/8/colors/colorful2">
   <dgm:title val=""/>
   <dgm:desc val=""/>
@@ -11546,6 +12328,197 @@
   <dgm:extLst>
     <a:ext uri="http://schemas.microsoft.com/office/drawing/2008/diagram">
       <dsp:dataModelExt xmlns:dsp="http://schemas.microsoft.com/office/drawing/2008/diagram" relId="rId7" minVer="http://schemas.openxmlformats.org/drawingml/2006/diagram"/>
+    </a:ext>
+  </dgm:extLst>
+</dgm:dataModel>
+</file>
+
+<file path=ppt/diagrams/data8.xml><?xml version="1.0" encoding="utf-8"?>
+<dgm:dataModel xmlns:dgm="http://schemas.openxmlformats.org/drawingml/2006/diagram" xmlns:a="http://schemas.openxmlformats.org/drawingml/2006/main">
+  <dgm:ptLst>
+    <dgm:pt modelId="{8DDE3DB4-222C-48C6-A340-84D859F1D3B0}" type="doc">
+      <dgm:prSet loTypeId="urn:microsoft.com/office/officeart/2005/8/layout/vList2" loCatId="list" qsTypeId="urn:microsoft.com/office/officeart/2005/8/quickstyle/simple1" qsCatId="simple" csTypeId="urn:microsoft.com/office/officeart/2005/8/colors/colorful2" csCatId="colorful" phldr="1"/>
+      <dgm:spPr/>
+      <dgm:t>
+        <a:bodyPr/>
+        <a:lstStyle/>
+        <a:p>
+          <a:endParaRPr lang="en-US"/>
+        </a:p>
+      </dgm:t>
+    </dgm:pt>
+    <dgm:pt modelId="{EE8A4B81-D456-4A65-9E22-1BAE1E867785}">
+      <dgm:prSet custT="1"/>
+      <dgm:spPr/>
+      <dgm:t>
+        <a:bodyPr/>
+        <a:lstStyle/>
+        <a:p>
+          <a:r>
+            <a:rPr lang="en-US" sz="2800" dirty="0"/>
+            <a:t>- AUC takes the total sum of 0 and 1 differences.</a:t>
+          </a:r>
+        </a:p>
+      </dgm:t>
+    </dgm:pt>
+    <dgm:pt modelId="{32EF120B-D63A-4576-BAA7-EA69CEF02197}" type="parTrans" cxnId="{57CF96B9-FB13-4188-966E-483A5948382B}">
+      <dgm:prSet/>
+      <dgm:spPr/>
+      <dgm:t>
+        <a:bodyPr/>
+        <a:lstStyle/>
+        <a:p>
+          <a:endParaRPr lang="en-US"/>
+        </a:p>
+      </dgm:t>
+    </dgm:pt>
+    <dgm:pt modelId="{557ED1A3-03CA-4579-A770-CEF39211218A}" type="sibTrans" cxnId="{57CF96B9-FB13-4188-966E-483A5948382B}">
+      <dgm:prSet/>
+      <dgm:spPr/>
+      <dgm:t>
+        <a:bodyPr/>
+        <a:lstStyle/>
+        <a:p>
+          <a:endParaRPr lang="en-US"/>
+        </a:p>
+      </dgm:t>
+    </dgm:pt>
+    <dgm:pt modelId="{37DCDCD2-43C1-4F81-8B0A-576E39F51054}">
+      <dgm:prSet custT="1"/>
+      <dgm:spPr/>
+      <dgm:t>
+        <a:bodyPr/>
+        <a:lstStyle/>
+        <a:p>
+          <a:r>
+            <a:rPr lang="en-US" sz="2800" dirty="0"/>
+            <a:t>- Predicting with Regression/Probabilities boosts score</a:t>
+          </a:r>
+        </a:p>
+      </dgm:t>
+    </dgm:pt>
+    <dgm:pt modelId="{BE4381A2-6DC3-4046-B736-1DB497BE4572}" type="parTrans" cxnId="{E9A519C0-F09D-4FFD-8B66-225CBDB4077A}">
+      <dgm:prSet/>
+      <dgm:spPr/>
+      <dgm:t>
+        <a:bodyPr/>
+        <a:lstStyle/>
+        <a:p>
+          <a:endParaRPr lang="en-US"/>
+        </a:p>
+      </dgm:t>
+    </dgm:pt>
+    <dgm:pt modelId="{3E77B53C-932D-4CE4-9EAC-E6114DD1545E}" type="sibTrans" cxnId="{E9A519C0-F09D-4FFD-8B66-225CBDB4077A}">
+      <dgm:prSet/>
+      <dgm:spPr/>
+      <dgm:t>
+        <a:bodyPr/>
+        <a:lstStyle/>
+        <a:p>
+          <a:endParaRPr lang="en-US"/>
+        </a:p>
+      </dgm:t>
+    </dgm:pt>
+    <dgm:pt modelId="{7C33DF6D-A211-40C0-9FEA-25BD9F20D538}">
+      <dgm:prSet custT="1"/>
+      <dgm:spPr/>
+      <dgm:t>
+        <a:bodyPr/>
+        <a:lstStyle/>
+        <a:p>
+          <a:r>
+            <a:rPr lang="en-US" sz="2800" dirty="0"/>
+            <a:t>- Predicting with only 0 and 1’s creates larger differences (detrimental to score)</a:t>
+          </a:r>
+        </a:p>
+      </dgm:t>
+    </dgm:pt>
+    <dgm:pt modelId="{3B18F93B-CFB8-4221-8C97-B976DF1AC4DE}" type="parTrans" cxnId="{DC22233D-7AAC-4B45-8F1A-2269B83795C7}">
+      <dgm:prSet/>
+      <dgm:spPr/>
+      <dgm:t>
+        <a:bodyPr/>
+        <a:lstStyle/>
+        <a:p>
+          <a:endParaRPr lang="en-US"/>
+        </a:p>
+      </dgm:t>
+    </dgm:pt>
+    <dgm:pt modelId="{5C42728F-21E6-4CAC-A00E-76EB8DA56C06}" type="sibTrans" cxnId="{DC22233D-7AAC-4B45-8F1A-2269B83795C7}">
+      <dgm:prSet/>
+      <dgm:spPr/>
+      <dgm:t>
+        <a:bodyPr/>
+        <a:lstStyle/>
+        <a:p>
+          <a:endParaRPr lang="en-US"/>
+        </a:p>
+      </dgm:t>
+    </dgm:pt>
+    <dgm:pt modelId="{27061293-9F06-42D6-830E-FC744CD117D7}" type="pres">
+      <dgm:prSet presAssocID="{8DDE3DB4-222C-48C6-A340-84D859F1D3B0}" presName="linear" presStyleCnt="0">
+        <dgm:presLayoutVars>
+          <dgm:animLvl val="lvl"/>
+          <dgm:resizeHandles val="exact"/>
+        </dgm:presLayoutVars>
+      </dgm:prSet>
+      <dgm:spPr/>
+    </dgm:pt>
+    <dgm:pt modelId="{8A31A216-5A1B-47E3-8A20-B94C76551C3A}" type="pres">
+      <dgm:prSet presAssocID="{EE8A4B81-D456-4A65-9E22-1BAE1E867785}" presName="parentText" presStyleLbl="node1" presStyleIdx="0" presStyleCnt="3" custScaleY="130684">
+        <dgm:presLayoutVars>
+          <dgm:chMax val="0"/>
+          <dgm:bulletEnabled val="1"/>
+        </dgm:presLayoutVars>
+      </dgm:prSet>
+      <dgm:spPr/>
+    </dgm:pt>
+    <dgm:pt modelId="{D6B7E904-01B2-4C1A-927A-9139DB6EDB3B}" type="pres">
+      <dgm:prSet presAssocID="{557ED1A3-03CA-4579-A770-CEF39211218A}" presName="spacer" presStyleCnt="0"/>
+      <dgm:spPr/>
+    </dgm:pt>
+    <dgm:pt modelId="{D33CEDD3-A932-4DEC-AF3F-09B60BD6C9E1}" type="pres">
+      <dgm:prSet presAssocID="{37DCDCD2-43C1-4F81-8B0A-576E39F51054}" presName="parentText" presStyleLbl="node1" presStyleIdx="1" presStyleCnt="3" custScaleY="135556">
+        <dgm:presLayoutVars>
+          <dgm:chMax val="0"/>
+          <dgm:bulletEnabled val="1"/>
+        </dgm:presLayoutVars>
+      </dgm:prSet>
+      <dgm:spPr/>
+    </dgm:pt>
+    <dgm:pt modelId="{9D034C31-948F-430B-9C14-2A5F40C2689E}" type="pres">
+      <dgm:prSet presAssocID="{3E77B53C-932D-4CE4-9EAC-E6114DD1545E}" presName="spacer" presStyleCnt="0"/>
+      <dgm:spPr/>
+    </dgm:pt>
+    <dgm:pt modelId="{7B0C9FA1-E837-4392-A46E-22F377D8D16E}" type="pres">
+      <dgm:prSet presAssocID="{7C33DF6D-A211-40C0-9FEA-25BD9F20D538}" presName="parentText" presStyleLbl="node1" presStyleIdx="2" presStyleCnt="3" custScaleY="136958">
+        <dgm:presLayoutVars>
+          <dgm:chMax val="0"/>
+          <dgm:bulletEnabled val="1"/>
+        </dgm:presLayoutVars>
+      </dgm:prSet>
+      <dgm:spPr/>
+    </dgm:pt>
+  </dgm:ptLst>
+  <dgm:cxnLst>
+    <dgm:cxn modelId="{4FA9761A-63C2-4CDD-9AFA-12BF5D6FFDD1}" type="presOf" srcId="{8DDE3DB4-222C-48C6-A340-84D859F1D3B0}" destId="{27061293-9F06-42D6-830E-FC744CD117D7}" srcOrd="0" destOrd="0" presId="urn:microsoft.com/office/officeart/2005/8/layout/vList2"/>
+    <dgm:cxn modelId="{C281003B-45F6-4A43-8243-C746D6A450EF}" type="presOf" srcId="{37DCDCD2-43C1-4F81-8B0A-576E39F51054}" destId="{D33CEDD3-A932-4DEC-AF3F-09B60BD6C9E1}" srcOrd="0" destOrd="0" presId="urn:microsoft.com/office/officeart/2005/8/layout/vList2"/>
+    <dgm:cxn modelId="{DC22233D-7AAC-4B45-8F1A-2269B83795C7}" srcId="{8DDE3DB4-222C-48C6-A340-84D859F1D3B0}" destId="{7C33DF6D-A211-40C0-9FEA-25BD9F20D538}" srcOrd="2" destOrd="0" parTransId="{3B18F93B-CFB8-4221-8C97-B976DF1AC4DE}" sibTransId="{5C42728F-21E6-4CAC-A00E-76EB8DA56C06}"/>
+    <dgm:cxn modelId="{51735AAF-0E12-4F7A-B373-565CE3B9529E}" type="presOf" srcId="{7C33DF6D-A211-40C0-9FEA-25BD9F20D538}" destId="{7B0C9FA1-E837-4392-A46E-22F377D8D16E}" srcOrd="0" destOrd="0" presId="urn:microsoft.com/office/officeart/2005/8/layout/vList2"/>
+    <dgm:cxn modelId="{96F283B2-9814-425B-B53D-680E55F86CA8}" type="presOf" srcId="{EE8A4B81-D456-4A65-9E22-1BAE1E867785}" destId="{8A31A216-5A1B-47E3-8A20-B94C76551C3A}" srcOrd="0" destOrd="0" presId="urn:microsoft.com/office/officeart/2005/8/layout/vList2"/>
+    <dgm:cxn modelId="{57CF96B9-FB13-4188-966E-483A5948382B}" srcId="{8DDE3DB4-222C-48C6-A340-84D859F1D3B0}" destId="{EE8A4B81-D456-4A65-9E22-1BAE1E867785}" srcOrd="0" destOrd="0" parTransId="{32EF120B-D63A-4576-BAA7-EA69CEF02197}" sibTransId="{557ED1A3-03CA-4579-A770-CEF39211218A}"/>
+    <dgm:cxn modelId="{E9A519C0-F09D-4FFD-8B66-225CBDB4077A}" srcId="{8DDE3DB4-222C-48C6-A340-84D859F1D3B0}" destId="{37DCDCD2-43C1-4F81-8B0A-576E39F51054}" srcOrd="1" destOrd="0" parTransId="{BE4381A2-6DC3-4046-B736-1DB497BE4572}" sibTransId="{3E77B53C-932D-4CE4-9EAC-E6114DD1545E}"/>
+    <dgm:cxn modelId="{EB43E813-C7AF-44DD-B35F-CB502AC97665}" type="presParOf" srcId="{27061293-9F06-42D6-830E-FC744CD117D7}" destId="{8A31A216-5A1B-47E3-8A20-B94C76551C3A}" srcOrd="0" destOrd="0" presId="urn:microsoft.com/office/officeart/2005/8/layout/vList2"/>
+    <dgm:cxn modelId="{36E187B1-B0A2-432B-B66E-9224063FBD02}" type="presParOf" srcId="{27061293-9F06-42D6-830E-FC744CD117D7}" destId="{D6B7E904-01B2-4C1A-927A-9139DB6EDB3B}" srcOrd="1" destOrd="0" presId="urn:microsoft.com/office/officeart/2005/8/layout/vList2"/>
+    <dgm:cxn modelId="{B1BC13FC-F99A-4450-A7FD-EA4A2DBE7F32}" type="presParOf" srcId="{27061293-9F06-42D6-830E-FC744CD117D7}" destId="{D33CEDD3-A932-4DEC-AF3F-09B60BD6C9E1}" srcOrd="2" destOrd="0" presId="urn:microsoft.com/office/officeart/2005/8/layout/vList2"/>
+    <dgm:cxn modelId="{4C13BCC7-16D8-406D-8F9F-EBF311143748}" type="presParOf" srcId="{27061293-9F06-42D6-830E-FC744CD117D7}" destId="{9D034C31-948F-430B-9C14-2A5F40C2689E}" srcOrd="3" destOrd="0" presId="urn:microsoft.com/office/officeart/2005/8/layout/vList2"/>
+    <dgm:cxn modelId="{EADC6FE9-D937-43C0-9FD1-0C12F98F7261}" type="presParOf" srcId="{27061293-9F06-42D6-830E-FC744CD117D7}" destId="{7B0C9FA1-E837-4392-A46E-22F377D8D16E}" srcOrd="4" destOrd="0" presId="urn:microsoft.com/office/officeart/2005/8/layout/vList2"/>
+  </dgm:cxnLst>
+  <dgm:bg/>
+  <dgm:whole/>
+  <dgm:extLst>
+    <a:ext uri="http://schemas.microsoft.com/office/drawing/2008/diagram">
+      <dsp:dataModelExt xmlns:dsp="http://schemas.microsoft.com/office/drawing/2008/diagram" relId="rId6" minVer="http://schemas.openxmlformats.org/drawingml/2006/diagram"/>
     </a:ext>
   </dgm:extLst>
 </dgm:dataModel>
@@ -14316,6 +15289,249 @@
 </dsp:drawing>
 </file>
 
+<file path=ppt/diagrams/drawing8.xml><?xml version="1.0" encoding="utf-8"?>
+<dsp:drawing xmlns:dgm="http://schemas.openxmlformats.org/drawingml/2006/diagram" xmlns:dsp="http://schemas.microsoft.com/office/drawing/2008/diagram" xmlns:a="http://schemas.openxmlformats.org/drawingml/2006/main">
+  <dsp:spTree>
+    <dsp:nvGrpSpPr>
+      <dsp:cNvPr id="0" name=""/>
+      <dsp:cNvGrpSpPr/>
+    </dsp:nvGrpSpPr>
+    <dsp:grpSpPr/>
+    <dsp:sp modelId="{8A31A216-5A1B-47E3-8A20-B94C76551C3A}">
+      <dsp:nvSpPr>
+        <dsp:cNvPr id="0" name=""/>
+        <dsp:cNvSpPr/>
+      </dsp:nvSpPr>
+      <dsp:spPr>
+        <a:xfrm>
+          <a:off x="0" y="184699"/>
+          <a:ext cx="6797675" cy="1590162"/>
+        </a:xfrm>
+        <a:prstGeom prst="roundRect">
+          <a:avLst/>
+        </a:prstGeom>
+        <a:solidFill>
+          <a:schemeClr val="accent2">
+            <a:hueOff val="0"/>
+            <a:satOff val="0"/>
+            <a:lumOff val="0"/>
+            <a:alphaOff val="0"/>
+          </a:schemeClr>
+        </a:solidFill>
+        <a:ln w="15875" cap="flat" cmpd="sng" algn="ctr">
+          <a:solidFill>
+            <a:schemeClr val="lt1">
+              <a:hueOff val="0"/>
+              <a:satOff val="0"/>
+              <a:lumOff val="0"/>
+              <a:alphaOff val="0"/>
+            </a:schemeClr>
+          </a:solidFill>
+          <a:prstDash val="solid"/>
+        </a:ln>
+        <a:effectLst/>
+      </dsp:spPr>
+      <dsp:style>
+        <a:lnRef idx="2">
+          <a:scrgbClr r="0" g="0" b="0"/>
+        </a:lnRef>
+        <a:fillRef idx="1">
+          <a:scrgbClr r="0" g="0" b="0"/>
+        </a:fillRef>
+        <a:effectRef idx="0">
+          <a:scrgbClr r="0" g="0" b="0"/>
+        </a:effectRef>
+        <a:fontRef idx="minor">
+          <a:schemeClr val="lt1"/>
+        </a:fontRef>
+      </dsp:style>
+      <dsp:txBody>
+        <a:bodyPr spcFirstLastPara="0" vert="horz" wrap="square" lIns="106680" tIns="106680" rIns="106680" bIns="106680" numCol="1" spcCol="1270" anchor="ctr" anchorCtr="0">
+          <a:noAutofit/>
+        </a:bodyPr>
+        <a:lstStyle/>
+        <a:p>
+          <a:pPr marL="0" lvl="0" indent="0" algn="l" defTabSz="1244600">
+            <a:lnSpc>
+              <a:spcPct val="90000"/>
+            </a:lnSpc>
+            <a:spcBef>
+              <a:spcPct val="0"/>
+            </a:spcBef>
+            <a:spcAft>
+              <a:spcPct val="35000"/>
+            </a:spcAft>
+            <a:buNone/>
+          </a:pPr>
+          <a:r>
+            <a:rPr lang="en-US" sz="2800" kern="1200" dirty="0"/>
+            <a:t>- AUC takes the total sum of 0 and 1 differences.</a:t>
+          </a:r>
+        </a:p>
+      </dsp:txBody>
+      <dsp:txXfrm>
+        <a:off x="77625" y="262324"/>
+        <a:ext cx="6642425" cy="1434912"/>
+      </dsp:txXfrm>
+    </dsp:sp>
+    <dsp:sp modelId="{D33CEDD3-A932-4DEC-AF3F-09B60BD6C9E1}">
+      <dsp:nvSpPr>
+        <dsp:cNvPr id="0" name=""/>
+        <dsp:cNvSpPr/>
+      </dsp:nvSpPr>
+      <dsp:spPr>
+        <a:xfrm>
+          <a:off x="0" y="1962062"/>
+          <a:ext cx="6797675" cy="1649445"/>
+        </a:xfrm>
+        <a:prstGeom prst="roundRect">
+          <a:avLst/>
+        </a:prstGeom>
+        <a:solidFill>
+          <a:schemeClr val="accent2">
+            <a:hueOff val="19519"/>
+            <a:satOff val="-13438"/>
+            <a:lumOff val="-3431"/>
+            <a:alphaOff val="0"/>
+          </a:schemeClr>
+        </a:solidFill>
+        <a:ln w="15875" cap="flat" cmpd="sng" algn="ctr">
+          <a:solidFill>
+            <a:schemeClr val="lt1">
+              <a:hueOff val="0"/>
+              <a:satOff val="0"/>
+              <a:lumOff val="0"/>
+              <a:alphaOff val="0"/>
+            </a:schemeClr>
+          </a:solidFill>
+          <a:prstDash val="solid"/>
+        </a:ln>
+        <a:effectLst/>
+      </dsp:spPr>
+      <dsp:style>
+        <a:lnRef idx="2">
+          <a:scrgbClr r="0" g="0" b="0"/>
+        </a:lnRef>
+        <a:fillRef idx="1">
+          <a:scrgbClr r="0" g="0" b="0"/>
+        </a:fillRef>
+        <a:effectRef idx="0">
+          <a:scrgbClr r="0" g="0" b="0"/>
+        </a:effectRef>
+        <a:fontRef idx="minor">
+          <a:schemeClr val="lt1"/>
+        </a:fontRef>
+      </dsp:style>
+      <dsp:txBody>
+        <a:bodyPr spcFirstLastPara="0" vert="horz" wrap="square" lIns="106680" tIns="106680" rIns="106680" bIns="106680" numCol="1" spcCol="1270" anchor="ctr" anchorCtr="0">
+          <a:noAutofit/>
+        </a:bodyPr>
+        <a:lstStyle/>
+        <a:p>
+          <a:pPr marL="0" lvl="0" indent="0" algn="l" defTabSz="1244600">
+            <a:lnSpc>
+              <a:spcPct val="90000"/>
+            </a:lnSpc>
+            <a:spcBef>
+              <a:spcPct val="0"/>
+            </a:spcBef>
+            <a:spcAft>
+              <a:spcPct val="35000"/>
+            </a:spcAft>
+            <a:buNone/>
+          </a:pPr>
+          <a:r>
+            <a:rPr lang="en-US" sz="2800" kern="1200" dirty="0"/>
+            <a:t>- Predicting with Regression/Probabilities boosts score</a:t>
+          </a:r>
+        </a:p>
+      </dsp:txBody>
+      <dsp:txXfrm>
+        <a:off x="80519" y="2042581"/>
+        <a:ext cx="6636637" cy="1488407"/>
+      </dsp:txXfrm>
+    </dsp:sp>
+    <dsp:sp modelId="{7B0C9FA1-E837-4392-A46E-22F377D8D16E}">
+      <dsp:nvSpPr>
+        <dsp:cNvPr id="0" name=""/>
+        <dsp:cNvSpPr/>
+      </dsp:nvSpPr>
+      <dsp:spPr>
+        <a:xfrm>
+          <a:off x="0" y="3798707"/>
+          <a:ext cx="6797675" cy="1666504"/>
+        </a:xfrm>
+        <a:prstGeom prst="roundRect">
+          <a:avLst/>
+        </a:prstGeom>
+        <a:solidFill>
+          <a:schemeClr val="accent2">
+            <a:hueOff val="39038"/>
+            <a:satOff val="-26876"/>
+            <a:lumOff val="-6863"/>
+            <a:alphaOff val="0"/>
+          </a:schemeClr>
+        </a:solidFill>
+        <a:ln w="15875" cap="flat" cmpd="sng" algn="ctr">
+          <a:solidFill>
+            <a:schemeClr val="lt1">
+              <a:hueOff val="0"/>
+              <a:satOff val="0"/>
+              <a:lumOff val="0"/>
+              <a:alphaOff val="0"/>
+            </a:schemeClr>
+          </a:solidFill>
+          <a:prstDash val="solid"/>
+        </a:ln>
+        <a:effectLst/>
+      </dsp:spPr>
+      <dsp:style>
+        <a:lnRef idx="2">
+          <a:scrgbClr r="0" g="0" b="0"/>
+        </a:lnRef>
+        <a:fillRef idx="1">
+          <a:scrgbClr r="0" g="0" b="0"/>
+        </a:fillRef>
+        <a:effectRef idx="0">
+          <a:scrgbClr r="0" g="0" b="0"/>
+        </a:effectRef>
+        <a:fontRef idx="minor">
+          <a:schemeClr val="lt1"/>
+        </a:fontRef>
+      </dsp:style>
+      <dsp:txBody>
+        <a:bodyPr spcFirstLastPara="0" vert="horz" wrap="square" lIns="106680" tIns="106680" rIns="106680" bIns="106680" numCol="1" spcCol="1270" anchor="ctr" anchorCtr="0">
+          <a:noAutofit/>
+        </a:bodyPr>
+        <a:lstStyle/>
+        <a:p>
+          <a:pPr marL="0" lvl="0" indent="0" algn="l" defTabSz="1244600">
+            <a:lnSpc>
+              <a:spcPct val="90000"/>
+            </a:lnSpc>
+            <a:spcBef>
+              <a:spcPct val="0"/>
+            </a:spcBef>
+            <a:spcAft>
+              <a:spcPct val="35000"/>
+            </a:spcAft>
+            <a:buNone/>
+          </a:pPr>
+          <a:r>
+            <a:rPr lang="en-US" sz="2800" kern="1200" dirty="0"/>
+            <a:t>- Predicting with only 0 and 1’s creates larger differences (detrimental to score)</a:t>
+          </a:r>
+        </a:p>
+      </dsp:txBody>
+      <dsp:txXfrm>
+        <a:off x="81352" y="3880059"/>
+        <a:ext cx="6634971" cy="1503800"/>
+      </dsp:txXfrm>
+    </dsp:sp>
+  </dsp:spTree>
+</dsp:drawing>
+</file>
+
 <file path=ppt/diagrams/layout1.xml><?xml version="1.0" encoding="utf-8"?>
 <dgm:layoutDef xmlns:dgm="http://schemas.openxmlformats.org/drawingml/2006/diagram" xmlns:a="http://schemas.openxmlformats.org/drawingml/2006/main" uniqueId="urn:microsoft.com/office/officeart/2018/2/layout/IconLabelList">
   <dgm:title val="Icon Label List"/>
@@ -15574,6 +16790,173 @@
 </dgm:layoutDef>
 </file>
 
+<file path=ppt/diagrams/layout8.xml><?xml version="1.0" encoding="utf-8"?>
+<dgm:layoutDef xmlns:dgm="http://schemas.openxmlformats.org/drawingml/2006/diagram" xmlns:a="http://schemas.openxmlformats.org/drawingml/2006/main" uniqueId="urn:microsoft.com/office/officeart/2005/8/layout/vList2">
+  <dgm:title val=""/>
+  <dgm:desc val=""/>
+  <dgm:catLst>
+    <dgm:cat type="list" pri="3000"/>
+    <dgm:cat type="convert" pri="1000"/>
+  </dgm:catLst>
+  <dgm:sampData>
+    <dgm:dataModel>
+      <dgm:ptLst>
+        <dgm:pt modelId="0" type="doc"/>
+        <dgm:pt modelId="1">
+          <dgm:prSet phldr="1"/>
+        </dgm:pt>
+        <dgm:pt modelId="11">
+          <dgm:prSet phldr="1"/>
+        </dgm:pt>
+        <dgm:pt modelId="2">
+          <dgm:prSet phldr="1"/>
+        </dgm:pt>
+        <dgm:pt modelId="21">
+          <dgm:prSet phldr="1"/>
+        </dgm:pt>
+      </dgm:ptLst>
+      <dgm:cxnLst>
+        <dgm:cxn modelId="4" srcId="0" destId="1" srcOrd="0" destOrd="0"/>
+        <dgm:cxn modelId="5" srcId="0" destId="2" srcOrd="1" destOrd="0"/>
+        <dgm:cxn modelId="12" srcId="1" destId="11" srcOrd="0" destOrd="0"/>
+        <dgm:cxn modelId="23" srcId="2" destId="21" srcOrd="0" destOrd="0"/>
+      </dgm:cxnLst>
+      <dgm:bg/>
+      <dgm:whole/>
+    </dgm:dataModel>
+  </dgm:sampData>
+  <dgm:styleData>
+    <dgm:dataModel>
+      <dgm:ptLst>
+        <dgm:pt modelId="0" type="doc"/>
+        <dgm:pt modelId="1"/>
+        <dgm:pt modelId="2"/>
+      </dgm:ptLst>
+      <dgm:cxnLst>
+        <dgm:cxn modelId="3" srcId="0" destId="1" srcOrd="0" destOrd="0"/>
+        <dgm:cxn modelId="4" srcId="0" destId="2" srcOrd="1" destOrd="0"/>
+      </dgm:cxnLst>
+      <dgm:bg/>
+      <dgm:whole/>
+    </dgm:dataModel>
+  </dgm:styleData>
+  <dgm:clrData>
+    <dgm:dataModel>
+      <dgm:ptLst>
+        <dgm:pt modelId="0" type="doc"/>
+        <dgm:pt modelId="1"/>
+        <dgm:pt modelId="2"/>
+        <dgm:pt modelId="3"/>
+        <dgm:pt modelId="4"/>
+      </dgm:ptLst>
+      <dgm:cxnLst>
+        <dgm:cxn modelId="5" srcId="0" destId="1" srcOrd="0" destOrd="0"/>
+        <dgm:cxn modelId="6" srcId="0" destId="2" srcOrd="1" destOrd="0"/>
+        <dgm:cxn modelId="7" srcId="0" destId="3" srcOrd="2" destOrd="0"/>
+        <dgm:cxn modelId="8" srcId="0" destId="4" srcOrd="3" destOrd="0"/>
+      </dgm:cxnLst>
+      <dgm:bg/>
+      <dgm:whole/>
+    </dgm:dataModel>
+  </dgm:clrData>
+  <dgm:layoutNode name="linear">
+    <dgm:varLst>
+      <dgm:animLvl val="lvl"/>
+      <dgm:resizeHandles val="exact"/>
+    </dgm:varLst>
+    <dgm:alg type="lin">
+      <dgm:param type="linDir" val="fromT"/>
+      <dgm:param type="vertAlign" val="mid"/>
+    </dgm:alg>
+    <dgm:shape xmlns:r="http://schemas.openxmlformats.org/officeDocument/2006/relationships" r:blip="">
+      <dgm:adjLst/>
+    </dgm:shape>
+    <dgm:presOf/>
+    <dgm:constrLst>
+      <dgm:constr type="w" for="ch" forName="parentText" refType="w"/>
+      <dgm:constr type="h" for="ch" forName="parentText" refType="primFontSz" refFor="ch" refForName="parentText" fact="0.52"/>
+      <dgm:constr type="w" for="ch" forName="childText" refType="w"/>
+      <dgm:constr type="h" for="ch" forName="childText" refType="primFontSz" refFor="ch" refForName="parentText" fact="0.46"/>
+      <dgm:constr type="h" for="ch" forName="parentText" op="equ"/>
+      <dgm:constr type="primFontSz" for="ch" forName="parentText" op="equ" val="65"/>
+      <dgm:constr type="primFontSz" for="ch" forName="childText" refType="primFontSz" refFor="ch" refForName="parentText" op="equ"/>
+      <dgm:constr type="h" for="ch" forName="spacer" refType="primFontSz" refFor="ch" refForName="parentText" fact="0.08"/>
+    </dgm:constrLst>
+    <dgm:ruleLst>
+      <dgm:rule type="primFontSz" for="ch" forName="parentText" val="5" fact="NaN" max="NaN"/>
+    </dgm:ruleLst>
+    <dgm:forEach name="Name0" axis="ch" ptType="node">
+      <dgm:layoutNode name="parentText" styleLbl="node1">
+        <dgm:varLst>
+          <dgm:chMax val="0"/>
+          <dgm:bulletEnabled val="1"/>
+        </dgm:varLst>
+        <dgm:alg type="tx">
+          <dgm:param type="parTxLTRAlign" val="l"/>
+          <dgm:param type="parTxRTLAlign" val="r"/>
+        </dgm:alg>
+        <dgm:shape xmlns:r="http://schemas.openxmlformats.org/officeDocument/2006/relationships" type="roundRect" r:blip="">
+          <dgm:adjLst/>
+        </dgm:shape>
+        <dgm:presOf axis="self"/>
+        <dgm:constrLst>
+          <dgm:constr type="tMarg" refType="primFontSz" fact="0.3"/>
+          <dgm:constr type="bMarg" refType="primFontSz" fact="0.3"/>
+          <dgm:constr type="lMarg" refType="primFontSz" fact="0.3"/>
+          <dgm:constr type="rMarg" refType="primFontSz" fact="0.3"/>
+        </dgm:constrLst>
+        <dgm:ruleLst>
+          <dgm:rule type="h" val="INF" fact="NaN" max="NaN"/>
+        </dgm:ruleLst>
+      </dgm:layoutNode>
+      <dgm:choose name="Name1">
+        <dgm:if name="Name2" axis="ch" ptType="node" func="cnt" op="gte" val="1">
+          <dgm:layoutNode name="childText" styleLbl="revTx">
+            <dgm:varLst>
+              <dgm:bulletEnabled val="1"/>
+            </dgm:varLst>
+            <dgm:alg type="tx">
+              <dgm:param type="stBulletLvl" val="1"/>
+              <dgm:param type="lnSpAfChP" val="20"/>
+            </dgm:alg>
+            <dgm:shape xmlns:r="http://schemas.openxmlformats.org/officeDocument/2006/relationships" type="rect" r:blip="">
+              <dgm:adjLst/>
+            </dgm:shape>
+            <dgm:presOf axis="des" ptType="node"/>
+            <dgm:constrLst>
+              <dgm:constr type="tMarg" refType="primFontSz" fact="0.1"/>
+              <dgm:constr type="bMarg" refType="primFontSz" fact="0.1"/>
+              <dgm:constr type="lMarg" refType="w" fact="0.09"/>
+            </dgm:constrLst>
+            <dgm:ruleLst>
+              <dgm:rule type="h" val="INF" fact="NaN" max="NaN"/>
+            </dgm:ruleLst>
+          </dgm:layoutNode>
+        </dgm:if>
+        <dgm:else name="Name3">
+          <dgm:choose name="Name4">
+            <dgm:if name="Name5" axis="par ch" ptType="doc node" func="cnt" op="gte" val="2">
+              <dgm:forEach name="Name6" axis="followSib" ptType="sibTrans" cnt="1">
+                <dgm:layoutNode name="spacer">
+                  <dgm:alg type="sp"/>
+                  <dgm:shape xmlns:r="http://schemas.openxmlformats.org/officeDocument/2006/relationships" r:blip="">
+                    <dgm:adjLst/>
+                  </dgm:shape>
+                  <dgm:presOf/>
+                  <dgm:constrLst/>
+                  <dgm:ruleLst/>
+                </dgm:layoutNode>
+              </dgm:forEach>
+            </dgm:if>
+            <dgm:else name="Name7"/>
+          </dgm:choose>
+        </dgm:else>
+      </dgm:choose>
+    </dgm:forEach>
+  </dgm:layoutNode>
+</dgm:layoutDef>
+</file>
+
 <file path=ppt/diagrams/quickStyle1.xml><?xml version="1.0" encoding="utf-8"?>
 <dgm:styleDef xmlns:dgm="http://schemas.openxmlformats.org/drawingml/2006/diagram" xmlns:a="http://schemas.openxmlformats.org/drawingml/2006/main" uniqueId="urn:microsoft.com/office/officeart/2005/8/quickstyle/simple1">
   <dgm:title val=""/>
@@ -21779,6 +23162,1040 @@
 </file>
 
 <file path=ppt/diagrams/quickStyle7.xml><?xml version="1.0" encoding="utf-8"?>
+<dgm:styleDef xmlns:dgm="http://schemas.openxmlformats.org/drawingml/2006/diagram" xmlns:a="http://schemas.openxmlformats.org/drawingml/2006/main" uniqueId="urn:microsoft.com/office/officeart/2005/8/quickstyle/simple1">
+  <dgm:title val=""/>
+  <dgm:desc val=""/>
+  <dgm:catLst>
+    <dgm:cat type="simple" pri="10100"/>
+  </dgm:catLst>
+  <dgm:scene3d>
+    <a:camera prst="orthographicFront"/>
+    <a:lightRig rig="threePt" dir="t"/>
+  </dgm:scene3d>
+  <dgm:styleLbl name="node0">
+    <dgm:scene3d>
+      <a:camera prst="orthographicFront"/>
+      <a:lightRig rig="threePt" dir="t"/>
+    </dgm:scene3d>
+    <dgm:sp3d/>
+    <dgm:txPr/>
+    <dgm:style>
+      <a:lnRef idx="2">
+        <a:scrgbClr r="0" g="0" b="0"/>
+      </a:lnRef>
+      <a:fillRef idx="1">
+        <a:scrgbClr r="0" g="0" b="0"/>
+      </a:fillRef>
+      <a:effectRef idx="0">
+        <a:scrgbClr r="0" g="0" b="0"/>
+      </a:effectRef>
+      <a:fontRef idx="minor">
+        <a:schemeClr val="lt1"/>
+      </a:fontRef>
+    </dgm:style>
+  </dgm:styleLbl>
+  <dgm:styleLbl name="lnNode1">
+    <dgm:scene3d>
+      <a:camera prst="orthographicFront"/>
+      <a:lightRig rig="threePt" dir="t"/>
+    </dgm:scene3d>
+    <dgm:sp3d/>
+    <dgm:txPr/>
+    <dgm:style>
+      <a:lnRef idx="2">
+        <a:scrgbClr r="0" g="0" b="0"/>
+      </a:lnRef>
+      <a:fillRef idx="1">
+        <a:scrgbClr r="0" g="0" b="0"/>
+      </a:fillRef>
+      <a:effectRef idx="0">
+        <a:scrgbClr r="0" g="0" b="0"/>
+      </a:effectRef>
+      <a:fontRef idx="minor">
+        <a:schemeClr val="lt1"/>
+      </a:fontRef>
+    </dgm:style>
+  </dgm:styleLbl>
+  <dgm:styleLbl name="vennNode1">
+    <dgm:scene3d>
+      <a:camera prst="orthographicFront"/>
+      <a:lightRig rig="threePt" dir="t"/>
+    </dgm:scene3d>
+    <dgm:sp3d/>
+    <dgm:txPr/>
+    <dgm:style>
+      <a:lnRef idx="2">
+        <a:scrgbClr r="0" g="0" b="0"/>
+      </a:lnRef>
+      <a:fillRef idx="1">
+        <a:scrgbClr r="0" g="0" b="0"/>
+      </a:fillRef>
+      <a:effectRef idx="0">
+        <a:scrgbClr r="0" g="0" b="0"/>
+      </a:effectRef>
+      <a:fontRef idx="minor">
+        <a:schemeClr val="tx1"/>
+      </a:fontRef>
+    </dgm:style>
+  </dgm:styleLbl>
+  <dgm:styleLbl name="alignNode1">
+    <dgm:scene3d>
+      <a:camera prst="orthographicFront"/>
+      <a:lightRig rig="threePt" dir="t"/>
+    </dgm:scene3d>
+    <dgm:sp3d/>
+    <dgm:txPr/>
+    <dgm:style>
+      <a:lnRef idx="2">
+        <a:scrgbClr r="0" g="0" b="0"/>
+      </a:lnRef>
+      <a:fillRef idx="1">
+        <a:scrgbClr r="0" g="0" b="0"/>
+      </a:fillRef>
+      <a:effectRef idx="0">
+        <a:scrgbClr r="0" g="0" b="0"/>
+      </a:effectRef>
+      <a:fontRef idx="minor">
+        <a:schemeClr val="lt1"/>
+      </a:fontRef>
+    </dgm:style>
+  </dgm:styleLbl>
+  <dgm:styleLbl name="node1">
+    <dgm:scene3d>
+      <a:camera prst="orthographicFront"/>
+      <a:lightRig rig="threePt" dir="t"/>
+    </dgm:scene3d>
+    <dgm:sp3d/>
+    <dgm:txPr/>
+    <dgm:style>
+      <a:lnRef idx="2">
+        <a:scrgbClr r="0" g="0" b="0"/>
+      </a:lnRef>
+      <a:fillRef idx="1">
+        <a:scrgbClr r="0" g="0" b="0"/>
+      </a:fillRef>
+      <a:effectRef idx="0">
+        <a:scrgbClr r="0" g="0" b="0"/>
+      </a:effectRef>
+      <a:fontRef idx="minor">
+        <a:schemeClr val="lt1"/>
+      </a:fontRef>
+    </dgm:style>
+  </dgm:styleLbl>
+  <dgm:styleLbl name="node2">
+    <dgm:scene3d>
+      <a:camera prst="orthographicFront"/>
+      <a:lightRig rig="threePt" dir="t"/>
+    </dgm:scene3d>
+    <dgm:sp3d/>
+    <dgm:txPr/>
+    <dgm:style>
+      <a:lnRef idx="2">
+        <a:scrgbClr r="0" g="0" b="0"/>
+      </a:lnRef>
+      <a:fillRef idx="1">
+        <a:scrgbClr r="0" g="0" b="0"/>
+      </a:fillRef>
+      <a:effectRef idx="0">
+        <a:scrgbClr r="0" g="0" b="0"/>
+      </a:effectRef>
+      <a:fontRef idx="minor">
+        <a:schemeClr val="lt1"/>
+      </a:fontRef>
+    </dgm:style>
+  </dgm:styleLbl>
+  <dgm:styleLbl name="node3">
+    <dgm:scene3d>
+      <a:camera prst="orthographicFront"/>
+      <a:lightRig rig="threePt" dir="t"/>
+    </dgm:scene3d>
+    <dgm:sp3d/>
+    <dgm:txPr/>
+    <dgm:style>
+      <a:lnRef idx="2">
+        <a:scrgbClr r="0" g="0" b="0"/>
+      </a:lnRef>
+      <a:fillRef idx="1">
+        <a:scrgbClr r="0" g="0" b="0"/>
+      </a:fillRef>
+      <a:effectRef idx="0">
+        <a:scrgbClr r="0" g="0" b="0"/>
+      </a:effectRef>
+      <a:fontRef idx="minor">
+        <a:schemeClr val="lt1"/>
+      </a:fontRef>
+    </dgm:style>
+  </dgm:styleLbl>
+  <dgm:styleLbl name="node4">
+    <dgm:scene3d>
+      <a:camera prst="orthographicFront"/>
+      <a:lightRig rig="threePt" dir="t"/>
+    </dgm:scene3d>
+    <dgm:sp3d/>
+    <dgm:txPr/>
+    <dgm:style>
+      <a:lnRef idx="2">
+        <a:scrgbClr r="0" g="0" b="0"/>
+      </a:lnRef>
+      <a:fillRef idx="1">
+        <a:scrgbClr r="0" g="0" b="0"/>
+      </a:fillRef>
+      <a:effectRef idx="0">
+        <a:scrgbClr r="0" g="0" b="0"/>
+      </a:effectRef>
+      <a:fontRef idx="minor">
+        <a:schemeClr val="lt1"/>
+      </a:fontRef>
+    </dgm:style>
+  </dgm:styleLbl>
+  <dgm:styleLbl name="fgImgPlace1">
+    <dgm:scene3d>
+      <a:camera prst="orthographicFront"/>
+      <a:lightRig rig="threePt" dir="t"/>
+    </dgm:scene3d>
+    <dgm:sp3d/>
+    <dgm:txPr/>
+    <dgm:style>
+      <a:lnRef idx="2">
+        <a:scrgbClr r="0" g="0" b="0"/>
+      </a:lnRef>
+      <a:fillRef idx="1">
+        <a:scrgbClr r="0" g="0" b="0"/>
+      </a:fillRef>
+      <a:effectRef idx="0">
+        <a:scrgbClr r="0" g="0" b="0"/>
+      </a:effectRef>
+      <a:fontRef idx="minor"/>
+    </dgm:style>
+  </dgm:styleLbl>
+  <dgm:styleLbl name="alignImgPlace1">
+    <dgm:scene3d>
+      <a:camera prst="orthographicFront"/>
+      <a:lightRig rig="threePt" dir="t"/>
+    </dgm:scene3d>
+    <dgm:sp3d/>
+    <dgm:txPr/>
+    <dgm:style>
+      <a:lnRef idx="2">
+        <a:scrgbClr r="0" g="0" b="0"/>
+      </a:lnRef>
+      <a:fillRef idx="1">
+        <a:scrgbClr r="0" g="0" b="0"/>
+      </a:fillRef>
+      <a:effectRef idx="0">
+        <a:scrgbClr r="0" g="0" b="0"/>
+      </a:effectRef>
+      <a:fontRef idx="minor"/>
+    </dgm:style>
+  </dgm:styleLbl>
+  <dgm:styleLbl name="bgImgPlace1">
+    <dgm:scene3d>
+      <a:camera prst="orthographicFront"/>
+      <a:lightRig rig="threePt" dir="t"/>
+    </dgm:scene3d>
+    <dgm:sp3d/>
+    <dgm:txPr/>
+    <dgm:style>
+      <a:lnRef idx="2">
+        <a:scrgbClr r="0" g="0" b="0"/>
+      </a:lnRef>
+      <a:fillRef idx="1">
+        <a:scrgbClr r="0" g="0" b="0"/>
+      </a:fillRef>
+      <a:effectRef idx="0">
+        <a:scrgbClr r="0" g="0" b="0"/>
+      </a:effectRef>
+      <a:fontRef idx="minor"/>
+    </dgm:style>
+  </dgm:styleLbl>
+  <dgm:styleLbl name="sibTrans2D1">
+    <dgm:scene3d>
+      <a:camera prst="orthographicFront"/>
+      <a:lightRig rig="threePt" dir="t"/>
+    </dgm:scene3d>
+    <dgm:sp3d/>
+    <dgm:txPr/>
+    <dgm:style>
+      <a:lnRef idx="0">
+        <a:scrgbClr r="0" g="0" b="0"/>
+      </a:lnRef>
+      <a:fillRef idx="1">
+        <a:scrgbClr r="0" g="0" b="0"/>
+      </a:fillRef>
+      <a:effectRef idx="0">
+        <a:scrgbClr r="0" g="0" b="0"/>
+      </a:effectRef>
+      <a:fontRef idx="minor">
+        <a:schemeClr val="lt1"/>
+      </a:fontRef>
+    </dgm:style>
+  </dgm:styleLbl>
+  <dgm:styleLbl name="fgSibTrans2D1">
+    <dgm:scene3d>
+      <a:camera prst="orthographicFront"/>
+      <a:lightRig rig="threePt" dir="t"/>
+    </dgm:scene3d>
+    <dgm:sp3d/>
+    <dgm:txPr/>
+    <dgm:style>
+      <a:lnRef idx="0">
+        <a:scrgbClr r="0" g="0" b="0"/>
+      </a:lnRef>
+      <a:fillRef idx="1">
+        <a:scrgbClr r="0" g="0" b="0"/>
+      </a:fillRef>
+      <a:effectRef idx="0">
+        <a:scrgbClr r="0" g="0" b="0"/>
+      </a:effectRef>
+      <a:fontRef idx="minor">
+        <a:schemeClr val="lt1"/>
+      </a:fontRef>
+    </dgm:style>
+  </dgm:styleLbl>
+  <dgm:styleLbl name="bgSibTrans2D1">
+    <dgm:scene3d>
+      <a:camera prst="orthographicFront"/>
+      <a:lightRig rig="threePt" dir="t"/>
+    </dgm:scene3d>
+    <dgm:sp3d/>
+    <dgm:txPr/>
+    <dgm:style>
+      <a:lnRef idx="0">
+        <a:scrgbClr r="0" g="0" b="0"/>
+      </a:lnRef>
+      <a:fillRef idx="1">
+        <a:scrgbClr r="0" g="0" b="0"/>
+      </a:fillRef>
+      <a:effectRef idx="0">
+        <a:scrgbClr r="0" g="0" b="0"/>
+      </a:effectRef>
+      <a:fontRef idx="minor">
+        <a:schemeClr val="lt1"/>
+      </a:fontRef>
+    </dgm:style>
+  </dgm:styleLbl>
+  <dgm:styleLbl name="sibTrans1D1">
+    <dgm:scene3d>
+      <a:camera prst="orthographicFront"/>
+      <a:lightRig rig="threePt" dir="t"/>
+    </dgm:scene3d>
+    <dgm:sp3d/>
+    <dgm:txPr/>
+    <dgm:style>
+      <a:lnRef idx="1">
+        <a:scrgbClr r="0" g="0" b="0"/>
+      </a:lnRef>
+      <a:fillRef idx="0">
+        <a:scrgbClr r="0" g="0" b="0"/>
+      </a:fillRef>
+      <a:effectRef idx="0">
+        <a:scrgbClr r="0" g="0" b="0"/>
+      </a:effectRef>
+      <a:fontRef idx="minor"/>
+    </dgm:style>
+  </dgm:styleLbl>
+  <dgm:styleLbl name="callout">
+    <dgm:scene3d>
+      <a:camera prst="orthographicFront"/>
+      <a:lightRig rig="threePt" dir="t"/>
+    </dgm:scene3d>
+    <dgm:sp3d/>
+    <dgm:txPr/>
+    <dgm:style>
+      <a:lnRef idx="2">
+        <a:scrgbClr r="0" g="0" b="0"/>
+      </a:lnRef>
+      <a:fillRef idx="1">
+        <a:scrgbClr r="0" g="0" b="0"/>
+      </a:fillRef>
+      <a:effectRef idx="0">
+        <a:scrgbClr r="0" g="0" b="0"/>
+      </a:effectRef>
+      <a:fontRef idx="minor"/>
+    </dgm:style>
+  </dgm:styleLbl>
+  <dgm:styleLbl name="asst0">
+    <dgm:scene3d>
+      <a:camera prst="orthographicFront"/>
+      <a:lightRig rig="threePt" dir="t"/>
+    </dgm:scene3d>
+    <dgm:sp3d/>
+    <dgm:txPr/>
+    <dgm:style>
+      <a:lnRef idx="2">
+        <a:scrgbClr r="0" g="0" b="0"/>
+      </a:lnRef>
+      <a:fillRef idx="1">
+        <a:scrgbClr r="0" g="0" b="0"/>
+      </a:fillRef>
+      <a:effectRef idx="0">
+        <a:scrgbClr r="0" g="0" b="0"/>
+      </a:effectRef>
+      <a:fontRef idx="minor">
+        <a:schemeClr val="lt1"/>
+      </a:fontRef>
+    </dgm:style>
+  </dgm:styleLbl>
+  <dgm:styleLbl name="asst1">
+    <dgm:scene3d>
+      <a:camera prst="orthographicFront"/>
+      <a:lightRig rig="threePt" dir="t"/>
+    </dgm:scene3d>
+    <dgm:sp3d/>
+    <dgm:txPr/>
+    <dgm:style>
+      <a:lnRef idx="2">
+        <a:scrgbClr r="0" g="0" b="0"/>
+      </a:lnRef>
+      <a:fillRef idx="1">
+        <a:scrgbClr r="0" g="0" b="0"/>
+      </a:fillRef>
+      <a:effectRef idx="0">
+        <a:scrgbClr r="0" g="0" b="0"/>
+      </a:effectRef>
+      <a:fontRef idx="minor">
+        <a:schemeClr val="lt1"/>
+      </a:fontRef>
+    </dgm:style>
+  </dgm:styleLbl>
+  <dgm:styleLbl name="asst2">
+    <dgm:scene3d>
+      <a:camera prst="orthographicFront"/>
+      <a:lightRig rig="threePt" dir="t"/>
+    </dgm:scene3d>
+    <dgm:sp3d/>
+    <dgm:txPr/>
+    <dgm:style>
+      <a:lnRef idx="2">
+        <a:scrgbClr r="0" g="0" b="0"/>
+      </a:lnRef>
+      <a:fillRef idx="1">
+        <a:scrgbClr r="0" g="0" b="0"/>
+      </a:fillRef>
+      <a:effectRef idx="0">
+        <a:scrgbClr r="0" g="0" b="0"/>
+      </a:effectRef>
+      <a:fontRef idx="minor">
+        <a:schemeClr val="lt1"/>
+      </a:fontRef>
+    </dgm:style>
+  </dgm:styleLbl>
+  <dgm:styleLbl name="asst3">
+    <dgm:scene3d>
+      <a:camera prst="orthographicFront"/>
+      <a:lightRig rig="threePt" dir="t"/>
+    </dgm:scene3d>
+    <dgm:sp3d/>
+    <dgm:txPr/>
+    <dgm:style>
+      <a:lnRef idx="2">
+        <a:scrgbClr r="0" g="0" b="0"/>
+      </a:lnRef>
+      <a:fillRef idx="1">
+        <a:scrgbClr r="0" g="0" b="0"/>
+      </a:fillRef>
+      <a:effectRef idx="0">
+        <a:scrgbClr r="0" g="0" b="0"/>
+      </a:effectRef>
+      <a:fontRef idx="minor">
+        <a:schemeClr val="lt1"/>
+      </a:fontRef>
+    </dgm:style>
+  </dgm:styleLbl>
+  <dgm:styleLbl name="asst4">
+    <dgm:scene3d>
+      <a:camera prst="orthographicFront"/>
+      <a:lightRig rig="threePt" dir="t"/>
+    </dgm:scene3d>
+    <dgm:sp3d/>
+    <dgm:txPr/>
+    <dgm:style>
+      <a:lnRef idx="2">
+        <a:scrgbClr r="0" g="0" b="0"/>
+      </a:lnRef>
+      <a:fillRef idx="1">
+        <a:scrgbClr r="0" g="0" b="0"/>
+      </a:fillRef>
+      <a:effectRef idx="0">
+        <a:scrgbClr r="0" g="0" b="0"/>
+      </a:effectRef>
+      <a:fontRef idx="minor">
+        <a:schemeClr val="lt1"/>
+      </a:fontRef>
+    </dgm:style>
+  </dgm:styleLbl>
+  <dgm:styleLbl name="parChTrans2D1">
+    <dgm:scene3d>
+      <a:camera prst="orthographicFront"/>
+      <a:lightRig rig="threePt" dir="t"/>
+    </dgm:scene3d>
+    <dgm:sp3d/>
+    <dgm:txPr/>
+    <dgm:style>
+      <a:lnRef idx="2">
+        <a:scrgbClr r="0" g="0" b="0"/>
+      </a:lnRef>
+      <a:fillRef idx="1">
+        <a:scrgbClr r="0" g="0" b="0"/>
+      </a:fillRef>
+      <a:effectRef idx="0">
+        <a:scrgbClr r="0" g="0" b="0"/>
+      </a:effectRef>
+      <a:fontRef idx="minor">
+        <a:schemeClr val="lt1"/>
+      </a:fontRef>
+    </dgm:style>
+  </dgm:styleLbl>
+  <dgm:styleLbl name="parChTrans2D2">
+    <dgm:scene3d>
+      <a:camera prst="orthographicFront"/>
+      <a:lightRig rig="threePt" dir="t"/>
+    </dgm:scene3d>
+    <dgm:sp3d/>
+    <dgm:txPr/>
+    <dgm:style>
+      <a:lnRef idx="2">
+        <a:scrgbClr r="0" g="0" b="0"/>
+      </a:lnRef>
+      <a:fillRef idx="1">
+        <a:scrgbClr r="0" g="0" b="0"/>
+      </a:fillRef>
+      <a:effectRef idx="0">
+        <a:scrgbClr r="0" g="0" b="0"/>
+      </a:effectRef>
+      <a:fontRef idx="minor">
+        <a:schemeClr val="lt1"/>
+      </a:fontRef>
+    </dgm:style>
+  </dgm:styleLbl>
+  <dgm:styleLbl name="parChTrans2D3">
+    <dgm:scene3d>
+      <a:camera prst="orthographicFront"/>
+      <a:lightRig rig="threePt" dir="t"/>
+    </dgm:scene3d>
+    <dgm:sp3d/>
+    <dgm:txPr/>
+    <dgm:style>
+      <a:lnRef idx="2">
+        <a:scrgbClr r="0" g="0" b="0"/>
+      </a:lnRef>
+      <a:fillRef idx="1">
+        <a:scrgbClr r="0" g="0" b="0"/>
+      </a:fillRef>
+      <a:effectRef idx="0">
+        <a:scrgbClr r="0" g="0" b="0"/>
+      </a:effectRef>
+      <a:fontRef idx="minor">
+        <a:schemeClr val="lt1"/>
+      </a:fontRef>
+    </dgm:style>
+  </dgm:styleLbl>
+  <dgm:styleLbl name="parChTrans2D4">
+    <dgm:scene3d>
+      <a:camera prst="orthographicFront"/>
+      <a:lightRig rig="threePt" dir="t"/>
+    </dgm:scene3d>
+    <dgm:sp3d/>
+    <dgm:txPr/>
+    <dgm:style>
+      <a:lnRef idx="2">
+        <a:scrgbClr r="0" g="0" b="0"/>
+      </a:lnRef>
+      <a:fillRef idx="1">
+        <a:scrgbClr r="0" g="0" b="0"/>
+      </a:fillRef>
+      <a:effectRef idx="0">
+        <a:scrgbClr r="0" g="0" b="0"/>
+      </a:effectRef>
+      <a:fontRef idx="minor">
+        <a:schemeClr val="lt1"/>
+      </a:fontRef>
+    </dgm:style>
+  </dgm:styleLbl>
+  <dgm:styleLbl name="parChTrans1D1">
+    <dgm:scene3d>
+      <a:camera prst="orthographicFront"/>
+      <a:lightRig rig="threePt" dir="t"/>
+    </dgm:scene3d>
+    <dgm:sp3d/>
+    <dgm:txPr/>
+    <dgm:style>
+      <a:lnRef idx="2">
+        <a:scrgbClr r="0" g="0" b="0"/>
+      </a:lnRef>
+      <a:fillRef idx="0">
+        <a:scrgbClr r="0" g="0" b="0"/>
+      </a:fillRef>
+      <a:effectRef idx="0">
+        <a:scrgbClr r="0" g="0" b="0"/>
+      </a:effectRef>
+      <a:fontRef idx="minor"/>
+    </dgm:style>
+  </dgm:styleLbl>
+  <dgm:styleLbl name="parChTrans1D2">
+    <dgm:scene3d>
+      <a:camera prst="orthographicFront"/>
+      <a:lightRig rig="threePt" dir="t"/>
+    </dgm:scene3d>
+    <dgm:sp3d/>
+    <dgm:txPr/>
+    <dgm:style>
+      <a:lnRef idx="2">
+        <a:scrgbClr r="0" g="0" b="0"/>
+      </a:lnRef>
+      <a:fillRef idx="0">
+        <a:scrgbClr r="0" g="0" b="0"/>
+      </a:fillRef>
+      <a:effectRef idx="0">
+        <a:scrgbClr r="0" g="0" b="0"/>
+      </a:effectRef>
+      <a:fontRef idx="minor"/>
+    </dgm:style>
+  </dgm:styleLbl>
+  <dgm:styleLbl name="parChTrans1D3">
+    <dgm:scene3d>
+      <a:camera prst="orthographicFront"/>
+      <a:lightRig rig="threePt" dir="t"/>
+    </dgm:scene3d>
+    <dgm:sp3d/>
+    <dgm:txPr/>
+    <dgm:style>
+      <a:lnRef idx="2">
+        <a:scrgbClr r="0" g="0" b="0"/>
+      </a:lnRef>
+      <a:fillRef idx="0">
+        <a:scrgbClr r="0" g="0" b="0"/>
+      </a:fillRef>
+      <a:effectRef idx="0">
+        <a:scrgbClr r="0" g="0" b="0"/>
+      </a:effectRef>
+      <a:fontRef idx="minor"/>
+    </dgm:style>
+  </dgm:styleLbl>
+  <dgm:styleLbl name="parChTrans1D4">
+    <dgm:scene3d>
+      <a:camera prst="orthographicFront"/>
+      <a:lightRig rig="threePt" dir="t"/>
+    </dgm:scene3d>
+    <dgm:sp3d/>
+    <dgm:txPr/>
+    <dgm:style>
+      <a:lnRef idx="2">
+        <a:scrgbClr r="0" g="0" b="0"/>
+      </a:lnRef>
+      <a:fillRef idx="0">
+        <a:scrgbClr r="0" g="0" b="0"/>
+      </a:fillRef>
+      <a:effectRef idx="0">
+        <a:scrgbClr r="0" g="0" b="0"/>
+      </a:effectRef>
+      <a:fontRef idx="minor"/>
+    </dgm:style>
+  </dgm:styleLbl>
+  <dgm:styleLbl name="fgAcc1">
+    <dgm:scene3d>
+      <a:camera prst="orthographicFront"/>
+      <a:lightRig rig="threePt" dir="t"/>
+    </dgm:scene3d>
+    <dgm:sp3d/>
+    <dgm:txPr/>
+    <dgm:style>
+      <a:lnRef idx="2">
+        <a:scrgbClr r="0" g="0" b="0"/>
+      </a:lnRef>
+      <a:fillRef idx="1">
+        <a:scrgbClr r="0" g="0" b="0"/>
+      </a:fillRef>
+      <a:effectRef idx="0">
+        <a:scrgbClr r="0" g="0" b="0"/>
+      </a:effectRef>
+      <a:fontRef idx="minor"/>
+    </dgm:style>
+  </dgm:styleLbl>
+  <dgm:styleLbl name="conFgAcc1">
+    <dgm:scene3d>
+      <a:camera prst="orthographicFront"/>
+      <a:lightRig rig="threePt" dir="t"/>
+    </dgm:scene3d>
+    <dgm:sp3d/>
+    <dgm:txPr/>
+    <dgm:style>
+      <a:lnRef idx="2">
+        <a:scrgbClr r="0" g="0" b="0"/>
+      </a:lnRef>
+      <a:fillRef idx="1">
+        <a:scrgbClr r="0" g="0" b="0"/>
+      </a:fillRef>
+      <a:effectRef idx="0">
+        <a:scrgbClr r="0" g="0" b="0"/>
+      </a:effectRef>
+      <a:fontRef idx="minor"/>
+    </dgm:style>
+  </dgm:styleLbl>
+  <dgm:styleLbl name="alignAcc1">
+    <dgm:scene3d>
+      <a:camera prst="orthographicFront"/>
+      <a:lightRig rig="threePt" dir="t"/>
+    </dgm:scene3d>
+    <dgm:sp3d/>
+    <dgm:txPr/>
+    <dgm:style>
+      <a:lnRef idx="2">
+        <a:scrgbClr r="0" g="0" b="0"/>
+      </a:lnRef>
+      <a:fillRef idx="1">
+        <a:scrgbClr r="0" g="0" b="0"/>
+      </a:fillRef>
+      <a:effectRef idx="0">
+        <a:scrgbClr r="0" g="0" b="0"/>
+      </a:effectRef>
+      <a:fontRef idx="minor"/>
+    </dgm:style>
+  </dgm:styleLbl>
+  <dgm:styleLbl name="trAlignAcc1">
+    <dgm:scene3d>
+      <a:camera prst="orthographicFront"/>
+      <a:lightRig rig="threePt" dir="t"/>
+    </dgm:scene3d>
+    <dgm:sp3d/>
+    <dgm:txPr/>
+    <dgm:style>
+      <a:lnRef idx="1">
+        <a:scrgbClr r="0" g="0" b="0"/>
+      </a:lnRef>
+      <a:fillRef idx="1">
+        <a:scrgbClr r="0" g="0" b="0"/>
+      </a:fillRef>
+      <a:effectRef idx="0">
+        <a:scrgbClr r="0" g="0" b="0"/>
+      </a:effectRef>
+      <a:fontRef idx="minor"/>
+    </dgm:style>
+  </dgm:styleLbl>
+  <dgm:styleLbl name="bgAcc1">
+    <dgm:scene3d>
+      <a:camera prst="orthographicFront"/>
+      <a:lightRig rig="threePt" dir="t"/>
+    </dgm:scene3d>
+    <dgm:sp3d/>
+    <dgm:txPr/>
+    <dgm:style>
+      <a:lnRef idx="2">
+        <a:scrgbClr r="0" g="0" b="0"/>
+      </a:lnRef>
+      <a:fillRef idx="1">
+        <a:scrgbClr r="0" g="0" b="0"/>
+      </a:fillRef>
+      <a:effectRef idx="0">
+        <a:scrgbClr r="0" g="0" b="0"/>
+      </a:effectRef>
+      <a:fontRef idx="minor"/>
+    </dgm:style>
+  </dgm:styleLbl>
+  <dgm:styleLbl name="solidFgAcc1">
+    <dgm:scene3d>
+      <a:camera prst="orthographicFront"/>
+      <a:lightRig rig="threePt" dir="t"/>
+    </dgm:scene3d>
+    <dgm:sp3d/>
+    <dgm:txPr/>
+    <dgm:style>
+      <a:lnRef idx="2">
+        <a:scrgbClr r="0" g="0" b="0"/>
+      </a:lnRef>
+      <a:fillRef idx="1">
+        <a:scrgbClr r="0" g="0" b="0"/>
+      </a:fillRef>
+      <a:effectRef idx="0">
+        <a:scrgbClr r="0" g="0" b="0"/>
+      </a:effectRef>
+      <a:fontRef idx="minor"/>
+    </dgm:style>
+  </dgm:styleLbl>
+  <dgm:styleLbl name="solidAlignAcc1">
+    <dgm:scene3d>
+      <a:camera prst="orthographicFront"/>
+      <a:lightRig rig="threePt" dir="t"/>
+    </dgm:scene3d>
+    <dgm:sp3d/>
+    <dgm:txPr/>
+    <dgm:style>
+      <a:lnRef idx="2">
+        <a:scrgbClr r="0" g="0" b="0"/>
+      </a:lnRef>
+      <a:fillRef idx="1">
+        <a:scrgbClr r="0" g="0" b="0"/>
+      </a:fillRef>
+      <a:effectRef idx="0">
+        <a:scrgbClr r="0" g="0" b="0"/>
+      </a:effectRef>
+      <a:fontRef idx="minor"/>
+    </dgm:style>
+  </dgm:styleLbl>
+  <dgm:styleLbl name="solidBgAcc1">
+    <dgm:scene3d>
+      <a:camera prst="orthographicFront"/>
+      <a:lightRig rig="threePt" dir="t"/>
+    </dgm:scene3d>
+    <dgm:sp3d/>
+    <dgm:txPr/>
+    <dgm:style>
+      <a:lnRef idx="2">
+        <a:scrgbClr r="0" g="0" b="0"/>
+      </a:lnRef>
+      <a:fillRef idx="1">
+        <a:scrgbClr r="0" g="0" b="0"/>
+      </a:fillRef>
+      <a:effectRef idx="0">
+        <a:scrgbClr r="0" g="0" b="0"/>
+      </a:effectRef>
+      <a:fontRef idx="minor"/>
+    </dgm:style>
+  </dgm:styleLbl>
+  <dgm:styleLbl name="fgAccFollowNode1">
+    <dgm:scene3d>
+      <a:camera prst="orthographicFront"/>
+      <a:lightRig rig="threePt" dir="t"/>
+    </dgm:scene3d>
+    <dgm:sp3d/>
+    <dgm:txPr/>
+    <dgm:style>
+      <a:lnRef idx="2">
+        <a:scrgbClr r="0" g="0" b="0"/>
+      </a:lnRef>
+      <a:fillRef idx="1">
+        <a:scrgbClr r="0" g="0" b="0"/>
+      </a:fillRef>
+      <a:effectRef idx="0">
+        <a:scrgbClr r="0" g="0" b="0"/>
+      </a:effectRef>
+      <a:fontRef idx="minor"/>
+    </dgm:style>
+  </dgm:styleLbl>
+  <dgm:styleLbl name="alignAccFollowNode1">
+    <dgm:scene3d>
+      <a:camera prst="orthographicFront"/>
+      <a:lightRig rig="threePt" dir="t"/>
+    </dgm:scene3d>
+    <dgm:sp3d/>
+    <dgm:txPr/>
+    <dgm:style>
+      <a:lnRef idx="2">
+        <a:scrgbClr r="0" g="0" b="0"/>
+      </a:lnRef>
+      <a:fillRef idx="1">
+        <a:scrgbClr r="0" g="0" b="0"/>
+      </a:fillRef>
+      <a:effectRef idx="0">
+        <a:scrgbClr r="0" g="0" b="0"/>
+      </a:effectRef>
+      <a:fontRef idx="minor"/>
+    </dgm:style>
+  </dgm:styleLbl>
+  <dgm:styleLbl name="bgAccFollowNode1">
+    <dgm:scene3d>
+      <a:camera prst="orthographicFront"/>
+      <a:lightRig rig="threePt" dir="t"/>
+    </dgm:scene3d>
+    <dgm:sp3d/>
+    <dgm:txPr/>
+    <dgm:style>
+      <a:lnRef idx="2">
+        <a:scrgbClr r="0" g="0" b="0"/>
+      </a:lnRef>
+      <a:fillRef idx="1">
+        <a:scrgbClr r="0" g="0" b="0"/>
+      </a:fillRef>
+      <a:effectRef idx="0">
+        <a:scrgbClr r="0" g="0" b="0"/>
+      </a:effectRef>
+      <a:fontRef idx="minor"/>
+    </dgm:style>
+  </dgm:styleLbl>
+  <dgm:styleLbl name="fgAcc0">
+    <dgm:scene3d>
+      <a:camera prst="orthographicFront"/>
+      <a:lightRig rig="threePt" dir="t"/>
+    </dgm:scene3d>
+    <dgm:sp3d/>
+    <dgm:txPr/>
+    <dgm:style>
+      <a:lnRef idx="2">
+        <a:scrgbClr r="0" g="0" b="0"/>
+      </a:lnRef>
+      <a:fillRef idx="1">
+        <a:scrgbClr r="0" g="0" b="0"/>
+      </a:fillRef>
+      <a:effectRef idx="0">
+        <a:scrgbClr r="0" g="0" b="0"/>
+      </a:effectRef>
+      <a:fontRef idx="minor"/>
+    </dgm:style>
+  </dgm:styleLbl>
+  <dgm:styleLbl name="fgAcc2">
+    <dgm:scene3d>
+      <a:camera prst="orthographicFront"/>
+      <a:lightRig rig="threePt" dir="t"/>
+    </dgm:scene3d>
+    <dgm:sp3d/>
+    <dgm:txPr/>
+    <dgm:style>
+      <a:lnRef idx="2">
+        <a:scrgbClr r="0" g="0" b="0"/>
+      </a:lnRef>
+      <a:fillRef idx="1">
+        <a:scrgbClr r="0" g="0" b="0"/>
+      </a:fillRef>
+      <a:effectRef idx="0">
+        <a:scrgbClr r="0" g="0" b="0"/>
+      </a:effectRef>
+      <a:fontRef idx="minor"/>
+    </dgm:style>
+  </dgm:styleLbl>
+  <dgm:styleLbl name="fgAcc3">
+    <dgm:scene3d>
+      <a:camera prst="orthographicFront"/>
+      <a:lightRig rig="threePt" dir="t"/>
+    </dgm:scene3d>
+    <dgm:sp3d/>
+    <dgm:txPr/>
+    <dgm:style>
+      <a:lnRef idx="2">
+        <a:scrgbClr r="0" g="0" b="0"/>
+      </a:lnRef>
+      <a:fillRef idx="1">
+        <a:scrgbClr r="0" g="0" b="0"/>
+      </a:fillRef>
+      <a:effectRef idx="0">
+        <a:scrgbClr r="0" g="0" b="0"/>
+      </a:effectRef>
+      <a:fontRef idx="minor"/>
+    </dgm:style>
+  </dgm:styleLbl>
+  <dgm:styleLbl name="fgAcc4">
+    <dgm:scene3d>
+      <a:camera prst="orthographicFront"/>
+      <a:lightRig rig="threePt" dir="t"/>
+    </dgm:scene3d>
+    <dgm:sp3d/>
+    <dgm:txPr/>
+    <dgm:style>
+      <a:lnRef idx="2">
+        <a:scrgbClr r="0" g="0" b="0"/>
+      </a:lnRef>
+      <a:fillRef idx="1">
+        <a:scrgbClr r="0" g="0" b="0"/>
+      </a:fillRef>
+      <a:effectRef idx="0">
+        <a:scrgbClr r="0" g="0" b="0"/>
+      </a:effectRef>
+      <a:fontRef idx="minor"/>
+    </dgm:style>
+  </dgm:styleLbl>
+  <dgm:styleLbl name="bgShp">
+    <dgm:scene3d>
+      <a:camera prst="orthographicFront"/>
+      <a:lightRig rig="threePt" dir="t"/>
+    </dgm:scene3d>
+    <dgm:sp3d/>
+    <dgm:txPr/>
+    <dgm:style>
+      <a:lnRef idx="0">
+        <a:scrgbClr r="0" g="0" b="0"/>
+      </a:lnRef>
+      <a:fillRef idx="1">
+        <a:scrgbClr r="0" g="0" b="0"/>
+      </a:fillRef>
+      <a:effectRef idx="0">
+        <a:scrgbClr r="0" g="0" b="0"/>
+      </a:effectRef>
+      <a:fontRef idx="minor"/>
+    </dgm:style>
+  </dgm:styleLbl>
+  <dgm:styleLbl name="dkBgShp">
+    <dgm:scene3d>
+      <a:camera prst="orthographicFront"/>
+      <a:lightRig rig="threePt" dir="t"/>
+    </dgm:scene3d>
+    <dgm:sp3d/>
+    <dgm:txPr/>
+    <dgm:style>
+      <a:lnRef idx="0">
+        <a:scrgbClr r="0" g="0" b="0"/>
+      </a:lnRef>
+      <a:fillRef idx="1">
+        <a:scrgbClr r="0" g="0" b="0"/>
+      </a:fillRef>
+      <a:effectRef idx="0">
+        <a:scrgbClr r="0" g="0" b="0"/>
+      </a:effectRef>
+      <a:fontRef idx="minor"/>
+    </dgm:style>
+  </dgm:styleLbl>
+  <dgm:styleLbl name="trBgShp">
+    <dgm:scene3d>
+      <a:camera prst="orthographicFront"/>
+      <a:lightRig rig="threePt" dir="t"/>
+    </dgm:scene3d>
+    <dgm:sp3d/>
+    <dgm:txPr/>
+    <dgm:style>
+      <a:lnRef idx="0">
+        <a:scrgbClr r="0" g="0" b="0"/>
+      </a:lnRef>
+      <a:fillRef idx="1">
+        <a:scrgbClr r="0" g="0" b="0"/>
+      </a:fillRef>
+      <a:effectRef idx="0">
+        <a:scrgbClr r="0" g="0" b="0"/>
+      </a:effectRef>
+      <a:fontRef idx="minor"/>
+    </dgm:style>
+  </dgm:styleLbl>
+  <dgm:styleLbl name="fgShp">
+    <dgm:scene3d>
+      <a:camera prst="orthographicFront"/>
+      <a:lightRig rig="threePt" dir="t"/>
+    </dgm:scene3d>
+    <dgm:sp3d/>
+    <dgm:txPr/>
+    <dgm:style>
+      <a:lnRef idx="2">
+        <a:scrgbClr r="0" g="0" b="0"/>
+      </a:lnRef>
+      <a:fillRef idx="1">
+        <a:scrgbClr r="0" g="0" b="0"/>
+      </a:fillRef>
+      <a:effectRef idx="0">
+        <a:scrgbClr r="0" g="0" b="0"/>
+      </a:effectRef>
+      <a:fontRef idx="minor"/>
+    </dgm:style>
+  </dgm:styleLbl>
+  <dgm:styleLbl name="revTx">
+    <dgm:scene3d>
+      <a:camera prst="orthographicFront"/>
+      <a:lightRig rig="threePt" dir="t"/>
+    </dgm:scene3d>
+    <dgm:sp3d/>
+    <dgm:txPr/>
+    <dgm:style>
+      <a:lnRef idx="0">
+        <a:scrgbClr r="0" g="0" b="0"/>
+      </a:lnRef>
+      <a:fillRef idx="0">
+        <a:scrgbClr r="0" g="0" b="0"/>
+      </a:fillRef>
+      <a:effectRef idx="0">
+        <a:scrgbClr r="0" g="0" b="0"/>
+      </a:effectRef>
+      <a:fontRef idx="minor"/>
+    </dgm:style>
+  </dgm:styleLbl>
+</dgm:styleDef>
+</file>
+
+<file path=ppt/diagrams/quickStyle8.xml><?xml version="1.0" encoding="utf-8"?>
 <dgm:styleDef xmlns:dgm="http://schemas.openxmlformats.org/drawingml/2006/diagram" xmlns:a="http://schemas.openxmlformats.org/drawingml/2006/main" uniqueId="urn:microsoft.com/office/officeart/2005/8/quickstyle/simple1">
   <dgm:title val=""/>
   <dgm:desc val=""/>
@@ -22894,7 +25311,7 @@
           <a:p>
             <a:fld id="{73725B04-4458-4150-9CFF-8486B58F8074}" type="datetimeFigureOut">
               <a:rPr lang="en-US" smtClean="0"/>
-              <a:t>11/13/2019</a:t>
+              <a:t>11/22/2019</a:t>
             </a:fld>
             <a:endParaRPr lang="en-US"/>
           </a:p>
@@ -23457,6 +25874,90 @@
           <a:bodyPr/>
           <a:lstStyle/>
           <a:p>
+            <a:endParaRPr lang="en-US" dirty="0"/>
+          </a:p>
+        </p:txBody>
+      </p:sp>
+      <p:sp>
+        <p:nvSpPr>
+          <p:cNvPr id="4" name="Slide Number Placeholder 3"/>
+          <p:cNvSpPr>
+            <a:spLocks noGrp="1"/>
+          </p:cNvSpPr>
+          <p:nvPr>
+            <p:ph type="sldNum" sz="quarter" idx="5"/>
+          </p:nvPr>
+        </p:nvSpPr>
+        <p:spPr/>
+        <p:txBody>
+          <a:bodyPr/>
+          <a:lstStyle/>
+          <a:p>
+            <a:fld id="{297A166E-ACF1-4C2F-AD43-1E0B732BAB04}" type="slidenum">
+              <a:rPr lang="en-US" smtClean="0"/>
+              <a:t>8</a:t>
+            </a:fld>
+            <a:endParaRPr lang="en-US"/>
+          </a:p>
+        </p:txBody>
+      </p:sp>
+    </p:spTree>
+    <p:extLst>
+      <p:ext uri="{BB962C8B-B14F-4D97-AF65-F5344CB8AC3E}">
+        <p14:creationId xmlns:p14="http://schemas.microsoft.com/office/powerpoint/2010/main" val="668120915"/>
+      </p:ext>
+    </p:extLst>
+  </p:cSld>
+  <p:clrMapOvr>
+    <a:masterClrMapping/>
+  </p:clrMapOvr>
+</p:notes>
+</file>
+
+<file path=ppt/notesSlides/notesSlide5.xml><?xml version="1.0" encoding="utf-8"?>
+<p:notes xmlns:a="http://schemas.openxmlformats.org/drawingml/2006/main" xmlns:r="http://schemas.openxmlformats.org/officeDocument/2006/relationships" xmlns:p="http://schemas.openxmlformats.org/presentationml/2006/main">
+  <p:cSld>
+    <p:spTree>
+      <p:nvGrpSpPr>
+        <p:cNvPr id="1" name=""/>
+        <p:cNvGrpSpPr/>
+        <p:nvPr/>
+      </p:nvGrpSpPr>
+      <p:grpSpPr>
+        <a:xfrm>
+          <a:off x="0" y="0"/>
+          <a:ext cx="0" cy="0"/>
+          <a:chOff x="0" y="0"/>
+          <a:chExt cx="0" cy="0"/>
+        </a:xfrm>
+      </p:grpSpPr>
+      <p:sp>
+        <p:nvSpPr>
+          <p:cNvPr id="2" name="Slide Image Placeholder 1"/>
+          <p:cNvSpPr>
+            <a:spLocks noGrp="1" noRot="1" noChangeAspect="1"/>
+          </p:cNvSpPr>
+          <p:nvPr>
+            <p:ph type="sldImg"/>
+          </p:nvPr>
+        </p:nvSpPr>
+        <p:spPr/>
+      </p:sp>
+      <p:sp>
+        <p:nvSpPr>
+          <p:cNvPr id="3" name="Notes Placeholder 2"/>
+          <p:cNvSpPr>
+            <a:spLocks noGrp="1"/>
+          </p:cNvSpPr>
+          <p:nvPr>
+            <p:ph type="body" idx="1"/>
+          </p:nvPr>
+        </p:nvSpPr>
+        <p:spPr/>
+        <p:txBody>
+          <a:bodyPr/>
+          <a:lstStyle/>
+          <a:p>
             <a:r>
               <a:rPr lang="en-US" dirty="0"/>
               <a:t>https://scikit-learn.org/stable/modules/generated/sklearn.linear_model.Lasso.html</a:t>
@@ -23500,7 +26001,7 @@
 </p:notes>
 </file>
 
-<file path=ppt/notesSlides/notesSlide5.xml><?xml version="1.0" encoding="utf-8"?>
+<file path=ppt/notesSlides/notesSlide6.xml><?xml version="1.0" encoding="utf-8"?>
 <p:notes xmlns:a="http://schemas.openxmlformats.org/drawingml/2006/main" xmlns:r="http://schemas.openxmlformats.org/officeDocument/2006/relationships" xmlns:p="http://schemas.openxmlformats.org/presentationml/2006/main">
   <p:cSld>
     <p:spTree>
@@ -23587,7 +26088,7 @@
 </p:notes>
 </file>
 
-<file path=ppt/notesSlides/notesSlide6.xml><?xml version="1.0" encoding="utf-8"?>
+<file path=ppt/notesSlides/notesSlide7.xml><?xml version="1.0" encoding="utf-8"?>
 <p:notes xmlns:a="http://schemas.openxmlformats.org/drawingml/2006/main" xmlns:r="http://schemas.openxmlformats.org/officeDocument/2006/relationships" xmlns:p="http://schemas.openxmlformats.org/presentationml/2006/main">
   <p:cSld>
     <p:spTree>
@@ -23692,7 +26193,7 @@
 </p:notes>
 </file>
 
-<file path=ppt/notesSlides/notesSlide7.xml><?xml version="1.0" encoding="utf-8"?>
+<file path=ppt/notesSlides/notesSlide8.xml><?xml version="1.0" encoding="utf-8"?>
 <p:notes xmlns:a="http://schemas.openxmlformats.org/drawingml/2006/main" xmlns:r="http://schemas.openxmlformats.org/officeDocument/2006/relationships" xmlns:p="http://schemas.openxmlformats.org/presentationml/2006/main">
   <p:cSld>
     <p:spTree>
@@ -24023,7 +26524,7 @@
           <a:p>
             <a:fld id="{FBA2DA08-F561-4012-B600-F674700837C3}" type="datetimeFigureOut">
               <a:rPr lang="en-US" smtClean="0"/>
-              <a:t>11/13/2019</a:t>
+              <a:t>11/22/2019</a:t>
             </a:fld>
             <a:endParaRPr lang="en-US"/>
           </a:p>
@@ -24231,7 +26732,7 @@
           <a:p>
             <a:fld id="{FBA2DA08-F561-4012-B600-F674700837C3}" type="datetimeFigureOut">
               <a:rPr lang="en-US" smtClean="0"/>
-              <a:t>11/13/2019</a:t>
+              <a:t>11/22/2019</a:t>
             </a:fld>
             <a:endParaRPr lang="en-US"/>
           </a:p>
@@ -24487,7 +26988,7 @@
           <a:p>
             <a:fld id="{FBA2DA08-F561-4012-B600-F674700837C3}" type="datetimeFigureOut">
               <a:rPr lang="en-US" smtClean="0"/>
-              <a:t>11/13/2019</a:t>
+              <a:t>11/22/2019</a:t>
             </a:fld>
             <a:endParaRPr lang="en-US"/>
           </a:p>
@@ -24661,7 +27162,7 @@
           <a:p>
             <a:fld id="{FBA2DA08-F561-4012-B600-F674700837C3}" type="datetimeFigureOut">
               <a:rPr lang="en-US" smtClean="0"/>
-              <a:t>11/13/2019</a:t>
+              <a:t>11/22/2019</a:t>
             </a:fld>
             <a:endParaRPr lang="en-US"/>
           </a:p>
@@ -25004,7 +27505,7 @@
           <a:p>
             <a:fld id="{FBA2DA08-F561-4012-B600-F674700837C3}" type="datetimeFigureOut">
               <a:rPr lang="en-US" smtClean="0"/>
-              <a:t>11/13/2019</a:t>
+              <a:t>11/22/2019</a:t>
             </a:fld>
             <a:endParaRPr lang="en-US"/>
           </a:p>
@@ -25279,7 +27780,7 @@
           <a:p>
             <a:fld id="{FBA2DA08-F561-4012-B600-F674700837C3}" type="datetimeFigureOut">
               <a:rPr lang="en-US" smtClean="0"/>
-              <a:t>11/13/2019</a:t>
+              <a:t>11/22/2019</a:t>
             </a:fld>
             <a:endParaRPr lang="en-US"/>
           </a:p>
@@ -25658,7 +28159,7 @@
           <a:p>
             <a:fld id="{FBA2DA08-F561-4012-B600-F674700837C3}" type="datetimeFigureOut">
               <a:rPr lang="en-US" smtClean="0"/>
-              <a:t>11/13/2019</a:t>
+              <a:t>11/22/2019</a:t>
             </a:fld>
             <a:endParaRPr lang="en-US"/>
           </a:p>
@@ -25776,7 +28277,7 @@
           <a:p>
             <a:fld id="{FBA2DA08-F561-4012-B600-F674700837C3}" type="datetimeFigureOut">
               <a:rPr lang="en-US" smtClean="0"/>
-              <a:t>11/13/2019</a:t>
+              <a:t>11/22/2019</a:t>
             </a:fld>
             <a:endParaRPr lang="en-US"/>
           </a:p>
@@ -25947,7 +28448,7 @@
           <a:p>
             <a:fld id="{FBA2DA08-F561-4012-B600-F674700837C3}" type="datetimeFigureOut">
               <a:rPr lang="en-US" smtClean="0"/>
-              <a:t>11/13/2019</a:t>
+              <a:t>11/22/2019</a:t>
             </a:fld>
             <a:endParaRPr lang="en-US"/>
           </a:p>
@@ -26301,7 +28802,7 @@
           <a:p>
             <a:fld id="{FBA2DA08-F561-4012-B600-F674700837C3}" type="datetimeFigureOut">
               <a:rPr lang="en-US" smtClean="0"/>
-              <a:t>11/13/2019</a:t>
+              <a:t>11/22/2019</a:t>
             </a:fld>
             <a:endParaRPr lang="en-US"/>
           </a:p>
@@ -26683,7 +29184,7 @@
           <a:p>
             <a:fld id="{FBA2DA08-F561-4012-B600-F674700837C3}" type="datetimeFigureOut">
               <a:rPr lang="en-US" smtClean="0"/>
-              <a:t>11/13/2019</a:t>
+              <a:t>11/22/2019</a:t>
             </a:fld>
             <a:endParaRPr lang="en-US"/>
           </a:p>
@@ -26970,7 +29471,7 @@
           <a:p>
             <a:fld id="{FBA2DA08-F561-4012-B600-F674700837C3}" type="datetimeFigureOut">
               <a:rPr lang="en-US" smtClean="0"/>
-              <a:t>11/13/2019</a:t>
+              <a:t>11/22/2019</a:t>
             </a:fld>
             <a:endParaRPr lang="en-US"/>
           </a:p>
@@ -28445,6 +30946,14 @@
 <file path=ppt/slides/slide15.xml><?xml version="1.0" encoding="utf-8"?>
 <p:sld xmlns:a="http://schemas.openxmlformats.org/drawingml/2006/main" xmlns:r="http://schemas.openxmlformats.org/officeDocument/2006/relationships" xmlns:p="http://schemas.openxmlformats.org/presentationml/2006/main">
   <p:cSld>
+    <p:bg>
+      <p:bgPr>
+        <a:solidFill>
+          <a:schemeClr val="bg1"/>
+        </a:solidFill>
+        <a:effectLst/>
+      </p:bgPr>
+    </p:bg>
     <p:spTree>
       <p:nvGrpSpPr>
         <p:cNvPr id="1" name=""/>
@@ -28459,6 +30968,121 @@
           <a:chExt cx="0" cy="0"/>
         </a:xfrm>
       </p:grpSpPr>
+      <p:sp useBgFill="1">
+        <p:nvSpPr>
+          <p:cNvPr id="10" name="Rectangle 9">
+            <a:extLst>
+              <a:ext uri="{FF2B5EF4-FFF2-40B4-BE49-F238E27FC236}">
+                <a16:creationId xmlns:a16="http://schemas.microsoft.com/office/drawing/2014/main" id="{FB5993E2-C02B-4335-ABA5-D8EC465551E3}"/>
+              </a:ext>
+              <a:ext uri="{C183D7F6-B498-43B3-948B-1728B52AA6E4}">
+                <adec:decorative xmlns:adec="http://schemas.microsoft.com/office/drawing/2017/decorative" val="1"/>
+              </a:ext>
+            </a:extLst>
+          </p:cNvPr>
+          <p:cNvSpPr>
+            <a:spLocks noGrp="1" noRot="1" noChangeAspect="1" noMove="1" noResize="1" noEditPoints="1" noAdjustHandles="1" noChangeArrowheads="1" noChangeShapeType="1" noTextEdit="1"/>
+          </p:cNvSpPr>
+          <p:nvPr>
+            <p:extLst>
+              <p:ext uri="{386F3935-93C4-4BCD-93E2-E3B085C9AB24}">
+                <p16:designElem xmlns:p16="http://schemas.microsoft.com/office/powerpoint/2015/main" val="1"/>
+              </p:ext>
+            </p:extLst>
+          </p:nvPr>
+        </p:nvSpPr>
+        <p:spPr>
+          <a:xfrm>
+            <a:off x="0" y="0"/>
+            <a:ext cx="12186315" cy="6858000"/>
+          </a:xfrm>
+          <a:prstGeom prst="rect">
+            <a:avLst/>
+          </a:prstGeom>
+          <a:ln>
+            <a:noFill/>
+          </a:ln>
+        </p:spPr>
+        <p:style>
+          <a:lnRef idx="2">
+            <a:schemeClr val="accent6">
+              <a:shade val="50000"/>
+            </a:schemeClr>
+          </a:lnRef>
+          <a:fillRef idx="1001">
+            <a:schemeClr val="lt1"/>
+          </a:fillRef>
+          <a:effectRef idx="0">
+            <a:schemeClr val="accent6"/>
+          </a:effectRef>
+          <a:fontRef idx="minor">
+            <a:schemeClr val="lt1"/>
+          </a:fontRef>
+        </p:style>
+        <p:txBody>
+          <a:bodyPr rtlCol="0" anchor="ctr"/>
+          <a:lstStyle/>
+          <a:p>
+            <a:pPr algn="ctr"/>
+            <a:endParaRPr lang="en-US"/>
+          </a:p>
+        </p:txBody>
+      </p:sp>
+      <p:sp>
+        <p:nvSpPr>
+          <p:cNvPr id="12" name="Rectangle 11">
+            <a:extLst>
+              <a:ext uri="{FF2B5EF4-FFF2-40B4-BE49-F238E27FC236}">
+                <a16:creationId xmlns:a16="http://schemas.microsoft.com/office/drawing/2014/main" id="{C0B801A2-5622-4BE8-9AD2-C337A2CD0022}"/>
+              </a:ext>
+              <a:ext uri="{C183D7F6-B498-43B3-948B-1728B52AA6E4}">
+                <adec:decorative xmlns:adec="http://schemas.microsoft.com/office/drawing/2017/decorative" val="1"/>
+              </a:ext>
+            </a:extLst>
+          </p:cNvPr>
+          <p:cNvSpPr>
+            <a:spLocks noGrp="1" noRot="1" noChangeAspect="1" noMove="1" noResize="1" noEditPoints="1" noAdjustHandles="1" noChangeArrowheads="1" noChangeShapeType="1" noTextEdit="1"/>
+          </p:cNvSpPr>
+          <p:nvPr>
+            <p:extLst>
+              <p:ext uri="{386F3935-93C4-4BCD-93E2-E3B085C9AB24}">
+                <p16:designElem xmlns:p16="http://schemas.microsoft.com/office/powerpoint/2015/main" val="1"/>
+              </p:ext>
+            </p:extLst>
+          </p:nvPr>
+        </p:nvSpPr>
+        <p:spPr>
+          <a:xfrm>
+            <a:off x="16" y="0"/>
+            <a:ext cx="4050791" cy="6858000"/>
+          </a:xfrm>
+          <a:prstGeom prst="rect">
+            <a:avLst/>
+          </a:prstGeom>
+          <a:solidFill>
+            <a:schemeClr val="accent2"/>
+          </a:solidFill>
+          <a:ln>
+            <a:noFill/>
+          </a:ln>
+        </p:spPr>
+        <p:style>
+          <a:lnRef idx="2">
+            <a:schemeClr val="accent1">
+              <a:shade val="50000"/>
+            </a:schemeClr>
+          </a:lnRef>
+          <a:fillRef idx="1">
+            <a:schemeClr val="accent1"/>
+          </a:fillRef>
+          <a:effectRef idx="0">
+            <a:schemeClr val="accent1"/>
+          </a:effectRef>
+          <a:fontRef idx="minor">
+            <a:schemeClr val="lt1"/>
+          </a:fontRef>
+        </p:style>
+      </p:sp>
       <p:sp>
         <p:nvSpPr>
           <p:cNvPr id="2" name="Title 1">
@@ -28475,13 +31099,24 @@
             <p:ph type="title"/>
           </p:nvPr>
         </p:nvSpPr>
-        <p:spPr/>
+        <p:spPr>
+          <a:xfrm>
+            <a:off x="492370" y="516835"/>
+            <a:ext cx="3084844" cy="5772840"/>
+          </a:xfrm>
+        </p:spPr>
         <p:txBody>
-          <a:bodyPr/>
+          <a:bodyPr anchor="ctr">
+            <a:normAutofit/>
+          </a:bodyPr>
           <a:lstStyle/>
           <a:p>
             <a:r>
-              <a:rPr lang="en-US" dirty="0"/>
+              <a:rPr lang="en-US" sz="3600">
+                <a:solidFill>
+                  <a:srgbClr val="FFFFFF"/>
+                </a:solidFill>
+              </a:rPr>
               <a:t>How AUC (Area Under the Curve) Scores</a:t>
             </a:r>
           </a:p>
@@ -28489,44 +31124,90 @@
       </p:sp>
       <p:sp>
         <p:nvSpPr>
-          <p:cNvPr id="3" name="Content Placeholder 2">
+          <p:cNvPr id="19" name="Rectangle 13">
             <a:extLst>
               <a:ext uri="{FF2B5EF4-FFF2-40B4-BE49-F238E27FC236}">
-                <a16:creationId xmlns:a16="http://schemas.microsoft.com/office/drawing/2014/main" id="{9519247F-D946-4F6B-81B8-1381AE6FE987}"/>
+                <a16:creationId xmlns:a16="http://schemas.microsoft.com/office/drawing/2014/main" id="{B7AF614F-5BC3-4086-99F5-B87C5847A071}"/>
+              </a:ext>
+              <a:ext uri="{C183D7F6-B498-43B3-948B-1728B52AA6E4}">
+                <adec:decorative xmlns:adec="http://schemas.microsoft.com/office/drawing/2017/decorative" val="1"/>
               </a:ext>
             </a:extLst>
           </p:cNvPr>
           <p:cNvSpPr>
-            <a:spLocks noGrp="1"/>
+            <a:spLocks noGrp="1" noRot="1" noChangeAspect="1" noMove="1" noResize="1" noEditPoints="1" noAdjustHandles="1" noChangeArrowheads="1" noChangeShapeType="1" noTextEdit="1"/>
           </p:cNvSpPr>
           <p:nvPr>
-            <p:ph idx="1"/>
+            <p:extLst>
+              <p:ext uri="{386F3935-93C4-4BCD-93E2-E3B085C9AB24}">
+                <p16:designElem xmlns:p16="http://schemas.microsoft.com/office/powerpoint/2015/main" val="1"/>
+              </p:ext>
+            </p:extLst>
           </p:nvPr>
         </p:nvSpPr>
-        <p:spPr/>
-        <p:txBody>
-          <a:bodyPr/>
-          <a:lstStyle/>
-          <a:p>
-            <a:r>
-              <a:rPr lang="en-US" dirty="0"/>
-              <a:t>- AUC takes the total sum of 0 and 1 differences.</a:t>
-            </a:r>
-          </a:p>
-          <a:p>
-            <a:r>
-              <a:rPr lang="en-US" dirty="0"/>
-              <a:t>- Predicting with Regression/Probabilities boosts score</a:t>
-            </a:r>
-          </a:p>
-          <a:p>
-            <a:r>
-              <a:rPr lang="en-US" dirty="0"/>
-              <a:t>- Predicting with only 0 and 1’s creates larger differences (detrimental to score)</a:t>
-            </a:r>
-          </a:p>
-        </p:txBody>
+        <p:spPr>
+          <a:xfrm>
+            <a:off x="4040071" y="0"/>
+            <a:ext cx="64008" cy="6858000"/>
+          </a:xfrm>
+          <a:prstGeom prst="rect">
+            <a:avLst/>
+          </a:prstGeom>
+          <a:solidFill>
+            <a:schemeClr val="accent1"/>
+          </a:solidFill>
+          <a:ln>
+            <a:noFill/>
+          </a:ln>
+        </p:spPr>
+        <p:style>
+          <a:lnRef idx="2">
+            <a:schemeClr val="accent1">
+              <a:shade val="50000"/>
+            </a:schemeClr>
+          </a:lnRef>
+          <a:fillRef idx="1">
+            <a:schemeClr val="accent1"/>
+          </a:fillRef>
+          <a:effectRef idx="0">
+            <a:schemeClr val="accent1"/>
+          </a:effectRef>
+          <a:fontRef idx="minor">
+            <a:schemeClr val="lt1"/>
+          </a:fontRef>
+        </p:style>
       </p:sp>
+      <p:graphicFrame>
+        <p:nvGraphicFramePr>
+          <p:cNvPr id="5" name="Content Placeholder 2">
+            <a:extLst>
+              <a:ext uri="{FF2B5EF4-FFF2-40B4-BE49-F238E27FC236}">
+                <a16:creationId xmlns:a16="http://schemas.microsoft.com/office/drawing/2014/main" id="{134E6AFB-5E6F-44C6-A5A9-F1DE5F1D19EB}"/>
+              </a:ext>
+            </a:extLst>
+          </p:cNvPr>
+          <p:cNvGraphicFramePr>
+            <a:graphicFrameLocks noGrp="1"/>
+          </p:cNvGraphicFramePr>
+          <p:nvPr>
+            <p:ph idx="1"/>
+            <p:extLst>
+              <p:ext uri="{D42A27DB-BD31-4B8C-83A1-F6EECF244321}">
+                <p14:modId xmlns:p14="http://schemas.microsoft.com/office/powerpoint/2010/main" val="2347982843"/>
+              </p:ext>
+            </p:extLst>
+          </p:nvPr>
+        </p:nvGraphicFramePr>
+        <p:xfrm>
+          <a:off x="4741863" y="639763"/>
+          <a:ext cx="6797675" cy="5649912"/>
+        </p:xfrm>
+        <a:graphic>
+          <a:graphicData uri="http://schemas.openxmlformats.org/drawingml/2006/diagram">
+            <dgm:relIds xmlns:dgm="http://schemas.openxmlformats.org/drawingml/2006/diagram" xmlns:r="http://schemas.openxmlformats.org/officeDocument/2006/relationships" r:dm="rId2" r:lo="rId3" r:qs="rId4" r:cs="rId5"/>
+          </a:graphicData>
+        </a:graphic>
+      </p:graphicFrame>
     </p:spTree>
     <p:extLst>
       <p:ext uri="{BB962C8B-B14F-4D97-AF65-F5344CB8AC3E}">
@@ -30042,6 +32723,14 @@
 <file path=ppt/slides/slide8.xml><?xml version="1.0" encoding="utf-8"?>
 <p:sld xmlns:a="http://schemas.openxmlformats.org/drawingml/2006/main" xmlns:r="http://schemas.openxmlformats.org/officeDocument/2006/relationships" xmlns:p="http://schemas.openxmlformats.org/presentationml/2006/main">
   <p:cSld>
+    <p:bg>
+      <p:bgPr>
+        <a:solidFill>
+          <a:schemeClr val="bg1"/>
+        </a:solidFill>
+        <a:effectLst/>
+      </p:bgPr>
+    </p:bg>
     <p:spTree>
       <p:nvGrpSpPr>
         <p:cNvPr id="1" name=""/>
@@ -30056,6 +32745,66 @@
           <a:chExt cx="0" cy="0"/>
         </a:xfrm>
       </p:grpSpPr>
+      <p:sp useBgFill="1">
+        <p:nvSpPr>
+          <p:cNvPr id="31" name="Rectangle 21">
+            <a:extLst>
+              <a:ext uri="{FF2B5EF4-FFF2-40B4-BE49-F238E27FC236}">
+                <a16:creationId xmlns:a16="http://schemas.microsoft.com/office/drawing/2014/main" id="{52ABB703-2B0E-4C3B-B4A2-F3973548E561}"/>
+              </a:ext>
+              <a:ext uri="{C183D7F6-B498-43B3-948B-1728B52AA6E4}">
+                <adec:decorative xmlns:adec="http://schemas.microsoft.com/office/drawing/2017/decorative" val="1"/>
+              </a:ext>
+            </a:extLst>
+          </p:cNvPr>
+          <p:cNvSpPr>
+            <a:spLocks noGrp="1" noRot="1" noChangeAspect="1" noMove="1" noResize="1" noEditPoints="1" noAdjustHandles="1" noChangeArrowheads="1" noChangeShapeType="1" noTextEdit="1"/>
+          </p:cNvSpPr>
+          <p:nvPr>
+            <p:extLst>
+              <p:ext uri="{386F3935-93C4-4BCD-93E2-E3B085C9AB24}">
+                <p16:designElem xmlns:p16="http://schemas.microsoft.com/office/powerpoint/2015/main" val="1"/>
+              </p:ext>
+            </p:extLst>
+          </p:nvPr>
+        </p:nvSpPr>
+        <p:spPr>
+          <a:xfrm>
+            <a:off x="0" y="0"/>
+            <a:ext cx="12192001" cy="6334316"/>
+          </a:xfrm>
+          <a:prstGeom prst="rect">
+            <a:avLst/>
+          </a:prstGeom>
+          <a:ln>
+            <a:noFill/>
+          </a:ln>
+        </p:spPr>
+        <p:style>
+          <a:lnRef idx="2">
+            <a:schemeClr val="accent1">
+              <a:shade val="50000"/>
+            </a:schemeClr>
+          </a:lnRef>
+          <a:fillRef idx="1">
+            <a:schemeClr val="accent1"/>
+          </a:fillRef>
+          <a:effectRef idx="0">
+            <a:schemeClr val="accent1"/>
+          </a:effectRef>
+          <a:fontRef idx="minor">
+            <a:schemeClr val="lt1"/>
+          </a:fontRef>
+        </p:style>
+        <p:txBody>
+          <a:bodyPr rtlCol="0" anchor="ctr"/>
+          <a:lstStyle/>
+          <a:p>
+            <a:pPr algn="ctr"/>
+            <a:endParaRPr lang="en-US"/>
+          </a:p>
+        </p:txBody>
+      </p:sp>
       <p:sp>
         <p:nvSpPr>
           <p:cNvPr id="2" name="Title 1">
@@ -30072,71 +32821,21 @@
             <p:ph type="title"/>
           </p:nvPr>
         </p:nvSpPr>
-        <p:spPr/>
+        <p:spPr>
+          <a:xfrm>
+            <a:off x="6411685" y="634946"/>
+            <a:ext cx="5127171" cy="1450757"/>
+          </a:xfrm>
+        </p:spPr>
         <p:txBody>
-          <a:bodyPr/>
+          <a:bodyPr>
+            <a:normAutofit/>
+          </a:bodyPr>
           <a:lstStyle/>
           <a:p>
             <a:r>
-              <a:rPr lang="en-US" dirty="0"/>
+              <a:rPr lang="en-US"/>
               <a:t>Feature Selection (Lasso)</a:t>
-            </a:r>
-          </a:p>
-        </p:txBody>
-      </p:sp>
-      <p:sp>
-        <p:nvSpPr>
-          <p:cNvPr id="3" name="Content Placeholder 2">
-            <a:extLst>
-              <a:ext uri="{FF2B5EF4-FFF2-40B4-BE49-F238E27FC236}">
-                <a16:creationId xmlns:a16="http://schemas.microsoft.com/office/drawing/2014/main" id="{11BD7C6F-1B6C-4FF3-8A68-8222BF07BE62}"/>
-              </a:ext>
-            </a:extLst>
-          </p:cNvPr>
-          <p:cNvSpPr>
-            <a:spLocks noGrp="1"/>
-          </p:cNvSpPr>
-          <p:nvPr>
-            <p:ph idx="1"/>
-          </p:nvPr>
-        </p:nvSpPr>
-        <p:spPr/>
-        <p:txBody>
-          <a:bodyPr/>
-          <a:lstStyle/>
-          <a:p>
-            <a:r>
-              <a:rPr lang="en-US" dirty="0"/>
-              <a:t>Recursive Feature Elimination and Cross Validation Selection (RFECV)</a:t>
-            </a:r>
-          </a:p>
-          <a:p>
-            <a:pPr lvl="1"/>
-            <a:r>
-              <a:rPr lang="en-US" dirty="0"/>
-              <a:t>Used the Lasso Algorithm as model</a:t>
-            </a:r>
-          </a:p>
-          <a:p>
-            <a:pPr lvl="1"/>
-            <a:r>
-              <a:rPr lang="en-US" dirty="0"/>
-              <a:t>Used </a:t>
-            </a:r>
-            <a:r>
-              <a:rPr lang="en-US" dirty="0" err="1"/>
-              <a:t>StratisfiedKFold</a:t>
-            </a:r>
-            <a:r>
-              <a:rPr lang="en-US" dirty="0"/>
-              <a:t> of 20 to split up the data for RFECV</a:t>
-            </a:r>
-          </a:p>
-          <a:p>
-            <a:pPr lvl="1"/>
-            <a:r>
-              <a:rPr lang="en-US" dirty="0"/>
-              <a:t>16 Parameters chosen w/ step of 5</a:t>
             </a:r>
           </a:p>
         </p:txBody>
@@ -30155,33 +32854,274 @@
           </p:cNvPicPr>
           <p:nvPr/>
         </p:nvPicPr>
-        <p:blipFill>
-          <a:blip r:embed="rId2">
+        <p:blipFill rotWithShape="1">
+          <a:blip r:embed="rId3">
             <a:extLst>
               <a:ext uri="{28A0092B-C50C-407E-A947-70E740481C1C}">
                 <a14:useLocalDpi xmlns:a14="http://schemas.microsoft.com/office/drawing/2010/main" val="0"/>
               </a:ext>
             </a:extLst>
           </a:blip>
-          <a:stretch>
-            <a:fillRect/>
-          </a:stretch>
+          <a:srcRect r="3137" b="2"/>
+          <a:stretch/>
         </p:blipFill>
         <p:spPr>
           <a:xfrm>
-            <a:off x="7101841" y="2428050"/>
-            <a:ext cx="4626614" cy="3441044"/>
+            <a:off x="643192" y="1172523"/>
+            <a:ext cx="5451627" cy="4192912"/>
           </a:xfrm>
           <a:prstGeom prst="rect">
             <a:avLst/>
           </a:prstGeom>
-          <a:ln>
+        </p:spPr>
+      </p:pic>
+      <p:cxnSp>
+        <p:nvCxnSpPr>
+          <p:cNvPr id="32" name="Straight Connector 23">
+            <a:extLst>
+              <a:ext uri="{FF2B5EF4-FFF2-40B4-BE49-F238E27FC236}">
+                <a16:creationId xmlns:a16="http://schemas.microsoft.com/office/drawing/2014/main" id="{9C21570E-E159-49A6-9891-FA397B7A92D3}"/>
+              </a:ext>
+              <a:ext uri="{C183D7F6-B498-43B3-948B-1728B52AA6E4}">
+                <adec:decorative xmlns:adec="http://schemas.microsoft.com/office/drawing/2017/decorative" val="1"/>
+              </a:ext>
+            </a:extLst>
+          </p:cNvPr>
+          <p:cNvCxnSpPr>
+            <a:cxnSpLocks noGrp="1" noRot="1" noChangeAspect="1" noMove="1" noResize="1" noEditPoints="1" noAdjustHandles="1" noChangeArrowheads="1" noChangeShapeType="1"/>
+          </p:cNvCxnSpPr>
+          <p:nvPr>
+            <p:extLst>
+              <p:ext uri="{386F3935-93C4-4BCD-93E2-E3B085C9AB24}">
+                <p16:designElem xmlns:p16="http://schemas.microsoft.com/office/powerpoint/2015/main" val="1"/>
+              </p:ext>
+            </p:extLst>
+          </p:nvPr>
+        </p:nvCxnSpPr>
+        <p:spPr>
+          <a:xfrm>
+            <a:off x="6411684" y="2086188"/>
+            <a:ext cx="4748808" cy="0"/>
+          </a:xfrm>
+          <a:prstGeom prst="line">
+            <a:avLst/>
+          </a:prstGeom>
+          <a:ln w="6350">
             <a:solidFill>
-              <a:schemeClr val="accent1"/>
+              <a:schemeClr val="tx1">
+                <a:lumMod val="50000"/>
+                <a:lumOff val="50000"/>
+                <a:alpha val="90000"/>
+              </a:schemeClr>
             </a:solidFill>
           </a:ln>
         </p:spPr>
-      </p:pic>
+        <p:style>
+          <a:lnRef idx="1">
+            <a:schemeClr val="accent1"/>
+          </a:lnRef>
+          <a:fillRef idx="0">
+            <a:schemeClr val="accent1"/>
+          </a:fillRef>
+          <a:effectRef idx="0">
+            <a:schemeClr val="accent1"/>
+          </a:effectRef>
+          <a:fontRef idx="minor">
+            <a:schemeClr val="tx1"/>
+          </a:fontRef>
+        </p:style>
+      </p:cxnSp>
+      <p:sp>
+        <p:nvSpPr>
+          <p:cNvPr id="3" name="Content Placeholder 2">
+            <a:extLst>
+              <a:ext uri="{FF2B5EF4-FFF2-40B4-BE49-F238E27FC236}">
+                <a16:creationId xmlns:a16="http://schemas.microsoft.com/office/drawing/2014/main" id="{11BD7C6F-1B6C-4FF3-8A68-8222BF07BE62}"/>
+              </a:ext>
+            </a:extLst>
+          </p:cNvPr>
+          <p:cNvSpPr>
+            <a:spLocks noGrp="1"/>
+          </p:cNvSpPr>
+          <p:nvPr>
+            <p:ph idx="1"/>
+          </p:nvPr>
+        </p:nvSpPr>
+        <p:spPr>
+          <a:xfrm>
+            <a:off x="6411684" y="2198914"/>
+            <a:ext cx="5127172" cy="3670180"/>
+          </a:xfrm>
+        </p:spPr>
+        <p:txBody>
+          <a:bodyPr>
+            <a:normAutofit/>
+          </a:bodyPr>
+          <a:lstStyle/>
+          <a:p>
+            <a:pPr>
+              <a:lnSpc>
+                <a:spcPct val="150000"/>
+              </a:lnSpc>
+            </a:pPr>
+            <a:r>
+              <a:rPr lang="en-US" dirty="0"/>
+              <a:t>Recursive Feature Elimination and Cross Validation Selection (RFECV)</a:t>
+            </a:r>
+          </a:p>
+          <a:p>
+            <a:pPr lvl="1">
+              <a:lnSpc>
+                <a:spcPct val="150000"/>
+              </a:lnSpc>
+            </a:pPr>
+            <a:r>
+              <a:rPr lang="en-US" dirty="0"/>
+              <a:t>Used the Lasso Algorithm as model</a:t>
+            </a:r>
+          </a:p>
+          <a:p>
+            <a:pPr lvl="1">
+              <a:lnSpc>
+                <a:spcPct val="150000"/>
+              </a:lnSpc>
+            </a:pPr>
+            <a:r>
+              <a:rPr lang="en-US" dirty="0"/>
+              <a:t>Used </a:t>
+            </a:r>
+            <a:r>
+              <a:rPr lang="en-US" dirty="0" err="1"/>
+              <a:t>StratisfiedKFold</a:t>
+            </a:r>
+            <a:r>
+              <a:rPr lang="en-US" dirty="0"/>
+              <a:t> of 20 to split up the data for RFECV</a:t>
+            </a:r>
+          </a:p>
+          <a:p>
+            <a:pPr lvl="1">
+              <a:lnSpc>
+                <a:spcPct val="150000"/>
+              </a:lnSpc>
+            </a:pPr>
+            <a:r>
+              <a:rPr lang="en-US" dirty="0"/>
+              <a:t>16 Parameters chosen w/ step of 5</a:t>
+            </a:r>
+          </a:p>
+        </p:txBody>
+      </p:sp>
+      <p:sp>
+        <p:nvSpPr>
+          <p:cNvPr id="33" name="Rectangle 25">
+            <a:extLst>
+              <a:ext uri="{FF2B5EF4-FFF2-40B4-BE49-F238E27FC236}">
+                <a16:creationId xmlns:a16="http://schemas.microsoft.com/office/drawing/2014/main" id="{E95DA498-D9A2-4DA9-B9DA-B3776E08CF7E}"/>
+              </a:ext>
+              <a:ext uri="{C183D7F6-B498-43B3-948B-1728B52AA6E4}">
+                <adec:decorative xmlns:adec="http://schemas.microsoft.com/office/drawing/2017/decorative" val="1"/>
+              </a:ext>
+            </a:extLst>
+          </p:cNvPr>
+          <p:cNvSpPr>
+            <a:spLocks noGrp="1" noRot="1" noChangeAspect="1" noMove="1" noResize="1" noEditPoints="1" noAdjustHandles="1" noChangeArrowheads="1" noChangeShapeType="1" noTextEdit="1"/>
+          </p:cNvSpPr>
+          <p:nvPr>
+            <p:extLst>
+              <p:ext uri="{386F3935-93C4-4BCD-93E2-E3B085C9AB24}">
+                <p16:designElem xmlns:p16="http://schemas.microsoft.com/office/powerpoint/2015/main" val="1"/>
+              </p:ext>
+            </p:extLst>
+          </p:nvPr>
+        </p:nvSpPr>
+        <p:spPr>
+          <a:xfrm>
+            <a:off x="15" y="6334316"/>
+            <a:ext cx="12191985" cy="66484"/>
+          </a:xfrm>
+          <a:prstGeom prst="rect">
+            <a:avLst/>
+          </a:prstGeom>
+          <a:solidFill>
+            <a:schemeClr val="accent1"/>
+          </a:solidFill>
+          <a:ln>
+            <a:noFill/>
+          </a:ln>
+        </p:spPr>
+        <p:style>
+          <a:lnRef idx="2">
+            <a:schemeClr val="accent1">
+              <a:shade val="50000"/>
+            </a:schemeClr>
+          </a:lnRef>
+          <a:fillRef idx="1">
+            <a:schemeClr val="accent1"/>
+          </a:fillRef>
+          <a:effectRef idx="0">
+            <a:schemeClr val="accent1"/>
+          </a:effectRef>
+          <a:fontRef idx="minor">
+            <a:schemeClr val="lt1"/>
+          </a:fontRef>
+        </p:style>
+      </p:sp>
+      <p:sp>
+        <p:nvSpPr>
+          <p:cNvPr id="34" name="Rectangle 27">
+            <a:extLst>
+              <a:ext uri="{FF2B5EF4-FFF2-40B4-BE49-F238E27FC236}">
+                <a16:creationId xmlns:a16="http://schemas.microsoft.com/office/drawing/2014/main" id="{82A73093-4B9D-420D-B17E-52293703A1D4}"/>
+              </a:ext>
+              <a:ext uri="{C183D7F6-B498-43B3-948B-1728B52AA6E4}">
+                <adec:decorative xmlns:adec="http://schemas.microsoft.com/office/drawing/2017/decorative" val="1"/>
+              </a:ext>
+            </a:extLst>
+          </p:cNvPr>
+          <p:cNvSpPr>
+            <a:spLocks noGrp="1" noRot="1" noChangeAspect="1" noMove="1" noResize="1" noEditPoints="1" noAdjustHandles="1" noChangeArrowheads="1" noChangeShapeType="1" noTextEdit="1"/>
+          </p:cNvSpPr>
+          <p:nvPr>
+            <p:extLst>
+              <p:ext uri="{386F3935-93C4-4BCD-93E2-E3B085C9AB24}">
+                <p16:designElem xmlns:p16="http://schemas.microsoft.com/office/powerpoint/2015/main" val="1"/>
+              </p:ext>
+            </p:extLst>
+          </p:nvPr>
+        </p:nvSpPr>
+        <p:spPr>
+          <a:xfrm>
+            <a:off x="1" y="6400800"/>
+            <a:ext cx="12192000" cy="457200"/>
+          </a:xfrm>
+          <a:prstGeom prst="rect">
+            <a:avLst/>
+          </a:prstGeom>
+          <a:solidFill>
+            <a:schemeClr val="accent2"/>
+          </a:solidFill>
+          <a:ln>
+            <a:noFill/>
+          </a:ln>
+        </p:spPr>
+        <p:style>
+          <a:lnRef idx="2">
+            <a:schemeClr val="accent1">
+              <a:shade val="50000"/>
+            </a:schemeClr>
+          </a:lnRef>
+          <a:fillRef idx="1">
+            <a:schemeClr val="accent1"/>
+          </a:fillRef>
+          <a:effectRef idx="0">
+            <a:schemeClr val="accent1"/>
+          </a:effectRef>
+          <a:fontRef idx="minor">
+            <a:schemeClr val="lt1"/>
+          </a:fontRef>
+        </p:style>
+      </p:sp>
     </p:spTree>
     <p:extLst>
       <p:ext uri="{BB962C8B-B14F-4D97-AF65-F5344CB8AC3E}">
